--- a/mid_term.pptx
+++ b/mid_term.pptx
@@ -12,9 +12,8 @@
     <p:sldId id="273" r:id="rId6"/>
     <p:sldId id="264" r:id="rId7"/>
     <p:sldId id="268" r:id="rId8"/>
-    <p:sldId id="261" r:id="rId9"/>
-    <p:sldId id="263" r:id="rId10"/>
-    <p:sldId id="276" r:id="rId11"/>
+    <p:sldId id="263" r:id="rId9"/>
+    <p:sldId id="276" r:id="rId10"/>
   </p:sldIdLst>
   <p:sldSz cx="12192000" cy="6858000"/>
   <p:notesSz cx="6858000" cy="9144000"/>
@@ -291,7 +290,7 @@
           <a:p>
             <a:fld id="{78363832-F4F9-4F4D-9C74-BFFFF749447A}" type="datetimeFigureOut">
               <a:rPr lang="en-GB" smtClean="0"/>
-              <a:t>09/08/2022</a:t>
+              <a:t>17/08/2022</a:t>
             </a:fld>
             <a:endParaRPr lang="en-GB"/>
           </a:p>
@@ -491,7 +490,7 @@
           <a:p>
             <a:fld id="{78363832-F4F9-4F4D-9C74-BFFFF749447A}" type="datetimeFigureOut">
               <a:rPr lang="en-GB" smtClean="0"/>
-              <a:t>09/08/2022</a:t>
+              <a:t>17/08/2022</a:t>
             </a:fld>
             <a:endParaRPr lang="en-GB"/>
           </a:p>
@@ -701,7 +700,7 @@
           <a:p>
             <a:fld id="{78363832-F4F9-4F4D-9C74-BFFFF749447A}" type="datetimeFigureOut">
               <a:rPr lang="en-GB" smtClean="0"/>
-              <a:t>09/08/2022</a:t>
+              <a:t>17/08/2022</a:t>
             </a:fld>
             <a:endParaRPr lang="en-GB"/>
           </a:p>
@@ -901,7 +900,7 @@
           <a:p>
             <a:fld id="{78363832-F4F9-4F4D-9C74-BFFFF749447A}" type="datetimeFigureOut">
               <a:rPr lang="en-GB" smtClean="0"/>
-              <a:t>09/08/2022</a:t>
+              <a:t>17/08/2022</a:t>
             </a:fld>
             <a:endParaRPr lang="en-GB"/>
           </a:p>
@@ -1177,7 +1176,7 @@
           <a:p>
             <a:fld id="{78363832-F4F9-4F4D-9C74-BFFFF749447A}" type="datetimeFigureOut">
               <a:rPr lang="en-GB" smtClean="0"/>
-              <a:t>09/08/2022</a:t>
+              <a:t>17/08/2022</a:t>
             </a:fld>
             <a:endParaRPr lang="en-GB"/>
           </a:p>
@@ -1445,7 +1444,7 @@
           <a:p>
             <a:fld id="{78363832-F4F9-4F4D-9C74-BFFFF749447A}" type="datetimeFigureOut">
               <a:rPr lang="en-GB" smtClean="0"/>
-              <a:t>09/08/2022</a:t>
+              <a:t>17/08/2022</a:t>
             </a:fld>
             <a:endParaRPr lang="en-GB"/>
           </a:p>
@@ -1860,7 +1859,7 @@
           <a:p>
             <a:fld id="{78363832-F4F9-4F4D-9C74-BFFFF749447A}" type="datetimeFigureOut">
               <a:rPr lang="en-GB" smtClean="0"/>
-              <a:t>09/08/2022</a:t>
+              <a:t>17/08/2022</a:t>
             </a:fld>
             <a:endParaRPr lang="en-GB"/>
           </a:p>
@@ -2002,7 +2001,7 @@
           <a:p>
             <a:fld id="{78363832-F4F9-4F4D-9C74-BFFFF749447A}" type="datetimeFigureOut">
               <a:rPr lang="en-GB" smtClean="0"/>
-              <a:t>09/08/2022</a:t>
+              <a:t>17/08/2022</a:t>
             </a:fld>
             <a:endParaRPr lang="en-GB"/>
           </a:p>
@@ -2115,7 +2114,7 @@
           <a:p>
             <a:fld id="{78363832-F4F9-4F4D-9C74-BFFFF749447A}" type="datetimeFigureOut">
               <a:rPr lang="en-GB" smtClean="0"/>
-              <a:t>09/08/2022</a:t>
+              <a:t>17/08/2022</a:t>
             </a:fld>
             <a:endParaRPr lang="en-GB"/>
           </a:p>
@@ -2428,7 +2427,7 @@
           <a:p>
             <a:fld id="{78363832-F4F9-4F4D-9C74-BFFFF749447A}" type="datetimeFigureOut">
               <a:rPr lang="en-GB" smtClean="0"/>
-              <a:t>09/08/2022</a:t>
+              <a:t>17/08/2022</a:t>
             </a:fld>
             <a:endParaRPr lang="en-GB"/>
           </a:p>
@@ -2717,7 +2716,7 @@
           <a:p>
             <a:fld id="{78363832-F4F9-4F4D-9C74-BFFFF749447A}" type="datetimeFigureOut">
               <a:rPr lang="en-GB" smtClean="0"/>
-              <a:t>09/08/2022</a:t>
+              <a:t>17/08/2022</a:t>
             </a:fld>
             <a:endParaRPr lang="en-GB"/>
           </a:p>
@@ -2960,7 +2959,7 @@
           <a:p>
             <a:fld id="{78363832-F4F9-4F4D-9C74-BFFFF749447A}" type="datetimeFigureOut">
               <a:rPr lang="en-GB" smtClean="0"/>
-              <a:t>09/08/2022</a:t>
+              <a:t>17/08/2022</a:t>
             </a:fld>
             <a:endParaRPr lang="en-GB"/>
           </a:p>
@@ -3363,14 +3362,6 @@
 <file path=ppt/slides/slide1.xml><?xml version="1.0" encoding="utf-8"?>
 <p:sld xmlns:a="http://schemas.openxmlformats.org/drawingml/2006/main" xmlns:r="http://schemas.openxmlformats.org/officeDocument/2006/relationships" xmlns:p="http://schemas.openxmlformats.org/presentationml/2006/main">
   <p:cSld>
-    <p:bg>
-      <p:bgPr>
-        <a:solidFill>
-          <a:schemeClr val="bg1"/>
-        </a:solidFill>
-        <a:effectLst/>
-      </p:bgPr>
-    </p:bg>
     <p:spTree>
       <p:nvGrpSpPr>
         <p:cNvPr id="1" name=""/>
@@ -3445,67 +3436,6 @@
           </a:p>
         </p:txBody>
       </p:sp>
-      <p:pic>
-        <p:nvPicPr>
-          <p:cNvPr id="5" name="Picture 4">
-            <a:extLst>
-              <a:ext uri="{FF2B5EF4-FFF2-40B4-BE49-F238E27FC236}">
-                <a16:creationId xmlns:a16="http://schemas.microsoft.com/office/drawing/2014/main" id="{D6F7513F-82BA-D657-FBF1-99993AEC170A}"/>
-              </a:ext>
-            </a:extLst>
-          </p:cNvPr>
-          <p:cNvPicPr>
-            <a:picLocks noChangeAspect="1"/>
-          </p:cNvPicPr>
-          <p:nvPr/>
-        </p:nvPicPr>
-        <p:blipFill rotWithShape="1">
-          <a:blip r:embed="rId2">
-            <a:extLst>
-              <a:ext uri="{BEBA8EAE-BF5A-486C-A8C5-ECC9F3942E4B}">
-                <a14:imgProps xmlns:a14="http://schemas.microsoft.com/office/drawing/2010/main">
-                  <a14:imgLayer r:embed="rId3">
-                    <a14:imgEffect>
-                      <a14:backgroundRemoval t="2500" b="99583" l="10000" r="90000">
-                        <a14:foregroundMark x1="49688" y1="14583" x2="49688" y2="14583"/>
-                        <a14:foregroundMark x1="54922" y1="15694" x2="54922" y2="15694"/>
-                        <a14:foregroundMark x1="44609" y1="12917" x2="67734" y2="17917"/>
-                        <a14:foregroundMark x1="67734" y1="17917" x2="71563" y2="17639"/>
-                        <a14:foregroundMark x1="33750" y1="5139" x2="70078" y2="2500"/>
-                        <a14:foregroundMark x1="70078" y1="2500" x2="72031" y2="3056"/>
-                        <a14:foregroundMark x1="20938" y1="72778" x2="28359" y2="90694"/>
-                        <a14:foregroundMark x1="80938" y1="86528" x2="82109" y2="97500"/>
-                        <a14:foregroundMark x1="25469" y1="97361" x2="25859" y2="99583"/>
-                        <a14:backgroundMark x1="42656" y1="93889" x2="51875" y2="95417"/>
-                        <a14:backgroundMark x1="51875" y1="95417" x2="63125" y2="94444"/>
-                        <a14:backgroundMark x1="63125" y1="94444" x2="65000" y2="93194"/>
-                        <a14:backgroundMark x1="51016" y1="66250" x2="56016" y2="66250"/>
-                        <a14:backgroundMark x1="56016" y1="43750" x2="58906" y2="41806"/>
-                        <a14:backgroundMark x1="48906" y1="34861" x2="48906" y2="34861"/>
-                        <a14:backgroundMark x1="33750" y1="72083" x2="33750" y2="72083"/>
-                      </a14:backgroundRemoval>
-                    </a14:imgEffect>
-                  </a14:imgLayer>
-                </a14:imgProps>
-              </a:ext>
-              <a:ext uri="{28A0092B-C50C-407E-A947-70E740481C1C}">
-                <a14:useLocalDpi xmlns:a14="http://schemas.microsoft.com/office/drawing/2010/main" val="0"/>
-              </a:ext>
-            </a:extLst>
-          </a:blip>
-          <a:srcRect l="5886" t="9091" r="29478"/>
-          <a:stretch/>
-        </p:blipFill>
-        <p:spPr>
-          <a:xfrm>
-            <a:off x="3523488" y="10"/>
-            <a:ext cx="8668512" cy="6857990"/>
-          </a:xfrm>
-          <a:prstGeom prst="rect">
-            <a:avLst/>
-          </a:prstGeom>
-        </p:spPr>
-      </p:pic>
       <p:sp>
         <p:nvSpPr>
           <p:cNvPr id="19" name="Rectangle 11">
@@ -3618,11 +3548,21 @@
             <a:pPr algn="l"/>
             <a:r>
               <a:rPr lang="en-US" sz="4400" dirty="0"/>
-              <a:t>Surgeon Identification in Cementless  Hip Replacement using </a:t>
-            </a:r>
-            <a:r>
-              <a:rPr lang="en-US" sz="4400" dirty="0" err="1"/>
-              <a:t>SincNet</a:t>
+              <a:t>Words Embedding  Word2Vec </a:t>
+            </a:r>
+            <a:br>
+              <a:rPr lang="en-US" sz="4400" dirty="0"/>
+            </a:br>
+            <a:r>
+              <a:rPr lang="en-US" sz="4400" dirty="0"/>
+              <a:t>vs </a:t>
+            </a:r>
+            <a:br>
+              <a:rPr lang="en-US" sz="4400" dirty="0"/>
+            </a:br>
+            <a:r>
+              <a:rPr lang="en-US" sz="4400" dirty="0"/>
+              <a:t>Glove</a:t>
             </a:r>
             <a:endParaRPr lang="en-GB" sz="4400" dirty="0"/>
           </a:p>
@@ -3647,45 +3587,32 @@
         <p:spPr>
           <a:xfrm>
             <a:off x="477980" y="4872922"/>
-            <a:ext cx="4798870" cy="1700852"/>
+            <a:ext cx="2706091" cy="1700852"/>
           </a:xfrm>
         </p:spPr>
         <p:txBody>
           <a:bodyPr>
-            <a:normAutofit fontScale="32500" lnSpcReduction="20000"/>
+            <a:normAutofit fontScale="62500" lnSpcReduction="20000"/>
           </a:bodyPr>
           <a:lstStyle/>
           <a:p>
             <a:pPr algn="l"/>
-            <a:endParaRPr lang="en-US" sz="800" dirty="0"/>
+            <a:r>
+              <a:rPr lang="en-GB" sz="5500" dirty="0"/>
+              <a:t>Chen Sheiner,</a:t>
+            </a:r>
           </a:p>
           <a:p>
             <a:pPr algn="l"/>
-            <a:endParaRPr lang="en-GB" sz="2800" dirty="0"/>
+            <a:r>
+              <a:rPr lang="en-GB" sz="5500" dirty="0"/>
+              <a:t>Shay Shemesh</a:t>
+            </a:r>
           </a:p>
           <a:p>
             <a:pPr algn="l"/>
-            <a:endParaRPr lang="en-GB" sz="2800" dirty="0"/>
-          </a:p>
-          <a:p>
-            <a:pPr algn="l"/>
-            <a:r>
-              <a:rPr lang="en-GB" sz="5500" dirty="0"/>
-              <a:t>Chen </a:t>
-            </a:r>
-            <a:r>
-              <a:rPr lang="en-GB" sz="5500" dirty="0" err="1"/>
-              <a:t>Sheiner</a:t>
-            </a:r>
-            <a:r>
-              <a:rPr lang="en-GB" sz="5500" dirty="0"/>
-              <a:t>, Eden Moran, Shay Shemesh</a:t>
-            </a:r>
-          </a:p>
-          <a:p>
-            <a:pPr algn="l"/>
-            <a:r>
-              <a:rPr lang="en-GB" sz="11200" dirty="0"/>
+            <a:r>
+              <a:rPr lang="en-GB" sz="7700" dirty="0"/>
               <a:t>Aug 2022</a:t>
             </a:r>
           </a:p>
@@ -3860,116 +3787,6 @@
     </p:extLst>
   </p:cSld>
   <p:clrMapOvr>
-    <a:overrideClrMapping bg1="dk1" tx1="lt1" bg2="dk2" tx2="lt2" accent1="accent1" accent2="accent2" accent3="accent3" accent4="accent4" accent5="accent5" accent6="accent6" hlink="hlink" folHlink="folHlink"/>
-  </p:clrMapOvr>
-</p:sld>
-</file>
-
-<file path=ppt/slides/slide10.xml><?xml version="1.0" encoding="utf-8"?>
-<p:sld xmlns:a="http://schemas.openxmlformats.org/drawingml/2006/main" xmlns:r="http://schemas.openxmlformats.org/officeDocument/2006/relationships" xmlns:p="http://schemas.openxmlformats.org/presentationml/2006/main">
-  <p:cSld>
-    <p:bg>
-      <p:bgPr>
-        <a:blipFill dpi="0" rotWithShape="1">
-          <a:blip r:embed="rId2">
-            <a:lum/>
-          </a:blip>
-          <a:srcRect/>
-          <a:stretch>
-            <a:fillRect/>
-          </a:stretch>
-        </a:blipFill>
-        <a:effectLst/>
-      </p:bgPr>
-    </p:bg>
-    <p:spTree>
-      <p:nvGrpSpPr>
-        <p:cNvPr id="1" name=""/>
-        <p:cNvGrpSpPr/>
-        <p:nvPr/>
-      </p:nvGrpSpPr>
-      <p:grpSpPr>
-        <a:xfrm>
-          <a:off x="0" y="0"/>
-          <a:ext cx="0" cy="0"/>
-          <a:chOff x="0" y="0"/>
-          <a:chExt cx="0" cy="0"/>
-        </a:xfrm>
-      </p:grpSpPr>
-      <p:sp>
-        <p:nvSpPr>
-          <p:cNvPr id="2" name="Title 1">
-            <a:extLst>
-              <a:ext uri="{FF2B5EF4-FFF2-40B4-BE49-F238E27FC236}">
-                <a16:creationId xmlns:a16="http://schemas.microsoft.com/office/drawing/2014/main" id="{B1B2157A-6E97-71AC-96AF-6A651C07C07F}"/>
-              </a:ext>
-            </a:extLst>
-          </p:cNvPr>
-          <p:cNvSpPr>
-            <a:spLocks noGrp="1"/>
-          </p:cNvSpPr>
-          <p:nvPr>
-            <p:ph type="title"/>
-          </p:nvPr>
-        </p:nvSpPr>
-        <p:spPr>
-          <a:xfrm>
-            <a:off x="3777133" y="2226055"/>
-            <a:ext cx="4637734" cy="2405889"/>
-          </a:xfrm>
-        </p:spPr>
-        <p:txBody>
-          <a:bodyPr>
-            <a:normAutofit/>
-          </a:bodyPr>
-          <a:lstStyle/>
-          <a:p>
-            <a:r>
-              <a:rPr lang="en-US" sz="6600" b="1" dirty="0"/>
-              <a:t>Questions?</a:t>
-            </a:r>
-            <a:endParaRPr lang="en-GB" sz="6600" b="1" dirty="0"/>
-          </a:p>
-        </p:txBody>
-      </p:sp>
-      <p:pic>
-        <p:nvPicPr>
-          <p:cNvPr id="4" name="Picture 3">
-            <a:extLst>
-              <a:ext uri="{FF2B5EF4-FFF2-40B4-BE49-F238E27FC236}">
-                <a16:creationId xmlns:a16="http://schemas.microsoft.com/office/drawing/2014/main" id="{44610905-858F-586A-B44E-B30D5F5E1B3E}"/>
-              </a:ext>
-            </a:extLst>
-          </p:cNvPr>
-          <p:cNvPicPr>
-            <a:picLocks noChangeAspect="1"/>
-          </p:cNvPicPr>
-          <p:nvPr/>
-        </p:nvPicPr>
-        <p:blipFill>
-          <a:blip r:embed="rId3"/>
-          <a:stretch>
-            <a:fillRect/>
-          </a:stretch>
-        </p:blipFill>
-        <p:spPr>
-          <a:xfrm>
-            <a:off x="8995356" y="677861"/>
-            <a:ext cx="2167944" cy="2405889"/>
-          </a:xfrm>
-          <a:prstGeom prst="rect">
-            <a:avLst/>
-          </a:prstGeom>
-        </p:spPr>
-      </p:pic>
-    </p:spTree>
-    <p:extLst>
-      <p:ext uri="{BB962C8B-B14F-4D97-AF65-F5344CB8AC3E}">
-        <p14:creationId xmlns:p14="http://schemas.microsoft.com/office/powerpoint/2010/main" val="1778032345"/>
-      </p:ext>
-    </p:extLst>
-  </p:cSld>
-  <p:clrMapOvr>
     <a:masterClrMapping/>
   </p:clrMapOvr>
 </p:sld>
@@ -3978,20 +3795,6 @@
 <file path=ppt/slides/slide2.xml><?xml version="1.0" encoding="utf-8"?>
 <p:sld xmlns:a="http://schemas.openxmlformats.org/drawingml/2006/main" xmlns:r="http://schemas.openxmlformats.org/officeDocument/2006/relationships" xmlns:p="http://schemas.openxmlformats.org/presentationml/2006/main">
   <p:cSld>
-    <p:bg>
-      <p:bgPr>
-        <a:blipFill dpi="0" rotWithShape="1">
-          <a:blip r:embed="rId2">
-            <a:lum/>
-          </a:blip>
-          <a:srcRect/>
-          <a:stretch>
-            <a:fillRect/>
-          </a:stretch>
-        </a:blipFill>
-        <a:effectLst/>
-      </p:bgPr>
-    </p:bg>
     <p:spTree>
       <p:nvGrpSpPr>
         <p:cNvPr id="1" name=""/>
@@ -4104,7 +3907,7 @@
                 <a:uLnTx/>
                 <a:uFillTx/>
                 <a:ea typeface="+mn-ea"/>
-                <a:cs typeface="+mn-cs"/>
+                <a:cs typeface="Arial" panose="020B0604020202020204" pitchFamily="34" charset="0"/>
               </a:rPr>
               <a:t>Introduction</a:t>
             </a:r>
@@ -4139,9 +3942,9 @@
                 <a:uLnTx/>
                 <a:uFillTx/>
                 <a:ea typeface="+mn-ea"/>
-                <a:cs typeface="+mn-cs"/>
+                <a:cs typeface="Arial" panose="020B0604020202020204" pitchFamily="34" charset="0"/>
               </a:rPr>
-              <a:t>Hypothesis</a:t>
+              <a:t>Word2vec</a:t>
             </a:r>
           </a:p>
           <a:p>
@@ -4163,41 +3966,13 @@
               <a:defRPr/>
             </a:pPr>
             <a:r>
-              <a:rPr kumimoji="0" lang="en-US" sz="3200" b="0" i="0" u="none" strike="noStrike" kern="1200" cap="none" spc="0" normalizeH="0" baseline="0" noProof="0" dirty="0">
-                <a:ln>
-                  <a:noFill/>
-                </a:ln>
+              <a:rPr lang="en-US" sz="3200" dirty="0">
                 <a:solidFill>
                   <a:prstClr val="black"/>
                 </a:solidFill>
-                <a:effectLst/>
-                <a:uLnTx/>
-                <a:uFillTx/>
-                <a:ea typeface="+mn-ea"/>
-                <a:cs typeface="+mn-cs"/>
+                <a:cs typeface="Arial" panose="020B0604020202020204" pitchFamily="34" charset="0"/>
               </a:rPr>
-              <a:t>Speaker identification </a:t>
-            </a:r>
-          </a:p>
-          <a:p>
-            <a:pPr>
-              <a:defRPr/>
-            </a:pPr>
-            <a:r>
-              <a:rPr kumimoji="0" lang="en-US" sz="3200" b="0" i="0" u="none" strike="noStrike" kern="1200" cap="none" spc="0" normalizeH="0" baseline="0" noProof="0" dirty="0">
-                <a:ln>
-                  <a:noFill/>
-                </a:ln>
-                <a:solidFill>
-                  <a:prstClr val="black"/>
-                </a:solidFill>
-                <a:effectLst/>
-                <a:uLnTx/>
-                <a:uFillTx/>
-                <a:ea typeface="+mn-ea"/>
-                <a:cs typeface="+mn-cs"/>
-              </a:rPr>
-              <a:t>Data set</a:t>
+              <a:t>Glove</a:t>
             </a:r>
           </a:p>
           <a:p>
@@ -4219,34 +3994,14 @@
               <a:defRPr/>
             </a:pPr>
             <a:r>
-              <a:rPr kumimoji="0" lang="en-US" sz="3200" b="0" i="0" u="none" strike="noStrike" kern="1200" cap="none" spc="0" normalizeH="0" baseline="0" noProof="0" dirty="0" err="1">
-                <a:ln>
-                  <a:noFill/>
-                </a:ln>
+              <a:rPr lang="en-US" sz="3200" dirty="0">
                 <a:solidFill>
                   <a:prstClr val="black"/>
                 </a:solidFill>
-                <a:effectLst/>
-                <a:uLnTx/>
-                <a:uFillTx/>
-                <a:ea typeface="+mn-ea"/>
-                <a:cs typeface="+mn-cs"/>
+                <a:cs typeface="Arial" panose="020B0604020202020204" pitchFamily="34" charset="0"/>
               </a:rPr>
-              <a:t>SincNet</a:t>
-            </a:r>
-            <a:endParaRPr kumimoji="0" lang="en-US" sz="3200" b="0" i="0" u="none" strike="noStrike" kern="1200" cap="none" spc="0" normalizeH="0" baseline="0" noProof="0" dirty="0">
-              <a:ln>
-                <a:noFill/>
-              </a:ln>
-              <a:solidFill>
-                <a:prstClr val="black"/>
-              </a:solidFill>
-              <a:effectLst/>
-              <a:uLnTx/>
-              <a:uFillTx/>
-              <a:ea typeface="+mn-ea"/>
-              <a:cs typeface="+mn-cs"/>
-            </a:endParaRPr>
+              <a:t>Past work</a:t>
+            </a:r>
           </a:p>
           <a:p>
             <a:pPr marL="228600" marR="0" lvl="0" indent="-228600" algn="l" defTabSz="914400" rtl="0" eaLnBrk="1" fontAlgn="auto" latinLnBrk="0" hangingPunct="1">
@@ -4278,138 +4033,11 @@
                 <a:uLnTx/>
                 <a:uFillTx/>
                 <a:ea typeface="+mn-ea"/>
-                <a:cs typeface="+mn-cs"/>
+                <a:cs typeface="Arial" panose="020B0604020202020204" pitchFamily="34" charset="0"/>
               </a:rPr>
-              <a:t>Future work</a:t>
-            </a:r>
-            <a:endParaRPr kumimoji="0" lang="he-IL" sz="3200" b="0" i="0" u="none" strike="noStrike" kern="1200" cap="none" spc="0" normalizeH="0" baseline="0" noProof="0" dirty="0">
-              <a:ln>
-                <a:noFill/>
-              </a:ln>
-              <a:solidFill>
-                <a:prstClr val="black"/>
-              </a:solidFill>
-              <a:effectLst/>
-              <a:uLnTx/>
-              <a:uFillTx/>
-              <a:ea typeface="+mn-ea"/>
-              <a:cs typeface="Arial" panose="020B0604020202020204" pitchFamily="34" charset="0"/>
-            </a:endParaRPr>
-          </a:p>
-        </p:txBody>
-      </p:sp>
-    </p:spTree>
-    <p:extLst>
-      <p:ext uri="{BB962C8B-B14F-4D97-AF65-F5344CB8AC3E}">
-        <p14:creationId xmlns:p14="http://schemas.microsoft.com/office/powerpoint/2010/main" val="2164217713"/>
-      </p:ext>
-    </p:extLst>
-  </p:cSld>
-  <p:clrMapOvr>
-    <a:masterClrMapping/>
-  </p:clrMapOvr>
-</p:sld>
-</file>
-
-<file path=ppt/slides/slide3.xml><?xml version="1.0" encoding="utf-8"?>
-<p:sld xmlns:a="http://schemas.openxmlformats.org/drawingml/2006/main" xmlns:r="http://schemas.openxmlformats.org/officeDocument/2006/relationships" xmlns:p="http://schemas.openxmlformats.org/presentationml/2006/main">
-  <p:cSld>
-    <p:bg>
-      <p:bgPr>
-        <a:blipFill dpi="0" rotWithShape="1">
-          <a:blip r:embed="rId2">
-            <a:lum/>
-          </a:blip>
-          <a:srcRect/>
-          <a:stretch>
-            <a:fillRect/>
-          </a:stretch>
-        </a:blipFill>
-        <a:effectLst/>
-      </p:bgPr>
-    </p:bg>
-    <p:spTree>
-      <p:nvGrpSpPr>
-        <p:cNvPr id="1" name=""/>
-        <p:cNvGrpSpPr/>
-        <p:nvPr/>
-      </p:nvGrpSpPr>
-      <p:grpSpPr>
-        <a:xfrm>
-          <a:off x="0" y="0"/>
-          <a:ext cx="0" cy="0"/>
-          <a:chOff x="0" y="0"/>
-          <a:chExt cx="0" cy="0"/>
-        </a:xfrm>
-      </p:grpSpPr>
-      <p:sp>
-        <p:nvSpPr>
-          <p:cNvPr id="2" name="Title 1">
-            <a:extLst>
-              <a:ext uri="{FF2B5EF4-FFF2-40B4-BE49-F238E27FC236}">
-                <a16:creationId xmlns:a16="http://schemas.microsoft.com/office/drawing/2014/main" id="{B1B2157A-6E97-71AC-96AF-6A651C07C07F}"/>
-              </a:ext>
-            </a:extLst>
-          </p:cNvPr>
-          <p:cNvSpPr>
-            <a:spLocks noGrp="1"/>
-          </p:cNvSpPr>
-          <p:nvPr>
-            <p:ph type="title"/>
-          </p:nvPr>
-        </p:nvSpPr>
-        <p:spPr/>
-        <p:txBody>
-          <a:bodyPr/>
-          <a:lstStyle/>
-          <a:p>
-            <a:pPr algn="l"/>
-            <a:r>
-              <a:rPr kumimoji="0" lang="en-US" sz="4400" b="1" i="0" u="none" strike="noStrike" kern="1200" cap="none" spc="0" normalizeH="0" baseline="0" noProof="0" dirty="0">
-                <a:ln>
-                  <a:noFill/>
-                </a:ln>
-                <a:solidFill>
-                  <a:prstClr val="black"/>
-                </a:solidFill>
-                <a:effectLst/>
-                <a:uLnTx/>
-                <a:uFillTx/>
-                <a:ea typeface="+mj-ea"/>
-                <a:cs typeface="+mj-cs"/>
-              </a:rPr>
-              <a:t>Introduction</a:t>
-            </a:r>
-          </a:p>
-        </p:txBody>
-      </p:sp>
-      <p:sp>
-        <p:nvSpPr>
-          <p:cNvPr id="4" name="Content Placeholder 2">
-            <a:extLst>
-              <a:ext uri="{FF2B5EF4-FFF2-40B4-BE49-F238E27FC236}">
-                <a16:creationId xmlns:a16="http://schemas.microsoft.com/office/drawing/2014/main" id="{511D9F8B-3BF0-CEF2-E14C-36FAE1E77A6B}"/>
-              </a:ext>
-            </a:extLst>
-          </p:cNvPr>
-          <p:cNvSpPr>
-            <a:spLocks noGrp="1"/>
-          </p:cNvSpPr>
-          <p:nvPr>
-            <p:ph idx="1"/>
-          </p:nvPr>
-        </p:nvSpPr>
-        <p:spPr>
-          <a:xfrm>
-            <a:off x="838200" y="1825625"/>
-            <a:ext cx="10115550" cy="4664488"/>
-          </a:xfrm>
-        </p:spPr>
-        <p:txBody>
-          <a:bodyPr vert="horz" lIns="91440" tIns="45720" rIns="91440" bIns="45720" rtlCol="0" anchor="t">
-            <a:normAutofit/>
-          </a:bodyPr>
-          <a:lstStyle/>
+              <a:t>Method</a:t>
+            </a:r>
+          </a:p>
           <a:p>
             <a:pPr marL="228600" marR="0" lvl="0" indent="-228600" algn="l" defTabSz="914400" rtl="0" eaLnBrk="1" fontAlgn="auto" latinLnBrk="0" hangingPunct="1">
               <a:lnSpc>
@@ -4429,69 +4057,14 @@
               <a:defRPr/>
             </a:pPr>
             <a:r>
-              <a:rPr kumimoji="0" lang="en-US" sz="3200" b="1" i="0" u="none" strike="noStrike" kern="1200" cap="none" spc="0" normalizeH="0" baseline="0" noProof="0" dirty="0">
-                <a:ln>
-                  <a:noFill/>
-                </a:ln>
+              <a:rPr lang="en-US" sz="3200" dirty="0">
                 <a:solidFill>
                   <a:prstClr val="black"/>
                 </a:solidFill>
-                <a:effectLst/>
-                <a:uLnTx/>
-                <a:uFillTx/>
-                <a:ea typeface="+mn-lt"/>
-                <a:cs typeface="Calibri" panose="020F0502020204030204"/>
+                <a:cs typeface="Arial" panose="020B0604020202020204" pitchFamily="34" charset="0"/>
               </a:rPr>
-              <a:t>The ultimate goal</a:t>
-            </a:r>
-            <a:r>
-              <a:rPr kumimoji="0" lang="en-US" sz="3200" b="0" i="0" u="none" strike="noStrike" kern="1200" cap="none" spc="0" normalizeH="0" baseline="0" noProof="0" dirty="0">
-                <a:ln>
-                  <a:noFill/>
-                </a:ln>
-                <a:solidFill>
-                  <a:prstClr val="black"/>
-                </a:solidFill>
-                <a:effectLst/>
-                <a:uLnTx/>
-                <a:uFillTx/>
-                <a:ea typeface="+mn-lt"/>
-                <a:cs typeface="Calibri" panose="020F0502020204030204"/>
-              </a:rPr>
-              <a:t> - identify the last hit of the last broach </a:t>
-            </a:r>
-          </a:p>
-          <a:p>
-            <a:pPr marL="0" marR="0" lvl="0" indent="0" algn="l" defTabSz="914400" rtl="0" eaLnBrk="1" fontAlgn="auto" latinLnBrk="0" hangingPunct="1">
-              <a:lnSpc>
-                <a:spcPct val="90000"/>
-              </a:lnSpc>
-              <a:spcBef>
-                <a:spcPts val="1000"/>
-              </a:spcBef>
-              <a:spcAft>
-                <a:spcPts val="0"/>
-              </a:spcAft>
-              <a:buClrTx/>
-              <a:buSzTx/>
-              <a:buFont typeface="Arial" panose="020B0604020202020204" pitchFamily="34" charset="0"/>
-              <a:buNone/>
-              <a:tabLst/>
-              <a:defRPr/>
-            </a:pPr>
-            <a:endParaRPr kumimoji="0" lang="en-US" sz="3200" b="0" i="0" u="none" strike="noStrike" kern="1200" cap="none" spc="0" normalizeH="0" baseline="0" noProof="0" dirty="0">
-              <a:ln>
-                <a:noFill/>
-              </a:ln>
-              <a:solidFill>
-                <a:prstClr val="black"/>
-              </a:solidFill>
-              <a:effectLst/>
-              <a:uLnTx/>
-              <a:uFillTx/>
-              <a:ea typeface="+mn-ea"/>
-              <a:cs typeface="Calibri"/>
-            </a:endParaRPr>
+              <a:t>Future work</a:t>
+            </a:r>
           </a:p>
           <a:p>
             <a:pPr marL="228600" marR="0" lvl="0" indent="-228600" algn="l" defTabSz="914400" rtl="0" eaLnBrk="1" fontAlgn="auto" latinLnBrk="0" hangingPunct="1">
@@ -4511,57 +4084,6 @@
               <a:tabLst/>
               <a:defRPr/>
             </a:pPr>
-            <a:r>
-              <a:rPr kumimoji="0" lang="en-US" sz="3200" b="1" i="0" u="none" strike="noStrike" kern="1200" cap="none" spc="0" normalizeH="0" baseline="0" noProof="0" dirty="0">
-                <a:ln>
-                  <a:noFill/>
-                </a:ln>
-                <a:solidFill>
-                  <a:prstClr val="black"/>
-                </a:solidFill>
-                <a:effectLst/>
-                <a:uLnTx/>
-                <a:uFillTx/>
-                <a:ea typeface="+mn-ea"/>
-                <a:cs typeface="Calibri"/>
-              </a:rPr>
-              <a:t>Assumption</a:t>
-            </a:r>
-            <a:r>
-              <a:rPr kumimoji="0" lang="en-US" sz="3200" b="0" i="0" u="none" strike="noStrike" kern="1200" cap="none" spc="0" normalizeH="0" baseline="0" noProof="0" dirty="0">
-                <a:ln>
-                  <a:noFill/>
-                </a:ln>
-                <a:solidFill>
-                  <a:prstClr val="black"/>
-                </a:solidFill>
-                <a:effectLst/>
-                <a:uLnTx/>
-                <a:uFillTx/>
-                <a:ea typeface="+mn-ea"/>
-                <a:cs typeface="Calibri"/>
-              </a:rPr>
-              <a:t> - different surgeons yield different patterns of operation sounds</a:t>
-            </a:r>
-          </a:p>
-          <a:p>
-            <a:pPr marL="0" marR="0" lvl="0" indent="0" algn="l" defTabSz="914400" rtl="0" eaLnBrk="1" fontAlgn="auto" latinLnBrk="0" hangingPunct="1">
-              <a:lnSpc>
-                <a:spcPct val="90000"/>
-              </a:lnSpc>
-              <a:spcBef>
-                <a:spcPts val="1000"/>
-              </a:spcBef>
-              <a:spcAft>
-                <a:spcPts val="0"/>
-              </a:spcAft>
-              <a:buClrTx/>
-              <a:buSzTx/>
-              <a:buFont typeface="Arial" panose="020B0604020202020204" pitchFamily="34" charset="0"/>
-              <a:buNone/>
-              <a:tabLst/>
-              <a:defRPr/>
-            </a:pPr>
             <a:endParaRPr kumimoji="0" lang="en-US" sz="3200" b="0" i="0" u="none" strike="noStrike" kern="1200" cap="none" spc="0" normalizeH="0" baseline="0" noProof="0" dirty="0">
               <a:ln>
                 <a:noFill/>
@@ -4573,7 +4095,299 @@
               <a:uLnTx/>
               <a:uFillTx/>
               <a:ea typeface="+mn-ea"/>
-              <a:cs typeface="Calibri"/>
+              <a:cs typeface="Arial" panose="020B0604020202020204" pitchFamily="34" charset="0"/>
+            </a:endParaRPr>
+          </a:p>
+        </p:txBody>
+      </p:sp>
+    </p:spTree>
+    <p:extLst>
+      <p:ext uri="{BB962C8B-B14F-4D97-AF65-F5344CB8AC3E}">
+        <p14:creationId xmlns:p14="http://schemas.microsoft.com/office/powerpoint/2010/main" val="2164217713"/>
+      </p:ext>
+    </p:extLst>
+  </p:cSld>
+  <p:clrMapOvr>
+    <a:masterClrMapping/>
+  </p:clrMapOvr>
+</p:sld>
+</file>
+
+<file path=ppt/slides/slide3.xml><?xml version="1.0" encoding="utf-8"?>
+<p:sld xmlns:a="http://schemas.openxmlformats.org/drawingml/2006/main" xmlns:r="http://schemas.openxmlformats.org/officeDocument/2006/relationships" xmlns:p="http://schemas.openxmlformats.org/presentationml/2006/main">
+  <p:cSld>
+    <p:spTree>
+      <p:nvGrpSpPr>
+        <p:cNvPr id="1" name=""/>
+        <p:cNvGrpSpPr/>
+        <p:nvPr/>
+      </p:nvGrpSpPr>
+      <p:grpSpPr>
+        <a:xfrm>
+          <a:off x="0" y="0"/>
+          <a:ext cx="0" cy="0"/>
+          <a:chOff x="0" y="0"/>
+          <a:chExt cx="0" cy="0"/>
+        </a:xfrm>
+      </p:grpSpPr>
+      <p:sp>
+        <p:nvSpPr>
+          <p:cNvPr id="2" name="Title 1">
+            <a:extLst>
+              <a:ext uri="{FF2B5EF4-FFF2-40B4-BE49-F238E27FC236}">
+                <a16:creationId xmlns:a16="http://schemas.microsoft.com/office/drawing/2014/main" id="{B1B2157A-6E97-71AC-96AF-6A651C07C07F}"/>
+              </a:ext>
+            </a:extLst>
+          </p:cNvPr>
+          <p:cNvSpPr>
+            <a:spLocks noGrp="1"/>
+          </p:cNvSpPr>
+          <p:nvPr>
+            <p:ph type="title"/>
+          </p:nvPr>
+        </p:nvSpPr>
+        <p:spPr/>
+        <p:txBody>
+          <a:bodyPr/>
+          <a:lstStyle/>
+          <a:p>
+            <a:pPr algn="l"/>
+            <a:r>
+              <a:rPr kumimoji="0" lang="en-US" sz="4400" b="1" i="0" u="none" strike="noStrike" kern="1200" cap="none" spc="0" normalizeH="0" baseline="0" noProof="0" dirty="0">
+                <a:ln>
+                  <a:noFill/>
+                </a:ln>
+                <a:solidFill>
+                  <a:prstClr val="black"/>
+                </a:solidFill>
+                <a:effectLst/>
+                <a:uLnTx/>
+                <a:uFillTx/>
+                <a:ea typeface="+mj-ea"/>
+                <a:cs typeface="+mj-cs"/>
+              </a:rPr>
+              <a:t>Introduction</a:t>
+            </a:r>
+          </a:p>
+        </p:txBody>
+      </p:sp>
+      <p:sp>
+        <p:nvSpPr>
+          <p:cNvPr id="4" name="Content Placeholder 2">
+            <a:extLst>
+              <a:ext uri="{FF2B5EF4-FFF2-40B4-BE49-F238E27FC236}">
+                <a16:creationId xmlns:a16="http://schemas.microsoft.com/office/drawing/2014/main" id="{511D9F8B-3BF0-CEF2-E14C-36FAE1E77A6B}"/>
+              </a:ext>
+            </a:extLst>
+          </p:cNvPr>
+          <p:cNvSpPr>
+            <a:spLocks noGrp="1"/>
+          </p:cNvSpPr>
+          <p:nvPr>
+            <p:ph idx="1"/>
+          </p:nvPr>
+        </p:nvSpPr>
+        <p:spPr>
+          <a:xfrm>
+            <a:off x="838200" y="1825625"/>
+            <a:ext cx="10115550" cy="4664488"/>
+          </a:xfrm>
+        </p:spPr>
+        <p:txBody>
+          <a:bodyPr vert="horz" lIns="91440" tIns="45720" rIns="91440" bIns="45720" rtlCol="0" anchor="t">
+            <a:noAutofit/>
+          </a:bodyPr>
+          <a:lstStyle/>
+          <a:p>
+            <a:pPr marL="228600" marR="0" lvl="0" indent="-228600" algn="l" defTabSz="914400" rtl="0" eaLnBrk="1" fontAlgn="auto" latinLnBrk="0" hangingPunct="1">
+              <a:lnSpc>
+                <a:spcPct val="100000"/>
+              </a:lnSpc>
+              <a:spcBef>
+                <a:spcPts val="1000"/>
+              </a:spcBef>
+              <a:spcAft>
+                <a:spcPts val="0"/>
+              </a:spcAft>
+              <a:buClrTx/>
+              <a:buSzTx/>
+              <a:buFont typeface="Arial" panose="020B0604020202020204" pitchFamily="34" charset="0"/>
+              <a:buChar char="•"/>
+              <a:tabLst/>
+              <a:defRPr/>
+            </a:pPr>
+            <a:r>
+              <a:rPr kumimoji="0" lang="en-US" sz="3200" b="0" i="0" u="none" strike="noStrike" kern="1200" cap="none" spc="0" normalizeH="0" baseline="0" noProof="0" dirty="0">
+                <a:ln>
+                  <a:noFill/>
+                </a:ln>
+                <a:solidFill>
+                  <a:prstClr val="black"/>
+                </a:solidFill>
+                <a:effectLst/>
+                <a:uLnTx/>
+                <a:uFillTx/>
+                <a:ea typeface="+mn-ea"/>
+                <a:cs typeface="Calibri"/>
+              </a:rPr>
+              <a:t>The vector representation of </a:t>
+            </a:r>
+            <a:br>
+              <a:rPr kumimoji="0" lang="en-US" sz="3200" b="0" i="0" u="none" strike="noStrike" kern="1200" cap="none" spc="0" normalizeH="0" baseline="0" noProof="0" dirty="0">
+                <a:ln>
+                  <a:noFill/>
+                </a:ln>
+                <a:solidFill>
+                  <a:prstClr val="black"/>
+                </a:solidFill>
+                <a:effectLst/>
+                <a:uLnTx/>
+                <a:uFillTx/>
+                <a:ea typeface="+mn-ea"/>
+                <a:cs typeface="Calibri"/>
+              </a:rPr>
+            </a:br>
+            <a:r>
+              <a:rPr kumimoji="0" lang="en-US" sz="3200" b="0" i="0" u="none" strike="noStrike" kern="1200" cap="none" spc="0" normalizeH="0" baseline="0" noProof="0" dirty="0">
+                <a:ln>
+                  <a:noFill/>
+                </a:ln>
+                <a:solidFill>
+                  <a:prstClr val="black"/>
+                </a:solidFill>
+                <a:effectLst/>
+                <a:uLnTx/>
+                <a:uFillTx/>
+                <a:ea typeface="+mn-ea"/>
+                <a:cs typeface="Calibri"/>
+              </a:rPr>
+              <a:t>words, of size n.</a:t>
+            </a:r>
+          </a:p>
+          <a:p>
+            <a:pPr marL="228600" marR="0" lvl="0" indent="-228600" algn="l" defTabSz="914400" rtl="0" eaLnBrk="1" fontAlgn="auto" latinLnBrk="0" hangingPunct="1">
+              <a:lnSpc>
+                <a:spcPct val="100000"/>
+              </a:lnSpc>
+              <a:spcBef>
+                <a:spcPts val="1000"/>
+              </a:spcBef>
+              <a:spcAft>
+                <a:spcPts val="0"/>
+              </a:spcAft>
+              <a:buClrTx/>
+              <a:buSzTx/>
+              <a:buFont typeface="Arial" panose="020B0604020202020204" pitchFamily="34" charset="0"/>
+              <a:buChar char="•"/>
+              <a:tabLst/>
+              <a:defRPr/>
+            </a:pPr>
+            <a:r>
+              <a:rPr lang="en-US" sz="3200" dirty="0">
+                <a:solidFill>
+                  <a:prstClr val="black"/>
+                </a:solidFill>
+                <a:cs typeface="Calibri"/>
+              </a:rPr>
+              <a:t>Similar words have similar</a:t>
+            </a:r>
+            <a:br>
+              <a:rPr lang="en-US" sz="3200" dirty="0">
+                <a:solidFill>
+                  <a:prstClr val="black"/>
+                </a:solidFill>
+                <a:cs typeface="Calibri"/>
+              </a:rPr>
+            </a:br>
+            <a:r>
+              <a:rPr lang="en-US" sz="3200" dirty="0">
+                <a:solidFill>
+                  <a:prstClr val="black"/>
+                </a:solidFill>
+                <a:cs typeface="Calibri"/>
+              </a:rPr>
+              <a:t> vector values</a:t>
+            </a:r>
+          </a:p>
+          <a:p>
+            <a:pPr marL="228600" marR="0" lvl="0" indent="-228600" algn="l" defTabSz="914400" rtl="0" eaLnBrk="1" fontAlgn="auto" latinLnBrk="0" hangingPunct="1">
+              <a:lnSpc>
+                <a:spcPct val="100000"/>
+              </a:lnSpc>
+              <a:spcBef>
+                <a:spcPts val="1000"/>
+              </a:spcBef>
+              <a:spcAft>
+                <a:spcPts val="0"/>
+              </a:spcAft>
+              <a:buClrTx/>
+              <a:buSzTx/>
+              <a:buFont typeface="Arial" panose="020B0604020202020204" pitchFamily="34" charset="0"/>
+              <a:buChar char="•"/>
+              <a:tabLst/>
+              <a:defRPr/>
+            </a:pPr>
+            <a:r>
+              <a:rPr kumimoji="0" lang="en-US" sz="3200" b="0" i="0" u="none" strike="noStrike" kern="1200" cap="none" spc="0" normalizeH="0" baseline="0" noProof="0" dirty="0">
+                <a:ln>
+                  <a:noFill/>
+                </a:ln>
+                <a:solidFill>
+                  <a:prstClr val="black"/>
+                </a:solidFill>
+                <a:effectLst/>
+                <a:uLnTx/>
+                <a:uFillTx/>
+                <a:ea typeface="+mn-ea"/>
+                <a:cs typeface="Calibri"/>
+              </a:rPr>
+              <a:t>Helps convert NLP problems </a:t>
+            </a:r>
+            <a:br>
+              <a:rPr kumimoji="0" lang="en-US" sz="3200" b="0" i="0" u="none" strike="noStrike" kern="1200" cap="none" spc="0" normalizeH="0" baseline="0" noProof="0" dirty="0">
+                <a:ln>
+                  <a:noFill/>
+                </a:ln>
+                <a:solidFill>
+                  <a:prstClr val="black"/>
+                </a:solidFill>
+                <a:effectLst/>
+                <a:uLnTx/>
+                <a:uFillTx/>
+                <a:ea typeface="+mn-ea"/>
+                <a:cs typeface="Calibri"/>
+              </a:rPr>
+            </a:br>
+            <a:r>
+              <a:rPr kumimoji="0" lang="en-US" sz="3200" b="0" i="0" u="none" strike="noStrike" kern="1200" cap="none" spc="0" normalizeH="0" baseline="0" noProof="0" dirty="0">
+                <a:ln>
+                  <a:noFill/>
+                </a:ln>
+                <a:solidFill>
+                  <a:prstClr val="black"/>
+                </a:solidFill>
+                <a:effectLst/>
+                <a:uLnTx/>
+                <a:uFillTx/>
+                <a:ea typeface="+mn-ea"/>
+                <a:cs typeface="Calibri"/>
+              </a:rPr>
+              <a:t>to regular</a:t>
+            </a:r>
+            <a:r>
+              <a:rPr lang="en-US" sz="3200" dirty="0">
+                <a:solidFill>
+                  <a:prstClr val="black"/>
+                </a:solidFill>
+                <a:cs typeface="Calibri"/>
+              </a:rPr>
+              <a:t> ML and DL </a:t>
+            </a:r>
+            <a:endParaRPr lang="en-US" sz="3200" i="1" dirty="0">
+              <a:solidFill>
+                <a:srgbClr val="555555"/>
+              </a:solidFill>
+              <a:latin typeface="Helvetica Neue"/>
             </a:endParaRPr>
           </a:p>
           <a:p>
@@ -4595,40 +4409,171 @@
               <a:defRPr/>
             </a:pPr>
             <a:r>
-              <a:rPr kumimoji="0" lang="en-US" sz="3200" b="1" i="0" u="none" strike="noStrike" kern="1200" cap="none" spc="0" normalizeH="0" baseline="0" noProof="0" dirty="0">
-                <a:ln>
-                  <a:noFill/>
-                </a:ln>
-                <a:solidFill>
-                  <a:prstClr val="black"/>
-                </a:solidFill>
+              <a:rPr lang="en-US" sz="3200" b="0" i="1" dirty="0">
                 <a:effectLst/>
-                <a:uLnTx/>
-                <a:uFillTx/>
-                <a:ea typeface="+mn-ea"/>
-                <a:cs typeface="Calibri"/>
+                <a:latin typeface="Helvetica Neue"/>
               </a:rPr>
-              <a:t>Leading idea</a:t>
-            </a:r>
-            <a:r>
-              <a:rPr kumimoji="0" lang="en-US" sz="3200" b="0" i="0" u="none" strike="noStrike" kern="1200" cap="none" spc="0" normalizeH="0" baseline="0" noProof="0" dirty="0">
-                <a:ln>
-                  <a:noFill/>
-                </a:ln>
-                <a:solidFill>
-                  <a:prstClr val="black"/>
+              <a:t>“You shall know a word by the company it keeps!”</a:t>
+            </a:r>
+          </a:p>
+          <a:p>
+            <a:pPr marL="0" marR="0" lvl="0" indent="0" algn="l" defTabSz="914400" rtl="0" eaLnBrk="1" fontAlgn="auto" latinLnBrk="0" hangingPunct="1">
+              <a:lnSpc>
+                <a:spcPct val="90000"/>
+              </a:lnSpc>
+              <a:spcBef>
+                <a:spcPts val="1000"/>
+              </a:spcBef>
+              <a:spcAft>
+                <a:spcPts val="0"/>
+              </a:spcAft>
+              <a:buClrTx/>
+              <a:buSzTx/>
+              <a:buNone/>
+              <a:tabLst/>
+              <a:defRPr/>
+            </a:pPr>
+            <a:r>
+              <a:rPr lang="en-US" sz="1600" b="0" i="0" dirty="0">
+                <a:solidFill>
+                  <a:srgbClr val="555555"/>
                 </a:solidFill>
                 <a:effectLst/>
-                <a:uLnTx/>
-                <a:uFillTx/>
-                <a:ea typeface="+mn-ea"/>
-                <a:cs typeface="Calibri"/>
+                <a:latin typeface="Helvetica Neue"/>
               </a:rPr>
-              <a:t> - pre classifying types of surgeons might drastically improve accuracy of last hit identification</a:t>
-            </a:r>
-          </a:p>
-        </p:txBody>
-      </p:sp>
+              <a:t>— Page 11, “</a:t>
+            </a:r>
+            <a:r>
+              <a:rPr lang="en-US" sz="1600" b="0" i="0" u="none" strike="noStrike" dirty="0">
+                <a:solidFill>
+                  <a:srgbClr val="428BCA"/>
+                </a:solidFill>
+                <a:effectLst/>
+                <a:latin typeface="Helvetica Neue"/>
+                <a:hlinkClick r:id="rId2"/>
+              </a:rPr>
+              <a:t>A synopsis of linguistic theory 1930-1955</a:t>
+            </a:r>
+            <a:r>
+              <a:rPr lang="en-US" sz="1600" b="0" i="0" dirty="0">
+                <a:solidFill>
+                  <a:srgbClr val="555555"/>
+                </a:solidFill>
+                <a:effectLst/>
+                <a:latin typeface="Helvetica Neue"/>
+              </a:rPr>
+              <a:t>“, in Studies in Linguistic Analysis 1930-1955, 1962.</a:t>
+            </a:r>
+            <a:endParaRPr kumimoji="0" lang="en-US" sz="1600" b="0" i="0" u="none" strike="noStrike" kern="1200" cap="none" spc="0" normalizeH="0" baseline="0" noProof="0" dirty="0">
+              <a:ln>
+                <a:noFill/>
+              </a:ln>
+              <a:solidFill>
+                <a:prstClr val="black"/>
+              </a:solidFill>
+              <a:effectLst/>
+              <a:uLnTx/>
+              <a:uFillTx/>
+              <a:ea typeface="+mn-ea"/>
+              <a:cs typeface="Calibri"/>
+            </a:endParaRPr>
+          </a:p>
+        </p:txBody>
+      </p:sp>
+      <p:pic>
+        <p:nvPicPr>
+          <p:cNvPr id="3" name="Picture 2">
+            <a:extLst>
+              <a:ext uri="{FF2B5EF4-FFF2-40B4-BE49-F238E27FC236}">
+                <a16:creationId xmlns:a16="http://schemas.microsoft.com/office/drawing/2014/main" id="{E065B3A9-AA1F-EFC8-72AA-445A9F37DCBD}"/>
+              </a:ext>
+            </a:extLst>
+          </p:cNvPr>
+          <p:cNvPicPr>
+            <a:picLocks noChangeAspect="1"/>
+          </p:cNvPicPr>
+          <p:nvPr/>
+        </p:nvPicPr>
+        <p:blipFill rotWithShape="1">
+          <a:blip r:embed="rId3">
+            <a:extLst>
+              <a:ext uri="{BEBA8EAE-BF5A-486C-A8C5-ECC9F3942E4B}">
+                <a14:imgProps xmlns:a14="http://schemas.microsoft.com/office/drawing/2010/main">
+                  <a14:imgLayer r:embed="rId4">
+                    <a14:imgEffect>
+                      <a14:backgroundRemoval t="309" b="96598" l="2848" r="99692">
+                        <a14:foregroundMark x1="67513" y1="98557" x2="47729" y2="96907"/>
+                        <a14:foregroundMark x1="47729" y1="96907" x2="11085" y2="66907"/>
+                        <a14:foregroundMark x1="11085" y1="66907" x2="11547" y2="53814"/>
+                        <a14:foregroundMark x1="23403" y1="91443" x2="14550" y2="85567"/>
+                        <a14:foregroundMark x1="14550" y1="85567" x2="5158" y2="57010"/>
+                        <a14:foregroundMark x1="5158" y1="57010" x2="4773" y2="25567"/>
+                        <a14:foregroundMark x1="4773" y1="25567" x2="10931" y2="11959"/>
+                        <a14:foregroundMark x1="10931" y1="11959" x2="43726" y2="12577"/>
+                        <a14:foregroundMark x1="43726" y1="12577" x2="66282" y2="8351"/>
+                        <a14:foregroundMark x1="66282" y1="8351" x2="84065" y2="9588"/>
+                        <a14:foregroundMark x1="84065" y1="9588" x2="88530" y2="51959"/>
+                        <a14:foregroundMark x1="88530" y1="51959" x2="82987" y2="80515"/>
+                        <a14:foregroundMark x1="96536" y1="98351" x2="93457" y2="16186"/>
+                        <a14:foregroundMark x1="93457" y1="16186" x2="97075" y2="3093"/>
+                        <a14:foregroundMark x1="97075" y1="3093" x2="89607" y2="1237"/>
+                        <a14:foregroundMark x1="89607" y1="1237" x2="63202" y2="7526"/>
+                        <a14:foregroundMark x1="63202" y1="7526" x2="1540" y2="8144"/>
+                        <a14:foregroundMark x1="1540" y1="8144" x2="2694" y2="28557"/>
+                        <a14:foregroundMark x1="2694" y1="28557" x2="8237" y2="53918"/>
+                        <a14:foregroundMark x1="8237" y1="53918" x2="4388" y2="88557"/>
+                        <a14:foregroundMark x1="6159" y1="4021" x2="49115" y2="515"/>
+                        <a14:foregroundMark x1="49115" y1="515" x2="91147" y2="2577"/>
+                        <a14:foregroundMark x1="14550" y1="22887" x2="9315" y2="23402"/>
+                        <a14:foregroundMark x1="9315" y1="23402" x2="2925" y2="28351"/>
+                        <a14:foregroundMark x1="2925" y1="28351" x2="3849" y2="66907"/>
+                        <a14:foregroundMark x1="19015" y1="22371" x2="50269" y2="20103"/>
+                        <a14:foregroundMark x1="50269" y1="20103" x2="43880" y2="28866"/>
+                        <a14:foregroundMark x1="43880" y1="28866" x2="21093" y2="25979"/>
+                        <a14:foregroundMark x1="13087" y1="60928" x2="33641" y2="66907"/>
+                        <a14:foregroundMark x1="33641" y1="66907" x2="30023" y2="75979"/>
+                        <a14:foregroundMark x1="30023" y1="75979" x2="37798" y2="75361"/>
+                        <a14:foregroundMark x1="37798" y1="75361" x2="45266" y2="71856"/>
+                        <a14:foregroundMark x1="45266" y1="71856" x2="36413" y2="71649"/>
+                        <a14:foregroundMark x1="36413" y1="71649" x2="36413" y2="70928"/>
+                        <a14:foregroundMark x1="24326" y1="83814" x2="36567" y2="67113"/>
+                        <a14:foregroundMark x1="36567" y1="67113" x2="37490" y2="87732"/>
+                        <a14:foregroundMark x1="37490" y1="87732" x2="38337" y2="76289"/>
+                        <a14:foregroundMark x1="38337" y1="76289" x2="36259" y2="87216"/>
+                        <a14:foregroundMark x1="36259" y1="87216" x2="36028" y2="84021"/>
+                        <a14:foregroundMark x1="42263" y1="68763" x2="46035" y2="83402"/>
+                        <a14:foregroundMark x1="46035" y1="83402" x2="46112" y2="70309"/>
+                        <a14:foregroundMark x1="46112" y1="70309" x2="50962" y2="83093"/>
+                        <a14:foregroundMark x1="47806" y1="63814" x2="41186" y2="65773"/>
+                        <a14:foregroundMark x1="41186" y1="65773" x2="22171" y2="82165"/>
+                        <a14:foregroundMark x1="22171" y1="82165" x2="26020" y2="75258"/>
+                        <a14:foregroundMark x1="26020" y1="75258" x2="22171" y2="81443"/>
+                        <a14:foregroundMark x1="29253" y1="69794" x2="26790" y2="74742"/>
+                        <a14:foregroundMark x1="92379" y1="88144" x2="99692" y2="61856"/>
+                        <a14:foregroundMark x1="99692" y1="61856" x2="99692" y2="61856"/>
+                      </a14:backgroundRemoval>
+                    </a14:imgEffect>
+                  </a14:imgLayer>
+                </a14:imgProps>
+              </a:ext>
+              <a:ext uri="{28A0092B-C50C-407E-A947-70E740481C1C}">
+                <a14:useLocalDpi xmlns:a14="http://schemas.microsoft.com/office/drawing/2010/main" val="0"/>
+              </a:ext>
+            </a:extLst>
+          </a:blip>
+          <a:srcRect l="311" r="6"/>
+          <a:stretch/>
+        </p:blipFill>
+        <p:spPr>
+          <a:xfrm>
+            <a:off x="6024387" y="365125"/>
+            <a:ext cx="5781697" cy="4331110"/>
+          </a:xfrm>
+          <a:prstGeom prst="rect">
+            <a:avLst/>
+          </a:prstGeom>
+        </p:spPr>
+      </p:pic>
     </p:spTree>
     <p:extLst>
       <p:ext uri="{BB962C8B-B14F-4D97-AF65-F5344CB8AC3E}">
@@ -4645,20 +4590,6 @@
 <file path=ppt/slides/slide4.xml><?xml version="1.0" encoding="utf-8"?>
 <p:sld xmlns:a="http://schemas.openxmlformats.org/drawingml/2006/main" xmlns:r="http://schemas.openxmlformats.org/officeDocument/2006/relationships" xmlns:p="http://schemas.openxmlformats.org/presentationml/2006/main">
   <p:cSld>
-    <p:bg>
-      <p:bgPr>
-        <a:blipFill dpi="0" rotWithShape="1">
-          <a:blip r:embed="rId2">
-            <a:lum/>
-          </a:blip>
-          <a:srcRect/>
-          <a:stretch>
-            <a:fillRect/>
-          </a:stretch>
-        </a:blipFill>
-        <a:effectLst/>
-      </p:bgPr>
-    </p:bg>
     <p:spTree>
       <p:nvGrpSpPr>
         <p:cNvPr id="1" name=""/>
@@ -4709,7 +4640,7 @@
                 <a:ea typeface="+mj-ea"/>
                 <a:cs typeface="+mj-cs"/>
               </a:rPr>
-              <a:t>Hypothesis</a:t>
+              <a:t>Word2Vec</a:t>
             </a:r>
           </a:p>
         </p:txBody>
@@ -4743,6 +4674,9 @@
           <a:lstStyle/>
           <a:p>
             <a:pPr marL="457200" indent="-457200">
+              <a:lnSpc>
+                <a:spcPct val="150000"/>
+              </a:lnSpc>
               <a:spcBef>
                 <a:spcPts val="1000"/>
               </a:spcBef>
@@ -4758,11 +4692,177 @@
                 <a:ea typeface="+mn-lt"/>
                 <a:cs typeface="+mn-lt"/>
               </a:rPr>
-              <a:t>Different surgeons exhibit different acoustic features during the surgery</a:t>
-            </a:r>
+              <a:t>Developed by Tomas </a:t>
+            </a:r>
+            <a:r>
+              <a:rPr lang="en-US" sz="3200" dirty="0" err="1">
+                <a:solidFill>
+                  <a:schemeClr val="tx1"/>
+                </a:solidFill>
+                <a:ea typeface="+mn-lt"/>
+                <a:cs typeface="+mn-lt"/>
+              </a:rPr>
+              <a:t>Mikolov</a:t>
+            </a:r>
+            <a:r>
+              <a:rPr lang="en-US" sz="3200" dirty="0">
+                <a:solidFill>
+                  <a:schemeClr val="tx1"/>
+                </a:solidFill>
+                <a:ea typeface="+mn-lt"/>
+                <a:cs typeface="+mn-lt"/>
+              </a:rPr>
+              <a:t>, et al. at Google in 2013</a:t>
+            </a:r>
+            <a:endParaRPr lang="he-IL" sz="3200" dirty="0">
+              <a:solidFill>
+                <a:schemeClr val="tx1"/>
+              </a:solidFill>
+              <a:ea typeface="+mn-lt"/>
+              <a:cs typeface="+mn-lt"/>
+            </a:endParaRPr>
           </a:p>
           <a:p>
             <a:pPr marL="457200" indent="-457200">
+              <a:lnSpc>
+                <a:spcPct val="150000"/>
+              </a:lnSpc>
+              <a:spcBef>
+                <a:spcPts val="1000"/>
+              </a:spcBef>
+              <a:buSzPct val="100000"/>
+              <a:buFont typeface="Arial" panose="020B0604020202020204" pitchFamily="34" charset="0"/>
+              <a:buChar char="•"/>
+            </a:pPr>
+            <a:r>
+              <a:rPr lang="en-US" sz="3200" dirty="0">
+                <a:solidFill>
+                  <a:schemeClr val="tx1"/>
+                </a:solidFill>
+                <a:ea typeface="+mn-lt"/>
+                <a:cs typeface="+mn-lt"/>
+              </a:rPr>
+              <a:t>Low space and time complexity</a:t>
+            </a:r>
+          </a:p>
+          <a:p>
+            <a:pPr marL="457200" indent="-457200">
+              <a:lnSpc>
+                <a:spcPct val="150000"/>
+              </a:lnSpc>
+              <a:spcBef>
+                <a:spcPts val="1000"/>
+              </a:spcBef>
+              <a:buSzPct val="100000"/>
+              <a:buFont typeface="Arial" panose="020B0604020202020204" pitchFamily="34" charset="0"/>
+              <a:buChar char="•"/>
+            </a:pPr>
+            <a:r>
+              <a:rPr lang="en-US" sz="3200" dirty="0">
+                <a:solidFill>
+                  <a:schemeClr val="tx1"/>
+                </a:solidFill>
+                <a:ea typeface="+mn-lt"/>
+                <a:cs typeface="+mn-lt"/>
+              </a:rPr>
+              <a:t>Relies on local usage context</a:t>
+            </a:r>
+          </a:p>
+          <a:p>
+            <a:pPr marL="914400" lvl="1" indent="-457200">
+              <a:lnSpc>
+                <a:spcPct val="150000"/>
+              </a:lnSpc>
+              <a:spcBef>
+                <a:spcPts val="1000"/>
+              </a:spcBef>
+              <a:buSzPct val="100000"/>
+            </a:pPr>
+            <a:r>
+              <a:rPr lang="en-US" sz="2800" dirty="0">
+                <a:solidFill>
+                  <a:schemeClr val="tx1"/>
+                </a:solidFill>
+                <a:ea typeface="+mn-lt"/>
+                <a:cs typeface="+mn-lt"/>
+              </a:rPr>
+              <a:t>This is the hyperparameter of this model</a:t>
+            </a:r>
+          </a:p>
+          <a:p>
+            <a:pPr marL="457200" indent="-457200">
+              <a:lnSpc>
+                <a:spcPct val="150000"/>
+              </a:lnSpc>
+              <a:buSzPct val="100000"/>
+            </a:pPr>
+            <a:endParaRPr lang="he-IL" sz="3200" dirty="0">
+              <a:solidFill>
+                <a:schemeClr val="tx1"/>
+              </a:solidFill>
+              <a:ea typeface="+mn-lt"/>
+              <a:cs typeface="+mn-lt"/>
+            </a:endParaRPr>
+          </a:p>
+          <a:p>
+            <a:pPr marL="457200" indent="-457200">
+              <a:lnSpc>
+                <a:spcPct val="150000"/>
+              </a:lnSpc>
+              <a:spcBef>
+                <a:spcPts val="1000"/>
+              </a:spcBef>
+              <a:buSzPct val="100000"/>
+              <a:buFont typeface="Arial" panose="020B0604020202020204" pitchFamily="34" charset="0"/>
+              <a:buChar char="•"/>
+            </a:pPr>
+            <a:endParaRPr lang="he-IL" sz="3200" dirty="0">
+              <a:ea typeface="+mn-lt"/>
+              <a:cs typeface="+mn-lt"/>
+            </a:endParaRPr>
+          </a:p>
+          <a:p>
+            <a:pPr marL="457200" indent="-457200">
+              <a:lnSpc>
+                <a:spcPct val="150000"/>
+              </a:lnSpc>
+              <a:spcBef>
+                <a:spcPts val="1000"/>
+              </a:spcBef>
+              <a:buSzPct val="100000"/>
+              <a:buFont typeface="Arial" panose="020B0604020202020204" pitchFamily="34" charset="0"/>
+              <a:buChar char="•"/>
+            </a:pPr>
+            <a:endParaRPr lang="he-IL" sz="3200" dirty="0">
+              <a:solidFill>
+                <a:schemeClr val="tx1"/>
+              </a:solidFill>
+              <a:ea typeface="+mn-lt"/>
+              <a:cs typeface="+mn-lt"/>
+            </a:endParaRPr>
+          </a:p>
+          <a:p>
+            <a:pPr marL="457200" indent="-457200">
+              <a:lnSpc>
+                <a:spcPct val="150000"/>
+              </a:lnSpc>
+              <a:spcBef>
+                <a:spcPts val="1000"/>
+              </a:spcBef>
+              <a:buSzPct val="100000"/>
+              <a:buFont typeface="Arial" panose="020B0604020202020204" pitchFamily="34" charset="0"/>
+              <a:buChar char="•"/>
+            </a:pPr>
+            <a:endParaRPr lang="he-IL" sz="3200" dirty="0">
+              <a:ea typeface="+mn-lt"/>
+              <a:cs typeface="+mn-lt"/>
+            </a:endParaRPr>
+          </a:p>
+          <a:p>
+            <a:pPr marL="457200" indent="-457200">
+              <a:lnSpc>
+                <a:spcPct val="150000"/>
+              </a:lnSpc>
               <a:spcBef>
                 <a:spcPts val="1000"/>
               </a:spcBef>
@@ -4777,26 +4877,6 @@
               <a:ea typeface="+mn-lt"/>
               <a:cs typeface="+mn-lt"/>
             </a:endParaRPr>
-          </a:p>
-          <a:p>
-            <a:pPr marL="457200" indent="-457200">
-              <a:spcBef>
-                <a:spcPts val="1000"/>
-              </a:spcBef>
-              <a:buSzPct val="100000"/>
-              <a:buFont typeface="Arial" panose="020B0604020202020204" pitchFamily="34" charset="0"/>
-              <a:buChar char="•"/>
-            </a:pPr>
-            <a:r>
-              <a:rPr lang="en-US" sz="3200" dirty="0">
-                <a:solidFill>
-                  <a:schemeClr val="tx1"/>
-                </a:solidFill>
-                <a:ea typeface="+mn-lt"/>
-                <a:cs typeface="+mn-lt"/>
-              </a:rPr>
-              <a:t>It is possible to differentiate between them regardless to the specific broach size used</a:t>
-            </a:r>
           </a:p>
         </p:txBody>
       </p:sp>
@@ -4816,20 +4896,6 @@
 <file path=ppt/slides/slide5.xml><?xml version="1.0" encoding="utf-8"?>
 <p:sld xmlns:a="http://schemas.openxmlformats.org/drawingml/2006/main" xmlns:r="http://schemas.openxmlformats.org/officeDocument/2006/relationships" xmlns:p="http://schemas.openxmlformats.org/presentationml/2006/main">
   <p:cSld>
-    <p:bg>
-      <p:bgPr>
-        <a:blipFill dpi="0" rotWithShape="1">
-          <a:blip r:embed="rId2">
-            <a:lum/>
-          </a:blip>
-          <a:srcRect/>
-          <a:stretch>
-            <a:fillRect/>
-          </a:stretch>
-        </a:blipFill>
-        <a:effectLst/>
-      </p:bgPr>
-    </p:bg>
     <p:spTree>
       <p:nvGrpSpPr>
         <p:cNvPr id="1" name=""/>
@@ -4867,431 +4933,59 @@
           <a:p>
             <a:r>
               <a:rPr lang="en-US" b="1" dirty="0"/>
-              <a:t>Speaker Identification</a:t>
+              <a:t>Continuous Bag-of-Words vs Skip-Gram</a:t>
             </a:r>
             <a:endParaRPr lang="en-GB" b="1" dirty="0"/>
           </a:p>
         </p:txBody>
       </p:sp>
-      <p:sp>
-        <p:nvSpPr>
-          <p:cNvPr id="4" name="Content Placeholder 2">
-            <a:extLst>
-              <a:ext uri="{FF2B5EF4-FFF2-40B4-BE49-F238E27FC236}">
-                <a16:creationId xmlns:a16="http://schemas.microsoft.com/office/drawing/2014/main" id="{511D9F8B-3BF0-CEF2-E14C-36FAE1E77A6B}"/>
-              </a:ext>
-            </a:extLst>
-          </p:cNvPr>
-          <p:cNvSpPr>
-            <a:spLocks noGrp="1"/>
-          </p:cNvSpPr>
-          <p:nvPr>
-            <p:ph idx="1"/>
-          </p:nvPr>
-        </p:nvSpPr>
-        <p:spPr>
+      <p:pic>
+        <p:nvPicPr>
+          <p:cNvPr id="1026" name="Picture 2" descr="Word2Vec Training Models">
+            <a:extLst>
+              <a:ext uri="{FF2B5EF4-FFF2-40B4-BE49-F238E27FC236}">
+                <a16:creationId xmlns:a16="http://schemas.microsoft.com/office/drawing/2014/main" id="{84325EB4-EAE8-BD1B-086C-E8EE96A2146E}"/>
+              </a:ext>
+            </a:extLst>
+          </p:cNvPr>
+          <p:cNvPicPr>
+            <a:picLocks noChangeAspect="1" noChangeArrowheads="1"/>
+          </p:cNvPicPr>
+          <p:nvPr/>
+        </p:nvPicPr>
+        <p:blipFill>
+          <a:blip r:embed="rId2">
+            <a:extLst>
+              <a:ext uri="{28A0092B-C50C-407E-A947-70E740481C1C}">
+                <a14:useLocalDpi xmlns:a14="http://schemas.microsoft.com/office/drawing/2010/main" val="0"/>
+              </a:ext>
+            </a:extLst>
+          </a:blip>
+          <a:srcRect/>
+          <a:stretch>
+            <a:fillRect/>
+          </a:stretch>
+        </p:blipFill>
+        <p:spPr bwMode="auto">
           <a:xfrm>
-            <a:off x="838200" y="1825625"/>
-            <a:ext cx="10115550" cy="4664488"/>
+            <a:off x="838200" y="1268361"/>
+            <a:ext cx="8746125" cy="5331348"/>
           </a:xfrm>
-        </p:spPr>
-        <p:txBody>
-          <a:bodyPr vert="horz" lIns="91440" tIns="45720" rIns="91440" bIns="45720" rtlCol="0" anchor="t">
-            <a:normAutofit/>
-          </a:bodyPr>
-          <a:lstStyle/>
-          <a:p>
-            <a:pPr marL="342900" indent="-342900"/>
-            <a:r>
-              <a:rPr lang="en-US" sz="3200" dirty="0">
-                <a:ea typeface="+mn-lt"/>
-                <a:cs typeface="+mn-lt"/>
-              </a:rPr>
-              <a:t>Similarities between:</a:t>
-            </a:r>
-          </a:p>
-          <a:p>
-            <a:pPr marL="800100" lvl="1"/>
-            <a:r>
-              <a:rPr lang="en-US" sz="3200" dirty="0">
-                <a:ea typeface="+mn-lt"/>
-                <a:cs typeface="+mn-lt"/>
-              </a:rPr>
-              <a:t>Speaker identification		Surgeon identification</a:t>
-            </a:r>
-          </a:p>
-          <a:p>
-            <a:pPr marL="571500" lvl="1" indent="0">
-              <a:buNone/>
-            </a:pPr>
-            <a:r>
-              <a:rPr lang="en-US" sz="3200" dirty="0">
-                <a:ea typeface="+mn-lt"/>
-                <a:cs typeface="+mn-lt"/>
-              </a:rPr>
-              <a:t>  </a:t>
-            </a:r>
-            <a:endParaRPr lang="en-US" sz="3200" dirty="0">
-              <a:cs typeface="Calibri" panose="020F0502020204030204"/>
-            </a:endParaRPr>
-          </a:p>
-          <a:p>
-            <a:pPr marL="342900" indent="-342900"/>
-            <a:r>
-              <a:rPr lang="en-US" sz="3200" dirty="0">
-                <a:cs typeface="Calibri" panose="020F0502020204030204"/>
-              </a:rPr>
-              <a:t>Why:</a:t>
-            </a:r>
-          </a:p>
-          <a:p>
-            <a:pPr marL="800100" lvl="1"/>
-            <a:r>
-              <a:rPr lang="en-US" sz="3200" dirty="0">
-                <a:ea typeface="+mn-lt"/>
-                <a:cs typeface="+mn-lt"/>
-              </a:rPr>
-              <a:t>Sentence 			Broach recording</a:t>
-            </a:r>
-          </a:p>
-          <a:p>
-            <a:pPr marL="800100" lvl="1"/>
-            <a:r>
-              <a:rPr lang="en-US" sz="3200" dirty="0">
-                <a:ea typeface="+mn-lt"/>
-                <a:cs typeface="+mn-lt"/>
-              </a:rPr>
-              <a:t>Syllable 			Hit sound</a:t>
-            </a:r>
-          </a:p>
-          <a:p>
-            <a:pPr marL="800100" lvl="1"/>
-            <a:r>
-              <a:rPr lang="en-US" sz="3200" dirty="0">
-                <a:cs typeface="Calibri" panose="020F0502020204030204"/>
-              </a:rPr>
-              <a:t>Pitch				Hit frequency</a:t>
-            </a:r>
-          </a:p>
-          <a:p>
-            <a:pPr marL="800100" lvl="1"/>
-            <a:r>
-              <a:rPr lang="en-US" sz="3200" dirty="0">
-                <a:cs typeface="Calibri" panose="020F0502020204030204"/>
-              </a:rPr>
-              <a:t>Speak amplitude		Hit amplitude</a:t>
-            </a:r>
-          </a:p>
-        </p:txBody>
-      </p:sp>
-      <p:cxnSp>
-        <p:nvCxnSpPr>
-          <p:cNvPr id="6" name="Straight Arrow Connector 5">
-            <a:extLst>
-              <a:ext uri="{FF2B5EF4-FFF2-40B4-BE49-F238E27FC236}">
-                <a16:creationId xmlns:a16="http://schemas.microsoft.com/office/drawing/2014/main" id="{0E693981-9803-7741-039F-45CE0A680FFF}"/>
-              </a:ext>
-            </a:extLst>
-          </p:cNvPr>
-          <p:cNvCxnSpPr/>
-          <p:nvPr/>
-        </p:nvCxnSpPr>
-        <p:spPr>
-          <a:xfrm flipV="1">
-            <a:off x="4624272" y="5683897"/>
-            <a:ext cx="820454" cy="4175"/>
-          </a:xfrm>
-          <a:prstGeom prst="straightConnector1">
+          <a:prstGeom prst="rect">
             <a:avLst/>
           </a:prstGeom>
-          <a:ln w="57150">
-            <a:solidFill>
-              <a:srgbClr val="0000FF"/>
-            </a:solidFill>
-            <a:tailEnd type="triangle"/>
-          </a:ln>
+          <a:noFill/>
+          <a:extLst>
+            <a:ext uri="{909E8E84-426E-40DD-AFC4-6F175D3DCCD1}">
+              <a14:hiddenFill xmlns:a14="http://schemas.microsoft.com/office/drawing/2010/main">
+                <a:solidFill>
+                  <a:srgbClr val="FFFFFF"/>
+                </a:solidFill>
+              </a14:hiddenFill>
+            </a:ext>
+          </a:extLst>
         </p:spPr>
-        <p:style>
-          <a:lnRef idx="1">
-            <a:schemeClr val="accent1"/>
-          </a:lnRef>
-          <a:fillRef idx="0">
-            <a:schemeClr val="accent1"/>
-          </a:fillRef>
-          <a:effectRef idx="0">
-            <a:schemeClr val="accent1"/>
-          </a:effectRef>
-          <a:fontRef idx="minor">
-            <a:schemeClr val="tx1"/>
-          </a:fontRef>
-        </p:style>
-      </p:cxnSp>
-      <p:cxnSp>
-        <p:nvCxnSpPr>
-          <p:cNvPr id="7" name="Straight Arrow Connector 6">
-            <a:extLst>
-              <a:ext uri="{FF2B5EF4-FFF2-40B4-BE49-F238E27FC236}">
-                <a16:creationId xmlns:a16="http://schemas.microsoft.com/office/drawing/2014/main" id="{54043BBD-7885-4A19-D576-7C4467A1297A}"/>
-              </a:ext>
-            </a:extLst>
-          </p:cNvPr>
-          <p:cNvCxnSpPr/>
-          <p:nvPr/>
-        </p:nvCxnSpPr>
-        <p:spPr>
-          <a:xfrm flipV="1">
-            <a:off x="4624272" y="4145093"/>
-            <a:ext cx="820454" cy="4175"/>
-          </a:xfrm>
-          <a:prstGeom prst="straightConnector1">
-            <a:avLst/>
-          </a:prstGeom>
-          <a:ln w="57150">
-            <a:solidFill>
-              <a:srgbClr val="0000FF"/>
-            </a:solidFill>
-            <a:tailEnd type="triangle"/>
-          </a:ln>
-        </p:spPr>
-        <p:style>
-          <a:lnRef idx="1">
-            <a:schemeClr val="accent1"/>
-          </a:lnRef>
-          <a:fillRef idx="0">
-            <a:schemeClr val="accent1"/>
-          </a:fillRef>
-          <a:effectRef idx="0">
-            <a:schemeClr val="accent1"/>
-          </a:effectRef>
-          <a:fontRef idx="minor">
-            <a:schemeClr val="tx1"/>
-          </a:fontRef>
-        </p:style>
-      </p:cxnSp>
-      <p:cxnSp>
-        <p:nvCxnSpPr>
-          <p:cNvPr id="8" name="Straight Arrow Connector 7">
-            <a:extLst>
-              <a:ext uri="{FF2B5EF4-FFF2-40B4-BE49-F238E27FC236}">
-                <a16:creationId xmlns:a16="http://schemas.microsoft.com/office/drawing/2014/main" id="{10D5D166-1C5F-E9EB-22E0-8FCDF0B52803}"/>
-              </a:ext>
-            </a:extLst>
-          </p:cNvPr>
-          <p:cNvCxnSpPr/>
-          <p:nvPr/>
-        </p:nvCxnSpPr>
-        <p:spPr>
-          <a:xfrm flipV="1">
-            <a:off x="4624272" y="4658672"/>
-            <a:ext cx="820454" cy="4175"/>
-          </a:xfrm>
-          <a:prstGeom prst="straightConnector1">
-            <a:avLst/>
-          </a:prstGeom>
-          <a:ln w="57150">
-            <a:solidFill>
-              <a:srgbClr val="0000FF"/>
-            </a:solidFill>
-            <a:tailEnd type="triangle"/>
-          </a:ln>
-        </p:spPr>
-        <p:style>
-          <a:lnRef idx="1">
-            <a:schemeClr val="accent1"/>
-          </a:lnRef>
-          <a:fillRef idx="0">
-            <a:schemeClr val="accent1"/>
-          </a:fillRef>
-          <a:effectRef idx="0">
-            <a:schemeClr val="accent1"/>
-          </a:effectRef>
-          <a:fontRef idx="minor">
-            <a:schemeClr val="tx1"/>
-          </a:fontRef>
-        </p:style>
-      </p:cxnSp>
-      <p:cxnSp>
-        <p:nvCxnSpPr>
-          <p:cNvPr id="9" name="Straight Arrow Connector 8">
-            <a:extLst>
-              <a:ext uri="{FF2B5EF4-FFF2-40B4-BE49-F238E27FC236}">
-                <a16:creationId xmlns:a16="http://schemas.microsoft.com/office/drawing/2014/main" id="{CA0504AE-4ADE-24EB-E19F-93911417DB3A}"/>
-              </a:ext>
-            </a:extLst>
-          </p:cNvPr>
-          <p:cNvCxnSpPr/>
-          <p:nvPr/>
-        </p:nvCxnSpPr>
-        <p:spPr>
-          <a:xfrm flipV="1">
-            <a:off x="5485748" y="2612859"/>
-            <a:ext cx="820454" cy="4175"/>
-          </a:xfrm>
-          <a:prstGeom prst="straightConnector1">
-            <a:avLst/>
-          </a:prstGeom>
-          <a:ln w="57150">
-            <a:solidFill>
-              <a:srgbClr val="0000FF"/>
-            </a:solidFill>
-            <a:tailEnd type="triangle"/>
-          </a:ln>
-        </p:spPr>
-        <p:style>
-          <a:lnRef idx="1">
-            <a:schemeClr val="accent1"/>
-          </a:lnRef>
-          <a:fillRef idx="0">
-            <a:schemeClr val="accent1"/>
-          </a:fillRef>
-          <a:effectRef idx="0">
-            <a:schemeClr val="accent1"/>
-          </a:effectRef>
-          <a:fontRef idx="minor">
-            <a:schemeClr val="tx1"/>
-          </a:fontRef>
-        </p:style>
-      </p:cxnSp>
-      <p:cxnSp>
-        <p:nvCxnSpPr>
-          <p:cNvPr id="10" name="Straight Arrow Connector 9">
-            <a:extLst>
-              <a:ext uri="{FF2B5EF4-FFF2-40B4-BE49-F238E27FC236}">
-                <a16:creationId xmlns:a16="http://schemas.microsoft.com/office/drawing/2014/main" id="{89F4F07D-C6B8-7679-B14A-842B1B60FCB5}"/>
-              </a:ext>
-            </a:extLst>
-          </p:cNvPr>
-          <p:cNvCxnSpPr/>
-          <p:nvPr/>
-        </p:nvCxnSpPr>
-        <p:spPr>
-          <a:xfrm flipV="1">
-            <a:off x="4635798" y="5174493"/>
-            <a:ext cx="820454" cy="4175"/>
-          </a:xfrm>
-          <a:prstGeom prst="straightConnector1">
-            <a:avLst/>
-          </a:prstGeom>
-          <a:ln w="57150">
-            <a:solidFill>
-              <a:srgbClr val="0000FF"/>
-            </a:solidFill>
-            <a:tailEnd type="triangle"/>
-          </a:ln>
-        </p:spPr>
-        <p:style>
-          <a:lnRef idx="1">
-            <a:schemeClr val="accent1"/>
-          </a:lnRef>
-          <a:fillRef idx="0">
-            <a:schemeClr val="accent1"/>
-          </a:fillRef>
-          <a:effectRef idx="0">
-            <a:schemeClr val="accent1"/>
-          </a:effectRef>
-          <a:fontRef idx="minor">
-            <a:schemeClr val="tx1"/>
-          </a:fontRef>
-        </p:style>
-      </p:cxnSp>
-      <p:grpSp>
-        <p:nvGrpSpPr>
-          <p:cNvPr id="3" name="Group 2">
-            <a:extLst>
-              <a:ext uri="{FF2B5EF4-FFF2-40B4-BE49-F238E27FC236}">
-                <a16:creationId xmlns:a16="http://schemas.microsoft.com/office/drawing/2014/main" id="{47DB9950-CB25-A9FC-C092-449D04F4D7BB}"/>
-              </a:ext>
-            </a:extLst>
-          </p:cNvPr>
-          <p:cNvGrpSpPr/>
-          <p:nvPr/>
-        </p:nvGrpSpPr>
-        <p:grpSpPr>
-          <a:xfrm>
-            <a:off x="7817507" y="1678967"/>
-            <a:ext cx="4549534" cy="3185436"/>
-            <a:chOff x="7685865" y="2219740"/>
-            <a:chExt cx="4549534" cy="3185436"/>
-          </a:xfrm>
-        </p:grpSpPr>
-        <p:pic>
-          <p:nvPicPr>
-            <p:cNvPr id="11" name="Picture 10" descr="A picture containing decorated, dark, light&#10;&#10;Description automatically generated">
-              <a:extLst>
-                <a:ext uri="{FF2B5EF4-FFF2-40B4-BE49-F238E27FC236}">
-                  <a16:creationId xmlns:a16="http://schemas.microsoft.com/office/drawing/2014/main" id="{1B9EFE4D-C6AD-6CFA-64C8-2C044D885432}"/>
-                </a:ext>
-              </a:extLst>
-            </p:cNvPr>
-            <p:cNvPicPr>
-              <a:picLocks noChangeAspect="1"/>
-            </p:cNvPicPr>
-            <p:nvPr/>
-          </p:nvPicPr>
-          <p:blipFill>
-            <a:blip r:embed="rId3">
-              <a:extLst>
-                <a:ext uri="{28A0092B-C50C-407E-A947-70E740481C1C}">
-                  <a14:useLocalDpi xmlns:a14="http://schemas.microsoft.com/office/drawing/2010/main" val="0"/>
-                </a:ext>
-              </a:extLst>
-            </a:blip>
-            <a:stretch>
-              <a:fillRect/>
-            </a:stretch>
-          </p:blipFill>
-          <p:spPr>
-            <a:xfrm>
-              <a:off x="7685865" y="2219740"/>
-              <a:ext cx="4549534" cy="3185436"/>
-            </a:xfrm>
-            <a:prstGeom prst="rect">
-              <a:avLst/>
-            </a:prstGeom>
-          </p:spPr>
-        </p:pic>
-        <p:cxnSp>
-          <p:nvCxnSpPr>
-            <p:cNvPr id="13" name="Straight Connector 12">
-              <a:extLst>
-                <a:ext uri="{FF2B5EF4-FFF2-40B4-BE49-F238E27FC236}">
-                  <a16:creationId xmlns:a16="http://schemas.microsoft.com/office/drawing/2014/main" id="{71D837E8-08E6-19C6-ACCD-C192A10F1907}"/>
-                </a:ext>
-              </a:extLst>
-            </p:cNvPr>
-            <p:cNvCxnSpPr/>
-            <p:nvPr/>
-          </p:nvCxnSpPr>
-          <p:spPr>
-            <a:xfrm>
-              <a:off x="7971308" y="4064912"/>
-              <a:ext cx="659959" cy="0"/>
-            </a:xfrm>
-            <a:prstGeom prst="line">
-              <a:avLst/>
-            </a:prstGeom>
-            <a:ln w="12700">
-              <a:solidFill>
-                <a:srgbClr val="3F43F6"/>
-              </a:solidFill>
-            </a:ln>
-          </p:spPr>
-          <p:style>
-            <a:lnRef idx="1">
-              <a:schemeClr val="accent1"/>
-            </a:lnRef>
-            <a:fillRef idx="0">
-              <a:schemeClr val="accent1"/>
-            </a:fillRef>
-            <a:effectRef idx="0">
-              <a:schemeClr val="accent1"/>
-            </a:effectRef>
-            <a:fontRef idx="minor">
-              <a:schemeClr val="tx1"/>
-            </a:fontRef>
-          </p:style>
-        </p:cxnSp>
-      </p:grpSp>
+      </p:pic>
     </p:spTree>
     <p:extLst>
       <p:ext uri="{BB962C8B-B14F-4D97-AF65-F5344CB8AC3E}">
@@ -5308,20 +5002,6 @@
 <file path=ppt/slides/slide6.xml><?xml version="1.0" encoding="utf-8"?>
 <p:sld xmlns:a="http://schemas.openxmlformats.org/drawingml/2006/main" xmlns:r="http://schemas.openxmlformats.org/officeDocument/2006/relationships" xmlns:p="http://schemas.openxmlformats.org/presentationml/2006/main">
   <p:cSld>
-    <p:bg>
-      <p:bgPr>
-        <a:blipFill dpi="0" rotWithShape="1">
-          <a:blip r:embed="rId2">
-            <a:lum/>
-          </a:blip>
-          <a:srcRect/>
-          <a:stretch>
-            <a:fillRect/>
-          </a:stretch>
-        </a:blipFill>
-        <a:effectLst/>
-      </p:bgPr>
-    </p:bg>
     <p:spTree>
       <p:nvGrpSpPr>
         <p:cNvPr id="1" name=""/>
@@ -5358,8 +5038,13 @@
           <a:lstStyle/>
           <a:p>
             <a:r>
-              <a:rPr lang="en-US" b="1" dirty="0"/>
-              <a:t>Data</a:t>
+              <a:rPr lang="en-US" sz="4400" b="1" dirty="0">
+                <a:solidFill>
+                  <a:prstClr val="black"/>
+                </a:solidFill>
+                <a:cs typeface="Arial" panose="020B0604020202020204" pitchFamily="34" charset="0"/>
+              </a:rPr>
+              <a:t>Glove</a:t>
             </a:r>
             <a:endParaRPr lang="en-GB" b="1" dirty="0"/>
           </a:p>
@@ -5367,864 +5052,324 @@
       </p:sp>
       <p:sp>
         <p:nvSpPr>
-          <p:cNvPr id="6" name="Content Placeholder 2">
-            <a:extLst>
-              <a:ext uri="{FF2B5EF4-FFF2-40B4-BE49-F238E27FC236}">
-                <a16:creationId xmlns:a16="http://schemas.microsoft.com/office/drawing/2014/main" id="{511D9F8B-3BF0-CEF2-E14C-36FAE1E77A6B}"/>
-              </a:ext>
-            </a:extLst>
-          </p:cNvPr>
-          <p:cNvSpPr>
-            <a:spLocks noGrp="1"/>
-          </p:cNvSpPr>
-          <p:nvPr>
-            <p:ph idx="1"/>
-          </p:nvPr>
+          <p:cNvPr id="8" name="Content Placeholder 2">
+            <a:extLst>
+              <a:ext uri="{FF2B5EF4-FFF2-40B4-BE49-F238E27FC236}">
+                <a16:creationId xmlns:a16="http://schemas.microsoft.com/office/drawing/2014/main" id="{0327E5B7-01AC-98A3-C1B0-245B27645FC8}"/>
+              </a:ext>
+            </a:extLst>
+          </p:cNvPr>
+          <p:cNvSpPr txBox="1">
+            <a:spLocks/>
+          </p:cNvSpPr>
+          <p:nvPr/>
         </p:nvSpPr>
         <p:spPr>
           <a:xfrm>
             <a:off x="838200" y="1825625"/>
-            <a:ext cx="10515600" cy="4351338"/>
-          </a:xfrm>
-        </p:spPr>
-        <p:txBody>
-          <a:bodyPr>
-            <a:normAutofit/>
-          </a:bodyPr>
-          <a:lstStyle/>
-          <a:p>
-            <a:r>
-              <a:rPr lang="en-US" dirty="0"/>
-              <a:t>Original: 275 audio files, 3 surgeons</a:t>
-            </a:r>
-          </a:p>
-          <a:p>
-            <a:r>
-              <a:rPr lang="en-US" dirty="0"/>
-              <a:t>Data preparation rules:</a:t>
-            </a:r>
-          </a:p>
-          <a:p>
-            <a:pPr lvl="1"/>
-            <a:r>
-              <a:rPr lang="en-US" dirty="0"/>
-              <a:t>Drop stem and cerclage audio files</a:t>
-            </a:r>
-          </a:p>
-          <a:p>
-            <a:pPr lvl="1"/>
-            <a:r>
-              <a:rPr lang="en-US" dirty="0"/>
-              <a:t>Drop audio files of the surgeon “AM”</a:t>
-            </a:r>
-          </a:p>
-          <a:p>
-            <a:pPr lvl="2"/>
-            <a:r>
-              <a:rPr lang="en-US" dirty="0"/>
-              <a:t>not sufficient data</a:t>
-            </a:r>
-          </a:p>
-          <a:p>
-            <a:pPr lvl="1"/>
-            <a:r>
-              <a:rPr lang="en-US" dirty="0"/>
-              <a:t>Drop lower 10% quantile of the data </a:t>
-            </a:r>
-          </a:p>
-          <a:p>
-            <a:pPr lvl="2"/>
-            <a:r>
-              <a:rPr lang="en-US" dirty="0"/>
-              <a:t>enable filter length value</a:t>
-            </a:r>
-          </a:p>
-          <a:p>
-            <a:pPr lvl="1"/>
-            <a:r>
-              <a:rPr lang="en-US" dirty="0"/>
-              <a:t> Drop 5% of longest audio file </a:t>
-            </a:r>
-          </a:p>
-          <a:p>
-            <a:pPr lvl="2"/>
-            <a:r>
-              <a:rPr lang="en-US" dirty="0"/>
-              <a:t>lower the variance of the data by dropping outliers</a:t>
-            </a:r>
-          </a:p>
-          <a:p>
-            <a:pPr lvl="1"/>
-            <a:endParaRPr lang="en-US" dirty="0"/>
-          </a:p>
-          <a:p>
-            <a:endParaRPr lang="en-US" dirty="0"/>
-          </a:p>
-          <a:p>
-            <a:endParaRPr lang="en-US" dirty="0"/>
-          </a:p>
-        </p:txBody>
-      </p:sp>
-      <p:graphicFrame>
-        <p:nvGraphicFramePr>
-          <p:cNvPr id="4" name="Table 3">
-            <a:extLst>
-              <a:ext uri="{FF2B5EF4-FFF2-40B4-BE49-F238E27FC236}">
-                <a16:creationId xmlns:a16="http://schemas.microsoft.com/office/drawing/2014/main" id="{C22304D1-82B1-CC62-03AB-C87C3643CD99}"/>
-              </a:ext>
-            </a:extLst>
-          </p:cNvPr>
-          <p:cNvGraphicFramePr>
-            <a:graphicFrameLocks noGrp="1"/>
-          </p:cNvGraphicFramePr>
-          <p:nvPr>
-            <p:extLst>
-              <p:ext uri="{D42A27DB-BD31-4B8C-83A1-F6EECF244321}">
-                <p14:modId xmlns:p14="http://schemas.microsoft.com/office/powerpoint/2010/main" val="3317215856"/>
-              </p:ext>
-            </p:extLst>
-          </p:nvPr>
-        </p:nvGraphicFramePr>
-        <p:xfrm>
-          <a:off x="981075" y="5360995"/>
-          <a:ext cx="6791325" cy="1444522"/>
-        </p:xfrm>
-        <a:graphic>
-          <a:graphicData uri="http://schemas.openxmlformats.org/drawingml/2006/table">
-            <a:tbl>
-              <a:tblPr>
-                <a:tableStyleId>{616DA210-FB5B-4158-B5E0-FEB733F419BA}</a:tableStyleId>
-              </a:tblPr>
-              <a:tblGrid>
-                <a:gridCol w="1150088">
-                  <a:extLst>
-                    <a:ext uri="{9D8B030D-6E8A-4147-A177-3AD203B41FA5}">
-                      <a16:colId xmlns:a16="http://schemas.microsoft.com/office/drawing/2014/main" val="2334432450"/>
-                    </a:ext>
-                  </a:extLst>
-                </a:gridCol>
-                <a:gridCol w="2009749">
-                  <a:extLst>
-                    <a:ext uri="{9D8B030D-6E8A-4147-A177-3AD203B41FA5}">
-                      <a16:colId xmlns:a16="http://schemas.microsoft.com/office/drawing/2014/main" val="2620681350"/>
-                    </a:ext>
-                  </a:extLst>
-                </a:gridCol>
-                <a:gridCol w="1916812">
-                  <a:extLst>
-                    <a:ext uri="{9D8B030D-6E8A-4147-A177-3AD203B41FA5}">
-                      <a16:colId xmlns:a16="http://schemas.microsoft.com/office/drawing/2014/main" val="3671726996"/>
-                    </a:ext>
-                  </a:extLst>
-                </a:gridCol>
-                <a:gridCol w="1714676">
-                  <a:extLst>
-                    <a:ext uri="{9D8B030D-6E8A-4147-A177-3AD203B41FA5}">
-                      <a16:colId xmlns:a16="http://schemas.microsoft.com/office/drawing/2014/main" val="194592051"/>
-                    </a:ext>
-                  </a:extLst>
-                </a:gridCol>
-              </a:tblGrid>
-              <a:tr h="367726">
-                <a:tc>
-                  <a:txBody>
-                    <a:bodyPr/>
-                    <a:lstStyle/>
-                    <a:p>
-                      <a:pPr>
-                        <a:spcBef>
-                          <a:spcPts val="1200"/>
-                        </a:spcBef>
-                        <a:spcAft>
-                          <a:spcPts val="1200"/>
-                        </a:spcAft>
-                      </a:pPr>
-                      <a:r>
-                        <a:rPr lang="en-US" sz="1400" dirty="0">
-                          <a:solidFill>
-                            <a:sysClr val="windowText" lastClr="000000"/>
-                          </a:solidFill>
-                          <a:effectLst/>
-                          <a:latin typeface="+mn-lt"/>
-                          <a:ea typeface="Calibri" panose="020F0502020204030204" pitchFamily="34" charset="0"/>
-                          <a:cs typeface="+mn-cs"/>
-                        </a:rPr>
-                        <a:t>Surgeon</a:t>
-                      </a:r>
-                      <a:endParaRPr lang="en-IL" sz="1400" dirty="0">
-                        <a:solidFill>
-                          <a:sysClr val="windowText" lastClr="000000"/>
-                        </a:solidFill>
-                        <a:effectLst/>
-                        <a:latin typeface="+mn-lt"/>
-                        <a:ea typeface="Calibri" panose="020F0502020204030204" pitchFamily="34" charset="0"/>
-                        <a:cs typeface="+mn-cs"/>
-                      </a:endParaRPr>
-                    </a:p>
-                  </a:txBody>
-                  <a:tcPr marL="63500" marR="63500" marT="63500" marB="63500"/>
-                </a:tc>
-                <a:tc>
-                  <a:txBody>
-                    <a:bodyPr/>
-                    <a:lstStyle/>
-                    <a:p>
-                      <a:pPr>
-                        <a:spcBef>
-                          <a:spcPts val="1200"/>
-                        </a:spcBef>
-                        <a:spcAft>
-                          <a:spcPts val="1200"/>
-                        </a:spcAft>
-                      </a:pPr>
-                      <a:r>
-                        <a:rPr lang="en-US" sz="1400" dirty="0">
-                          <a:solidFill>
-                            <a:sysClr val="windowText" lastClr="000000"/>
-                          </a:solidFill>
-                          <a:effectLst/>
-                          <a:latin typeface="+mn-lt"/>
-                          <a:ea typeface="Calibri" panose="020F0502020204030204" pitchFamily="34" charset="0"/>
-                          <a:cs typeface="Calibri" panose="020F0502020204030204" pitchFamily="34" charset="0"/>
-                        </a:rPr>
-                        <a:t>Number of Operations</a:t>
-                      </a:r>
-                      <a:endParaRPr lang="en-IL" sz="1400" dirty="0">
-                        <a:solidFill>
-                          <a:sysClr val="windowText" lastClr="000000"/>
-                        </a:solidFill>
-                        <a:effectLst/>
-                        <a:latin typeface="+mn-lt"/>
-                        <a:ea typeface="Calibri" panose="020F0502020204030204" pitchFamily="34" charset="0"/>
-                        <a:cs typeface="Calibri" panose="020F0502020204030204" pitchFamily="34" charset="0"/>
-                      </a:endParaRPr>
-                    </a:p>
-                  </a:txBody>
-                  <a:tcPr marL="63500" marR="63500" marT="63500" marB="63500"/>
-                </a:tc>
-                <a:tc>
-                  <a:txBody>
-                    <a:bodyPr/>
-                    <a:lstStyle/>
-                    <a:p>
-                      <a:pPr>
-                        <a:spcBef>
-                          <a:spcPts val="1200"/>
-                        </a:spcBef>
-                        <a:spcAft>
-                          <a:spcPts val="1200"/>
-                        </a:spcAft>
-                      </a:pPr>
-                      <a:r>
-                        <a:rPr lang="en-US" sz="1400" dirty="0">
-                          <a:solidFill>
-                            <a:sysClr val="windowText" lastClr="000000"/>
-                          </a:solidFill>
-                          <a:effectLst/>
-                          <a:latin typeface="+mn-lt"/>
-                          <a:ea typeface="Calibri" panose="020F0502020204030204" pitchFamily="34" charset="0"/>
-                          <a:cs typeface="+mn-cs"/>
-                        </a:rPr>
-                        <a:t>Number of Audio Files</a:t>
-                      </a:r>
-                      <a:endParaRPr lang="en-IL" sz="1400" dirty="0">
-                        <a:solidFill>
-                          <a:sysClr val="windowText" lastClr="000000"/>
-                        </a:solidFill>
-                        <a:effectLst/>
-                        <a:latin typeface="+mn-lt"/>
-                        <a:ea typeface="Calibri" panose="020F0502020204030204" pitchFamily="34" charset="0"/>
-                        <a:cs typeface="+mn-cs"/>
-                      </a:endParaRPr>
-                    </a:p>
-                  </a:txBody>
-                  <a:tcPr marL="63500" marR="63500" marT="63500" marB="63500"/>
-                </a:tc>
-                <a:tc>
-                  <a:txBody>
-                    <a:bodyPr/>
-                    <a:lstStyle/>
-                    <a:p>
-                      <a:pPr>
-                        <a:spcBef>
-                          <a:spcPts val="1200"/>
-                        </a:spcBef>
-                        <a:spcAft>
-                          <a:spcPts val="1200"/>
-                        </a:spcAft>
-                      </a:pPr>
-                      <a:r>
-                        <a:rPr lang="en-US" sz="1400" dirty="0">
-                          <a:solidFill>
-                            <a:sysClr val="windowText" lastClr="000000"/>
-                          </a:solidFill>
-                          <a:effectLst/>
-                          <a:latin typeface="+mn-lt"/>
-                          <a:ea typeface="Calibri" panose="020F0502020204030204" pitchFamily="34" charset="0"/>
-                          <a:cs typeface="+mn-cs"/>
-                        </a:rPr>
-                        <a:t>Mean Length of Files</a:t>
-                      </a:r>
-                      <a:endParaRPr lang="en-IL" sz="1400" dirty="0">
-                        <a:solidFill>
-                          <a:sysClr val="windowText" lastClr="000000"/>
-                        </a:solidFill>
-                        <a:effectLst/>
-                        <a:latin typeface="+mn-lt"/>
-                        <a:ea typeface="Calibri" panose="020F0502020204030204" pitchFamily="34" charset="0"/>
-                        <a:cs typeface="+mn-cs"/>
-                      </a:endParaRPr>
-                    </a:p>
-                  </a:txBody>
-                  <a:tcPr marL="63500" marR="63500" marT="63500" marB="63500"/>
-                </a:tc>
-                <a:extLst>
-                  <a:ext uri="{0D108BD9-81ED-4DB2-BD59-A6C34878D82A}">
-                    <a16:rowId xmlns:a16="http://schemas.microsoft.com/office/drawing/2014/main" val="1287105647"/>
-                  </a:ext>
-                </a:extLst>
-              </a:tr>
-              <a:tr h="358932">
-                <a:tc>
-                  <a:txBody>
-                    <a:bodyPr/>
-                    <a:lstStyle/>
-                    <a:p>
-                      <a:pPr>
-                        <a:spcBef>
-                          <a:spcPts val="1200"/>
-                        </a:spcBef>
-                        <a:spcAft>
-                          <a:spcPts val="1200"/>
-                        </a:spcAft>
-                      </a:pPr>
-                      <a:r>
-                        <a:rPr lang="en-US" sz="1400" dirty="0">
-                          <a:solidFill>
-                            <a:sysClr val="windowText" lastClr="000000"/>
-                          </a:solidFill>
-                          <a:effectLst/>
-                          <a:latin typeface="+mn-lt"/>
-                          <a:ea typeface="Calibri" panose="020F0502020204030204" pitchFamily="34" charset="0"/>
-                          <a:cs typeface="+mn-cs"/>
-                        </a:rPr>
-                        <a:t>OM</a:t>
-                      </a:r>
-                      <a:endParaRPr lang="en-IL" sz="1400" dirty="0">
-                        <a:solidFill>
-                          <a:sysClr val="windowText" lastClr="000000"/>
-                        </a:solidFill>
-                        <a:effectLst/>
-                        <a:latin typeface="+mn-lt"/>
-                        <a:ea typeface="Calibri" panose="020F0502020204030204" pitchFamily="34" charset="0"/>
-                        <a:cs typeface="+mn-cs"/>
-                      </a:endParaRPr>
-                    </a:p>
-                  </a:txBody>
-                  <a:tcPr marL="63500" marR="63500" marT="63500" marB="63500"/>
-                </a:tc>
-                <a:tc>
-                  <a:txBody>
-                    <a:bodyPr/>
-                    <a:lstStyle/>
-                    <a:p>
-                      <a:pPr algn="l" rtl="0">
-                        <a:spcBef>
-                          <a:spcPts val="1200"/>
-                        </a:spcBef>
-                        <a:spcAft>
-                          <a:spcPts val="1200"/>
-                        </a:spcAft>
-                      </a:pPr>
-                      <a:r>
-                        <a:rPr lang="en-US" sz="1400" dirty="0">
-                          <a:solidFill>
-                            <a:sysClr val="windowText" lastClr="000000"/>
-                          </a:solidFill>
-                          <a:effectLst/>
-                          <a:latin typeface="+mn-lt"/>
-                          <a:ea typeface="Calibri" panose="020F0502020204030204" pitchFamily="34" charset="0"/>
-                          <a:cs typeface="+mn-cs"/>
-                        </a:rPr>
-                        <a:t>12 (42.86%)</a:t>
-                      </a:r>
-                      <a:endParaRPr lang="en-IL" sz="1400" dirty="0">
-                        <a:solidFill>
-                          <a:sysClr val="windowText" lastClr="000000"/>
-                        </a:solidFill>
-                        <a:effectLst/>
-                        <a:latin typeface="+mn-lt"/>
-                        <a:ea typeface="Calibri" panose="020F0502020204030204" pitchFamily="34" charset="0"/>
-                        <a:cs typeface="+mn-cs"/>
-                      </a:endParaRPr>
-                    </a:p>
-                  </a:txBody>
-                  <a:tcPr marL="63500" marR="63500" marT="63500" marB="63500"/>
-                </a:tc>
-                <a:tc>
-                  <a:txBody>
-                    <a:bodyPr/>
-                    <a:lstStyle/>
-                    <a:p>
-                      <a:pPr algn="l" rtl="0">
-                        <a:spcBef>
-                          <a:spcPts val="1200"/>
-                        </a:spcBef>
-                        <a:spcAft>
-                          <a:spcPts val="1200"/>
-                        </a:spcAft>
-                      </a:pPr>
-                      <a:r>
-                        <a:rPr lang="en-US" sz="1400" dirty="0">
-                          <a:solidFill>
-                            <a:sysClr val="windowText" lastClr="000000"/>
-                          </a:solidFill>
-                          <a:effectLst/>
-                          <a:latin typeface="+mn-lt"/>
-                          <a:ea typeface="Calibri" panose="020F0502020204030204" pitchFamily="34" charset="0"/>
-                          <a:cs typeface="+mn-cs"/>
-                        </a:rPr>
-                        <a:t>78 (40.84%)</a:t>
-                      </a:r>
-                      <a:endParaRPr lang="en-IL" sz="1400" dirty="0">
-                        <a:solidFill>
-                          <a:sysClr val="windowText" lastClr="000000"/>
-                        </a:solidFill>
-                        <a:effectLst/>
-                        <a:latin typeface="+mn-lt"/>
-                        <a:ea typeface="Calibri" panose="020F0502020204030204" pitchFamily="34" charset="0"/>
-                        <a:cs typeface="+mn-cs"/>
-                      </a:endParaRPr>
-                    </a:p>
-                  </a:txBody>
-                  <a:tcPr marL="63500" marR="63500" marT="63500" marB="63500"/>
-                </a:tc>
-                <a:tc>
-                  <a:txBody>
-                    <a:bodyPr/>
-                    <a:lstStyle/>
-                    <a:p>
-                      <a:pPr algn="l" rtl="0">
-                        <a:spcBef>
-                          <a:spcPts val="1200"/>
-                        </a:spcBef>
-                        <a:spcAft>
-                          <a:spcPts val="1200"/>
-                        </a:spcAft>
-                      </a:pPr>
-                      <a:r>
-                        <a:rPr lang="en-US" sz="1400" dirty="0">
-                          <a:solidFill>
-                            <a:sysClr val="windowText" lastClr="000000"/>
-                          </a:solidFill>
-                          <a:effectLst/>
-                          <a:latin typeface="+mn-lt"/>
-                          <a:ea typeface="Calibri" panose="020F0502020204030204" pitchFamily="34" charset="0"/>
-                          <a:cs typeface="+mn-cs"/>
-                        </a:rPr>
-                        <a:t>9.531</a:t>
-                      </a:r>
-                      <a:endParaRPr lang="en-IL" sz="1400" dirty="0">
-                        <a:solidFill>
-                          <a:sysClr val="windowText" lastClr="000000"/>
-                        </a:solidFill>
-                        <a:effectLst/>
-                        <a:latin typeface="+mn-lt"/>
-                        <a:ea typeface="Calibri" panose="020F0502020204030204" pitchFamily="34" charset="0"/>
-                        <a:cs typeface="+mn-cs"/>
-                      </a:endParaRPr>
-                    </a:p>
-                  </a:txBody>
-                  <a:tcPr marL="63500" marR="63500" marT="63500" marB="63500"/>
-                </a:tc>
-                <a:extLst>
-                  <a:ext uri="{0D108BD9-81ED-4DB2-BD59-A6C34878D82A}">
-                    <a16:rowId xmlns:a16="http://schemas.microsoft.com/office/drawing/2014/main" val="1604715709"/>
-                  </a:ext>
-                </a:extLst>
-              </a:tr>
-              <a:tr h="358932">
-                <a:tc>
-                  <a:txBody>
-                    <a:bodyPr/>
-                    <a:lstStyle/>
-                    <a:p>
-                      <a:pPr>
-                        <a:spcBef>
-                          <a:spcPts val="1200"/>
-                        </a:spcBef>
-                        <a:spcAft>
-                          <a:spcPts val="1200"/>
-                        </a:spcAft>
-                      </a:pPr>
-                      <a:r>
-                        <a:rPr lang="en-US" sz="1400" dirty="0">
-                          <a:solidFill>
-                            <a:sysClr val="windowText" lastClr="000000"/>
-                          </a:solidFill>
-                          <a:effectLst/>
-                          <a:latin typeface="+mn-lt"/>
-                          <a:ea typeface="Calibri" panose="020F0502020204030204" pitchFamily="34" charset="0"/>
-                          <a:cs typeface="+mn-cs"/>
-                        </a:rPr>
-                        <a:t>RO</a:t>
-                      </a:r>
-                      <a:endParaRPr lang="en-IL" sz="1400" dirty="0">
-                        <a:solidFill>
-                          <a:sysClr val="windowText" lastClr="000000"/>
-                        </a:solidFill>
-                        <a:effectLst/>
-                        <a:latin typeface="+mn-lt"/>
-                        <a:ea typeface="Calibri" panose="020F0502020204030204" pitchFamily="34" charset="0"/>
-                        <a:cs typeface="+mn-cs"/>
-                      </a:endParaRPr>
-                    </a:p>
-                  </a:txBody>
-                  <a:tcPr marL="63500" marR="63500" marT="63500" marB="63500"/>
-                </a:tc>
-                <a:tc>
-                  <a:txBody>
-                    <a:bodyPr/>
-                    <a:lstStyle/>
-                    <a:p>
-                      <a:pPr algn="l" rtl="0">
-                        <a:spcBef>
-                          <a:spcPts val="1200"/>
-                        </a:spcBef>
-                        <a:spcAft>
-                          <a:spcPts val="1200"/>
-                        </a:spcAft>
-                      </a:pPr>
-                      <a:r>
-                        <a:rPr lang="en-US" sz="1400" dirty="0">
-                          <a:solidFill>
-                            <a:sysClr val="windowText" lastClr="000000"/>
-                          </a:solidFill>
-                          <a:effectLst/>
-                          <a:latin typeface="+mn-lt"/>
-                          <a:ea typeface="Calibri" panose="020F0502020204030204" pitchFamily="34" charset="0"/>
-                          <a:cs typeface="+mn-cs"/>
-                        </a:rPr>
-                        <a:t>16 (57.14%)</a:t>
-                      </a:r>
-                      <a:endParaRPr lang="en-IL" sz="1400" dirty="0">
-                        <a:solidFill>
-                          <a:sysClr val="windowText" lastClr="000000"/>
-                        </a:solidFill>
-                        <a:effectLst/>
-                        <a:latin typeface="+mn-lt"/>
-                        <a:ea typeface="Calibri" panose="020F0502020204030204" pitchFamily="34" charset="0"/>
-                        <a:cs typeface="+mn-cs"/>
-                      </a:endParaRPr>
-                    </a:p>
-                  </a:txBody>
-                  <a:tcPr marL="63500" marR="63500" marT="63500" marB="63500"/>
-                </a:tc>
-                <a:tc>
-                  <a:txBody>
-                    <a:bodyPr/>
-                    <a:lstStyle/>
-                    <a:p>
-                      <a:pPr algn="l" rtl="0">
-                        <a:spcBef>
-                          <a:spcPts val="1200"/>
-                        </a:spcBef>
-                        <a:spcAft>
-                          <a:spcPts val="1200"/>
-                        </a:spcAft>
-                      </a:pPr>
-                      <a:r>
-                        <a:rPr lang="en-US" sz="1400" dirty="0">
-                          <a:solidFill>
-                            <a:sysClr val="windowText" lastClr="000000"/>
-                          </a:solidFill>
-                          <a:effectLst/>
-                          <a:latin typeface="+mn-lt"/>
-                          <a:ea typeface="Calibri" panose="020F0502020204030204" pitchFamily="34" charset="0"/>
-                          <a:cs typeface="+mn-cs"/>
-                        </a:rPr>
-                        <a:t>113 (59.16%)</a:t>
-                      </a:r>
-                      <a:endParaRPr lang="en-IL" sz="1400" dirty="0">
-                        <a:solidFill>
-                          <a:sysClr val="windowText" lastClr="000000"/>
-                        </a:solidFill>
-                        <a:effectLst/>
-                        <a:latin typeface="+mn-lt"/>
-                        <a:ea typeface="Calibri" panose="020F0502020204030204" pitchFamily="34" charset="0"/>
-                        <a:cs typeface="+mn-cs"/>
-                      </a:endParaRPr>
-                    </a:p>
-                  </a:txBody>
-                  <a:tcPr marL="63500" marR="63500" marT="63500" marB="63500"/>
-                </a:tc>
-                <a:tc>
-                  <a:txBody>
-                    <a:bodyPr/>
-                    <a:lstStyle/>
-                    <a:p>
-                      <a:pPr algn="l" rtl="0">
-                        <a:spcBef>
-                          <a:spcPts val="1200"/>
-                        </a:spcBef>
-                        <a:spcAft>
-                          <a:spcPts val="1200"/>
-                        </a:spcAft>
-                      </a:pPr>
-                      <a:r>
-                        <a:rPr lang="en-US" sz="1400" dirty="0">
-                          <a:solidFill>
-                            <a:sysClr val="windowText" lastClr="000000"/>
-                          </a:solidFill>
-                          <a:effectLst/>
-                          <a:latin typeface="+mn-lt"/>
-                          <a:ea typeface="Calibri" panose="020F0502020204030204" pitchFamily="34" charset="0"/>
-                          <a:cs typeface="+mn-cs"/>
-                        </a:rPr>
-                        <a:t>8.177</a:t>
-                      </a:r>
-                      <a:endParaRPr lang="en-IL" sz="1400" dirty="0">
-                        <a:solidFill>
-                          <a:sysClr val="windowText" lastClr="000000"/>
-                        </a:solidFill>
-                        <a:effectLst/>
-                        <a:latin typeface="+mn-lt"/>
-                        <a:ea typeface="Calibri" panose="020F0502020204030204" pitchFamily="34" charset="0"/>
-                        <a:cs typeface="+mn-cs"/>
-                      </a:endParaRPr>
-                    </a:p>
-                  </a:txBody>
-                  <a:tcPr marL="63500" marR="63500" marT="63500" marB="63500"/>
-                </a:tc>
-                <a:extLst>
-                  <a:ext uri="{0D108BD9-81ED-4DB2-BD59-A6C34878D82A}">
-                    <a16:rowId xmlns:a16="http://schemas.microsoft.com/office/drawing/2014/main" val="673359429"/>
-                  </a:ext>
-                </a:extLst>
-              </a:tr>
-              <a:tr h="358932">
-                <a:tc>
-                  <a:txBody>
-                    <a:bodyPr/>
-                    <a:lstStyle/>
-                    <a:p>
-                      <a:pPr>
-                        <a:spcBef>
-                          <a:spcPts val="1200"/>
-                        </a:spcBef>
-                        <a:spcAft>
-                          <a:spcPts val="1200"/>
-                        </a:spcAft>
-                      </a:pPr>
-                      <a:r>
-                        <a:rPr lang="en-US" sz="1400" b="1" dirty="0">
-                          <a:solidFill>
-                            <a:sysClr val="windowText" lastClr="000000"/>
-                          </a:solidFill>
-                          <a:effectLst/>
-                          <a:latin typeface="+mn-lt"/>
-                          <a:ea typeface="Calibri" panose="020F0502020204030204" pitchFamily="34" charset="0"/>
-                          <a:cs typeface="+mn-cs"/>
-                        </a:rPr>
-                        <a:t>Total</a:t>
-                      </a:r>
-                      <a:endParaRPr lang="en-IL" sz="1400" b="1" dirty="0">
-                        <a:solidFill>
-                          <a:sysClr val="windowText" lastClr="000000"/>
-                        </a:solidFill>
-                        <a:effectLst/>
-                        <a:latin typeface="+mn-lt"/>
-                        <a:ea typeface="Calibri" panose="020F0502020204030204" pitchFamily="34" charset="0"/>
-                        <a:cs typeface="+mn-cs"/>
-                      </a:endParaRPr>
-                    </a:p>
-                  </a:txBody>
-                  <a:tcPr marL="63500" marR="63500" marT="63500" marB="63500"/>
-                </a:tc>
-                <a:tc>
-                  <a:txBody>
-                    <a:bodyPr/>
-                    <a:lstStyle/>
-                    <a:p>
-                      <a:pPr algn="l" rtl="0">
-                        <a:spcBef>
-                          <a:spcPts val="1200"/>
-                        </a:spcBef>
-                        <a:spcAft>
-                          <a:spcPts val="1200"/>
-                        </a:spcAft>
-                      </a:pPr>
-                      <a:r>
-                        <a:rPr lang="en-US" sz="1400" b="1" dirty="0">
-                          <a:solidFill>
-                            <a:sysClr val="windowText" lastClr="000000"/>
-                          </a:solidFill>
-                          <a:effectLst/>
-                          <a:latin typeface="+mn-lt"/>
-                          <a:ea typeface="Calibri" panose="020F0502020204030204" pitchFamily="34" charset="0"/>
-                          <a:cs typeface="+mn-cs"/>
-                        </a:rPr>
-                        <a:t>28</a:t>
-                      </a:r>
-                      <a:endParaRPr lang="en-IL" sz="1400" b="1" dirty="0">
-                        <a:solidFill>
-                          <a:sysClr val="windowText" lastClr="000000"/>
-                        </a:solidFill>
-                        <a:effectLst/>
-                        <a:latin typeface="+mn-lt"/>
-                        <a:ea typeface="Calibri" panose="020F0502020204030204" pitchFamily="34" charset="0"/>
-                        <a:cs typeface="+mn-cs"/>
-                      </a:endParaRPr>
-                    </a:p>
-                  </a:txBody>
-                  <a:tcPr marL="63500" marR="63500" marT="63500" marB="63500"/>
-                </a:tc>
-                <a:tc>
-                  <a:txBody>
-                    <a:bodyPr/>
-                    <a:lstStyle/>
-                    <a:p>
-                      <a:pPr algn="l" rtl="0">
-                        <a:spcBef>
-                          <a:spcPts val="1200"/>
-                        </a:spcBef>
-                        <a:spcAft>
-                          <a:spcPts val="1200"/>
-                        </a:spcAft>
-                      </a:pPr>
-                      <a:r>
-                        <a:rPr lang="en-US" sz="1400" b="1" dirty="0">
-                          <a:solidFill>
-                            <a:sysClr val="windowText" lastClr="000000"/>
-                          </a:solidFill>
-                          <a:effectLst/>
-                          <a:latin typeface="+mn-lt"/>
-                          <a:ea typeface="Calibri" panose="020F0502020204030204" pitchFamily="34" charset="0"/>
-                          <a:cs typeface="+mn-cs"/>
-                        </a:rPr>
-                        <a:t>191</a:t>
-                      </a:r>
-                      <a:endParaRPr lang="en-IL" sz="1400" b="1" dirty="0">
-                        <a:solidFill>
-                          <a:sysClr val="windowText" lastClr="000000"/>
-                        </a:solidFill>
-                        <a:effectLst/>
-                        <a:latin typeface="+mn-lt"/>
-                        <a:ea typeface="Calibri" panose="020F0502020204030204" pitchFamily="34" charset="0"/>
-                        <a:cs typeface="+mn-cs"/>
-                      </a:endParaRPr>
-                    </a:p>
-                  </a:txBody>
-                  <a:tcPr marL="63500" marR="63500" marT="63500" marB="63500"/>
-                </a:tc>
-                <a:tc>
-                  <a:txBody>
-                    <a:bodyPr/>
-                    <a:lstStyle/>
-                    <a:p>
-                      <a:pPr algn="l" rtl="0">
-                        <a:spcBef>
-                          <a:spcPts val="1200"/>
-                        </a:spcBef>
-                        <a:spcAft>
-                          <a:spcPts val="1200"/>
-                        </a:spcAft>
-                      </a:pPr>
-                      <a:r>
-                        <a:rPr lang="en-US" sz="1400" b="1" dirty="0">
-                          <a:solidFill>
-                            <a:sysClr val="windowText" lastClr="000000"/>
-                          </a:solidFill>
-                          <a:effectLst/>
-                          <a:latin typeface="+mn-lt"/>
-                          <a:ea typeface="Calibri" panose="020F0502020204030204" pitchFamily="34" charset="0"/>
-                          <a:cs typeface="+mn-cs"/>
-                        </a:rPr>
-                        <a:t>8.73</a:t>
-                      </a:r>
-                      <a:endParaRPr lang="en-IL" sz="1400" b="1" dirty="0">
-                        <a:solidFill>
-                          <a:sysClr val="windowText" lastClr="000000"/>
-                        </a:solidFill>
-                        <a:effectLst/>
-                        <a:latin typeface="+mn-lt"/>
-                        <a:ea typeface="Calibri" panose="020F0502020204030204" pitchFamily="34" charset="0"/>
-                        <a:cs typeface="+mn-cs"/>
-                      </a:endParaRPr>
-                    </a:p>
-                  </a:txBody>
-                  <a:tcPr marL="63500" marR="63500" marT="63500" marB="63500"/>
-                </a:tc>
-                <a:extLst>
-                  <a:ext uri="{0D108BD9-81ED-4DB2-BD59-A6C34878D82A}">
-                    <a16:rowId xmlns:a16="http://schemas.microsoft.com/office/drawing/2014/main" val="952635729"/>
-                  </a:ext>
-                </a:extLst>
-              </a:tr>
-            </a:tbl>
-          </a:graphicData>
-        </a:graphic>
-      </p:graphicFrame>
-      <p:pic>
-        <p:nvPicPr>
-          <p:cNvPr id="7" name="image3.png">
-            <a:extLst>
-              <a:ext uri="{FF2B5EF4-FFF2-40B4-BE49-F238E27FC236}">
-                <a16:creationId xmlns:a16="http://schemas.microsoft.com/office/drawing/2014/main" id="{1D8BDD5F-1A51-FC7C-EA92-942A62D3D6A0}"/>
-              </a:ext>
-            </a:extLst>
-          </p:cNvPr>
-          <p:cNvPicPr/>
-          <p:nvPr/>
-        </p:nvPicPr>
-        <p:blipFill>
-          <a:blip r:embed="rId3"/>
-          <a:srcRect/>
-          <a:stretch>
-            <a:fillRect/>
-          </a:stretch>
-        </p:blipFill>
-        <p:spPr>
-          <a:xfrm>
-            <a:off x="8113427" y="3368790"/>
-            <a:ext cx="3852431" cy="3003665"/>
-          </a:xfrm>
-          <a:prstGeom prst="rect">
-            <a:avLst/>
-          </a:prstGeom>
-          <a:ln/>
-        </p:spPr>
-      </p:pic>
-      <p:pic>
-        <p:nvPicPr>
-          <p:cNvPr id="9" name="Picture 8">
-            <a:extLst>
-              <a:ext uri="{FF2B5EF4-FFF2-40B4-BE49-F238E27FC236}">
-                <a16:creationId xmlns:a16="http://schemas.microsoft.com/office/drawing/2014/main" id="{4BAB59C7-0114-D9F9-9D46-E89836F57F24}"/>
-              </a:ext>
-            </a:extLst>
-          </p:cNvPr>
-          <p:cNvPicPr>
-            <a:picLocks noChangeAspect="1"/>
-          </p:cNvPicPr>
-          <p:nvPr/>
-        </p:nvPicPr>
-        <p:blipFill>
-          <a:blip r:embed="rId4"/>
-          <a:stretch>
-            <a:fillRect/>
-          </a:stretch>
-        </p:blipFill>
-        <p:spPr>
-          <a:xfrm>
-            <a:off x="8113427" y="188855"/>
-            <a:ext cx="3930397" cy="3003665"/>
+            <a:ext cx="10115550" cy="4664488"/>
           </a:xfrm>
           <a:prstGeom prst="rect">
             <a:avLst/>
           </a:prstGeom>
         </p:spPr>
-      </p:pic>
+        <p:txBody>
+          <a:bodyPr vert="horz" lIns="91440" tIns="45720" rIns="91440" bIns="45720" rtlCol="0" anchor="t">
+            <a:normAutofit/>
+          </a:bodyPr>
+          <a:lstStyle>
+            <a:lvl1pPr marL="228600" indent="-228600" algn="l" defTabSz="914400" rtl="0" eaLnBrk="1" latinLnBrk="0" hangingPunct="1">
+              <a:lnSpc>
+                <a:spcPct val="90000"/>
+              </a:lnSpc>
+              <a:spcBef>
+                <a:spcPts val="1000"/>
+              </a:spcBef>
+              <a:buFont typeface="Arial" panose="020B0604020202020204" pitchFamily="34" charset="0"/>
+              <a:buChar char="•"/>
+              <a:defRPr sz="2800" kern="1200">
+                <a:solidFill>
+                  <a:schemeClr val="tx1"/>
+                </a:solidFill>
+                <a:latin typeface="+mn-lt"/>
+                <a:ea typeface="+mn-ea"/>
+                <a:cs typeface="+mn-cs"/>
+              </a:defRPr>
+            </a:lvl1pPr>
+            <a:lvl2pPr marL="685800" indent="-228600" algn="l" defTabSz="914400" rtl="0" eaLnBrk="1" latinLnBrk="0" hangingPunct="1">
+              <a:lnSpc>
+                <a:spcPct val="90000"/>
+              </a:lnSpc>
+              <a:spcBef>
+                <a:spcPts val="500"/>
+              </a:spcBef>
+              <a:buFont typeface="Arial" panose="020B0604020202020204" pitchFamily="34" charset="0"/>
+              <a:buChar char="•"/>
+              <a:defRPr sz="2400" kern="1200">
+                <a:solidFill>
+                  <a:schemeClr val="tx1"/>
+                </a:solidFill>
+                <a:latin typeface="+mn-lt"/>
+                <a:ea typeface="+mn-ea"/>
+                <a:cs typeface="+mn-cs"/>
+              </a:defRPr>
+            </a:lvl2pPr>
+            <a:lvl3pPr marL="1143000" indent="-228600" algn="l" defTabSz="914400" rtl="0" eaLnBrk="1" latinLnBrk="0" hangingPunct="1">
+              <a:lnSpc>
+                <a:spcPct val="90000"/>
+              </a:lnSpc>
+              <a:spcBef>
+                <a:spcPts val="500"/>
+              </a:spcBef>
+              <a:buFont typeface="Arial" panose="020B0604020202020204" pitchFamily="34" charset="0"/>
+              <a:buChar char="•"/>
+              <a:defRPr sz="2000" kern="1200">
+                <a:solidFill>
+                  <a:schemeClr val="tx1"/>
+                </a:solidFill>
+                <a:latin typeface="+mn-lt"/>
+                <a:ea typeface="+mn-ea"/>
+                <a:cs typeface="+mn-cs"/>
+              </a:defRPr>
+            </a:lvl3pPr>
+            <a:lvl4pPr marL="1600200" indent="-228600" algn="l" defTabSz="914400" rtl="0" eaLnBrk="1" latinLnBrk="0" hangingPunct="1">
+              <a:lnSpc>
+                <a:spcPct val="90000"/>
+              </a:lnSpc>
+              <a:spcBef>
+                <a:spcPts val="500"/>
+              </a:spcBef>
+              <a:buFont typeface="Arial" panose="020B0604020202020204" pitchFamily="34" charset="0"/>
+              <a:buChar char="•"/>
+              <a:defRPr sz="1800" kern="1200">
+                <a:solidFill>
+                  <a:schemeClr val="tx1"/>
+                </a:solidFill>
+                <a:latin typeface="+mn-lt"/>
+                <a:ea typeface="+mn-ea"/>
+                <a:cs typeface="+mn-cs"/>
+              </a:defRPr>
+            </a:lvl4pPr>
+            <a:lvl5pPr marL="2057400" indent="-228600" algn="l" defTabSz="914400" rtl="0" eaLnBrk="1" latinLnBrk="0" hangingPunct="1">
+              <a:lnSpc>
+                <a:spcPct val="90000"/>
+              </a:lnSpc>
+              <a:spcBef>
+                <a:spcPts val="500"/>
+              </a:spcBef>
+              <a:buFont typeface="Arial" panose="020B0604020202020204" pitchFamily="34" charset="0"/>
+              <a:buChar char="•"/>
+              <a:defRPr sz="1800" kern="1200">
+                <a:solidFill>
+                  <a:schemeClr val="tx1"/>
+                </a:solidFill>
+                <a:latin typeface="+mn-lt"/>
+                <a:ea typeface="+mn-ea"/>
+                <a:cs typeface="+mn-cs"/>
+              </a:defRPr>
+            </a:lvl5pPr>
+            <a:lvl6pPr marL="2514600" indent="-228600" algn="l" defTabSz="914400" rtl="0" eaLnBrk="1" latinLnBrk="0" hangingPunct="1">
+              <a:lnSpc>
+                <a:spcPct val="90000"/>
+              </a:lnSpc>
+              <a:spcBef>
+                <a:spcPts val="500"/>
+              </a:spcBef>
+              <a:buFont typeface="Arial" panose="020B0604020202020204" pitchFamily="34" charset="0"/>
+              <a:buChar char="•"/>
+              <a:defRPr sz="1800" kern="1200">
+                <a:solidFill>
+                  <a:schemeClr val="tx1"/>
+                </a:solidFill>
+                <a:latin typeface="+mn-lt"/>
+                <a:ea typeface="+mn-ea"/>
+                <a:cs typeface="+mn-cs"/>
+              </a:defRPr>
+            </a:lvl6pPr>
+            <a:lvl7pPr marL="2971800" indent="-228600" algn="l" defTabSz="914400" rtl="0" eaLnBrk="1" latinLnBrk="0" hangingPunct="1">
+              <a:lnSpc>
+                <a:spcPct val="90000"/>
+              </a:lnSpc>
+              <a:spcBef>
+                <a:spcPts val="500"/>
+              </a:spcBef>
+              <a:buFont typeface="Arial" panose="020B0604020202020204" pitchFamily="34" charset="0"/>
+              <a:buChar char="•"/>
+              <a:defRPr sz="1800" kern="1200">
+                <a:solidFill>
+                  <a:schemeClr val="tx1"/>
+                </a:solidFill>
+                <a:latin typeface="+mn-lt"/>
+                <a:ea typeface="+mn-ea"/>
+                <a:cs typeface="+mn-cs"/>
+              </a:defRPr>
+            </a:lvl7pPr>
+            <a:lvl8pPr marL="3429000" indent="-228600" algn="l" defTabSz="914400" rtl="0" eaLnBrk="1" latinLnBrk="0" hangingPunct="1">
+              <a:lnSpc>
+                <a:spcPct val="90000"/>
+              </a:lnSpc>
+              <a:spcBef>
+                <a:spcPts val="500"/>
+              </a:spcBef>
+              <a:buFont typeface="Arial" panose="020B0604020202020204" pitchFamily="34" charset="0"/>
+              <a:buChar char="•"/>
+              <a:defRPr sz="1800" kern="1200">
+                <a:solidFill>
+                  <a:schemeClr val="tx1"/>
+                </a:solidFill>
+                <a:latin typeface="+mn-lt"/>
+                <a:ea typeface="+mn-ea"/>
+                <a:cs typeface="+mn-cs"/>
+              </a:defRPr>
+            </a:lvl8pPr>
+            <a:lvl9pPr marL="3886200" indent="-228600" algn="l" defTabSz="914400" rtl="0" eaLnBrk="1" latinLnBrk="0" hangingPunct="1">
+              <a:lnSpc>
+                <a:spcPct val="90000"/>
+              </a:lnSpc>
+              <a:spcBef>
+                <a:spcPts val="500"/>
+              </a:spcBef>
+              <a:buFont typeface="Arial" panose="020B0604020202020204" pitchFamily="34" charset="0"/>
+              <a:buChar char="•"/>
+              <a:defRPr sz="1800" kern="1200">
+                <a:solidFill>
+                  <a:schemeClr val="tx1"/>
+                </a:solidFill>
+                <a:latin typeface="+mn-lt"/>
+                <a:ea typeface="+mn-ea"/>
+                <a:cs typeface="+mn-cs"/>
+              </a:defRPr>
+            </a:lvl9pPr>
+          </a:lstStyle>
+          <a:p>
+            <a:pPr marL="457200" indent="-457200">
+              <a:lnSpc>
+                <a:spcPct val="150000"/>
+              </a:lnSpc>
+              <a:buSzPct val="100000"/>
+            </a:pPr>
+            <a:r>
+              <a:rPr lang="en-US" sz="3200">
+                <a:ea typeface="+mn-lt"/>
+                <a:cs typeface="+mn-lt"/>
+              </a:rPr>
+              <a:t>Developed by Tomas Mikolov, et al. at Google in 2013</a:t>
+            </a:r>
+            <a:endParaRPr lang="he-IL" sz="3200">
+              <a:ea typeface="+mn-lt"/>
+              <a:cs typeface="+mn-lt"/>
+            </a:endParaRPr>
+          </a:p>
+          <a:p>
+            <a:pPr marL="457200" indent="-457200">
+              <a:lnSpc>
+                <a:spcPct val="150000"/>
+              </a:lnSpc>
+              <a:buSzPct val="100000"/>
+            </a:pPr>
+            <a:r>
+              <a:rPr lang="en-US" sz="3200">
+                <a:ea typeface="+mn-lt"/>
+                <a:cs typeface="+mn-lt"/>
+              </a:rPr>
+              <a:t>Low space and time complexity</a:t>
+            </a:r>
+          </a:p>
+          <a:p>
+            <a:pPr marL="457200" indent="-457200">
+              <a:lnSpc>
+                <a:spcPct val="150000"/>
+              </a:lnSpc>
+              <a:buSzPct val="100000"/>
+            </a:pPr>
+            <a:r>
+              <a:rPr lang="en-US" sz="3200">
+                <a:ea typeface="+mn-lt"/>
+                <a:cs typeface="+mn-lt"/>
+              </a:rPr>
+              <a:t>Relies on local usage context</a:t>
+            </a:r>
+          </a:p>
+          <a:p>
+            <a:pPr marL="914400" lvl="1" indent="-457200">
+              <a:lnSpc>
+                <a:spcPct val="150000"/>
+              </a:lnSpc>
+              <a:spcBef>
+                <a:spcPts val="1000"/>
+              </a:spcBef>
+              <a:buSzPct val="100000"/>
+            </a:pPr>
+            <a:r>
+              <a:rPr lang="en-US" sz="2800">
+                <a:ea typeface="+mn-lt"/>
+                <a:cs typeface="+mn-lt"/>
+              </a:rPr>
+              <a:t>This is the hyperparameter of this model</a:t>
+            </a:r>
+          </a:p>
+          <a:p>
+            <a:pPr marL="457200" indent="-457200">
+              <a:lnSpc>
+                <a:spcPct val="150000"/>
+              </a:lnSpc>
+              <a:buSzPct val="100000"/>
+            </a:pPr>
+            <a:endParaRPr lang="he-IL" sz="3200">
+              <a:ea typeface="+mn-lt"/>
+              <a:cs typeface="+mn-lt"/>
+            </a:endParaRPr>
+          </a:p>
+          <a:p>
+            <a:pPr marL="457200" indent="-457200">
+              <a:lnSpc>
+                <a:spcPct val="150000"/>
+              </a:lnSpc>
+              <a:buSzPct val="100000"/>
+            </a:pPr>
+            <a:endParaRPr lang="he-IL" sz="3200">
+              <a:ea typeface="+mn-lt"/>
+              <a:cs typeface="+mn-lt"/>
+            </a:endParaRPr>
+          </a:p>
+          <a:p>
+            <a:pPr marL="457200" indent="-457200">
+              <a:lnSpc>
+                <a:spcPct val="150000"/>
+              </a:lnSpc>
+              <a:buSzPct val="100000"/>
+            </a:pPr>
+            <a:endParaRPr lang="he-IL" sz="3200">
+              <a:ea typeface="+mn-lt"/>
+              <a:cs typeface="+mn-lt"/>
+            </a:endParaRPr>
+          </a:p>
+          <a:p>
+            <a:pPr marL="457200" indent="-457200">
+              <a:lnSpc>
+                <a:spcPct val="150000"/>
+              </a:lnSpc>
+              <a:buSzPct val="100000"/>
+            </a:pPr>
+            <a:endParaRPr lang="he-IL" sz="3200">
+              <a:ea typeface="+mn-lt"/>
+              <a:cs typeface="+mn-lt"/>
+            </a:endParaRPr>
+          </a:p>
+          <a:p>
+            <a:pPr marL="457200" indent="-457200">
+              <a:lnSpc>
+                <a:spcPct val="150000"/>
+              </a:lnSpc>
+              <a:buSzPct val="100000"/>
+            </a:pPr>
+            <a:endParaRPr lang="en-US" sz="3200" dirty="0">
+              <a:ea typeface="+mn-lt"/>
+              <a:cs typeface="+mn-lt"/>
+            </a:endParaRPr>
+          </a:p>
+        </p:txBody>
+      </p:sp>
     </p:spTree>
     <p:extLst>
       <p:ext uri="{BB962C8B-B14F-4D97-AF65-F5344CB8AC3E}">
@@ -6241,20 +5386,6 @@
 <file path=ppt/slides/slide7.xml><?xml version="1.0" encoding="utf-8"?>
 <p:sld xmlns:a="http://schemas.openxmlformats.org/drawingml/2006/main" xmlns:r="http://schemas.openxmlformats.org/officeDocument/2006/relationships" xmlns:p="http://schemas.openxmlformats.org/presentationml/2006/main">
   <p:cSld>
-    <p:bg>
-      <p:bgPr>
-        <a:blipFill dpi="0" rotWithShape="1">
-          <a:blip r:embed="rId2">
-            <a:lum/>
-          </a:blip>
-          <a:srcRect/>
-          <a:stretch>
-            <a:fillRect/>
-          </a:stretch>
-        </a:blipFill>
-        <a:effectLst/>
-      </p:bgPr>
-    </p:bg>
     <p:spTree>
       <p:nvGrpSpPr>
         <p:cNvPr id="1" name=""/>
@@ -6291,43 +5422,27 @@
           <a:lstStyle/>
           <a:p>
             <a:r>
-              <a:rPr lang="en-US" b="1" dirty="0" err="1"/>
-              <a:t>SincNet</a:t>
+              <a:rPr lang="en-US" sz="4400" b="1" dirty="0">
+                <a:solidFill>
+                  <a:prstClr val="black"/>
+                </a:solidFill>
+                <a:cs typeface="Arial" panose="020B0604020202020204" pitchFamily="34" charset="0"/>
+              </a:rPr>
+              <a:t>Past work </a:t>
+            </a:r>
+            <a:r>
+              <a:rPr lang="en-US" sz="4400" b="1" dirty="0" err="1">
+                <a:solidFill>
+                  <a:prstClr val="black"/>
+                </a:solidFill>
+                <a:cs typeface="Arial" panose="020B0604020202020204" pitchFamily="34" charset="0"/>
+              </a:rPr>
+              <a:t>comperition</a:t>
             </a:r>
             <a:endParaRPr lang="en-GB" b="1" dirty="0"/>
           </a:p>
         </p:txBody>
       </p:sp>
-      <p:pic>
-        <p:nvPicPr>
-          <p:cNvPr id="5" name="Picture 4">
-            <a:extLst>
-              <a:ext uri="{FF2B5EF4-FFF2-40B4-BE49-F238E27FC236}">
-                <a16:creationId xmlns:a16="http://schemas.microsoft.com/office/drawing/2014/main" id="{E0B8EB67-A286-6209-B363-81087DC918D2}"/>
-              </a:ext>
-            </a:extLst>
-          </p:cNvPr>
-          <p:cNvPicPr>
-            <a:picLocks noChangeAspect="1"/>
-          </p:cNvPicPr>
-          <p:nvPr/>
-        </p:nvPicPr>
-        <p:blipFill>
-          <a:blip r:embed="rId3"/>
-          <a:stretch>
-            <a:fillRect/>
-          </a:stretch>
-        </p:blipFill>
-        <p:spPr>
-          <a:xfrm>
-            <a:off x="7118555" y="0"/>
-            <a:ext cx="5073445" cy="6807431"/>
-          </a:xfrm>
-          <a:prstGeom prst="rect">
-            <a:avLst/>
-          </a:prstGeom>
-        </p:spPr>
-      </p:pic>
       <p:sp>
         <p:nvSpPr>
           <p:cNvPr id="4" name="Content Placeholder 2">
@@ -6582,20 +5697,6 @@
 <file path=ppt/slides/slide8.xml><?xml version="1.0" encoding="utf-8"?>
 <p:sld xmlns:a="http://schemas.openxmlformats.org/drawingml/2006/main" xmlns:r="http://schemas.openxmlformats.org/officeDocument/2006/relationships" xmlns:p="http://schemas.openxmlformats.org/presentationml/2006/main">
   <p:cSld>
-    <p:bg>
-      <p:bgPr>
-        <a:blipFill dpi="0" rotWithShape="1">
-          <a:blip r:embed="rId2">
-            <a:lum/>
-          </a:blip>
-          <a:srcRect/>
-          <a:stretch>
-            <a:fillRect/>
-          </a:stretch>
-        </a:blipFill>
-        <a:effectLst/>
-      </p:bgPr>
-    </p:bg>
     <p:spTree>
       <p:nvGrpSpPr>
         <p:cNvPr id="1" name=""/>
@@ -6632,843 +5733,226 @@
           <a:lstStyle/>
           <a:p>
             <a:r>
-              <a:rPr lang="en-US" b="1" dirty="0" err="1"/>
-              <a:t>SincNet</a:t>
-            </a:r>
-            <a:r>
               <a:rPr lang="en-US" b="1" dirty="0"/>
-              <a:t> vs CNN</a:t>
+              <a:t>Future work</a:t>
             </a:r>
             <a:endParaRPr lang="en-GB" b="1" dirty="0"/>
           </a:p>
         </p:txBody>
       </p:sp>
-      <mc:AlternateContent xmlns:mc="http://schemas.openxmlformats.org/markup-compatibility/2006" xmlns:a14="http://schemas.microsoft.com/office/drawing/2010/main">
-        <mc:Choice Requires="a14">
-          <p:sp>
-            <p:nvSpPr>
-              <p:cNvPr id="6" name="Content Placeholder 2">
-                <a:extLst>
-                  <a:ext uri="{FF2B5EF4-FFF2-40B4-BE49-F238E27FC236}">
-                    <a16:creationId xmlns:a16="http://schemas.microsoft.com/office/drawing/2014/main" id="{511D9F8B-3BF0-CEF2-E14C-36FAE1E77A6B}"/>
-                  </a:ext>
-                </a:extLst>
-              </p:cNvPr>
-              <p:cNvSpPr>
-                <a:spLocks noGrp="1"/>
-              </p:cNvSpPr>
-              <p:nvPr>
-                <p:ph idx="1"/>
-              </p:nvPr>
-            </p:nvSpPr>
-            <p:spPr>
-              <a:xfrm>
-                <a:off x="6867525" y="0"/>
-                <a:ext cx="6419850" cy="1596283"/>
-              </a:xfrm>
-            </p:spPr>
-            <p:txBody>
-              <a:bodyPr>
-                <a:noAutofit/>
-              </a:bodyPr>
-              <a:lstStyle/>
-              <a:p>
-                <a:pPr marL="0" indent="0">
-                  <a:lnSpc>
-                    <a:spcPct val="150000"/>
-                  </a:lnSpc>
-                  <a:buNone/>
-                </a:pPr>
-                <a14:m>
-                  <m:oMathPara xmlns:m="http://schemas.openxmlformats.org/officeDocument/2006/math">
-                    <m:oMathParaPr>
-                      <m:jc m:val="left"/>
-                    </m:oMathParaPr>
-                    <m:oMath xmlns:m="http://schemas.openxmlformats.org/officeDocument/2006/math">
-                      <m:r>
-                        <a:rPr lang="en-US" sz="1800" i="1" dirty="0" smtClean="0">
-                          <a:latin typeface="Cambria Math" panose="02040503050406030204" pitchFamily="18" charset="0"/>
-                        </a:rPr>
-                        <m:t>𝑦</m:t>
-                      </m:r>
-                      <m:r>
-                        <a:rPr lang="en-US" sz="1800" i="1" dirty="0" smtClean="0">
-                          <a:latin typeface="Cambria Math" panose="02040503050406030204" pitchFamily="18" charset="0"/>
-                        </a:rPr>
-                        <m:t>[</m:t>
-                      </m:r>
-                      <m:r>
-                        <a:rPr lang="en-US" sz="1800" i="1" dirty="0" smtClean="0">
-                          <a:latin typeface="Cambria Math" panose="02040503050406030204" pitchFamily="18" charset="0"/>
-                        </a:rPr>
-                        <m:t>𝑛</m:t>
-                      </m:r>
-                      <m:r>
-                        <a:rPr lang="en-US" sz="1800" i="1" dirty="0" smtClean="0">
-                          <a:latin typeface="Cambria Math" panose="02040503050406030204" pitchFamily="18" charset="0"/>
-                        </a:rPr>
-                        <m:t>]=</m:t>
-                      </m:r>
-                      <m:r>
-                        <a:rPr lang="en-US" sz="1800" i="1" dirty="0" smtClean="0">
-                          <a:latin typeface="Cambria Math" panose="02040503050406030204" pitchFamily="18" charset="0"/>
-                        </a:rPr>
-                        <m:t>𝑥</m:t>
-                      </m:r>
-                      <m:r>
-                        <a:rPr lang="en-US" sz="1800" i="1" dirty="0" smtClean="0">
-                          <a:latin typeface="Cambria Math" panose="02040503050406030204" pitchFamily="18" charset="0"/>
-                        </a:rPr>
-                        <m:t>[</m:t>
-                      </m:r>
-                      <m:r>
-                        <a:rPr lang="en-US" sz="1800" i="1" dirty="0" smtClean="0">
-                          <a:latin typeface="Cambria Math" panose="02040503050406030204" pitchFamily="18" charset="0"/>
-                        </a:rPr>
-                        <m:t>𝑛</m:t>
-                      </m:r>
-                      <m:r>
-                        <a:rPr lang="en-US" sz="1800" i="1" dirty="0" smtClean="0">
-                          <a:latin typeface="Cambria Math" panose="02040503050406030204" pitchFamily="18" charset="0"/>
-                        </a:rPr>
-                        <m:t>]∗</m:t>
-                      </m:r>
-                      <m:r>
-                        <a:rPr lang="en-US" sz="1800" i="1" dirty="0" smtClean="0">
-                          <a:latin typeface="Cambria Math" panose="02040503050406030204" pitchFamily="18" charset="0"/>
-                        </a:rPr>
-                        <m:t>𝑔</m:t>
-                      </m:r>
-                      <m:r>
-                        <a:rPr lang="en-US" sz="1800" i="1" dirty="0" smtClean="0">
-                          <a:latin typeface="Cambria Math" panose="02040503050406030204" pitchFamily="18" charset="0"/>
-                        </a:rPr>
-                        <m:t>[</m:t>
-                      </m:r>
-                      <m:r>
-                        <a:rPr lang="en-US" sz="1800" i="1" dirty="0" smtClean="0">
-                          <a:latin typeface="Cambria Math" panose="02040503050406030204" pitchFamily="18" charset="0"/>
-                        </a:rPr>
-                        <m:t>𝑛</m:t>
-                      </m:r>
-                      <m:r>
-                        <a:rPr lang="en-US" sz="1800" i="1" dirty="0" smtClean="0">
-                          <a:latin typeface="Cambria Math" panose="02040503050406030204" pitchFamily="18" charset="0"/>
-                        </a:rPr>
-                        <m:t>,</m:t>
-                      </m:r>
-                      <m:sSub>
-                        <m:sSubPr>
-                          <m:ctrlPr>
-                            <a:rPr lang="en-US" sz="1800" b="0" i="1" dirty="0" smtClean="0">
-                              <a:latin typeface="Cambria Math" panose="02040503050406030204" pitchFamily="18" charset="0"/>
-                            </a:rPr>
-                          </m:ctrlPr>
-                        </m:sSubPr>
-                        <m:e>
-                          <m:r>
-                            <a:rPr lang="en-US" sz="1800" i="1" dirty="0" smtClean="0">
-                              <a:latin typeface="Cambria Math" panose="02040503050406030204" pitchFamily="18" charset="0"/>
-                            </a:rPr>
-                            <m:t>𝑓</m:t>
-                          </m:r>
-                        </m:e>
-                        <m:sub>
-                          <m:r>
-                            <a:rPr lang="en-US" sz="1800" i="1" dirty="0" smtClean="0">
-                              <a:latin typeface="Cambria Math" panose="02040503050406030204" pitchFamily="18" charset="0"/>
-                            </a:rPr>
-                            <m:t>1</m:t>
-                          </m:r>
-                        </m:sub>
-                      </m:sSub>
-                      <m:r>
-                        <a:rPr lang="en-US" sz="1800" i="1" dirty="0" smtClean="0">
-                          <a:latin typeface="Cambria Math" panose="02040503050406030204" pitchFamily="18" charset="0"/>
-                        </a:rPr>
-                        <m:t>,</m:t>
-                      </m:r>
-                      <m:sSub>
-                        <m:sSubPr>
-                          <m:ctrlPr>
-                            <a:rPr lang="en-US" sz="1800" b="0" i="1" dirty="0" smtClean="0">
-                              <a:latin typeface="Cambria Math" panose="02040503050406030204" pitchFamily="18" charset="0"/>
-                            </a:rPr>
-                          </m:ctrlPr>
-                        </m:sSubPr>
-                        <m:e>
-                          <m:r>
-                            <a:rPr lang="en-US" sz="1800" i="1" dirty="0" smtClean="0">
-                              <a:latin typeface="Cambria Math" panose="02040503050406030204" pitchFamily="18" charset="0"/>
-                            </a:rPr>
-                            <m:t>𝑓</m:t>
-                          </m:r>
-                        </m:e>
-                        <m:sub>
-                          <m:r>
-                            <a:rPr lang="en-US" sz="1800" i="1" dirty="0" smtClean="0">
-                              <a:latin typeface="Cambria Math" panose="02040503050406030204" pitchFamily="18" charset="0"/>
-                            </a:rPr>
-                            <m:t>2</m:t>
-                          </m:r>
-                        </m:sub>
-                      </m:sSub>
-                      <m:r>
-                        <a:rPr lang="en-US" sz="1800" i="1" dirty="0" smtClean="0">
-                          <a:latin typeface="Cambria Math" panose="02040503050406030204" pitchFamily="18" charset="0"/>
-                        </a:rPr>
-                        <m:t>]∗</m:t>
-                      </m:r>
-                      <m:r>
-                        <a:rPr lang="en-US" sz="1800" i="1" dirty="0" smtClean="0">
-                          <a:latin typeface="Cambria Math" panose="02040503050406030204" pitchFamily="18" charset="0"/>
-                        </a:rPr>
-                        <m:t>𝑤</m:t>
-                      </m:r>
-                      <m:r>
-                        <a:rPr lang="en-US" sz="1800" i="1" dirty="0" smtClean="0">
-                          <a:latin typeface="Cambria Math" panose="02040503050406030204" pitchFamily="18" charset="0"/>
-                        </a:rPr>
-                        <m:t>[</m:t>
-                      </m:r>
-                      <m:r>
-                        <a:rPr lang="en-US" sz="1800" i="1" dirty="0" smtClean="0">
-                          <a:latin typeface="Cambria Math" panose="02040503050406030204" pitchFamily="18" charset="0"/>
-                        </a:rPr>
-                        <m:t>𝑛</m:t>
-                      </m:r>
-                      <m:r>
-                        <a:rPr lang="en-US" sz="1800" i="1" dirty="0" smtClean="0">
-                          <a:latin typeface="Cambria Math" panose="02040503050406030204" pitchFamily="18" charset="0"/>
-                        </a:rPr>
-                        <m:t>]</m:t>
-                      </m:r>
-                    </m:oMath>
-                  </m:oMathPara>
-                </a14:m>
-                <a:endParaRPr lang="en-US" sz="1800" dirty="0"/>
-              </a:p>
-              <a:p>
-                <a:pPr marL="0" indent="0">
-                  <a:lnSpc>
-                    <a:spcPct val="150000"/>
-                  </a:lnSpc>
-                  <a:buNone/>
-                </a:pPr>
-                <a14:m>
-                  <m:oMathPara xmlns:m="http://schemas.openxmlformats.org/officeDocument/2006/math">
-                    <m:oMathParaPr>
-                      <m:jc m:val="left"/>
-                    </m:oMathParaPr>
-                    <m:oMath xmlns:m="http://schemas.openxmlformats.org/officeDocument/2006/math">
-                      <m:r>
-                        <a:rPr lang="en-US" sz="1800" i="1" dirty="0" smtClean="0">
-                          <a:latin typeface="Cambria Math" panose="02040503050406030204" pitchFamily="18" charset="0"/>
-                        </a:rPr>
-                        <m:t>𝑔</m:t>
-                      </m:r>
-                      <m:r>
-                        <a:rPr lang="en-US" sz="1800" i="1" dirty="0">
-                          <a:latin typeface="Cambria Math" panose="02040503050406030204" pitchFamily="18" charset="0"/>
-                        </a:rPr>
-                        <m:t>[</m:t>
-                      </m:r>
-                      <m:r>
-                        <a:rPr lang="en-US" sz="1800" i="1" dirty="0">
-                          <a:latin typeface="Cambria Math" panose="02040503050406030204" pitchFamily="18" charset="0"/>
-                        </a:rPr>
-                        <m:t>𝑛</m:t>
-                      </m:r>
-                      <m:r>
-                        <a:rPr lang="en-US" sz="1800" i="1" dirty="0">
-                          <a:latin typeface="Cambria Math" panose="02040503050406030204" pitchFamily="18" charset="0"/>
-                        </a:rPr>
-                        <m:t>,</m:t>
-                      </m:r>
-                      <m:sSub>
-                        <m:sSubPr>
-                          <m:ctrlPr>
-                            <a:rPr lang="en-US" sz="1800" b="0" i="1" dirty="0" smtClean="0">
-                              <a:latin typeface="Cambria Math" panose="02040503050406030204" pitchFamily="18" charset="0"/>
-                            </a:rPr>
-                          </m:ctrlPr>
-                        </m:sSubPr>
-                        <m:e>
-                          <m:r>
-                            <a:rPr lang="en-US" sz="1800" i="1" dirty="0">
-                              <a:latin typeface="Cambria Math" panose="02040503050406030204" pitchFamily="18" charset="0"/>
-                            </a:rPr>
-                            <m:t>𝑓</m:t>
-                          </m:r>
-                        </m:e>
-                        <m:sub>
-                          <m:r>
-                            <a:rPr lang="en-US" sz="1800" i="1" dirty="0">
-                              <a:latin typeface="Cambria Math" panose="02040503050406030204" pitchFamily="18" charset="0"/>
-                            </a:rPr>
-                            <m:t>1</m:t>
-                          </m:r>
-                        </m:sub>
-                      </m:sSub>
-                      <m:r>
-                        <a:rPr lang="en-US" sz="1800" i="1" dirty="0">
-                          <a:latin typeface="Cambria Math" panose="02040503050406030204" pitchFamily="18" charset="0"/>
-                        </a:rPr>
-                        <m:t>,</m:t>
-                      </m:r>
-                      <m:sSub>
-                        <m:sSubPr>
-                          <m:ctrlPr>
-                            <a:rPr lang="en-US" sz="1800" b="0" i="1" dirty="0" smtClean="0">
-                              <a:latin typeface="Cambria Math" panose="02040503050406030204" pitchFamily="18" charset="0"/>
-                            </a:rPr>
-                          </m:ctrlPr>
-                        </m:sSubPr>
-                        <m:e>
-                          <m:r>
-                            <a:rPr lang="en-US" sz="1800" i="1" dirty="0">
-                              <a:latin typeface="Cambria Math" panose="02040503050406030204" pitchFamily="18" charset="0"/>
-                            </a:rPr>
-                            <m:t>𝑓</m:t>
-                          </m:r>
-                        </m:e>
-                        <m:sub>
-                          <m:r>
-                            <a:rPr lang="en-US" sz="1800" i="1" dirty="0">
-                              <a:latin typeface="Cambria Math" panose="02040503050406030204" pitchFamily="18" charset="0"/>
-                            </a:rPr>
-                            <m:t>2</m:t>
-                          </m:r>
-                        </m:sub>
-                      </m:sSub>
-                      <m:r>
-                        <a:rPr lang="en-US" sz="1800" i="1" dirty="0">
-                          <a:latin typeface="Cambria Math" panose="02040503050406030204" pitchFamily="18" charset="0"/>
-                        </a:rPr>
-                        <m:t>]=2</m:t>
-                      </m:r>
-                      <m:sSub>
-                        <m:sSubPr>
-                          <m:ctrlPr>
-                            <a:rPr lang="en-US" sz="1800" b="0" i="1" dirty="0" smtClean="0">
-                              <a:latin typeface="Cambria Math" panose="02040503050406030204" pitchFamily="18" charset="0"/>
-                            </a:rPr>
-                          </m:ctrlPr>
-                        </m:sSubPr>
-                        <m:e>
-                          <m:r>
-                            <a:rPr lang="en-US" sz="1800" i="1" dirty="0">
-                              <a:latin typeface="Cambria Math" panose="02040503050406030204" pitchFamily="18" charset="0"/>
-                            </a:rPr>
-                            <m:t>𝑓</m:t>
-                          </m:r>
-                        </m:e>
-                        <m:sub>
-                          <m:r>
-                            <a:rPr lang="en-US" sz="1800" i="1" dirty="0">
-                              <a:latin typeface="Cambria Math" panose="02040503050406030204" pitchFamily="18" charset="0"/>
-                            </a:rPr>
-                            <m:t>2</m:t>
-                          </m:r>
-                        </m:sub>
-                      </m:sSub>
-                      <m:r>
-                        <a:rPr lang="en-US" sz="1800" i="1" dirty="0">
-                          <a:latin typeface="Cambria Math" panose="02040503050406030204" pitchFamily="18" charset="0"/>
-                        </a:rPr>
-                        <m:t>𝑠𝑖𝑛𝑐</m:t>
-                      </m:r>
-                      <m:r>
-                        <a:rPr lang="en-US" sz="1800" i="1" dirty="0">
-                          <a:latin typeface="Cambria Math" panose="02040503050406030204" pitchFamily="18" charset="0"/>
-                        </a:rPr>
-                        <m:t>(2п</m:t>
-                      </m:r>
-                      <m:sSub>
-                        <m:sSubPr>
-                          <m:ctrlPr>
-                            <a:rPr lang="en-US" sz="1800" b="0" i="1" dirty="0" smtClean="0">
-                              <a:latin typeface="Cambria Math" panose="02040503050406030204" pitchFamily="18" charset="0"/>
-                            </a:rPr>
-                          </m:ctrlPr>
-                        </m:sSubPr>
-                        <m:e>
-                          <m:r>
-                            <a:rPr lang="en-US" sz="1800" i="1" dirty="0">
-                              <a:latin typeface="Cambria Math" panose="02040503050406030204" pitchFamily="18" charset="0"/>
-                            </a:rPr>
-                            <m:t>𝑓</m:t>
-                          </m:r>
-                        </m:e>
-                        <m:sub>
-                          <m:r>
-                            <a:rPr lang="en-US" sz="1800" i="1" dirty="0">
-                              <a:latin typeface="Cambria Math" panose="02040503050406030204" pitchFamily="18" charset="0"/>
-                            </a:rPr>
-                            <m:t>2</m:t>
-                          </m:r>
-                        </m:sub>
-                      </m:sSub>
-                      <m:r>
-                        <a:rPr lang="en-US" sz="1800" i="1" dirty="0">
-                          <a:latin typeface="Cambria Math" panose="02040503050406030204" pitchFamily="18" charset="0"/>
-                        </a:rPr>
-                        <m:t>𝑛</m:t>
-                      </m:r>
-                      <m:r>
-                        <a:rPr lang="en-US" sz="1800" i="1" dirty="0">
-                          <a:latin typeface="Cambria Math" panose="02040503050406030204" pitchFamily="18" charset="0"/>
-                        </a:rPr>
-                        <m:t>)−2</m:t>
-                      </m:r>
-                      <m:sSub>
-                        <m:sSubPr>
-                          <m:ctrlPr>
-                            <a:rPr lang="en-US" sz="1800" b="0" i="1" dirty="0" smtClean="0">
-                              <a:latin typeface="Cambria Math" panose="02040503050406030204" pitchFamily="18" charset="0"/>
-                            </a:rPr>
-                          </m:ctrlPr>
-                        </m:sSubPr>
-                        <m:e>
-                          <m:r>
-                            <a:rPr lang="en-US" sz="1800" i="1" dirty="0">
-                              <a:latin typeface="Cambria Math" panose="02040503050406030204" pitchFamily="18" charset="0"/>
-                            </a:rPr>
-                            <m:t>𝑓</m:t>
-                          </m:r>
-                        </m:e>
-                        <m:sub>
-                          <m:r>
-                            <a:rPr lang="en-US" sz="1800" i="1" dirty="0">
-                              <a:latin typeface="Cambria Math" panose="02040503050406030204" pitchFamily="18" charset="0"/>
-                            </a:rPr>
-                            <m:t>1</m:t>
-                          </m:r>
-                        </m:sub>
-                      </m:sSub>
-                      <m:r>
-                        <a:rPr lang="en-US" sz="1800" i="1" dirty="0">
-                          <a:latin typeface="Cambria Math" panose="02040503050406030204" pitchFamily="18" charset="0"/>
-                        </a:rPr>
-                        <m:t>𝑠𝑖𝑛𝑐</m:t>
-                      </m:r>
-                      <m:r>
-                        <a:rPr lang="en-US" sz="1800" i="1" dirty="0">
-                          <a:latin typeface="Cambria Math" panose="02040503050406030204" pitchFamily="18" charset="0"/>
-                        </a:rPr>
-                        <m:t>(2п</m:t>
-                      </m:r>
-                      <m:sSub>
-                        <m:sSubPr>
-                          <m:ctrlPr>
-                            <a:rPr lang="en-US" sz="1800" b="0" i="1" dirty="0" smtClean="0">
-                              <a:latin typeface="Cambria Math" panose="02040503050406030204" pitchFamily="18" charset="0"/>
-                            </a:rPr>
-                          </m:ctrlPr>
-                        </m:sSubPr>
-                        <m:e>
-                          <m:r>
-                            <a:rPr lang="en-US" sz="1800" i="1" dirty="0">
-                              <a:latin typeface="Cambria Math" panose="02040503050406030204" pitchFamily="18" charset="0"/>
-                            </a:rPr>
-                            <m:t>𝑓</m:t>
-                          </m:r>
-                        </m:e>
-                        <m:sub>
-                          <m:r>
-                            <a:rPr lang="en-US" sz="1800" i="1" dirty="0">
-                              <a:latin typeface="Cambria Math" panose="02040503050406030204" pitchFamily="18" charset="0"/>
-                            </a:rPr>
-                            <m:t>1</m:t>
-                          </m:r>
-                        </m:sub>
-                      </m:sSub>
-                      <m:r>
-                        <a:rPr lang="en-US" sz="1800" i="1" dirty="0">
-                          <a:latin typeface="Cambria Math" panose="02040503050406030204" pitchFamily="18" charset="0"/>
-                        </a:rPr>
-                        <m:t>𝑛</m:t>
-                      </m:r>
-                      <m:r>
-                        <a:rPr lang="en-US" sz="1800" i="1" dirty="0">
-                          <a:latin typeface="Cambria Math" panose="02040503050406030204" pitchFamily="18" charset="0"/>
-                        </a:rPr>
-                        <m:t>)</m:t>
-                      </m:r>
-                    </m:oMath>
-                  </m:oMathPara>
-                </a14:m>
-                <a:endParaRPr lang="en-US" sz="1800" dirty="0"/>
-              </a:p>
-              <a:p>
-                <a:pPr marL="0" indent="0">
-                  <a:lnSpc>
-                    <a:spcPct val="150000"/>
-                  </a:lnSpc>
-                  <a:buNone/>
-                </a:pPr>
-                <a14:m>
-                  <m:oMathPara xmlns:m="http://schemas.openxmlformats.org/officeDocument/2006/math">
-                    <m:oMathParaPr>
-                      <m:jc m:val="left"/>
-                    </m:oMathParaPr>
-                    <m:oMath xmlns:m="http://schemas.openxmlformats.org/officeDocument/2006/math">
-                      <m:r>
-                        <a:rPr lang="en-US" sz="1800" i="1" dirty="0" smtClean="0">
-                          <a:latin typeface="Cambria Math" panose="02040503050406030204" pitchFamily="18" charset="0"/>
-                        </a:rPr>
-                        <m:t>𝑤</m:t>
-                      </m:r>
-                      <m:r>
-                        <a:rPr lang="en-US" sz="1800" i="1" dirty="0">
-                          <a:latin typeface="Cambria Math" panose="02040503050406030204" pitchFamily="18" charset="0"/>
-                        </a:rPr>
-                        <m:t>[</m:t>
-                      </m:r>
-                      <m:r>
-                        <a:rPr lang="en-US" sz="1800" i="1" dirty="0">
-                          <a:latin typeface="Cambria Math" panose="02040503050406030204" pitchFamily="18" charset="0"/>
-                        </a:rPr>
-                        <m:t>𝑛</m:t>
-                      </m:r>
-                      <m:r>
-                        <a:rPr lang="en-US" sz="1800" i="1" dirty="0">
-                          <a:latin typeface="Cambria Math" panose="02040503050406030204" pitchFamily="18" charset="0"/>
-                        </a:rPr>
-                        <m:t>]=0.54 − 0.46</m:t>
-                      </m:r>
-                      <m:r>
-                        <m:rPr>
-                          <m:sty m:val="p"/>
-                        </m:rPr>
-                        <a:rPr lang="en-US" sz="1800" i="1" dirty="0">
-                          <a:latin typeface="Cambria Math" panose="02040503050406030204" pitchFamily="18" charset="0"/>
-                        </a:rPr>
-                        <m:t>cos</m:t>
-                      </m:r>
-                      <m:r>
-                        <a:rPr lang="en-US" sz="1800" i="1" dirty="0">
-                          <a:latin typeface="Cambria Math" panose="02040503050406030204" pitchFamily="18" charset="0"/>
-                        </a:rPr>
-                        <m:t>⁡(</m:t>
-                      </m:r>
-                      <m:f>
-                        <m:fPr>
-                          <m:ctrlPr>
-                            <a:rPr lang="en-US" sz="1800" b="0" i="1" dirty="0" smtClean="0">
-                              <a:latin typeface="Cambria Math" panose="02040503050406030204" pitchFamily="18" charset="0"/>
-                            </a:rPr>
-                          </m:ctrlPr>
-                        </m:fPr>
-                        <m:num>
-                          <m:r>
-                            <a:rPr lang="en-US" sz="1800" i="1" dirty="0">
-                              <a:latin typeface="Cambria Math" panose="02040503050406030204" pitchFamily="18" charset="0"/>
-                            </a:rPr>
-                            <m:t>2п</m:t>
-                          </m:r>
-                          <m:r>
-                            <a:rPr lang="en-US" sz="1800" i="1" dirty="0" err="1">
-                              <a:latin typeface="Cambria Math" panose="02040503050406030204" pitchFamily="18" charset="0"/>
-                            </a:rPr>
-                            <m:t>𝑛</m:t>
-                          </m:r>
-                        </m:num>
-                        <m:den>
-                          <m:r>
-                            <a:rPr lang="en-US" sz="1800" i="1" dirty="0" err="1">
-                              <a:latin typeface="Cambria Math" panose="02040503050406030204" pitchFamily="18" charset="0"/>
-                            </a:rPr>
-                            <m:t>𝐿</m:t>
-                          </m:r>
-                        </m:den>
-                      </m:f>
-                      <m:r>
-                        <a:rPr lang="en-US" sz="1800" i="1" dirty="0">
-                          <a:latin typeface="Cambria Math" panose="02040503050406030204" pitchFamily="18" charset="0"/>
-                        </a:rPr>
-                        <m:t>)</m:t>
-                      </m:r>
-                    </m:oMath>
-                  </m:oMathPara>
-                </a14:m>
-                <a:endParaRPr lang="en-US" sz="1800" dirty="0"/>
-              </a:p>
-              <a:p>
-                <a:pPr lvl="1"/>
-                <a:endParaRPr lang="en-US" sz="1800" dirty="0"/>
-              </a:p>
-              <a:p>
-                <a:endParaRPr lang="en-US" sz="1800" dirty="0"/>
-              </a:p>
-              <a:p>
-                <a:endParaRPr lang="en-US" sz="1800" dirty="0"/>
-              </a:p>
-            </p:txBody>
-          </p:sp>
-        </mc:Choice>
-        <mc:Fallback xmlns="">
-          <p:sp>
-            <p:nvSpPr>
-              <p:cNvPr id="6" name="Content Placeholder 2">
-                <a:extLst>
-                  <a:ext uri="{FF2B5EF4-FFF2-40B4-BE49-F238E27FC236}">
-                    <a16:creationId xmlns:a16="http://schemas.microsoft.com/office/drawing/2014/main" id="{511D9F8B-3BF0-CEF2-E14C-36FAE1E77A6B}"/>
-                  </a:ext>
-                </a:extLst>
-              </p:cNvPr>
-              <p:cNvSpPr>
-                <a:spLocks noGrp="1" noRot="1" noChangeAspect="1" noMove="1" noResize="1" noEditPoints="1" noAdjustHandles="1" noChangeArrowheads="1" noChangeShapeType="1" noTextEdit="1"/>
-              </p:cNvSpPr>
-              <p:nvPr>
-                <p:ph idx="1"/>
-              </p:nvPr>
-            </p:nvSpPr>
-            <p:spPr>
-              <a:xfrm>
-                <a:off x="6867525" y="0"/>
-                <a:ext cx="6419850" cy="1596283"/>
-              </a:xfrm>
-              <a:blipFill>
-                <a:blip r:embed="rId3"/>
-                <a:stretch>
-                  <a:fillRect/>
-                </a:stretch>
-              </a:blipFill>
-            </p:spPr>
-            <p:txBody>
-              <a:bodyPr/>
-              <a:lstStyle/>
-              <a:p>
-                <a:r>
-                  <a:rPr lang="en-IL">
-                    <a:noFill/>
-                  </a:rPr>
-                  <a:t> </a:t>
-                </a:r>
-              </a:p>
-            </p:txBody>
-          </p:sp>
-        </mc:Fallback>
-      </mc:AlternateContent>
-      <p:pic>
-        <p:nvPicPr>
-          <p:cNvPr id="5" name="Picture 2">
-            <a:extLst>
-              <a:ext uri="{FF2B5EF4-FFF2-40B4-BE49-F238E27FC236}">
-                <a16:creationId xmlns:a16="http://schemas.microsoft.com/office/drawing/2014/main" id="{31E02264-9FCA-884A-7AD7-F9983B48E11F}"/>
-              </a:ext>
-            </a:extLst>
-          </p:cNvPr>
-          <p:cNvPicPr>
-            <a:picLocks noChangeAspect="1" noChangeArrowheads="1"/>
-          </p:cNvPicPr>
-          <p:nvPr/>
-        </p:nvPicPr>
-        <p:blipFill rotWithShape="1">
-          <a:blip r:embed="rId4">
-            <a:extLst>
-              <a:ext uri="{28A0092B-C50C-407E-A947-70E740481C1C}">
-                <a14:useLocalDpi xmlns:a14="http://schemas.microsoft.com/office/drawing/2010/main" val="0"/>
-              </a:ext>
-            </a:extLst>
-          </a:blip>
-          <a:srcRect t="2508"/>
-          <a:stretch/>
-        </p:blipFill>
-        <p:spPr bwMode="auto">
-          <a:xfrm>
-            <a:off x="762001" y="1690687"/>
-            <a:ext cx="11087100" cy="4948237"/>
-          </a:xfrm>
-          <a:prstGeom prst="rect">
-            <a:avLst/>
-          </a:prstGeom>
-          <a:noFill/>
-          <a:ln>
-            <a:noFill/>
-          </a:ln>
-          <a:extLst>
-            <a:ext uri="{909E8E84-426E-40DD-AFC4-6F175D3DCCD1}">
-              <a14:hiddenFill xmlns:a14="http://schemas.microsoft.com/office/drawing/2010/main">
-                <a:solidFill>
-                  <a:schemeClr val="accent1"/>
-                </a:solidFill>
-              </a14:hiddenFill>
-            </a:ext>
-            <a:ext uri="{91240B29-F687-4F45-9708-019B960494DF}">
-              <a14:hiddenLine xmlns:a14="http://schemas.microsoft.com/office/drawing/2010/main" w="9525">
-                <a:solidFill>
-                  <a:schemeClr val="tx1"/>
-                </a:solidFill>
-                <a:miter lim="800000"/>
-                <a:headEnd/>
-                <a:tailEnd/>
-              </a14:hiddenLine>
-            </a:ext>
-          </a:extLst>
-        </p:spPr>
-      </p:pic>
-      <p:sp>
-        <p:nvSpPr>
-          <p:cNvPr id="7" name="TextBox 6">
-            <a:extLst>
-              <a:ext uri="{FF2B5EF4-FFF2-40B4-BE49-F238E27FC236}">
-                <a16:creationId xmlns:a16="http://schemas.microsoft.com/office/drawing/2014/main" id="{C4BF02BC-7EE7-13F2-2CB2-4D2BF75A419C}"/>
-              </a:ext>
-            </a:extLst>
-          </p:cNvPr>
-          <p:cNvSpPr txBox="1"/>
-          <p:nvPr/>
+      <p:sp>
+        <p:nvSpPr>
+          <p:cNvPr id="6" name="Content Placeholder 2">
+            <a:extLst>
+              <a:ext uri="{FF2B5EF4-FFF2-40B4-BE49-F238E27FC236}">
+                <a16:creationId xmlns:a16="http://schemas.microsoft.com/office/drawing/2014/main" id="{511D9F8B-3BF0-CEF2-E14C-36FAE1E77A6B}"/>
+              </a:ext>
+            </a:extLst>
+          </p:cNvPr>
+          <p:cNvSpPr>
+            <a:spLocks noGrp="1"/>
+          </p:cNvSpPr>
+          <p:nvPr>
+            <p:ph idx="1"/>
+          </p:nvPr>
         </p:nvSpPr>
         <p:spPr>
           <a:xfrm>
-            <a:off x="-57150" y="6607175"/>
-            <a:ext cx="12211050" cy="276999"/>
+            <a:off x="838200" y="1825625"/>
+            <a:ext cx="10515600" cy="4351338"/>
           </a:xfrm>
-          <a:prstGeom prst="rect">
-            <a:avLst/>
-          </a:prstGeom>
-          <a:noFill/>
         </p:spPr>
         <p:txBody>
-          <a:bodyPr wrap="square" rtlCol="0">
-            <a:spAutoFit/>
+          <a:bodyPr>
+            <a:noAutofit/>
           </a:bodyPr>
           <a:lstStyle/>
           <a:p>
-            <a:r>
-              <a:rPr lang="en-US" sz="1200" u="none" strike="noStrike" dirty="0" err="1">
-                <a:solidFill>
-                  <a:srgbClr val="222222"/>
+            <a:pPr>
+              <a:lnSpc>
+                <a:spcPct val="100000"/>
+              </a:lnSpc>
+              <a:spcBef>
+                <a:spcPts val="1200"/>
+              </a:spcBef>
+              <a:spcAft>
+                <a:spcPts val="1200"/>
+              </a:spcAft>
+            </a:pPr>
+            <a:r>
+              <a:rPr lang="en-US" sz="3200" dirty="0">
+                <a:solidFill>
+                  <a:srgbClr val="000000"/>
+                </a:solidFill>
+                <a:ea typeface="Calibri" panose="020F0502020204030204" pitchFamily="34" charset="0"/>
+              </a:rPr>
+              <a:t>Initial results </a:t>
+            </a:r>
+          </a:p>
+          <a:p>
+            <a:pPr>
+              <a:lnSpc>
+                <a:spcPct val="100000"/>
+              </a:lnSpc>
+              <a:spcBef>
+                <a:spcPts val="1200"/>
+              </a:spcBef>
+              <a:spcAft>
+                <a:spcPts val="1200"/>
+              </a:spcAft>
+            </a:pPr>
+            <a:r>
+              <a:rPr lang="en-US" sz="3200" dirty="0">
+                <a:solidFill>
+                  <a:srgbClr val="000000"/>
+                </a:solidFill>
+                <a:ea typeface="Calibri" panose="020F0502020204030204" pitchFamily="34" charset="0"/>
+              </a:rPr>
+              <a:t>H</a:t>
+            </a:r>
+            <a:r>
+              <a:rPr lang="en-US" sz="3200" dirty="0">
+                <a:solidFill>
+                  <a:srgbClr val="000000"/>
                 </a:solidFill>
                 <a:effectLst/>
-                <a:highlight>
-                  <a:srgbClr val="FFFFFF"/>
-                </a:highlight>
-                <a:latin typeface="Calibri" panose="020F0502020204030204" pitchFamily="34" charset="0"/>
                 <a:ea typeface="Calibri" panose="020F0502020204030204" pitchFamily="34" charset="0"/>
-                <a:cs typeface="Calibri" panose="020F0502020204030204" pitchFamily="34" charset="0"/>
               </a:rPr>
-              <a:t>Ravanelli</a:t>
-            </a:r>
-            <a:r>
-              <a:rPr lang="en-US" sz="1200" u="none" strike="noStrike" dirty="0">
-                <a:solidFill>
-                  <a:srgbClr val="222222"/>
+              <a:t>yperparameter tuning  via cross validation</a:t>
+            </a:r>
+          </a:p>
+          <a:p>
+            <a:pPr>
+              <a:lnSpc>
+                <a:spcPct val="100000"/>
+              </a:lnSpc>
+              <a:spcBef>
+                <a:spcPts val="1200"/>
+              </a:spcBef>
+              <a:spcAft>
+                <a:spcPts val="1200"/>
+              </a:spcAft>
+            </a:pPr>
+            <a:r>
+              <a:rPr lang="en-US" sz="3200" dirty="0">
+                <a:solidFill>
+                  <a:srgbClr val="000000"/>
                 </a:solidFill>
                 <a:effectLst/>
-                <a:highlight>
-                  <a:srgbClr val="FFFFFF"/>
-                </a:highlight>
-                <a:latin typeface="Calibri" panose="020F0502020204030204" pitchFamily="34" charset="0"/>
                 <a:ea typeface="Calibri" panose="020F0502020204030204" pitchFamily="34" charset="0"/>
-                <a:cs typeface="Calibri" panose="020F0502020204030204" pitchFamily="34" charset="0"/>
               </a:rPr>
-              <a:t>, M., &amp; </a:t>
-            </a:r>
-            <a:r>
-              <a:rPr lang="en-US" sz="1200" u="none" strike="noStrike" dirty="0" err="1">
-                <a:solidFill>
-                  <a:srgbClr val="222222"/>
+              <a:t>Data filtering rules – maximizing number of samples with small data variance</a:t>
+            </a:r>
+          </a:p>
+          <a:p>
+            <a:pPr>
+              <a:lnSpc>
+                <a:spcPct val="100000"/>
+              </a:lnSpc>
+              <a:spcBef>
+                <a:spcPts val="1200"/>
+              </a:spcBef>
+              <a:spcAft>
+                <a:spcPts val="1200"/>
+              </a:spcAft>
+            </a:pPr>
+            <a:r>
+              <a:rPr lang="en-US" sz="3200" dirty="0">
+                <a:solidFill>
+                  <a:srgbClr val="000000"/>
+                </a:solidFill>
+                <a:ea typeface="Calibri" panose="020F0502020204030204" pitchFamily="34" charset="0"/>
+              </a:rPr>
+              <a:t>S</a:t>
+            </a:r>
+            <a:r>
+              <a:rPr lang="en-US" sz="3200" dirty="0">
+                <a:solidFill>
+                  <a:srgbClr val="000000"/>
                 </a:solidFill>
                 <a:effectLst/>
-                <a:highlight>
-                  <a:srgbClr val="FFFFFF"/>
-                </a:highlight>
-                <a:latin typeface="Calibri" panose="020F0502020204030204" pitchFamily="34" charset="0"/>
                 <a:ea typeface="Calibri" panose="020F0502020204030204" pitchFamily="34" charset="0"/>
-                <a:cs typeface="Calibri" panose="020F0502020204030204" pitchFamily="34" charset="0"/>
               </a:rPr>
-              <a:t>Bengio</a:t>
-            </a:r>
-            <a:r>
-              <a:rPr lang="en-US" sz="1200" u="none" strike="noStrike" dirty="0">
-                <a:solidFill>
-                  <a:srgbClr val="222222"/>
+              <a:t>plit long audio files with long silence periods</a:t>
+            </a:r>
+          </a:p>
+          <a:p>
+            <a:pPr>
+              <a:lnSpc>
+                <a:spcPct val="100000"/>
+              </a:lnSpc>
+              <a:spcBef>
+                <a:spcPts val="1200"/>
+              </a:spcBef>
+              <a:spcAft>
+                <a:spcPts val="1200"/>
+              </a:spcAft>
+            </a:pPr>
+            <a:r>
+              <a:rPr lang="en-US" sz="3200" dirty="0">
+                <a:solidFill>
+                  <a:srgbClr val="000000"/>
+                </a:solidFill>
+                <a:ea typeface="Calibri" panose="020F0502020204030204" pitchFamily="34" charset="0"/>
+              </a:rPr>
+              <a:t>U</a:t>
+            </a:r>
+            <a:r>
+              <a:rPr lang="en-US" sz="3200" dirty="0">
+                <a:solidFill>
+                  <a:srgbClr val="000000"/>
                 </a:solidFill>
                 <a:effectLst/>
-                <a:highlight>
-                  <a:srgbClr val="FFFFFF"/>
-                </a:highlight>
-                <a:latin typeface="Calibri" panose="020F0502020204030204" pitchFamily="34" charset="0"/>
                 <a:ea typeface="Calibri" panose="020F0502020204030204" pitchFamily="34" charset="0"/>
-                <a:cs typeface="Calibri" panose="020F0502020204030204" pitchFamily="34" charset="0"/>
               </a:rPr>
-              <a:t>, Y. (2018, December). Speaker recognition from raw waveform with </a:t>
-            </a:r>
-            <a:r>
-              <a:rPr lang="en-US" sz="1200" u="none" strike="noStrike" dirty="0" err="1">
-                <a:solidFill>
-                  <a:srgbClr val="222222"/>
-                </a:solidFill>
-                <a:effectLst/>
-                <a:highlight>
-                  <a:srgbClr val="FFFFFF"/>
-                </a:highlight>
-                <a:latin typeface="Calibri" panose="020F0502020204030204" pitchFamily="34" charset="0"/>
-                <a:ea typeface="Calibri" panose="020F0502020204030204" pitchFamily="34" charset="0"/>
-                <a:cs typeface="Calibri" panose="020F0502020204030204" pitchFamily="34" charset="0"/>
-              </a:rPr>
-              <a:t>sincnet</a:t>
-            </a:r>
-            <a:r>
-              <a:rPr lang="en-US" sz="1200" u="none" strike="noStrike" dirty="0">
-                <a:solidFill>
-                  <a:srgbClr val="222222"/>
-                </a:solidFill>
-                <a:effectLst/>
-                <a:highlight>
-                  <a:srgbClr val="FFFFFF"/>
-                </a:highlight>
-                <a:latin typeface="Calibri" panose="020F0502020204030204" pitchFamily="34" charset="0"/>
-                <a:ea typeface="Calibri" panose="020F0502020204030204" pitchFamily="34" charset="0"/>
-                <a:cs typeface="Calibri" panose="020F0502020204030204" pitchFamily="34" charset="0"/>
-              </a:rPr>
-              <a:t>. </a:t>
-            </a:r>
-            <a:r>
-              <a:rPr lang="he-IL" sz="1200" u="none" strike="noStrike" dirty="0">
-                <a:solidFill>
-                  <a:srgbClr val="222222"/>
-                </a:solidFill>
-                <a:effectLst/>
-                <a:highlight>
-                  <a:srgbClr val="FFFFFF"/>
-                </a:highlight>
-                <a:latin typeface="Calibri" panose="020F0502020204030204" pitchFamily="34" charset="0"/>
-                <a:ea typeface="Calibri" panose="020F0502020204030204" pitchFamily="34" charset="0"/>
-                <a:cs typeface="Calibri" panose="020F0502020204030204" pitchFamily="34" charset="0"/>
-              </a:rPr>
-              <a:t>In </a:t>
-            </a:r>
-            <a:r>
-              <a:rPr lang="he-IL" sz="1200" i="1" u="none" strike="noStrike" dirty="0">
-                <a:solidFill>
-                  <a:srgbClr val="222222"/>
-                </a:solidFill>
-                <a:effectLst/>
-                <a:highlight>
-                  <a:srgbClr val="FFFFFF"/>
-                </a:highlight>
-                <a:latin typeface="Calibri" panose="020F0502020204030204" pitchFamily="34" charset="0"/>
-                <a:ea typeface="Calibri" panose="020F0502020204030204" pitchFamily="34" charset="0"/>
-                <a:cs typeface="Calibri" panose="020F0502020204030204" pitchFamily="34" charset="0"/>
-              </a:rPr>
-              <a:t>2018 IEEE Spoken Language Technology Workshop (SLT)</a:t>
-            </a:r>
-            <a:endParaRPr lang="en-IL" sz="1200" u="none" strike="noStrike" dirty="0">
-              <a:effectLst/>
-              <a:latin typeface="Calibri" panose="020F0502020204030204" pitchFamily="34" charset="0"/>
-              <a:ea typeface="Calibri" panose="020F0502020204030204" pitchFamily="34" charset="0"/>
-            </a:endParaRPr>
+              <a:t>p sampling the data of the third surgeon (“AM”)</a:t>
+            </a:r>
+          </a:p>
+          <a:p>
+            <a:pPr marL="0" indent="0">
+              <a:lnSpc>
+                <a:spcPct val="100000"/>
+              </a:lnSpc>
+              <a:spcBef>
+                <a:spcPts val="1200"/>
+              </a:spcBef>
+              <a:spcAft>
+                <a:spcPts val="1200"/>
+              </a:spcAft>
+              <a:buNone/>
+            </a:pPr>
+            <a:endParaRPr lang="en-US" sz="3200" dirty="0"/>
+          </a:p>
+          <a:p>
+            <a:pPr>
+              <a:lnSpc>
+                <a:spcPct val="100000"/>
+              </a:lnSpc>
+            </a:pPr>
+            <a:endParaRPr lang="en-US" sz="3200" dirty="0"/>
+          </a:p>
+          <a:p>
+            <a:pPr>
+              <a:lnSpc>
+                <a:spcPct val="100000"/>
+              </a:lnSpc>
+            </a:pPr>
+            <a:endParaRPr lang="en-US" sz="3200" dirty="0"/>
+          </a:p>
+          <a:p>
+            <a:pPr>
+              <a:lnSpc>
+                <a:spcPct val="100000"/>
+              </a:lnSpc>
+            </a:pPr>
+            <a:endParaRPr lang="en-US" sz="3200" dirty="0"/>
           </a:p>
         </p:txBody>
       </p:sp>
     </p:spTree>
     <p:extLst>
       <p:ext uri="{BB962C8B-B14F-4D97-AF65-F5344CB8AC3E}">
-        <p14:creationId xmlns:p14="http://schemas.microsoft.com/office/powerpoint/2010/main" val="9657742"/>
+        <p14:creationId xmlns:p14="http://schemas.microsoft.com/office/powerpoint/2010/main" val="3711738761"/>
       </p:ext>
     </p:extLst>
   </p:cSld>
@@ -7481,20 +5965,6 @@
 <file path=ppt/slides/slide9.xml><?xml version="1.0" encoding="utf-8"?>
 <p:sld xmlns:a="http://schemas.openxmlformats.org/drawingml/2006/main" xmlns:r="http://schemas.openxmlformats.org/officeDocument/2006/relationships" xmlns:p="http://schemas.openxmlformats.org/presentationml/2006/main">
   <p:cSld>
-    <p:bg>
-      <p:bgPr>
-        <a:blipFill dpi="0" rotWithShape="1">
-          <a:blip r:embed="rId2">
-            <a:lum/>
-          </a:blip>
-          <a:srcRect/>
-          <a:stretch>
-            <a:fillRect/>
-          </a:stretch>
-        </a:blipFill>
-        <a:effectLst/>
-      </p:bgPr>
-    </p:bg>
     <p:spTree>
       <p:nvGrpSpPr>
         <p:cNvPr id="1" name=""/>
@@ -7525,232 +5995,30 @@
             <p:ph type="title"/>
           </p:nvPr>
         </p:nvSpPr>
-        <p:spPr/>
-        <p:txBody>
-          <a:bodyPr/>
-          <a:lstStyle/>
-          <a:p>
-            <a:r>
-              <a:rPr lang="en-US" b="1" dirty="0"/>
-              <a:t>Future work</a:t>
-            </a:r>
-            <a:endParaRPr lang="en-GB" b="1" dirty="0"/>
-          </a:p>
-        </p:txBody>
-      </p:sp>
-      <p:sp>
-        <p:nvSpPr>
-          <p:cNvPr id="6" name="Content Placeholder 2">
-            <a:extLst>
-              <a:ext uri="{FF2B5EF4-FFF2-40B4-BE49-F238E27FC236}">
-                <a16:creationId xmlns:a16="http://schemas.microsoft.com/office/drawing/2014/main" id="{511D9F8B-3BF0-CEF2-E14C-36FAE1E77A6B}"/>
-              </a:ext>
-            </a:extLst>
-          </p:cNvPr>
-          <p:cNvSpPr>
-            <a:spLocks noGrp="1"/>
-          </p:cNvSpPr>
-          <p:nvPr>
-            <p:ph idx="1"/>
-          </p:nvPr>
-        </p:nvSpPr>
         <p:spPr>
           <a:xfrm>
-            <a:off x="838200" y="1825625"/>
-            <a:ext cx="10515600" cy="4351338"/>
+            <a:off x="3777133" y="2226055"/>
+            <a:ext cx="4637734" cy="2405889"/>
           </a:xfrm>
         </p:spPr>
         <p:txBody>
           <a:bodyPr>
-            <a:noAutofit/>
+            <a:normAutofit/>
           </a:bodyPr>
           <a:lstStyle/>
           <a:p>
-            <a:pPr>
-              <a:lnSpc>
-                <a:spcPct val="100000"/>
-              </a:lnSpc>
-              <a:spcBef>
-                <a:spcPts val="1200"/>
-              </a:spcBef>
-              <a:spcAft>
-                <a:spcPts val="1200"/>
-              </a:spcAft>
-            </a:pPr>
-            <a:r>
-              <a:rPr lang="en-US" sz="3200" dirty="0">
-                <a:solidFill>
-                  <a:srgbClr val="000000"/>
-                </a:solidFill>
-                <a:ea typeface="Calibri" panose="020F0502020204030204" pitchFamily="34" charset="0"/>
-              </a:rPr>
-              <a:t>Initial results </a:t>
-            </a:r>
-          </a:p>
-          <a:p>
-            <a:pPr>
-              <a:lnSpc>
-                <a:spcPct val="100000"/>
-              </a:lnSpc>
-              <a:spcBef>
-                <a:spcPts val="1200"/>
-              </a:spcBef>
-              <a:spcAft>
-                <a:spcPts val="1200"/>
-              </a:spcAft>
-            </a:pPr>
-            <a:r>
-              <a:rPr lang="en-US" sz="3200" dirty="0">
-                <a:solidFill>
-                  <a:srgbClr val="000000"/>
-                </a:solidFill>
-                <a:ea typeface="Calibri" panose="020F0502020204030204" pitchFamily="34" charset="0"/>
-              </a:rPr>
-              <a:t>H</a:t>
-            </a:r>
-            <a:r>
-              <a:rPr lang="en-US" sz="3200" dirty="0">
-                <a:solidFill>
-                  <a:srgbClr val="000000"/>
-                </a:solidFill>
-                <a:effectLst/>
-                <a:ea typeface="Calibri" panose="020F0502020204030204" pitchFamily="34" charset="0"/>
-              </a:rPr>
-              <a:t>yperparameter tuning  via cross validation</a:t>
-            </a:r>
-          </a:p>
-          <a:p>
-            <a:pPr>
-              <a:lnSpc>
-                <a:spcPct val="100000"/>
-              </a:lnSpc>
-              <a:spcBef>
-                <a:spcPts val="1200"/>
-              </a:spcBef>
-              <a:spcAft>
-                <a:spcPts val="1200"/>
-              </a:spcAft>
-            </a:pPr>
-            <a:r>
-              <a:rPr lang="en-US" sz="3200" dirty="0">
-                <a:solidFill>
-                  <a:srgbClr val="000000"/>
-                </a:solidFill>
-                <a:effectLst/>
-                <a:ea typeface="Calibri" panose="020F0502020204030204" pitchFamily="34" charset="0"/>
-              </a:rPr>
-              <a:t>Data filtering rules – maximizing number of samples with small data variance</a:t>
-            </a:r>
-          </a:p>
-          <a:p>
-            <a:pPr>
-              <a:lnSpc>
-                <a:spcPct val="100000"/>
-              </a:lnSpc>
-              <a:spcBef>
-                <a:spcPts val="1200"/>
-              </a:spcBef>
-              <a:spcAft>
-                <a:spcPts val="1200"/>
-              </a:spcAft>
-            </a:pPr>
-            <a:r>
-              <a:rPr lang="en-US" sz="3200" dirty="0">
-                <a:solidFill>
-                  <a:srgbClr val="000000"/>
-                </a:solidFill>
-                <a:ea typeface="Calibri" panose="020F0502020204030204" pitchFamily="34" charset="0"/>
-              </a:rPr>
-              <a:t>S</a:t>
-            </a:r>
-            <a:r>
-              <a:rPr lang="en-US" sz="3200" dirty="0">
-                <a:solidFill>
-                  <a:srgbClr val="000000"/>
-                </a:solidFill>
-                <a:effectLst/>
-                <a:ea typeface="Calibri" panose="020F0502020204030204" pitchFamily="34" charset="0"/>
-              </a:rPr>
-              <a:t>plit long audio files with long silence periods</a:t>
-            </a:r>
-          </a:p>
-          <a:p>
-            <a:pPr>
-              <a:lnSpc>
-                <a:spcPct val="100000"/>
-              </a:lnSpc>
-              <a:spcBef>
-                <a:spcPts val="1200"/>
-              </a:spcBef>
-              <a:spcAft>
-                <a:spcPts val="1200"/>
-              </a:spcAft>
-            </a:pPr>
-            <a:r>
-              <a:rPr lang="en-US" sz="3200" dirty="0">
-                <a:solidFill>
-                  <a:srgbClr val="000000"/>
-                </a:solidFill>
-                <a:ea typeface="Calibri" panose="020F0502020204030204" pitchFamily="34" charset="0"/>
-              </a:rPr>
-              <a:t>U</a:t>
-            </a:r>
-            <a:r>
-              <a:rPr lang="en-US" sz="3200" dirty="0">
-                <a:solidFill>
-                  <a:srgbClr val="000000"/>
-                </a:solidFill>
-                <a:effectLst/>
-                <a:ea typeface="Calibri" panose="020F0502020204030204" pitchFamily="34" charset="0"/>
-              </a:rPr>
-              <a:t>p sampling the data of the third surgeon (“AM”)</a:t>
-            </a:r>
-          </a:p>
-          <a:p>
-            <a:pPr marL="0" indent="0">
-              <a:lnSpc>
-                <a:spcPct val="100000"/>
-              </a:lnSpc>
-              <a:spcBef>
-                <a:spcPts val="1200"/>
-              </a:spcBef>
-              <a:spcAft>
-                <a:spcPts val="1200"/>
-              </a:spcAft>
-              <a:buNone/>
-            </a:pPr>
-            <a:endParaRPr lang="en-US" sz="3200" dirty="0"/>
-          </a:p>
-          <a:p>
-            <a:pPr>
-              <a:lnSpc>
-                <a:spcPct val="100000"/>
-              </a:lnSpc>
-            </a:pPr>
-            <a:endParaRPr lang="en-US" sz="3200" dirty="0"/>
-          </a:p>
-          <a:p>
-            <a:pPr>
-              <a:lnSpc>
-                <a:spcPct val="100000"/>
-              </a:lnSpc>
-            </a:pPr>
-            <a:endParaRPr lang="en-US" sz="3200" dirty="0"/>
-          </a:p>
-          <a:p>
-            <a:pPr>
-              <a:lnSpc>
-                <a:spcPct val="100000"/>
-              </a:lnSpc>
-            </a:pPr>
-            <a:endParaRPr lang="en-US" sz="3200" dirty="0"/>
+            <a:r>
+              <a:rPr lang="en-US" sz="6600" b="1" dirty="0"/>
+              <a:t>Questions?</a:t>
+            </a:r>
+            <a:endParaRPr lang="en-GB" sz="6600" b="1" dirty="0"/>
           </a:p>
         </p:txBody>
       </p:sp>
     </p:spTree>
     <p:extLst>
       <p:ext uri="{BB962C8B-B14F-4D97-AF65-F5344CB8AC3E}">
-        <p14:creationId xmlns:p14="http://schemas.microsoft.com/office/powerpoint/2010/main" val="3711738761"/>
+        <p14:creationId xmlns:p14="http://schemas.microsoft.com/office/powerpoint/2010/main" val="1778032345"/>
       </p:ext>
     </p:extLst>
   </p:cSld>

--- a/mid_term.pptx
+++ b/mid_term.pptx
@@ -2,18 +2,20 @@
 <file path=ppt/presentation.xml><?xml version="1.0" encoding="utf-8"?>
 <p:presentation xmlns:a="http://schemas.openxmlformats.org/drawingml/2006/main" xmlns:r="http://schemas.openxmlformats.org/officeDocument/2006/relationships" xmlns:p="http://schemas.openxmlformats.org/presentationml/2006/main" saveSubsetFonts="1">
   <p:sldMasterIdLst>
-    <p:sldMasterId id="2147483648" r:id="rId1"/>
+    <p:sldMasterId id="2147483648" r:id="rId4"/>
   </p:sldMasterIdLst>
   <p:sldIdLst>
-    <p:sldId id="256" r:id="rId2"/>
-    <p:sldId id="258" r:id="rId3"/>
-    <p:sldId id="275" r:id="rId4"/>
-    <p:sldId id="274" r:id="rId5"/>
-    <p:sldId id="273" r:id="rId6"/>
-    <p:sldId id="264" r:id="rId7"/>
-    <p:sldId id="268" r:id="rId8"/>
-    <p:sldId id="263" r:id="rId9"/>
-    <p:sldId id="276" r:id="rId10"/>
+    <p:sldId id="256" r:id="rId5"/>
+    <p:sldId id="258" r:id="rId6"/>
+    <p:sldId id="275" r:id="rId7"/>
+    <p:sldId id="274" r:id="rId8"/>
+    <p:sldId id="273" r:id="rId9"/>
+    <p:sldId id="264" r:id="rId10"/>
+    <p:sldId id="268" r:id="rId11"/>
+    <p:sldId id="278" r:id="rId12"/>
+    <p:sldId id="277" r:id="rId13"/>
+    <p:sldId id="263" r:id="rId14"/>
+    <p:sldId id="276" r:id="rId15"/>
   </p:sldIdLst>
   <p:sldSz cx="12192000" cy="6858000"/>
   <p:notesSz cx="6858000" cy="9144000"/>
@@ -134,9 +136,7 @@
 <file path=ppt/revisionInfo.xml><?xml version="1.0" encoding="utf-8"?>
 <p1510:revInfo xmlns:a="http://schemas.openxmlformats.org/drawingml/2006/main" xmlns:r="http://schemas.openxmlformats.org/officeDocument/2006/relationships" xmlns:p1510="http://schemas.microsoft.com/office/powerpoint/2015/10/main">
   <p1510:revLst>
-    <p1510:client id="{10EA307C-83B4-CDF6-9875-23A74AC478ED}" v="750" dt="2022-08-08T17:56:27.161"/>
-    <p1510:client id="{7CC550E2-6DDB-4775-87B9-F16117655889}" v="159" dt="2022-08-08T17:07:15.468"/>
-    <p1510:client id="{C3D0970D-24F8-45A7-A150-6EB680454E5D}" v="126" dt="2022-08-08T15:39:03.920"/>
+    <p1510:client id="{987C1B17-4E27-4FB2-A41E-ED89AD65A6CC}" v="32" dt="2022-08-21T18:51:30.226"/>
   </p1510:revLst>
 </p1510:revInfo>
 </file>
@@ -290,7 +290,7 @@
           <a:p>
             <a:fld id="{78363832-F4F9-4F4D-9C74-BFFFF749447A}" type="datetimeFigureOut">
               <a:rPr lang="en-GB" smtClean="0"/>
-              <a:t>17/08/2022</a:t>
+              <a:t>21/08/2022</a:t>
             </a:fld>
             <a:endParaRPr lang="en-GB"/>
           </a:p>
@@ -490,7 +490,7 @@
           <a:p>
             <a:fld id="{78363832-F4F9-4F4D-9C74-BFFFF749447A}" type="datetimeFigureOut">
               <a:rPr lang="en-GB" smtClean="0"/>
-              <a:t>17/08/2022</a:t>
+              <a:t>21/08/2022</a:t>
             </a:fld>
             <a:endParaRPr lang="en-GB"/>
           </a:p>
@@ -700,7 +700,7 @@
           <a:p>
             <a:fld id="{78363832-F4F9-4F4D-9C74-BFFFF749447A}" type="datetimeFigureOut">
               <a:rPr lang="en-GB" smtClean="0"/>
-              <a:t>17/08/2022</a:t>
+              <a:t>21/08/2022</a:t>
             </a:fld>
             <a:endParaRPr lang="en-GB"/>
           </a:p>
@@ -900,7 +900,7 @@
           <a:p>
             <a:fld id="{78363832-F4F9-4F4D-9C74-BFFFF749447A}" type="datetimeFigureOut">
               <a:rPr lang="en-GB" smtClean="0"/>
-              <a:t>17/08/2022</a:t>
+              <a:t>21/08/2022</a:t>
             </a:fld>
             <a:endParaRPr lang="en-GB"/>
           </a:p>
@@ -1176,7 +1176,7 @@
           <a:p>
             <a:fld id="{78363832-F4F9-4F4D-9C74-BFFFF749447A}" type="datetimeFigureOut">
               <a:rPr lang="en-GB" smtClean="0"/>
-              <a:t>17/08/2022</a:t>
+              <a:t>21/08/2022</a:t>
             </a:fld>
             <a:endParaRPr lang="en-GB"/>
           </a:p>
@@ -1444,7 +1444,7 @@
           <a:p>
             <a:fld id="{78363832-F4F9-4F4D-9C74-BFFFF749447A}" type="datetimeFigureOut">
               <a:rPr lang="en-GB" smtClean="0"/>
-              <a:t>17/08/2022</a:t>
+              <a:t>21/08/2022</a:t>
             </a:fld>
             <a:endParaRPr lang="en-GB"/>
           </a:p>
@@ -1859,7 +1859,7 @@
           <a:p>
             <a:fld id="{78363832-F4F9-4F4D-9C74-BFFFF749447A}" type="datetimeFigureOut">
               <a:rPr lang="en-GB" smtClean="0"/>
-              <a:t>17/08/2022</a:t>
+              <a:t>21/08/2022</a:t>
             </a:fld>
             <a:endParaRPr lang="en-GB"/>
           </a:p>
@@ -2001,7 +2001,7 @@
           <a:p>
             <a:fld id="{78363832-F4F9-4F4D-9C74-BFFFF749447A}" type="datetimeFigureOut">
               <a:rPr lang="en-GB" smtClean="0"/>
-              <a:t>17/08/2022</a:t>
+              <a:t>21/08/2022</a:t>
             </a:fld>
             <a:endParaRPr lang="en-GB"/>
           </a:p>
@@ -2114,7 +2114,7 @@
           <a:p>
             <a:fld id="{78363832-F4F9-4F4D-9C74-BFFFF749447A}" type="datetimeFigureOut">
               <a:rPr lang="en-GB" smtClean="0"/>
-              <a:t>17/08/2022</a:t>
+              <a:t>21/08/2022</a:t>
             </a:fld>
             <a:endParaRPr lang="en-GB"/>
           </a:p>
@@ -2427,7 +2427,7 @@
           <a:p>
             <a:fld id="{78363832-F4F9-4F4D-9C74-BFFFF749447A}" type="datetimeFigureOut">
               <a:rPr lang="en-GB" smtClean="0"/>
-              <a:t>17/08/2022</a:t>
+              <a:t>21/08/2022</a:t>
             </a:fld>
             <a:endParaRPr lang="en-GB"/>
           </a:p>
@@ -2716,7 +2716,7 @@
           <a:p>
             <a:fld id="{78363832-F4F9-4F4D-9C74-BFFFF749447A}" type="datetimeFigureOut">
               <a:rPr lang="en-GB" smtClean="0"/>
-              <a:t>17/08/2022</a:t>
+              <a:t>21/08/2022</a:t>
             </a:fld>
             <a:endParaRPr lang="en-GB"/>
           </a:p>
@@ -2959,7 +2959,7 @@
           <a:p>
             <a:fld id="{78363832-F4F9-4F4D-9C74-BFFFF749447A}" type="datetimeFigureOut">
               <a:rPr lang="en-GB" smtClean="0"/>
-              <a:t>17/08/2022</a:t>
+              <a:t>21/08/2022</a:t>
             </a:fld>
             <a:endParaRPr lang="en-GB"/>
           </a:p>
@@ -3792,6 +3792,253 @@
 </p:sld>
 </file>
 
+<file path=ppt/slides/slide10.xml><?xml version="1.0" encoding="utf-8"?>
+<p:sld xmlns:a="http://schemas.openxmlformats.org/drawingml/2006/main" xmlns:r="http://schemas.openxmlformats.org/officeDocument/2006/relationships" xmlns:p="http://schemas.openxmlformats.org/presentationml/2006/main">
+  <p:cSld>
+    <p:spTree>
+      <p:nvGrpSpPr>
+        <p:cNvPr id="1" name=""/>
+        <p:cNvGrpSpPr/>
+        <p:nvPr/>
+      </p:nvGrpSpPr>
+      <p:grpSpPr>
+        <a:xfrm>
+          <a:off x="0" y="0"/>
+          <a:ext cx="0" cy="0"/>
+          <a:chOff x="0" y="0"/>
+          <a:chExt cx="0" cy="0"/>
+        </a:xfrm>
+      </p:grpSpPr>
+      <p:sp>
+        <p:nvSpPr>
+          <p:cNvPr id="2" name="Title 1">
+            <a:extLst>
+              <a:ext uri="{FF2B5EF4-FFF2-40B4-BE49-F238E27FC236}">
+                <a16:creationId xmlns:a16="http://schemas.microsoft.com/office/drawing/2014/main" id="{B1B2157A-6E97-71AC-96AF-6A651C07C07F}"/>
+              </a:ext>
+            </a:extLst>
+          </p:cNvPr>
+          <p:cNvSpPr>
+            <a:spLocks noGrp="1"/>
+          </p:cNvSpPr>
+          <p:nvPr>
+            <p:ph type="title"/>
+          </p:nvPr>
+        </p:nvSpPr>
+        <p:spPr/>
+        <p:txBody>
+          <a:bodyPr/>
+          <a:lstStyle/>
+          <a:p>
+            <a:r>
+              <a:rPr lang="en-US" b="1" dirty="0"/>
+              <a:t>Future work</a:t>
+            </a:r>
+            <a:endParaRPr lang="en-GB" b="1" dirty="0"/>
+          </a:p>
+        </p:txBody>
+      </p:sp>
+      <p:sp>
+        <p:nvSpPr>
+          <p:cNvPr id="6" name="Content Placeholder 2">
+            <a:extLst>
+              <a:ext uri="{FF2B5EF4-FFF2-40B4-BE49-F238E27FC236}">
+                <a16:creationId xmlns:a16="http://schemas.microsoft.com/office/drawing/2014/main" id="{511D9F8B-3BF0-CEF2-E14C-36FAE1E77A6B}"/>
+              </a:ext>
+            </a:extLst>
+          </p:cNvPr>
+          <p:cNvSpPr>
+            <a:spLocks noGrp="1"/>
+          </p:cNvSpPr>
+          <p:nvPr>
+            <p:ph idx="1"/>
+          </p:nvPr>
+        </p:nvSpPr>
+        <p:spPr>
+          <a:xfrm>
+            <a:off x="838200" y="1825625"/>
+            <a:ext cx="10515600" cy="4351338"/>
+          </a:xfrm>
+        </p:spPr>
+        <p:txBody>
+          <a:bodyPr>
+            <a:noAutofit/>
+          </a:bodyPr>
+          <a:lstStyle/>
+          <a:p>
+            <a:pPr>
+              <a:lnSpc>
+                <a:spcPct val="100000"/>
+              </a:lnSpc>
+              <a:spcBef>
+                <a:spcPts val="1200"/>
+              </a:spcBef>
+              <a:spcAft>
+                <a:spcPts val="1200"/>
+              </a:spcAft>
+            </a:pPr>
+            <a:r>
+              <a:rPr lang="en-US" sz="3200" dirty="0">
+                <a:solidFill>
+                  <a:srgbClr val="000000"/>
+                </a:solidFill>
+                <a:ea typeface="Calibri" panose="020F0502020204030204" pitchFamily="34" charset="0"/>
+              </a:rPr>
+              <a:t>Initial results </a:t>
+            </a:r>
+          </a:p>
+          <a:p>
+            <a:pPr>
+              <a:lnSpc>
+                <a:spcPct val="100000"/>
+              </a:lnSpc>
+              <a:spcBef>
+                <a:spcPts val="1200"/>
+              </a:spcBef>
+              <a:spcAft>
+                <a:spcPts val="1200"/>
+              </a:spcAft>
+            </a:pPr>
+            <a:r>
+              <a:rPr lang="en-US" sz="3200" dirty="0">
+                <a:solidFill>
+                  <a:srgbClr val="000000"/>
+                </a:solidFill>
+                <a:ea typeface="Calibri" panose="020F0502020204030204" pitchFamily="34" charset="0"/>
+              </a:rPr>
+              <a:t>H</a:t>
+            </a:r>
+            <a:r>
+              <a:rPr lang="en-US" sz="3200" dirty="0">
+                <a:solidFill>
+                  <a:srgbClr val="000000"/>
+                </a:solidFill>
+                <a:effectLst/>
+                <a:ea typeface="Calibri" panose="020F0502020204030204" pitchFamily="34" charset="0"/>
+              </a:rPr>
+              <a:t>yperparameter tuning  via cross validation</a:t>
+            </a:r>
+          </a:p>
+          <a:p>
+            <a:pPr marL="0" indent="0">
+              <a:lnSpc>
+                <a:spcPct val="100000"/>
+              </a:lnSpc>
+              <a:spcBef>
+                <a:spcPts val="1200"/>
+              </a:spcBef>
+              <a:spcAft>
+                <a:spcPts val="1200"/>
+              </a:spcAft>
+              <a:buNone/>
+            </a:pPr>
+            <a:endParaRPr lang="en-US" sz="3200" dirty="0"/>
+          </a:p>
+          <a:p>
+            <a:pPr>
+              <a:lnSpc>
+                <a:spcPct val="100000"/>
+              </a:lnSpc>
+            </a:pPr>
+            <a:endParaRPr lang="en-US" sz="3200" dirty="0"/>
+          </a:p>
+          <a:p>
+            <a:pPr>
+              <a:lnSpc>
+                <a:spcPct val="100000"/>
+              </a:lnSpc>
+            </a:pPr>
+            <a:endParaRPr lang="en-US" sz="3200" dirty="0"/>
+          </a:p>
+          <a:p>
+            <a:pPr>
+              <a:lnSpc>
+                <a:spcPct val="100000"/>
+              </a:lnSpc>
+            </a:pPr>
+            <a:endParaRPr lang="en-US" sz="3200" dirty="0"/>
+          </a:p>
+        </p:txBody>
+      </p:sp>
+    </p:spTree>
+    <p:extLst>
+      <p:ext uri="{BB962C8B-B14F-4D97-AF65-F5344CB8AC3E}">
+        <p14:creationId xmlns:p14="http://schemas.microsoft.com/office/powerpoint/2010/main" val="3711738761"/>
+      </p:ext>
+    </p:extLst>
+  </p:cSld>
+  <p:clrMapOvr>
+    <a:masterClrMapping/>
+  </p:clrMapOvr>
+</p:sld>
+</file>
+
+<file path=ppt/slides/slide11.xml><?xml version="1.0" encoding="utf-8"?>
+<p:sld xmlns:a="http://schemas.openxmlformats.org/drawingml/2006/main" xmlns:r="http://schemas.openxmlformats.org/officeDocument/2006/relationships" xmlns:p="http://schemas.openxmlformats.org/presentationml/2006/main">
+  <p:cSld>
+    <p:spTree>
+      <p:nvGrpSpPr>
+        <p:cNvPr id="1" name=""/>
+        <p:cNvGrpSpPr/>
+        <p:nvPr/>
+      </p:nvGrpSpPr>
+      <p:grpSpPr>
+        <a:xfrm>
+          <a:off x="0" y="0"/>
+          <a:ext cx="0" cy="0"/>
+          <a:chOff x="0" y="0"/>
+          <a:chExt cx="0" cy="0"/>
+        </a:xfrm>
+      </p:grpSpPr>
+      <p:sp>
+        <p:nvSpPr>
+          <p:cNvPr id="2" name="Title 1">
+            <a:extLst>
+              <a:ext uri="{FF2B5EF4-FFF2-40B4-BE49-F238E27FC236}">
+                <a16:creationId xmlns:a16="http://schemas.microsoft.com/office/drawing/2014/main" id="{B1B2157A-6E97-71AC-96AF-6A651C07C07F}"/>
+              </a:ext>
+            </a:extLst>
+          </p:cNvPr>
+          <p:cNvSpPr>
+            <a:spLocks noGrp="1"/>
+          </p:cNvSpPr>
+          <p:nvPr>
+            <p:ph type="title"/>
+          </p:nvPr>
+        </p:nvSpPr>
+        <p:spPr>
+          <a:xfrm>
+            <a:off x="3777133" y="2226055"/>
+            <a:ext cx="4637734" cy="2405889"/>
+          </a:xfrm>
+        </p:spPr>
+        <p:txBody>
+          <a:bodyPr>
+            <a:normAutofit/>
+          </a:bodyPr>
+          <a:lstStyle/>
+          <a:p>
+            <a:r>
+              <a:rPr lang="en-US" sz="6600" b="1" dirty="0"/>
+              <a:t>Questions?</a:t>
+            </a:r>
+            <a:endParaRPr lang="en-GB" sz="6600" b="1" dirty="0"/>
+          </a:p>
+        </p:txBody>
+      </p:sp>
+    </p:spTree>
+    <p:extLst>
+      <p:ext uri="{BB962C8B-B14F-4D97-AF65-F5344CB8AC3E}">
+        <p14:creationId xmlns:p14="http://schemas.microsoft.com/office/powerpoint/2010/main" val="1778032345"/>
+      </p:ext>
+    </p:extLst>
+  </p:cSld>
+  <p:clrMapOvr>
+    <a:masterClrMapping/>
+  </p:clrMapOvr>
+</p:sld>
+</file>
+
 <file path=ppt/slides/slide2.xml><?xml version="1.0" encoding="utf-8"?>
 <p:sld xmlns:a="http://schemas.openxmlformats.org/drawingml/2006/main" xmlns:r="http://schemas.openxmlformats.org/officeDocument/2006/relationships" xmlns:p="http://schemas.openxmlformats.org/presentationml/2006/main">
   <p:cSld>
@@ -4933,7 +5180,7 @@
           <a:p>
             <a:r>
               <a:rPr lang="en-US" b="1" dirty="0"/>
-              <a:t>Continuous Bag-of-Words vs Skip-Gram</a:t>
+              <a:t>Word2Vec </a:t>
             </a:r>
             <a:endParaRPr lang="en-GB" b="1" dirty="0"/>
           </a:p>
@@ -4941,10 +5188,10 @@
       </p:sp>
       <p:pic>
         <p:nvPicPr>
-          <p:cNvPr id="1026" name="Picture 2" descr="Word2Vec Training Models">
-            <a:extLst>
-              <a:ext uri="{FF2B5EF4-FFF2-40B4-BE49-F238E27FC236}">
-                <a16:creationId xmlns:a16="http://schemas.microsoft.com/office/drawing/2014/main" id="{84325EB4-EAE8-BD1B-086C-E8EE96A2146E}"/>
+          <p:cNvPr id="3" name="Picture 2" descr="context-window-skip-grams">
+            <a:extLst>
+              <a:ext uri="{FF2B5EF4-FFF2-40B4-BE49-F238E27FC236}">
+                <a16:creationId xmlns:a16="http://schemas.microsoft.com/office/drawing/2014/main" id="{BFD266F6-1679-B437-502C-3D8035AB3D7B}"/>
               </a:ext>
             </a:extLst>
           </p:cNvPr>
@@ -4968,8 +5215,55 @@
         </p:blipFill>
         <p:spPr bwMode="auto">
           <a:xfrm>
-            <a:off x="838200" y="1268361"/>
-            <a:ext cx="8746125" cy="5331348"/>
+            <a:off x="335218" y="2860449"/>
+            <a:ext cx="6083798" cy="3632426"/>
+          </a:xfrm>
+          <a:prstGeom prst="rect">
+            <a:avLst/>
+          </a:prstGeom>
+          <a:noFill/>
+          <a:extLst>
+            <a:ext uri="{909E8E84-426E-40DD-AFC4-6F175D3DCCD1}">
+              <a14:hiddenFill xmlns:a14="http://schemas.microsoft.com/office/drawing/2010/main">
+                <a:solidFill>
+                  <a:srgbClr val="FFFFFF"/>
+                </a:solidFill>
+              </a14:hiddenFill>
+            </a:ext>
+          </a:extLst>
+        </p:spPr>
+      </p:pic>
+      <p:pic>
+        <p:nvPicPr>
+          <p:cNvPr id="1028" name="Picture 4" descr="word2vec-architecture">
+            <a:extLst>
+              <a:ext uri="{FF2B5EF4-FFF2-40B4-BE49-F238E27FC236}">
+                <a16:creationId xmlns:a16="http://schemas.microsoft.com/office/drawing/2014/main" id="{DF01BB4F-9A99-1EA4-9B38-D058DDF4A08D}"/>
+              </a:ext>
+            </a:extLst>
+          </p:cNvPr>
+          <p:cNvPicPr>
+            <a:picLocks noChangeAspect="1" noChangeArrowheads="1"/>
+          </p:cNvPicPr>
+          <p:nvPr/>
+        </p:nvPicPr>
+        <p:blipFill>
+          <a:blip r:embed="rId3">
+            <a:extLst>
+              <a:ext uri="{28A0092B-C50C-407E-A947-70E740481C1C}">
+                <a14:useLocalDpi xmlns:a14="http://schemas.microsoft.com/office/drawing/2010/main" val="0"/>
+              </a:ext>
+            </a:extLst>
+          </a:blip>
+          <a:srcRect/>
+          <a:stretch>
+            <a:fillRect/>
+          </a:stretch>
+        </p:blipFill>
+        <p:spPr bwMode="auto">
+          <a:xfrm>
+            <a:off x="5210284" y="106927"/>
+            <a:ext cx="6896400" cy="4307757"/>
           </a:xfrm>
           <a:prstGeom prst="rect">
             <a:avLst/>
@@ -5416,9 +5710,16 @@
             <p:ph type="title"/>
           </p:nvPr>
         </p:nvSpPr>
-        <p:spPr/>
-        <p:txBody>
-          <a:bodyPr/>
+        <p:spPr>
+          <a:xfrm>
+            <a:off x="838200" y="365125"/>
+            <a:ext cx="10901516" cy="1325563"/>
+          </a:xfrm>
+        </p:spPr>
+        <p:txBody>
+          <a:bodyPr>
+            <a:normAutofit fontScale="90000"/>
+          </a:bodyPr>
           <a:lstStyle/>
           <a:p>
             <a:r>
@@ -5431,13 +5732,22 @@
               <a:t>Past work </a:t>
             </a:r>
             <a:r>
-              <a:rPr lang="en-US" sz="4400" b="1" dirty="0" err="1">
+              <a:rPr lang="he-IL" b="1" dirty="0">
                 <a:solidFill>
                   <a:prstClr val="black"/>
                 </a:solidFill>
                 <a:cs typeface="Arial" panose="020B0604020202020204" pitchFamily="34" charset="0"/>
               </a:rPr>
-              <a:t>comperition</a:t>
+              <a:t>–</a:t>
+            </a:r>
+            <a:r>
+              <a:rPr lang="en-US" b="1" dirty="0">
+                <a:solidFill>
+                  <a:prstClr val="black"/>
+                </a:solidFill>
+                <a:cs typeface="Arial" panose="020B0604020202020204" pitchFamily="34" charset="0"/>
+              </a:rPr>
+              <a:t> “Comparing word2vec and GloVe for Automatic Measurement of MWE Compositionality”</a:t>
             </a:r>
             <a:endParaRPr lang="en-GB" b="1" dirty="0"/>
           </a:p>
@@ -5461,8 +5771,8 @@
         </p:nvSpPr>
         <p:spPr>
           <a:xfrm>
-            <a:off x="838200" y="1825625"/>
-            <a:ext cx="8534400" cy="4351338"/>
+            <a:off x="838199" y="1825625"/>
+            <a:ext cx="11128513" cy="4351338"/>
           </a:xfrm>
         </p:spPr>
         <p:txBody>
@@ -5473,55 +5783,49 @@
           <a:p>
             <a:r>
               <a:rPr lang="en-US" sz="3200" dirty="0"/>
-              <a:t>Modified CNN </a:t>
+              <a:t>Hypothesis</a:t>
+            </a:r>
+          </a:p>
+          <a:p>
+            <a:pPr lvl="1"/>
+            <a:r>
+              <a:rPr lang="en-US" sz="2800" dirty="0"/>
+              <a:t>  Multiword expressions word vector are like its components word vectors</a:t>
             </a:r>
           </a:p>
           <a:p>
             <a:r>
               <a:rPr lang="en-US" sz="3200" dirty="0"/>
-              <a:t>Meaningful first layer</a:t>
+              <a:t>Datasets</a:t>
+            </a:r>
+          </a:p>
+          <a:p>
+            <a:pPr lvl="1"/>
+            <a:r>
+              <a:rPr lang="en-US" sz="2800" dirty="0"/>
+              <a:t>SIMP20=simple Wikipedia dataset of 2020</a:t>
+            </a:r>
+          </a:p>
+          <a:p>
+            <a:pPr lvl="1"/>
+            <a:r>
+              <a:rPr lang="en-US" sz="2800" dirty="0"/>
+              <a:t>EN20_10P= 10% of all Wikipedia dataset from 2020</a:t>
             </a:r>
           </a:p>
           <a:p>
             <a:r>
               <a:rPr lang="en-US" sz="3200" dirty="0"/>
-              <a:t>Band pass filter (</a:t>
-            </a:r>
-            <a:r>
-              <a:rPr lang="en-US" sz="3200" dirty="0" err="1"/>
-              <a:t>freq</a:t>
-            </a:r>
-            <a:r>
-              <a:rPr lang="en-US" sz="3200" dirty="0"/>
-              <a:t>)</a:t>
-            </a:r>
-            <a:br>
-              <a:rPr lang="en-US" sz="3200" dirty="0"/>
-            </a:br>
-            <a:r>
-              <a:rPr lang="en-US" sz="3200" dirty="0"/>
-              <a:t> by </a:t>
-            </a:r>
-            <a:r>
-              <a:rPr lang="en-US" sz="3200" dirty="0" err="1"/>
-              <a:t>sinc</a:t>
-            </a:r>
-            <a:r>
-              <a:rPr lang="en-US" sz="3200" dirty="0"/>
-              <a:t> functions (time)</a:t>
-            </a:r>
-          </a:p>
-          <a:p>
-            <a:r>
-              <a:rPr lang="en-US" sz="3200" dirty="0"/>
-              <a:t>Regular CNN Pipeline</a:t>
-            </a:r>
-          </a:p>
-          <a:p>
-            <a:endParaRPr lang="en-US" sz="3200" dirty="0"/>
-          </a:p>
-          <a:p>
-            <a:endParaRPr lang="en-US" sz="3200" dirty="0"/>
+              <a:t>Categories </a:t>
+            </a:r>
+            <a:r>
+              <a:rPr lang="en-US" dirty="0"/>
+              <a:t>(the true labels were created by humans)</a:t>
+            </a:r>
+          </a:p>
+          <a:p>
+            <a:pPr lvl="1"/>
+            <a:endParaRPr lang="en-US" sz="2800" dirty="0"/>
           </a:p>
         </p:txBody>
       </p:sp>
@@ -5539,8 +5843,8 @@
         </p:nvSpPr>
         <p:spPr>
           <a:xfrm>
-            <a:off x="-57150" y="6607175"/>
-            <a:ext cx="12211050" cy="276999"/>
+            <a:off x="-57150" y="6636992"/>
+            <a:ext cx="12211050" cy="430887"/>
           </a:xfrm>
           <a:prstGeom prst="rect">
             <a:avLst/>
@@ -5554,126 +5858,16 @@
           <a:lstStyle/>
           <a:p>
             <a:r>
-              <a:rPr lang="en-US" sz="1200" u="none" strike="noStrike" dirty="0" err="1">
-                <a:solidFill>
-                  <a:srgbClr val="222222"/>
-                </a:solidFill>
+              <a:rPr lang="en-US" sz="1100" u="none" strike="noStrike" dirty="0">
                 <a:effectLst/>
-                <a:highlight>
-                  <a:srgbClr val="FFFFFF"/>
-                </a:highlight>
                 <a:latin typeface="Calibri" panose="020F0502020204030204" pitchFamily="34" charset="0"/>
                 <a:ea typeface="Calibri" panose="020F0502020204030204" pitchFamily="34" charset="0"/>
-                <a:cs typeface="Calibri" panose="020F0502020204030204" pitchFamily="34" charset="0"/>
               </a:rPr>
-              <a:t>Ravanelli</a:t>
-            </a:r>
-            <a:r>
-              <a:rPr lang="en-US" sz="1200" u="none" strike="noStrike" dirty="0">
-                <a:solidFill>
-                  <a:srgbClr val="222222"/>
-                </a:solidFill>
-                <a:effectLst/>
-                <a:highlight>
-                  <a:srgbClr val="FFFFFF"/>
-                </a:highlight>
-                <a:latin typeface="Calibri" panose="020F0502020204030204" pitchFamily="34" charset="0"/>
-                <a:ea typeface="Calibri" panose="020F0502020204030204" pitchFamily="34" charset="0"/>
-                <a:cs typeface="Calibri" panose="020F0502020204030204" pitchFamily="34" charset="0"/>
-              </a:rPr>
-              <a:t>, M., &amp; </a:t>
-            </a:r>
-            <a:r>
-              <a:rPr lang="en-US" sz="1200" u="none" strike="noStrike" dirty="0" err="1">
-                <a:solidFill>
-                  <a:srgbClr val="222222"/>
-                </a:solidFill>
-                <a:effectLst/>
-                <a:highlight>
-                  <a:srgbClr val="FFFFFF"/>
-                </a:highlight>
-                <a:latin typeface="Calibri" panose="020F0502020204030204" pitchFamily="34" charset="0"/>
-                <a:ea typeface="Calibri" panose="020F0502020204030204" pitchFamily="34" charset="0"/>
-                <a:cs typeface="Calibri" panose="020F0502020204030204" pitchFamily="34" charset="0"/>
-              </a:rPr>
-              <a:t>Bengio</a:t>
-            </a:r>
-            <a:r>
-              <a:rPr lang="en-US" sz="1200" u="none" strike="noStrike" dirty="0">
-                <a:solidFill>
-                  <a:srgbClr val="222222"/>
-                </a:solidFill>
-                <a:effectLst/>
-                <a:highlight>
-                  <a:srgbClr val="FFFFFF"/>
-                </a:highlight>
-                <a:latin typeface="Calibri" panose="020F0502020204030204" pitchFamily="34" charset="0"/>
-                <a:ea typeface="Calibri" panose="020F0502020204030204" pitchFamily="34" charset="0"/>
-                <a:cs typeface="Calibri" panose="020F0502020204030204" pitchFamily="34" charset="0"/>
-              </a:rPr>
-              <a:t>, Y. (2018, December). Speaker recognition from raw waveform with </a:t>
-            </a:r>
-            <a:r>
-              <a:rPr lang="en-US" sz="1200" u="none" strike="noStrike" dirty="0" err="1">
-                <a:solidFill>
-                  <a:srgbClr val="222222"/>
-                </a:solidFill>
-                <a:effectLst/>
-                <a:highlight>
-                  <a:srgbClr val="FFFFFF"/>
-                </a:highlight>
-                <a:latin typeface="Calibri" panose="020F0502020204030204" pitchFamily="34" charset="0"/>
-                <a:ea typeface="Calibri" panose="020F0502020204030204" pitchFamily="34" charset="0"/>
-                <a:cs typeface="Calibri" panose="020F0502020204030204" pitchFamily="34" charset="0"/>
-              </a:rPr>
-              <a:t>sincnet</a:t>
-            </a:r>
-            <a:r>
-              <a:rPr lang="en-US" sz="1200" u="none" strike="noStrike" dirty="0">
-                <a:solidFill>
-                  <a:srgbClr val="222222"/>
-                </a:solidFill>
-                <a:effectLst/>
-                <a:highlight>
-                  <a:srgbClr val="FFFFFF"/>
-                </a:highlight>
-                <a:latin typeface="Calibri" panose="020F0502020204030204" pitchFamily="34" charset="0"/>
-                <a:ea typeface="Calibri" panose="020F0502020204030204" pitchFamily="34" charset="0"/>
-                <a:cs typeface="Calibri" panose="020F0502020204030204" pitchFamily="34" charset="0"/>
-              </a:rPr>
-              <a:t>. </a:t>
-            </a:r>
-            <a:r>
-              <a:rPr lang="he-IL" sz="1200" u="none" strike="noStrike" dirty="0">
-                <a:solidFill>
-                  <a:srgbClr val="222222"/>
-                </a:solidFill>
-                <a:effectLst/>
-                <a:highlight>
-                  <a:srgbClr val="FFFFFF"/>
-                </a:highlight>
-                <a:latin typeface="Calibri" panose="020F0502020204030204" pitchFamily="34" charset="0"/>
-                <a:ea typeface="Calibri" panose="020F0502020204030204" pitchFamily="34" charset="0"/>
-                <a:cs typeface="Calibri" panose="020F0502020204030204" pitchFamily="34" charset="0"/>
-              </a:rPr>
-              <a:t>In </a:t>
-            </a:r>
-            <a:r>
-              <a:rPr lang="he-IL" sz="1200" i="1" u="none" strike="noStrike" dirty="0">
-                <a:solidFill>
-                  <a:srgbClr val="222222"/>
-                </a:solidFill>
-                <a:effectLst/>
-                <a:highlight>
-                  <a:srgbClr val="FFFFFF"/>
-                </a:highlight>
-                <a:latin typeface="Calibri" panose="020F0502020204030204" pitchFamily="34" charset="0"/>
-                <a:ea typeface="Calibri" panose="020F0502020204030204" pitchFamily="34" charset="0"/>
-                <a:cs typeface="Calibri" panose="020F0502020204030204" pitchFamily="34" charset="0"/>
-              </a:rPr>
-              <a:t>2018 IEEE Spoken Language Technology Workshop (SLT)</a:t>
-            </a:r>
-            <a:endParaRPr lang="en-IL" sz="1200" u="none" strike="noStrike" dirty="0">
+              <a:t>Pickard, T. (2020, December). Comparing word2vec and glove for automatic measurement of MWE compositionality. In Proceedings of the Joint Workshop on Multiword Expressions and Electronic Lexicons </a:t>
+            </a:r>
+          </a:p>
+          <a:p>
+            <a:endParaRPr lang="en-IL" sz="1100" u="none" strike="noStrike" dirty="0">
               <a:effectLst/>
               <a:latin typeface="Calibri" panose="020F0502020204030204" pitchFamily="34" charset="0"/>
               <a:ea typeface="Calibri" panose="020F0502020204030204" pitchFamily="34" charset="0"/>
@@ -5681,6 +5875,444 @@
           </a:p>
         </p:txBody>
       </p:sp>
+      <p:graphicFrame>
+        <p:nvGraphicFramePr>
+          <p:cNvPr id="7" name="Table 7">
+            <a:extLst>
+              <a:ext uri="{FF2B5EF4-FFF2-40B4-BE49-F238E27FC236}">
+                <a16:creationId xmlns:a16="http://schemas.microsoft.com/office/drawing/2014/main" id="{728015F8-CE9D-9705-D7C9-117715435067}"/>
+              </a:ext>
+            </a:extLst>
+          </p:cNvPr>
+          <p:cNvGraphicFramePr>
+            <a:graphicFrameLocks noGrp="1"/>
+          </p:cNvGraphicFramePr>
+          <p:nvPr>
+            <p:extLst>
+              <p:ext uri="{D42A27DB-BD31-4B8C-83A1-F6EECF244321}">
+                <p14:modId xmlns:p14="http://schemas.microsoft.com/office/powerpoint/2010/main" val="2321980441"/>
+              </p:ext>
+            </p:extLst>
+          </p:nvPr>
+        </p:nvGraphicFramePr>
+        <p:xfrm>
+          <a:off x="1041397" y="5199380"/>
+          <a:ext cx="10312404" cy="1483360"/>
+        </p:xfrm>
+        <a:graphic>
+          <a:graphicData uri="http://schemas.openxmlformats.org/drawingml/2006/table">
+            <a:tbl>
+              <a:tblPr firstRow="1" bandRow="1">
+                <a:tableStyleId>{073A0DAA-6AF3-43AB-8588-CEC1D06C72B9}</a:tableStyleId>
+              </a:tblPr>
+              <a:tblGrid>
+                <a:gridCol w="1612350">
+                  <a:extLst>
+                    <a:ext uri="{9D8B030D-6E8A-4147-A177-3AD203B41FA5}">
+                      <a16:colId xmlns:a16="http://schemas.microsoft.com/office/drawing/2014/main" val="198279148"/>
+                    </a:ext>
+                  </a:extLst>
+                </a:gridCol>
+                <a:gridCol w="1825118">
+                  <a:extLst>
+                    <a:ext uri="{9D8B030D-6E8A-4147-A177-3AD203B41FA5}">
+                      <a16:colId xmlns:a16="http://schemas.microsoft.com/office/drawing/2014/main" val="3171802010"/>
+                    </a:ext>
+                  </a:extLst>
+                </a:gridCol>
+                <a:gridCol w="1718734">
+                  <a:extLst>
+                    <a:ext uri="{9D8B030D-6E8A-4147-A177-3AD203B41FA5}">
+                      <a16:colId xmlns:a16="http://schemas.microsoft.com/office/drawing/2014/main" val="1827215711"/>
+                    </a:ext>
+                  </a:extLst>
+                </a:gridCol>
+                <a:gridCol w="1718734">
+                  <a:extLst>
+                    <a:ext uri="{9D8B030D-6E8A-4147-A177-3AD203B41FA5}">
+                      <a16:colId xmlns:a16="http://schemas.microsoft.com/office/drawing/2014/main" val="3089581234"/>
+                    </a:ext>
+                  </a:extLst>
+                </a:gridCol>
+                <a:gridCol w="1718734">
+                  <a:extLst>
+                    <a:ext uri="{9D8B030D-6E8A-4147-A177-3AD203B41FA5}">
+                      <a16:colId xmlns:a16="http://schemas.microsoft.com/office/drawing/2014/main" val="3377657747"/>
+                    </a:ext>
+                  </a:extLst>
+                </a:gridCol>
+                <a:gridCol w="1718734">
+                  <a:extLst>
+                    <a:ext uri="{9D8B030D-6E8A-4147-A177-3AD203B41FA5}">
+                      <a16:colId xmlns:a16="http://schemas.microsoft.com/office/drawing/2014/main" val="1124283984"/>
+                    </a:ext>
+                  </a:extLst>
+                </a:gridCol>
+              </a:tblGrid>
+              <a:tr h="370840">
+                <a:tc>
+                  <a:txBody>
+                    <a:bodyPr/>
+                    <a:lstStyle/>
+                    <a:p>
+                      <a:endParaRPr lang="en-IL"/>
+                    </a:p>
+                  </a:txBody>
+                  <a:tcPr/>
+                </a:tc>
+                <a:tc>
+                  <a:txBody>
+                    <a:bodyPr/>
+                    <a:lstStyle/>
+                    <a:p>
+                      <a:r>
+                        <a:rPr lang="en-US" dirty="0"/>
+                        <a:t>F_ENC</a:t>
+                      </a:r>
+                      <a:endParaRPr lang="en-IL" dirty="0"/>
+                    </a:p>
+                  </a:txBody>
+                  <a:tcPr/>
+                </a:tc>
+                <a:tc>
+                  <a:txBody>
+                    <a:bodyPr/>
+                    <a:lstStyle/>
+                    <a:p>
+                      <a:r>
+                        <a:rPr lang="en-US" dirty="0"/>
+                        <a:t>R_ENC</a:t>
+                      </a:r>
+                      <a:endParaRPr lang="en-IL" dirty="0"/>
+                    </a:p>
+                  </a:txBody>
+                  <a:tcPr/>
+                </a:tc>
+                <a:tc>
+                  <a:txBody>
+                    <a:bodyPr/>
+                    <a:lstStyle/>
+                    <a:p>
+                      <a:r>
+                        <a:rPr lang="en-US" dirty="0"/>
+                        <a:t>MC_VPC</a:t>
+                      </a:r>
+                      <a:endParaRPr lang="en-IL" dirty="0"/>
+                    </a:p>
+                  </a:txBody>
+                  <a:tcPr/>
+                </a:tc>
+                <a:tc>
+                  <a:txBody>
+                    <a:bodyPr/>
+                    <a:lstStyle/>
+                    <a:p>
+                      <a:r>
+                        <a:rPr lang="en-US" dirty="0"/>
+                        <a:t>D_ADJN</a:t>
+                      </a:r>
+                      <a:endParaRPr lang="en-IL" dirty="0"/>
+                    </a:p>
+                  </a:txBody>
+                  <a:tcPr/>
+                </a:tc>
+                <a:tc>
+                  <a:txBody>
+                    <a:bodyPr/>
+                    <a:lstStyle/>
+                    <a:p>
+                      <a:r>
+                        <a:rPr lang="en-US" dirty="0"/>
+                        <a:t>MC_VN</a:t>
+                      </a:r>
+                      <a:endParaRPr lang="en-IL" dirty="0"/>
+                    </a:p>
+                  </a:txBody>
+                  <a:tcPr/>
+                </a:tc>
+                <a:extLst>
+                  <a:ext uri="{0D108BD9-81ED-4DB2-BD59-A6C34878D82A}">
+                    <a16:rowId xmlns:a16="http://schemas.microsoft.com/office/drawing/2014/main" val="1451929024"/>
+                  </a:ext>
+                </a:extLst>
+              </a:tr>
+              <a:tr h="370840">
+                <a:tc>
+                  <a:txBody>
+                    <a:bodyPr/>
+                    <a:lstStyle/>
+                    <a:p>
+                      <a:r>
+                        <a:rPr lang="en-US" dirty="0"/>
+                        <a:t>meaning</a:t>
+                      </a:r>
+                      <a:endParaRPr lang="en-IL" dirty="0"/>
+                    </a:p>
+                  </a:txBody>
+                  <a:tcPr/>
+                </a:tc>
+                <a:tc>
+                  <a:txBody>
+                    <a:bodyPr/>
+                    <a:lstStyle/>
+                    <a:p>
+                      <a:r>
+                        <a:rPr lang="en-US" dirty="0"/>
+                        <a:t>nominal</a:t>
+                      </a:r>
+                      <a:endParaRPr lang="en-IL" dirty="0"/>
+                    </a:p>
+                  </a:txBody>
+                  <a:tcPr/>
+                </a:tc>
+                <a:tc>
+                  <a:txBody>
+                    <a:bodyPr/>
+                    <a:lstStyle/>
+                    <a:p>
+                      <a:r>
+                        <a:rPr lang="en-US" dirty="0"/>
+                        <a:t>noun</a:t>
+                      </a:r>
+                      <a:endParaRPr lang="en-IL" dirty="0"/>
+                    </a:p>
+                  </a:txBody>
+                  <a:tcPr/>
+                </a:tc>
+                <a:tc>
+                  <a:txBody>
+                    <a:bodyPr/>
+                    <a:lstStyle/>
+                    <a:p>
+                      <a:r>
+                        <a:rPr lang="en-US" dirty="0"/>
+                        <a:t>Verb-particle</a:t>
+                      </a:r>
+                      <a:endParaRPr lang="en-IL" dirty="0"/>
+                    </a:p>
+                  </a:txBody>
+                  <a:tcPr/>
+                </a:tc>
+                <a:tc>
+                  <a:txBody>
+                    <a:bodyPr/>
+                    <a:lstStyle/>
+                    <a:p>
+                      <a:r>
+                        <a:rPr lang="en-US" dirty="0"/>
+                        <a:t>Adjective-noun</a:t>
+                      </a:r>
+                      <a:endParaRPr lang="en-IL" dirty="0"/>
+                    </a:p>
+                  </a:txBody>
+                  <a:tcPr/>
+                </a:tc>
+                <a:tc>
+                  <a:txBody>
+                    <a:bodyPr/>
+                    <a:lstStyle/>
+                    <a:p>
+                      <a:r>
+                        <a:rPr lang="en-US" dirty="0"/>
+                        <a:t>Verb-object</a:t>
+                      </a:r>
+                      <a:endParaRPr lang="en-IL" dirty="0"/>
+                    </a:p>
+                  </a:txBody>
+                  <a:tcPr/>
+                </a:tc>
+                <a:extLst>
+                  <a:ext uri="{0D108BD9-81ED-4DB2-BD59-A6C34878D82A}">
+                    <a16:rowId xmlns:a16="http://schemas.microsoft.com/office/drawing/2014/main" val="3131580770"/>
+                  </a:ext>
+                </a:extLst>
+              </a:tr>
+              <a:tr h="370840">
+                <a:tc>
+                  <a:txBody>
+                    <a:bodyPr/>
+                    <a:lstStyle/>
+                    <a:p>
+                      <a:r>
+                        <a:rPr lang="en-US" dirty="0"/>
+                        <a:t>size</a:t>
+                      </a:r>
+                      <a:endParaRPr lang="en-IL" dirty="0"/>
+                    </a:p>
+                  </a:txBody>
+                  <a:tcPr/>
+                </a:tc>
+                <a:tc>
+                  <a:txBody>
+                    <a:bodyPr/>
+                    <a:lstStyle/>
+                    <a:p>
+                      <a:r>
+                        <a:rPr lang="en-US" dirty="0"/>
+                        <a:t>1042 compounds</a:t>
+                      </a:r>
+                      <a:endParaRPr lang="en-IL" dirty="0"/>
+                    </a:p>
+                  </a:txBody>
+                  <a:tcPr/>
+                </a:tc>
+                <a:tc>
+                  <a:txBody>
+                    <a:bodyPr/>
+                    <a:lstStyle/>
+                    <a:p>
+                      <a:r>
+                        <a:rPr lang="en-US" dirty="0"/>
+                        <a:t>90 compounds</a:t>
+                      </a:r>
+                      <a:endParaRPr lang="en-IL" dirty="0"/>
+                    </a:p>
+                  </a:txBody>
+                  <a:tcPr/>
+                </a:tc>
+                <a:tc>
+                  <a:txBody>
+                    <a:bodyPr/>
+                    <a:lstStyle/>
+                    <a:p>
+                      <a:r>
+                        <a:rPr lang="en-US" dirty="0"/>
+                        <a:t>116 pairs</a:t>
+                      </a:r>
+                      <a:endParaRPr lang="en-IL" dirty="0"/>
+                    </a:p>
+                  </a:txBody>
+                  <a:tcPr/>
+                </a:tc>
+                <a:tc>
+                  <a:txBody>
+                    <a:bodyPr/>
+                    <a:lstStyle/>
+                    <a:p>
+                      <a:r>
+                        <a:rPr lang="en-US" dirty="0"/>
+                        <a:t>135 compounds</a:t>
+                      </a:r>
+                      <a:endParaRPr lang="en-IL" dirty="0"/>
+                    </a:p>
+                  </a:txBody>
+                  <a:tcPr/>
+                </a:tc>
+                <a:tc>
+                  <a:txBody>
+                    <a:bodyPr/>
+                    <a:lstStyle/>
+                    <a:p>
+                      <a:r>
+                        <a:rPr lang="en-US" dirty="0"/>
+                        <a:t>638 pairs</a:t>
+                      </a:r>
+                      <a:endParaRPr lang="en-IL" dirty="0"/>
+                    </a:p>
+                  </a:txBody>
+                  <a:tcPr/>
+                </a:tc>
+                <a:extLst>
+                  <a:ext uri="{0D108BD9-81ED-4DB2-BD59-A6C34878D82A}">
+                    <a16:rowId xmlns:a16="http://schemas.microsoft.com/office/drawing/2014/main" val="2409835667"/>
+                  </a:ext>
+                </a:extLst>
+              </a:tr>
+              <a:tr h="370840">
+                <a:tc>
+                  <a:txBody>
+                    <a:bodyPr/>
+                    <a:lstStyle/>
+                    <a:p>
+                      <a:r>
+                        <a:rPr lang="en-US" dirty="0"/>
+                        <a:t>Ex.</a:t>
+                      </a:r>
+                      <a:endParaRPr lang="en-IL" dirty="0"/>
+                    </a:p>
+                  </a:txBody>
+                  <a:tcPr/>
+                </a:tc>
+                <a:tc>
+                  <a:txBody>
+                    <a:bodyPr/>
+                    <a:lstStyle/>
+                    <a:p>
+                      <a:r>
+                        <a:rPr lang="en-US" dirty="0"/>
+                        <a:t>Greenhouse gas</a:t>
+                      </a:r>
+                      <a:endParaRPr lang="en-IL" dirty="0"/>
+                    </a:p>
+                  </a:txBody>
+                  <a:tcPr/>
+                </a:tc>
+                <a:tc>
+                  <a:txBody>
+                    <a:bodyPr/>
+                    <a:lstStyle/>
+                    <a:p>
+                      <a:r>
+                        <a:rPr lang="en-US" dirty="0"/>
+                        <a:t>Ivory tower</a:t>
+                      </a:r>
+                      <a:endParaRPr lang="en-IL" dirty="0"/>
+                    </a:p>
+                  </a:txBody>
+                  <a:tcPr/>
+                </a:tc>
+                <a:tc>
+                  <a:txBody>
+                    <a:bodyPr/>
+                    <a:lstStyle/>
+                    <a:p>
+                      <a:r>
+                        <a:rPr lang="en-US" dirty="0"/>
+                        <a:t>Lie down</a:t>
+                      </a:r>
+                      <a:endParaRPr lang="en-IL" dirty="0"/>
+                    </a:p>
+                  </a:txBody>
+                  <a:tcPr/>
+                </a:tc>
+                <a:tc>
+                  <a:txBody>
+                    <a:bodyPr/>
+                    <a:lstStyle/>
+                    <a:p>
+                      <a:r>
+                        <a:rPr lang="en-US" dirty="0"/>
+                        <a:t>Blue chip</a:t>
+                      </a:r>
+                      <a:endParaRPr lang="en-IL" dirty="0"/>
+                    </a:p>
+                  </a:txBody>
+                  <a:tcPr/>
+                </a:tc>
+                <a:tc>
+                  <a:txBody>
+                    <a:bodyPr/>
+                    <a:lstStyle/>
+                    <a:p>
+                      <a:r>
+                        <a:rPr lang="en-US" dirty="0"/>
+                        <a:t>Take root</a:t>
+                      </a:r>
+                      <a:endParaRPr lang="en-IL" dirty="0"/>
+                    </a:p>
+                  </a:txBody>
+                  <a:tcPr/>
+                </a:tc>
+                <a:extLst>
+                  <a:ext uri="{0D108BD9-81ED-4DB2-BD59-A6C34878D82A}">
+                    <a16:rowId xmlns:a16="http://schemas.microsoft.com/office/drawing/2014/main" val="599988518"/>
+                  </a:ext>
+                </a:extLst>
+              </a:tr>
+            </a:tbl>
+          </a:graphicData>
+        </a:graphic>
+      </p:graphicFrame>
     </p:spTree>
     <p:extLst>
       <p:ext uri="{BB962C8B-B14F-4D97-AF65-F5344CB8AC3E}">
@@ -5727,232 +6359,129 @@
             <p:ph type="title"/>
           </p:nvPr>
         </p:nvSpPr>
-        <p:spPr/>
-        <p:txBody>
-          <a:bodyPr/>
-          <a:lstStyle/>
-          <a:p>
-            <a:r>
-              <a:rPr lang="en-US" b="1" dirty="0"/>
-              <a:t>Future work</a:t>
-            </a:r>
-            <a:endParaRPr lang="en-GB" b="1" dirty="0"/>
-          </a:p>
-        </p:txBody>
-      </p:sp>
-      <p:sp>
-        <p:nvSpPr>
-          <p:cNvPr id="6" name="Content Placeholder 2">
-            <a:extLst>
-              <a:ext uri="{FF2B5EF4-FFF2-40B4-BE49-F238E27FC236}">
-                <a16:creationId xmlns:a16="http://schemas.microsoft.com/office/drawing/2014/main" id="{511D9F8B-3BF0-CEF2-E14C-36FAE1E77A6B}"/>
-              </a:ext>
-            </a:extLst>
-          </p:cNvPr>
-          <p:cNvSpPr>
-            <a:spLocks noGrp="1"/>
-          </p:cNvSpPr>
-          <p:nvPr>
-            <p:ph idx="1"/>
-          </p:nvPr>
-        </p:nvSpPr>
         <p:spPr>
           <a:xfrm>
-            <a:off x="838200" y="1825625"/>
-            <a:ext cx="10515600" cy="4351338"/>
+            <a:off x="838200" y="365125"/>
+            <a:ext cx="10901516" cy="1325563"/>
           </a:xfrm>
         </p:spPr>
         <p:txBody>
           <a:bodyPr>
-            <a:noAutofit/>
+            <a:normAutofit fontScale="90000"/>
           </a:bodyPr>
           <a:lstStyle/>
           <a:p>
-            <a:pPr>
-              <a:lnSpc>
-                <a:spcPct val="100000"/>
-              </a:lnSpc>
-              <a:spcBef>
-                <a:spcPts val="1200"/>
-              </a:spcBef>
-              <a:spcAft>
-                <a:spcPts val="1200"/>
-              </a:spcAft>
-            </a:pPr>
-            <a:r>
-              <a:rPr lang="en-US" sz="3200" dirty="0">
+            <a:r>
+              <a:rPr lang="en-US" sz="4400" b="1" dirty="0">
                 <a:solidFill>
-                  <a:srgbClr val="000000"/>
+                  <a:prstClr val="black"/>
                 </a:solidFill>
+                <a:cs typeface="Arial" panose="020B0604020202020204" pitchFamily="34" charset="0"/>
+              </a:rPr>
+              <a:t>Past work </a:t>
+            </a:r>
+            <a:r>
+              <a:rPr lang="he-IL" b="1" dirty="0">
+                <a:solidFill>
+                  <a:prstClr val="black"/>
+                </a:solidFill>
+                <a:cs typeface="Arial" panose="020B0604020202020204" pitchFamily="34" charset="0"/>
+              </a:rPr>
+              <a:t>–</a:t>
+            </a:r>
+            <a:r>
+              <a:rPr lang="en-US" b="1" dirty="0">
+                <a:solidFill>
+                  <a:prstClr val="black"/>
+                </a:solidFill>
+                <a:cs typeface="Arial" panose="020B0604020202020204" pitchFamily="34" charset="0"/>
+              </a:rPr>
+              <a:t> “Comparing word2vec and GloVe for Automatic Measurement of MWE Compositionality”</a:t>
+            </a:r>
+            <a:endParaRPr lang="en-GB" b="1" dirty="0"/>
+          </a:p>
+        </p:txBody>
+      </p:sp>
+      <p:pic>
+        <p:nvPicPr>
+          <p:cNvPr id="9" name="Picture 8">
+            <a:extLst>
+              <a:ext uri="{FF2B5EF4-FFF2-40B4-BE49-F238E27FC236}">
+                <a16:creationId xmlns:a16="http://schemas.microsoft.com/office/drawing/2014/main" id="{5C65B8B2-C2FD-4E75-CB6D-F6B53D09CE63}"/>
+              </a:ext>
+            </a:extLst>
+          </p:cNvPr>
+          <p:cNvPicPr>
+            <a:picLocks noChangeAspect="1"/>
+          </p:cNvPicPr>
+          <p:nvPr/>
+        </p:nvPicPr>
+        <p:blipFill>
+          <a:blip r:embed="rId2"/>
+          <a:stretch>
+            <a:fillRect/>
+          </a:stretch>
+        </p:blipFill>
+        <p:spPr>
+          <a:xfrm>
+            <a:off x="1115253" y="1471134"/>
+            <a:ext cx="9866243" cy="5021741"/>
+          </a:xfrm>
+          <a:prstGeom prst="rect">
+            <a:avLst/>
+          </a:prstGeom>
+        </p:spPr>
+      </p:pic>
+      <p:sp>
+        <p:nvSpPr>
+          <p:cNvPr id="10" name="TextBox 9">
+            <a:extLst>
+              <a:ext uri="{FF2B5EF4-FFF2-40B4-BE49-F238E27FC236}">
+                <a16:creationId xmlns:a16="http://schemas.microsoft.com/office/drawing/2014/main" id="{E0E521BA-FABF-7C08-AE2D-8EF6FE3E25B7}"/>
+              </a:ext>
+            </a:extLst>
+          </p:cNvPr>
+          <p:cNvSpPr txBox="1"/>
+          <p:nvPr/>
+        </p:nvSpPr>
+        <p:spPr>
+          <a:xfrm>
+            <a:off x="-57150" y="6636992"/>
+            <a:ext cx="12211050" cy="430887"/>
+          </a:xfrm>
+          <a:prstGeom prst="rect">
+            <a:avLst/>
+          </a:prstGeom>
+          <a:noFill/>
+        </p:spPr>
+        <p:txBody>
+          <a:bodyPr wrap="square" rtlCol="0">
+            <a:spAutoFit/>
+          </a:bodyPr>
+          <a:lstStyle/>
+          <a:p>
+            <a:r>
+              <a:rPr lang="en-US" sz="1100" u="none" strike="noStrike" dirty="0">
+                <a:effectLst/>
+                <a:latin typeface="Calibri" panose="020F0502020204030204" pitchFamily="34" charset="0"/>
                 <a:ea typeface="Calibri" panose="020F0502020204030204" pitchFamily="34" charset="0"/>
               </a:rPr>
-              <a:t>Initial results </a:t>
-            </a:r>
-          </a:p>
-          <a:p>
-            <a:pPr>
-              <a:lnSpc>
-                <a:spcPct val="100000"/>
-              </a:lnSpc>
-              <a:spcBef>
-                <a:spcPts val="1200"/>
-              </a:spcBef>
-              <a:spcAft>
-                <a:spcPts val="1200"/>
-              </a:spcAft>
-            </a:pPr>
-            <a:r>
-              <a:rPr lang="en-US" sz="3200" dirty="0">
-                <a:solidFill>
-                  <a:srgbClr val="000000"/>
-                </a:solidFill>
-                <a:ea typeface="Calibri" panose="020F0502020204030204" pitchFamily="34" charset="0"/>
-              </a:rPr>
-              <a:t>H</a:t>
-            </a:r>
-            <a:r>
-              <a:rPr lang="en-US" sz="3200" dirty="0">
-                <a:solidFill>
-                  <a:srgbClr val="000000"/>
-                </a:solidFill>
-                <a:effectLst/>
-                <a:ea typeface="Calibri" panose="020F0502020204030204" pitchFamily="34" charset="0"/>
-              </a:rPr>
-              <a:t>yperparameter tuning  via cross validation</a:t>
-            </a:r>
-          </a:p>
-          <a:p>
-            <a:pPr>
-              <a:lnSpc>
-                <a:spcPct val="100000"/>
-              </a:lnSpc>
-              <a:spcBef>
-                <a:spcPts val="1200"/>
-              </a:spcBef>
-              <a:spcAft>
-                <a:spcPts val="1200"/>
-              </a:spcAft>
-            </a:pPr>
-            <a:r>
-              <a:rPr lang="en-US" sz="3200" dirty="0">
-                <a:solidFill>
-                  <a:srgbClr val="000000"/>
-                </a:solidFill>
-                <a:effectLst/>
-                <a:ea typeface="Calibri" panose="020F0502020204030204" pitchFamily="34" charset="0"/>
-              </a:rPr>
-              <a:t>Data filtering rules – maximizing number of samples with small data variance</a:t>
-            </a:r>
-          </a:p>
-          <a:p>
-            <a:pPr>
-              <a:lnSpc>
-                <a:spcPct val="100000"/>
-              </a:lnSpc>
-              <a:spcBef>
-                <a:spcPts val="1200"/>
-              </a:spcBef>
-              <a:spcAft>
-                <a:spcPts val="1200"/>
-              </a:spcAft>
-            </a:pPr>
-            <a:r>
-              <a:rPr lang="en-US" sz="3200" dirty="0">
-                <a:solidFill>
-                  <a:srgbClr val="000000"/>
-                </a:solidFill>
-                <a:ea typeface="Calibri" panose="020F0502020204030204" pitchFamily="34" charset="0"/>
-              </a:rPr>
-              <a:t>S</a:t>
-            </a:r>
-            <a:r>
-              <a:rPr lang="en-US" sz="3200" dirty="0">
-                <a:solidFill>
-                  <a:srgbClr val="000000"/>
-                </a:solidFill>
-                <a:effectLst/>
-                <a:ea typeface="Calibri" panose="020F0502020204030204" pitchFamily="34" charset="0"/>
-              </a:rPr>
-              <a:t>plit long audio files with long silence periods</a:t>
-            </a:r>
-          </a:p>
-          <a:p>
-            <a:pPr>
-              <a:lnSpc>
-                <a:spcPct val="100000"/>
-              </a:lnSpc>
-              <a:spcBef>
-                <a:spcPts val="1200"/>
-              </a:spcBef>
-              <a:spcAft>
-                <a:spcPts val="1200"/>
-              </a:spcAft>
-            </a:pPr>
-            <a:r>
-              <a:rPr lang="en-US" sz="3200" dirty="0">
-                <a:solidFill>
-                  <a:srgbClr val="000000"/>
-                </a:solidFill>
-                <a:ea typeface="Calibri" panose="020F0502020204030204" pitchFamily="34" charset="0"/>
-              </a:rPr>
-              <a:t>U</a:t>
-            </a:r>
-            <a:r>
-              <a:rPr lang="en-US" sz="3200" dirty="0">
-                <a:solidFill>
-                  <a:srgbClr val="000000"/>
-                </a:solidFill>
-                <a:effectLst/>
-                <a:ea typeface="Calibri" panose="020F0502020204030204" pitchFamily="34" charset="0"/>
-              </a:rPr>
-              <a:t>p sampling the data of the third surgeon (“AM”)</a:t>
-            </a:r>
-          </a:p>
-          <a:p>
-            <a:pPr marL="0" indent="0">
-              <a:lnSpc>
-                <a:spcPct val="100000"/>
-              </a:lnSpc>
-              <a:spcBef>
-                <a:spcPts val="1200"/>
-              </a:spcBef>
-              <a:spcAft>
-                <a:spcPts val="1200"/>
-              </a:spcAft>
-              <a:buNone/>
-            </a:pPr>
-            <a:endParaRPr lang="en-US" sz="3200" dirty="0"/>
-          </a:p>
-          <a:p>
-            <a:pPr>
-              <a:lnSpc>
-                <a:spcPct val="100000"/>
-              </a:lnSpc>
-            </a:pPr>
-            <a:endParaRPr lang="en-US" sz="3200" dirty="0"/>
-          </a:p>
-          <a:p>
-            <a:pPr>
-              <a:lnSpc>
-                <a:spcPct val="100000"/>
-              </a:lnSpc>
-            </a:pPr>
-            <a:endParaRPr lang="en-US" sz="3200" dirty="0"/>
-          </a:p>
-          <a:p>
-            <a:pPr>
-              <a:lnSpc>
-                <a:spcPct val="100000"/>
-              </a:lnSpc>
-            </a:pPr>
-            <a:endParaRPr lang="en-US" sz="3200" dirty="0"/>
+              <a:t>Pickard, T. (2020, December). Comparing word2vec and glove for automatic measurement of MWE compositionality. In Proceedings of the Joint Workshop on Multiword Expressions and Electronic Lexicons </a:t>
+            </a:r>
+          </a:p>
+          <a:p>
+            <a:endParaRPr lang="en-IL" sz="1100" u="none" strike="noStrike" dirty="0">
+              <a:effectLst/>
+              <a:latin typeface="Calibri" panose="020F0502020204030204" pitchFamily="34" charset="0"/>
+              <a:ea typeface="Calibri" panose="020F0502020204030204" pitchFamily="34" charset="0"/>
+            </a:endParaRPr>
           </a:p>
         </p:txBody>
       </p:sp>
     </p:spTree>
     <p:extLst>
       <p:ext uri="{BB962C8B-B14F-4D97-AF65-F5344CB8AC3E}">
-        <p14:creationId xmlns:p14="http://schemas.microsoft.com/office/powerpoint/2010/main" val="3711738761"/>
+        <p14:creationId xmlns:p14="http://schemas.microsoft.com/office/powerpoint/2010/main" val="2979589427"/>
       </p:ext>
     </p:extLst>
   </p:cSld>
@@ -5995,30 +6524,266 @@
             <p:ph type="title"/>
           </p:nvPr>
         </p:nvSpPr>
+        <p:spPr/>
+        <p:txBody>
+          <a:bodyPr/>
+          <a:lstStyle/>
+          <a:p>
+            <a:r>
+              <a:rPr lang="en-US" sz="4400" b="1" dirty="0">
+                <a:solidFill>
+                  <a:prstClr val="black"/>
+                </a:solidFill>
+                <a:cs typeface="Arial" panose="020B0604020202020204" pitchFamily="34" charset="0"/>
+              </a:rPr>
+              <a:t>Method</a:t>
+            </a:r>
+            <a:endParaRPr lang="en-GB" b="1" dirty="0"/>
+          </a:p>
+        </p:txBody>
+      </p:sp>
+      <p:sp>
+        <p:nvSpPr>
+          <p:cNvPr id="4" name="Content Placeholder 2">
+            <a:extLst>
+              <a:ext uri="{FF2B5EF4-FFF2-40B4-BE49-F238E27FC236}">
+                <a16:creationId xmlns:a16="http://schemas.microsoft.com/office/drawing/2014/main" id="{511D9F8B-3BF0-CEF2-E14C-36FAE1E77A6B}"/>
+              </a:ext>
+            </a:extLst>
+          </p:cNvPr>
+          <p:cNvSpPr>
+            <a:spLocks noGrp="1"/>
+          </p:cNvSpPr>
+          <p:nvPr>
+            <p:ph idx="1"/>
+          </p:nvPr>
+        </p:nvSpPr>
         <p:spPr>
           <a:xfrm>
-            <a:off x="3777133" y="2226055"/>
-            <a:ext cx="4637734" cy="2405889"/>
+            <a:off x="838200" y="1825625"/>
+            <a:ext cx="8534400" cy="4351338"/>
           </a:xfrm>
         </p:spPr>
         <p:txBody>
-          <a:bodyPr>
-            <a:normAutofit/>
+          <a:bodyPr vert="horz" lIns="91440" tIns="45720" rIns="91440" bIns="45720" rtlCol="0" anchor="t">
+            <a:noAutofit/>
           </a:bodyPr>
           <a:lstStyle/>
           <a:p>
             <a:r>
-              <a:rPr lang="en-US" sz="6600" b="1" dirty="0"/>
-              <a:t>Questions?</a:t>
-            </a:r>
-            <a:endParaRPr lang="en-GB" sz="6600" b="1" dirty="0"/>
+              <a:rPr lang="en-US" sz="3200" dirty="0"/>
+              <a:t>Modified CNN </a:t>
+            </a:r>
+          </a:p>
+          <a:p>
+            <a:r>
+              <a:rPr lang="en-US" sz="3200" dirty="0"/>
+              <a:t>Meaningful first layer</a:t>
+            </a:r>
+          </a:p>
+          <a:p>
+            <a:r>
+              <a:rPr lang="en-US" sz="3200" dirty="0"/>
+              <a:t>Band pass filter (</a:t>
+            </a:r>
+            <a:r>
+              <a:rPr lang="en-US" sz="3200" dirty="0" err="1"/>
+              <a:t>freq</a:t>
+            </a:r>
+            <a:r>
+              <a:rPr lang="en-US" sz="3200" dirty="0"/>
+              <a:t>)</a:t>
+            </a:r>
+            <a:br>
+              <a:rPr lang="en-US" sz="3200" dirty="0"/>
+            </a:br>
+            <a:r>
+              <a:rPr lang="en-US" sz="3200" dirty="0"/>
+              <a:t> by </a:t>
+            </a:r>
+            <a:r>
+              <a:rPr lang="en-US" sz="3200" dirty="0" err="1"/>
+              <a:t>sinc</a:t>
+            </a:r>
+            <a:r>
+              <a:rPr lang="en-US" sz="3200" dirty="0"/>
+              <a:t> functions (time)</a:t>
+            </a:r>
+          </a:p>
+          <a:p>
+            <a:r>
+              <a:rPr lang="en-US" sz="3200" dirty="0"/>
+              <a:t>Regular CNN Pipeline</a:t>
+            </a:r>
+          </a:p>
+          <a:p>
+            <a:endParaRPr lang="en-US" sz="3200" dirty="0"/>
+          </a:p>
+          <a:p>
+            <a:endParaRPr lang="en-US" sz="3200" dirty="0"/>
+          </a:p>
+        </p:txBody>
+      </p:sp>
+      <p:sp>
+        <p:nvSpPr>
+          <p:cNvPr id="6" name="TextBox 5">
+            <a:extLst>
+              <a:ext uri="{FF2B5EF4-FFF2-40B4-BE49-F238E27FC236}">
+                <a16:creationId xmlns:a16="http://schemas.microsoft.com/office/drawing/2014/main" id="{CA28949E-6483-F0C5-E6CC-17E9301FBE8F}"/>
+              </a:ext>
+            </a:extLst>
+          </p:cNvPr>
+          <p:cNvSpPr txBox="1"/>
+          <p:nvPr/>
+        </p:nvSpPr>
+        <p:spPr>
+          <a:xfrm>
+            <a:off x="-57150" y="6607175"/>
+            <a:ext cx="12211050" cy="276999"/>
+          </a:xfrm>
+          <a:prstGeom prst="rect">
+            <a:avLst/>
+          </a:prstGeom>
+          <a:noFill/>
+        </p:spPr>
+        <p:txBody>
+          <a:bodyPr wrap="square" rtlCol="0">
+            <a:spAutoFit/>
+          </a:bodyPr>
+          <a:lstStyle/>
+          <a:p>
+            <a:r>
+              <a:rPr lang="en-US" sz="1200" u="none" strike="noStrike" dirty="0" err="1">
+                <a:solidFill>
+                  <a:srgbClr val="222222"/>
+                </a:solidFill>
+                <a:effectLst/>
+                <a:highlight>
+                  <a:srgbClr val="FFFFFF"/>
+                </a:highlight>
+                <a:latin typeface="Calibri" panose="020F0502020204030204" pitchFamily="34" charset="0"/>
+                <a:ea typeface="Calibri" panose="020F0502020204030204" pitchFamily="34" charset="0"/>
+                <a:cs typeface="Calibri" panose="020F0502020204030204" pitchFamily="34" charset="0"/>
+              </a:rPr>
+              <a:t>Ravanelli</a:t>
+            </a:r>
+            <a:r>
+              <a:rPr lang="en-US" sz="1200" u="none" strike="noStrike" dirty="0">
+                <a:solidFill>
+                  <a:srgbClr val="222222"/>
+                </a:solidFill>
+                <a:effectLst/>
+                <a:highlight>
+                  <a:srgbClr val="FFFFFF"/>
+                </a:highlight>
+                <a:latin typeface="Calibri" panose="020F0502020204030204" pitchFamily="34" charset="0"/>
+                <a:ea typeface="Calibri" panose="020F0502020204030204" pitchFamily="34" charset="0"/>
+                <a:cs typeface="Calibri" panose="020F0502020204030204" pitchFamily="34" charset="0"/>
+              </a:rPr>
+              <a:t>, M., &amp; </a:t>
+            </a:r>
+            <a:r>
+              <a:rPr lang="en-US" sz="1200" u="none" strike="noStrike" dirty="0" err="1">
+                <a:solidFill>
+                  <a:srgbClr val="222222"/>
+                </a:solidFill>
+                <a:effectLst/>
+                <a:highlight>
+                  <a:srgbClr val="FFFFFF"/>
+                </a:highlight>
+                <a:latin typeface="Calibri" panose="020F0502020204030204" pitchFamily="34" charset="0"/>
+                <a:ea typeface="Calibri" panose="020F0502020204030204" pitchFamily="34" charset="0"/>
+                <a:cs typeface="Calibri" panose="020F0502020204030204" pitchFamily="34" charset="0"/>
+              </a:rPr>
+              <a:t>Bengio</a:t>
+            </a:r>
+            <a:r>
+              <a:rPr lang="en-US" sz="1200" u="none" strike="noStrike" dirty="0">
+                <a:solidFill>
+                  <a:srgbClr val="222222"/>
+                </a:solidFill>
+                <a:effectLst/>
+                <a:highlight>
+                  <a:srgbClr val="FFFFFF"/>
+                </a:highlight>
+                <a:latin typeface="Calibri" panose="020F0502020204030204" pitchFamily="34" charset="0"/>
+                <a:ea typeface="Calibri" panose="020F0502020204030204" pitchFamily="34" charset="0"/>
+                <a:cs typeface="Calibri" panose="020F0502020204030204" pitchFamily="34" charset="0"/>
+              </a:rPr>
+              <a:t>, Y. (2018, December). Speaker recognition from raw waveform with </a:t>
+            </a:r>
+            <a:r>
+              <a:rPr lang="en-US" sz="1200" u="none" strike="noStrike" dirty="0" err="1">
+                <a:solidFill>
+                  <a:srgbClr val="222222"/>
+                </a:solidFill>
+                <a:effectLst/>
+                <a:highlight>
+                  <a:srgbClr val="FFFFFF"/>
+                </a:highlight>
+                <a:latin typeface="Calibri" panose="020F0502020204030204" pitchFamily="34" charset="0"/>
+                <a:ea typeface="Calibri" panose="020F0502020204030204" pitchFamily="34" charset="0"/>
+                <a:cs typeface="Calibri" panose="020F0502020204030204" pitchFamily="34" charset="0"/>
+              </a:rPr>
+              <a:t>sincnet</a:t>
+            </a:r>
+            <a:r>
+              <a:rPr lang="en-US" sz="1200" u="none" strike="noStrike" dirty="0">
+                <a:solidFill>
+                  <a:srgbClr val="222222"/>
+                </a:solidFill>
+                <a:effectLst/>
+                <a:highlight>
+                  <a:srgbClr val="FFFFFF"/>
+                </a:highlight>
+                <a:latin typeface="Calibri" panose="020F0502020204030204" pitchFamily="34" charset="0"/>
+                <a:ea typeface="Calibri" panose="020F0502020204030204" pitchFamily="34" charset="0"/>
+                <a:cs typeface="Calibri" panose="020F0502020204030204" pitchFamily="34" charset="0"/>
+              </a:rPr>
+              <a:t>. </a:t>
+            </a:r>
+            <a:r>
+              <a:rPr lang="he-IL" sz="1200" u="none" strike="noStrike" dirty="0">
+                <a:solidFill>
+                  <a:srgbClr val="222222"/>
+                </a:solidFill>
+                <a:effectLst/>
+                <a:highlight>
+                  <a:srgbClr val="FFFFFF"/>
+                </a:highlight>
+                <a:latin typeface="Calibri" panose="020F0502020204030204" pitchFamily="34" charset="0"/>
+                <a:ea typeface="Calibri" panose="020F0502020204030204" pitchFamily="34" charset="0"/>
+                <a:cs typeface="Calibri" panose="020F0502020204030204" pitchFamily="34" charset="0"/>
+              </a:rPr>
+              <a:t>In </a:t>
+            </a:r>
+            <a:r>
+              <a:rPr lang="he-IL" sz="1200" i="1" u="none" strike="noStrike" dirty="0">
+                <a:solidFill>
+                  <a:srgbClr val="222222"/>
+                </a:solidFill>
+                <a:effectLst/>
+                <a:highlight>
+                  <a:srgbClr val="FFFFFF"/>
+                </a:highlight>
+                <a:latin typeface="Calibri" panose="020F0502020204030204" pitchFamily="34" charset="0"/>
+                <a:ea typeface="Calibri" panose="020F0502020204030204" pitchFamily="34" charset="0"/>
+                <a:cs typeface="Calibri" panose="020F0502020204030204" pitchFamily="34" charset="0"/>
+              </a:rPr>
+              <a:t>2018 IEEE Spoken Language Technology Workshop (SLT)</a:t>
+            </a:r>
+            <a:endParaRPr lang="en-IL" sz="1200" u="none" strike="noStrike" dirty="0">
+              <a:effectLst/>
+              <a:latin typeface="Calibri" panose="020F0502020204030204" pitchFamily="34" charset="0"/>
+              <a:ea typeface="Calibri" panose="020F0502020204030204" pitchFamily="34" charset="0"/>
+            </a:endParaRPr>
           </a:p>
         </p:txBody>
       </p:sp>
     </p:spTree>
     <p:extLst>
       <p:ext uri="{BB962C8B-B14F-4D97-AF65-F5344CB8AC3E}">
-        <p14:creationId xmlns:p14="http://schemas.microsoft.com/office/powerpoint/2010/main" val="1778032345"/>
+        <p14:creationId xmlns:p14="http://schemas.microsoft.com/office/powerpoint/2010/main" val="243016868"/>
       </p:ext>
     </p:extLst>
   </p:cSld>
@@ -6321,4 +7086,272 @@
     </a:ext>
   </a:extLst>
 </a:theme>
+</file>
+
+<file path=customXml/item1.xml><?xml version="1.0" encoding="utf-8"?>
+<ct:contentTypeSchema xmlns:ct="http://schemas.microsoft.com/office/2006/metadata/contentType" xmlns:ma="http://schemas.microsoft.com/office/2006/metadata/properties/metaAttributes" ct:_="" ma:_="" ma:contentTypeName="Document" ma:contentTypeID="0x01010074138EDDC87026499C0508CF3F01DE5B" ma:contentTypeVersion="11" ma:contentTypeDescription="Create a new document." ma:contentTypeScope="" ma:versionID="f9ed57a46e7e9f360655942ff1da1b93">
+  <xsd:schema xmlns:xsd="http://www.w3.org/2001/XMLSchema" xmlns:xs="http://www.w3.org/2001/XMLSchema" xmlns:p="http://schemas.microsoft.com/office/2006/metadata/properties" xmlns:ns3="a7bf42cb-5e57-474b-bf80-7dc3a02029c8" xmlns:ns4="cc066106-5c9a-40d1-89fd-ed422cd1a907" targetNamespace="http://schemas.microsoft.com/office/2006/metadata/properties" ma:root="true" ma:fieldsID="2861f2ff153f8b799a4d00e904c70b5b" ns3:_="" ns4:_="">
+    <xsd:import namespace="a7bf42cb-5e57-474b-bf80-7dc3a02029c8"/>
+    <xsd:import namespace="cc066106-5c9a-40d1-89fd-ed422cd1a907"/>
+    <xsd:element name="properties">
+      <xsd:complexType>
+        <xsd:sequence>
+          <xsd:element name="documentManagement">
+            <xsd:complexType>
+              <xsd:all>
+                <xsd:element ref="ns3:MediaServiceMetadata" minOccurs="0"/>
+                <xsd:element ref="ns3:MediaServiceFastMetadata" minOccurs="0"/>
+                <xsd:element ref="ns3:MediaServiceAutoKeyPoints" minOccurs="0"/>
+                <xsd:element ref="ns3:MediaServiceKeyPoints" minOccurs="0"/>
+                <xsd:element ref="ns4:SharedWithUsers" minOccurs="0"/>
+                <xsd:element ref="ns4:SharedWithDetails" minOccurs="0"/>
+                <xsd:element ref="ns4:SharingHintHash" minOccurs="0"/>
+                <xsd:element ref="ns3:MediaServiceAutoTags" minOccurs="0"/>
+                <xsd:element ref="ns3:MediaServiceGenerationTime" minOccurs="0"/>
+                <xsd:element ref="ns3:MediaServiceEventHashCode" minOccurs="0"/>
+                <xsd:element ref="ns3:MediaServiceDateTaken" minOccurs="0"/>
+              </xsd:all>
+            </xsd:complexType>
+          </xsd:element>
+        </xsd:sequence>
+      </xsd:complexType>
+    </xsd:element>
+  </xsd:schema>
+  <xsd:schema xmlns:xsd="http://www.w3.org/2001/XMLSchema" xmlns:xs="http://www.w3.org/2001/XMLSchema" xmlns:dms="http://schemas.microsoft.com/office/2006/documentManagement/types" xmlns:pc="http://schemas.microsoft.com/office/infopath/2007/PartnerControls" targetNamespace="a7bf42cb-5e57-474b-bf80-7dc3a02029c8" elementFormDefault="qualified">
+    <xsd:import namespace="http://schemas.microsoft.com/office/2006/documentManagement/types"/>
+    <xsd:import namespace="http://schemas.microsoft.com/office/infopath/2007/PartnerControls"/>
+    <xsd:element name="MediaServiceMetadata" ma:index="8" nillable="true" ma:displayName="MediaServiceMetadata" ma:hidden="true" ma:internalName="MediaServiceMetadata" ma:readOnly="true">
+      <xsd:simpleType>
+        <xsd:restriction base="dms:Note"/>
+      </xsd:simpleType>
+    </xsd:element>
+    <xsd:element name="MediaServiceFastMetadata" ma:index="9" nillable="true" ma:displayName="MediaServiceFastMetadata" ma:hidden="true" ma:internalName="MediaServiceFastMetadata" ma:readOnly="true">
+      <xsd:simpleType>
+        <xsd:restriction base="dms:Note"/>
+      </xsd:simpleType>
+    </xsd:element>
+    <xsd:element name="MediaServiceAutoKeyPoints" ma:index="10" nillable="true" ma:displayName="MediaServiceAutoKeyPoints" ma:hidden="true" ma:internalName="MediaServiceAutoKeyPoints" ma:readOnly="true">
+      <xsd:simpleType>
+        <xsd:restriction base="dms:Note"/>
+      </xsd:simpleType>
+    </xsd:element>
+    <xsd:element name="MediaServiceKeyPoints" ma:index="11" nillable="true" ma:displayName="KeyPoints" ma:internalName="MediaServiceKeyPoints" ma:readOnly="true">
+      <xsd:simpleType>
+        <xsd:restriction base="dms:Note">
+          <xsd:maxLength value="255"/>
+        </xsd:restriction>
+      </xsd:simpleType>
+    </xsd:element>
+    <xsd:element name="MediaServiceAutoTags" ma:index="15" nillable="true" ma:displayName="Tags" ma:internalName="MediaServiceAutoTags" ma:readOnly="true">
+      <xsd:simpleType>
+        <xsd:restriction base="dms:Text"/>
+      </xsd:simpleType>
+    </xsd:element>
+    <xsd:element name="MediaServiceGenerationTime" ma:index="16" nillable="true" ma:displayName="MediaServiceGenerationTime" ma:hidden="true" ma:internalName="MediaServiceGenerationTime" ma:readOnly="true">
+      <xsd:simpleType>
+        <xsd:restriction base="dms:Text"/>
+      </xsd:simpleType>
+    </xsd:element>
+    <xsd:element name="MediaServiceEventHashCode" ma:index="17" nillable="true" ma:displayName="MediaServiceEventHashCode" ma:hidden="true" ma:internalName="MediaServiceEventHashCode" ma:readOnly="true">
+      <xsd:simpleType>
+        <xsd:restriction base="dms:Text"/>
+      </xsd:simpleType>
+    </xsd:element>
+    <xsd:element name="MediaServiceDateTaken" ma:index="18" nillable="true" ma:displayName="MediaServiceDateTaken" ma:hidden="true" ma:internalName="MediaServiceDateTaken" ma:readOnly="true">
+      <xsd:simpleType>
+        <xsd:restriction base="dms:Text"/>
+      </xsd:simpleType>
+    </xsd:element>
+  </xsd:schema>
+  <xsd:schema xmlns:xsd="http://www.w3.org/2001/XMLSchema" xmlns:xs="http://www.w3.org/2001/XMLSchema" xmlns:dms="http://schemas.microsoft.com/office/2006/documentManagement/types" xmlns:pc="http://schemas.microsoft.com/office/infopath/2007/PartnerControls" targetNamespace="cc066106-5c9a-40d1-89fd-ed422cd1a907" elementFormDefault="qualified">
+    <xsd:import namespace="http://schemas.microsoft.com/office/2006/documentManagement/types"/>
+    <xsd:import namespace="http://schemas.microsoft.com/office/infopath/2007/PartnerControls"/>
+    <xsd:element name="SharedWithUsers" ma:index="12" nillable="true" ma:displayName="Shared With" ma:internalName="SharedWithUsers" ma:readOnly="true">
+      <xsd:complexType>
+        <xsd:complexContent>
+          <xsd:extension base="dms:UserMulti">
+            <xsd:sequence>
+              <xsd:element name="UserInfo" minOccurs="0" maxOccurs="unbounded">
+                <xsd:complexType>
+                  <xsd:sequence>
+                    <xsd:element name="DisplayName" type="xsd:string" minOccurs="0"/>
+                    <xsd:element name="AccountId" type="dms:UserId" minOccurs="0" nillable="true"/>
+                    <xsd:element name="AccountType" type="xsd:string" minOccurs="0"/>
+                  </xsd:sequence>
+                </xsd:complexType>
+              </xsd:element>
+            </xsd:sequence>
+          </xsd:extension>
+        </xsd:complexContent>
+      </xsd:complexType>
+    </xsd:element>
+    <xsd:element name="SharedWithDetails" ma:index="13" nillable="true" ma:displayName="Shared With Details" ma:internalName="SharedWithDetails" ma:readOnly="true">
+      <xsd:simpleType>
+        <xsd:restriction base="dms:Note">
+          <xsd:maxLength value="255"/>
+        </xsd:restriction>
+      </xsd:simpleType>
+    </xsd:element>
+    <xsd:element name="SharingHintHash" ma:index="14" nillable="true" ma:displayName="Sharing Hint Hash" ma:hidden="true" ma:internalName="SharingHintHash" ma:readOnly="true">
+      <xsd:simpleType>
+        <xsd:restriction base="dms:Text"/>
+      </xsd:simpleType>
+    </xsd:element>
+  </xsd:schema>
+  <xsd:schema xmlns="http://schemas.openxmlformats.org/package/2006/metadata/core-properties" xmlns:xsd="http://www.w3.org/2001/XMLSchema" xmlns:xsi="http://www.w3.org/2001/XMLSchema-instance" xmlns:dc="http://purl.org/dc/elements/1.1/" xmlns:dcterms="http://purl.org/dc/terms/" xmlns:odoc="http://schemas.microsoft.com/internal/obd" targetNamespace="http://schemas.openxmlformats.org/package/2006/metadata/core-properties" elementFormDefault="qualified" attributeFormDefault="unqualified" blockDefault="#all">
+    <xsd:import namespace="http://purl.org/dc/elements/1.1/" schemaLocation="http://dublincore.org/schemas/xmls/qdc/2003/04/02/dc.xsd"/>
+    <xsd:import namespace="http://purl.org/dc/terms/" schemaLocation="http://dublincore.org/schemas/xmls/qdc/2003/04/02/dcterms.xsd"/>
+    <xsd:element name="coreProperties" type="CT_coreProperties"/>
+    <xsd:complexType name="CT_coreProperties">
+      <xsd:all>
+        <xsd:element ref="dc:creator" minOccurs="0" maxOccurs="1"/>
+        <xsd:element ref="dcterms:created" minOccurs="0" maxOccurs="1"/>
+        <xsd:element ref="dc:identifier" minOccurs="0" maxOccurs="1"/>
+        <xsd:element name="contentType" minOccurs="0" maxOccurs="1" type="xsd:string" ma:index="0" ma:displayName="Content Type"/>
+        <xsd:element ref="dc:title" minOccurs="0" maxOccurs="1" ma:index="4" ma:displayName="Title"/>
+        <xsd:element ref="dc:subject" minOccurs="0" maxOccurs="1"/>
+        <xsd:element ref="dc:description" minOccurs="0" maxOccurs="1"/>
+        <xsd:element name="keywords" minOccurs="0" maxOccurs="1" type="xsd:string"/>
+        <xsd:element ref="dc:language" minOccurs="0" maxOccurs="1"/>
+        <xsd:element name="category" minOccurs="0" maxOccurs="1" type="xsd:string"/>
+        <xsd:element name="version" minOccurs="0" maxOccurs="1" type="xsd:string"/>
+        <xsd:element name="revision" minOccurs="0" maxOccurs="1" type="xsd:string">
+          <xsd:annotation>
+            <xsd:documentation>
+                        This value indicates the number of saves or revisions. The application is responsible for updating this value after each revision.
+                    </xsd:documentation>
+          </xsd:annotation>
+        </xsd:element>
+        <xsd:element name="lastModifiedBy" minOccurs="0" maxOccurs="1" type="xsd:string"/>
+        <xsd:element ref="dcterms:modified" minOccurs="0" maxOccurs="1"/>
+        <xsd:element name="contentStatus" minOccurs="0" maxOccurs="1" type="xsd:string"/>
+      </xsd:all>
+    </xsd:complexType>
+  </xsd:schema>
+  <xs:schema xmlns:pc="http://schemas.microsoft.com/office/infopath/2007/PartnerControls" xmlns:xs="http://www.w3.org/2001/XMLSchema" targetNamespace="http://schemas.microsoft.com/office/infopath/2007/PartnerControls" elementFormDefault="qualified" attributeFormDefault="unqualified">
+    <xs:element name="Person">
+      <xs:complexType>
+        <xs:sequence>
+          <xs:element ref="pc:DisplayName" minOccurs="0"/>
+          <xs:element ref="pc:AccountId" minOccurs="0"/>
+          <xs:element ref="pc:AccountType" minOccurs="0"/>
+        </xs:sequence>
+      </xs:complexType>
+    </xs:element>
+    <xs:element name="DisplayName" type="xs:string"/>
+    <xs:element name="AccountId" type="xs:string"/>
+    <xs:element name="AccountType" type="xs:string"/>
+    <xs:element name="BDCAssociatedEntity">
+      <xs:complexType>
+        <xs:sequence>
+          <xs:element ref="pc:BDCEntity" minOccurs="0" maxOccurs="unbounded"/>
+        </xs:sequence>
+        <xs:attribute ref="pc:EntityNamespace"/>
+        <xs:attribute ref="pc:EntityName"/>
+        <xs:attribute ref="pc:SystemInstanceName"/>
+        <xs:attribute ref="pc:AssociationName"/>
+      </xs:complexType>
+    </xs:element>
+    <xs:attribute name="EntityNamespace" type="xs:string"/>
+    <xs:attribute name="EntityName" type="xs:string"/>
+    <xs:attribute name="SystemInstanceName" type="xs:string"/>
+    <xs:attribute name="AssociationName" type="xs:string"/>
+    <xs:element name="BDCEntity">
+      <xs:complexType>
+        <xs:sequence>
+          <xs:element ref="pc:EntityDisplayName" minOccurs="0"/>
+          <xs:element ref="pc:EntityInstanceReference" minOccurs="0"/>
+          <xs:element ref="pc:EntityId1" minOccurs="0"/>
+          <xs:element ref="pc:EntityId2" minOccurs="0"/>
+          <xs:element ref="pc:EntityId3" minOccurs="0"/>
+          <xs:element ref="pc:EntityId4" minOccurs="0"/>
+          <xs:element ref="pc:EntityId5" minOccurs="0"/>
+        </xs:sequence>
+      </xs:complexType>
+    </xs:element>
+    <xs:element name="EntityDisplayName" type="xs:string"/>
+    <xs:element name="EntityInstanceReference" type="xs:string"/>
+    <xs:element name="EntityId1" type="xs:string"/>
+    <xs:element name="EntityId2" type="xs:string"/>
+    <xs:element name="EntityId3" type="xs:string"/>
+    <xs:element name="EntityId4" type="xs:string"/>
+    <xs:element name="EntityId5" type="xs:string"/>
+    <xs:element name="Terms">
+      <xs:complexType>
+        <xs:sequence>
+          <xs:element ref="pc:TermInfo" minOccurs="0" maxOccurs="unbounded"/>
+        </xs:sequence>
+      </xs:complexType>
+    </xs:element>
+    <xs:element name="TermInfo">
+      <xs:complexType>
+        <xs:sequence>
+          <xs:element ref="pc:TermName" minOccurs="0"/>
+          <xs:element ref="pc:TermId" minOccurs="0"/>
+        </xs:sequence>
+      </xs:complexType>
+    </xs:element>
+    <xs:element name="TermName" type="xs:string"/>
+    <xs:element name="TermId" type="xs:string"/>
+  </xs:schema>
+</ct:contentTypeSchema>
+</file>
+
+<file path=customXml/item2.xml><?xml version="1.0" encoding="utf-8"?>
+<?mso-contentType ?>
+<FormTemplates xmlns="http://schemas.microsoft.com/sharepoint/v3/contenttype/forms">
+  <Display>DocumentLibraryForm</Display>
+  <Edit>DocumentLibraryForm</Edit>
+  <New>DocumentLibraryForm</New>
+</FormTemplates>
+</file>
+
+<file path=customXml/item3.xml><?xml version="1.0" encoding="utf-8"?>
+<p:properties xmlns:p="http://schemas.microsoft.com/office/2006/metadata/properties" xmlns:xsi="http://www.w3.org/2001/XMLSchema-instance" xmlns:pc="http://schemas.microsoft.com/office/infopath/2007/PartnerControls">
+  <documentManagement/>
+</p:properties>
+</file>
+
+<file path=customXml/itemProps1.xml><?xml version="1.0" encoding="utf-8"?>
+<ds:datastoreItem xmlns:ds="http://schemas.openxmlformats.org/officeDocument/2006/customXml" ds:itemID="{0047E0DB-9439-4A76-9A8E-53A56B7C7075}">
+  <ds:schemaRefs>
+    <ds:schemaRef ds:uri="http://schemas.microsoft.com/office/2006/metadata/contentType"/>
+    <ds:schemaRef ds:uri="http://schemas.microsoft.com/office/2006/metadata/properties/metaAttributes"/>
+    <ds:schemaRef ds:uri="http://www.w3.org/2001/XMLSchema"/>
+    <ds:schemaRef ds:uri="http://schemas.microsoft.com/office/2006/metadata/properties"/>
+    <ds:schemaRef ds:uri="a7bf42cb-5e57-474b-bf80-7dc3a02029c8"/>
+    <ds:schemaRef ds:uri="cc066106-5c9a-40d1-89fd-ed422cd1a907"/>
+    <ds:schemaRef ds:uri="http://schemas.microsoft.com/office/2006/documentManagement/types"/>
+    <ds:schemaRef ds:uri="http://schemas.microsoft.com/office/infopath/2007/PartnerControls"/>
+    <ds:schemaRef ds:uri="http://schemas.openxmlformats.org/package/2006/metadata/core-properties"/>
+    <ds:schemaRef ds:uri="http://purl.org/dc/elements/1.1/"/>
+    <ds:schemaRef ds:uri="http://purl.org/dc/terms/"/>
+    <ds:schemaRef ds:uri="http://schemas.microsoft.com/internal/obd"/>
+  </ds:schemaRefs>
+</ds:datastoreItem>
+</file>
+
+<file path=customXml/itemProps2.xml><?xml version="1.0" encoding="utf-8"?>
+<ds:datastoreItem xmlns:ds="http://schemas.openxmlformats.org/officeDocument/2006/customXml" ds:itemID="{391D4464-4553-483F-8EEB-B4673AD40EBA}">
+  <ds:schemaRefs>
+    <ds:schemaRef ds:uri="http://schemas.microsoft.com/sharepoint/v3/contenttype/forms"/>
+  </ds:schemaRefs>
+</ds:datastoreItem>
+</file>
+
+<file path=customXml/itemProps3.xml><?xml version="1.0" encoding="utf-8"?>
+<ds:datastoreItem xmlns:ds="http://schemas.openxmlformats.org/officeDocument/2006/customXml" ds:itemID="{C51A5C83-F58D-453B-ADE1-432966BD3193}">
+  <ds:schemaRefs>
+    <ds:schemaRef ds:uri="http://www.w3.org/XML/1998/namespace"/>
+    <ds:schemaRef ds:uri="http://purl.org/dc/terms/"/>
+    <ds:schemaRef ds:uri="http://purl.org/dc/dcmitype/"/>
+    <ds:schemaRef ds:uri="http://schemas.microsoft.com/office/2006/documentManagement/types"/>
+    <ds:schemaRef ds:uri="http://schemas.microsoft.com/office/2006/metadata/properties"/>
+    <ds:schemaRef ds:uri="http://schemas.openxmlformats.org/package/2006/metadata/core-properties"/>
+    <ds:schemaRef ds:uri="http://schemas.microsoft.com/office/infopath/2007/PartnerControls"/>
+    <ds:schemaRef ds:uri="cc066106-5c9a-40d1-89fd-ed422cd1a907"/>
+    <ds:schemaRef ds:uri="a7bf42cb-5e57-474b-bf80-7dc3a02029c8"/>
+    <ds:schemaRef ds:uri="http://purl.org/dc/elements/1.1/"/>
+  </ds:schemaRefs>
+</ds:datastoreItem>
 </file>
--- a/mid_term.pptx
+++ b/mid_term.pptx
@@ -13,9 +13,8 @@
     <p:sldId id="264" r:id="rId10"/>
     <p:sldId id="268" r:id="rId11"/>
     <p:sldId id="278" r:id="rId12"/>
-    <p:sldId id="277" r:id="rId13"/>
-    <p:sldId id="263" r:id="rId14"/>
-    <p:sldId id="276" r:id="rId15"/>
+    <p:sldId id="263" r:id="rId13"/>
+    <p:sldId id="276" r:id="rId14"/>
   </p:sldIdLst>
   <p:sldSz cx="12192000" cy="6858000"/>
   <p:notesSz cx="6858000" cy="9144000"/>
@@ -136,7 +135,8 @@
 <file path=ppt/revisionInfo.xml><?xml version="1.0" encoding="utf-8"?>
 <p1510:revInfo xmlns:a="http://schemas.openxmlformats.org/drawingml/2006/main" xmlns:r="http://schemas.openxmlformats.org/officeDocument/2006/relationships" xmlns:p1510="http://schemas.microsoft.com/office/powerpoint/2015/10/main">
   <p1510:revLst>
-    <p1510:client id="{987C1B17-4E27-4FB2-A41E-ED89AD65A6CC}" v="32" dt="2022-08-21T18:51:30.226"/>
+    <p1510:client id="{14198D2D-E7E3-493A-A79F-1AFBBD9FA961}" v="74" dt="2022-08-21T20:02:16.506"/>
+    <p1510:client id="{987C1B17-4E27-4FB2-A41E-ED89AD65A6CC}" v="471" dt="2022-08-21T20:05:29.839"/>
   </p1510:revLst>
 </p1510:revInfo>
 </file>
@@ -3362,6 +3362,14 @@
 <file path=ppt/slides/slide1.xml><?xml version="1.0" encoding="utf-8"?>
 <p:sld xmlns:a="http://schemas.openxmlformats.org/drawingml/2006/main" xmlns:r="http://schemas.openxmlformats.org/officeDocument/2006/relationships" xmlns:p="http://schemas.openxmlformats.org/presentationml/2006/main">
   <p:cSld>
+    <p:bg>
+      <p:bgPr>
+        <a:solidFill>
+          <a:schemeClr val="bg1"/>
+        </a:solidFill>
+        <a:effectLst/>
+      </p:bgPr>
+    </p:bg>
     <p:spTree>
       <p:nvGrpSpPr>
         <p:cNvPr id="1" name=""/>
@@ -3378,10 +3386,10 @@
       </p:grpSpPr>
       <p:sp useBgFill="1">
         <p:nvSpPr>
-          <p:cNvPr id="18" name="Rectangle 9">
-            <a:extLst>
-              <a:ext uri="{FF2B5EF4-FFF2-40B4-BE49-F238E27FC236}">
-                <a16:creationId xmlns:a16="http://schemas.microsoft.com/office/drawing/2014/main" id="{0671A8AE-40A1-4631-A6B8-581AFF065482}"/>
+          <p:cNvPr id="92" name="Rectangle 91">
+            <a:extLst>
+              <a:ext uri="{FF2B5EF4-FFF2-40B4-BE49-F238E27FC236}">
+                <a16:creationId xmlns:a16="http://schemas.microsoft.com/office/drawing/2014/main" id="{FFD48BC7-DC40-47DE-87EE-9F4B6ECB9ABB}"/>
               </a:ext>
               <a:ext uri="{C183D7F6-B498-43B3-948B-1728B52AA6E4}">
                 <adec:decorative xmlns:adec="http://schemas.microsoft.com/office/drawing/2017/decorative" val="1"/>
@@ -3436,12 +3444,12 @@
           </a:p>
         </p:txBody>
       </p:sp>
-      <p:sp>
-        <p:nvSpPr>
-          <p:cNvPr id="19" name="Rectangle 11">
-            <a:extLst>
-              <a:ext uri="{FF2B5EF4-FFF2-40B4-BE49-F238E27FC236}">
-                <a16:creationId xmlns:a16="http://schemas.microsoft.com/office/drawing/2014/main" id="{AB58EF07-17C2-48CF-ABB0-EEF1F17CB8F0}"/>
+      <p:sp useBgFill="1">
+        <p:nvSpPr>
+          <p:cNvPr id="94" name="Freeform: Shape 93">
+            <a:extLst>
+              <a:ext uri="{FF2B5EF4-FFF2-40B4-BE49-F238E27FC236}">
+                <a16:creationId xmlns:a16="http://schemas.microsoft.com/office/drawing/2014/main" id="{E502BBC7-2C76-46F3-BC24-5985BC13DB88}"/>
               </a:ext>
               <a:ext uri="{C183D7F6-B498-43B3-948B-1728B52AA6E4}">
                 <adec:decorative xmlns:adec="http://schemas.microsoft.com/office/drawing/2017/decorative" val="1"/>
@@ -3461,36 +3469,124 @@
         </p:nvSpPr>
         <p:spPr>
           <a:xfrm>
-            <a:off x="3" y="0"/>
-            <a:ext cx="9339206" cy="6858000"/>
+            <a:off x="1114425" y="0"/>
+            <a:ext cx="9963150" cy="6858000"/>
           </a:xfrm>
-          <a:prstGeom prst="rect">
+          <a:custGeom>
             <a:avLst/>
-          </a:prstGeom>
-          <a:gradFill>
-            <a:gsLst>
-              <a:gs pos="58000">
-                <a:schemeClr val="bg1"/>
-              </a:gs>
-              <a:gs pos="33000">
-                <a:schemeClr val="bg1">
-                  <a:alpha val="64000"/>
-                </a:schemeClr>
-              </a:gs>
-              <a:gs pos="0">
-                <a:schemeClr val="bg1">
-                  <a:alpha val="0"/>
-                </a:schemeClr>
-              </a:gs>
-              <a:gs pos="100000">
-                <a:schemeClr val="bg1"/>
-              </a:gs>
-            </a:gsLst>
-            <a:lin ang="10800000" scaled="0"/>
-          </a:gradFill>
-          <a:ln>
-            <a:noFill/>
+            <a:gdLst>
+              <a:gd name="connsiteX0" fmla="*/ 1595771 w 9963150"/>
+              <a:gd name="connsiteY0" fmla="*/ 0 h 6858000"/>
+              <a:gd name="connsiteX1" fmla="*/ 8367379 w 9963150"/>
+              <a:gd name="connsiteY1" fmla="*/ 0 h 6858000"/>
+              <a:gd name="connsiteX2" fmla="*/ 8504080 w 9963150"/>
+              <a:gd name="connsiteY2" fmla="*/ 130333 h 6858000"/>
+              <a:gd name="connsiteX3" fmla="*/ 9963150 w 9963150"/>
+              <a:gd name="connsiteY3" fmla="*/ 3652838 h 6858000"/>
+              <a:gd name="connsiteX4" fmla="*/ 8825600 w 9963150"/>
+              <a:gd name="connsiteY4" fmla="*/ 6821583 h 6858000"/>
+              <a:gd name="connsiteX5" fmla="*/ 8794055 w 9963150"/>
+              <a:gd name="connsiteY5" fmla="*/ 6858000 h 6858000"/>
+              <a:gd name="connsiteX6" fmla="*/ 1169096 w 9963150"/>
+              <a:gd name="connsiteY6" fmla="*/ 6858000 h 6858000"/>
+              <a:gd name="connsiteX7" fmla="*/ 1137550 w 9963150"/>
+              <a:gd name="connsiteY7" fmla="*/ 6821583 h 6858000"/>
+              <a:gd name="connsiteX8" fmla="*/ 0 w 9963150"/>
+              <a:gd name="connsiteY8" fmla="*/ 3652838 h 6858000"/>
+              <a:gd name="connsiteX9" fmla="*/ 1459070 w 9963150"/>
+              <a:gd name="connsiteY9" fmla="*/ 130333 h 6858000"/>
+            </a:gdLst>
+            <a:ahLst/>
+            <a:cxnLst>
+              <a:cxn ang="0">
+                <a:pos x="connsiteX0" y="connsiteY0"/>
+              </a:cxn>
+              <a:cxn ang="0">
+                <a:pos x="connsiteX1" y="connsiteY1"/>
+              </a:cxn>
+              <a:cxn ang="0">
+                <a:pos x="connsiteX2" y="connsiteY2"/>
+              </a:cxn>
+              <a:cxn ang="0">
+                <a:pos x="connsiteX3" y="connsiteY3"/>
+              </a:cxn>
+              <a:cxn ang="0">
+                <a:pos x="connsiteX4" y="connsiteY4"/>
+              </a:cxn>
+              <a:cxn ang="0">
+                <a:pos x="connsiteX5" y="connsiteY5"/>
+              </a:cxn>
+              <a:cxn ang="0">
+                <a:pos x="connsiteX6" y="connsiteY6"/>
+              </a:cxn>
+              <a:cxn ang="0">
+                <a:pos x="connsiteX7" y="connsiteY7"/>
+              </a:cxn>
+              <a:cxn ang="0">
+                <a:pos x="connsiteX8" y="connsiteY8"/>
+              </a:cxn>
+              <a:cxn ang="0">
+                <a:pos x="connsiteX9" y="connsiteY9"/>
+              </a:cxn>
+            </a:cxnLst>
+            <a:rect l="l" t="t" r="r" b="b"/>
+            <a:pathLst>
+              <a:path w="9963150" h="6858000">
+                <a:moveTo>
+                  <a:pt x="1595771" y="0"/>
+                </a:moveTo>
+                <a:lnTo>
+                  <a:pt x="8367379" y="0"/>
+                </a:lnTo>
+                <a:lnTo>
+                  <a:pt x="8504080" y="130333"/>
+                </a:lnTo>
+                <a:cubicBezTo>
+                  <a:pt x="9405568" y="1031820"/>
+                  <a:pt x="9963150" y="2277214"/>
+                  <a:pt x="9963150" y="3652838"/>
+                </a:cubicBezTo>
+                <a:cubicBezTo>
+                  <a:pt x="9963150" y="4856509"/>
+                  <a:pt x="9536251" y="5960473"/>
+                  <a:pt x="8825600" y="6821583"/>
+                </a:cubicBezTo>
+                <a:lnTo>
+                  <a:pt x="8794055" y="6858000"/>
+                </a:lnTo>
+                <a:lnTo>
+                  <a:pt x="1169096" y="6858000"/>
+                </a:lnTo>
+                <a:lnTo>
+                  <a:pt x="1137550" y="6821583"/>
+                </a:lnTo>
+                <a:cubicBezTo>
+                  <a:pt x="426899" y="5960473"/>
+                  <a:pt x="0" y="4856509"/>
+                  <a:pt x="0" y="3652838"/>
+                </a:cubicBezTo>
+                <a:cubicBezTo>
+                  <a:pt x="0" y="2277214"/>
+                  <a:pt x="557582" y="1031820"/>
+                  <a:pt x="1459070" y="130333"/>
+                </a:cubicBezTo>
+                <a:close/>
+              </a:path>
+            </a:pathLst>
+          </a:custGeom>
+          <a:ln w="9525">
+            <a:solidFill>
+              <a:srgbClr val="EFEFEF"/>
+            </a:solidFill>
           </a:ln>
+          <a:effectLst>
+            <a:outerShdw blurRad="139700" sx="102000" sy="102000" algn="ctr" rotWithShape="0">
+              <a:schemeClr val="bg1">
+                <a:lumMod val="85000"/>
+                <a:alpha val="38000"/>
+              </a:schemeClr>
+            </a:outerShdw>
+          </a:effectLst>
         </p:spPr>
         <p:style>
           <a:lnRef idx="2">
@@ -3509,240 +3605,9 @@
           </a:fontRef>
         </p:style>
         <p:txBody>
-          <a:bodyPr rtlCol="0" anchor="ctr"/>
-          <a:lstStyle/>
-          <a:p>
-            <a:pPr algn="ctr"/>
-            <a:endParaRPr lang="en-US" dirty="0"/>
-          </a:p>
-        </p:txBody>
-      </p:sp>
-      <p:sp>
-        <p:nvSpPr>
-          <p:cNvPr id="2" name="Title 1">
-            <a:extLst>
-              <a:ext uri="{FF2B5EF4-FFF2-40B4-BE49-F238E27FC236}">
-                <a16:creationId xmlns:a16="http://schemas.microsoft.com/office/drawing/2014/main" id="{FEC51F33-D07B-4111-3234-5AA3078AD6ED}"/>
-              </a:ext>
-            </a:extLst>
-          </p:cNvPr>
-          <p:cNvSpPr>
-            <a:spLocks noGrp="1"/>
-          </p:cNvSpPr>
-          <p:nvPr>
-            <p:ph type="ctrTitle"/>
-          </p:nvPr>
-        </p:nvSpPr>
-        <p:spPr>
-          <a:xfrm>
-            <a:off x="477981" y="913023"/>
-            <a:ext cx="4023360" cy="3413474"/>
-          </a:xfrm>
-        </p:spPr>
-        <p:txBody>
-          <a:bodyPr anchor="b">
+          <a:bodyPr wrap="square" rtlCol="0" anchor="ctr">
             <a:noAutofit/>
           </a:bodyPr>
-          <a:lstStyle/>
-          <a:p>
-            <a:pPr algn="l"/>
-            <a:r>
-              <a:rPr lang="en-US" sz="4400" dirty="0"/>
-              <a:t>Words Embedding  Word2Vec </a:t>
-            </a:r>
-            <a:br>
-              <a:rPr lang="en-US" sz="4400" dirty="0"/>
-            </a:br>
-            <a:r>
-              <a:rPr lang="en-US" sz="4400" dirty="0"/>
-              <a:t>vs </a:t>
-            </a:r>
-            <a:br>
-              <a:rPr lang="en-US" sz="4400" dirty="0"/>
-            </a:br>
-            <a:r>
-              <a:rPr lang="en-US" sz="4400" dirty="0"/>
-              <a:t>Glove</a:t>
-            </a:r>
-            <a:endParaRPr lang="en-GB" sz="4400" dirty="0"/>
-          </a:p>
-        </p:txBody>
-      </p:sp>
-      <p:sp>
-        <p:nvSpPr>
-          <p:cNvPr id="3" name="Subtitle 2">
-            <a:extLst>
-              <a:ext uri="{FF2B5EF4-FFF2-40B4-BE49-F238E27FC236}">
-                <a16:creationId xmlns:a16="http://schemas.microsoft.com/office/drawing/2014/main" id="{7F0E1FFD-C448-51D1-FFB6-DB0EF415952A}"/>
-              </a:ext>
-            </a:extLst>
-          </p:cNvPr>
-          <p:cNvSpPr>
-            <a:spLocks noGrp="1"/>
-          </p:cNvSpPr>
-          <p:nvPr>
-            <p:ph type="subTitle" idx="1"/>
-          </p:nvPr>
-        </p:nvSpPr>
-        <p:spPr>
-          <a:xfrm>
-            <a:off x="477980" y="4872922"/>
-            <a:ext cx="2706091" cy="1700852"/>
-          </a:xfrm>
-        </p:spPr>
-        <p:txBody>
-          <a:bodyPr>
-            <a:normAutofit fontScale="62500" lnSpcReduction="20000"/>
-          </a:bodyPr>
-          <a:lstStyle/>
-          <a:p>
-            <a:pPr algn="l"/>
-            <a:r>
-              <a:rPr lang="en-GB" sz="5500" dirty="0"/>
-              <a:t>Chen Sheiner,</a:t>
-            </a:r>
-          </a:p>
-          <a:p>
-            <a:pPr algn="l"/>
-            <a:r>
-              <a:rPr lang="en-GB" sz="5500" dirty="0"/>
-              <a:t>Shay Shemesh</a:t>
-            </a:r>
-          </a:p>
-          <a:p>
-            <a:pPr algn="l"/>
-            <a:r>
-              <a:rPr lang="en-GB" sz="7700" dirty="0"/>
-              <a:t>Aug 2022</a:t>
-            </a:r>
-          </a:p>
-        </p:txBody>
-      </p:sp>
-      <p:sp>
-        <p:nvSpPr>
-          <p:cNvPr id="14" name="Rectangle 13">
-            <a:extLst>
-              <a:ext uri="{FF2B5EF4-FFF2-40B4-BE49-F238E27FC236}">
-                <a16:creationId xmlns:a16="http://schemas.microsoft.com/office/drawing/2014/main" id="{AF2F604E-43BE-4DC3-B983-E071523364F8}"/>
-              </a:ext>
-              <a:ext uri="{C183D7F6-B498-43B3-948B-1728B52AA6E4}">
-                <adec:decorative xmlns:adec="http://schemas.microsoft.com/office/drawing/2017/decorative" val="1"/>
-              </a:ext>
-            </a:extLst>
-          </p:cNvPr>
-          <p:cNvSpPr>
-            <a:spLocks noGrp="1" noRot="1" noChangeAspect="1" noMove="1" noResize="1" noEditPoints="1" noAdjustHandles="1" noChangeArrowheads="1" noChangeShapeType="1" noTextEdit="1"/>
-          </p:cNvSpPr>
-          <p:nvPr>
-            <p:extLst>
-              <p:ext uri="{386F3935-93C4-4BCD-93E2-E3B085C9AB24}">
-                <p16:designElem xmlns:p16="http://schemas.microsoft.com/office/powerpoint/2015/main" val="1"/>
-              </p:ext>
-            </p:extLst>
-          </p:nvPr>
-        </p:nvSpPr>
-        <p:spPr>
-          <a:xfrm rot="5400000">
-            <a:off x="759921" y="346791"/>
-            <a:ext cx="146304" cy="704088"/>
-          </a:xfrm>
-          <a:prstGeom prst="rect">
-            <a:avLst/>
-          </a:prstGeom>
-          <a:solidFill>
-            <a:schemeClr val="accent2"/>
-          </a:solidFill>
-          <a:ln>
-            <a:noFill/>
-          </a:ln>
-        </p:spPr>
-        <p:style>
-          <a:lnRef idx="2">
-            <a:schemeClr val="accent1">
-              <a:shade val="50000"/>
-            </a:schemeClr>
-          </a:lnRef>
-          <a:fillRef idx="1">
-            <a:schemeClr val="accent1"/>
-          </a:fillRef>
-          <a:effectRef idx="0">
-            <a:schemeClr val="accent1"/>
-          </a:effectRef>
-          <a:fontRef idx="minor">
-            <a:schemeClr val="lt1"/>
-          </a:fontRef>
-        </p:style>
-        <p:txBody>
-          <a:bodyPr rtlCol="0" anchor="ctr"/>
-          <a:lstStyle/>
-          <a:p>
-            <a:pPr algn="ctr"/>
-            <a:endParaRPr lang="en-US">
-              <a:solidFill>
-                <a:prstClr val="white"/>
-              </a:solidFill>
-              <a:latin typeface="Calibri" panose="020F0502020204030204"/>
-            </a:endParaRPr>
-          </a:p>
-        </p:txBody>
-      </p:sp>
-      <p:sp>
-        <p:nvSpPr>
-          <p:cNvPr id="20" name="Rectangle 15">
-            <a:extLst>
-              <a:ext uri="{FF2B5EF4-FFF2-40B4-BE49-F238E27FC236}">
-                <a16:creationId xmlns:a16="http://schemas.microsoft.com/office/drawing/2014/main" id="{08C9B587-E65E-4B52-B37C-ABEBB6E87928}"/>
-              </a:ext>
-              <a:ext uri="{C183D7F6-B498-43B3-948B-1728B52AA6E4}">
-                <adec:decorative xmlns:adec="http://schemas.microsoft.com/office/drawing/2017/decorative" val="1"/>
-              </a:ext>
-            </a:extLst>
-          </p:cNvPr>
-          <p:cNvSpPr>
-            <a:spLocks noGrp="1" noRot="1" noChangeAspect="1" noMove="1" noResize="1" noEditPoints="1" noAdjustHandles="1" noChangeArrowheads="1" noChangeShapeType="1" noTextEdit="1"/>
-          </p:cNvSpPr>
-          <p:nvPr>
-            <p:extLst>
-              <p:ext uri="{386F3935-93C4-4BCD-93E2-E3B085C9AB24}">
-                <p16:designElem xmlns:p16="http://schemas.microsoft.com/office/powerpoint/2015/main" val="1"/>
-              </p:ext>
-            </p:extLst>
-          </p:nvPr>
-        </p:nvSpPr>
-        <p:spPr>
-          <a:xfrm>
-            <a:off x="481029" y="4546920"/>
-            <a:ext cx="3977640" cy="18288"/>
-          </a:xfrm>
-          <a:prstGeom prst="rect">
-            <a:avLst/>
-          </a:prstGeom>
-          <a:solidFill>
-            <a:schemeClr val="tx1"/>
-          </a:solidFill>
-          <a:ln w="3175">
-            <a:noFill/>
-          </a:ln>
-          <a:effectLst/>
-        </p:spPr>
-        <p:style>
-          <a:lnRef idx="2">
-            <a:schemeClr val="accent1">
-              <a:shade val="50000"/>
-            </a:schemeClr>
-          </a:lnRef>
-          <a:fillRef idx="1">
-            <a:schemeClr val="accent1"/>
-          </a:fillRef>
-          <a:effectRef idx="0">
-            <a:schemeClr val="accent1"/>
-          </a:effectRef>
-          <a:fontRef idx="minor">
-            <a:schemeClr val="lt1"/>
-          </a:fontRef>
-        </p:style>
-        <p:txBody>
-          <a:bodyPr rtlCol="0" anchor="ctr"/>
           <a:lstStyle/>
           <a:p>
             <a:pPr marL="0" marR="0" lvl="0" indent="0" algn="ctr" defTabSz="914400" rtl="0" eaLnBrk="1" fontAlgn="auto" latinLnBrk="0" hangingPunct="1">
@@ -3779,6 +3644,373 @@
           </a:p>
         </p:txBody>
       </p:sp>
+      <p:sp useBgFill="1">
+        <p:nvSpPr>
+          <p:cNvPr id="96" name="Freeform: Shape 95">
+            <a:extLst>
+              <a:ext uri="{FF2B5EF4-FFF2-40B4-BE49-F238E27FC236}">
+                <a16:creationId xmlns:a16="http://schemas.microsoft.com/office/drawing/2014/main" id="{C7F28D52-2A5F-4D23-81AE-7CB8B591C7AF}"/>
+              </a:ext>
+              <a:ext uri="{C183D7F6-B498-43B3-948B-1728B52AA6E4}">
+                <adec:decorative xmlns:adec="http://schemas.microsoft.com/office/drawing/2017/decorative" val="1"/>
+              </a:ext>
+            </a:extLst>
+          </p:cNvPr>
+          <p:cNvSpPr>
+            <a:spLocks noGrp="1" noRot="1" noChangeAspect="1" noMove="1" noResize="1" noEditPoints="1" noAdjustHandles="1" noChangeArrowheads="1" noChangeShapeType="1" noTextEdit="1"/>
+          </p:cNvSpPr>
+          <p:nvPr>
+            <p:extLst>
+              <p:ext uri="{386F3935-93C4-4BCD-93E2-E3B085C9AB24}">
+                <p16:designElem xmlns:p16="http://schemas.microsoft.com/office/powerpoint/2015/main" val="1"/>
+              </p:ext>
+            </p:extLst>
+          </p:nvPr>
+        </p:nvSpPr>
+        <p:spPr>
+          <a:xfrm>
+            <a:off x="1121664" y="0"/>
+            <a:ext cx="9948672" cy="6858000"/>
+          </a:xfrm>
+          <a:custGeom>
+            <a:avLst/>
+            <a:gdLst>
+              <a:gd name="connsiteX0" fmla="*/ 1595771 w 9963150"/>
+              <a:gd name="connsiteY0" fmla="*/ 0 h 6858000"/>
+              <a:gd name="connsiteX1" fmla="*/ 8367379 w 9963150"/>
+              <a:gd name="connsiteY1" fmla="*/ 0 h 6858000"/>
+              <a:gd name="connsiteX2" fmla="*/ 8504080 w 9963150"/>
+              <a:gd name="connsiteY2" fmla="*/ 130333 h 6858000"/>
+              <a:gd name="connsiteX3" fmla="*/ 9963150 w 9963150"/>
+              <a:gd name="connsiteY3" fmla="*/ 3652838 h 6858000"/>
+              <a:gd name="connsiteX4" fmla="*/ 8825600 w 9963150"/>
+              <a:gd name="connsiteY4" fmla="*/ 6821583 h 6858000"/>
+              <a:gd name="connsiteX5" fmla="*/ 8794055 w 9963150"/>
+              <a:gd name="connsiteY5" fmla="*/ 6858000 h 6858000"/>
+              <a:gd name="connsiteX6" fmla="*/ 1169096 w 9963150"/>
+              <a:gd name="connsiteY6" fmla="*/ 6858000 h 6858000"/>
+              <a:gd name="connsiteX7" fmla="*/ 1137550 w 9963150"/>
+              <a:gd name="connsiteY7" fmla="*/ 6821583 h 6858000"/>
+              <a:gd name="connsiteX8" fmla="*/ 0 w 9963150"/>
+              <a:gd name="connsiteY8" fmla="*/ 3652838 h 6858000"/>
+              <a:gd name="connsiteX9" fmla="*/ 1459070 w 9963150"/>
+              <a:gd name="connsiteY9" fmla="*/ 130333 h 6858000"/>
+            </a:gdLst>
+            <a:ahLst/>
+            <a:cxnLst>
+              <a:cxn ang="0">
+                <a:pos x="connsiteX0" y="connsiteY0"/>
+              </a:cxn>
+              <a:cxn ang="0">
+                <a:pos x="connsiteX1" y="connsiteY1"/>
+              </a:cxn>
+              <a:cxn ang="0">
+                <a:pos x="connsiteX2" y="connsiteY2"/>
+              </a:cxn>
+              <a:cxn ang="0">
+                <a:pos x="connsiteX3" y="connsiteY3"/>
+              </a:cxn>
+              <a:cxn ang="0">
+                <a:pos x="connsiteX4" y="connsiteY4"/>
+              </a:cxn>
+              <a:cxn ang="0">
+                <a:pos x="connsiteX5" y="connsiteY5"/>
+              </a:cxn>
+              <a:cxn ang="0">
+                <a:pos x="connsiteX6" y="connsiteY6"/>
+              </a:cxn>
+              <a:cxn ang="0">
+                <a:pos x="connsiteX7" y="connsiteY7"/>
+              </a:cxn>
+              <a:cxn ang="0">
+                <a:pos x="connsiteX8" y="connsiteY8"/>
+              </a:cxn>
+              <a:cxn ang="0">
+                <a:pos x="connsiteX9" y="connsiteY9"/>
+              </a:cxn>
+            </a:cxnLst>
+            <a:rect l="l" t="t" r="r" b="b"/>
+            <a:pathLst>
+              <a:path w="9963150" h="6858000">
+                <a:moveTo>
+                  <a:pt x="1595771" y="0"/>
+                </a:moveTo>
+                <a:lnTo>
+                  <a:pt x="8367379" y="0"/>
+                </a:lnTo>
+                <a:lnTo>
+                  <a:pt x="8504080" y="130333"/>
+                </a:lnTo>
+                <a:cubicBezTo>
+                  <a:pt x="9405568" y="1031820"/>
+                  <a:pt x="9963150" y="2277214"/>
+                  <a:pt x="9963150" y="3652838"/>
+                </a:cubicBezTo>
+                <a:cubicBezTo>
+                  <a:pt x="9963150" y="4856509"/>
+                  <a:pt x="9536251" y="5960473"/>
+                  <a:pt x="8825600" y="6821583"/>
+                </a:cubicBezTo>
+                <a:lnTo>
+                  <a:pt x="8794055" y="6858000"/>
+                </a:lnTo>
+                <a:lnTo>
+                  <a:pt x="1169096" y="6858000"/>
+                </a:lnTo>
+                <a:lnTo>
+                  <a:pt x="1137550" y="6821583"/>
+                </a:lnTo>
+                <a:cubicBezTo>
+                  <a:pt x="426899" y="5960473"/>
+                  <a:pt x="0" y="4856509"/>
+                  <a:pt x="0" y="3652838"/>
+                </a:cubicBezTo>
+                <a:cubicBezTo>
+                  <a:pt x="0" y="2277214"/>
+                  <a:pt x="557582" y="1031820"/>
+                  <a:pt x="1459070" y="130333"/>
+                </a:cubicBezTo>
+                <a:close/>
+              </a:path>
+            </a:pathLst>
+          </a:custGeom>
+          <a:ln w="9525">
+            <a:noFill/>
+          </a:ln>
+          <a:effectLst/>
+        </p:spPr>
+        <p:style>
+          <a:lnRef idx="2">
+            <a:schemeClr val="accent1">
+              <a:shade val="50000"/>
+            </a:schemeClr>
+          </a:lnRef>
+          <a:fillRef idx="1">
+            <a:schemeClr val="accent1"/>
+          </a:fillRef>
+          <a:effectRef idx="0">
+            <a:schemeClr val="accent1"/>
+          </a:effectRef>
+          <a:fontRef idx="minor">
+            <a:schemeClr val="lt1"/>
+          </a:fontRef>
+        </p:style>
+        <p:txBody>
+          <a:bodyPr wrap="square" rtlCol="0" anchor="ctr">
+            <a:noAutofit/>
+          </a:bodyPr>
+          <a:lstStyle/>
+          <a:p>
+            <a:pPr marL="0" marR="0" lvl="0" indent="0" algn="ctr" defTabSz="914400" rtl="0" eaLnBrk="1" fontAlgn="auto" latinLnBrk="0" hangingPunct="1">
+              <a:lnSpc>
+                <a:spcPct val="100000"/>
+              </a:lnSpc>
+              <a:spcBef>
+                <a:spcPts val="0"/>
+              </a:spcBef>
+              <a:spcAft>
+                <a:spcPts val="0"/>
+              </a:spcAft>
+              <a:buClrTx/>
+              <a:buSzTx/>
+              <a:buFontTx/>
+              <a:buNone/>
+              <a:tabLst/>
+              <a:defRPr/>
+            </a:pPr>
+            <a:endParaRPr kumimoji="0" lang="en-US" sz="1800" b="0" i="0" u="none" strike="noStrike" kern="1200" cap="none" spc="0" normalizeH="0" baseline="0" noProof="0">
+              <a:ln>
+                <a:noFill/>
+              </a:ln>
+              <a:solidFill>
+                <a:prstClr val="white"/>
+              </a:solidFill>
+              <a:effectLst/>
+              <a:uLnTx/>
+              <a:uFillTx/>
+              <a:latin typeface="Calibri" panose="020F0502020204030204"/>
+              <a:ea typeface="+mn-ea"/>
+              <a:cs typeface="+mn-cs"/>
+            </a:endParaRPr>
+          </a:p>
+        </p:txBody>
+      </p:sp>
+      <p:sp>
+        <p:nvSpPr>
+          <p:cNvPr id="2" name="Title 1">
+            <a:extLst>
+              <a:ext uri="{FF2B5EF4-FFF2-40B4-BE49-F238E27FC236}">
+                <a16:creationId xmlns:a16="http://schemas.microsoft.com/office/drawing/2014/main" id="{FEC51F33-D07B-4111-3234-5AA3078AD6ED}"/>
+              </a:ext>
+            </a:extLst>
+          </p:cNvPr>
+          <p:cNvSpPr>
+            <a:spLocks noGrp="1"/>
+          </p:cNvSpPr>
+          <p:nvPr>
+            <p:ph type="ctrTitle"/>
+          </p:nvPr>
+        </p:nvSpPr>
+        <p:spPr>
+          <a:xfrm>
+            <a:off x="1524003" y="1999615"/>
+            <a:ext cx="9144000" cy="2764028"/>
+          </a:xfrm>
+        </p:spPr>
+        <p:txBody>
+          <a:bodyPr anchor="ctr">
+            <a:normAutofit/>
+          </a:bodyPr>
+          <a:lstStyle/>
+          <a:p>
+            <a:r>
+              <a:rPr lang="en-US" sz="7200" dirty="0"/>
+              <a:t>Words Embedding  </a:t>
+            </a:r>
+            <a:br>
+              <a:rPr lang="en-US" sz="7200" dirty="0"/>
+            </a:br>
+            <a:r>
+              <a:rPr lang="en-US" sz="7200" dirty="0"/>
+              <a:t>Word2Vec vs Glove</a:t>
+            </a:r>
+            <a:endParaRPr lang="en-GB" sz="7200" dirty="0"/>
+          </a:p>
+        </p:txBody>
+      </p:sp>
+      <p:sp>
+        <p:nvSpPr>
+          <p:cNvPr id="3" name="Subtitle 2">
+            <a:extLst>
+              <a:ext uri="{FF2B5EF4-FFF2-40B4-BE49-F238E27FC236}">
+                <a16:creationId xmlns:a16="http://schemas.microsoft.com/office/drawing/2014/main" id="{7F0E1FFD-C448-51D1-FFB6-DB0EF415952A}"/>
+              </a:ext>
+            </a:extLst>
+          </p:cNvPr>
+          <p:cNvSpPr>
+            <a:spLocks noGrp="1"/>
+          </p:cNvSpPr>
+          <p:nvPr>
+            <p:ph type="subTitle" idx="1"/>
+          </p:nvPr>
+        </p:nvSpPr>
+        <p:spPr>
+          <a:xfrm>
+            <a:off x="1966912" y="5772969"/>
+            <a:ext cx="8258176" cy="631825"/>
+          </a:xfrm>
+        </p:spPr>
+        <p:txBody>
+          <a:bodyPr anchor="ctr">
+            <a:noAutofit/>
+          </a:bodyPr>
+          <a:lstStyle/>
+          <a:p>
+            <a:r>
+              <a:rPr lang="en-GB" sz="3200" dirty="0"/>
+              <a:t>Chen Sheiner, Shay Shemesh</a:t>
+            </a:r>
+          </a:p>
+          <a:p>
+            <a:r>
+              <a:rPr lang="en-GB" sz="3200" dirty="0"/>
+              <a:t>Aug 2022</a:t>
+            </a:r>
+          </a:p>
+        </p:txBody>
+      </p:sp>
+      <p:sp>
+        <p:nvSpPr>
+          <p:cNvPr id="98" name="Rectangle 97">
+            <a:extLst>
+              <a:ext uri="{FF2B5EF4-FFF2-40B4-BE49-F238E27FC236}">
+                <a16:creationId xmlns:a16="http://schemas.microsoft.com/office/drawing/2014/main" id="{3629484E-3792-4B3D-89AD-7C8A1ED0E0D4}"/>
+              </a:ext>
+              <a:ext uri="{C183D7F6-B498-43B3-948B-1728B52AA6E4}">
+                <adec:decorative xmlns:adec="http://schemas.microsoft.com/office/drawing/2017/decorative" val="1"/>
+              </a:ext>
+            </a:extLst>
+          </p:cNvPr>
+          <p:cNvSpPr>
+            <a:spLocks noGrp="1" noRot="1" noChangeAspect="1" noMove="1" noResize="1" noEditPoints="1" noAdjustHandles="1" noChangeArrowheads="1" noChangeShapeType="1" noTextEdit="1"/>
+          </p:cNvSpPr>
+          <p:nvPr>
+            <p:extLst>
+              <p:ext uri="{386F3935-93C4-4BCD-93E2-E3B085C9AB24}">
+                <p16:designElem xmlns:p16="http://schemas.microsoft.com/office/powerpoint/2015/main" val="1"/>
+              </p:ext>
+            </p:extLst>
+          </p:nvPr>
+        </p:nvSpPr>
+        <p:spPr>
+          <a:xfrm>
+            <a:off x="3718560" y="5524786"/>
+            <a:ext cx="4754880" cy="27432"/>
+          </a:xfrm>
+          <a:prstGeom prst="rect">
+            <a:avLst/>
+          </a:prstGeom>
+          <a:solidFill>
+            <a:schemeClr val="accent2"/>
+          </a:solidFill>
+          <a:ln>
+            <a:noFill/>
+          </a:ln>
+        </p:spPr>
+        <p:style>
+          <a:lnRef idx="2">
+            <a:schemeClr val="accent1">
+              <a:shade val="50000"/>
+            </a:schemeClr>
+          </a:lnRef>
+          <a:fillRef idx="1">
+            <a:schemeClr val="accent1"/>
+          </a:fillRef>
+          <a:effectRef idx="0">
+            <a:schemeClr val="accent1"/>
+          </a:effectRef>
+          <a:fontRef idx="minor">
+            <a:schemeClr val="lt1"/>
+          </a:fontRef>
+        </p:style>
+        <p:txBody>
+          <a:bodyPr rtlCol="0" anchor="ctr"/>
+          <a:lstStyle/>
+          <a:p>
+            <a:pPr marL="0" marR="0" lvl="0" indent="0" algn="ctr" defTabSz="914400" rtl="0" eaLnBrk="1" fontAlgn="auto" latinLnBrk="0" hangingPunct="1">
+              <a:lnSpc>
+                <a:spcPct val="100000"/>
+              </a:lnSpc>
+              <a:spcBef>
+                <a:spcPts val="0"/>
+              </a:spcBef>
+              <a:spcAft>
+                <a:spcPts val="0"/>
+              </a:spcAft>
+              <a:buClrTx/>
+              <a:buSzTx/>
+              <a:buFontTx/>
+              <a:buNone/>
+              <a:tabLst/>
+              <a:defRPr/>
+            </a:pPr>
+            <a:endParaRPr kumimoji="0" lang="en-US" sz="1800" b="0" i="0" u="none" strike="noStrike" kern="1200" cap="none" spc="0" normalizeH="0" baseline="0" noProof="0">
+              <a:ln>
+                <a:noFill/>
+              </a:ln>
+              <a:solidFill>
+                <a:prstClr val="white"/>
+              </a:solidFill>
+              <a:effectLst/>
+              <a:uLnTx/>
+              <a:uFillTx/>
+              <a:latin typeface="Calibri" panose="020F0502020204030204"/>
+              <a:ea typeface="+mn-ea"/>
+              <a:cs typeface="+mn-cs"/>
+            </a:endParaRPr>
+          </a:p>
+        </p:txBody>
+      </p:sp>
     </p:spTree>
     <p:extLst>
       <p:ext uri="{BB962C8B-B14F-4D97-AF65-F5344CB8AC3E}">
@@ -3795,6 +4027,14 @@
 <file path=ppt/slides/slide10.xml><?xml version="1.0" encoding="utf-8"?>
 <p:sld xmlns:a="http://schemas.openxmlformats.org/drawingml/2006/main" xmlns:r="http://schemas.openxmlformats.org/officeDocument/2006/relationships" xmlns:p="http://schemas.openxmlformats.org/presentationml/2006/main">
   <p:cSld>
+    <p:bg>
+      <p:bgPr>
+        <a:solidFill>
+          <a:schemeClr val="bg1"/>
+        </a:solidFill>
+        <a:effectLst/>
+      </p:bgPr>
+    </p:bg>
     <p:spTree>
       <p:nvGrpSpPr>
         <p:cNvPr id="1" name=""/>
@@ -3809,220 +4049,1117 @@
           <a:chExt cx="0" cy="0"/>
         </a:xfrm>
       </p:grpSpPr>
-      <p:sp>
-        <p:nvSpPr>
-          <p:cNvPr id="2" name="Title 1">
-            <a:extLst>
-              <a:ext uri="{FF2B5EF4-FFF2-40B4-BE49-F238E27FC236}">
-                <a16:creationId xmlns:a16="http://schemas.microsoft.com/office/drawing/2014/main" id="{B1B2157A-6E97-71AC-96AF-6A651C07C07F}"/>
-              </a:ext>
-            </a:extLst>
-          </p:cNvPr>
-          <p:cNvSpPr>
-            <a:spLocks noGrp="1"/>
-          </p:cNvSpPr>
-          <p:nvPr>
-            <p:ph type="title"/>
-          </p:nvPr>
-        </p:nvSpPr>
-        <p:spPr/>
-        <p:txBody>
-          <a:bodyPr/>
-          <a:lstStyle/>
-          <a:p>
-            <a:r>
-              <a:rPr lang="en-US" b="1" dirty="0"/>
-              <a:t>Future work</a:t>
-            </a:r>
-            <a:endParaRPr lang="en-GB" b="1" dirty="0"/>
-          </a:p>
-        </p:txBody>
-      </p:sp>
-      <p:sp>
-        <p:nvSpPr>
-          <p:cNvPr id="6" name="Content Placeholder 2">
-            <a:extLst>
-              <a:ext uri="{FF2B5EF4-FFF2-40B4-BE49-F238E27FC236}">
-                <a16:creationId xmlns:a16="http://schemas.microsoft.com/office/drawing/2014/main" id="{511D9F8B-3BF0-CEF2-E14C-36FAE1E77A6B}"/>
-              </a:ext>
-            </a:extLst>
-          </p:cNvPr>
-          <p:cNvSpPr>
-            <a:spLocks noGrp="1"/>
-          </p:cNvSpPr>
-          <p:nvPr>
-            <p:ph idx="1"/>
+      <p:sp useBgFill="1">
+        <p:nvSpPr>
+          <p:cNvPr id="26" name="Rectangle 25">
+            <a:extLst>
+              <a:ext uri="{FF2B5EF4-FFF2-40B4-BE49-F238E27FC236}">
+                <a16:creationId xmlns:a16="http://schemas.microsoft.com/office/drawing/2014/main" id="{362D44EE-C852-4460-B8B5-C4F2BC20510C}"/>
+              </a:ext>
+              <a:ext uri="{C183D7F6-B498-43B3-948B-1728B52AA6E4}">
+                <adec:decorative xmlns:adec="http://schemas.microsoft.com/office/drawing/2017/decorative" val="1"/>
+              </a:ext>
+            </a:extLst>
+          </p:cNvPr>
+          <p:cNvSpPr>
+            <a:spLocks noGrp="1" noRot="1" noChangeAspect="1" noMove="1" noResize="1" noEditPoints="1" noAdjustHandles="1" noChangeArrowheads="1" noChangeShapeType="1" noTextEdit="1"/>
+          </p:cNvSpPr>
+          <p:nvPr>
+            <p:extLst>
+              <p:ext uri="{386F3935-93C4-4BCD-93E2-E3B085C9AB24}">
+                <p16:designElem xmlns:p16="http://schemas.microsoft.com/office/powerpoint/2015/main" val="1"/>
+              </p:ext>
+            </p:extLst>
           </p:nvPr>
         </p:nvSpPr>
         <p:spPr>
           <a:xfrm>
-            <a:off x="838200" y="1825625"/>
-            <a:ext cx="10515600" cy="4351338"/>
+            <a:off x="0" y="0"/>
+            <a:ext cx="12192000" cy="6858000"/>
+          </a:xfrm>
+          <a:prstGeom prst="rect">
+            <a:avLst/>
+          </a:prstGeom>
+          <a:ln>
+            <a:noFill/>
+          </a:ln>
+        </p:spPr>
+        <p:style>
+          <a:lnRef idx="2">
+            <a:schemeClr val="accent1">
+              <a:shade val="50000"/>
+            </a:schemeClr>
+          </a:lnRef>
+          <a:fillRef idx="1">
+            <a:schemeClr val="accent1"/>
+          </a:fillRef>
+          <a:effectRef idx="0">
+            <a:schemeClr val="accent1"/>
+          </a:effectRef>
+          <a:fontRef idx="minor">
+            <a:schemeClr val="lt1"/>
+          </a:fontRef>
+        </p:style>
+        <p:txBody>
+          <a:bodyPr rtlCol="0" anchor="ctr"/>
+          <a:lstStyle/>
+          <a:p>
+            <a:pPr algn="ctr"/>
+            <a:endParaRPr lang="en-US"/>
+          </a:p>
+        </p:txBody>
+      </p:sp>
+      <p:sp>
+        <p:nvSpPr>
+          <p:cNvPr id="2" name="Title 1">
+            <a:extLst>
+              <a:ext uri="{FF2B5EF4-FFF2-40B4-BE49-F238E27FC236}">
+                <a16:creationId xmlns:a16="http://schemas.microsoft.com/office/drawing/2014/main" id="{B1B2157A-6E97-71AC-96AF-6A651C07C07F}"/>
+              </a:ext>
+            </a:extLst>
+          </p:cNvPr>
+          <p:cNvSpPr>
+            <a:spLocks noGrp="1"/>
+          </p:cNvSpPr>
+          <p:nvPr>
+            <p:ph type="title"/>
+          </p:nvPr>
+        </p:nvSpPr>
+        <p:spPr>
+          <a:xfrm>
+            <a:off x="6194716" y="739978"/>
+            <a:ext cx="5334930" cy="3004145"/>
           </a:xfrm>
         </p:spPr>
         <p:txBody>
-          <a:bodyPr>
+          <a:bodyPr vert="horz" lIns="91440" tIns="45720" rIns="91440" bIns="45720" rtlCol="0" anchor="b">
+            <a:normAutofit/>
+          </a:bodyPr>
+          <a:lstStyle/>
+          <a:p>
+            <a:pPr algn="ctr"/>
+            <a:r>
+              <a:rPr lang="en-US" sz="6000" b="1" dirty="0"/>
+              <a:t>Questions?</a:t>
+            </a:r>
+          </a:p>
+        </p:txBody>
+      </p:sp>
+      <p:sp>
+        <p:nvSpPr>
+          <p:cNvPr id="28" name="Freeform: Shape 27">
+            <a:extLst>
+              <a:ext uri="{FF2B5EF4-FFF2-40B4-BE49-F238E27FC236}">
+                <a16:creationId xmlns:a16="http://schemas.microsoft.com/office/drawing/2014/main" id="{658970D8-8D1D-4B5C-894B-E871CC86543D}"/>
+              </a:ext>
+              <a:ext uri="{C183D7F6-B498-43B3-948B-1728B52AA6E4}">
+                <adec:decorative xmlns:adec="http://schemas.microsoft.com/office/drawing/2017/decorative" val="1"/>
+              </a:ext>
+            </a:extLst>
+          </p:cNvPr>
+          <p:cNvSpPr>
+            <a:spLocks noGrp="1" noRot="1" noChangeAspect="1" noMove="1" noResize="1" noEditPoints="1" noAdjustHandles="1" noChangeArrowheads="1" noChangeShapeType="1" noTextEdit="1"/>
+          </p:cNvSpPr>
+          <p:nvPr>
+            <p:extLst>
+              <p:ext uri="{386F3935-93C4-4BCD-93E2-E3B085C9AB24}">
+                <p16:designElem xmlns:p16="http://schemas.microsoft.com/office/powerpoint/2015/main" val="1"/>
+              </p:ext>
+            </p:extLst>
+          </p:nvPr>
+        </p:nvSpPr>
+        <p:spPr>
+          <a:xfrm flipH="1">
+            <a:off x="530529" y="1"/>
+            <a:ext cx="1155142" cy="591009"/>
+          </a:xfrm>
+          <a:custGeom>
+            <a:avLst/>
+            <a:gdLst>
+              <a:gd name="connsiteX0" fmla="*/ 1355 w 1155142"/>
+              <a:gd name="connsiteY0" fmla="*/ 0 h 591009"/>
+              <a:gd name="connsiteX1" fmla="*/ 1153787 w 1155142"/>
+              <a:gd name="connsiteY1" fmla="*/ 0 h 591009"/>
+              <a:gd name="connsiteX2" fmla="*/ 1155142 w 1155142"/>
+              <a:gd name="connsiteY2" fmla="*/ 13438 h 591009"/>
+              <a:gd name="connsiteX3" fmla="*/ 577571 w 1155142"/>
+              <a:gd name="connsiteY3" fmla="*/ 591009 h 591009"/>
+              <a:gd name="connsiteX4" fmla="*/ 0 w 1155142"/>
+              <a:gd name="connsiteY4" fmla="*/ 13438 h 591009"/>
+            </a:gdLst>
+            <a:ahLst/>
+            <a:cxnLst>
+              <a:cxn ang="0">
+                <a:pos x="connsiteX0" y="connsiteY0"/>
+              </a:cxn>
+              <a:cxn ang="0">
+                <a:pos x="connsiteX1" y="connsiteY1"/>
+              </a:cxn>
+              <a:cxn ang="0">
+                <a:pos x="connsiteX2" y="connsiteY2"/>
+              </a:cxn>
+              <a:cxn ang="0">
+                <a:pos x="connsiteX3" y="connsiteY3"/>
+              </a:cxn>
+              <a:cxn ang="0">
+                <a:pos x="connsiteX4" y="connsiteY4"/>
+              </a:cxn>
+            </a:cxnLst>
+            <a:rect l="l" t="t" r="r" b="b"/>
+            <a:pathLst>
+              <a:path w="1155142" h="591009">
+                <a:moveTo>
+                  <a:pt x="1355" y="0"/>
+                </a:moveTo>
+                <a:lnTo>
+                  <a:pt x="1153787" y="0"/>
+                </a:lnTo>
+                <a:lnTo>
+                  <a:pt x="1155142" y="13438"/>
+                </a:lnTo>
+                <a:cubicBezTo>
+                  <a:pt x="1155142" y="332422"/>
+                  <a:pt x="896555" y="591009"/>
+                  <a:pt x="577571" y="591009"/>
+                </a:cubicBezTo>
+                <a:cubicBezTo>
+                  <a:pt x="258587" y="591009"/>
+                  <a:pt x="0" y="332422"/>
+                  <a:pt x="0" y="13438"/>
+                </a:cubicBezTo>
+                <a:close/>
+              </a:path>
+            </a:pathLst>
+          </a:custGeom>
+          <a:solidFill>
+            <a:schemeClr val="accent5"/>
+          </a:solidFill>
+          <a:ln>
+            <a:noFill/>
+          </a:ln>
+        </p:spPr>
+        <p:style>
+          <a:lnRef idx="2">
+            <a:schemeClr val="accent1">
+              <a:shade val="50000"/>
+            </a:schemeClr>
+          </a:lnRef>
+          <a:fillRef idx="1">
+            <a:schemeClr val="accent1"/>
+          </a:fillRef>
+          <a:effectRef idx="0">
+            <a:schemeClr val="accent1"/>
+          </a:effectRef>
+          <a:fontRef idx="minor">
+            <a:schemeClr val="lt1"/>
+          </a:fontRef>
+        </p:style>
+        <p:txBody>
+          <a:bodyPr wrap="square" rtlCol="0" anchor="ctr">
             <a:noAutofit/>
           </a:bodyPr>
           <a:lstStyle/>
           <a:p>
-            <a:pPr>
-              <a:lnSpc>
-                <a:spcPct val="100000"/>
-              </a:lnSpc>
-              <a:spcBef>
-                <a:spcPts val="1200"/>
-              </a:spcBef>
-              <a:spcAft>
-                <a:spcPts val="1200"/>
-              </a:spcAft>
-            </a:pPr>
-            <a:r>
-              <a:rPr lang="en-US" sz="3200" dirty="0">
-                <a:solidFill>
-                  <a:srgbClr val="000000"/>
-                </a:solidFill>
-                <a:ea typeface="Calibri" panose="020F0502020204030204" pitchFamily="34" charset="0"/>
-              </a:rPr>
-              <a:t>Initial results </a:t>
-            </a:r>
-          </a:p>
-          <a:p>
-            <a:pPr>
-              <a:lnSpc>
-                <a:spcPct val="100000"/>
-              </a:lnSpc>
-              <a:spcBef>
-                <a:spcPts val="1200"/>
-              </a:spcBef>
-              <a:spcAft>
-                <a:spcPts val="1200"/>
-              </a:spcAft>
-            </a:pPr>
-            <a:r>
-              <a:rPr lang="en-US" sz="3200" dirty="0">
-                <a:solidFill>
-                  <a:srgbClr val="000000"/>
-                </a:solidFill>
-                <a:ea typeface="Calibri" panose="020F0502020204030204" pitchFamily="34" charset="0"/>
-              </a:rPr>
-              <a:t>H</a:t>
-            </a:r>
-            <a:r>
-              <a:rPr lang="en-US" sz="3200" dirty="0">
-                <a:solidFill>
-                  <a:srgbClr val="000000"/>
-                </a:solidFill>
-                <a:effectLst/>
-                <a:ea typeface="Calibri" panose="020F0502020204030204" pitchFamily="34" charset="0"/>
-              </a:rPr>
-              <a:t>yperparameter tuning  via cross validation</a:t>
-            </a:r>
-          </a:p>
-          <a:p>
-            <a:pPr marL="0" indent="0">
-              <a:lnSpc>
-                <a:spcPct val="100000"/>
-              </a:lnSpc>
-              <a:spcBef>
-                <a:spcPts val="1200"/>
-              </a:spcBef>
-              <a:spcAft>
-                <a:spcPts val="1200"/>
-              </a:spcAft>
-              <a:buNone/>
-            </a:pPr>
-            <a:endParaRPr lang="en-US" sz="3200" dirty="0"/>
-          </a:p>
-          <a:p>
-            <a:pPr>
-              <a:lnSpc>
-                <a:spcPct val="100000"/>
-              </a:lnSpc>
-            </a:pPr>
-            <a:endParaRPr lang="en-US" sz="3200" dirty="0"/>
-          </a:p>
-          <a:p>
-            <a:pPr>
-              <a:lnSpc>
-                <a:spcPct val="100000"/>
-              </a:lnSpc>
-            </a:pPr>
-            <a:endParaRPr lang="en-US" sz="3200" dirty="0"/>
-          </a:p>
-          <a:p>
-            <a:pPr>
-              <a:lnSpc>
-                <a:spcPct val="100000"/>
-              </a:lnSpc>
-            </a:pPr>
-            <a:endParaRPr lang="en-US" sz="3200" dirty="0"/>
-          </a:p>
-        </p:txBody>
-      </p:sp>
-    </p:spTree>
-    <p:extLst>
-      <p:ext uri="{BB962C8B-B14F-4D97-AF65-F5344CB8AC3E}">
-        <p14:creationId xmlns:p14="http://schemas.microsoft.com/office/powerpoint/2010/main" val="3711738761"/>
-      </p:ext>
-    </p:extLst>
-  </p:cSld>
-  <p:clrMapOvr>
-    <a:masterClrMapping/>
-  </p:clrMapOvr>
-</p:sld>
-</file>
-
-<file path=ppt/slides/slide11.xml><?xml version="1.0" encoding="utf-8"?>
-<p:sld xmlns:a="http://schemas.openxmlformats.org/drawingml/2006/main" xmlns:r="http://schemas.openxmlformats.org/officeDocument/2006/relationships" xmlns:p="http://schemas.openxmlformats.org/presentationml/2006/main">
-  <p:cSld>
-    <p:spTree>
-      <p:nvGrpSpPr>
-        <p:cNvPr id="1" name=""/>
-        <p:cNvGrpSpPr/>
-        <p:nvPr/>
-      </p:nvGrpSpPr>
-      <p:grpSpPr>
-        <a:xfrm>
-          <a:off x="0" y="0"/>
-          <a:ext cx="0" cy="0"/>
-          <a:chOff x="0" y="0"/>
-          <a:chExt cx="0" cy="0"/>
-        </a:xfrm>
-      </p:grpSpPr>
+            <a:pPr algn="ctr"/>
+            <a:endParaRPr lang="en-US"/>
+          </a:p>
+        </p:txBody>
+      </p:sp>
       <p:sp>
         <p:nvSpPr>
-          <p:cNvPr id="2" name="Title 1">
-            <a:extLst>
-              <a:ext uri="{FF2B5EF4-FFF2-40B4-BE49-F238E27FC236}">
-                <a16:creationId xmlns:a16="http://schemas.microsoft.com/office/drawing/2014/main" id="{B1B2157A-6E97-71AC-96AF-6A651C07C07F}"/>
-              </a:ext>
-            </a:extLst>
-          </p:cNvPr>
-          <p:cNvSpPr>
-            <a:spLocks noGrp="1"/>
-          </p:cNvSpPr>
-          <p:nvPr>
-            <p:ph type="title"/>
-          </p:nvPr>
-        </p:nvSpPr>
+          <p:cNvPr id="30" name="Freeform: Shape 29">
+            <a:extLst>
+              <a:ext uri="{FF2B5EF4-FFF2-40B4-BE49-F238E27FC236}">
+                <a16:creationId xmlns:a16="http://schemas.microsoft.com/office/drawing/2014/main" id="{F227E5B6-9132-43CA-B503-37A18562ADF2}"/>
+              </a:ext>
+              <a:ext uri="{C183D7F6-B498-43B3-948B-1728B52AA6E4}">
+                <adec:decorative xmlns:adec="http://schemas.microsoft.com/office/drawing/2017/decorative" val="1"/>
+              </a:ext>
+            </a:extLst>
+          </p:cNvPr>
+          <p:cNvSpPr>
+            <a:spLocks noGrp="1" noRot="1" noChangeAspect="1" noMove="1" noResize="1" noEditPoints="1" noAdjustHandles="1" noChangeArrowheads="1" noChangeShapeType="1" noTextEdit="1"/>
+          </p:cNvSpPr>
+          <p:nvPr>
+            <p:extLst>
+              <p:ext uri="{386F3935-93C4-4BCD-93E2-E3B085C9AB24}">
+                <p16:designElem xmlns:p16="http://schemas.microsoft.com/office/powerpoint/2015/main" val="1"/>
+              </p:ext>
+            </p:extLst>
+          </p:nvPr>
+        </p:nvSpPr>
+        <p:spPr>
+          <a:xfrm flipH="1">
+            <a:off x="4349052" y="0"/>
+            <a:ext cx="1737401" cy="959536"/>
+          </a:xfrm>
+          <a:custGeom>
+            <a:avLst/>
+            <a:gdLst>
+              <a:gd name="connsiteX0" fmla="*/ 0 w 1737401"/>
+              <a:gd name="connsiteY0" fmla="*/ 0 h 959536"/>
+              <a:gd name="connsiteX1" fmla="*/ 123825 w 1737401"/>
+              <a:gd name="connsiteY1" fmla="*/ 0 h 959536"/>
+              <a:gd name="connsiteX2" fmla="*/ 123825 w 1737401"/>
+              <a:gd name="connsiteY2" fmla="*/ 790277 h 959536"/>
+              <a:gd name="connsiteX3" fmla="*/ 1490095 w 1737401"/>
+              <a:gd name="connsiteY3" fmla="*/ 0 h 959536"/>
+              <a:gd name="connsiteX4" fmla="*/ 1737401 w 1737401"/>
+              <a:gd name="connsiteY4" fmla="*/ 0 h 959536"/>
+              <a:gd name="connsiteX5" fmla="*/ 92869 w 1737401"/>
+              <a:gd name="connsiteY5" fmla="*/ 951249 h 959536"/>
+              <a:gd name="connsiteX6" fmla="*/ 61913 w 1737401"/>
+              <a:gd name="connsiteY6" fmla="*/ 959536 h 959536"/>
+              <a:gd name="connsiteX7" fmla="*/ 0 w 1737401"/>
+              <a:gd name="connsiteY7" fmla="*/ 897624 h 959536"/>
+            </a:gdLst>
+            <a:ahLst/>
+            <a:cxnLst>
+              <a:cxn ang="0">
+                <a:pos x="connsiteX0" y="connsiteY0"/>
+              </a:cxn>
+              <a:cxn ang="0">
+                <a:pos x="connsiteX1" y="connsiteY1"/>
+              </a:cxn>
+              <a:cxn ang="0">
+                <a:pos x="connsiteX2" y="connsiteY2"/>
+              </a:cxn>
+              <a:cxn ang="0">
+                <a:pos x="connsiteX3" y="connsiteY3"/>
+              </a:cxn>
+              <a:cxn ang="0">
+                <a:pos x="connsiteX4" y="connsiteY4"/>
+              </a:cxn>
+              <a:cxn ang="0">
+                <a:pos x="connsiteX5" y="connsiteY5"/>
+              </a:cxn>
+              <a:cxn ang="0">
+                <a:pos x="connsiteX6" y="connsiteY6"/>
+              </a:cxn>
+              <a:cxn ang="0">
+                <a:pos x="connsiteX7" y="connsiteY7"/>
+              </a:cxn>
+            </a:cxnLst>
+            <a:rect l="l" t="t" r="r" b="b"/>
+            <a:pathLst>
+              <a:path w="1737401" h="959536">
+                <a:moveTo>
+                  <a:pt x="0" y="0"/>
+                </a:moveTo>
+                <a:lnTo>
+                  <a:pt x="123825" y="0"/>
+                </a:lnTo>
+                <a:lnTo>
+                  <a:pt x="123825" y="790277"/>
+                </a:lnTo>
+                <a:lnTo>
+                  <a:pt x="1490095" y="0"/>
+                </a:lnTo>
+                <a:lnTo>
+                  <a:pt x="1737401" y="0"/>
+                </a:lnTo>
+                <a:lnTo>
+                  <a:pt x="92869" y="951249"/>
+                </a:lnTo>
+                <a:cubicBezTo>
+                  <a:pt x="83458" y="956688"/>
+                  <a:pt x="72780" y="959546"/>
+                  <a:pt x="61913" y="959536"/>
+                </a:cubicBezTo>
+                <a:cubicBezTo>
+                  <a:pt x="27719" y="959536"/>
+                  <a:pt x="0" y="931818"/>
+                  <a:pt x="0" y="897624"/>
+                </a:cubicBezTo>
+                <a:close/>
+              </a:path>
+            </a:pathLst>
+          </a:custGeom>
+          <a:solidFill>
+            <a:schemeClr val="accent6"/>
+          </a:solidFill>
+          <a:ln w="9525" cap="flat">
+            <a:noFill/>
+            <a:prstDash val="solid"/>
+            <a:miter/>
+          </a:ln>
+        </p:spPr>
+        <p:txBody>
+          <a:bodyPr rtlCol="0" anchor="ctr"/>
+          <a:lstStyle/>
+          <a:p>
+            <a:endParaRPr lang="en-US"/>
+          </a:p>
+        </p:txBody>
+      </p:sp>
+      <p:sp>
+        <p:nvSpPr>
+          <p:cNvPr id="32" name="Freeform: Shape 31">
+            <a:extLst>
+              <a:ext uri="{FF2B5EF4-FFF2-40B4-BE49-F238E27FC236}">
+                <a16:creationId xmlns:a16="http://schemas.microsoft.com/office/drawing/2014/main" id="{03C2051E-A88D-48E5-BACF-AAED17892722}"/>
+              </a:ext>
+              <a:ext uri="{C183D7F6-B498-43B3-948B-1728B52AA6E4}">
+                <adec:decorative xmlns:adec="http://schemas.microsoft.com/office/drawing/2017/decorative" val="1"/>
+              </a:ext>
+            </a:extLst>
+          </p:cNvPr>
+          <p:cNvSpPr>
+            <a:spLocks noGrp="1" noRot="1" noChangeAspect="1" noMove="1" noResize="1" noEditPoints="1" noAdjustHandles="1" noChangeArrowheads="1" noChangeShapeType="1" noTextEdit="1"/>
+          </p:cNvSpPr>
+          <p:nvPr>
+            <p:extLst>
+              <p:ext uri="{386F3935-93C4-4BCD-93E2-E3B085C9AB24}">
+                <p16:designElem xmlns:p16="http://schemas.microsoft.com/office/powerpoint/2015/main" val="1"/>
+              </p:ext>
+            </p:extLst>
+          </p:nvPr>
+        </p:nvSpPr>
+        <p:spPr>
+          <a:xfrm flipH="1">
+            <a:off x="0" y="2916245"/>
+            <a:ext cx="159741" cy="552996"/>
+          </a:xfrm>
+          <a:custGeom>
+            <a:avLst/>
+            <a:gdLst>
+              <a:gd name="connsiteX0" fmla="*/ 159741 w 159741"/>
+              <a:gd name="connsiteY0" fmla="*/ 0 h 552996"/>
+              <a:gd name="connsiteX1" fmla="*/ 159741 w 159741"/>
+              <a:gd name="connsiteY1" fmla="*/ 552996 h 552996"/>
+              <a:gd name="connsiteX2" fmla="*/ 141849 w 159741"/>
+              <a:gd name="connsiteY2" fmla="*/ 543285 h 552996"/>
+              <a:gd name="connsiteX3" fmla="*/ 0 w 159741"/>
+              <a:gd name="connsiteY3" fmla="*/ 276498 h 552996"/>
+              <a:gd name="connsiteX4" fmla="*/ 141849 w 159741"/>
+              <a:gd name="connsiteY4" fmla="*/ 9711 h 552996"/>
+            </a:gdLst>
+            <a:ahLst/>
+            <a:cxnLst>
+              <a:cxn ang="0">
+                <a:pos x="connsiteX0" y="connsiteY0"/>
+              </a:cxn>
+              <a:cxn ang="0">
+                <a:pos x="connsiteX1" y="connsiteY1"/>
+              </a:cxn>
+              <a:cxn ang="0">
+                <a:pos x="connsiteX2" y="connsiteY2"/>
+              </a:cxn>
+              <a:cxn ang="0">
+                <a:pos x="connsiteX3" y="connsiteY3"/>
+              </a:cxn>
+              <a:cxn ang="0">
+                <a:pos x="connsiteX4" y="connsiteY4"/>
+              </a:cxn>
+            </a:cxnLst>
+            <a:rect l="l" t="t" r="r" b="b"/>
+            <a:pathLst>
+              <a:path w="159741" h="552996">
+                <a:moveTo>
+                  <a:pt x="159741" y="0"/>
+                </a:moveTo>
+                <a:lnTo>
+                  <a:pt x="159741" y="552996"/>
+                </a:lnTo>
+                <a:lnTo>
+                  <a:pt x="141849" y="543285"/>
+                </a:lnTo>
+                <a:cubicBezTo>
+                  <a:pt x="56268" y="485467"/>
+                  <a:pt x="0" y="387554"/>
+                  <a:pt x="0" y="276498"/>
+                </a:cubicBezTo>
+                <a:cubicBezTo>
+                  <a:pt x="0" y="165443"/>
+                  <a:pt x="56268" y="67529"/>
+                  <a:pt x="141849" y="9711"/>
+                </a:cubicBezTo>
+                <a:close/>
+              </a:path>
+            </a:pathLst>
+          </a:custGeom>
+          <a:solidFill>
+            <a:schemeClr val="accent2"/>
+          </a:solidFill>
+          <a:ln w="127000">
+            <a:noFill/>
+          </a:ln>
+        </p:spPr>
+        <p:style>
+          <a:lnRef idx="2">
+            <a:schemeClr val="accent1">
+              <a:shade val="50000"/>
+            </a:schemeClr>
+          </a:lnRef>
+          <a:fillRef idx="1">
+            <a:schemeClr val="accent1"/>
+          </a:fillRef>
+          <a:effectRef idx="0">
+            <a:schemeClr val="accent1"/>
+          </a:effectRef>
+          <a:fontRef idx="minor">
+            <a:schemeClr val="lt1"/>
+          </a:fontRef>
+        </p:style>
+        <p:txBody>
+          <a:bodyPr wrap="square" rtlCol="0" anchor="ctr">
+            <a:noAutofit/>
+          </a:bodyPr>
+          <a:lstStyle/>
+          <a:p>
+            <a:pPr algn="ctr"/>
+            <a:endParaRPr lang="en-US"/>
+          </a:p>
+        </p:txBody>
+      </p:sp>
+      <p:sp>
+        <p:nvSpPr>
+          <p:cNvPr id="34" name="Freeform: Shape 33">
+            <a:extLst>
+              <a:ext uri="{FF2B5EF4-FFF2-40B4-BE49-F238E27FC236}">
+                <a16:creationId xmlns:a16="http://schemas.microsoft.com/office/drawing/2014/main" id="{7821A508-2985-4905-874A-527429BAABFA}"/>
+              </a:ext>
+              <a:ext uri="{C183D7F6-B498-43B3-948B-1728B52AA6E4}">
+                <adec:decorative xmlns:adec="http://schemas.microsoft.com/office/drawing/2017/decorative" val="1"/>
+              </a:ext>
+            </a:extLst>
+          </p:cNvPr>
+          <p:cNvSpPr>
+            <a:spLocks noGrp="1" noRot="1" noChangeAspect="1" noMove="1" noResize="1" noEditPoints="1" noAdjustHandles="1" noChangeArrowheads="1" noChangeShapeType="1" noTextEdit="1"/>
+          </p:cNvSpPr>
+          <p:nvPr>
+            <p:extLst>
+              <p:ext uri="{386F3935-93C4-4BCD-93E2-E3B085C9AB24}">
+                <p16:designElem xmlns:p16="http://schemas.microsoft.com/office/powerpoint/2015/main" val="1"/>
+              </p:ext>
+            </p:extLst>
+          </p:nvPr>
+        </p:nvSpPr>
+        <p:spPr>
+          <a:xfrm flipH="1">
+            <a:off x="0" y="5835649"/>
+            <a:ext cx="1548180" cy="1022351"/>
+          </a:xfrm>
+          <a:custGeom>
+            <a:avLst/>
+            <a:gdLst>
+              <a:gd name="connsiteX0" fmla="*/ 61913 w 1548180"/>
+              <a:gd name="connsiteY0" fmla="*/ 0 h 1022351"/>
+              <a:gd name="connsiteX1" fmla="*/ 1548180 w 1548180"/>
+              <a:gd name="connsiteY1" fmla="*/ 0 h 1022351"/>
+              <a:gd name="connsiteX2" fmla="*/ 1548180 w 1548180"/>
+              <a:gd name="connsiteY2" fmla="*/ 123825 h 1022351"/>
+              <a:gd name="connsiteX3" fmla="*/ 123825 w 1548180"/>
+              <a:gd name="connsiteY3" fmla="*/ 123825 h 1022351"/>
+              <a:gd name="connsiteX4" fmla="*/ 123825 w 1548180"/>
+              <a:gd name="connsiteY4" fmla="*/ 1022351 h 1022351"/>
+              <a:gd name="connsiteX5" fmla="*/ 0 w 1548180"/>
+              <a:gd name="connsiteY5" fmla="*/ 1022351 h 1022351"/>
+              <a:gd name="connsiteX6" fmla="*/ 0 w 1548180"/>
+              <a:gd name="connsiteY6" fmla="*/ 61913 h 1022351"/>
+              <a:gd name="connsiteX7" fmla="*/ 61913 w 1548180"/>
+              <a:gd name="connsiteY7" fmla="*/ 0 h 1022351"/>
+            </a:gdLst>
+            <a:ahLst/>
+            <a:cxnLst>
+              <a:cxn ang="0">
+                <a:pos x="connsiteX0" y="connsiteY0"/>
+              </a:cxn>
+              <a:cxn ang="0">
+                <a:pos x="connsiteX1" y="connsiteY1"/>
+              </a:cxn>
+              <a:cxn ang="0">
+                <a:pos x="connsiteX2" y="connsiteY2"/>
+              </a:cxn>
+              <a:cxn ang="0">
+                <a:pos x="connsiteX3" y="connsiteY3"/>
+              </a:cxn>
+              <a:cxn ang="0">
+                <a:pos x="connsiteX4" y="connsiteY4"/>
+              </a:cxn>
+              <a:cxn ang="0">
+                <a:pos x="connsiteX5" y="connsiteY5"/>
+              </a:cxn>
+              <a:cxn ang="0">
+                <a:pos x="connsiteX6" y="connsiteY6"/>
+              </a:cxn>
+              <a:cxn ang="0">
+                <a:pos x="connsiteX7" y="connsiteY7"/>
+              </a:cxn>
+            </a:cxnLst>
+            <a:rect l="l" t="t" r="r" b="b"/>
+            <a:pathLst>
+              <a:path w="1548180" h="1022351">
+                <a:moveTo>
+                  <a:pt x="61913" y="0"/>
+                </a:moveTo>
+                <a:lnTo>
+                  <a:pt x="1548180" y="0"/>
+                </a:lnTo>
+                <a:lnTo>
+                  <a:pt x="1548180" y="123825"/>
+                </a:lnTo>
+                <a:lnTo>
+                  <a:pt x="123825" y="123825"/>
+                </a:lnTo>
+                <a:lnTo>
+                  <a:pt x="123825" y="1022351"/>
+                </a:lnTo>
+                <a:lnTo>
+                  <a:pt x="0" y="1022351"/>
+                </a:lnTo>
+                <a:lnTo>
+                  <a:pt x="0" y="61913"/>
+                </a:lnTo>
+                <a:cubicBezTo>
+                  <a:pt x="0" y="27719"/>
+                  <a:pt x="27719" y="0"/>
+                  <a:pt x="61913" y="0"/>
+                </a:cubicBezTo>
+                <a:close/>
+              </a:path>
+            </a:pathLst>
+          </a:custGeom>
+          <a:solidFill>
+            <a:schemeClr val="accent6"/>
+          </a:solidFill>
+          <a:ln w="9525" cap="flat">
+            <a:noFill/>
+            <a:prstDash val="solid"/>
+            <a:miter/>
+          </a:ln>
+        </p:spPr>
+        <p:txBody>
+          <a:bodyPr rtlCol="0" anchor="ctr"/>
+          <a:lstStyle/>
+          <a:p>
+            <a:endParaRPr lang="en-US"/>
+          </a:p>
+        </p:txBody>
+      </p:sp>
+      <p:sp>
+        <p:nvSpPr>
+          <p:cNvPr id="36" name="Freeform: Shape 35">
+            <a:extLst>
+              <a:ext uri="{FF2B5EF4-FFF2-40B4-BE49-F238E27FC236}">
+                <a16:creationId xmlns:a16="http://schemas.microsoft.com/office/drawing/2014/main" id="{D2929CB1-0E3C-4B2D-ADC5-0154FB33BA44}"/>
+              </a:ext>
+              <a:ext uri="{C183D7F6-B498-43B3-948B-1728B52AA6E4}">
+                <adec:decorative xmlns:adec="http://schemas.microsoft.com/office/drawing/2017/decorative" val="1"/>
+              </a:ext>
+            </a:extLst>
+          </p:cNvPr>
+          <p:cNvSpPr>
+            <a:spLocks noGrp="1" noRot="1" noChangeAspect="1" noMove="1" noResize="1" noEditPoints="1" noAdjustHandles="1" noChangeArrowheads="1" noChangeShapeType="1" noTextEdit="1"/>
+          </p:cNvSpPr>
+          <p:nvPr>
+            <p:extLst>
+              <p:ext uri="{386F3935-93C4-4BCD-93E2-E3B085C9AB24}">
+                <p16:designElem xmlns:p16="http://schemas.microsoft.com/office/powerpoint/2015/main" val="1"/>
+              </p:ext>
+            </p:extLst>
+          </p:nvPr>
+        </p:nvSpPr>
+        <p:spPr>
+          <a:xfrm flipH="1">
+            <a:off x="3697761" y="5717906"/>
+            <a:ext cx="1771609" cy="1140095"/>
+          </a:xfrm>
+          <a:custGeom>
+            <a:avLst/>
+            <a:gdLst>
+              <a:gd name="connsiteX0" fmla="*/ 1561721 w 1771609"/>
+              <a:gd name="connsiteY0" fmla="*/ 763041 h 1140095"/>
+              <a:gd name="connsiteX1" fmla="*/ 1623024 w 1771609"/>
+              <a:gd name="connsiteY1" fmla="*/ 792810 h 1140095"/>
+              <a:gd name="connsiteX2" fmla="*/ 1711735 w 1771609"/>
+              <a:gd name="connsiteY2" fmla="*/ 970132 h 1140095"/>
+              <a:gd name="connsiteX3" fmla="*/ 1771609 w 1771609"/>
+              <a:gd name="connsiteY3" fmla="*/ 1140095 h 1140095"/>
+              <a:gd name="connsiteX4" fmla="*/ 1637225 w 1771609"/>
+              <a:gd name="connsiteY4" fmla="*/ 1140095 h 1140095"/>
+              <a:gd name="connsiteX5" fmla="*/ 1594820 w 1771609"/>
+              <a:gd name="connsiteY5" fmla="*/ 1019711 h 1140095"/>
+              <a:gd name="connsiteX6" fmla="*/ 1513200 w 1771609"/>
+              <a:gd name="connsiteY6" fmla="*/ 856627 h 1140095"/>
+              <a:gd name="connsiteX7" fmla="*/ 1538499 w 1771609"/>
+              <a:gd name="connsiteY7" fmla="*/ 770415 h 1140095"/>
+              <a:gd name="connsiteX8" fmla="*/ 1561721 w 1771609"/>
+              <a:gd name="connsiteY8" fmla="*/ 763041 h 1140095"/>
+              <a:gd name="connsiteX9" fmla="*/ 933455 w 1771609"/>
+              <a:gd name="connsiteY9" fmla="*/ 161309 h 1140095"/>
+              <a:gd name="connsiteX10" fmla="*/ 957797 w 1771609"/>
+              <a:gd name="connsiteY10" fmla="*/ 167970 h 1140095"/>
+              <a:gd name="connsiteX11" fmla="*/ 1286982 w 1771609"/>
+              <a:gd name="connsiteY11" fmla="*/ 387616 h 1140095"/>
+              <a:gd name="connsiteX12" fmla="*/ 1293725 w 1771609"/>
+              <a:gd name="connsiteY12" fmla="*/ 477075 h 1140095"/>
+              <a:gd name="connsiteX13" fmla="*/ 1245453 w 1771609"/>
+              <a:gd name="connsiteY13" fmla="*/ 499154 h 1140095"/>
+              <a:gd name="connsiteX14" fmla="*/ 1245167 w 1771609"/>
+              <a:gd name="connsiteY14" fmla="*/ 499154 h 1140095"/>
+              <a:gd name="connsiteX15" fmla="*/ 1203638 w 1771609"/>
+              <a:gd name="connsiteY15" fmla="*/ 484104 h 1140095"/>
+              <a:gd name="connsiteX16" fmla="*/ 900647 w 1771609"/>
+              <a:gd name="connsiteY16" fmla="*/ 281508 h 1140095"/>
+              <a:gd name="connsiteX17" fmla="*/ 872454 w 1771609"/>
+              <a:gd name="connsiteY17" fmla="*/ 196164 h 1140095"/>
+              <a:gd name="connsiteX18" fmla="*/ 933455 w 1771609"/>
+              <a:gd name="connsiteY18" fmla="*/ 161309 h 1140095"/>
+              <a:gd name="connsiteX19" fmla="*/ 256260 w 1771609"/>
+              <a:gd name="connsiteY19" fmla="*/ 29 h 1140095"/>
+              <a:gd name="connsiteX20" fmla="*/ 454020 w 1771609"/>
+              <a:gd name="connsiteY20" fmla="*/ 13474 h 1140095"/>
+              <a:gd name="connsiteX21" fmla="*/ 509236 w 1771609"/>
+              <a:gd name="connsiteY21" fmla="*/ 84182 h 1140095"/>
+              <a:gd name="connsiteX22" fmla="*/ 445829 w 1771609"/>
+              <a:gd name="connsiteY22" fmla="*/ 139871 h 1140095"/>
+              <a:gd name="connsiteX23" fmla="*/ 437447 w 1771609"/>
+              <a:gd name="connsiteY23" fmla="*/ 139395 h 1140095"/>
+              <a:gd name="connsiteX24" fmla="*/ 73211 w 1771609"/>
+              <a:gd name="connsiteY24" fmla="*/ 137204 h 1140095"/>
+              <a:gd name="connsiteX25" fmla="*/ 749 w 1771609"/>
+              <a:gd name="connsiteY25" fmla="*/ 84082 h 1140095"/>
+              <a:gd name="connsiteX26" fmla="*/ 53871 w 1771609"/>
+              <a:gd name="connsiteY26" fmla="*/ 11621 h 1140095"/>
+              <a:gd name="connsiteX27" fmla="*/ 58352 w 1771609"/>
+              <a:gd name="connsiteY27" fmla="*/ 11093 h 1140095"/>
+              <a:gd name="connsiteX28" fmla="*/ 256260 w 1771609"/>
+              <a:gd name="connsiteY28" fmla="*/ 29 h 1140095"/>
+            </a:gdLst>
+            <a:ahLst/>
+            <a:cxnLst>
+              <a:cxn ang="0">
+                <a:pos x="connsiteX0" y="connsiteY0"/>
+              </a:cxn>
+              <a:cxn ang="0">
+                <a:pos x="connsiteX1" y="connsiteY1"/>
+              </a:cxn>
+              <a:cxn ang="0">
+                <a:pos x="connsiteX2" y="connsiteY2"/>
+              </a:cxn>
+              <a:cxn ang="0">
+                <a:pos x="connsiteX3" y="connsiteY3"/>
+              </a:cxn>
+              <a:cxn ang="0">
+                <a:pos x="connsiteX4" y="connsiteY4"/>
+              </a:cxn>
+              <a:cxn ang="0">
+                <a:pos x="connsiteX5" y="connsiteY5"/>
+              </a:cxn>
+              <a:cxn ang="0">
+                <a:pos x="connsiteX6" y="connsiteY6"/>
+              </a:cxn>
+              <a:cxn ang="0">
+                <a:pos x="connsiteX7" y="connsiteY7"/>
+              </a:cxn>
+              <a:cxn ang="0">
+                <a:pos x="connsiteX8" y="connsiteY8"/>
+              </a:cxn>
+              <a:cxn ang="0">
+                <a:pos x="connsiteX9" y="connsiteY9"/>
+              </a:cxn>
+              <a:cxn ang="0">
+                <a:pos x="connsiteX10" y="connsiteY10"/>
+              </a:cxn>
+              <a:cxn ang="0">
+                <a:pos x="connsiteX11" y="connsiteY11"/>
+              </a:cxn>
+              <a:cxn ang="0">
+                <a:pos x="connsiteX12" y="connsiteY12"/>
+              </a:cxn>
+              <a:cxn ang="0">
+                <a:pos x="connsiteX13" y="connsiteY13"/>
+              </a:cxn>
+              <a:cxn ang="0">
+                <a:pos x="connsiteX14" y="connsiteY14"/>
+              </a:cxn>
+              <a:cxn ang="0">
+                <a:pos x="connsiteX15" y="connsiteY15"/>
+              </a:cxn>
+              <a:cxn ang="0">
+                <a:pos x="connsiteX16" y="connsiteY16"/>
+              </a:cxn>
+              <a:cxn ang="0">
+                <a:pos x="connsiteX17" y="connsiteY17"/>
+              </a:cxn>
+              <a:cxn ang="0">
+                <a:pos x="connsiteX18" y="connsiteY18"/>
+              </a:cxn>
+              <a:cxn ang="0">
+                <a:pos x="connsiteX19" y="connsiteY19"/>
+              </a:cxn>
+              <a:cxn ang="0">
+                <a:pos x="connsiteX20" y="connsiteY20"/>
+              </a:cxn>
+              <a:cxn ang="0">
+                <a:pos x="connsiteX21" y="connsiteY21"/>
+              </a:cxn>
+              <a:cxn ang="0">
+                <a:pos x="connsiteX22" y="connsiteY22"/>
+              </a:cxn>
+              <a:cxn ang="0">
+                <a:pos x="connsiteX23" y="connsiteY23"/>
+              </a:cxn>
+              <a:cxn ang="0">
+                <a:pos x="connsiteX24" y="connsiteY24"/>
+              </a:cxn>
+              <a:cxn ang="0">
+                <a:pos x="connsiteX25" y="connsiteY25"/>
+              </a:cxn>
+              <a:cxn ang="0">
+                <a:pos x="connsiteX26" y="connsiteY26"/>
+              </a:cxn>
+              <a:cxn ang="0">
+                <a:pos x="connsiteX27" y="connsiteY27"/>
+              </a:cxn>
+              <a:cxn ang="0">
+                <a:pos x="connsiteX28" y="connsiteY28"/>
+              </a:cxn>
+            </a:cxnLst>
+            <a:rect l="l" t="t" r="r" b="b"/>
+            <a:pathLst>
+              <a:path w="1771609" h="1140095">
+                <a:moveTo>
+                  <a:pt x="1561721" y="763041"/>
+                </a:moveTo>
+                <a:cubicBezTo>
+                  <a:pt x="1585506" y="760324"/>
+                  <a:pt x="1609722" y="771249"/>
+                  <a:pt x="1623024" y="792810"/>
+                </a:cubicBezTo>
+                <a:cubicBezTo>
+                  <a:pt x="1656300" y="850065"/>
+                  <a:pt x="1685920" y="909291"/>
+                  <a:pt x="1711735" y="970132"/>
+                </a:cubicBezTo>
+                <a:lnTo>
+                  <a:pt x="1771609" y="1140095"/>
+                </a:lnTo>
+                <a:lnTo>
+                  <a:pt x="1637225" y="1140095"/>
+                </a:lnTo>
+                <a:lnTo>
+                  <a:pt x="1594820" y="1019711"/>
+                </a:lnTo>
+                <a:cubicBezTo>
+                  <a:pt x="1571072" y="963753"/>
+                  <a:pt x="1543818" y="909282"/>
+                  <a:pt x="1513200" y="856627"/>
+                </a:cubicBezTo>
+                <a:cubicBezTo>
+                  <a:pt x="1496379" y="825834"/>
+                  <a:pt x="1507704" y="787236"/>
+                  <a:pt x="1538499" y="770415"/>
+                </a:cubicBezTo>
+                <a:cubicBezTo>
+                  <a:pt x="1545912" y="766367"/>
+                  <a:pt x="1553792" y="763946"/>
+                  <a:pt x="1561721" y="763041"/>
+                </a:cubicBezTo>
+                <a:close/>
+                <a:moveTo>
+                  <a:pt x="933455" y="161309"/>
+                </a:moveTo>
+                <a:cubicBezTo>
+                  <a:pt x="941693" y="161855"/>
+                  <a:pt x="949959" y="164025"/>
+                  <a:pt x="957797" y="167970"/>
+                </a:cubicBezTo>
+                <a:cubicBezTo>
+                  <a:pt x="1076184" y="227289"/>
+                  <a:pt x="1186759" y="301068"/>
+                  <a:pt x="1286982" y="387616"/>
+                </a:cubicBezTo>
+                <a:cubicBezTo>
+                  <a:pt x="1313547" y="410457"/>
+                  <a:pt x="1316566" y="450510"/>
+                  <a:pt x="1293725" y="477075"/>
+                </a:cubicBezTo>
+                <a:cubicBezTo>
+                  <a:pt x="1281638" y="491137"/>
+                  <a:pt x="1263998" y="499204"/>
+                  <a:pt x="1245453" y="499154"/>
+                </a:cubicBezTo>
+                <a:lnTo>
+                  <a:pt x="1245167" y="499154"/>
+                </a:lnTo>
+                <a:cubicBezTo>
+                  <a:pt x="1229965" y="499301"/>
+                  <a:pt x="1215220" y="493956"/>
+                  <a:pt x="1203638" y="484104"/>
+                </a:cubicBezTo>
+                <a:cubicBezTo>
+                  <a:pt x="1111407" y="404300"/>
+                  <a:pt x="1009633" y="336248"/>
+                  <a:pt x="900647" y="281508"/>
+                </a:cubicBezTo>
+                <a:cubicBezTo>
+                  <a:pt x="869295" y="265726"/>
+                  <a:pt x="856672" y="227516"/>
+                  <a:pt x="872454" y="196164"/>
+                </a:cubicBezTo>
+                <a:cubicBezTo>
+                  <a:pt x="884290" y="172650"/>
+                  <a:pt x="908742" y="159670"/>
+                  <a:pt x="933455" y="161309"/>
+                </a:cubicBezTo>
+                <a:close/>
+                <a:moveTo>
+                  <a:pt x="256260" y="29"/>
+                </a:moveTo>
+                <a:cubicBezTo>
+                  <a:pt x="322331" y="427"/>
+                  <a:pt x="388378" y="4909"/>
+                  <a:pt x="454020" y="13474"/>
+                </a:cubicBezTo>
+                <a:cubicBezTo>
+                  <a:pt x="488793" y="17752"/>
+                  <a:pt x="513514" y="49409"/>
+                  <a:pt x="509236" y="84182"/>
+                </a:cubicBezTo>
+                <a:cubicBezTo>
+                  <a:pt x="505303" y="116151"/>
+                  <a:pt x="478038" y="140098"/>
+                  <a:pt x="445829" y="139871"/>
+                </a:cubicBezTo>
+                <a:cubicBezTo>
+                  <a:pt x="443027" y="139899"/>
+                  <a:pt x="440227" y="139740"/>
+                  <a:pt x="437447" y="139395"/>
+                </a:cubicBezTo>
+                <a:cubicBezTo>
+                  <a:pt x="316592" y="123615"/>
+                  <a:pt x="194247" y="122878"/>
+                  <a:pt x="73211" y="137204"/>
+                </a:cubicBezTo>
+                <a:cubicBezTo>
+                  <a:pt x="38532" y="142545"/>
+                  <a:pt x="6090" y="118762"/>
+                  <a:pt x="749" y="84082"/>
+                </a:cubicBezTo>
+                <a:cubicBezTo>
+                  <a:pt x="-4591" y="49403"/>
+                  <a:pt x="19192" y="16961"/>
+                  <a:pt x="53871" y="11621"/>
+                </a:cubicBezTo>
+                <a:cubicBezTo>
+                  <a:pt x="55358" y="11392"/>
+                  <a:pt x="56852" y="11216"/>
+                  <a:pt x="58352" y="11093"/>
+                </a:cubicBezTo>
+                <a:cubicBezTo>
+                  <a:pt x="124093" y="3319"/>
+                  <a:pt x="190189" y="-369"/>
+                  <a:pt x="256260" y="29"/>
+                </a:cubicBezTo>
+                <a:close/>
+              </a:path>
+            </a:pathLst>
+          </a:custGeom>
+          <a:solidFill>
+            <a:schemeClr val="accent4"/>
+          </a:solidFill>
+          <a:ln w="9525" cap="flat">
+            <a:noFill/>
+            <a:prstDash val="solid"/>
+            <a:miter/>
+          </a:ln>
+        </p:spPr>
+        <p:txBody>
+          <a:bodyPr rtlCol="0" anchor="ctr"/>
+          <a:lstStyle/>
+          <a:p>
+            <a:endParaRPr lang="en-US"/>
+          </a:p>
+        </p:txBody>
+      </p:sp>
+      <p:pic>
+        <p:nvPicPr>
+          <p:cNvPr id="3" name="תמונה 3" descr="תמונה שמכילה אדם, לובש, משקפיים, משקפי מגן&#10;&#10;התיאור נוצר באופן אוטומטי">
+            <a:extLst>
+              <a:ext uri="{FF2B5EF4-FFF2-40B4-BE49-F238E27FC236}">
+                <a16:creationId xmlns:a16="http://schemas.microsoft.com/office/drawing/2014/main" id="{8D7A1F5F-1B55-E630-2760-4278BBE79714}"/>
+              </a:ext>
+            </a:extLst>
+          </p:cNvPr>
+          <p:cNvPicPr>
+            <a:picLocks noChangeAspect="1"/>
+          </p:cNvPicPr>
+          <p:nvPr/>
+        </p:nvPicPr>
+        <p:blipFill rotWithShape="1">
+          <a:blip r:embed="rId2"/>
+          <a:srcRect t="9429" r="3" b="700"/>
+          <a:stretch/>
+        </p:blipFill>
         <p:spPr>
           <a:xfrm>
-            <a:off x="3777133" y="2226055"/>
-            <a:ext cx="4637734" cy="2405889"/>
+            <a:off x="590087" y="661350"/>
+            <a:ext cx="5178249" cy="5178249"/>
           </a:xfrm>
+          <a:custGeom>
+            <a:avLst/>
+            <a:gdLst/>
+            <a:ahLst/>
+            <a:cxnLst/>
+            <a:rect l="l" t="t" r="r" b="b"/>
+            <a:pathLst>
+              <a:path w="3741748" h="3741748">
+                <a:moveTo>
+                  <a:pt x="1870874" y="0"/>
+                </a:moveTo>
+                <a:cubicBezTo>
+                  <a:pt x="2904129" y="0"/>
+                  <a:pt x="3741748" y="837619"/>
+                  <a:pt x="3741748" y="1870874"/>
+                </a:cubicBezTo>
+                <a:cubicBezTo>
+                  <a:pt x="3741748" y="2904129"/>
+                  <a:pt x="2904129" y="3741748"/>
+                  <a:pt x="1870874" y="3741748"/>
+                </a:cubicBezTo>
+                <a:cubicBezTo>
+                  <a:pt x="837619" y="3741748"/>
+                  <a:pt x="0" y="2904129"/>
+                  <a:pt x="0" y="1870874"/>
+                </a:cubicBezTo>
+                <a:cubicBezTo>
+                  <a:pt x="0" y="837619"/>
+                  <a:pt x="837619" y="0"/>
+                  <a:pt x="1870874" y="0"/>
+                </a:cubicBezTo>
+                <a:close/>
+              </a:path>
+            </a:pathLst>
+          </a:custGeom>
         </p:spPr>
-        <p:txBody>
-          <a:bodyPr>
-            <a:normAutofit/>
+      </p:pic>
+      <p:sp>
+        <p:nvSpPr>
+          <p:cNvPr id="38" name="Freeform: Shape 37">
+            <a:extLst>
+              <a:ext uri="{FF2B5EF4-FFF2-40B4-BE49-F238E27FC236}">
+                <a16:creationId xmlns:a16="http://schemas.microsoft.com/office/drawing/2014/main" id="{5F2F0C84-BE8C-4DC2-A6D3-30349A801D5C}"/>
+              </a:ext>
+              <a:ext uri="{C183D7F6-B498-43B3-948B-1728B52AA6E4}">
+                <adec:decorative xmlns:adec="http://schemas.microsoft.com/office/drawing/2017/decorative" val="1"/>
+              </a:ext>
+            </a:extLst>
+          </p:cNvPr>
+          <p:cNvSpPr>
+            <a:spLocks noGrp="1" noRot="1" noChangeAspect="1" noMove="1" noResize="1" noEditPoints="1" noAdjustHandles="1" noChangeArrowheads="1" noChangeShapeType="1" noTextEdit="1"/>
+          </p:cNvSpPr>
+          <p:nvPr>
+            <p:extLst>
+              <p:ext uri="{386F3935-93C4-4BCD-93E2-E3B085C9AB24}">
+                <p16:designElem xmlns:p16="http://schemas.microsoft.com/office/powerpoint/2015/main" val="1"/>
+              </p:ext>
+            </p:extLst>
+          </p:nvPr>
+        </p:nvSpPr>
+        <p:spPr>
+          <a:xfrm flipH="1">
+            <a:off x="4520513" y="6258756"/>
+            <a:ext cx="1565940" cy="599245"/>
+          </a:xfrm>
+          <a:custGeom>
+            <a:avLst/>
+            <a:gdLst>
+              <a:gd name="connsiteX0" fmla="*/ 782970 w 1565940"/>
+              <a:gd name="connsiteY0" fmla="*/ 0 h 599245"/>
+              <a:gd name="connsiteX1" fmla="*/ 1528042 w 1565940"/>
+              <a:gd name="connsiteY1" fmla="*/ 480469 h 599245"/>
+              <a:gd name="connsiteX2" fmla="*/ 1565940 w 1565940"/>
+              <a:gd name="connsiteY2" fmla="*/ 599245 h 599245"/>
+              <a:gd name="connsiteX3" fmla="*/ 0 w 1565940"/>
+              <a:gd name="connsiteY3" fmla="*/ 599245 h 599245"/>
+              <a:gd name="connsiteX4" fmla="*/ 37898 w 1565940"/>
+              <a:gd name="connsiteY4" fmla="*/ 480469 h 599245"/>
+              <a:gd name="connsiteX5" fmla="*/ 782970 w 1565940"/>
+              <a:gd name="connsiteY5" fmla="*/ 0 h 599245"/>
+            </a:gdLst>
+            <a:ahLst/>
+            <a:cxnLst>
+              <a:cxn ang="0">
+                <a:pos x="connsiteX0" y="connsiteY0"/>
+              </a:cxn>
+              <a:cxn ang="0">
+                <a:pos x="connsiteX1" y="connsiteY1"/>
+              </a:cxn>
+              <a:cxn ang="0">
+                <a:pos x="connsiteX2" y="connsiteY2"/>
+              </a:cxn>
+              <a:cxn ang="0">
+                <a:pos x="connsiteX3" y="connsiteY3"/>
+              </a:cxn>
+              <a:cxn ang="0">
+                <a:pos x="connsiteX4" y="connsiteY4"/>
+              </a:cxn>
+              <a:cxn ang="0">
+                <a:pos x="connsiteX5" y="connsiteY5"/>
+              </a:cxn>
+            </a:cxnLst>
+            <a:rect l="l" t="t" r="r" b="b"/>
+            <a:pathLst>
+              <a:path w="1565940" h="599245">
+                <a:moveTo>
+                  <a:pt x="782970" y="0"/>
+                </a:moveTo>
+                <a:cubicBezTo>
+                  <a:pt x="1117910" y="0"/>
+                  <a:pt x="1405287" y="198118"/>
+                  <a:pt x="1528042" y="480469"/>
+                </a:cubicBezTo>
+                <a:lnTo>
+                  <a:pt x="1565940" y="599245"/>
+                </a:lnTo>
+                <a:lnTo>
+                  <a:pt x="0" y="599245"/>
+                </a:lnTo>
+                <a:lnTo>
+                  <a:pt x="37898" y="480469"/>
+                </a:lnTo>
+                <a:cubicBezTo>
+                  <a:pt x="160653" y="198118"/>
+                  <a:pt x="448030" y="0"/>
+                  <a:pt x="782970" y="0"/>
+                </a:cubicBezTo>
+                <a:close/>
+              </a:path>
+            </a:pathLst>
+          </a:custGeom>
+          <a:solidFill>
+            <a:schemeClr val="accent2"/>
+          </a:solidFill>
+          <a:ln>
+            <a:noFill/>
+          </a:ln>
+        </p:spPr>
+        <p:style>
+          <a:lnRef idx="2">
+            <a:schemeClr val="accent1">
+              <a:shade val="50000"/>
+            </a:schemeClr>
+          </a:lnRef>
+          <a:fillRef idx="1">
+            <a:schemeClr val="accent1"/>
+          </a:fillRef>
+          <a:effectRef idx="0">
+            <a:schemeClr val="accent1"/>
+          </a:effectRef>
+          <a:fontRef idx="minor">
+            <a:schemeClr val="lt1"/>
+          </a:fontRef>
+        </p:style>
+        <p:txBody>
+          <a:bodyPr wrap="square" rtlCol="0" anchor="ctr">
+            <a:noAutofit/>
           </a:bodyPr>
           <a:lstStyle/>
           <a:p>
-            <a:r>
-              <a:rPr lang="en-US" sz="6600" b="1" dirty="0"/>
-              <a:t>Questions?</a:t>
-            </a:r>
-            <a:endParaRPr lang="en-GB" sz="6600" b="1" dirty="0"/>
+            <a:pPr algn="ctr"/>
+            <a:endParaRPr lang="en-US"/>
           </a:p>
         </p:txBody>
       </p:sp>
@@ -4042,6 +5179,14 @@
 <file path=ppt/slides/slide2.xml><?xml version="1.0" encoding="utf-8"?>
 <p:sld xmlns:a="http://schemas.openxmlformats.org/drawingml/2006/main" xmlns:r="http://schemas.openxmlformats.org/officeDocument/2006/relationships" xmlns:p="http://schemas.openxmlformats.org/presentationml/2006/main">
   <p:cSld>
+    <p:bg>
+      <p:bgPr>
+        <a:solidFill>
+          <a:schemeClr val="bg1"/>
+        </a:solidFill>
+        <a:effectLst/>
+      </p:bgPr>
+    </p:bg>
     <p:spTree>
       <p:nvGrpSpPr>
         <p:cNvPr id="1" name=""/>
@@ -4056,8 +5201,202 @@
           <a:chExt cx="0" cy="0"/>
         </a:xfrm>
       </p:grpSpPr>
+      <p:sp useBgFill="1">
+        <p:nvSpPr>
+          <p:cNvPr id="9" name="Rectangle 8">
+            <a:extLst>
+              <a:ext uri="{FF2B5EF4-FFF2-40B4-BE49-F238E27FC236}">
+                <a16:creationId xmlns:a16="http://schemas.microsoft.com/office/drawing/2014/main" id="{907EF6B7-1338-4443-8C46-6A318D952DFD}"/>
+              </a:ext>
+              <a:ext uri="{C183D7F6-B498-43B3-948B-1728B52AA6E4}">
+                <adec:decorative xmlns:adec="http://schemas.microsoft.com/office/drawing/2017/decorative" val="1"/>
+              </a:ext>
+            </a:extLst>
+          </p:cNvPr>
+          <p:cNvSpPr>
+            <a:spLocks noGrp="1" noRot="1" noChangeAspect="1" noMove="1" noResize="1" noEditPoints="1" noAdjustHandles="1" noChangeArrowheads="1" noChangeShapeType="1" noTextEdit="1"/>
+          </p:cNvSpPr>
+          <p:nvPr>
+            <p:extLst>
+              <p:ext uri="{386F3935-93C4-4BCD-93E2-E3B085C9AB24}">
+                <p16:designElem xmlns:p16="http://schemas.microsoft.com/office/powerpoint/2015/main" val="1"/>
+              </p:ext>
+            </p:extLst>
+          </p:nvPr>
+        </p:nvSpPr>
+        <p:spPr>
+          <a:xfrm>
+            <a:off x="3048" y="0"/>
+            <a:ext cx="12188952" cy="6858000"/>
+          </a:xfrm>
+          <a:prstGeom prst="rect">
+            <a:avLst/>
+          </a:prstGeom>
+          <a:ln>
+            <a:noFill/>
+          </a:ln>
+        </p:spPr>
+        <p:style>
+          <a:lnRef idx="2">
+            <a:schemeClr val="accent1">
+              <a:shade val="50000"/>
+            </a:schemeClr>
+          </a:lnRef>
+          <a:fillRef idx="1">
+            <a:schemeClr val="accent1"/>
+          </a:fillRef>
+          <a:effectRef idx="0">
+            <a:schemeClr val="accent1"/>
+          </a:effectRef>
+          <a:fontRef idx="minor">
+            <a:schemeClr val="lt1"/>
+          </a:fontRef>
+        </p:style>
+        <p:txBody>
+          <a:bodyPr rtlCol="0" anchor="ctr"/>
+          <a:lstStyle/>
+          <a:p>
+            <a:pPr algn="ctr"/>
+            <a:endParaRPr lang="en-US"/>
+          </a:p>
+        </p:txBody>
+      </p:sp>
       <p:sp>
         <p:nvSpPr>
+          <p:cNvPr id="11" name="Freeform: Shape 10">
+            <a:extLst>
+              <a:ext uri="{FF2B5EF4-FFF2-40B4-BE49-F238E27FC236}">
+                <a16:creationId xmlns:a16="http://schemas.microsoft.com/office/drawing/2014/main" id="{DAAE4CDD-124C-4DCF-9584-B6033B545DD5}"/>
+              </a:ext>
+              <a:ext uri="{C183D7F6-B498-43B3-948B-1728B52AA6E4}">
+                <adec:decorative xmlns:adec="http://schemas.microsoft.com/office/drawing/2017/decorative" val="1"/>
+              </a:ext>
+            </a:extLst>
+          </p:cNvPr>
+          <p:cNvSpPr>
+            <a:spLocks noGrp="1" noRot="1" noChangeAspect="1" noMove="1" noResize="1" noEditPoints="1" noAdjustHandles="1" noChangeArrowheads="1" noChangeShapeType="1" noTextEdit="1"/>
+          </p:cNvSpPr>
+          <p:nvPr>
+            <p:extLst>
+              <p:ext uri="{386F3935-93C4-4BCD-93E2-E3B085C9AB24}">
+                <p16:designElem xmlns:p16="http://schemas.microsoft.com/office/powerpoint/2015/main" val="1"/>
+              </p:ext>
+            </p:extLst>
+          </p:nvPr>
+        </p:nvSpPr>
+        <p:spPr>
+          <a:xfrm>
+            <a:off x="1" y="0"/>
+            <a:ext cx="4167271" cy="6858000"/>
+          </a:xfrm>
+          <a:custGeom>
+            <a:avLst/>
+            <a:gdLst>
+              <a:gd name="connsiteX0" fmla="*/ 0 w 4167271"/>
+              <a:gd name="connsiteY0" fmla="*/ 0 h 6858000"/>
+              <a:gd name="connsiteX1" fmla="*/ 2259550 w 4167271"/>
+              <a:gd name="connsiteY1" fmla="*/ 0 h 6858000"/>
+              <a:gd name="connsiteX2" fmla="*/ 2387803 w 4167271"/>
+              <a:gd name="connsiteY2" fmla="*/ 82222 h 6858000"/>
+              <a:gd name="connsiteX3" fmla="*/ 4167271 w 4167271"/>
+              <a:gd name="connsiteY3" fmla="*/ 3429000 h 6858000"/>
+              <a:gd name="connsiteX4" fmla="*/ 2387803 w 4167271"/>
+              <a:gd name="connsiteY4" fmla="*/ 6775779 h 6858000"/>
+              <a:gd name="connsiteX5" fmla="*/ 2259550 w 4167271"/>
+              <a:gd name="connsiteY5" fmla="*/ 6858000 h 6858000"/>
+              <a:gd name="connsiteX6" fmla="*/ 0 w 4167271"/>
+              <a:gd name="connsiteY6" fmla="*/ 6858000 h 6858000"/>
+            </a:gdLst>
+            <a:ahLst/>
+            <a:cxnLst>
+              <a:cxn ang="0">
+                <a:pos x="connsiteX0" y="connsiteY0"/>
+              </a:cxn>
+              <a:cxn ang="0">
+                <a:pos x="connsiteX1" y="connsiteY1"/>
+              </a:cxn>
+              <a:cxn ang="0">
+                <a:pos x="connsiteX2" y="connsiteY2"/>
+              </a:cxn>
+              <a:cxn ang="0">
+                <a:pos x="connsiteX3" y="connsiteY3"/>
+              </a:cxn>
+              <a:cxn ang="0">
+                <a:pos x="connsiteX4" y="connsiteY4"/>
+              </a:cxn>
+              <a:cxn ang="0">
+                <a:pos x="connsiteX5" y="connsiteY5"/>
+              </a:cxn>
+              <a:cxn ang="0">
+                <a:pos x="connsiteX6" y="connsiteY6"/>
+              </a:cxn>
+            </a:cxnLst>
+            <a:rect l="l" t="t" r="r" b="b"/>
+            <a:pathLst>
+              <a:path w="4167271" h="6858000">
+                <a:moveTo>
+                  <a:pt x="0" y="0"/>
+                </a:moveTo>
+                <a:lnTo>
+                  <a:pt x="2259550" y="0"/>
+                </a:lnTo>
+                <a:lnTo>
+                  <a:pt x="2387803" y="82222"/>
+                </a:lnTo>
+                <a:cubicBezTo>
+                  <a:pt x="3461407" y="807534"/>
+                  <a:pt x="4167271" y="2035835"/>
+                  <a:pt x="4167271" y="3429000"/>
+                </a:cubicBezTo>
+                <a:cubicBezTo>
+                  <a:pt x="4167271" y="4822165"/>
+                  <a:pt x="3461407" y="6050467"/>
+                  <a:pt x="2387803" y="6775779"/>
+                </a:cubicBezTo>
+                <a:lnTo>
+                  <a:pt x="2259550" y="6858000"/>
+                </a:lnTo>
+                <a:lnTo>
+                  <a:pt x="0" y="6858000"/>
+                </a:lnTo>
+                <a:close/>
+              </a:path>
+            </a:pathLst>
+          </a:custGeom>
+          <a:solidFill>
+            <a:schemeClr val="accent2"/>
+          </a:solidFill>
+          <a:ln>
+            <a:noFill/>
+          </a:ln>
+        </p:spPr>
+        <p:style>
+          <a:lnRef idx="2">
+            <a:schemeClr val="accent1">
+              <a:shade val="50000"/>
+            </a:schemeClr>
+          </a:lnRef>
+          <a:fillRef idx="1">
+            <a:schemeClr val="accent1"/>
+          </a:fillRef>
+          <a:effectRef idx="0">
+            <a:schemeClr val="accent1"/>
+          </a:effectRef>
+          <a:fontRef idx="minor">
+            <a:schemeClr val="lt1"/>
+          </a:fontRef>
+        </p:style>
+        <p:txBody>
+          <a:bodyPr rtlCol="0" anchor="ctr"/>
+          <a:lstStyle/>
+          <a:p>
+            <a:pPr algn="ctr"/>
+            <a:endParaRPr lang="en-US"/>
+          </a:p>
+        </p:txBody>
+      </p:sp>
+      <p:sp>
+        <p:nvSpPr>
           <p:cNvPr id="2" name="Title 1">
             <a:extLst>
               <a:ext uri="{FF2B5EF4-FFF2-40B4-BE49-F238E27FC236}">
@@ -4072,19 +5411,25 @@
             <p:ph type="title"/>
           </p:nvPr>
         </p:nvSpPr>
-        <p:spPr/>
-        <p:txBody>
-          <a:bodyPr/>
+        <p:spPr>
+          <a:xfrm>
+            <a:off x="686834" y="1153572"/>
+            <a:ext cx="3200400" cy="4461163"/>
+          </a:xfrm>
+        </p:spPr>
+        <p:txBody>
+          <a:bodyPr>
+            <a:normAutofit/>
+          </a:bodyPr>
           <a:lstStyle/>
           <a:p>
-            <a:pPr algn="l"/>
-            <a:r>
-              <a:rPr kumimoji="0" lang="en-US" sz="4400" b="1" i="0" u="none" strike="noStrike" kern="1200" cap="none" spc="0" normalizeH="0" baseline="0" noProof="0" dirty="0">
+            <a:r>
+              <a:rPr kumimoji="0" lang="en-US" b="1" i="0" u="none" strike="noStrike" kern="1200" cap="none" spc="0" normalizeH="0" baseline="0" noProof="0">
                 <a:ln>
                   <a:noFill/>
                 </a:ln>
                 <a:solidFill>
-                  <a:prstClr val="black"/>
+                  <a:srgbClr val="FFFFFF"/>
                 </a:solidFill>
                 <a:effectLst/>
                 <a:uLnTx/>
@@ -4099,6 +5444,67 @@
       </p:sp>
       <p:sp>
         <p:nvSpPr>
+          <p:cNvPr id="13" name="Arc 12">
+            <a:extLst>
+              <a:ext uri="{FF2B5EF4-FFF2-40B4-BE49-F238E27FC236}">
+                <a16:creationId xmlns:a16="http://schemas.microsoft.com/office/drawing/2014/main" id="{081E4A58-353D-44AE-B2FC-2A74E2E400F7}"/>
+              </a:ext>
+              <a:ext uri="{C183D7F6-B498-43B3-948B-1728B52AA6E4}">
+                <adec:decorative xmlns:adec="http://schemas.microsoft.com/office/drawing/2017/decorative" val="1"/>
+              </a:ext>
+            </a:extLst>
+          </p:cNvPr>
+          <p:cNvSpPr>
+            <a:spLocks noGrp="1" noRot="1" noChangeAspect="1" noMove="1" noResize="1" noEditPoints="1" noAdjustHandles="1" noChangeArrowheads="1" noChangeShapeType="1" noTextEdit="1"/>
+          </p:cNvSpPr>
+          <p:nvPr>
+            <p:extLst>
+              <p:ext uri="{386F3935-93C4-4BCD-93E2-E3B085C9AB24}">
+                <p16:designElem xmlns:p16="http://schemas.microsoft.com/office/powerpoint/2015/main" val="1"/>
+              </p:ext>
+            </p:extLst>
+          </p:nvPr>
+        </p:nvSpPr>
+        <p:spPr>
+          <a:xfrm flipV="1">
+            <a:off x="7550402" y="2455479"/>
+            <a:ext cx="4083433" cy="4083433"/>
+          </a:xfrm>
+          <a:prstGeom prst="arc">
+            <a:avLst/>
+          </a:prstGeom>
+          <a:ln w="127000" cap="rnd">
+            <a:solidFill>
+              <a:schemeClr val="accent4"/>
+            </a:solidFill>
+            <a:prstDash val="dash"/>
+          </a:ln>
+        </p:spPr>
+        <p:style>
+          <a:lnRef idx="1">
+            <a:schemeClr val="accent1"/>
+          </a:lnRef>
+          <a:fillRef idx="0">
+            <a:schemeClr val="accent1"/>
+          </a:fillRef>
+          <a:effectRef idx="0">
+            <a:schemeClr val="accent1"/>
+          </a:effectRef>
+          <a:fontRef idx="minor">
+            <a:schemeClr val="tx1"/>
+          </a:fontRef>
+        </p:style>
+        <p:txBody>
+          <a:bodyPr rtlCol="0" anchor="ctr"/>
+          <a:lstStyle/>
+          <a:p>
+            <a:pPr algn="ctr"/>
+            <a:endParaRPr lang="en-US"/>
+          </a:p>
+        </p:txBody>
+      </p:sp>
+      <p:sp>
+        <p:nvSpPr>
           <p:cNvPr id="4" name="Content Placeholder 2">
             <a:extLst>
               <a:ext uri="{FF2B5EF4-FFF2-40B4-BE49-F238E27FC236}">
@@ -4115,20 +5521,17 @@
         </p:nvSpPr>
         <p:spPr>
           <a:xfrm>
-            <a:off x="838200" y="1825625"/>
-            <a:ext cx="10115550" cy="4664488"/>
+            <a:off x="4447308" y="591344"/>
+            <a:ext cx="6906491" cy="5585619"/>
           </a:xfrm>
         </p:spPr>
         <p:txBody>
-          <a:bodyPr vert="horz" lIns="91440" tIns="45720" rIns="91440" bIns="45720" rtlCol="0" anchor="t">
+          <a:bodyPr vert="horz" lIns="91440" tIns="45720" rIns="91440" bIns="45720" rtlCol="0" anchor="ctr">
             <a:normAutofit/>
           </a:bodyPr>
           <a:lstStyle/>
           <a:p>
-            <a:pPr marL="228600" marR="0" lvl="0" indent="-228600" algn="l" defTabSz="914400" rtl="0" eaLnBrk="1" fontAlgn="auto" latinLnBrk="0" hangingPunct="1">
-              <a:lnSpc>
-                <a:spcPct val="90000"/>
-              </a:lnSpc>
+            <a:pPr marL="228600" marR="0" lvl="0" indent="-228600" defTabSz="914400" rtl="0" eaLnBrk="1" fontAlgn="auto" latinLnBrk="0" hangingPunct="1">
               <a:spcBef>
                 <a:spcPts val="1000"/>
               </a:spcBef>
@@ -4147,9 +5550,6 @@
                 <a:ln>
                   <a:noFill/>
                 </a:ln>
-                <a:solidFill>
-                  <a:prstClr val="black"/>
-                </a:solidFill>
                 <a:effectLst/>
                 <a:uLnTx/>
                 <a:uFillTx/>
@@ -4160,10 +5560,7 @@
             </a:r>
           </a:p>
           <a:p>
-            <a:pPr marL="228600" marR="0" lvl="0" indent="-228600" algn="l" defTabSz="914400" rtl="0" eaLnBrk="1" fontAlgn="auto" latinLnBrk="0" hangingPunct="1">
-              <a:lnSpc>
-                <a:spcPct val="90000"/>
-              </a:lnSpc>
+            <a:pPr marL="228600" marR="0" lvl="0" indent="-228600" defTabSz="914400" rtl="0" eaLnBrk="1" fontAlgn="auto" latinLnBrk="0" hangingPunct="1">
               <a:spcBef>
                 <a:spcPts val="1000"/>
               </a:spcBef>
@@ -4182,9 +5579,6 @@
                 <a:ln>
                   <a:noFill/>
                 </a:ln>
-                <a:solidFill>
-                  <a:prstClr val="black"/>
-                </a:solidFill>
                 <a:effectLst/>
                 <a:uLnTx/>
                 <a:uFillTx/>
@@ -4195,10 +5589,7 @@
             </a:r>
           </a:p>
           <a:p>
-            <a:pPr marL="228600" marR="0" lvl="0" indent="-228600" algn="l" defTabSz="914400" rtl="0" eaLnBrk="1" fontAlgn="auto" latinLnBrk="0" hangingPunct="1">
-              <a:lnSpc>
-                <a:spcPct val="90000"/>
-              </a:lnSpc>
+            <a:pPr marL="228600" marR="0" lvl="0" indent="-228600" defTabSz="914400" rtl="0" eaLnBrk="1" fontAlgn="auto" latinLnBrk="0" hangingPunct="1">
               <a:spcBef>
                 <a:spcPts val="1000"/>
               </a:spcBef>
@@ -4214,19 +5605,13 @@
             </a:pPr>
             <a:r>
               <a:rPr lang="en-US" sz="3200" dirty="0">
-                <a:solidFill>
-                  <a:prstClr val="black"/>
-                </a:solidFill>
                 <a:cs typeface="Arial" panose="020B0604020202020204" pitchFamily="34" charset="0"/>
               </a:rPr>
               <a:t>Glove</a:t>
             </a:r>
           </a:p>
           <a:p>
-            <a:pPr marL="228600" marR="0" lvl="0" indent="-228600" algn="l" defTabSz="914400" rtl="0" eaLnBrk="1" fontAlgn="auto" latinLnBrk="0" hangingPunct="1">
-              <a:lnSpc>
-                <a:spcPct val="90000"/>
-              </a:lnSpc>
+            <a:pPr marL="228600" marR="0" lvl="0" indent="-228600" defTabSz="914400" rtl="0" eaLnBrk="1" fontAlgn="auto" latinLnBrk="0" hangingPunct="1">
               <a:spcBef>
                 <a:spcPts val="1000"/>
               </a:spcBef>
@@ -4242,19 +5627,13 @@
             </a:pPr>
             <a:r>
               <a:rPr lang="en-US" sz="3200" dirty="0">
-                <a:solidFill>
-                  <a:prstClr val="black"/>
-                </a:solidFill>
                 <a:cs typeface="Arial" panose="020B0604020202020204" pitchFamily="34" charset="0"/>
               </a:rPr>
               <a:t>Past work</a:t>
             </a:r>
           </a:p>
           <a:p>
-            <a:pPr marL="228600" marR="0" lvl="0" indent="-228600" algn="l" defTabSz="914400" rtl="0" eaLnBrk="1" fontAlgn="auto" latinLnBrk="0" hangingPunct="1">
-              <a:lnSpc>
-                <a:spcPct val="90000"/>
-              </a:lnSpc>
+            <a:pPr marL="228600" marR="0" lvl="0" indent="-228600" defTabSz="914400" rtl="0" eaLnBrk="1" fontAlgn="auto" latinLnBrk="0" hangingPunct="1">
               <a:spcBef>
                 <a:spcPts val="1000"/>
               </a:spcBef>
@@ -4273,9 +5652,6 @@
                 <a:ln>
                   <a:noFill/>
                 </a:ln>
-                <a:solidFill>
-                  <a:prstClr val="black"/>
-                </a:solidFill>
                 <a:effectLst/>
                 <a:uLnTx/>
                 <a:uFillTx/>
@@ -4286,10 +5662,7 @@
             </a:r>
           </a:p>
           <a:p>
-            <a:pPr marL="228600" marR="0" lvl="0" indent="-228600" algn="l" defTabSz="914400" rtl="0" eaLnBrk="1" fontAlgn="auto" latinLnBrk="0" hangingPunct="1">
-              <a:lnSpc>
-                <a:spcPct val="90000"/>
-              </a:lnSpc>
+            <a:pPr marL="228600" marR="0" lvl="0" indent="-228600" defTabSz="914400" rtl="0" eaLnBrk="1" fontAlgn="auto" latinLnBrk="0" hangingPunct="1">
               <a:spcBef>
                 <a:spcPts val="1000"/>
               </a:spcBef>
@@ -4305,19 +5678,13 @@
             </a:pPr>
             <a:r>
               <a:rPr lang="en-US" sz="3200" dirty="0">
-                <a:solidFill>
-                  <a:prstClr val="black"/>
-                </a:solidFill>
                 <a:cs typeface="Arial" panose="020B0604020202020204" pitchFamily="34" charset="0"/>
               </a:rPr>
               <a:t>Future work</a:t>
             </a:r>
           </a:p>
           <a:p>
-            <a:pPr marL="228600" marR="0" lvl="0" indent="-228600" algn="l" defTabSz="914400" rtl="0" eaLnBrk="1" fontAlgn="auto" latinLnBrk="0" hangingPunct="1">
-              <a:lnSpc>
-                <a:spcPct val="90000"/>
-              </a:lnSpc>
+            <a:pPr marL="228600" marR="0" lvl="0" indent="-228600" defTabSz="914400" rtl="0" eaLnBrk="1" fontAlgn="auto" latinLnBrk="0" hangingPunct="1">
               <a:spcBef>
                 <a:spcPts val="1000"/>
               </a:spcBef>
@@ -4335,9 +5702,6 @@
               <a:ln>
                 <a:noFill/>
               </a:ln>
-              <a:solidFill>
-                <a:prstClr val="black"/>
-              </a:solidFill>
               <a:effectLst/>
               <a:uLnTx/>
               <a:uFillTx/>
@@ -4363,6 +5727,14 @@
 <file path=ppt/slides/slide3.xml><?xml version="1.0" encoding="utf-8"?>
 <p:sld xmlns:a="http://schemas.openxmlformats.org/drawingml/2006/main" xmlns:r="http://schemas.openxmlformats.org/officeDocument/2006/relationships" xmlns:p="http://schemas.openxmlformats.org/presentationml/2006/main">
   <p:cSld>
+    <p:bg>
+      <p:bgPr>
+        <a:solidFill>
+          <a:schemeClr val="bg1"/>
+        </a:solidFill>
+        <a:effectLst/>
+      </p:bgPr>
+    </p:bg>
     <p:spTree>
       <p:nvGrpSpPr>
         <p:cNvPr id="1" name=""/>
@@ -4377,6 +5749,66 @@
           <a:chExt cx="0" cy="0"/>
         </a:xfrm>
       </p:grpSpPr>
+      <p:sp useBgFill="1">
+        <p:nvSpPr>
+          <p:cNvPr id="29" name="Rectangle 28">
+            <a:extLst>
+              <a:ext uri="{FF2B5EF4-FFF2-40B4-BE49-F238E27FC236}">
+                <a16:creationId xmlns:a16="http://schemas.microsoft.com/office/drawing/2014/main" id="{2B97F24A-32CE-4C1C-A50D-3016B394DCFB}"/>
+              </a:ext>
+              <a:ext uri="{C183D7F6-B498-43B3-948B-1728B52AA6E4}">
+                <adec:decorative xmlns:adec="http://schemas.microsoft.com/office/drawing/2017/decorative" val="1"/>
+              </a:ext>
+            </a:extLst>
+          </p:cNvPr>
+          <p:cNvSpPr>
+            <a:spLocks noGrp="1" noRot="1" noChangeAspect="1" noMove="1" noResize="1" noEditPoints="1" noAdjustHandles="1" noChangeArrowheads="1" noChangeShapeType="1" noTextEdit="1"/>
+          </p:cNvSpPr>
+          <p:nvPr>
+            <p:extLst>
+              <p:ext uri="{386F3935-93C4-4BCD-93E2-E3B085C9AB24}">
+                <p16:designElem xmlns:p16="http://schemas.microsoft.com/office/powerpoint/2015/main" val="1"/>
+              </p:ext>
+            </p:extLst>
+          </p:nvPr>
+        </p:nvSpPr>
+        <p:spPr>
+          <a:xfrm>
+            <a:off x="0" y="0"/>
+            <a:ext cx="12192000" cy="6858000"/>
+          </a:xfrm>
+          <a:prstGeom prst="rect">
+            <a:avLst/>
+          </a:prstGeom>
+          <a:ln>
+            <a:noFill/>
+          </a:ln>
+        </p:spPr>
+        <p:style>
+          <a:lnRef idx="2">
+            <a:schemeClr val="accent1">
+              <a:shade val="50000"/>
+            </a:schemeClr>
+          </a:lnRef>
+          <a:fillRef idx="1">
+            <a:schemeClr val="accent1"/>
+          </a:fillRef>
+          <a:effectRef idx="0">
+            <a:schemeClr val="accent1"/>
+          </a:effectRef>
+          <a:fontRef idx="minor">
+            <a:schemeClr val="lt1"/>
+          </a:fontRef>
+        </p:style>
+        <p:txBody>
+          <a:bodyPr rtlCol="0" anchor="ctr"/>
+          <a:lstStyle/>
+          <a:p>
+            <a:pPr algn="ctr"/>
+            <a:endParaRPr lang="en-US"/>
+          </a:p>
+        </p:txBody>
+      </p:sp>
       <p:sp>
         <p:nvSpPr>
           <p:cNvPr id="2" name="Title 1">
@@ -4393,20 +5825,23 @@
             <p:ph type="title"/>
           </p:nvPr>
         </p:nvSpPr>
-        <p:spPr/>
-        <p:txBody>
-          <a:bodyPr/>
+        <p:spPr>
+          <a:xfrm>
+            <a:off x="630936" y="639520"/>
+            <a:ext cx="3429000" cy="1719072"/>
+          </a:xfrm>
+        </p:spPr>
+        <p:txBody>
+          <a:bodyPr anchor="b">
+            <a:normAutofit/>
+          </a:bodyPr>
           <a:lstStyle/>
           <a:p>
-            <a:pPr algn="l"/>
-            <a:r>
-              <a:rPr kumimoji="0" lang="en-US" sz="4400" b="1" i="0" u="none" strike="noStrike" kern="1200" cap="none" spc="0" normalizeH="0" baseline="0" noProof="0" dirty="0">
+            <a:r>
+              <a:rPr kumimoji="0" lang="en-US" sz="5000" b="1" i="0" u="none" strike="noStrike" kern="1200" cap="none" spc="0" normalizeH="0" baseline="0" noProof="0" dirty="0">
                 <a:ln>
                   <a:noFill/>
                 </a:ln>
-                <a:solidFill>
-                  <a:prstClr val="black"/>
-                </a:solidFill>
                 <a:effectLst/>
                 <a:uLnTx/>
                 <a:uFillTx/>
@@ -4420,36 +5855,306 @@
       </p:sp>
       <p:sp>
         <p:nvSpPr>
-          <p:cNvPr id="4" name="Content Placeholder 2">
-            <a:extLst>
-              <a:ext uri="{FF2B5EF4-FFF2-40B4-BE49-F238E27FC236}">
-                <a16:creationId xmlns:a16="http://schemas.microsoft.com/office/drawing/2014/main" id="{511D9F8B-3BF0-CEF2-E14C-36FAE1E77A6B}"/>
-              </a:ext>
-            </a:extLst>
-          </p:cNvPr>
-          <p:cNvSpPr>
-            <a:spLocks noGrp="1"/>
-          </p:cNvSpPr>
-          <p:nvPr>
-            <p:ph idx="1"/>
+          <p:cNvPr id="31" name="sketch line">
+            <a:extLst>
+              <a:ext uri="{FF2B5EF4-FFF2-40B4-BE49-F238E27FC236}">
+                <a16:creationId xmlns:a16="http://schemas.microsoft.com/office/drawing/2014/main" id="{CD8B4F24-440B-49E9-B85D-733523DC064B}"/>
+              </a:ext>
+              <a:ext uri="{C183D7F6-B498-43B3-948B-1728B52AA6E4}">
+                <adec:decorative xmlns:adec="http://schemas.microsoft.com/office/drawing/2017/decorative" val="1"/>
+              </a:ext>
+            </a:extLst>
+          </p:cNvPr>
+          <p:cNvSpPr>
+            <a:spLocks noGrp="1" noRot="1" noChangeAspect="1" noMove="1" noResize="1" noEditPoints="1" noAdjustHandles="1" noChangeArrowheads="1" noChangeShapeType="1" noTextEdit="1"/>
+          </p:cNvSpPr>
+          <p:nvPr>
+            <p:extLst>
+              <p:ext uri="{386F3935-93C4-4BCD-93E2-E3B085C9AB24}">
+                <p16:designElem xmlns:p16="http://schemas.microsoft.com/office/powerpoint/2015/main" val="1"/>
+              </p:ext>
+            </p:extLst>
           </p:nvPr>
         </p:nvSpPr>
         <p:spPr>
           <a:xfrm>
-            <a:off x="838200" y="1825625"/>
-            <a:ext cx="10115550" cy="4664488"/>
+            <a:off x="643278" y="2573756"/>
+            <a:ext cx="3255095" cy="18288"/>
+          </a:xfrm>
+          <a:custGeom>
+            <a:avLst/>
+            <a:gdLst>
+              <a:gd name="connsiteX0" fmla="*/ 0 w 3255095"/>
+              <a:gd name="connsiteY0" fmla="*/ 0 h 18288"/>
+              <a:gd name="connsiteX1" fmla="*/ 618468 w 3255095"/>
+              <a:gd name="connsiteY1" fmla="*/ 0 h 18288"/>
+              <a:gd name="connsiteX2" fmla="*/ 1269487 w 3255095"/>
+              <a:gd name="connsiteY2" fmla="*/ 0 h 18288"/>
+              <a:gd name="connsiteX3" fmla="*/ 1953057 w 3255095"/>
+              <a:gd name="connsiteY3" fmla="*/ 0 h 18288"/>
+              <a:gd name="connsiteX4" fmla="*/ 2636627 w 3255095"/>
+              <a:gd name="connsiteY4" fmla="*/ 0 h 18288"/>
+              <a:gd name="connsiteX5" fmla="*/ 3255095 w 3255095"/>
+              <a:gd name="connsiteY5" fmla="*/ 0 h 18288"/>
+              <a:gd name="connsiteX6" fmla="*/ 3255095 w 3255095"/>
+              <a:gd name="connsiteY6" fmla="*/ 18288 h 18288"/>
+              <a:gd name="connsiteX7" fmla="*/ 2538974 w 3255095"/>
+              <a:gd name="connsiteY7" fmla="*/ 18288 h 18288"/>
+              <a:gd name="connsiteX8" fmla="*/ 1822853 w 3255095"/>
+              <a:gd name="connsiteY8" fmla="*/ 18288 h 18288"/>
+              <a:gd name="connsiteX9" fmla="*/ 1171834 w 3255095"/>
+              <a:gd name="connsiteY9" fmla="*/ 18288 h 18288"/>
+              <a:gd name="connsiteX10" fmla="*/ 0 w 3255095"/>
+              <a:gd name="connsiteY10" fmla="*/ 18288 h 18288"/>
+              <a:gd name="connsiteX11" fmla="*/ 0 w 3255095"/>
+              <a:gd name="connsiteY11" fmla="*/ 0 h 18288"/>
+            </a:gdLst>
+            <a:ahLst/>
+            <a:cxnLst>
+              <a:cxn ang="0">
+                <a:pos x="connsiteX0" y="connsiteY0"/>
+              </a:cxn>
+              <a:cxn ang="0">
+                <a:pos x="connsiteX1" y="connsiteY1"/>
+              </a:cxn>
+              <a:cxn ang="0">
+                <a:pos x="connsiteX2" y="connsiteY2"/>
+              </a:cxn>
+              <a:cxn ang="0">
+                <a:pos x="connsiteX3" y="connsiteY3"/>
+              </a:cxn>
+              <a:cxn ang="0">
+                <a:pos x="connsiteX4" y="connsiteY4"/>
+              </a:cxn>
+              <a:cxn ang="0">
+                <a:pos x="connsiteX5" y="connsiteY5"/>
+              </a:cxn>
+              <a:cxn ang="0">
+                <a:pos x="connsiteX6" y="connsiteY6"/>
+              </a:cxn>
+              <a:cxn ang="0">
+                <a:pos x="connsiteX7" y="connsiteY7"/>
+              </a:cxn>
+              <a:cxn ang="0">
+                <a:pos x="connsiteX8" y="connsiteY8"/>
+              </a:cxn>
+              <a:cxn ang="0">
+                <a:pos x="connsiteX9" y="connsiteY9"/>
+              </a:cxn>
+              <a:cxn ang="0">
+                <a:pos x="connsiteX10" y="connsiteY10"/>
+              </a:cxn>
+              <a:cxn ang="0">
+                <a:pos x="connsiteX11" y="connsiteY11"/>
+              </a:cxn>
+            </a:cxnLst>
+            <a:rect l="l" t="t" r="r" b="b"/>
+            <a:pathLst>
+              <a:path w="3255095" h="18288" fill="none" extrusionOk="0">
+                <a:moveTo>
+                  <a:pt x="0" y="0"/>
+                </a:moveTo>
+                <a:cubicBezTo>
+                  <a:pt x="240201" y="-22123"/>
+                  <a:pt x="462021" y="-19623"/>
+                  <a:pt x="618468" y="0"/>
+                </a:cubicBezTo>
+                <a:cubicBezTo>
+                  <a:pt x="774915" y="19623"/>
+                  <a:pt x="974734" y="2035"/>
+                  <a:pt x="1269487" y="0"/>
+                </a:cubicBezTo>
+                <a:cubicBezTo>
+                  <a:pt x="1564240" y="-2035"/>
+                  <a:pt x="1733579" y="10639"/>
+                  <a:pt x="1953057" y="0"/>
+                </a:cubicBezTo>
+                <a:cubicBezTo>
+                  <a:pt x="2172535" y="-10639"/>
+                  <a:pt x="2453962" y="14018"/>
+                  <a:pt x="2636627" y="0"/>
+                </a:cubicBezTo>
+                <a:cubicBezTo>
+                  <a:pt x="2819292" y="-14018"/>
+                  <a:pt x="3121375" y="5399"/>
+                  <a:pt x="3255095" y="0"/>
+                </a:cubicBezTo>
+                <a:cubicBezTo>
+                  <a:pt x="3254386" y="8157"/>
+                  <a:pt x="3254682" y="12125"/>
+                  <a:pt x="3255095" y="18288"/>
+                </a:cubicBezTo>
+                <a:cubicBezTo>
+                  <a:pt x="3088545" y="23203"/>
+                  <a:pt x="2687475" y="7419"/>
+                  <a:pt x="2538974" y="18288"/>
+                </a:cubicBezTo>
+                <a:cubicBezTo>
+                  <a:pt x="2390473" y="29157"/>
+                  <a:pt x="2137381" y="-8959"/>
+                  <a:pt x="1822853" y="18288"/>
+                </a:cubicBezTo>
+                <a:cubicBezTo>
+                  <a:pt x="1508325" y="45535"/>
+                  <a:pt x="1466437" y="20385"/>
+                  <a:pt x="1171834" y="18288"/>
+                </a:cubicBezTo>
+                <a:cubicBezTo>
+                  <a:pt x="877231" y="16191"/>
+                  <a:pt x="561097" y="37643"/>
+                  <a:pt x="0" y="18288"/>
+                </a:cubicBezTo>
+                <a:cubicBezTo>
+                  <a:pt x="-46" y="12483"/>
+                  <a:pt x="-203" y="6491"/>
+                  <a:pt x="0" y="0"/>
+                </a:cubicBezTo>
+                <a:close/>
+              </a:path>
+              <a:path w="3255095" h="18288" stroke="0" extrusionOk="0">
+                <a:moveTo>
+                  <a:pt x="0" y="0"/>
+                </a:moveTo>
+                <a:cubicBezTo>
+                  <a:pt x="291965" y="19429"/>
+                  <a:pt x="363155" y="8568"/>
+                  <a:pt x="618468" y="0"/>
+                </a:cubicBezTo>
+                <a:cubicBezTo>
+                  <a:pt x="873781" y="-8568"/>
+                  <a:pt x="904459" y="-19505"/>
+                  <a:pt x="1171834" y="0"/>
+                </a:cubicBezTo>
+                <a:cubicBezTo>
+                  <a:pt x="1439209" y="19505"/>
+                  <a:pt x="1744369" y="9790"/>
+                  <a:pt x="1887955" y="0"/>
+                </a:cubicBezTo>
+                <a:cubicBezTo>
+                  <a:pt x="2031541" y="-9790"/>
+                  <a:pt x="2346378" y="21240"/>
+                  <a:pt x="2506423" y="0"/>
+                </a:cubicBezTo>
+                <a:cubicBezTo>
+                  <a:pt x="2666468" y="-21240"/>
+                  <a:pt x="2990257" y="30414"/>
+                  <a:pt x="3255095" y="0"/>
+                </a:cubicBezTo>
+                <a:cubicBezTo>
+                  <a:pt x="3254831" y="4493"/>
+                  <a:pt x="3255479" y="9472"/>
+                  <a:pt x="3255095" y="18288"/>
+                </a:cubicBezTo>
+                <a:cubicBezTo>
+                  <a:pt x="3120743" y="16690"/>
+                  <a:pt x="2759628" y="42462"/>
+                  <a:pt x="2604076" y="18288"/>
+                </a:cubicBezTo>
+                <a:cubicBezTo>
+                  <a:pt x="2448524" y="-5886"/>
+                  <a:pt x="2184336" y="19599"/>
+                  <a:pt x="1887955" y="18288"/>
+                </a:cubicBezTo>
+                <a:cubicBezTo>
+                  <a:pt x="1591574" y="16977"/>
+                  <a:pt x="1548845" y="6870"/>
+                  <a:pt x="1334589" y="18288"/>
+                </a:cubicBezTo>
+                <a:cubicBezTo>
+                  <a:pt x="1120333" y="29706"/>
+                  <a:pt x="996014" y="9662"/>
+                  <a:pt x="683570" y="18288"/>
+                </a:cubicBezTo>
+                <a:cubicBezTo>
+                  <a:pt x="371126" y="26914"/>
+                  <a:pt x="198687" y="16167"/>
+                  <a:pt x="0" y="18288"/>
+                </a:cubicBezTo>
+                <a:cubicBezTo>
+                  <a:pt x="843" y="9577"/>
+                  <a:pt x="371" y="6900"/>
+                  <a:pt x="0" y="0"/>
+                </a:cubicBezTo>
+                <a:close/>
+              </a:path>
+            </a:pathLst>
+          </a:custGeom>
+          <a:solidFill>
+            <a:schemeClr val="accent2"/>
+          </a:solidFill>
+          <a:ln w="38100" cap="rnd">
+            <a:solidFill>
+              <a:schemeClr val="accent2"/>
+            </a:solidFill>
+            <a:round/>
+            <a:extLst>
+              <a:ext uri="{C807C97D-BFC1-408E-A445-0C87EB9F89A2}">
+                <ask:lineSketchStyleProps xmlns:ask="http://schemas.microsoft.com/office/drawing/2018/sketchyshapes" sd="1219033472">
+                  <a:prstGeom prst="rect">
+                    <a:avLst/>
+                  </a:prstGeom>
+                  <ask:type>
+                    <ask:lineSketchFreehand/>
+                  </ask:type>
+                </ask:lineSketchStyleProps>
+              </a:ext>
+            </a:extLst>
+          </a:ln>
+        </p:spPr>
+        <p:style>
+          <a:lnRef idx="2">
+            <a:schemeClr val="accent1">
+              <a:shade val="50000"/>
+            </a:schemeClr>
+          </a:lnRef>
+          <a:fillRef idx="1">
+            <a:schemeClr val="accent1"/>
+          </a:fillRef>
+          <a:effectRef idx="0">
+            <a:schemeClr val="accent1"/>
+          </a:effectRef>
+          <a:fontRef idx="minor">
+            <a:schemeClr val="lt1"/>
+          </a:fontRef>
+        </p:style>
+        <p:txBody>
+          <a:bodyPr rtlCol="0" anchor="ctr"/>
+          <a:lstStyle/>
+          <a:p>
+            <a:pPr algn="ctr"/>
+            <a:endParaRPr lang="en-US"/>
+          </a:p>
+        </p:txBody>
+      </p:sp>
+      <p:sp>
+        <p:nvSpPr>
+          <p:cNvPr id="4" name="Content Placeholder 2">
+            <a:extLst>
+              <a:ext uri="{FF2B5EF4-FFF2-40B4-BE49-F238E27FC236}">
+                <a16:creationId xmlns:a16="http://schemas.microsoft.com/office/drawing/2014/main" id="{511D9F8B-3BF0-CEF2-E14C-36FAE1E77A6B}"/>
+              </a:ext>
+            </a:extLst>
+          </p:cNvPr>
+          <p:cNvSpPr>
+            <a:spLocks noGrp="1"/>
+          </p:cNvSpPr>
+          <p:nvPr>
+            <p:ph idx="1"/>
+          </p:nvPr>
+        </p:nvSpPr>
+        <p:spPr>
+          <a:xfrm>
+            <a:off x="422169" y="2713263"/>
+            <a:ext cx="3950917" cy="3911752"/>
           </a:xfrm>
         </p:spPr>
         <p:txBody>
           <a:bodyPr vert="horz" lIns="91440" tIns="45720" rIns="91440" bIns="45720" rtlCol="0" anchor="t">
-            <a:noAutofit/>
+            <a:normAutofit/>
           </a:bodyPr>
           <a:lstStyle/>
           <a:p>
-            <a:pPr marL="228600" marR="0" lvl="0" indent="-228600" algn="l" defTabSz="914400" rtl="0" eaLnBrk="1" fontAlgn="auto" latinLnBrk="0" hangingPunct="1">
-              <a:lnSpc>
-                <a:spcPct val="100000"/>
-              </a:lnSpc>
+            <a:pPr marL="228600" marR="0" lvl="0" indent="-228600" defTabSz="914400" rtl="0" eaLnBrk="1" fontAlgn="auto" latinLnBrk="0" hangingPunct="1">
               <a:spcBef>
                 <a:spcPts val="1000"/>
               </a:spcBef>
@@ -4464,13 +6169,10 @@
               <a:defRPr/>
             </a:pPr>
             <a:r>
-              <a:rPr kumimoji="0" lang="en-US" sz="3200" b="0" i="0" u="none" strike="noStrike" kern="1200" cap="none" spc="0" normalizeH="0" baseline="0" noProof="0" dirty="0">
+              <a:rPr kumimoji="0" lang="en-US" sz="2400" b="0" i="0" u="none" strike="noStrike" kern="1200" cap="none" spc="0" normalizeH="0" baseline="0" noProof="0" dirty="0">
                 <a:ln>
                   <a:noFill/>
                 </a:ln>
-                <a:solidFill>
-                  <a:prstClr val="black"/>
-                </a:solidFill>
                 <a:effectLst/>
                 <a:uLnTx/>
                 <a:uFillTx/>
@@ -4480,28 +6182,21 @@
               <a:t>The vector representation of </a:t>
             </a:r>
             <a:br>
-              <a:rPr kumimoji="0" lang="en-US" sz="3200" b="0" i="0" u="none" strike="noStrike" kern="1200" cap="none" spc="0" normalizeH="0" baseline="0" noProof="0" dirty="0">
+              <a:rPr lang="en-US" sz="2400" b="0" i="0" u="none" strike="noStrike" kern="1200" cap="none" spc="0" normalizeH="0" baseline="0" noProof="0" dirty="0">
                 <a:ln>
                   <a:noFill/>
                 </a:ln>
-                <a:solidFill>
-                  <a:prstClr val="black"/>
-                </a:solidFill>
                 <a:effectLst/>
                 <a:uLnTx/>
                 <a:uFillTx/>
-                <a:ea typeface="+mn-ea"/>
                 <a:cs typeface="Calibri"/>
               </a:rPr>
             </a:br>
             <a:r>
-              <a:rPr kumimoji="0" lang="en-US" sz="3200" b="0" i="0" u="none" strike="noStrike" kern="1200" cap="none" spc="0" normalizeH="0" baseline="0" noProof="0" dirty="0">
+              <a:rPr kumimoji="0" lang="en-US" sz="2400" b="0" i="0" u="none" strike="noStrike" kern="1200" cap="none" spc="0" normalizeH="0" baseline="0" noProof="0" dirty="0">
                 <a:ln>
                   <a:noFill/>
                 </a:ln>
-                <a:solidFill>
-                  <a:prstClr val="black"/>
-                </a:solidFill>
                 <a:effectLst/>
                 <a:uLnTx/>
                 <a:uFillTx/>
@@ -4510,12 +6205,18 @@
               </a:rPr>
               <a:t>words, of size n.</a:t>
             </a:r>
-          </a:p>
-          <a:p>
-            <a:pPr marL="228600" marR="0" lvl="0" indent="-228600" algn="l" defTabSz="914400" rtl="0" eaLnBrk="1" fontAlgn="auto" latinLnBrk="0" hangingPunct="1">
-              <a:lnSpc>
-                <a:spcPct val="100000"/>
-              </a:lnSpc>
+            <a:endParaRPr lang="en-US" sz="2400" b="0" i="0" u="none" strike="noStrike" kern="1200" cap="none" spc="0" normalizeH="0" baseline="0" noProof="0" dirty="0">
+              <a:ln>
+                <a:noFill/>
+              </a:ln>
+              <a:effectLst/>
+              <a:uLnTx/>
+              <a:uFillTx/>
+              <a:cs typeface="Calibri"/>
+            </a:endParaRPr>
+          </a:p>
+          <a:p>
+            <a:pPr marL="228600" marR="0" lvl="0" indent="-228600" defTabSz="914400" rtl="0" eaLnBrk="1" fontAlgn="auto" latinLnBrk="0" hangingPunct="1">
               <a:spcBef>
                 <a:spcPts val="1000"/>
               </a:spcBef>
@@ -4530,37 +6231,76 @@
               <a:defRPr/>
             </a:pPr>
             <a:r>
-              <a:rPr lang="en-US" sz="3200" dirty="0">
-                <a:solidFill>
-                  <a:prstClr val="black"/>
-                </a:solidFill>
+              <a:rPr lang="en-US" sz="2400" dirty="0">
                 <a:cs typeface="Calibri"/>
               </a:rPr>
               <a:t>Similar words have similar</a:t>
             </a:r>
             <a:br>
-              <a:rPr lang="en-US" sz="3200" dirty="0">
-                <a:solidFill>
-                  <a:prstClr val="black"/>
-                </a:solidFill>
+              <a:rPr lang="en-US" sz="2400" dirty="0">
                 <a:cs typeface="Calibri"/>
               </a:rPr>
             </a:br>
             <a:r>
-              <a:rPr lang="en-US" sz="3200" dirty="0">
-                <a:solidFill>
-                  <a:prstClr val="black"/>
-                </a:solidFill>
+              <a:rPr lang="en-US" sz="2400" dirty="0">
                 <a:cs typeface="Calibri"/>
               </a:rPr>
               <a:t> vector values</a:t>
             </a:r>
           </a:p>
           <a:p>
-            <a:pPr marL="228600" marR="0" lvl="0" indent="-228600" algn="l" defTabSz="914400" rtl="0" eaLnBrk="1" fontAlgn="auto" latinLnBrk="0" hangingPunct="1">
-              <a:lnSpc>
-                <a:spcPct val="100000"/>
-              </a:lnSpc>
+            <a:pPr>
+              <a:defRPr/>
+            </a:pPr>
+            <a:r>
+              <a:rPr kumimoji="0" lang="en-US" sz="2400" b="0" i="0" u="none" strike="noStrike" kern="1200" cap="none" spc="0" normalizeH="0" baseline="0" noProof="0" dirty="0">
+                <a:ln>
+                  <a:noFill/>
+                </a:ln>
+                <a:effectLst/>
+                <a:uLnTx/>
+                <a:uFillTx/>
+                <a:ea typeface="+mn-ea"/>
+                <a:cs typeface="Calibri"/>
+              </a:rPr>
+              <a:t>Helps convert NLP problems </a:t>
+            </a:r>
+            <a:br>
+              <a:rPr lang="en-US" sz="2400" b="0" i="0" u="none" strike="noStrike" kern="1200" cap="none" spc="0" normalizeH="0" baseline="0" noProof="0" dirty="0">
+                <a:ln>
+                  <a:noFill/>
+                </a:ln>
+                <a:effectLst/>
+                <a:uLnTx/>
+                <a:uFillTx/>
+                <a:cs typeface="Calibri"/>
+              </a:rPr>
+            </a:br>
+            <a:r>
+              <a:rPr kumimoji="0" lang="en-US" sz="2400" b="0" i="0" u="none" strike="noStrike" kern="1200" cap="none" spc="0" normalizeH="0" baseline="0" noProof="0" dirty="0">
+                <a:ln>
+                  <a:noFill/>
+                </a:ln>
+                <a:effectLst/>
+                <a:uLnTx/>
+                <a:uFillTx/>
+                <a:ea typeface="+mn-ea"/>
+                <a:cs typeface="Calibri"/>
+              </a:rPr>
+              <a:t>to regular</a:t>
+            </a:r>
+            <a:r>
+              <a:rPr lang="en-US" sz="2400" dirty="0">
+                <a:cs typeface="Calibri"/>
+              </a:rPr>
+              <a:t> ML and DL </a:t>
+            </a:r>
+            <a:endParaRPr lang="en-US" sz="2400" i="1" dirty="0">
+              <a:latin typeface="Helvetica Neue"/>
+            </a:endParaRPr>
+          </a:p>
+          <a:p>
+            <a:pPr marL="228600" marR="0" lvl="0" indent="-228600" defTabSz="914400" rtl="0" eaLnBrk="1" fontAlgn="auto" latinLnBrk="0" hangingPunct="1">
               <a:spcBef>
                 <a:spcPts val="1000"/>
               </a:spcBef>
@@ -4575,88 +6315,7 @@
               <a:defRPr/>
             </a:pPr>
             <a:r>
-              <a:rPr kumimoji="0" lang="en-US" sz="3200" b="0" i="0" u="none" strike="noStrike" kern="1200" cap="none" spc="0" normalizeH="0" baseline="0" noProof="0" dirty="0">
-                <a:ln>
-                  <a:noFill/>
-                </a:ln>
-                <a:solidFill>
-                  <a:prstClr val="black"/>
-                </a:solidFill>
-                <a:effectLst/>
-                <a:uLnTx/>
-                <a:uFillTx/>
-                <a:ea typeface="+mn-ea"/>
-                <a:cs typeface="Calibri"/>
-              </a:rPr>
-              <a:t>Helps convert NLP problems </a:t>
-            </a:r>
-            <a:br>
-              <a:rPr kumimoji="0" lang="en-US" sz="3200" b="0" i="0" u="none" strike="noStrike" kern="1200" cap="none" spc="0" normalizeH="0" baseline="0" noProof="0" dirty="0">
-                <a:ln>
-                  <a:noFill/>
-                </a:ln>
-                <a:solidFill>
-                  <a:prstClr val="black"/>
-                </a:solidFill>
-                <a:effectLst/>
-                <a:uLnTx/>
-                <a:uFillTx/>
-                <a:ea typeface="+mn-ea"/>
-                <a:cs typeface="Calibri"/>
-              </a:rPr>
-            </a:br>
-            <a:r>
-              <a:rPr kumimoji="0" lang="en-US" sz="3200" b="0" i="0" u="none" strike="noStrike" kern="1200" cap="none" spc="0" normalizeH="0" baseline="0" noProof="0" dirty="0">
-                <a:ln>
-                  <a:noFill/>
-                </a:ln>
-                <a:solidFill>
-                  <a:prstClr val="black"/>
-                </a:solidFill>
-                <a:effectLst/>
-                <a:uLnTx/>
-                <a:uFillTx/>
-                <a:ea typeface="+mn-ea"/>
-                <a:cs typeface="Calibri"/>
-              </a:rPr>
-              <a:t>to regular</a:t>
-            </a:r>
-            <a:r>
-              <a:rPr lang="en-US" sz="3200" dirty="0">
-                <a:solidFill>
-                  <a:prstClr val="black"/>
-                </a:solidFill>
-                <a:cs typeface="Calibri"/>
-              </a:rPr>
-              <a:t> ML and DL </a:t>
-            </a:r>
-            <a:endParaRPr lang="en-US" sz="3200" i="1" dirty="0">
-              <a:solidFill>
-                <a:srgbClr val="555555"/>
-              </a:solidFill>
-              <a:latin typeface="Helvetica Neue"/>
-            </a:endParaRPr>
-          </a:p>
-          <a:p>
-            <a:pPr marL="228600" marR="0" lvl="0" indent="-228600" algn="l" defTabSz="914400" rtl="0" eaLnBrk="1" fontAlgn="auto" latinLnBrk="0" hangingPunct="1">
-              <a:lnSpc>
-                <a:spcPct val="90000"/>
-              </a:lnSpc>
-              <a:spcBef>
-                <a:spcPts val="1000"/>
-              </a:spcBef>
-              <a:spcAft>
-                <a:spcPts val="0"/>
-              </a:spcAft>
-              <a:buClrTx/>
-              <a:buSzTx/>
-              <a:buFont typeface="Arial" panose="020B0604020202020204" pitchFamily="34" charset="0"/>
-              <a:buChar char="•"/>
-              <a:tabLst/>
-              <a:defRPr/>
-            </a:pPr>
-            <a:r>
-              <a:rPr lang="en-US" sz="3200" b="0" i="1" dirty="0">
+              <a:rPr lang="en-US" sz="2400" b="0" i="1" dirty="0">
                 <a:effectLst/>
                 <a:latin typeface="Helvetica Neue"/>
               </a:rPr>
@@ -4664,10 +6323,7 @@
             </a:r>
           </a:p>
           <a:p>
-            <a:pPr marL="0" marR="0" lvl="0" indent="0" algn="l" defTabSz="914400" rtl="0" eaLnBrk="1" fontAlgn="auto" latinLnBrk="0" hangingPunct="1">
-              <a:lnSpc>
-                <a:spcPct val="90000"/>
-              </a:lnSpc>
+            <a:pPr marL="0" marR="0" lvl="0" indent="0" defTabSz="914400" rtl="0" eaLnBrk="1" fontAlgn="auto" latinLnBrk="0" hangingPunct="1">
               <a:spcBef>
                 <a:spcPts val="1000"/>
               </a:spcBef>
@@ -4681,20 +6337,14 @@
               <a:defRPr/>
             </a:pPr>
             <a:r>
-              <a:rPr lang="en-US" sz="1600" b="0" i="0" dirty="0">
-                <a:solidFill>
-                  <a:srgbClr val="555555"/>
-                </a:solidFill>
+              <a:rPr lang="en-US" sz="1400" b="0" i="0" dirty="0">
                 <a:effectLst/>
                 <a:latin typeface="Helvetica Neue"/>
               </a:rPr>
               <a:t>— Page 11, “</a:t>
             </a:r>
             <a:r>
-              <a:rPr lang="en-US" sz="1600" b="0" i="0" u="none" strike="noStrike" dirty="0">
-                <a:solidFill>
-                  <a:srgbClr val="428BCA"/>
-                </a:solidFill>
+              <a:rPr lang="en-US" sz="1400" b="0" i="0" u="none" strike="noStrike" dirty="0">
                 <a:effectLst/>
                 <a:latin typeface="Helvetica Neue"/>
                 <a:hlinkClick r:id="rId2"/>
@@ -4702,26 +6352,19 @@
               <a:t>A synopsis of linguistic theory 1930-1955</a:t>
             </a:r>
             <a:r>
-              <a:rPr lang="en-US" sz="1600" b="0" i="0" dirty="0">
-                <a:solidFill>
-                  <a:srgbClr val="555555"/>
-                </a:solidFill>
+              <a:rPr lang="en-US" sz="1400" b="0" i="0" dirty="0">
                 <a:effectLst/>
                 <a:latin typeface="Helvetica Neue"/>
               </a:rPr>
               <a:t>“, in Studies in Linguistic Analysis 1930-1955, 1962.</a:t>
             </a:r>
-            <a:endParaRPr kumimoji="0" lang="en-US" sz="1600" b="0" i="0" u="none" strike="noStrike" kern="1200" cap="none" spc="0" normalizeH="0" baseline="0" noProof="0" dirty="0">
+            <a:endParaRPr lang="en-US" sz="1400" b="0" i="0" u="none" strike="noStrike" kern="1200" cap="none" spc="0" normalizeH="0" baseline="0" noProof="0" dirty="0">
               <a:ln>
                 <a:noFill/>
               </a:ln>
-              <a:solidFill>
-                <a:prstClr val="black"/>
-              </a:solidFill>
               <a:effectLst/>
               <a:uLnTx/>
               <a:uFillTx/>
-              <a:ea typeface="+mn-ea"/>
               <a:cs typeface="Calibri"/>
             </a:endParaRPr>
           </a:p>
@@ -4813,8 +6456,8 @@
         </p:blipFill>
         <p:spPr>
           <a:xfrm>
-            <a:off x="6024387" y="365125"/>
-            <a:ext cx="5781697" cy="4331110"/>
+            <a:off x="4654296" y="843201"/>
+            <a:ext cx="6903720" cy="5171597"/>
           </a:xfrm>
           <a:prstGeom prst="rect">
             <a:avLst/>
@@ -4837,6 +6480,14 @@
 <file path=ppt/slides/slide4.xml><?xml version="1.0" encoding="utf-8"?>
 <p:sld xmlns:a="http://schemas.openxmlformats.org/drawingml/2006/main" xmlns:r="http://schemas.openxmlformats.org/officeDocument/2006/relationships" xmlns:p="http://schemas.openxmlformats.org/presentationml/2006/main">
   <p:cSld>
+    <p:bg>
+      <p:bgPr>
+        <a:solidFill>
+          <a:schemeClr val="bg1"/>
+        </a:solidFill>
+        <a:effectLst/>
+      </p:bgPr>
+    </p:bg>
     <p:spTree>
       <p:nvGrpSpPr>
         <p:cNvPr id="1" name=""/>
@@ -4851,8 +6502,202 @@
           <a:chExt cx="0" cy="0"/>
         </a:xfrm>
       </p:grpSpPr>
+      <p:sp useBgFill="1">
+        <p:nvSpPr>
+          <p:cNvPr id="9" name="Rectangle 8">
+            <a:extLst>
+              <a:ext uri="{FF2B5EF4-FFF2-40B4-BE49-F238E27FC236}">
+                <a16:creationId xmlns:a16="http://schemas.microsoft.com/office/drawing/2014/main" id="{907EF6B7-1338-4443-8C46-6A318D952DFD}"/>
+              </a:ext>
+              <a:ext uri="{C183D7F6-B498-43B3-948B-1728B52AA6E4}">
+                <adec:decorative xmlns:adec="http://schemas.microsoft.com/office/drawing/2017/decorative" val="1"/>
+              </a:ext>
+            </a:extLst>
+          </p:cNvPr>
+          <p:cNvSpPr>
+            <a:spLocks noGrp="1" noRot="1" noChangeAspect="1" noMove="1" noResize="1" noEditPoints="1" noAdjustHandles="1" noChangeArrowheads="1" noChangeShapeType="1" noTextEdit="1"/>
+          </p:cNvSpPr>
+          <p:nvPr>
+            <p:extLst>
+              <p:ext uri="{386F3935-93C4-4BCD-93E2-E3B085C9AB24}">
+                <p16:designElem xmlns:p16="http://schemas.microsoft.com/office/powerpoint/2015/main" val="1"/>
+              </p:ext>
+            </p:extLst>
+          </p:nvPr>
+        </p:nvSpPr>
+        <p:spPr>
+          <a:xfrm>
+            <a:off x="3048" y="0"/>
+            <a:ext cx="12188952" cy="6858000"/>
+          </a:xfrm>
+          <a:prstGeom prst="rect">
+            <a:avLst/>
+          </a:prstGeom>
+          <a:ln>
+            <a:noFill/>
+          </a:ln>
+        </p:spPr>
+        <p:style>
+          <a:lnRef idx="2">
+            <a:schemeClr val="accent1">
+              <a:shade val="50000"/>
+            </a:schemeClr>
+          </a:lnRef>
+          <a:fillRef idx="1">
+            <a:schemeClr val="accent1"/>
+          </a:fillRef>
+          <a:effectRef idx="0">
+            <a:schemeClr val="accent1"/>
+          </a:effectRef>
+          <a:fontRef idx="minor">
+            <a:schemeClr val="lt1"/>
+          </a:fontRef>
+        </p:style>
+        <p:txBody>
+          <a:bodyPr rtlCol="0" anchor="ctr"/>
+          <a:lstStyle/>
+          <a:p>
+            <a:pPr algn="ctr"/>
+            <a:endParaRPr lang="en-US"/>
+          </a:p>
+        </p:txBody>
+      </p:sp>
       <p:sp>
         <p:nvSpPr>
+          <p:cNvPr id="11" name="Freeform: Shape 10">
+            <a:extLst>
+              <a:ext uri="{FF2B5EF4-FFF2-40B4-BE49-F238E27FC236}">
+                <a16:creationId xmlns:a16="http://schemas.microsoft.com/office/drawing/2014/main" id="{DAAE4CDD-124C-4DCF-9584-B6033B545DD5}"/>
+              </a:ext>
+              <a:ext uri="{C183D7F6-B498-43B3-948B-1728B52AA6E4}">
+                <adec:decorative xmlns:adec="http://schemas.microsoft.com/office/drawing/2017/decorative" val="1"/>
+              </a:ext>
+            </a:extLst>
+          </p:cNvPr>
+          <p:cNvSpPr>
+            <a:spLocks noGrp="1" noRot="1" noChangeAspect="1" noMove="1" noResize="1" noEditPoints="1" noAdjustHandles="1" noChangeArrowheads="1" noChangeShapeType="1" noTextEdit="1"/>
+          </p:cNvSpPr>
+          <p:nvPr>
+            <p:extLst>
+              <p:ext uri="{386F3935-93C4-4BCD-93E2-E3B085C9AB24}">
+                <p16:designElem xmlns:p16="http://schemas.microsoft.com/office/powerpoint/2015/main" val="1"/>
+              </p:ext>
+            </p:extLst>
+          </p:nvPr>
+        </p:nvSpPr>
+        <p:spPr>
+          <a:xfrm>
+            <a:off x="1" y="0"/>
+            <a:ext cx="4167271" cy="6858000"/>
+          </a:xfrm>
+          <a:custGeom>
+            <a:avLst/>
+            <a:gdLst>
+              <a:gd name="connsiteX0" fmla="*/ 0 w 4167271"/>
+              <a:gd name="connsiteY0" fmla="*/ 0 h 6858000"/>
+              <a:gd name="connsiteX1" fmla="*/ 2259550 w 4167271"/>
+              <a:gd name="connsiteY1" fmla="*/ 0 h 6858000"/>
+              <a:gd name="connsiteX2" fmla="*/ 2387803 w 4167271"/>
+              <a:gd name="connsiteY2" fmla="*/ 82222 h 6858000"/>
+              <a:gd name="connsiteX3" fmla="*/ 4167271 w 4167271"/>
+              <a:gd name="connsiteY3" fmla="*/ 3429000 h 6858000"/>
+              <a:gd name="connsiteX4" fmla="*/ 2387803 w 4167271"/>
+              <a:gd name="connsiteY4" fmla="*/ 6775779 h 6858000"/>
+              <a:gd name="connsiteX5" fmla="*/ 2259550 w 4167271"/>
+              <a:gd name="connsiteY5" fmla="*/ 6858000 h 6858000"/>
+              <a:gd name="connsiteX6" fmla="*/ 0 w 4167271"/>
+              <a:gd name="connsiteY6" fmla="*/ 6858000 h 6858000"/>
+            </a:gdLst>
+            <a:ahLst/>
+            <a:cxnLst>
+              <a:cxn ang="0">
+                <a:pos x="connsiteX0" y="connsiteY0"/>
+              </a:cxn>
+              <a:cxn ang="0">
+                <a:pos x="connsiteX1" y="connsiteY1"/>
+              </a:cxn>
+              <a:cxn ang="0">
+                <a:pos x="connsiteX2" y="connsiteY2"/>
+              </a:cxn>
+              <a:cxn ang="0">
+                <a:pos x="connsiteX3" y="connsiteY3"/>
+              </a:cxn>
+              <a:cxn ang="0">
+                <a:pos x="connsiteX4" y="connsiteY4"/>
+              </a:cxn>
+              <a:cxn ang="0">
+                <a:pos x="connsiteX5" y="connsiteY5"/>
+              </a:cxn>
+              <a:cxn ang="0">
+                <a:pos x="connsiteX6" y="connsiteY6"/>
+              </a:cxn>
+            </a:cxnLst>
+            <a:rect l="l" t="t" r="r" b="b"/>
+            <a:pathLst>
+              <a:path w="4167271" h="6858000">
+                <a:moveTo>
+                  <a:pt x="0" y="0"/>
+                </a:moveTo>
+                <a:lnTo>
+                  <a:pt x="2259550" y="0"/>
+                </a:lnTo>
+                <a:lnTo>
+                  <a:pt x="2387803" y="82222"/>
+                </a:lnTo>
+                <a:cubicBezTo>
+                  <a:pt x="3461407" y="807534"/>
+                  <a:pt x="4167271" y="2035835"/>
+                  <a:pt x="4167271" y="3429000"/>
+                </a:cubicBezTo>
+                <a:cubicBezTo>
+                  <a:pt x="4167271" y="4822165"/>
+                  <a:pt x="3461407" y="6050467"/>
+                  <a:pt x="2387803" y="6775779"/>
+                </a:cubicBezTo>
+                <a:lnTo>
+                  <a:pt x="2259550" y="6858000"/>
+                </a:lnTo>
+                <a:lnTo>
+                  <a:pt x="0" y="6858000"/>
+                </a:lnTo>
+                <a:close/>
+              </a:path>
+            </a:pathLst>
+          </a:custGeom>
+          <a:solidFill>
+            <a:schemeClr val="accent2"/>
+          </a:solidFill>
+          <a:ln>
+            <a:noFill/>
+          </a:ln>
+        </p:spPr>
+        <p:style>
+          <a:lnRef idx="2">
+            <a:schemeClr val="accent1">
+              <a:shade val="50000"/>
+            </a:schemeClr>
+          </a:lnRef>
+          <a:fillRef idx="1">
+            <a:schemeClr val="accent1"/>
+          </a:fillRef>
+          <a:effectRef idx="0">
+            <a:schemeClr val="accent1"/>
+          </a:effectRef>
+          <a:fontRef idx="minor">
+            <a:schemeClr val="lt1"/>
+          </a:fontRef>
+        </p:style>
+        <p:txBody>
+          <a:bodyPr rtlCol="0" anchor="ctr"/>
+          <a:lstStyle/>
+          <a:p>
+            <a:pPr algn="ctr"/>
+            <a:endParaRPr lang="en-US"/>
+          </a:p>
+        </p:txBody>
+      </p:sp>
+      <p:sp>
+        <p:nvSpPr>
           <p:cNvPr id="2" name="Title 1">
             <a:extLst>
               <a:ext uri="{FF2B5EF4-FFF2-40B4-BE49-F238E27FC236}">
@@ -4867,19 +6712,25 @@
             <p:ph type="title"/>
           </p:nvPr>
         </p:nvSpPr>
-        <p:spPr/>
-        <p:txBody>
-          <a:bodyPr/>
+        <p:spPr>
+          <a:xfrm>
+            <a:off x="686834" y="1153572"/>
+            <a:ext cx="3200400" cy="4461163"/>
+          </a:xfrm>
+        </p:spPr>
+        <p:txBody>
+          <a:bodyPr>
+            <a:normAutofit/>
+          </a:bodyPr>
           <a:lstStyle/>
           <a:p>
-            <a:pPr algn="l"/>
-            <a:r>
-              <a:rPr kumimoji="0" lang="en-US" sz="4400" b="1" i="0" u="none" strike="noStrike" kern="1200" cap="none" spc="0" normalizeH="0" baseline="0" noProof="0" dirty="0">
+            <a:r>
+              <a:rPr kumimoji="0" lang="en-US" b="1" i="0" u="none" strike="noStrike" kern="1200" cap="none" spc="0" normalizeH="0" baseline="0" noProof="0" dirty="0">
                 <a:ln>
                   <a:noFill/>
                 </a:ln>
                 <a:solidFill>
-                  <a:prstClr val="black"/>
+                  <a:srgbClr val="FFFFFF"/>
                 </a:solidFill>
                 <a:effectLst/>
                 <a:uLnTx/>
@@ -4894,6 +6745,67 @@
       </p:sp>
       <p:sp>
         <p:nvSpPr>
+          <p:cNvPr id="13" name="Arc 12">
+            <a:extLst>
+              <a:ext uri="{FF2B5EF4-FFF2-40B4-BE49-F238E27FC236}">
+                <a16:creationId xmlns:a16="http://schemas.microsoft.com/office/drawing/2014/main" id="{081E4A58-353D-44AE-B2FC-2A74E2E400F7}"/>
+              </a:ext>
+              <a:ext uri="{C183D7F6-B498-43B3-948B-1728B52AA6E4}">
+                <adec:decorative xmlns:adec="http://schemas.microsoft.com/office/drawing/2017/decorative" val="1"/>
+              </a:ext>
+            </a:extLst>
+          </p:cNvPr>
+          <p:cNvSpPr>
+            <a:spLocks noGrp="1" noRot="1" noChangeAspect="1" noMove="1" noResize="1" noEditPoints="1" noAdjustHandles="1" noChangeArrowheads="1" noChangeShapeType="1" noTextEdit="1"/>
+          </p:cNvSpPr>
+          <p:nvPr>
+            <p:extLst>
+              <p:ext uri="{386F3935-93C4-4BCD-93E2-E3B085C9AB24}">
+                <p16:designElem xmlns:p16="http://schemas.microsoft.com/office/powerpoint/2015/main" val="1"/>
+              </p:ext>
+            </p:extLst>
+          </p:nvPr>
+        </p:nvSpPr>
+        <p:spPr>
+          <a:xfrm flipV="1">
+            <a:off x="7550402" y="2455479"/>
+            <a:ext cx="4083433" cy="4083433"/>
+          </a:xfrm>
+          <a:prstGeom prst="arc">
+            <a:avLst/>
+          </a:prstGeom>
+          <a:ln w="127000" cap="rnd">
+            <a:solidFill>
+              <a:schemeClr val="accent4"/>
+            </a:solidFill>
+            <a:prstDash val="dash"/>
+          </a:ln>
+        </p:spPr>
+        <p:style>
+          <a:lnRef idx="1">
+            <a:schemeClr val="accent1"/>
+          </a:lnRef>
+          <a:fillRef idx="0">
+            <a:schemeClr val="accent1"/>
+          </a:fillRef>
+          <a:effectRef idx="0">
+            <a:schemeClr val="accent1"/>
+          </a:effectRef>
+          <a:fontRef idx="minor">
+            <a:schemeClr val="tx1"/>
+          </a:fontRef>
+        </p:style>
+        <p:txBody>
+          <a:bodyPr rtlCol="0" anchor="ctr"/>
+          <a:lstStyle/>
+          <a:p>
+            <a:pPr algn="ctr"/>
+            <a:endParaRPr lang="en-US"/>
+          </a:p>
+        </p:txBody>
+      </p:sp>
+      <p:sp>
+        <p:nvSpPr>
           <p:cNvPr id="4" name="Content Placeholder 2">
             <a:extLst>
               <a:ext uri="{FF2B5EF4-FFF2-40B4-BE49-F238E27FC236}">
@@ -4910,20 +6822,17 @@
         </p:nvSpPr>
         <p:spPr>
           <a:xfrm>
-            <a:off x="838200" y="1825625"/>
-            <a:ext cx="10115550" cy="4664488"/>
+            <a:off x="4447308" y="591344"/>
+            <a:ext cx="6906491" cy="5585619"/>
           </a:xfrm>
         </p:spPr>
         <p:txBody>
-          <a:bodyPr vert="horz" lIns="91440" tIns="45720" rIns="91440" bIns="45720" rtlCol="0" anchor="t">
+          <a:bodyPr vert="horz" lIns="91440" tIns="45720" rIns="91440" bIns="45720" rtlCol="0" anchor="ctr">
             <a:normAutofit/>
           </a:bodyPr>
           <a:lstStyle/>
           <a:p>
             <a:pPr marL="457200" indent="-457200">
-              <a:lnSpc>
-                <a:spcPct val="150000"/>
-              </a:lnSpc>
               <a:spcBef>
                 <a:spcPts val="1000"/>
               </a:spcBef>
@@ -4931,49 +6840,13 @@
               <a:buFont typeface="Arial" panose="020B0604020202020204" pitchFamily="34" charset="0"/>
               <a:buChar char="•"/>
             </a:pPr>
-            <a:r>
-              <a:rPr lang="en-US" sz="3200" dirty="0">
-                <a:solidFill>
-                  <a:schemeClr val="tx1"/>
-                </a:solidFill>
-                <a:ea typeface="+mn-lt"/>
-                <a:cs typeface="+mn-lt"/>
-              </a:rPr>
-              <a:t>Developed by Tomas </a:t>
-            </a:r>
-            <a:r>
-              <a:rPr lang="en-US" sz="3200" dirty="0" err="1">
-                <a:solidFill>
-                  <a:schemeClr val="tx1"/>
-                </a:solidFill>
-                <a:ea typeface="+mn-lt"/>
-                <a:cs typeface="+mn-lt"/>
-              </a:rPr>
-              <a:t>Mikolov</a:t>
-            </a:r>
-            <a:r>
-              <a:rPr lang="en-US" sz="3200" dirty="0">
-                <a:solidFill>
-                  <a:schemeClr val="tx1"/>
-                </a:solidFill>
-                <a:ea typeface="+mn-lt"/>
-                <a:cs typeface="+mn-lt"/>
-              </a:rPr>
-              <a:t>, et al. at Google in 2013</a:t>
-            </a:r>
-            <a:endParaRPr lang="he-IL" sz="3200" dirty="0">
-              <a:solidFill>
-                <a:schemeClr val="tx1"/>
-              </a:solidFill>
+            <a:endParaRPr lang="en-US" sz="3600" dirty="0">
               <a:ea typeface="+mn-lt"/>
               <a:cs typeface="+mn-lt"/>
             </a:endParaRPr>
           </a:p>
           <a:p>
             <a:pPr marL="457200" indent="-457200">
-              <a:lnSpc>
-                <a:spcPct val="150000"/>
-              </a:lnSpc>
               <a:spcBef>
                 <a:spcPts val="1000"/>
               </a:spcBef>
@@ -4981,22 +6854,13 @@
               <a:buFont typeface="Arial" panose="020B0604020202020204" pitchFamily="34" charset="0"/>
               <a:buChar char="•"/>
             </a:pPr>
-            <a:r>
-              <a:rPr lang="en-US" sz="3200" dirty="0">
-                <a:solidFill>
-                  <a:schemeClr val="tx1"/>
-                </a:solidFill>
-                <a:ea typeface="+mn-lt"/>
-                <a:cs typeface="+mn-lt"/>
-              </a:rPr>
-              <a:t>Low space and time complexity</a:t>
-            </a:r>
+            <a:endParaRPr lang="en-US" sz="3600" dirty="0">
+              <a:ea typeface="+mn-lt"/>
+              <a:cs typeface="+mn-lt"/>
+            </a:endParaRPr>
           </a:p>
           <a:p>
             <a:pPr marL="457200" indent="-457200">
-              <a:lnSpc>
-                <a:spcPct val="150000"/>
-              </a:lnSpc>
               <a:spcBef>
                 <a:spcPts val="1000"/>
               </a:spcBef>
@@ -5004,58 +6868,13 @@
               <a:buFont typeface="Arial" panose="020B0604020202020204" pitchFamily="34" charset="0"/>
               <a:buChar char="•"/>
             </a:pPr>
-            <a:r>
-              <a:rPr lang="en-US" sz="3200" dirty="0">
-                <a:solidFill>
-                  <a:schemeClr val="tx1"/>
-                </a:solidFill>
-                <a:ea typeface="+mn-lt"/>
-                <a:cs typeface="+mn-lt"/>
-              </a:rPr>
-              <a:t>Relies on local usage context</a:t>
-            </a:r>
-          </a:p>
-          <a:p>
-            <a:pPr marL="914400" lvl="1" indent="-457200">
-              <a:lnSpc>
-                <a:spcPct val="150000"/>
-              </a:lnSpc>
-              <a:spcBef>
-                <a:spcPts val="1000"/>
-              </a:spcBef>
-              <a:buSzPct val="100000"/>
-            </a:pPr>
-            <a:r>
-              <a:rPr lang="en-US" sz="2800" dirty="0">
-                <a:solidFill>
-                  <a:schemeClr val="tx1"/>
-                </a:solidFill>
-                <a:ea typeface="+mn-lt"/>
-                <a:cs typeface="+mn-lt"/>
-              </a:rPr>
-              <a:t>This is the hyperparameter of this model</a:t>
-            </a:r>
-          </a:p>
-          <a:p>
-            <a:pPr marL="457200" indent="-457200">
-              <a:lnSpc>
-                <a:spcPct val="150000"/>
-              </a:lnSpc>
-              <a:buSzPct val="100000"/>
-            </a:pPr>
-            <a:endParaRPr lang="he-IL" sz="3200" dirty="0">
-              <a:solidFill>
-                <a:schemeClr val="tx1"/>
-              </a:solidFill>
+            <a:endParaRPr lang="en-US" sz="3600" dirty="0">
               <a:ea typeface="+mn-lt"/>
               <a:cs typeface="+mn-lt"/>
             </a:endParaRPr>
           </a:p>
           <a:p>
             <a:pPr marL="457200" indent="-457200">
-              <a:lnSpc>
-                <a:spcPct val="150000"/>
-              </a:lnSpc>
               <a:spcBef>
                 <a:spcPts val="1000"/>
               </a:spcBef>
@@ -5063,16 +6882,13 @@
               <a:buFont typeface="Arial" panose="020B0604020202020204" pitchFamily="34" charset="0"/>
               <a:buChar char="•"/>
             </a:pPr>
-            <a:endParaRPr lang="he-IL" sz="3200" dirty="0">
+            <a:endParaRPr lang="en-US" sz="3600" dirty="0">
               <a:ea typeface="+mn-lt"/>
               <a:cs typeface="+mn-lt"/>
             </a:endParaRPr>
           </a:p>
           <a:p>
             <a:pPr marL="457200" indent="-457200">
-              <a:lnSpc>
-                <a:spcPct val="150000"/>
-              </a:lnSpc>
               <a:spcBef>
                 <a:spcPts val="1000"/>
               </a:spcBef>
@@ -5080,19 +6896,34 @@
               <a:buFont typeface="Arial" panose="020B0604020202020204" pitchFamily="34" charset="0"/>
               <a:buChar char="•"/>
             </a:pPr>
-            <a:endParaRPr lang="he-IL" sz="3200" dirty="0">
-              <a:solidFill>
-                <a:schemeClr val="tx1"/>
-              </a:solidFill>
+            <a:r>
+              <a:rPr lang="en-US" sz="3600" dirty="0">
+                <a:ea typeface="+mn-lt"/>
+                <a:cs typeface="+mn-lt"/>
+              </a:rPr>
+              <a:t>Developed by Tomas </a:t>
+            </a:r>
+            <a:r>
+              <a:rPr lang="en-US" sz="3600" dirty="0" err="1">
+                <a:ea typeface="+mn-lt"/>
+                <a:cs typeface="+mn-lt"/>
+              </a:rPr>
+              <a:t>Mikolov</a:t>
+            </a:r>
+            <a:r>
+              <a:rPr lang="en-US" sz="3600" dirty="0">
+                <a:ea typeface="+mn-lt"/>
+                <a:cs typeface="+mn-lt"/>
+              </a:rPr>
+              <a:t>, et al. at Google in 2013</a:t>
+            </a:r>
+            <a:endParaRPr lang="he-IL" sz="3600" dirty="0">
               <a:ea typeface="+mn-lt"/>
               <a:cs typeface="+mn-lt"/>
             </a:endParaRPr>
           </a:p>
           <a:p>
             <a:pPr marL="457200" indent="-457200">
-              <a:lnSpc>
-                <a:spcPct val="150000"/>
-              </a:lnSpc>
               <a:spcBef>
                 <a:spcPts val="1000"/>
               </a:spcBef>
@@ -5100,16 +6931,16 @@
               <a:buFont typeface="Arial" panose="020B0604020202020204" pitchFamily="34" charset="0"/>
               <a:buChar char="•"/>
             </a:pPr>
-            <a:endParaRPr lang="he-IL" sz="3200" dirty="0">
-              <a:ea typeface="+mn-lt"/>
-              <a:cs typeface="+mn-lt"/>
-            </a:endParaRPr>
+            <a:r>
+              <a:rPr lang="en-US" sz="3600" dirty="0">
+                <a:ea typeface="+mn-lt"/>
+                <a:cs typeface="+mn-lt"/>
+              </a:rPr>
+              <a:t>Low space and time complexity</a:t>
+            </a:r>
           </a:p>
           <a:p>
             <a:pPr marL="457200" indent="-457200">
-              <a:lnSpc>
-                <a:spcPct val="150000"/>
-              </a:lnSpc>
               <a:spcBef>
                 <a:spcPts val="1000"/>
               </a:spcBef>
@@ -5117,10 +6948,76 @@
               <a:buFont typeface="Arial" panose="020B0604020202020204" pitchFamily="34" charset="0"/>
               <a:buChar char="•"/>
             </a:pPr>
-            <a:endParaRPr lang="en-US" sz="3200" dirty="0">
-              <a:solidFill>
-                <a:schemeClr val="tx1"/>
-              </a:solidFill>
+            <a:r>
+              <a:rPr lang="en-US" sz="3600" dirty="0">
+                <a:ea typeface="+mn-lt"/>
+                <a:cs typeface="+mn-lt"/>
+              </a:rPr>
+              <a:t>Relies on local usage context</a:t>
+            </a:r>
+          </a:p>
+          <a:p>
+            <a:pPr marL="0" indent="0">
+              <a:buSzPct val="100000"/>
+              <a:buNone/>
+            </a:pPr>
+            <a:endParaRPr lang="he-IL" sz="3600" dirty="0">
+              <a:ea typeface="+mn-lt"/>
+              <a:cs typeface="+mn-lt"/>
+            </a:endParaRPr>
+          </a:p>
+          <a:p>
+            <a:pPr marL="457200" indent="-457200">
+              <a:spcBef>
+                <a:spcPts val="1000"/>
+              </a:spcBef>
+              <a:buSzPct val="100000"/>
+              <a:buFont typeface="Arial" panose="020B0604020202020204" pitchFamily="34" charset="0"/>
+              <a:buChar char="•"/>
+            </a:pPr>
+            <a:endParaRPr lang="he-IL" sz="3600" dirty="0">
+              <a:ea typeface="+mn-lt"/>
+              <a:cs typeface="+mn-lt"/>
+            </a:endParaRPr>
+          </a:p>
+          <a:p>
+            <a:pPr marL="457200" indent="-457200">
+              <a:spcBef>
+                <a:spcPts val="1000"/>
+              </a:spcBef>
+              <a:buSzPct val="100000"/>
+              <a:buFont typeface="Arial" panose="020B0604020202020204" pitchFamily="34" charset="0"/>
+              <a:buChar char="•"/>
+            </a:pPr>
+            <a:endParaRPr lang="he-IL" sz="3600" dirty="0">
+              <a:ea typeface="+mn-lt"/>
+              <a:cs typeface="+mn-lt"/>
+            </a:endParaRPr>
+          </a:p>
+          <a:p>
+            <a:pPr marL="457200" indent="-457200">
+              <a:spcBef>
+                <a:spcPts val="1000"/>
+              </a:spcBef>
+              <a:buSzPct val="100000"/>
+              <a:buFont typeface="Arial" panose="020B0604020202020204" pitchFamily="34" charset="0"/>
+              <a:buChar char="•"/>
+            </a:pPr>
+            <a:endParaRPr lang="he-IL" sz="3600" dirty="0">
+              <a:ea typeface="+mn-lt"/>
+              <a:cs typeface="+mn-lt"/>
+            </a:endParaRPr>
+          </a:p>
+          <a:p>
+            <a:pPr marL="457200" indent="-457200">
+              <a:spcBef>
+                <a:spcPts val="1000"/>
+              </a:spcBef>
+              <a:buSzPct val="100000"/>
+              <a:buFont typeface="Arial" panose="020B0604020202020204" pitchFamily="34" charset="0"/>
+              <a:buChar char="•"/>
+            </a:pPr>
+            <a:endParaRPr lang="en-US" sz="3600" dirty="0">
               <a:ea typeface="+mn-lt"/>
               <a:cs typeface="+mn-lt"/>
             </a:endParaRPr>
@@ -5143,6 +7040,14 @@
 <file path=ppt/slides/slide5.xml><?xml version="1.0" encoding="utf-8"?>
 <p:sld xmlns:a="http://schemas.openxmlformats.org/drawingml/2006/main" xmlns:r="http://schemas.openxmlformats.org/officeDocument/2006/relationships" xmlns:p="http://schemas.openxmlformats.org/presentationml/2006/main">
   <p:cSld>
+    <p:bg>
+      <p:bgPr>
+        <a:solidFill>
+          <a:schemeClr val="bg1"/>
+        </a:solidFill>
+        <a:effectLst/>
+      </p:bgPr>
+    </p:bg>
     <p:spTree>
       <p:nvGrpSpPr>
         <p:cNvPr id="1" name=""/>
@@ -5157,6 +7062,66 @@
           <a:chExt cx="0" cy="0"/>
         </a:xfrm>
       </p:grpSpPr>
+      <p:sp useBgFill="1">
+        <p:nvSpPr>
+          <p:cNvPr id="1030" name="Rectangle 1032">
+            <a:extLst>
+              <a:ext uri="{FF2B5EF4-FFF2-40B4-BE49-F238E27FC236}">
+                <a16:creationId xmlns:a16="http://schemas.microsoft.com/office/drawing/2014/main" id="{C4879EFC-8E62-4E00-973C-C45EE9EC676D}"/>
+              </a:ext>
+              <a:ext uri="{C183D7F6-B498-43B3-948B-1728B52AA6E4}">
+                <adec:decorative xmlns:adec="http://schemas.microsoft.com/office/drawing/2017/decorative" val="1"/>
+              </a:ext>
+            </a:extLst>
+          </p:cNvPr>
+          <p:cNvSpPr>
+            <a:spLocks noGrp="1" noRot="1" noChangeAspect="1" noMove="1" noResize="1" noEditPoints="1" noAdjustHandles="1" noChangeArrowheads="1" noChangeShapeType="1" noTextEdit="1"/>
+          </p:cNvSpPr>
+          <p:nvPr>
+            <p:extLst>
+              <p:ext uri="{386F3935-93C4-4BCD-93E2-E3B085C9AB24}">
+                <p16:designElem xmlns:p16="http://schemas.microsoft.com/office/powerpoint/2015/main" val="1"/>
+              </p:ext>
+            </p:extLst>
+          </p:nvPr>
+        </p:nvSpPr>
+        <p:spPr>
+          <a:xfrm>
+            <a:off x="0" y="0"/>
+            <a:ext cx="12188952" cy="6858000"/>
+          </a:xfrm>
+          <a:prstGeom prst="rect">
+            <a:avLst/>
+          </a:prstGeom>
+          <a:ln>
+            <a:noFill/>
+          </a:ln>
+        </p:spPr>
+        <p:style>
+          <a:lnRef idx="2">
+            <a:schemeClr val="accent1">
+              <a:shade val="50000"/>
+            </a:schemeClr>
+          </a:lnRef>
+          <a:fillRef idx="1">
+            <a:schemeClr val="accent1"/>
+          </a:fillRef>
+          <a:effectRef idx="0">
+            <a:schemeClr val="accent1"/>
+          </a:effectRef>
+          <a:fontRef idx="minor">
+            <a:schemeClr val="lt1"/>
+          </a:fontRef>
+        </p:style>
+        <p:txBody>
+          <a:bodyPr rtlCol="0" anchor="ctr"/>
+          <a:lstStyle/>
+          <a:p>
+            <a:pPr algn="ctr"/>
+            <a:endParaRPr lang="en-US"/>
+          </a:p>
+        </p:txBody>
+      </p:sp>
       <p:sp>
         <p:nvSpPr>
           <p:cNvPr id="2" name="Title 1">
@@ -5173,25 +7138,315 @@
             <p:ph type="title"/>
           </p:nvPr>
         </p:nvSpPr>
-        <p:spPr/>
-        <p:txBody>
-          <a:bodyPr/>
+        <p:spPr>
+          <a:xfrm>
+            <a:off x="638881" y="457200"/>
+            <a:ext cx="10909640" cy="1368614"/>
+          </a:xfrm>
+        </p:spPr>
+        <p:txBody>
+          <a:bodyPr vert="horz" lIns="91440" tIns="45720" rIns="91440" bIns="45720" rtlCol="0" anchor="ctr">
+            <a:normAutofit/>
+          </a:bodyPr>
           <a:lstStyle/>
           <a:p>
-            <a:r>
-              <a:rPr lang="en-US" b="1" dirty="0"/>
+            <a:pPr algn="ctr"/>
+            <a:r>
+              <a:rPr lang="en-US" sz="6600" b="1" dirty="0"/>
               <a:t>Word2Vec </a:t>
             </a:r>
-            <a:endParaRPr lang="en-GB" b="1" dirty="0"/>
+          </a:p>
+        </p:txBody>
+      </p:sp>
+      <p:sp>
+        <p:nvSpPr>
+          <p:cNvPr id="1031" name="sketch line">
+            <a:extLst>
+              <a:ext uri="{FF2B5EF4-FFF2-40B4-BE49-F238E27FC236}">
+                <a16:creationId xmlns:a16="http://schemas.microsoft.com/office/drawing/2014/main" id="{D6A9C53F-5F90-40A5-8C85-5412D39C8C68}"/>
+              </a:ext>
+              <a:ext uri="{C183D7F6-B498-43B3-948B-1728B52AA6E4}">
+                <adec:decorative xmlns:adec="http://schemas.microsoft.com/office/drawing/2017/decorative" val="1"/>
+              </a:ext>
+            </a:extLst>
+          </p:cNvPr>
+          <p:cNvSpPr>
+            <a:spLocks noGrp="1" noRot="1" noChangeAspect="1" noMove="1" noResize="1" noEditPoints="1" noAdjustHandles="1" noChangeArrowheads="1" noChangeShapeType="1" noTextEdit="1"/>
+          </p:cNvSpPr>
+          <p:nvPr>
+            <p:extLst>
+              <p:ext uri="{386F3935-93C4-4BCD-93E2-E3B085C9AB24}">
+                <p16:designElem xmlns:p16="http://schemas.microsoft.com/office/powerpoint/2015/main" val="1"/>
+              </p:ext>
+            </p:extLst>
+          </p:nvPr>
+        </p:nvSpPr>
+        <p:spPr>
+          <a:xfrm>
+            <a:off x="4450080" y="1850683"/>
+            <a:ext cx="3291840" cy="18288"/>
+          </a:xfrm>
+          <a:custGeom>
+            <a:avLst/>
+            <a:gdLst>
+              <a:gd name="connsiteX0" fmla="*/ 0 w 3291840"/>
+              <a:gd name="connsiteY0" fmla="*/ 0 h 18288"/>
+              <a:gd name="connsiteX1" fmla="*/ 658368 w 3291840"/>
+              <a:gd name="connsiteY1" fmla="*/ 0 h 18288"/>
+              <a:gd name="connsiteX2" fmla="*/ 1283818 w 3291840"/>
+              <a:gd name="connsiteY2" fmla="*/ 0 h 18288"/>
+              <a:gd name="connsiteX3" fmla="*/ 1909267 w 3291840"/>
+              <a:gd name="connsiteY3" fmla="*/ 0 h 18288"/>
+              <a:gd name="connsiteX4" fmla="*/ 2633472 w 3291840"/>
+              <a:gd name="connsiteY4" fmla="*/ 0 h 18288"/>
+              <a:gd name="connsiteX5" fmla="*/ 3291840 w 3291840"/>
+              <a:gd name="connsiteY5" fmla="*/ 0 h 18288"/>
+              <a:gd name="connsiteX6" fmla="*/ 3291840 w 3291840"/>
+              <a:gd name="connsiteY6" fmla="*/ 18288 h 18288"/>
+              <a:gd name="connsiteX7" fmla="*/ 2633472 w 3291840"/>
+              <a:gd name="connsiteY7" fmla="*/ 18288 h 18288"/>
+              <a:gd name="connsiteX8" fmla="*/ 2073859 w 3291840"/>
+              <a:gd name="connsiteY8" fmla="*/ 18288 h 18288"/>
+              <a:gd name="connsiteX9" fmla="*/ 1448410 w 3291840"/>
+              <a:gd name="connsiteY9" fmla="*/ 18288 h 18288"/>
+              <a:gd name="connsiteX10" fmla="*/ 822960 w 3291840"/>
+              <a:gd name="connsiteY10" fmla="*/ 18288 h 18288"/>
+              <a:gd name="connsiteX11" fmla="*/ 0 w 3291840"/>
+              <a:gd name="connsiteY11" fmla="*/ 18288 h 18288"/>
+              <a:gd name="connsiteX12" fmla="*/ 0 w 3291840"/>
+              <a:gd name="connsiteY12" fmla="*/ 0 h 18288"/>
+            </a:gdLst>
+            <a:ahLst/>
+            <a:cxnLst>
+              <a:cxn ang="0">
+                <a:pos x="connsiteX0" y="connsiteY0"/>
+              </a:cxn>
+              <a:cxn ang="0">
+                <a:pos x="connsiteX1" y="connsiteY1"/>
+              </a:cxn>
+              <a:cxn ang="0">
+                <a:pos x="connsiteX2" y="connsiteY2"/>
+              </a:cxn>
+              <a:cxn ang="0">
+                <a:pos x="connsiteX3" y="connsiteY3"/>
+              </a:cxn>
+              <a:cxn ang="0">
+                <a:pos x="connsiteX4" y="connsiteY4"/>
+              </a:cxn>
+              <a:cxn ang="0">
+                <a:pos x="connsiteX5" y="connsiteY5"/>
+              </a:cxn>
+              <a:cxn ang="0">
+                <a:pos x="connsiteX6" y="connsiteY6"/>
+              </a:cxn>
+              <a:cxn ang="0">
+                <a:pos x="connsiteX7" y="connsiteY7"/>
+              </a:cxn>
+              <a:cxn ang="0">
+                <a:pos x="connsiteX8" y="connsiteY8"/>
+              </a:cxn>
+              <a:cxn ang="0">
+                <a:pos x="connsiteX9" y="connsiteY9"/>
+              </a:cxn>
+              <a:cxn ang="0">
+                <a:pos x="connsiteX10" y="connsiteY10"/>
+              </a:cxn>
+              <a:cxn ang="0">
+                <a:pos x="connsiteX11" y="connsiteY11"/>
+              </a:cxn>
+              <a:cxn ang="0">
+                <a:pos x="connsiteX12" y="connsiteY12"/>
+              </a:cxn>
+            </a:cxnLst>
+            <a:rect l="l" t="t" r="r" b="b"/>
+            <a:pathLst>
+              <a:path w="3291840" h="18288" fill="none" extrusionOk="0">
+                <a:moveTo>
+                  <a:pt x="0" y="0"/>
+                </a:moveTo>
+                <a:cubicBezTo>
+                  <a:pt x="173077" y="-20031"/>
+                  <a:pt x="443104" y="6424"/>
+                  <a:pt x="658368" y="0"/>
+                </a:cubicBezTo>
+                <a:cubicBezTo>
+                  <a:pt x="873632" y="-6424"/>
+                  <a:pt x="1034028" y="11764"/>
+                  <a:pt x="1283818" y="0"/>
+                </a:cubicBezTo>
+                <a:cubicBezTo>
+                  <a:pt x="1533608" y="-11764"/>
+                  <a:pt x="1691227" y="-30112"/>
+                  <a:pt x="1909267" y="0"/>
+                </a:cubicBezTo>
+                <a:cubicBezTo>
+                  <a:pt x="2127307" y="30112"/>
+                  <a:pt x="2272465" y="-18735"/>
+                  <a:pt x="2633472" y="0"/>
+                </a:cubicBezTo>
+                <a:cubicBezTo>
+                  <a:pt x="2994479" y="18735"/>
+                  <a:pt x="3023324" y="-32030"/>
+                  <a:pt x="3291840" y="0"/>
+                </a:cubicBezTo>
+                <a:cubicBezTo>
+                  <a:pt x="3291406" y="7551"/>
+                  <a:pt x="3291373" y="9822"/>
+                  <a:pt x="3291840" y="18288"/>
+                </a:cubicBezTo>
+                <a:cubicBezTo>
+                  <a:pt x="3048445" y="38989"/>
+                  <a:pt x="2846548" y="-14400"/>
+                  <a:pt x="2633472" y="18288"/>
+                </a:cubicBezTo>
+                <a:cubicBezTo>
+                  <a:pt x="2420396" y="50976"/>
+                  <a:pt x="2304099" y="6336"/>
+                  <a:pt x="2073859" y="18288"/>
+                </a:cubicBezTo>
+                <a:cubicBezTo>
+                  <a:pt x="1843619" y="30240"/>
+                  <a:pt x="1706926" y="10778"/>
+                  <a:pt x="1448410" y="18288"/>
+                </a:cubicBezTo>
+                <a:cubicBezTo>
+                  <a:pt x="1189894" y="25798"/>
+                  <a:pt x="1002278" y="8992"/>
+                  <a:pt x="822960" y="18288"/>
+                </a:cubicBezTo>
+                <a:cubicBezTo>
+                  <a:pt x="643642" y="27585"/>
+                  <a:pt x="307039" y="38051"/>
+                  <a:pt x="0" y="18288"/>
+                </a:cubicBezTo>
+                <a:cubicBezTo>
+                  <a:pt x="60" y="11696"/>
+                  <a:pt x="66" y="3758"/>
+                  <a:pt x="0" y="0"/>
+                </a:cubicBezTo>
+                <a:close/>
+              </a:path>
+              <a:path w="3291840" h="18288" stroke="0" extrusionOk="0">
+                <a:moveTo>
+                  <a:pt x="0" y="0"/>
+                </a:moveTo>
+                <a:cubicBezTo>
+                  <a:pt x="195850" y="28018"/>
+                  <a:pt x="434891" y="17390"/>
+                  <a:pt x="592531" y="0"/>
+                </a:cubicBezTo>
+                <a:cubicBezTo>
+                  <a:pt x="750171" y="-17390"/>
+                  <a:pt x="1018709" y="32200"/>
+                  <a:pt x="1316736" y="0"/>
+                </a:cubicBezTo>
+                <a:cubicBezTo>
+                  <a:pt x="1614763" y="-32200"/>
+                  <a:pt x="1696480" y="-11367"/>
+                  <a:pt x="1876349" y="0"/>
+                </a:cubicBezTo>
+                <a:cubicBezTo>
+                  <a:pt x="2056218" y="11367"/>
+                  <a:pt x="2193364" y="13433"/>
+                  <a:pt x="2435962" y="0"/>
+                </a:cubicBezTo>
+                <a:cubicBezTo>
+                  <a:pt x="2678560" y="-13433"/>
+                  <a:pt x="3010901" y="-42367"/>
+                  <a:pt x="3291840" y="0"/>
+                </a:cubicBezTo>
+                <a:cubicBezTo>
+                  <a:pt x="3291758" y="4406"/>
+                  <a:pt x="3291751" y="9982"/>
+                  <a:pt x="3291840" y="18288"/>
+                </a:cubicBezTo>
+                <a:cubicBezTo>
+                  <a:pt x="3108993" y="14228"/>
+                  <a:pt x="2952658" y="46900"/>
+                  <a:pt x="2666390" y="18288"/>
+                </a:cubicBezTo>
+                <a:cubicBezTo>
+                  <a:pt x="2380122" y="-10324"/>
+                  <a:pt x="2263855" y="41055"/>
+                  <a:pt x="2040941" y="18288"/>
+                </a:cubicBezTo>
+                <a:cubicBezTo>
+                  <a:pt x="1818027" y="-4479"/>
+                  <a:pt x="1675097" y="6509"/>
+                  <a:pt x="1415491" y="18288"/>
+                </a:cubicBezTo>
+                <a:cubicBezTo>
+                  <a:pt x="1155885" y="30068"/>
+                  <a:pt x="852976" y="36210"/>
+                  <a:pt x="691286" y="18288"/>
+                </a:cubicBezTo>
+                <a:cubicBezTo>
+                  <a:pt x="529596" y="366"/>
+                  <a:pt x="187183" y="13912"/>
+                  <a:pt x="0" y="18288"/>
+                </a:cubicBezTo>
+                <a:cubicBezTo>
+                  <a:pt x="189" y="14288"/>
+                  <a:pt x="-703" y="3747"/>
+                  <a:pt x="0" y="0"/>
+                </a:cubicBezTo>
+                <a:close/>
+              </a:path>
+            </a:pathLst>
+          </a:custGeom>
+          <a:solidFill>
+            <a:schemeClr val="accent2"/>
+          </a:solidFill>
+          <a:ln w="41275" cap="rnd">
+            <a:solidFill>
+              <a:schemeClr val="accent2"/>
+            </a:solidFill>
+            <a:round/>
+            <a:extLst>
+              <a:ext uri="{C807C97D-BFC1-408E-A445-0C87EB9F89A2}">
+                <ask:lineSketchStyleProps xmlns:ask="http://schemas.microsoft.com/office/drawing/2018/sketchyshapes" sd="2863741219">
+                  <a:prstGeom prst="rect">
+                    <a:avLst/>
+                  </a:prstGeom>
+                  <ask:type>
+                    <ask:lineSketchFreehand/>
+                  </ask:type>
+                </ask:lineSketchStyleProps>
+              </a:ext>
+            </a:extLst>
+          </a:ln>
+        </p:spPr>
+        <p:style>
+          <a:lnRef idx="2">
+            <a:schemeClr val="accent1">
+              <a:shade val="50000"/>
+            </a:schemeClr>
+          </a:lnRef>
+          <a:fillRef idx="1">
+            <a:schemeClr val="accent1"/>
+          </a:fillRef>
+          <a:effectRef idx="0">
+            <a:schemeClr val="accent1"/>
+          </a:effectRef>
+          <a:fontRef idx="minor">
+            <a:schemeClr val="lt1"/>
+          </a:fontRef>
+        </p:style>
+        <p:txBody>
+          <a:bodyPr rtlCol="0" anchor="ctr"/>
+          <a:lstStyle/>
+          <a:p>
+            <a:pPr algn="ctr"/>
+            <a:endParaRPr lang="en-US"/>
           </a:p>
         </p:txBody>
       </p:sp>
       <p:pic>
         <p:nvPicPr>
-          <p:cNvPr id="3" name="Picture 2" descr="context-window-skip-grams">
-            <a:extLst>
-              <a:ext uri="{FF2B5EF4-FFF2-40B4-BE49-F238E27FC236}">
-                <a16:creationId xmlns:a16="http://schemas.microsoft.com/office/drawing/2014/main" id="{BFD266F6-1679-B437-502C-3D8035AB3D7B}"/>
+          <p:cNvPr id="1028" name="Picture 4" descr="word2vec-architecture">
+            <a:extLst>
+              <a:ext uri="{FF2B5EF4-FFF2-40B4-BE49-F238E27FC236}">
+                <a16:creationId xmlns:a16="http://schemas.microsoft.com/office/drawing/2014/main" id="{DF01BB4F-9A99-1EA4-9B38-D058DDF4A08D}"/>
               </a:ext>
             </a:extLst>
           </p:cNvPr>
@@ -5208,15 +7463,14 @@
               </a:ext>
             </a:extLst>
           </a:blip>
-          <a:srcRect/>
           <a:stretch>
             <a:fillRect/>
           </a:stretch>
         </p:blipFill>
         <p:spPr bwMode="auto">
           <a:xfrm>
-            <a:off x="335218" y="2860449"/>
-            <a:ext cx="6083798" cy="3632426"/>
+            <a:off x="173903" y="2012510"/>
+            <a:ext cx="6094580" cy="3811722"/>
           </a:xfrm>
           <a:prstGeom prst="rect">
             <a:avLst/>
@@ -5235,10 +7489,10 @@
       </p:pic>
       <p:pic>
         <p:nvPicPr>
-          <p:cNvPr id="1028" name="Picture 4" descr="word2vec-architecture">
-            <a:extLst>
-              <a:ext uri="{FF2B5EF4-FFF2-40B4-BE49-F238E27FC236}">
-                <a16:creationId xmlns:a16="http://schemas.microsoft.com/office/drawing/2014/main" id="{DF01BB4F-9A99-1EA4-9B38-D058DDF4A08D}"/>
+          <p:cNvPr id="3" name="Picture 2" descr="context-window-skip-grams">
+            <a:extLst>
+              <a:ext uri="{FF2B5EF4-FFF2-40B4-BE49-F238E27FC236}">
+                <a16:creationId xmlns:a16="http://schemas.microsoft.com/office/drawing/2014/main" id="{BFD266F6-1679-B437-502C-3D8035AB3D7B}"/>
               </a:ext>
             </a:extLst>
           </p:cNvPr>
@@ -5255,15 +7509,14 @@
               </a:ext>
             </a:extLst>
           </a:blip>
-          <a:srcRect/>
           <a:stretch>
             <a:fillRect/>
           </a:stretch>
         </p:blipFill>
         <p:spPr bwMode="auto">
           <a:xfrm>
-            <a:off x="5210284" y="106927"/>
-            <a:ext cx="6896400" cy="4307757"/>
+            <a:off x="6108360" y="1944791"/>
+            <a:ext cx="6397292" cy="3821900"/>
           </a:xfrm>
           <a:prstGeom prst="rect">
             <a:avLst/>
@@ -5543,13 +7796,27 @@
               <a:buSzPct val="100000"/>
             </a:pPr>
             <a:r>
-              <a:rPr lang="en-US" sz="3200">
+              <a:rPr lang="en-US" sz="3200" dirty="0">
                 <a:ea typeface="+mn-lt"/>
                 <a:cs typeface="+mn-lt"/>
               </a:rPr>
-              <a:t>Developed by Tomas Mikolov, et al. at Google in 2013</a:t>
-            </a:r>
-            <a:endParaRPr lang="he-IL" sz="3200">
+              <a:t>Developed by Tomas </a:t>
+            </a:r>
+            <a:r>
+              <a:rPr lang="en-US" sz="3200" dirty="0" err="1">
+                <a:ea typeface="+mn-lt"/>
+                <a:cs typeface="+mn-lt"/>
+              </a:rPr>
+              <a:t>Mikolov</a:t>
+            </a:r>
+            <a:r>
+              <a:rPr lang="en-US" sz="3200" dirty="0">
+                <a:ea typeface="+mn-lt"/>
+                <a:cs typeface="+mn-lt"/>
+              </a:rPr>
+              <a:t>, et al. at Google in 2013</a:t>
+            </a:r>
+            <a:endParaRPr lang="he-IL" sz="3200" dirty="0">
               <a:ea typeface="+mn-lt"/>
               <a:cs typeface="+mn-lt"/>
             </a:endParaRPr>
@@ -5562,7 +7829,7 @@
               <a:buSzPct val="100000"/>
             </a:pPr>
             <a:r>
-              <a:rPr lang="en-US" sz="3200">
+              <a:rPr lang="en-US" sz="3200" dirty="0">
                 <a:ea typeface="+mn-lt"/>
                 <a:cs typeface="+mn-lt"/>
               </a:rPr>
@@ -5577,7 +7844,7 @@
               <a:buSzPct val="100000"/>
             </a:pPr>
             <a:r>
-              <a:rPr lang="en-US" sz="3200">
+              <a:rPr lang="en-US" sz="3200" dirty="0">
                 <a:ea typeface="+mn-lt"/>
                 <a:cs typeface="+mn-lt"/>
               </a:rPr>
@@ -5595,7 +7862,7 @@
               <a:buSzPct val="100000"/>
             </a:pPr>
             <a:r>
-              <a:rPr lang="en-US" sz="2800">
+              <a:rPr lang="en-US" sz="2800" dirty="0">
                 <a:ea typeface="+mn-lt"/>
                 <a:cs typeface="+mn-lt"/>
               </a:rPr>
@@ -5609,7 +7876,7 @@
               </a:lnSpc>
               <a:buSzPct val="100000"/>
             </a:pPr>
-            <a:endParaRPr lang="he-IL" sz="3200">
+            <a:endParaRPr lang="he-IL" sz="3200" dirty="0">
               <a:ea typeface="+mn-lt"/>
               <a:cs typeface="+mn-lt"/>
             </a:endParaRPr>
@@ -5621,7 +7888,7 @@
               </a:lnSpc>
               <a:buSzPct val="100000"/>
             </a:pPr>
-            <a:endParaRPr lang="he-IL" sz="3200">
+            <a:endParaRPr lang="he-IL" sz="3200" dirty="0">
               <a:ea typeface="+mn-lt"/>
               <a:cs typeface="+mn-lt"/>
             </a:endParaRPr>
@@ -5633,7 +7900,7 @@
               </a:lnSpc>
               <a:buSzPct val="100000"/>
             </a:pPr>
-            <a:endParaRPr lang="he-IL" sz="3200">
+            <a:endParaRPr lang="he-IL" sz="3200" dirty="0">
               <a:ea typeface="+mn-lt"/>
               <a:cs typeface="+mn-lt"/>
             </a:endParaRPr>
@@ -5645,7 +7912,7 @@
               </a:lnSpc>
               <a:buSzPct val="100000"/>
             </a:pPr>
-            <a:endParaRPr lang="he-IL" sz="3200">
+            <a:endParaRPr lang="he-IL" sz="3200" dirty="0">
               <a:ea typeface="+mn-lt"/>
               <a:cs typeface="+mn-lt"/>
             </a:endParaRPr>
@@ -5694,6 +7961,36 @@
           <a:chExt cx="0" cy="0"/>
         </a:xfrm>
       </p:grpSpPr>
+      <p:pic>
+        <p:nvPicPr>
+          <p:cNvPr id="3" name="תמונה 4">
+            <a:extLst>
+              <a:ext uri="{FF2B5EF4-FFF2-40B4-BE49-F238E27FC236}">
+                <a16:creationId xmlns:a16="http://schemas.microsoft.com/office/drawing/2014/main" id="{C021273C-0A88-240D-3E5C-CF110E214489}"/>
+              </a:ext>
+            </a:extLst>
+          </p:cNvPr>
+          <p:cNvPicPr>
+            <a:picLocks noChangeAspect="1"/>
+          </p:cNvPicPr>
+          <p:nvPr/>
+        </p:nvPicPr>
+        <p:blipFill>
+          <a:blip r:embed="rId2"/>
+          <a:stretch>
+            <a:fillRect/>
+          </a:stretch>
+        </p:blipFill>
+        <p:spPr>
+          <a:xfrm>
+            <a:off x="703847" y="1303900"/>
+            <a:ext cx="10684042" cy="540463"/>
+          </a:xfrm>
+          <a:prstGeom prst="rect">
+            <a:avLst/>
+          </a:prstGeom>
+        </p:spPr>
+      </p:pic>
       <p:sp>
         <p:nvSpPr>
           <p:cNvPr id="2" name="Title 1">
@@ -5790,7 +8087,7 @@
             <a:pPr lvl="1"/>
             <a:r>
               <a:rPr lang="en-US" sz="2800" dirty="0"/>
-              <a:t>  Multiword expressions word vector are like its components word vectors</a:t>
+              <a:t>Multiword expressions word vector are like its components word vectors</a:t>
             </a:r>
           </a:p>
           <a:p>
@@ -5890,7 +8187,7 @@
           <p:nvPr>
             <p:extLst>
               <p:ext uri="{D42A27DB-BD31-4B8C-83A1-F6EECF244321}">
-                <p14:modId xmlns:p14="http://schemas.microsoft.com/office/powerpoint/2010/main" val="2321980441"/>
+                <p14:modId xmlns:p14="http://schemas.microsoft.com/office/powerpoint/2010/main" val="3558923149"/>
               </p:ext>
             </p:extLst>
           </p:nvPr>
@@ -5903,7 +8200,7 @@
           <a:graphicData uri="http://schemas.openxmlformats.org/drawingml/2006/table">
             <a:tbl>
               <a:tblPr firstRow="1" bandRow="1">
-                <a:tableStyleId>{073A0DAA-6AF3-43AB-8588-CEC1D06C72B9}</a:tableStyleId>
+                <a:tableStyleId>{72833802-FEF1-4C79-8D5D-14CF1EAF98D9}</a:tableStyleId>
               </a:tblPr>
               <a:tblGrid>
                 <a:gridCol w="1612350">
@@ -5955,7 +8252,7 @@
                     <a:bodyPr/>
                     <a:lstStyle/>
                     <a:p>
-                      <a:endParaRPr lang="en-IL"/>
+                      <a:endParaRPr lang="en-IL" dirty="0"/>
                     </a:p>
                   </a:txBody>
                   <a:tcPr/>
@@ -6043,10 +8340,10 @@
                     <a:lstStyle/>
                     <a:p>
                       <a:r>
-                        <a:rPr lang="en-US" dirty="0"/>
+                        <a:rPr lang="en-US" b="1" dirty="0"/>
                         <a:t>meaning</a:t>
                       </a:r>
-                      <a:endParaRPr lang="en-IL" dirty="0"/>
+                      <a:endParaRPr lang="en-IL" b="1" dirty="0"/>
                     </a:p>
                   </a:txBody>
                   <a:tcPr/>
@@ -6134,10 +8431,10 @@
                     <a:lstStyle/>
                     <a:p>
                       <a:r>
-                        <a:rPr lang="en-US" dirty="0"/>
+                        <a:rPr lang="en-US" b="1" dirty="0"/>
                         <a:t>size</a:t>
                       </a:r>
-                      <a:endParaRPr lang="en-IL" dirty="0"/>
+                      <a:endParaRPr lang="en-IL" b="1" dirty="0"/>
                     </a:p>
                   </a:txBody>
                   <a:tcPr/>
@@ -6225,10 +8522,10 @@
                     <a:lstStyle/>
                     <a:p>
                       <a:r>
-                        <a:rPr lang="en-US" dirty="0"/>
+                        <a:rPr lang="en-US" b="1" dirty="0"/>
                         <a:t>Ex.</a:t>
                       </a:r>
-                      <a:endParaRPr lang="en-IL" dirty="0"/>
+                      <a:endParaRPr lang="en-IL" b="1" dirty="0"/>
                     </a:p>
                   </a:txBody>
                   <a:tcPr/>
@@ -6372,7 +8669,7 @@
           <a:lstStyle/>
           <a:p>
             <a:r>
-              <a:rPr lang="en-US" sz="4400" b="1" dirty="0">
+              <a:rPr lang="en-US" sz="4400" b="1">
                 <a:solidFill>
                   <a:prstClr val="black"/>
                 </a:solidFill>
@@ -6381,7 +8678,7 @@
               <a:t>Past work </a:t>
             </a:r>
             <a:r>
-              <a:rPr lang="he-IL" b="1" dirty="0">
+              <a:rPr lang="he-IL" b="1">
                 <a:solidFill>
                   <a:prstClr val="black"/>
                 </a:solidFill>
@@ -6390,7 +8687,7 @@
               <a:t>–</a:t>
             </a:r>
             <a:r>
-              <a:rPr lang="en-US" b="1" dirty="0">
+              <a:rPr lang="en-US" b="1">
                 <a:solidFill>
                   <a:prstClr val="black"/>
                 </a:solidFill>
@@ -6398,7 +8695,7 @@
               </a:rPr>
               <a:t> “Comparing word2vec and GloVe for Automatic Measurement of MWE Compositionality”</a:t>
             </a:r>
-            <a:endParaRPr lang="en-GB" b="1" dirty="0"/>
+            <a:endParaRPr lang="en-GB" b="1"/>
           </a:p>
         </p:txBody>
       </p:sp>
@@ -6461,7 +8758,7 @@
           <a:lstStyle/>
           <a:p>
             <a:r>
-              <a:rPr lang="en-US" sz="1100" u="none" strike="noStrike" dirty="0">
+              <a:rPr lang="en-US" sz="1100" u="none" strike="noStrike">
                 <a:effectLst/>
                 <a:latin typeface="Calibri" panose="020F0502020204030204" pitchFamily="34" charset="0"/>
                 <a:ea typeface="Calibri" panose="020F0502020204030204" pitchFamily="34" charset="0"/>
@@ -6470,7 +8767,7 @@
             </a:r>
           </a:p>
           <a:p>
-            <a:endParaRPr lang="en-IL" sz="1100" u="none" strike="noStrike" dirty="0">
+            <a:endParaRPr lang="en-IL" sz="1100" u="none" strike="noStrike">
               <a:effectLst/>
               <a:latin typeface="Calibri" panose="020F0502020204030204" pitchFamily="34" charset="0"/>
               <a:ea typeface="Calibri" panose="020F0502020204030204" pitchFamily="34" charset="0"/>
@@ -6494,6 +8791,14 @@
 <file path=ppt/slides/slide9.xml><?xml version="1.0" encoding="utf-8"?>
 <p:sld xmlns:a="http://schemas.openxmlformats.org/drawingml/2006/main" xmlns:r="http://schemas.openxmlformats.org/officeDocument/2006/relationships" xmlns:p="http://schemas.openxmlformats.org/presentationml/2006/main">
   <p:cSld>
+    <p:bg>
+      <p:bgPr>
+        <a:solidFill>
+          <a:schemeClr val="bg1"/>
+        </a:solidFill>
+        <a:effectLst/>
+      </p:bgPr>
+    </p:bg>
     <p:spTree>
       <p:nvGrpSpPr>
         <p:cNvPr id="1" name=""/>
@@ -6508,282 +8813,412 @@
           <a:chExt cx="0" cy="0"/>
         </a:xfrm>
       </p:grpSpPr>
-      <p:sp>
-        <p:nvSpPr>
-          <p:cNvPr id="2" name="Title 1">
-            <a:extLst>
-              <a:ext uri="{FF2B5EF4-FFF2-40B4-BE49-F238E27FC236}">
-                <a16:creationId xmlns:a16="http://schemas.microsoft.com/office/drawing/2014/main" id="{B1B2157A-6E97-71AC-96AF-6A651C07C07F}"/>
-              </a:ext>
-            </a:extLst>
-          </p:cNvPr>
-          <p:cNvSpPr>
-            <a:spLocks noGrp="1"/>
-          </p:cNvSpPr>
-          <p:nvPr>
-            <p:ph type="title"/>
-          </p:nvPr>
-        </p:nvSpPr>
-        <p:spPr/>
-        <p:txBody>
-          <a:bodyPr/>
-          <a:lstStyle/>
-          <a:p>
-            <a:r>
-              <a:rPr lang="en-US" sz="4400" b="1" dirty="0">
-                <a:solidFill>
-                  <a:prstClr val="black"/>
-                </a:solidFill>
-                <a:cs typeface="Arial" panose="020B0604020202020204" pitchFamily="34" charset="0"/>
-              </a:rPr>
-              <a:t>Method</a:t>
-            </a:r>
-            <a:endParaRPr lang="en-GB" b="1" dirty="0"/>
-          </a:p>
-        </p:txBody>
-      </p:sp>
-      <p:sp>
-        <p:nvSpPr>
-          <p:cNvPr id="4" name="Content Placeholder 2">
-            <a:extLst>
-              <a:ext uri="{FF2B5EF4-FFF2-40B4-BE49-F238E27FC236}">
-                <a16:creationId xmlns:a16="http://schemas.microsoft.com/office/drawing/2014/main" id="{511D9F8B-3BF0-CEF2-E14C-36FAE1E77A6B}"/>
-              </a:ext>
-            </a:extLst>
-          </p:cNvPr>
-          <p:cNvSpPr>
-            <a:spLocks noGrp="1"/>
-          </p:cNvSpPr>
-          <p:nvPr>
-            <p:ph idx="1"/>
+      <p:sp useBgFill="1">
+        <p:nvSpPr>
+          <p:cNvPr id="11" name="Rectangle 10">
+            <a:extLst>
+              <a:ext uri="{FF2B5EF4-FFF2-40B4-BE49-F238E27FC236}">
+                <a16:creationId xmlns:a16="http://schemas.microsoft.com/office/drawing/2014/main" id="{907EF6B7-1338-4443-8C46-6A318D952DFD}"/>
+              </a:ext>
+              <a:ext uri="{C183D7F6-B498-43B3-948B-1728B52AA6E4}">
+                <adec:decorative xmlns:adec="http://schemas.microsoft.com/office/drawing/2017/decorative" val="1"/>
+              </a:ext>
+            </a:extLst>
+          </p:cNvPr>
+          <p:cNvSpPr>
+            <a:spLocks noGrp="1" noRot="1" noChangeAspect="1" noMove="1" noResize="1" noEditPoints="1" noAdjustHandles="1" noChangeArrowheads="1" noChangeShapeType="1" noTextEdit="1"/>
+          </p:cNvSpPr>
+          <p:nvPr>
+            <p:extLst>
+              <p:ext uri="{386F3935-93C4-4BCD-93E2-E3B085C9AB24}">
+                <p16:designElem xmlns:p16="http://schemas.microsoft.com/office/powerpoint/2015/main" val="1"/>
+              </p:ext>
+            </p:extLst>
           </p:nvPr>
         </p:nvSpPr>
         <p:spPr>
           <a:xfrm>
-            <a:off x="838200" y="1825625"/>
-            <a:ext cx="8534400" cy="4351338"/>
-          </a:xfrm>
-        </p:spPr>
-        <p:txBody>
-          <a:bodyPr vert="horz" lIns="91440" tIns="45720" rIns="91440" bIns="45720" rtlCol="0" anchor="t">
-            <a:noAutofit/>
-          </a:bodyPr>
-          <a:lstStyle/>
-          <a:p>
-            <a:r>
-              <a:rPr lang="en-US" sz="3200" dirty="0"/>
-              <a:t>Modified CNN </a:t>
-            </a:r>
-          </a:p>
-          <a:p>
-            <a:r>
-              <a:rPr lang="en-US" sz="3200" dirty="0"/>
-              <a:t>Meaningful first layer</a:t>
-            </a:r>
-          </a:p>
-          <a:p>
-            <a:r>
-              <a:rPr lang="en-US" sz="3200" dirty="0"/>
-              <a:t>Band pass filter (</a:t>
-            </a:r>
-            <a:r>
-              <a:rPr lang="en-US" sz="3200" dirty="0" err="1"/>
-              <a:t>freq</a:t>
-            </a:r>
-            <a:r>
-              <a:rPr lang="en-US" sz="3200" dirty="0"/>
-              <a:t>)</a:t>
-            </a:r>
-            <a:br>
-              <a:rPr lang="en-US" sz="3200" dirty="0"/>
-            </a:br>
-            <a:r>
-              <a:rPr lang="en-US" sz="3200" dirty="0"/>
-              <a:t> by </a:t>
-            </a:r>
-            <a:r>
-              <a:rPr lang="en-US" sz="3200" dirty="0" err="1"/>
-              <a:t>sinc</a:t>
-            </a:r>
-            <a:r>
-              <a:rPr lang="en-US" sz="3200" dirty="0"/>
-              <a:t> functions (time)</a:t>
-            </a:r>
-          </a:p>
-          <a:p>
-            <a:r>
-              <a:rPr lang="en-US" sz="3200" dirty="0"/>
-              <a:t>Regular CNN Pipeline</a:t>
-            </a:r>
-          </a:p>
-          <a:p>
-            <a:endParaRPr lang="en-US" sz="3200" dirty="0"/>
-          </a:p>
-          <a:p>
-            <a:endParaRPr lang="en-US" sz="3200" dirty="0"/>
-          </a:p>
-        </p:txBody>
-      </p:sp>
-      <p:sp>
-        <p:nvSpPr>
-          <p:cNvPr id="6" name="TextBox 5">
-            <a:extLst>
-              <a:ext uri="{FF2B5EF4-FFF2-40B4-BE49-F238E27FC236}">
-                <a16:creationId xmlns:a16="http://schemas.microsoft.com/office/drawing/2014/main" id="{CA28949E-6483-F0C5-E6CC-17E9301FBE8F}"/>
-              </a:ext>
-            </a:extLst>
-          </p:cNvPr>
-          <p:cNvSpPr txBox="1"/>
-          <p:nvPr/>
-        </p:nvSpPr>
-        <p:spPr>
-          <a:xfrm>
-            <a:off x="-57150" y="6607175"/>
-            <a:ext cx="12211050" cy="276999"/>
+            <a:off x="3048" y="0"/>
+            <a:ext cx="12188952" cy="6858000"/>
           </a:xfrm>
           <a:prstGeom prst="rect">
             <a:avLst/>
           </a:prstGeom>
-          <a:noFill/>
+          <a:ln>
+            <a:noFill/>
+          </a:ln>
         </p:spPr>
-        <p:txBody>
-          <a:bodyPr wrap="square" rtlCol="0">
-            <a:spAutoFit/>
+        <p:style>
+          <a:lnRef idx="2">
+            <a:schemeClr val="accent1">
+              <a:shade val="50000"/>
+            </a:schemeClr>
+          </a:lnRef>
+          <a:fillRef idx="1">
+            <a:schemeClr val="accent1"/>
+          </a:fillRef>
+          <a:effectRef idx="0">
+            <a:schemeClr val="accent1"/>
+          </a:effectRef>
+          <a:fontRef idx="minor">
+            <a:schemeClr val="lt1"/>
+          </a:fontRef>
+        </p:style>
+        <p:txBody>
+          <a:bodyPr rtlCol="0" anchor="ctr"/>
+          <a:lstStyle/>
+          <a:p>
+            <a:pPr algn="ctr"/>
+            <a:endParaRPr lang="en-US"/>
+          </a:p>
+        </p:txBody>
+      </p:sp>
+      <p:sp>
+        <p:nvSpPr>
+          <p:cNvPr id="13" name="Freeform: Shape 12">
+            <a:extLst>
+              <a:ext uri="{FF2B5EF4-FFF2-40B4-BE49-F238E27FC236}">
+                <a16:creationId xmlns:a16="http://schemas.microsoft.com/office/drawing/2014/main" id="{DAAE4CDD-124C-4DCF-9584-B6033B545DD5}"/>
+              </a:ext>
+              <a:ext uri="{C183D7F6-B498-43B3-948B-1728B52AA6E4}">
+                <adec:decorative xmlns:adec="http://schemas.microsoft.com/office/drawing/2017/decorative" val="1"/>
+              </a:ext>
+            </a:extLst>
+          </p:cNvPr>
+          <p:cNvSpPr>
+            <a:spLocks noGrp="1" noRot="1" noChangeAspect="1" noMove="1" noResize="1" noEditPoints="1" noAdjustHandles="1" noChangeArrowheads="1" noChangeShapeType="1" noTextEdit="1"/>
+          </p:cNvSpPr>
+          <p:nvPr>
+            <p:extLst>
+              <p:ext uri="{386F3935-93C4-4BCD-93E2-E3B085C9AB24}">
+                <p16:designElem xmlns:p16="http://schemas.microsoft.com/office/powerpoint/2015/main" val="1"/>
+              </p:ext>
+            </p:extLst>
+          </p:nvPr>
+        </p:nvSpPr>
+        <p:spPr>
+          <a:xfrm>
+            <a:off x="1" y="0"/>
+            <a:ext cx="4167271" cy="6858000"/>
+          </a:xfrm>
+          <a:custGeom>
+            <a:avLst/>
+            <a:gdLst>
+              <a:gd name="connsiteX0" fmla="*/ 0 w 4167271"/>
+              <a:gd name="connsiteY0" fmla="*/ 0 h 6858000"/>
+              <a:gd name="connsiteX1" fmla="*/ 2259550 w 4167271"/>
+              <a:gd name="connsiteY1" fmla="*/ 0 h 6858000"/>
+              <a:gd name="connsiteX2" fmla="*/ 2387803 w 4167271"/>
+              <a:gd name="connsiteY2" fmla="*/ 82222 h 6858000"/>
+              <a:gd name="connsiteX3" fmla="*/ 4167271 w 4167271"/>
+              <a:gd name="connsiteY3" fmla="*/ 3429000 h 6858000"/>
+              <a:gd name="connsiteX4" fmla="*/ 2387803 w 4167271"/>
+              <a:gd name="connsiteY4" fmla="*/ 6775779 h 6858000"/>
+              <a:gd name="connsiteX5" fmla="*/ 2259550 w 4167271"/>
+              <a:gd name="connsiteY5" fmla="*/ 6858000 h 6858000"/>
+              <a:gd name="connsiteX6" fmla="*/ 0 w 4167271"/>
+              <a:gd name="connsiteY6" fmla="*/ 6858000 h 6858000"/>
+            </a:gdLst>
+            <a:ahLst/>
+            <a:cxnLst>
+              <a:cxn ang="0">
+                <a:pos x="connsiteX0" y="connsiteY0"/>
+              </a:cxn>
+              <a:cxn ang="0">
+                <a:pos x="connsiteX1" y="connsiteY1"/>
+              </a:cxn>
+              <a:cxn ang="0">
+                <a:pos x="connsiteX2" y="connsiteY2"/>
+              </a:cxn>
+              <a:cxn ang="0">
+                <a:pos x="connsiteX3" y="connsiteY3"/>
+              </a:cxn>
+              <a:cxn ang="0">
+                <a:pos x="connsiteX4" y="connsiteY4"/>
+              </a:cxn>
+              <a:cxn ang="0">
+                <a:pos x="connsiteX5" y="connsiteY5"/>
+              </a:cxn>
+              <a:cxn ang="0">
+                <a:pos x="connsiteX6" y="connsiteY6"/>
+              </a:cxn>
+            </a:cxnLst>
+            <a:rect l="l" t="t" r="r" b="b"/>
+            <a:pathLst>
+              <a:path w="4167271" h="6858000">
+                <a:moveTo>
+                  <a:pt x="0" y="0"/>
+                </a:moveTo>
+                <a:lnTo>
+                  <a:pt x="2259550" y="0"/>
+                </a:lnTo>
+                <a:lnTo>
+                  <a:pt x="2387803" y="82222"/>
+                </a:lnTo>
+                <a:cubicBezTo>
+                  <a:pt x="3461407" y="807534"/>
+                  <a:pt x="4167271" y="2035835"/>
+                  <a:pt x="4167271" y="3429000"/>
+                </a:cubicBezTo>
+                <a:cubicBezTo>
+                  <a:pt x="4167271" y="4822165"/>
+                  <a:pt x="3461407" y="6050467"/>
+                  <a:pt x="2387803" y="6775779"/>
+                </a:cubicBezTo>
+                <a:lnTo>
+                  <a:pt x="2259550" y="6858000"/>
+                </a:lnTo>
+                <a:lnTo>
+                  <a:pt x="0" y="6858000"/>
+                </a:lnTo>
+                <a:close/>
+              </a:path>
+            </a:pathLst>
+          </a:custGeom>
+          <a:solidFill>
+            <a:schemeClr val="accent2"/>
+          </a:solidFill>
+          <a:ln>
+            <a:noFill/>
+          </a:ln>
+        </p:spPr>
+        <p:style>
+          <a:lnRef idx="2">
+            <a:schemeClr val="accent1">
+              <a:shade val="50000"/>
+            </a:schemeClr>
+          </a:lnRef>
+          <a:fillRef idx="1">
+            <a:schemeClr val="accent1"/>
+          </a:fillRef>
+          <a:effectRef idx="0">
+            <a:schemeClr val="accent1"/>
+          </a:effectRef>
+          <a:fontRef idx="minor">
+            <a:schemeClr val="lt1"/>
+          </a:fontRef>
+        </p:style>
+        <p:txBody>
+          <a:bodyPr rtlCol="0" anchor="ctr"/>
+          <a:lstStyle/>
+          <a:p>
+            <a:pPr algn="ctr"/>
+            <a:endParaRPr lang="en-US"/>
+          </a:p>
+        </p:txBody>
+      </p:sp>
+      <p:sp>
+        <p:nvSpPr>
+          <p:cNvPr id="2" name="Title 1">
+            <a:extLst>
+              <a:ext uri="{FF2B5EF4-FFF2-40B4-BE49-F238E27FC236}">
+                <a16:creationId xmlns:a16="http://schemas.microsoft.com/office/drawing/2014/main" id="{B1B2157A-6E97-71AC-96AF-6A651C07C07F}"/>
+              </a:ext>
+            </a:extLst>
+          </p:cNvPr>
+          <p:cNvSpPr>
+            <a:spLocks noGrp="1"/>
+          </p:cNvSpPr>
+          <p:nvPr>
+            <p:ph type="title"/>
+          </p:nvPr>
+        </p:nvSpPr>
+        <p:spPr>
+          <a:xfrm>
+            <a:off x="686834" y="1153572"/>
+            <a:ext cx="3200400" cy="4461163"/>
+          </a:xfrm>
+        </p:spPr>
+        <p:txBody>
+          <a:bodyPr>
+            <a:normAutofit/>
           </a:bodyPr>
           <a:lstStyle/>
           <a:p>
             <a:r>
-              <a:rPr lang="en-US" sz="1200" u="none" strike="noStrike" dirty="0" err="1">
+              <a:rPr lang="en-US" b="1" dirty="0">
                 <a:solidFill>
-                  <a:srgbClr val="222222"/>
+                  <a:srgbClr val="FFFFFF"/>
                 </a:solidFill>
-                <a:effectLst/>
-                <a:highlight>
-                  <a:srgbClr val="FFFFFF"/>
-                </a:highlight>
-                <a:latin typeface="Calibri" panose="020F0502020204030204" pitchFamily="34" charset="0"/>
+              </a:rPr>
+              <a:t>Future work </a:t>
+            </a:r>
+            <a:endParaRPr lang="en-GB" b="1" dirty="0">
+              <a:solidFill>
+                <a:srgbClr val="FFFFFF"/>
+              </a:solidFill>
+            </a:endParaRPr>
+          </a:p>
+        </p:txBody>
+      </p:sp>
+      <p:sp>
+        <p:nvSpPr>
+          <p:cNvPr id="15" name="Arc 14">
+            <a:extLst>
+              <a:ext uri="{FF2B5EF4-FFF2-40B4-BE49-F238E27FC236}">
+                <a16:creationId xmlns:a16="http://schemas.microsoft.com/office/drawing/2014/main" id="{081E4A58-353D-44AE-B2FC-2A74E2E400F7}"/>
+              </a:ext>
+              <a:ext uri="{C183D7F6-B498-43B3-948B-1728B52AA6E4}">
+                <adec:decorative xmlns:adec="http://schemas.microsoft.com/office/drawing/2017/decorative" val="1"/>
+              </a:ext>
+            </a:extLst>
+          </p:cNvPr>
+          <p:cNvSpPr>
+            <a:spLocks noGrp="1" noRot="1" noChangeAspect="1" noMove="1" noResize="1" noEditPoints="1" noAdjustHandles="1" noChangeArrowheads="1" noChangeShapeType="1" noTextEdit="1"/>
+          </p:cNvSpPr>
+          <p:nvPr>
+            <p:extLst>
+              <p:ext uri="{386F3935-93C4-4BCD-93E2-E3B085C9AB24}">
+                <p16:designElem xmlns:p16="http://schemas.microsoft.com/office/powerpoint/2015/main" val="1"/>
+              </p:ext>
+            </p:extLst>
+          </p:nvPr>
+        </p:nvSpPr>
+        <p:spPr>
+          <a:xfrm flipV="1">
+            <a:off x="7550402" y="2455479"/>
+            <a:ext cx="4083433" cy="4083433"/>
+          </a:xfrm>
+          <a:prstGeom prst="arc">
+            <a:avLst/>
+          </a:prstGeom>
+          <a:ln w="127000" cap="rnd">
+            <a:solidFill>
+              <a:schemeClr val="accent4"/>
+            </a:solidFill>
+            <a:prstDash val="dash"/>
+          </a:ln>
+        </p:spPr>
+        <p:style>
+          <a:lnRef idx="1">
+            <a:schemeClr val="accent1"/>
+          </a:lnRef>
+          <a:fillRef idx="0">
+            <a:schemeClr val="accent1"/>
+          </a:fillRef>
+          <a:effectRef idx="0">
+            <a:schemeClr val="accent1"/>
+          </a:effectRef>
+          <a:fontRef idx="minor">
+            <a:schemeClr val="tx1"/>
+          </a:fontRef>
+        </p:style>
+        <p:txBody>
+          <a:bodyPr rtlCol="0" anchor="ctr"/>
+          <a:lstStyle/>
+          <a:p>
+            <a:pPr algn="ctr"/>
+            <a:endParaRPr lang="en-US"/>
+          </a:p>
+        </p:txBody>
+      </p:sp>
+      <p:sp>
+        <p:nvSpPr>
+          <p:cNvPr id="6" name="Content Placeholder 2">
+            <a:extLst>
+              <a:ext uri="{FF2B5EF4-FFF2-40B4-BE49-F238E27FC236}">
+                <a16:creationId xmlns:a16="http://schemas.microsoft.com/office/drawing/2014/main" id="{511D9F8B-3BF0-CEF2-E14C-36FAE1E77A6B}"/>
+              </a:ext>
+            </a:extLst>
+          </p:cNvPr>
+          <p:cNvSpPr>
+            <a:spLocks noGrp="1"/>
+          </p:cNvSpPr>
+          <p:nvPr>
+            <p:ph idx="1"/>
+          </p:nvPr>
+        </p:nvSpPr>
+        <p:spPr>
+          <a:xfrm>
+            <a:off x="4447308" y="591344"/>
+            <a:ext cx="6906491" cy="5585619"/>
+          </a:xfrm>
+        </p:spPr>
+        <p:txBody>
+          <a:bodyPr anchor="ctr">
+            <a:normAutofit lnSpcReduction="10000"/>
+          </a:bodyPr>
+          <a:lstStyle/>
+          <a:p>
+            <a:endParaRPr lang="en-US" sz="3200" dirty="0"/>
+          </a:p>
+          <a:p>
+            <a:endParaRPr lang="en-US" sz="3200" dirty="0"/>
+          </a:p>
+          <a:p>
+            <a:endParaRPr lang="en-US" sz="3200" dirty="0"/>
+          </a:p>
+          <a:p>
+            <a:pPr marL="0" indent="0">
+              <a:buNone/>
+            </a:pPr>
+            <a:endParaRPr lang="en-US" sz="3200" dirty="0"/>
+          </a:p>
+          <a:p>
+            <a:r>
+              <a:rPr lang="en-US" sz="3200" dirty="0"/>
+              <a:t>Training Word2Vec and GloVe on Datasets</a:t>
+            </a:r>
+          </a:p>
+          <a:p>
+            <a:r>
+              <a:rPr lang="en-US" sz="3200" dirty="0"/>
+              <a:t>Saving various models at specific epoch number and time trained</a:t>
+            </a:r>
+          </a:p>
+          <a:p>
+            <a:r>
+              <a:rPr lang="en-US" sz="3200" dirty="0"/>
+              <a:t>Compering similar models' accuracy on matching test datasets</a:t>
+            </a:r>
+          </a:p>
+          <a:p>
+            <a:pPr>
+              <a:spcBef>
+                <a:spcPts val="1200"/>
+              </a:spcBef>
+              <a:spcAft>
+                <a:spcPts val="1200"/>
+              </a:spcAft>
+            </a:pPr>
+            <a:r>
+              <a:rPr lang="en-US" sz="3200" dirty="0">
                 <a:ea typeface="Calibri" panose="020F0502020204030204" pitchFamily="34" charset="0"/>
-                <a:cs typeface="Calibri" panose="020F0502020204030204" pitchFamily="34" charset="0"/>
               </a:rPr>
-              <a:t>Ravanelli</a:t>
-            </a:r>
-            <a:r>
-              <a:rPr lang="en-US" sz="1200" u="none" strike="noStrike" dirty="0">
-                <a:solidFill>
-                  <a:srgbClr val="222222"/>
-                </a:solidFill>
-                <a:effectLst/>
-                <a:highlight>
-                  <a:srgbClr val="FFFFFF"/>
-                </a:highlight>
-                <a:latin typeface="Calibri" panose="020F0502020204030204" pitchFamily="34" charset="0"/>
-                <a:ea typeface="Calibri" panose="020F0502020204030204" pitchFamily="34" charset="0"/>
-                <a:cs typeface="Calibri" panose="020F0502020204030204" pitchFamily="34" charset="0"/>
-              </a:rPr>
-              <a:t>, M., &amp; </a:t>
-            </a:r>
-            <a:r>
-              <a:rPr lang="en-US" sz="1200" u="none" strike="noStrike" dirty="0" err="1">
-                <a:solidFill>
-                  <a:srgbClr val="222222"/>
-                </a:solidFill>
-                <a:effectLst/>
-                <a:highlight>
-                  <a:srgbClr val="FFFFFF"/>
-                </a:highlight>
-                <a:latin typeface="Calibri" panose="020F0502020204030204" pitchFamily="34" charset="0"/>
-                <a:ea typeface="Calibri" panose="020F0502020204030204" pitchFamily="34" charset="0"/>
-                <a:cs typeface="Calibri" panose="020F0502020204030204" pitchFamily="34" charset="0"/>
-              </a:rPr>
-              <a:t>Bengio</a:t>
-            </a:r>
-            <a:r>
-              <a:rPr lang="en-US" sz="1200" u="none" strike="noStrike" dirty="0">
-                <a:solidFill>
-                  <a:srgbClr val="222222"/>
-                </a:solidFill>
-                <a:effectLst/>
-                <a:highlight>
-                  <a:srgbClr val="FFFFFF"/>
-                </a:highlight>
-                <a:latin typeface="Calibri" panose="020F0502020204030204" pitchFamily="34" charset="0"/>
-                <a:ea typeface="Calibri" panose="020F0502020204030204" pitchFamily="34" charset="0"/>
-                <a:cs typeface="Calibri" panose="020F0502020204030204" pitchFamily="34" charset="0"/>
-              </a:rPr>
-              <a:t>, Y. (2018, December). Speaker recognition from raw waveform with </a:t>
-            </a:r>
-            <a:r>
-              <a:rPr lang="en-US" sz="1200" u="none" strike="noStrike" dirty="0" err="1">
-                <a:solidFill>
-                  <a:srgbClr val="222222"/>
-                </a:solidFill>
-                <a:effectLst/>
-                <a:highlight>
-                  <a:srgbClr val="FFFFFF"/>
-                </a:highlight>
-                <a:latin typeface="Calibri" panose="020F0502020204030204" pitchFamily="34" charset="0"/>
-                <a:ea typeface="Calibri" panose="020F0502020204030204" pitchFamily="34" charset="0"/>
-                <a:cs typeface="Calibri" panose="020F0502020204030204" pitchFamily="34" charset="0"/>
-              </a:rPr>
-              <a:t>sincnet</a:t>
-            </a:r>
-            <a:r>
-              <a:rPr lang="en-US" sz="1200" u="none" strike="noStrike" dirty="0">
-                <a:solidFill>
-                  <a:srgbClr val="222222"/>
-                </a:solidFill>
-                <a:effectLst/>
-                <a:highlight>
-                  <a:srgbClr val="FFFFFF"/>
-                </a:highlight>
-                <a:latin typeface="Calibri" panose="020F0502020204030204" pitchFamily="34" charset="0"/>
-                <a:ea typeface="Calibri" panose="020F0502020204030204" pitchFamily="34" charset="0"/>
-                <a:cs typeface="Calibri" panose="020F0502020204030204" pitchFamily="34" charset="0"/>
-              </a:rPr>
-              <a:t>. </a:t>
-            </a:r>
-            <a:r>
-              <a:rPr lang="he-IL" sz="1200" u="none" strike="noStrike" dirty="0">
-                <a:solidFill>
-                  <a:srgbClr val="222222"/>
-                </a:solidFill>
-                <a:effectLst/>
-                <a:highlight>
-                  <a:srgbClr val="FFFFFF"/>
-                </a:highlight>
-                <a:latin typeface="Calibri" panose="020F0502020204030204" pitchFamily="34" charset="0"/>
-                <a:ea typeface="Calibri" panose="020F0502020204030204" pitchFamily="34" charset="0"/>
-                <a:cs typeface="Calibri" panose="020F0502020204030204" pitchFamily="34" charset="0"/>
-              </a:rPr>
-              <a:t>In </a:t>
-            </a:r>
-            <a:r>
-              <a:rPr lang="he-IL" sz="1200" i="1" u="none" strike="noStrike" dirty="0">
-                <a:solidFill>
-                  <a:srgbClr val="222222"/>
-                </a:solidFill>
-                <a:effectLst/>
-                <a:highlight>
-                  <a:srgbClr val="FFFFFF"/>
-                </a:highlight>
-                <a:latin typeface="Calibri" panose="020F0502020204030204" pitchFamily="34" charset="0"/>
-                <a:ea typeface="Calibri" panose="020F0502020204030204" pitchFamily="34" charset="0"/>
-                <a:cs typeface="Calibri" panose="020F0502020204030204" pitchFamily="34" charset="0"/>
-              </a:rPr>
-              <a:t>2018 IEEE Spoken Language Technology Workshop (SLT)</a:t>
-            </a:r>
-            <a:endParaRPr lang="en-IL" sz="1200" u="none" strike="noStrike" dirty="0">
+              <a:t>Visualization of results</a:t>
+            </a:r>
+            <a:endParaRPr lang="en-US" sz="3200" dirty="0">
               <a:effectLst/>
-              <a:latin typeface="Calibri" panose="020F0502020204030204" pitchFamily="34" charset="0"/>
               <a:ea typeface="Calibri" panose="020F0502020204030204" pitchFamily="34" charset="0"/>
             </a:endParaRPr>
+          </a:p>
+          <a:p>
+            <a:pPr marL="0" indent="0">
+              <a:spcBef>
+                <a:spcPts val="1200"/>
+              </a:spcBef>
+              <a:spcAft>
+                <a:spcPts val="1200"/>
+              </a:spcAft>
+              <a:buNone/>
+            </a:pPr>
+            <a:endParaRPr lang="en-US" sz="3200" dirty="0"/>
+          </a:p>
+          <a:p>
+            <a:endParaRPr lang="en-US" sz="3200" dirty="0"/>
+          </a:p>
+          <a:p>
+            <a:endParaRPr lang="en-US" sz="3200" dirty="0"/>
+          </a:p>
+          <a:p>
+            <a:endParaRPr lang="en-US" sz="3200" dirty="0"/>
           </a:p>
         </p:txBody>
       </p:sp>
     </p:spTree>
     <p:extLst>
       <p:ext uri="{BB962C8B-B14F-4D97-AF65-F5344CB8AC3E}">
-        <p14:creationId xmlns:p14="http://schemas.microsoft.com/office/powerpoint/2010/main" val="243016868"/>
+        <p14:creationId xmlns:p14="http://schemas.microsoft.com/office/powerpoint/2010/main" val="3711738761"/>
       </p:ext>
     </p:extLst>
   </p:cSld>
@@ -7089,6 +9524,15 @@
 </file>
 
 <file path=customXml/item1.xml><?xml version="1.0" encoding="utf-8"?>
+<?mso-contentType ?>
+<FormTemplates xmlns="http://schemas.microsoft.com/sharepoint/v3/contenttype/forms">
+  <Display>DocumentLibraryForm</Display>
+  <Edit>DocumentLibraryForm</Edit>
+  <New>DocumentLibraryForm</New>
+</FormTemplates>
+</file>
+
+<file path=customXml/item2.xml><?xml version="1.0" encoding="utf-8"?>
 <ct:contentTypeSchema xmlns:ct="http://schemas.microsoft.com/office/2006/metadata/contentType" xmlns:ma="http://schemas.microsoft.com/office/2006/metadata/properties/metaAttributes" ct:_="" ma:_="" ma:contentTypeName="Document" ma:contentTypeID="0x01010074138EDDC87026499C0508CF3F01DE5B" ma:contentTypeVersion="11" ma:contentTypeDescription="Create a new document." ma:contentTypeScope="" ma:versionID="f9ed57a46e7e9f360655942ff1da1b93">
   <xsd:schema xmlns:xsd="http://www.w3.org/2001/XMLSchema" xmlns:xs="http://www.w3.org/2001/XMLSchema" xmlns:p="http://schemas.microsoft.com/office/2006/metadata/properties" xmlns:ns3="a7bf42cb-5e57-474b-bf80-7dc3a02029c8" xmlns:ns4="cc066106-5c9a-40d1-89fd-ed422cd1a907" targetNamespace="http://schemas.microsoft.com/office/2006/metadata/properties" ma:root="true" ma:fieldsID="2861f2ff153f8b799a4d00e904c70b5b" ns3:_="" ns4:_="">
     <xsd:import namespace="a7bf42cb-5e57-474b-bf80-7dc3a02029c8"/>
@@ -7297,15 +9741,6 @@
 </ct:contentTypeSchema>
 </file>
 
-<file path=customXml/item2.xml><?xml version="1.0" encoding="utf-8"?>
-<?mso-contentType ?>
-<FormTemplates xmlns="http://schemas.microsoft.com/sharepoint/v3/contenttype/forms">
-  <Display>DocumentLibraryForm</Display>
-  <Edit>DocumentLibraryForm</Edit>
-  <New>DocumentLibraryForm</New>
-</FormTemplates>
-</file>
-
 <file path=customXml/item3.xml><?xml version="1.0" encoding="utf-8"?>
 <p:properties xmlns:p="http://schemas.microsoft.com/office/2006/metadata/properties" xmlns:xsi="http://www.w3.org/2001/XMLSchema-instance" xmlns:pc="http://schemas.microsoft.com/office/infopath/2007/PartnerControls">
   <documentManagement/>
@@ -7313,28 +9748,28 @@
 </file>
 
 <file path=customXml/itemProps1.xml><?xml version="1.0" encoding="utf-8"?>
-<ds:datastoreItem xmlns:ds="http://schemas.openxmlformats.org/officeDocument/2006/customXml" ds:itemID="{0047E0DB-9439-4A76-9A8E-53A56B7C7075}">
+<ds:datastoreItem xmlns:ds="http://schemas.openxmlformats.org/officeDocument/2006/customXml" ds:itemID="{391D4464-4553-483F-8EEB-B4673AD40EBA}">
   <ds:schemaRefs>
-    <ds:schemaRef ds:uri="http://schemas.microsoft.com/office/2006/metadata/contentType"/>
-    <ds:schemaRef ds:uri="http://schemas.microsoft.com/office/2006/metadata/properties/metaAttributes"/>
-    <ds:schemaRef ds:uri="http://www.w3.org/2001/XMLSchema"/>
-    <ds:schemaRef ds:uri="http://schemas.microsoft.com/office/2006/metadata/properties"/>
-    <ds:schemaRef ds:uri="a7bf42cb-5e57-474b-bf80-7dc3a02029c8"/>
-    <ds:schemaRef ds:uri="cc066106-5c9a-40d1-89fd-ed422cd1a907"/>
-    <ds:schemaRef ds:uri="http://schemas.microsoft.com/office/2006/documentManagement/types"/>
-    <ds:schemaRef ds:uri="http://schemas.microsoft.com/office/infopath/2007/PartnerControls"/>
-    <ds:schemaRef ds:uri="http://schemas.openxmlformats.org/package/2006/metadata/core-properties"/>
-    <ds:schemaRef ds:uri="http://purl.org/dc/elements/1.1/"/>
-    <ds:schemaRef ds:uri="http://purl.org/dc/terms/"/>
-    <ds:schemaRef ds:uri="http://schemas.microsoft.com/internal/obd"/>
+    <ds:schemaRef ds:uri="http://schemas.microsoft.com/sharepoint/v3/contenttype/forms"/>
   </ds:schemaRefs>
 </ds:datastoreItem>
 </file>
 
 <file path=customXml/itemProps2.xml><?xml version="1.0" encoding="utf-8"?>
-<ds:datastoreItem xmlns:ds="http://schemas.openxmlformats.org/officeDocument/2006/customXml" ds:itemID="{391D4464-4553-483F-8EEB-B4673AD40EBA}">
+<ds:datastoreItem xmlns:ds="http://schemas.openxmlformats.org/officeDocument/2006/customXml" ds:itemID="{0047E0DB-9439-4A76-9A8E-53A56B7C7075}">
   <ds:schemaRefs>
-    <ds:schemaRef ds:uri="http://schemas.microsoft.com/sharepoint/v3/contenttype/forms"/>
+    <ds:schemaRef ds:uri="a7bf42cb-5e57-474b-bf80-7dc3a02029c8"/>
+    <ds:schemaRef ds:uri="cc066106-5c9a-40d1-89fd-ed422cd1a907"/>
+    <ds:schemaRef ds:uri="http://purl.org/dc/elements/1.1/"/>
+    <ds:schemaRef ds:uri="http://purl.org/dc/terms/"/>
+    <ds:schemaRef ds:uri="http://schemas.microsoft.com/internal/obd"/>
+    <ds:schemaRef ds:uri="http://schemas.microsoft.com/office/2006/documentManagement/types"/>
+    <ds:schemaRef ds:uri="http://schemas.microsoft.com/office/2006/metadata/contentType"/>
+    <ds:schemaRef ds:uri="http://schemas.microsoft.com/office/2006/metadata/properties"/>
+    <ds:schemaRef ds:uri="http://schemas.microsoft.com/office/2006/metadata/properties/metaAttributes"/>
+    <ds:schemaRef ds:uri="http://schemas.microsoft.com/office/infopath/2007/PartnerControls"/>
+    <ds:schemaRef ds:uri="http://schemas.openxmlformats.org/package/2006/metadata/core-properties"/>
+    <ds:schemaRef ds:uri="http://www.w3.org/2001/XMLSchema"/>
   </ds:schemaRefs>
 </ds:datastoreItem>
 </file>
@@ -7343,15 +9778,15 @@
 <ds:datastoreItem xmlns:ds="http://schemas.openxmlformats.org/officeDocument/2006/customXml" ds:itemID="{C51A5C83-F58D-453B-ADE1-432966BD3193}">
   <ds:schemaRefs>
     <ds:schemaRef ds:uri="http://www.w3.org/XML/1998/namespace"/>
+    <ds:schemaRef ds:uri="http://schemas.openxmlformats.org/package/2006/metadata/core-properties"/>
     <ds:schemaRef ds:uri="http://purl.org/dc/terms/"/>
+    <ds:schemaRef ds:uri="http://schemas.microsoft.com/office/2006/documentManagement/types"/>
+    <ds:schemaRef ds:uri="http://schemas.microsoft.com/office/infopath/2007/PartnerControls"/>
     <ds:schemaRef ds:uri="http://purl.org/dc/dcmitype/"/>
-    <ds:schemaRef ds:uri="http://schemas.microsoft.com/office/2006/documentManagement/types"/>
-    <ds:schemaRef ds:uri="http://schemas.microsoft.com/office/2006/metadata/properties"/>
-    <ds:schemaRef ds:uri="http://schemas.openxmlformats.org/package/2006/metadata/core-properties"/>
-    <ds:schemaRef ds:uri="http://schemas.microsoft.com/office/infopath/2007/PartnerControls"/>
+    <ds:schemaRef ds:uri="http://purl.org/dc/elements/1.1/"/>
     <ds:schemaRef ds:uri="cc066106-5c9a-40d1-89fd-ed422cd1a907"/>
     <ds:schemaRef ds:uri="a7bf42cb-5e57-474b-bf80-7dc3a02029c8"/>
-    <ds:schemaRef ds:uri="http://purl.org/dc/elements/1.1/"/>
+    <ds:schemaRef ds:uri="http://schemas.microsoft.com/office/2006/metadata/properties"/>
   </ds:schemaRefs>
 </ds:datastoreItem>
 </file>
--- a/mid_term.pptx
+++ b/mid_term.pptx
@@ -2,19 +2,23 @@
 <file path=ppt/presentation.xml><?xml version="1.0" encoding="utf-8"?>
 <p:presentation xmlns:a="http://schemas.openxmlformats.org/drawingml/2006/main" xmlns:r="http://schemas.openxmlformats.org/officeDocument/2006/relationships" xmlns:p="http://schemas.openxmlformats.org/presentationml/2006/main" saveSubsetFonts="1">
   <p:sldMasterIdLst>
-    <p:sldMasterId id="2147483648" r:id="rId4"/>
+    <p:sldMasterId id="2147483648" r:id="rId1"/>
   </p:sldMasterIdLst>
+  <p:notesMasterIdLst>
+    <p:notesMasterId r:id="rId13"/>
+  </p:notesMasterIdLst>
   <p:sldIdLst>
-    <p:sldId id="256" r:id="rId5"/>
-    <p:sldId id="258" r:id="rId6"/>
-    <p:sldId id="275" r:id="rId7"/>
-    <p:sldId id="274" r:id="rId8"/>
-    <p:sldId id="273" r:id="rId9"/>
-    <p:sldId id="264" r:id="rId10"/>
-    <p:sldId id="268" r:id="rId11"/>
-    <p:sldId id="278" r:id="rId12"/>
-    <p:sldId id="263" r:id="rId13"/>
-    <p:sldId id="276" r:id="rId14"/>
+    <p:sldId id="256" r:id="rId2"/>
+    <p:sldId id="258" r:id="rId3"/>
+    <p:sldId id="275" r:id="rId4"/>
+    <p:sldId id="274" r:id="rId5"/>
+    <p:sldId id="273" r:id="rId6"/>
+    <p:sldId id="264" r:id="rId7"/>
+    <p:sldId id="268" r:id="rId8"/>
+    <p:sldId id="277" r:id="rId9"/>
+    <p:sldId id="278" r:id="rId10"/>
+    <p:sldId id="263" r:id="rId11"/>
+    <p:sldId id="276" r:id="rId12"/>
   </p:sldIdLst>
   <p:sldSz cx="12192000" cy="6858000"/>
   <p:notesSz cx="6858000" cy="9144000"/>
@@ -135,10 +139,445 @@
 <file path=ppt/revisionInfo.xml><?xml version="1.0" encoding="utf-8"?>
 <p1510:revInfo xmlns:a="http://schemas.openxmlformats.org/drawingml/2006/main" xmlns:r="http://schemas.openxmlformats.org/officeDocument/2006/relationships" xmlns:p1510="http://schemas.microsoft.com/office/powerpoint/2015/10/main">
   <p1510:revLst>
-    <p1510:client id="{14198D2D-E7E3-493A-A79F-1AFBBD9FA961}" v="74" dt="2022-08-21T20:02:16.506"/>
-    <p1510:client id="{987C1B17-4E27-4FB2-A41E-ED89AD65A6CC}" v="471" dt="2022-08-21T20:05:29.839"/>
+    <p1510:client id="{10EA307C-83B4-CDF6-9875-23A74AC478ED}" v="750" dt="2022-08-08T17:56:27.161"/>
+    <p1510:client id="{7CC550E2-6DDB-4775-87B9-F16117655889}" v="159" dt="2022-08-08T17:07:15.468"/>
+    <p1510:client id="{C3D0970D-24F8-45A7-A150-6EB680454E5D}" v="126" dt="2022-08-08T15:39:03.920"/>
   </p1510:revLst>
 </p1510:revInfo>
+</file>
+
+<file path=ppt/notesMasters/notesMaster1.xml><?xml version="1.0" encoding="utf-8"?>
+<p:notesMaster xmlns:a="http://schemas.openxmlformats.org/drawingml/2006/main" xmlns:r="http://schemas.openxmlformats.org/officeDocument/2006/relationships" xmlns:p="http://schemas.openxmlformats.org/presentationml/2006/main">
+  <p:cSld>
+    <p:bg>
+      <p:bgRef idx="1001">
+        <a:schemeClr val="bg1"/>
+      </p:bgRef>
+    </p:bg>
+    <p:spTree>
+      <p:nvGrpSpPr>
+        <p:cNvPr id="1" name=""/>
+        <p:cNvGrpSpPr/>
+        <p:nvPr/>
+      </p:nvGrpSpPr>
+      <p:grpSpPr>
+        <a:xfrm>
+          <a:off x="0" y="0"/>
+          <a:ext cx="0" cy="0"/>
+          <a:chOff x="0" y="0"/>
+          <a:chExt cx="0" cy="0"/>
+        </a:xfrm>
+      </p:grpSpPr>
+      <p:sp>
+        <p:nvSpPr>
+          <p:cNvPr id="2" name="Header Placeholder 1"/>
+          <p:cNvSpPr>
+            <a:spLocks noGrp="1"/>
+          </p:cNvSpPr>
+          <p:nvPr>
+            <p:ph type="hdr" sz="quarter"/>
+          </p:nvPr>
+        </p:nvSpPr>
+        <p:spPr>
+          <a:xfrm>
+            <a:off x="0" y="0"/>
+            <a:ext cx="2971800" cy="458788"/>
+          </a:xfrm>
+          <a:prstGeom prst="rect">
+            <a:avLst/>
+          </a:prstGeom>
+        </p:spPr>
+        <p:txBody>
+          <a:bodyPr vert="horz" lIns="91440" tIns="45720" rIns="91440" bIns="45720" rtlCol="0"/>
+          <a:lstStyle>
+            <a:lvl1pPr algn="l">
+              <a:defRPr sz="1200"/>
+            </a:lvl1pPr>
+          </a:lstStyle>
+          <a:p>
+            <a:endParaRPr lang="en-IL"/>
+          </a:p>
+        </p:txBody>
+      </p:sp>
+      <p:sp>
+        <p:nvSpPr>
+          <p:cNvPr id="3" name="Date Placeholder 2"/>
+          <p:cNvSpPr>
+            <a:spLocks noGrp="1"/>
+          </p:cNvSpPr>
+          <p:nvPr>
+            <p:ph type="dt" idx="1"/>
+          </p:nvPr>
+        </p:nvSpPr>
+        <p:spPr>
+          <a:xfrm>
+            <a:off x="3884613" y="0"/>
+            <a:ext cx="2971800" cy="458788"/>
+          </a:xfrm>
+          <a:prstGeom prst="rect">
+            <a:avLst/>
+          </a:prstGeom>
+        </p:spPr>
+        <p:txBody>
+          <a:bodyPr vert="horz" lIns="91440" tIns="45720" rIns="91440" bIns="45720" rtlCol="0"/>
+          <a:lstStyle>
+            <a:lvl1pPr algn="r">
+              <a:defRPr sz="1200"/>
+            </a:lvl1pPr>
+          </a:lstStyle>
+          <a:p>
+            <a:fld id="{21F7E405-7C52-4385-84EE-6F154691F8A9}" type="datetimeFigureOut">
+              <a:rPr lang="en-IL" smtClean="0"/>
+              <a:t>19/08/2022</a:t>
+            </a:fld>
+            <a:endParaRPr lang="en-IL"/>
+          </a:p>
+        </p:txBody>
+      </p:sp>
+      <p:sp>
+        <p:nvSpPr>
+          <p:cNvPr id="4" name="Slide Image Placeholder 3"/>
+          <p:cNvSpPr>
+            <a:spLocks noGrp="1" noRot="1" noChangeAspect="1"/>
+          </p:cNvSpPr>
+          <p:nvPr>
+            <p:ph type="sldImg" idx="2"/>
+          </p:nvPr>
+        </p:nvSpPr>
+        <p:spPr>
+          <a:xfrm>
+            <a:off x="685800" y="1143000"/>
+            <a:ext cx="5486400" cy="3086100"/>
+          </a:xfrm>
+          <a:prstGeom prst="rect">
+            <a:avLst/>
+          </a:prstGeom>
+          <a:noFill/>
+          <a:ln w="12700">
+            <a:solidFill>
+              <a:prstClr val="black"/>
+            </a:solidFill>
+          </a:ln>
+        </p:spPr>
+        <p:txBody>
+          <a:bodyPr vert="horz" lIns="91440" tIns="45720" rIns="91440" bIns="45720" rtlCol="0" anchor="ctr"/>
+          <a:lstStyle/>
+          <a:p>
+            <a:endParaRPr lang="en-IL"/>
+          </a:p>
+        </p:txBody>
+      </p:sp>
+      <p:sp>
+        <p:nvSpPr>
+          <p:cNvPr id="5" name="Notes Placeholder 4"/>
+          <p:cNvSpPr>
+            <a:spLocks noGrp="1"/>
+          </p:cNvSpPr>
+          <p:nvPr>
+            <p:ph type="body" sz="quarter" idx="3"/>
+          </p:nvPr>
+        </p:nvSpPr>
+        <p:spPr>
+          <a:xfrm>
+            <a:off x="685800" y="4400550"/>
+            <a:ext cx="5486400" cy="3600450"/>
+          </a:xfrm>
+          <a:prstGeom prst="rect">
+            <a:avLst/>
+          </a:prstGeom>
+        </p:spPr>
+        <p:txBody>
+          <a:bodyPr vert="horz" lIns="91440" tIns="45720" rIns="91440" bIns="45720" rtlCol="0"/>
+          <a:lstStyle/>
+          <a:p>
+            <a:pPr lvl="0"/>
+            <a:r>
+              <a:rPr lang="en-US"/>
+              <a:t>Click to edit Master text styles</a:t>
+            </a:r>
+          </a:p>
+          <a:p>
+            <a:pPr lvl="1"/>
+            <a:r>
+              <a:rPr lang="en-US"/>
+              <a:t>Second level</a:t>
+            </a:r>
+          </a:p>
+          <a:p>
+            <a:pPr lvl="2"/>
+            <a:r>
+              <a:rPr lang="en-US"/>
+              <a:t>Third level</a:t>
+            </a:r>
+          </a:p>
+          <a:p>
+            <a:pPr lvl="3"/>
+            <a:r>
+              <a:rPr lang="en-US"/>
+              <a:t>Fourth level</a:t>
+            </a:r>
+          </a:p>
+          <a:p>
+            <a:pPr lvl="4"/>
+            <a:r>
+              <a:rPr lang="en-US"/>
+              <a:t>Fifth level</a:t>
+            </a:r>
+            <a:endParaRPr lang="en-IL"/>
+          </a:p>
+        </p:txBody>
+      </p:sp>
+      <p:sp>
+        <p:nvSpPr>
+          <p:cNvPr id="6" name="Footer Placeholder 5"/>
+          <p:cNvSpPr>
+            <a:spLocks noGrp="1"/>
+          </p:cNvSpPr>
+          <p:nvPr>
+            <p:ph type="ftr" sz="quarter" idx="4"/>
+          </p:nvPr>
+        </p:nvSpPr>
+        <p:spPr>
+          <a:xfrm>
+            <a:off x="0" y="8685213"/>
+            <a:ext cx="2971800" cy="458787"/>
+          </a:xfrm>
+          <a:prstGeom prst="rect">
+            <a:avLst/>
+          </a:prstGeom>
+        </p:spPr>
+        <p:txBody>
+          <a:bodyPr vert="horz" lIns="91440" tIns="45720" rIns="91440" bIns="45720" rtlCol="0" anchor="b"/>
+          <a:lstStyle>
+            <a:lvl1pPr algn="l">
+              <a:defRPr sz="1200"/>
+            </a:lvl1pPr>
+          </a:lstStyle>
+          <a:p>
+            <a:endParaRPr lang="en-IL"/>
+          </a:p>
+        </p:txBody>
+      </p:sp>
+      <p:sp>
+        <p:nvSpPr>
+          <p:cNvPr id="7" name="Slide Number Placeholder 6"/>
+          <p:cNvSpPr>
+            <a:spLocks noGrp="1"/>
+          </p:cNvSpPr>
+          <p:nvPr>
+            <p:ph type="sldNum" sz="quarter" idx="5"/>
+          </p:nvPr>
+        </p:nvSpPr>
+        <p:spPr>
+          <a:xfrm>
+            <a:off x="3884613" y="8685213"/>
+            <a:ext cx="2971800" cy="458787"/>
+          </a:xfrm>
+          <a:prstGeom prst="rect">
+            <a:avLst/>
+          </a:prstGeom>
+        </p:spPr>
+        <p:txBody>
+          <a:bodyPr vert="horz" lIns="91440" tIns="45720" rIns="91440" bIns="45720" rtlCol="0" anchor="b"/>
+          <a:lstStyle>
+            <a:lvl1pPr algn="r">
+              <a:defRPr sz="1200"/>
+            </a:lvl1pPr>
+          </a:lstStyle>
+          <a:p>
+            <a:fld id="{F11D3898-39D9-4EB1-A1AF-B6669DC0CC61}" type="slidenum">
+              <a:rPr lang="en-IL" smtClean="0"/>
+              <a:t>‹#›</a:t>
+            </a:fld>
+            <a:endParaRPr lang="en-IL"/>
+          </a:p>
+        </p:txBody>
+      </p:sp>
+    </p:spTree>
+    <p:extLst>
+      <p:ext uri="{BB962C8B-B14F-4D97-AF65-F5344CB8AC3E}">
+        <p14:creationId xmlns:p14="http://schemas.microsoft.com/office/powerpoint/2010/main" val="2142029356"/>
+      </p:ext>
+    </p:extLst>
+  </p:cSld>
+  <p:clrMap bg1="lt1" tx1="dk1" bg2="lt2" tx2="dk2" accent1="accent1" accent2="accent2" accent3="accent3" accent4="accent4" accent5="accent5" accent6="accent6" hlink="hlink" folHlink="folHlink"/>
+  <p:notesStyle>
+    <a:lvl1pPr marL="0" algn="l" defTabSz="914400" rtl="0" eaLnBrk="1" latinLnBrk="0" hangingPunct="1">
+      <a:defRPr sz="1200" kern="1200">
+        <a:solidFill>
+          <a:schemeClr val="tx1"/>
+        </a:solidFill>
+        <a:latin typeface="+mn-lt"/>
+        <a:ea typeface="+mn-ea"/>
+        <a:cs typeface="+mn-cs"/>
+      </a:defRPr>
+    </a:lvl1pPr>
+    <a:lvl2pPr marL="457200" algn="l" defTabSz="914400" rtl="0" eaLnBrk="1" latinLnBrk="0" hangingPunct="1">
+      <a:defRPr sz="1200" kern="1200">
+        <a:solidFill>
+          <a:schemeClr val="tx1"/>
+        </a:solidFill>
+        <a:latin typeface="+mn-lt"/>
+        <a:ea typeface="+mn-ea"/>
+        <a:cs typeface="+mn-cs"/>
+      </a:defRPr>
+    </a:lvl2pPr>
+    <a:lvl3pPr marL="914400" algn="l" defTabSz="914400" rtl="0" eaLnBrk="1" latinLnBrk="0" hangingPunct="1">
+      <a:defRPr sz="1200" kern="1200">
+        <a:solidFill>
+          <a:schemeClr val="tx1"/>
+        </a:solidFill>
+        <a:latin typeface="+mn-lt"/>
+        <a:ea typeface="+mn-ea"/>
+        <a:cs typeface="+mn-cs"/>
+      </a:defRPr>
+    </a:lvl3pPr>
+    <a:lvl4pPr marL="1371600" algn="l" defTabSz="914400" rtl="0" eaLnBrk="1" latinLnBrk="0" hangingPunct="1">
+      <a:defRPr sz="1200" kern="1200">
+        <a:solidFill>
+          <a:schemeClr val="tx1"/>
+        </a:solidFill>
+        <a:latin typeface="+mn-lt"/>
+        <a:ea typeface="+mn-ea"/>
+        <a:cs typeface="+mn-cs"/>
+      </a:defRPr>
+    </a:lvl4pPr>
+    <a:lvl5pPr marL="1828800" algn="l" defTabSz="914400" rtl="0" eaLnBrk="1" latinLnBrk="0" hangingPunct="1">
+      <a:defRPr sz="1200" kern="1200">
+        <a:solidFill>
+          <a:schemeClr val="tx1"/>
+        </a:solidFill>
+        <a:latin typeface="+mn-lt"/>
+        <a:ea typeface="+mn-ea"/>
+        <a:cs typeface="+mn-cs"/>
+      </a:defRPr>
+    </a:lvl5pPr>
+    <a:lvl6pPr marL="2286000" algn="l" defTabSz="914400" rtl="0" eaLnBrk="1" latinLnBrk="0" hangingPunct="1">
+      <a:defRPr sz="1200" kern="1200">
+        <a:solidFill>
+          <a:schemeClr val="tx1"/>
+        </a:solidFill>
+        <a:latin typeface="+mn-lt"/>
+        <a:ea typeface="+mn-ea"/>
+        <a:cs typeface="+mn-cs"/>
+      </a:defRPr>
+    </a:lvl6pPr>
+    <a:lvl7pPr marL="2743200" algn="l" defTabSz="914400" rtl="0" eaLnBrk="1" latinLnBrk="0" hangingPunct="1">
+      <a:defRPr sz="1200" kern="1200">
+        <a:solidFill>
+          <a:schemeClr val="tx1"/>
+        </a:solidFill>
+        <a:latin typeface="+mn-lt"/>
+        <a:ea typeface="+mn-ea"/>
+        <a:cs typeface="+mn-cs"/>
+      </a:defRPr>
+    </a:lvl7pPr>
+    <a:lvl8pPr marL="3200400" algn="l" defTabSz="914400" rtl="0" eaLnBrk="1" latinLnBrk="0" hangingPunct="1">
+      <a:defRPr sz="1200" kern="1200">
+        <a:solidFill>
+          <a:schemeClr val="tx1"/>
+        </a:solidFill>
+        <a:latin typeface="+mn-lt"/>
+        <a:ea typeface="+mn-ea"/>
+        <a:cs typeface="+mn-cs"/>
+      </a:defRPr>
+    </a:lvl8pPr>
+    <a:lvl9pPr marL="3657600" algn="l" defTabSz="914400" rtl="0" eaLnBrk="1" latinLnBrk="0" hangingPunct="1">
+      <a:defRPr sz="1200" kern="1200">
+        <a:solidFill>
+          <a:schemeClr val="tx1"/>
+        </a:solidFill>
+        <a:latin typeface="+mn-lt"/>
+        <a:ea typeface="+mn-ea"/>
+        <a:cs typeface="+mn-cs"/>
+      </a:defRPr>
+    </a:lvl9pPr>
+  </p:notesStyle>
+</p:notesMaster>
+</file>
+
+<file path=ppt/notesSlides/notesSlide1.xml><?xml version="1.0" encoding="utf-8"?>
+<p:notes xmlns:a="http://schemas.openxmlformats.org/drawingml/2006/main" xmlns:r="http://schemas.openxmlformats.org/officeDocument/2006/relationships" xmlns:p="http://schemas.openxmlformats.org/presentationml/2006/main">
+  <p:cSld>
+    <p:spTree>
+      <p:nvGrpSpPr>
+        <p:cNvPr id="1" name=""/>
+        <p:cNvGrpSpPr/>
+        <p:nvPr/>
+      </p:nvGrpSpPr>
+      <p:grpSpPr>
+        <a:xfrm>
+          <a:off x="0" y="0"/>
+          <a:ext cx="0" cy="0"/>
+          <a:chOff x="0" y="0"/>
+          <a:chExt cx="0" cy="0"/>
+        </a:xfrm>
+      </p:grpSpPr>
+      <p:sp>
+        <p:nvSpPr>
+          <p:cNvPr id="2" name="Slide Image Placeholder 1"/>
+          <p:cNvSpPr>
+            <a:spLocks noGrp="1" noRot="1" noChangeAspect="1"/>
+          </p:cNvSpPr>
+          <p:nvPr>
+            <p:ph type="sldImg"/>
+          </p:nvPr>
+        </p:nvSpPr>
+        <p:spPr/>
+      </p:sp>
+      <p:sp>
+        <p:nvSpPr>
+          <p:cNvPr id="3" name="Notes Placeholder 2"/>
+          <p:cNvSpPr>
+            <a:spLocks noGrp="1"/>
+          </p:cNvSpPr>
+          <p:nvPr>
+            <p:ph type="body" idx="1"/>
+          </p:nvPr>
+        </p:nvSpPr>
+        <p:spPr/>
+        <p:txBody>
+          <a:bodyPr/>
+          <a:lstStyle/>
+          <a:p>
+            <a:endParaRPr lang="en-IL" dirty="0"/>
+          </a:p>
+        </p:txBody>
+      </p:sp>
+      <p:sp>
+        <p:nvSpPr>
+          <p:cNvPr id="4" name="Slide Number Placeholder 3"/>
+          <p:cNvSpPr>
+            <a:spLocks noGrp="1"/>
+          </p:cNvSpPr>
+          <p:nvPr>
+            <p:ph type="sldNum" sz="quarter" idx="5"/>
+          </p:nvPr>
+        </p:nvSpPr>
+        <p:spPr/>
+        <p:txBody>
+          <a:bodyPr/>
+          <a:lstStyle/>
+          <a:p>
+            <a:fld id="{F11D3898-39D9-4EB1-A1AF-B6669DC0CC61}" type="slidenum">
+              <a:rPr lang="en-IL" smtClean="0"/>
+              <a:t>6</a:t>
+            </a:fld>
+            <a:endParaRPr lang="en-IL"/>
+          </a:p>
+        </p:txBody>
+      </p:sp>
+    </p:spTree>
+    <p:extLst>
+      <p:ext uri="{BB962C8B-B14F-4D97-AF65-F5344CB8AC3E}">
+        <p14:creationId xmlns:p14="http://schemas.microsoft.com/office/powerpoint/2010/main" val="3638578059"/>
+      </p:ext>
+    </p:extLst>
+  </p:cSld>
+  <p:clrMapOvr>
+    <a:masterClrMapping/>
+  </p:clrMapOvr>
+</p:notes>
 </file>
 
 <file path=ppt/slideLayouts/slideLayout1.xml><?xml version="1.0" encoding="utf-8"?>
@@ -290,7 +729,7 @@
           <a:p>
             <a:fld id="{78363832-F4F9-4F4D-9C74-BFFFF749447A}" type="datetimeFigureOut">
               <a:rPr lang="en-GB" smtClean="0"/>
-              <a:t>21/08/2022</a:t>
+              <a:t>19/08/2022</a:t>
             </a:fld>
             <a:endParaRPr lang="en-GB"/>
           </a:p>
@@ -490,7 +929,7 @@
           <a:p>
             <a:fld id="{78363832-F4F9-4F4D-9C74-BFFFF749447A}" type="datetimeFigureOut">
               <a:rPr lang="en-GB" smtClean="0"/>
-              <a:t>21/08/2022</a:t>
+              <a:t>19/08/2022</a:t>
             </a:fld>
             <a:endParaRPr lang="en-GB"/>
           </a:p>
@@ -700,7 +1139,7 @@
           <a:p>
             <a:fld id="{78363832-F4F9-4F4D-9C74-BFFFF749447A}" type="datetimeFigureOut">
               <a:rPr lang="en-GB" smtClean="0"/>
-              <a:t>21/08/2022</a:t>
+              <a:t>19/08/2022</a:t>
             </a:fld>
             <a:endParaRPr lang="en-GB"/>
           </a:p>
@@ -900,7 +1339,7 @@
           <a:p>
             <a:fld id="{78363832-F4F9-4F4D-9C74-BFFFF749447A}" type="datetimeFigureOut">
               <a:rPr lang="en-GB" smtClean="0"/>
-              <a:t>21/08/2022</a:t>
+              <a:t>19/08/2022</a:t>
             </a:fld>
             <a:endParaRPr lang="en-GB"/>
           </a:p>
@@ -1176,7 +1615,7 @@
           <a:p>
             <a:fld id="{78363832-F4F9-4F4D-9C74-BFFFF749447A}" type="datetimeFigureOut">
               <a:rPr lang="en-GB" smtClean="0"/>
-              <a:t>21/08/2022</a:t>
+              <a:t>19/08/2022</a:t>
             </a:fld>
             <a:endParaRPr lang="en-GB"/>
           </a:p>
@@ -1444,7 +1883,7 @@
           <a:p>
             <a:fld id="{78363832-F4F9-4F4D-9C74-BFFFF749447A}" type="datetimeFigureOut">
               <a:rPr lang="en-GB" smtClean="0"/>
-              <a:t>21/08/2022</a:t>
+              <a:t>19/08/2022</a:t>
             </a:fld>
             <a:endParaRPr lang="en-GB"/>
           </a:p>
@@ -1859,7 +2298,7 @@
           <a:p>
             <a:fld id="{78363832-F4F9-4F4D-9C74-BFFFF749447A}" type="datetimeFigureOut">
               <a:rPr lang="en-GB" smtClean="0"/>
-              <a:t>21/08/2022</a:t>
+              <a:t>19/08/2022</a:t>
             </a:fld>
             <a:endParaRPr lang="en-GB"/>
           </a:p>
@@ -2001,7 +2440,7 @@
           <a:p>
             <a:fld id="{78363832-F4F9-4F4D-9C74-BFFFF749447A}" type="datetimeFigureOut">
               <a:rPr lang="en-GB" smtClean="0"/>
-              <a:t>21/08/2022</a:t>
+              <a:t>19/08/2022</a:t>
             </a:fld>
             <a:endParaRPr lang="en-GB"/>
           </a:p>
@@ -2114,7 +2553,7 @@
           <a:p>
             <a:fld id="{78363832-F4F9-4F4D-9C74-BFFFF749447A}" type="datetimeFigureOut">
               <a:rPr lang="en-GB" smtClean="0"/>
-              <a:t>21/08/2022</a:t>
+              <a:t>19/08/2022</a:t>
             </a:fld>
             <a:endParaRPr lang="en-GB"/>
           </a:p>
@@ -2427,7 +2866,7 @@
           <a:p>
             <a:fld id="{78363832-F4F9-4F4D-9C74-BFFFF749447A}" type="datetimeFigureOut">
               <a:rPr lang="en-GB" smtClean="0"/>
-              <a:t>21/08/2022</a:t>
+              <a:t>19/08/2022</a:t>
             </a:fld>
             <a:endParaRPr lang="en-GB"/>
           </a:p>
@@ -2716,7 +3155,7 @@
           <a:p>
             <a:fld id="{78363832-F4F9-4F4D-9C74-BFFFF749447A}" type="datetimeFigureOut">
               <a:rPr lang="en-GB" smtClean="0"/>
-              <a:t>21/08/2022</a:t>
+              <a:t>19/08/2022</a:t>
             </a:fld>
             <a:endParaRPr lang="en-GB"/>
           </a:p>
@@ -2959,7 +3398,7 @@
           <a:p>
             <a:fld id="{78363832-F4F9-4F4D-9C74-BFFFF749447A}" type="datetimeFigureOut">
               <a:rPr lang="en-GB" smtClean="0"/>
-              <a:t>21/08/2022</a:t>
+              <a:t>19/08/2022</a:t>
             </a:fld>
             <a:endParaRPr lang="en-GB"/>
           </a:p>
@@ -3362,14 +3801,6 @@
 <file path=ppt/slides/slide1.xml><?xml version="1.0" encoding="utf-8"?>
 <p:sld xmlns:a="http://schemas.openxmlformats.org/drawingml/2006/main" xmlns:r="http://schemas.openxmlformats.org/officeDocument/2006/relationships" xmlns:p="http://schemas.openxmlformats.org/presentationml/2006/main">
   <p:cSld>
-    <p:bg>
-      <p:bgPr>
-        <a:solidFill>
-          <a:schemeClr val="bg1"/>
-        </a:solidFill>
-        <a:effectLst/>
-      </p:bgPr>
-    </p:bg>
     <p:spTree>
       <p:nvGrpSpPr>
         <p:cNvPr id="1" name=""/>
@@ -3386,10 +3817,10 @@
       </p:grpSpPr>
       <p:sp useBgFill="1">
         <p:nvSpPr>
-          <p:cNvPr id="92" name="Rectangle 91">
-            <a:extLst>
-              <a:ext uri="{FF2B5EF4-FFF2-40B4-BE49-F238E27FC236}">
-                <a16:creationId xmlns:a16="http://schemas.microsoft.com/office/drawing/2014/main" id="{FFD48BC7-DC40-47DE-87EE-9F4B6ECB9ABB}"/>
+          <p:cNvPr id="18" name="Rectangle 9">
+            <a:extLst>
+              <a:ext uri="{FF2B5EF4-FFF2-40B4-BE49-F238E27FC236}">
+                <a16:creationId xmlns:a16="http://schemas.microsoft.com/office/drawing/2014/main" id="{0671A8AE-40A1-4631-A6B8-581AFF065482}"/>
               </a:ext>
               <a:ext uri="{C183D7F6-B498-43B3-948B-1728B52AA6E4}">
                 <adec:decorative xmlns:adec="http://schemas.microsoft.com/office/drawing/2017/decorative" val="1"/>
@@ -3444,12 +3875,12 @@
           </a:p>
         </p:txBody>
       </p:sp>
-      <p:sp useBgFill="1">
-        <p:nvSpPr>
-          <p:cNvPr id="94" name="Freeform: Shape 93">
-            <a:extLst>
-              <a:ext uri="{FF2B5EF4-FFF2-40B4-BE49-F238E27FC236}">
-                <a16:creationId xmlns:a16="http://schemas.microsoft.com/office/drawing/2014/main" id="{E502BBC7-2C76-46F3-BC24-5985BC13DB88}"/>
+      <p:sp>
+        <p:nvSpPr>
+          <p:cNvPr id="19" name="Rectangle 11">
+            <a:extLst>
+              <a:ext uri="{FF2B5EF4-FFF2-40B4-BE49-F238E27FC236}">
+                <a16:creationId xmlns:a16="http://schemas.microsoft.com/office/drawing/2014/main" id="{AB58EF07-17C2-48CF-ABB0-EEF1F17CB8F0}"/>
               </a:ext>
               <a:ext uri="{C183D7F6-B498-43B3-948B-1728B52AA6E4}">
                 <adec:decorative xmlns:adec="http://schemas.microsoft.com/office/drawing/2017/decorative" val="1"/>
@@ -3469,124 +3900,36 @@
         </p:nvSpPr>
         <p:spPr>
           <a:xfrm>
-            <a:off x="1114425" y="0"/>
-            <a:ext cx="9963150" cy="6858000"/>
+            <a:off x="3" y="0"/>
+            <a:ext cx="9339206" cy="6858000"/>
           </a:xfrm>
-          <a:custGeom>
+          <a:prstGeom prst="rect">
             <a:avLst/>
-            <a:gdLst>
-              <a:gd name="connsiteX0" fmla="*/ 1595771 w 9963150"/>
-              <a:gd name="connsiteY0" fmla="*/ 0 h 6858000"/>
-              <a:gd name="connsiteX1" fmla="*/ 8367379 w 9963150"/>
-              <a:gd name="connsiteY1" fmla="*/ 0 h 6858000"/>
-              <a:gd name="connsiteX2" fmla="*/ 8504080 w 9963150"/>
-              <a:gd name="connsiteY2" fmla="*/ 130333 h 6858000"/>
-              <a:gd name="connsiteX3" fmla="*/ 9963150 w 9963150"/>
-              <a:gd name="connsiteY3" fmla="*/ 3652838 h 6858000"/>
-              <a:gd name="connsiteX4" fmla="*/ 8825600 w 9963150"/>
-              <a:gd name="connsiteY4" fmla="*/ 6821583 h 6858000"/>
-              <a:gd name="connsiteX5" fmla="*/ 8794055 w 9963150"/>
-              <a:gd name="connsiteY5" fmla="*/ 6858000 h 6858000"/>
-              <a:gd name="connsiteX6" fmla="*/ 1169096 w 9963150"/>
-              <a:gd name="connsiteY6" fmla="*/ 6858000 h 6858000"/>
-              <a:gd name="connsiteX7" fmla="*/ 1137550 w 9963150"/>
-              <a:gd name="connsiteY7" fmla="*/ 6821583 h 6858000"/>
-              <a:gd name="connsiteX8" fmla="*/ 0 w 9963150"/>
-              <a:gd name="connsiteY8" fmla="*/ 3652838 h 6858000"/>
-              <a:gd name="connsiteX9" fmla="*/ 1459070 w 9963150"/>
-              <a:gd name="connsiteY9" fmla="*/ 130333 h 6858000"/>
-            </a:gdLst>
-            <a:ahLst/>
-            <a:cxnLst>
-              <a:cxn ang="0">
-                <a:pos x="connsiteX0" y="connsiteY0"/>
-              </a:cxn>
-              <a:cxn ang="0">
-                <a:pos x="connsiteX1" y="connsiteY1"/>
-              </a:cxn>
-              <a:cxn ang="0">
-                <a:pos x="connsiteX2" y="connsiteY2"/>
-              </a:cxn>
-              <a:cxn ang="0">
-                <a:pos x="connsiteX3" y="connsiteY3"/>
-              </a:cxn>
-              <a:cxn ang="0">
-                <a:pos x="connsiteX4" y="connsiteY4"/>
-              </a:cxn>
-              <a:cxn ang="0">
-                <a:pos x="connsiteX5" y="connsiteY5"/>
-              </a:cxn>
-              <a:cxn ang="0">
-                <a:pos x="connsiteX6" y="connsiteY6"/>
-              </a:cxn>
-              <a:cxn ang="0">
-                <a:pos x="connsiteX7" y="connsiteY7"/>
-              </a:cxn>
-              <a:cxn ang="0">
-                <a:pos x="connsiteX8" y="connsiteY8"/>
-              </a:cxn>
-              <a:cxn ang="0">
-                <a:pos x="connsiteX9" y="connsiteY9"/>
-              </a:cxn>
-            </a:cxnLst>
-            <a:rect l="l" t="t" r="r" b="b"/>
-            <a:pathLst>
-              <a:path w="9963150" h="6858000">
-                <a:moveTo>
-                  <a:pt x="1595771" y="0"/>
-                </a:moveTo>
-                <a:lnTo>
-                  <a:pt x="8367379" y="0"/>
-                </a:lnTo>
-                <a:lnTo>
-                  <a:pt x="8504080" y="130333"/>
-                </a:lnTo>
-                <a:cubicBezTo>
-                  <a:pt x="9405568" y="1031820"/>
-                  <a:pt x="9963150" y="2277214"/>
-                  <a:pt x="9963150" y="3652838"/>
-                </a:cubicBezTo>
-                <a:cubicBezTo>
-                  <a:pt x="9963150" y="4856509"/>
-                  <a:pt x="9536251" y="5960473"/>
-                  <a:pt x="8825600" y="6821583"/>
-                </a:cubicBezTo>
-                <a:lnTo>
-                  <a:pt x="8794055" y="6858000"/>
-                </a:lnTo>
-                <a:lnTo>
-                  <a:pt x="1169096" y="6858000"/>
-                </a:lnTo>
-                <a:lnTo>
-                  <a:pt x="1137550" y="6821583"/>
-                </a:lnTo>
-                <a:cubicBezTo>
-                  <a:pt x="426899" y="5960473"/>
-                  <a:pt x="0" y="4856509"/>
-                  <a:pt x="0" y="3652838"/>
-                </a:cubicBezTo>
-                <a:cubicBezTo>
-                  <a:pt x="0" y="2277214"/>
-                  <a:pt x="557582" y="1031820"/>
-                  <a:pt x="1459070" y="130333"/>
-                </a:cubicBezTo>
-                <a:close/>
-              </a:path>
-            </a:pathLst>
-          </a:custGeom>
-          <a:ln w="9525">
-            <a:solidFill>
-              <a:srgbClr val="EFEFEF"/>
-            </a:solidFill>
+          </a:prstGeom>
+          <a:gradFill>
+            <a:gsLst>
+              <a:gs pos="58000">
+                <a:schemeClr val="bg1"/>
+              </a:gs>
+              <a:gs pos="33000">
+                <a:schemeClr val="bg1">
+                  <a:alpha val="64000"/>
+                </a:schemeClr>
+              </a:gs>
+              <a:gs pos="0">
+                <a:schemeClr val="bg1">
+                  <a:alpha val="0"/>
+                </a:schemeClr>
+              </a:gs>
+              <a:gs pos="100000">
+                <a:schemeClr val="bg1"/>
+              </a:gs>
+            </a:gsLst>
+            <a:lin ang="10800000" scaled="0"/>
+          </a:gradFill>
+          <a:ln>
+            <a:noFill/>
           </a:ln>
-          <a:effectLst>
-            <a:outerShdw blurRad="139700" sx="102000" sy="102000" algn="ctr" rotWithShape="0">
-              <a:schemeClr val="bg1">
-                <a:lumMod val="85000"/>
-                <a:alpha val="38000"/>
-              </a:schemeClr>
-            </a:outerShdw>
-          </a:effectLst>
         </p:spPr>
         <p:style>
           <a:lnRef idx="2">
@@ -3605,9 +3948,240 @@
           </a:fontRef>
         </p:style>
         <p:txBody>
-          <a:bodyPr wrap="square" rtlCol="0" anchor="ctr">
+          <a:bodyPr rtlCol="0" anchor="ctr"/>
+          <a:lstStyle/>
+          <a:p>
+            <a:pPr algn="ctr"/>
+            <a:endParaRPr lang="en-US" dirty="0"/>
+          </a:p>
+        </p:txBody>
+      </p:sp>
+      <p:sp>
+        <p:nvSpPr>
+          <p:cNvPr id="2" name="Title 1">
+            <a:extLst>
+              <a:ext uri="{FF2B5EF4-FFF2-40B4-BE49-F238E27FC236}">
+                <a16:creationId xmlns:a16="http://schemas.microsoft.com/office/drawing/2014/main" id="{FEC51F33-D07B-4111-3234-5AA3078AD6ED}"/>
+              </a:ext>
+            </a:extLst>
+          </p:cNvPr>
+          <p:cNvSpPr>
+            <a:spLocks noGrp="1"/>
+          </p:cNvSpPr>
+          <p:nvPr>
+            <p:ph type="ctrTitle"/>
+          </p:nvPr>
+        </p:nvSpPr>
+        <p:spPr>
+          <a:xfrm>
+            <a:off x="477981" y="913023"/>
+            <a:ext cx="4023360" cy="3413474"/>
+          </a:xfrm>
+        </p:spPr>
+        <p:txBody>
+          <a:bodyPr anchor="b">
             <a:noAutofit/>
           </a:bodyPr>
+          <a:lstStyle/>
+          <a:p>
+            <a:pPr algn="l"/>
+            <a:r>
+              <a:rPr lang="en-US" sz="4400" dirty="0"/>
+              <a:t>Words Embedding  Word2Vec </a:t>
+            </a:r>
+            <a:br>
+              <a:rPr lang="en-US" sz="4400" dirty="0"/>
+            </a:br>
+            <a:r>
+              <a:rPr lang="en-US" sz="4400" dirty="0"/>
+              <a:t>vs </a:t>
+            </a:r>
+            <a:br>
+              <a:rPr lang="en-US" sz="4400" dirty="0"/>
+            </a:br>
+            <a:r>
+              <a:rPr lang="en-US" sz="4400" dirty="0"/>
+              <a:t>Glove</a:t>
+            </a:r>
+            <a:endParaRPr lang="en-GB" sz="4400" dirty="0"/>
+          </a:p>
+        </p:txBody>
+      </p:sp>
+      <p:sp>
+        <p:nvSpPr>
+          <p:cNvPr id="3" name="Subtitle 2">
+            <a:extLst>
+              <a:ext uri="{FF2B5EF4-FFF2-40B4-BE49-F238E27FC236}">
+                <a16:creationId xmlns:a16="http://schemas.microsoft.com/office/drawing/2014/main" id="{7F0E1FFD-C448-51D1-FFB6-DB0EF415952A}"/>
+              </a:ext>
+            </a:extLst>
+          </p:cNvPr>
+          <p:cNvSpPr>
+            <a:spLocks noGrp="1"/>
+          </p:cNvSpPr>
+          <p:nvPr>
+            <p:ph type="subTitle" idx="1"/>
+          </p:nvPr>
+        </p:nvSpPr>
+        <p:spPr>
+          <a:xfrm>
+            <a:off x="477980" y="4872922"/>
+            <a:ext cx="2706091" cy="1700852"/>
+          </a:xfrm>
+        </p:spPr>
+        <p:txBody>
+          <a:bodyPr>
+            <a:normAutofit fontScale="62500" lnSpcReduction="20000"/>
+          </a:bodyPr>
+          <a:lstStyle/>
+          <a:p>
+            <a:pPr algn="l"/>
+            <a:r>
+              <a:rPr lang="en-GB" sz="5500" dirty="0"/>
+              <a:t>Chen Sheiner,</a:t>
+            </a:r>
+          </a:p>
+          <a:p>
+            <a:pPr algn="l"/>
+            <a:r>
+              <a:rPr lang="en-GB" sz="5500" dirty="0"/>
+              <a:t>Shay Shemesh</a:t>
+            </a:r>
+          </a:p>
+          <a:p>
+            <a:pPr algn="l"/>
+            <a:r>
+              <a:rPr lang="en-GB" sz="7700" dirty="0"/>
+              <a:t>Aug 2022</a:t>
+            </a:r>
+          </a:p>
+        </p:txBody>
+      </p:sp>
+      <p:sp>
+        <p:nvSpPr>
+          <p:cNvPr id="14" name="Rectangle 13">
+            <a:extLst>
+              <a:ext uri="{FF2B5EF4-FFF2-40B4-BE49-F238E27FC236}">
+                <a16:creationId xmlns:a16="http://schemas.microsoft.com/office/drawing/2014/main" id="{AF2F604E-43BE-4DC3-B983-E071523364F8}"/>
+              </a:ext>
+              <a:ext uri="{C183D7F6-B498-43B3-948B-1728B52AA6E4}">
+                <adec:decorative xmlns:adec="http://schemas.microsoft.com/office/drawing/2017/decorative" val="1"/>
+              </a:ext>
+            </a:extLst>
+          </p:cNvPr>
+          <p:cNvSpPr>
+            <a:spLocks noGrp="1" noRot="1" noChangeAspect="1" noMove="1" noResize="1" noEditPoints="1" noAdjustHandles="1" noChangeArrowheads="1" noChangeShapeType="1" noTextEdit="1"/>
+          </p:cNvSpPr>
+          <p:nvPr>
+            <p:extLst>
+              <p:ext uri="{386F3935-93C4-4BCD-93E2-E3B085C9AB24}">
+                <p16:designElem xmlns:p16="http://schemas.microsoft.com/office/powerpoint/2015/main" val="1"/>
+              </p:ext>
+            </p:extLst>
+          </p:nvPr>
+        </p:nvSpPr>
+        <p:spPr>
+          <a:xfrm rot="5400000">
+            <a:off x="759921" y="346791"/>
+            <a:ext cx="146304" cy="704088"/>
+          </a:xfrm>
+          <a:prstGeom prst="rect">
+            <a:avLst/>
+          </a:prstGeom>
+          <a:solidFill>
+            <a:schemeClr val="accent2"/>
+          </a:solidFill>
+          <a:ln>
+            <a:noFill/>
+          </a:ln>
+        </p:spPr>
+        <p:style>
+          <a:lnRef idx="2">
+            <a:schemeClr val="accent1">
+              <a:shade val="50000"/>
+            </a:schemeClr>
+          </a:lnRef>
+          <a:fillRef idx="1">
+            <a:schemeClr val="accent1"/>
+          </a:fillRef>
+          <a:effectRef idx="0">
+            <a:schemeClr val="accent1"/>
+          </a:effectRef>
+          <a:fontRef idx="minor">
+            <a:schemeClr val="lt1"/>
+          </a:fontRef>
+        </p:style>
+        <p:txBody>
+          <a:bodyPr rtlCol="0" anchor="ctr"/>
+          <a:lstStyle/>
+          <a:p>
+            <a:pPr algn="ctr"/>
+            <a:endParaRPr lang="en-US">
+              <a:solidFill>
+                <a:prstClr val="white"/>
+              </a:solidFill>
+              <a:latin typeface="Calibri" panose="020F0502020204030204"/>
+            </a:endParaRPr>
+          </a:p>
+        </p:txBody>
+      </p:sp>
+      <p:sp>
+        <p:nvSpPr>
+          <p:cNvPr id="20" name="Rectangle 15">
+            <a:extLst>
+              <a:ext uri="{FF2B5EF4-FFF2-40B4-BE49-F238E27FC236}">
+                <a16:creationId xmlns:a16="http://schemas.microsoft.com/office/drawing/2014/main" id="{08C9B587-E65E-4B52-B37C-ABEBB6E87928}"/>
+              </a:ext>
+              <a:ext uri="{C183D7F6-B498-43B3-948B-1728B52AA6E4}">
+                <adec:decorative xmlns:adec="http://schemas.microsoft.com/office/drawing/2017/decorative" val="1"/>
+              </a:ext>
+            </a:extLst>
+          </p:cNvPr>
+          <p:cNvSpPr>
+            <a:spLocks noGrp="1" noRot="1" noChangeAspect="1" noMove="1" noResize="1" noEditPoints="1" noAdjustHandles="1" noChangeArrowheads="1" noChangeShapeType="1" noTextEdit="1"/>
+          </p:cNvSpPr>
+          <p:nvPr>
+            <p:extLst>
+              <p:ext uri="{386F3935-93C4-4BCD-93E2-E3B085C9AB24}">
+                <p16:designElem xmlns:p16="http://schemas.microsoft.com/office/powerpoint/2015/main" val="1"/>
+              </p:ext>
+            </p:extLst>
+          </p:nvPr>
+        </p:nvSpPr>
+        <p:spPr>
+          <a:xfrm>
+            <a:off x="481029" y="4546920"/>
+            <a:ext cx="3977640" cy="18288"/>
+          </a:xfrm>
+          <a:prstGeom prst="rect">
+            <a:avLst/>
+          </a:prstGeom>
+          <a:solidFill>
+            <a:schemeClr val="tx1"/>
+          </a:solidFill>
+          <a:ln w="3175">
+            <a:noFill/>
+          </a:ln>
+          <a:effectLst/>
+        </p:spPr>
+        <p:style>
+          <a:lnRef idx="2">
+            <a:schemeClr val="accent1">
+              <a:shade val="50000"/>
+            </a:schemeClr>
+          </a:lnRef>
+          <a:fillRef idx="1">
+            <a:schemeClr val="accent1"/>
+          </a:fillRef>
+          <a:effectRef idx="0">
+            <a:schemeClr val="accent1"/>
+          </a:effectRef>
+          <a:fontRef idx="minor">
+            <a:schemeClr val="lt1"/>
+          </a:fontRef>
+        </p:style>
+        <p:txBody>
+          <a:bodyPr rtlCol="0" anchor="ctr"/>
           <a:lstStyle/>
           <a:p>
             <a:pPr marL="0" marR="0" lvl="0" indent="0" algn="ctr" defTabSz="914400" rtl="0" eaLnBrk="1" fontAlgn="auto" latinLnBrk="0" hangingPunct="1">
@@ -3644,373 +4218,6 @@
           </a:p>
         </p:txBody>
       </p:sp>
-      <p:sp useBgFill="1">
-        <p:nvSpPr>
-          <p:cNvPr id="96" name="Freeform: Shape 95">
-            <a:extLst>
-              <a:ext uri="{FF2B5EF4-FFF2-40B4-BE49-F238E27FC236}">
-                <a16:creationId xmlns:a16="http://schemas.microsoft.com/office/drawing/2014/main" id="{C7F28D52-2A5F-4D23-81AE-7CB8B591C7AF}"/>
-              </a:ext>
-              <a:ext uri="{C183D7F6-B498-43B3-948B-1728B52AA6E4}">
-                <adec:decorative xmlns:adec="http://schemas.microsoft.com/office/drawing/2017/decorative" val="1"/>
-              </a:ext>
-            </a:extLst>
-          </p:cNvPr>
-          <p:cNvSpPr>
-            <a:spLocks noGrp="1" noRot="1" noChangeAspect="1" noMove="1" noResize="1" noEditPoints="1" noAdjustHandles="1" noChangeArrowheads="1" noChangeShapeType="1" noTextEdit="1"/>
-          </p:cNvSpPr>
-          <p:nvPr>
-            <p:extLst>
-              <p:ext uri="{386F3935-93C4-4BCD-93E2-E3B085C9AB24}">
-                <p16:designElem xmlns:p16="http://schemas.microsoft.com/office/powerpoint/2015/main" val="1"/>
-              </p:ext>
-            </p:extLst>
-          </p:nvPr>
-        </p:nvSpPr>
-        <p:spPr>
-          <a:xfrm>
-            <a:off x="1121664" y="0"/>
-            <a:ext cx="9948672" cy="6858000"/>
-          </a:xfrm>
-          <a:custGeom>
-            <a:avLst/>
-            <a:gdLst>
-              <a:gd name="connsiteX0" fmla="*/ 1595771 w 9963150"/>
-              <a:gd name="connsiteY0" fmla="*/ 0 h 6858000"/>
-              <a:gd name="connsiteX1" fmla="*/ 8367379 w 9963150"/>
-              <a:gd name="connsiteY1" fmla="*/ 0 h 6858000"/>
-              <a:gd name="connsiteX2" fmla="*/ 8504080 w 9963150"/>
-              <a:gd name="connsiteY2" fmla="*/ 130333 h 6858000"/>
-              <a:gd name="connsiteX3" fmla="*/ 9963150 w 9963150"/>
-              <a:gd name="connsiteY3" fmla="*/ 3652838 h 6858000"/>
-              <a:gd name="connsiteX4" fmla="*/ 8825600 w 9963150"/>
-              <a:gd name="connsiteY4" fmla="*/ 6821583 h 6858000"/>
-              <a:gd name="connsiteX5" fmla="*/ 8794055 w 9963150"/>
-              <a:gd name="connsiteY5" fmla="*/ 6858000 h 6858000"/>
-              <a:gd name="connsiteX6" fmla="*/ 1169096 w 9963150"/>
-              <a:gd name="connsiteY6" fmla="*/ 6858000 h 6858000"/>
-              <a:gd name="connsiteX7" fmla="*/ 1137550 w 9963150"/>
-              <a:gd name="connsiteY7" fmla="*/ 6821583 h 6858000"/>
-              <a:gd name="connsiteX8" fmla="*/ 0 w 9963150"/>
-              <a:gd name="connsiteY8" fmla="*/ 3652838 h 6858000"/>
-              <a:gd name="connsiteX9" fmla="*/ 1459070 w 9963150"/>
-              <a:gd name="connsiteY9" fmla="*/ 130333 h 6858000"/>
-            </a:gdLst>
-            <a:ahLst/>
-            <a:cxnLst>
-              <a:cxn ang="0">
-                <a:pos x="connsiteX0" y="connsiteY0"/>
-              </a:cxn>
-              <a:cxn ang="0">
-                <a:pos x="connsiteX1" y="connsiteY1"/>
-              </a:cxn>
-              <a:cxn ang="0">
-                <a:pos x="connsiteX2" y="connsiteY2"/>
-              </a:cxn>
-              <a:cxn ang="0">
-                <a:pos x="connsiteX3" y="connsiteY3"/>
-              </a:cxn>
-              <a:cxn ang="0">
-                <a:pos x="connsiteX4" y="connsiteY4"/>
-              </a:cxn>
-              <a:cxn ang="0">
-                <a:pos x="connsiteX5" y="connsiteY5"/>
-              </a:cxn>
-              <a:cxn ang="0">
-                <a:pos x="connsiteX6" y="connsiteY6"/>
-              </a:cxn>
-              <a:cxn ang="0">
-                <a:pos x="connsiteX7" y="connsiteY7"/>
-              </a:cxn>
-              <a:cxn ang="0">
-                <a:pos x="connsiteX8" y="connsiteY8"/>
-              </a:cxn>
-              <a:cxn ang="0">
-                <a:pos x="connsiteX9" y="connsiteY9"/>
-              </a:cxn>
-            </a:cxnLst>
-            <a:rect l="l" t="t" r="r" b="b"/>
-            <a:pathLst>
-              <a:path w="9963150" h="6858000">
-                <a:moveTo>
-                  <a:pt x="1595771" y="0"/>
-                </a:moveTo>
-                <a:lnTo>
-                  <a:pt x="8367379" y="0"/>
-                </a:lnTo>
-                <a:lnTo>
-                  <a:pt x="8504080" y="130333"/>
-                </a:lnTo>
-                <a:cubicBezTo>
-                  <a:pt x="9405568" y="1031820"/>
-                  <a:pt x="9963150" y="2277214"/>
-                  <a:pt x="9963150" y="3652838"/>
-                </a:cubicBezTo>
-                <a:cubicBezTo>
-                  <a:pt x="9963150" y="4856509"/>
-                  <a:pt x="9536251" y="5960473"/>
-                  <a:pt x="8825600" y="6821583"/>
-                </a:cubicBezTo>
-                <a:lnTo>
-                  <a:pt x="8794055" y="6858000"/>
-                </a:lnTo>
-                <a:lnTo>
-                  <a:pt x="1169096" y="6858000"/>
-                </a:lnTo>
-                <a:lnTo>
-                  <a:pt x="1137550" y="6821583"/>
-                </a:lnTo>
-                <a:cubicBezTo>
-                  <a:pt x="426899" y="5960473"/>
-                  <a:pt x="0" y="4856509"/>
-                  <a:pt x="0" y="3652838"/>
-                </a:cubicBezTo>
-                <a:cubicBezTo>
-                  <a:pt x="0" y="2277214"/>
-                  <a:pt x="557582" y="1031820"/>
-                  <a:pt x="1459070" y="130333"/>
-                </a:cubicBezTo>
-                <a:close/>
-              </a:path>
-            </a:pathLst>
-          </a:custGeom>
-          <a:ln w="9525">
-            <a:noFill/>
-          </a:ln>
-          <a:effectLst/>
-        </p:spPr>
-        <p:style>
-          <a:lnRef idx="2">
-            <a:schemeClr val="accent1">
-              <a:shade val="50000"/>
-            </a:schemeClr>
-          </a:lnRef>
-          <a:fillRef idx="1">
-            <a:schemeClr val="accent1"/>
-          </a:fillRef>
-          <a:effectRef idx="0">
-            <a:schemeClr val="accent1"/>
-          </a:effectRef>
-          <a:fontRef idx="minor">
-            <a:schemeClr val="lt1"/>
-          </a:fontRef>
-        </p:style>
-        <p:txBody>
-          <a:bodyPr wrap="square" rtlCol="0" anchor="ctr">
-            <a:noAutofit/>
-          </a:bodyPr>
-          <a:lstStyle/>
-          <a:p>
-            <a:pPr marL="0" marR="0" lvl="0" indent="0" algn="ctr" defTabSz="914400" rtl="0" eaLnBrk="1" fontAlgn="auto" latinLnBrk="0" hangingPunct="1">
-              <a:lnSpc>
-                <a:spcPct val="100000"/>
-              </a:lnSpc>
-              <a:spcBef>
-                <a:spcPts val="0"/>
-              </a:spcBef>
-              <a:spcAft>
-                <a:spcPts val="0"/>
-              </a:spcAft>
-              <a:buClrTx/>
-              <a:buSzTx/>
-              <a:buFontTx/>
-              <a:buNone/>
-              <a:tabLst/>
-              <a:defRPr/>
-            </a:pPr>
-            <a:endParaRPr kumimoji="0" lang="en-US" sz="1800" b="0" i="0" u="none" strike="noStrike" kern="1200" cap="none" spc="0" normalizeH="0" baseline="0" noProof="0">
-              <a:ln>
-                <a:noFill/>
-              </a:ln>
-              <a:solidFill>
-                <a:prstClr val="white"/>
-              </a:solidFill>
-              <a:effectLst/>
-              <a:uLnTx/>
-              <a:uFillTx/>
-              <a:latin typeface="Calibri" panose="020F0502020204030204"/>
-              <a:ea typeface="+mn-ea"/>
-              <a:cs typeface="+mn-cs"/>
-            </a:endParaRPr>
-          </a:p>
-        </p:txBody>
-      </p:sp>
-      <p:sp>
-        <p:nvSpPr>
-          <p:cNvPr id="2" name="Title 1">
-            <a:extLst>
-              <a:ext uri="{FF2B5EF4-FFF2-40B4-BE49-F238E27FC236}">
-                <a16:creationId xmlns:a16="http://schemas.microsoft.com/office/drawing/2014/main" id="{FEC51F33-D07B-4111-3234-5AA3078AD6ED}"/>
-              </a:ext>
-            </a:extLst>
-          </p:cNvPr>
-          <p:cNvSpPr>
-            <a:spLocks noGrp="1"/>
-          </p:cNvSpPr>
-          <p:nvPr>
-            <p:ph type="ctrTitle"/>
-          </p:nvPr>
-        </p:nvSpPr>
-        <p:spPr>
-          <a:xfrm>
-            <a:off x="1524003" y="1999615"/>
-            <a:ext cx="9144000" cy="2764028"/>
-          </a:xfrm>
-        </p:spPr>
-        <p:txBody>
-          <a:bodyPr anchor="ctr">
-            <a:normAutofit/>
-          </a:bodyPr>
-          <a:lstStyle/>
-          <a:p>
-            <a:r>
-              <a:rPr lang="en-US" sz="7200" dirty="0"/>
-              <a:t>Words Embedding  </a:t>
-            </a:r>
-            <a:br>
-              <a:rPr lang="en-US" sz="7200" dirty="0"/>
-            </a:br>
-            <a:r>
-              <a:rPr lang="en-US" sz="7200" dirty="0"/>
-              <a:t>Word2Vec vs Glove</a:t>
-            </a:r>
-            <a:endParaRPr lang="en-GB" sz="7200" dirty="0"/>
-          </a:p>
-        </p:txBody>
-      </p:sp>
-      <p:sp>
-        <p:nvSpPr>
-          <p:cNvPr id="3" name="Subtitle 2">
-            <a:extLst>
-              <a:ext uri="{FF2B5EF4-FFF2-40B4-BE49-F238E27FC236}">
-                <a16:creationId xmlns:a16="http://schemas.microsoft.com/office/drawing/2014/main" id="{7F0E1FFD-C448-51D1-FFB6-DB0EF415952A}"/>
-              </a:ext>
-            </a:extLst>
-          </p:cNvPr>
-          <p:cNvSpPr>
-            <a:spLocks noGrp="1"/>
-          </p:cNvSpPr>
-          <p:nvPr>
-            <p:ph type="subTitle" idx="1"/>
-          </p:nvPr>
-        </p:nvSpPr>
-        <p:spPr>
-          <a:xfrm>
-            <a:off x="1966912" y="5772969"/>
-            <a:ext cx="8258176" cy="631825"/>
-          </a:xfrm>
-        </p:spPr>
-        <p:txBody>
-          <a:bodyPr anchor="ctr">
-            <a:noAutofit/>
-          </a:bodyPr>
-          <a:lstStyle/>
-          <a:p>
-            <a:r>
-              <a:rPr lang="en-GB" sz="3200" dirty="0"/>
-              <a:t>Chen Sheiner, Shay Shemesh</a:t>
-            </a:r>
-          </a:p>
-          <a:p>
-            <a:r>
-              <a:rPr lang="en-GB" sz="3200" dirty="0"/>
-              <a:t>Aug 2022</a:t>
-            </a:r>
-          </a:p>
-        </p:txBody>
-      </p:sp>
-      <p:sp>
-        <p:nvSpPr>
-          <p:cNvPr id="98" name="Rectangle 97">
-            <a:extLst>
-              <a:ext uri="{FF2B5EF4-FFF2-40B4-BE49-F238E27FC236}">
-                <a16:creationId xmlns:a16="http://schemas.microsoft.com/office/drawing/2014/main" id="{3629484E-3792-4B3D-89AD-7C8A1ED0E0D4}"/>
-              </a:ext>
-              <a:ext uri="{C183D7F6-B498-43B3-948B-1728B52AA6E4}">
-                <adec:decorative xmlns:adec="http://schemas.microsoft.com/office/drawing/2017/decorative" val="1"/>
-              </a:ext>
-            </a:extLst>
-          </p:cNvPr>
-          <p:cNvSpPr>
-            <a:spLocks noGrp="1" noRot="1" noChangeAspect="1" noMove="1" noResize="1" noEditPoints="1" noAdjustHandles="1" noChangeArrowheads="1" noChangeShapeType="1" noTextEdit="1"/>
-          </p:cNvSpPr>
-          <p:nvPr>
-            <p:extLst>
-              <p:ext uri="{386F3935-93C4-4BCD-93E2-E3B085C9AB24}">
-                <p16:designElem xmlns:p16="http://schemas.microsoft.com/office/powerpoint/2015/main" val="1"/>
-              </p:ext>
-            </p:extLst>
-          </p:nvPr>
-        </p:nvSpPr>
-        <p:spPr>
-          <a:xfrm>
-            <a:off x="3718560" y="5524786"/>
-            <a:ext cx="4754880" cy="27432"/>
-          </a:xfrm>
-          <a:prstGeom prst="rect">
-            <a:avLst/>
-          </a:prstGeom>
-          <a:solidFill>
-            <a:schemeClr val="accent2"/>
-          </a:solidFill>
-          <a:ln>
-            <a:noFill/>
-          </a:ln>
-        </p:spPr>
-        <p:style>
-          <a:lnRef idx="2">
-            <a:schemeClr val="accent1">
-              <a:shade val="50000"/>
-            </a:schemeClr>
-          </a:lnRef>
-          <a:fillRef idx="1">
-            <a:schemeClr val="accent1"/>
-          </a:fillRef>
-          <a:effectRef idx="0">
-            <a:schemeClr val="accent1"/>
-          </a:effectRef>
-          <a:fontRef idx="minor">
-            <a:schemeClr val="lt1"/>
-          </a:fontRef>
-        </p:style>
-        <p:txBody>
-          <a:bodyPr rtlCol="0" anchor="ctr"/>
-          <a:lstStyle/>
-          <a:p>
-            <a:pPr marL="0" marR="0" lvl="0" indent="0" algn="ctr" defTabSz="914400" rtl="0" eaLnBrk="1" fontAlgn="auto" latinLnBrk="0" hangingPunct="1">
-              <a:lnSpc>
-                <a:spcPct val="100000"/>
-              </a:lnSpc>
-              <a:spcBef>
-                <a:spcPts val="0"/>
-              </a:spcBef>
-              <a:spcAft>
-                <a:spcPts val="0"/>
-              </a:spcAft>
-              <a:buClrTx/>
-              <a:buSzTx/>
-              <a:buFontTx/>
-              <a:buNone/>
-              <a:tabLst/>
-              <a:defRPr/>
-            </a:pPr>
-            <a:endParaRPr kumimoji="0" lang="en-US" sz="1800" b="0" i="0" u="none" strike="noStrike" kern="1200" cap="none" spc="0" normalizeH="0" baseline="0" noProof="0">
-              <a:ln>
-                <a:noFill/>
-              </a:ln>
-              <a:solidFill>
-                <a:prstClr val="white"/>
-              </a:solidFill>
-              <a:effectLst/>
-              <a:uLnTx/>
-              <a:uFillTx/>
-              <a:latin typeface="Calibri" panose="020F0502020204030204"/>
-              <a:ea typeface="+mn-ea"/>
-              <a:cs typeface="+mn-cs"/>
-            </a:endParaRPr>
-          </a:p>
-        </p:txBody>
-      </p:sp>
     </p:spTree>
     <p:extLst>
       <p:ext uri="{BB962C8B-B14F-4D97-AF65-F5344CB8AC3E}">
@@ -4027,14 +4234,6 @@
 <file path=ppt/slides/slide10.xml><?xml version="1.0" encoding="utf-8"?>
 <p:sld xmlns:a="http://schemas.openxmlformats.org/drawingml/2006/main" xmlns:r="http://schemas.openxmlformats.org/officeDocument/2006/relationships" xmlns:p="http://schemas.openxmlformats.org/presentationml/2006/main">
   <p:cSld>
-    <p:bg>
-      <p:bgPr>
-        <a:solidFill>
-          <a:schemeClr val="bg1"/>
-        </a:solidFill>
-        <a:effectLst/>
-      </p:bgPr>
-    </p:bg>
     <p:spTree>
       <p:nvGrpSpPr>
         <p:cNvPr id="1" name=""/>
@@ -4049,66 +4248,226 @@
           <a:chExt cx="0" cy="0"/>
         </a:xfrm>
       </p:grpSpPr>
-      <p:sp useBgFill="1">
-        <p:nvSpPr>
-          <p:cNvPr id="26" name="Rectangle 25">
-            <a:extLst>
-              <a:ext uri="{FF2B5EF4-FFF2-40B4-BE49-F238E27FC236}">
-                <a16:creationId xmlns:a16="http://schemas.microsoft.com/office/drawing/2014/main" id="{362D44EE-C852-4460-B8B5-C4F2BC20510C}"/>
-              </a:ext>
-              <a:ext uri="{C183D7F6-B498-43B3-948B-1728B52AA6E4}">
-                <adec:decorative xmlns:adec="http://schemas.microsoft.com/office/drawing/2017/decorative" val="1"/>
-              </a:ext>
-            </a:extLst>
-          </p:cNvPr>
-          <p:cNvSpPr>
-            <a:spLocks noGrp="1" noRot="1" noChangeAspect="1" noMove="1" noResize="1" noEditPoints="1" noAdjustHandles="1" noChangeArrowheads="1" noChangeShapeType="1" noTextEdit="1"/>
-          </p:cNvSpPr>
-          <p:nvPr>
-            <p:extLst>
-              <p:ext uri="{386F3935-93C4-4BCD-93E2-E3B085C9AB24}">
-                <p16:designElem xmlns:p16="http://schemas.microsoft.com/office/powerpoint/2015/main" val="1"/>
-              </p:ext>
-            </p:extLst>
+      <p:sp>
+        <p:nvSpPr>
+          <p:cNvPr id="2" name="Title 1">
+            <a:extLst>
+              <a:ext uri="{FF2B5EF4-FFF2-40B4-BE49-F238E27FC236}">
+                <a16:creationId xmlns:a16="http://schemas.microsoft.com/office/drawing/2014/main" id="{B1B2157A-6E97-71AC-96AF-6A651C07C07F}"/>
+              </a:ext>
+            </a:extLst>
+          </p:cNvPr>
+          <p:cNvSpPr>
+            <a:spLocks noGrp="1"/>
+          </p:cNvSpPr>
+          <p:nvPr>
+            <p:ph type="title"/>
+          </p:nvPr>
+        </p:nvSpPr>
+        <p:spPr/>
+        <p:txBody>
+          <a:bodyPr/>
+          <a:lstStyle/>
+          <a:p>
+            <a:r>
+              <a:rPr lang="en-US" b="1" dirty="0"/>
+              <a:t>Future work</a:t>
+            </a:r>
+            <a:endParaRPr lang="en-GB" b="1" dirty="0"/>
+          </a:p>
+        </p:txBody>
+      </p:sp>
+      <p:sp>
+        <p:nvSpPr>
+          <p:cNvPr id="6" name="Content Placeholder 2">
+            <a:extLst>
+              <a:ext uri="{FF2B5EF4-FFF2-40B4-BE49-F238E27FC236}">
+                <a16:creationId xmlns:a16="http://schemas.microsoft.com/office/drawing/2014/main" id="{511D9F8B-3BF0-CEF2-E14C-36FAE1E77A6B}"/>
+              </a:ext>
+            </a:extLst>
+          </p:cNvPr>
+          <p:cNvSpPr>
+            <a:spLocks noGrp="1"/>
+          </p:cNvSpPr>
+          <p:nvPr>
+            <p:ph idx="1"/>
           </p:nvPr>
         </p:nvSpPr>
         <p:spPr>
           <a:xfrm>
-            <a:off x="0" y="0"/>
-            <a:ext cx="12192000" cy="6858000"/>
+            <a:off x="838200" y="1825625"/>
+            <a:ext cx="10515600" cy="4351338"/>
           </a:xfrm>
-          <a:prstGeom prst="rect">
-            <a:avLst/>
-          </a:prstGeom>
-          <a:ln>
-            <a:noFill/>
-          </a:ln>
         </p:spPr>
-        <p:style>
-          <a:lnRef idx="2">
-            <a:schemeClr val="accent1">
-              <a:shade val="50000"/>
-            </a:schemeClr>
-          </a:lnRef>
-          <a:fillRef idx="1">
-            <a:schemeClr val="accent1"/>
-          </a:fillRef>
-          <a:effectRef idx="0">
-            <a:schemeClr val="accent1"/>
-          </a:effectRef>
-          <a:fontRef idx="minor">
-            <a:schemeClr val="lt1"/>
-          </a:fontRef>
-        </p:style>
-        <p:txBody>
-          <a:bodyPr rtlCol="0" anchor="ctr"/>
-          <a:lstStyle/>
-          <a:p>
-            <a:pPr algn="ctr"/>
-            <a:endParaRPr lang="en-US"/>
-          </a:p>
-        </p:txBody>
-      </p:sp>
+        <p:txBody>
+          <a:bodyPr>
+            <a:noAutofit/>
+          </a:bodyPr>
+          <a:lstStyle/>
+          <a:p>
+            <a:pPr>
+              <a:lnSpc>
+                <a:spcPct val="100000"/>
+              </a:lnSpc>
+              <a:spcBef>
+                <a:spcPts val="1200"/>
+              </a:spcBef>
+              <a:spcAft>
+                <a:spcPts val="1200"/>
+              </a:spcAft>
+            </a:pPr>
+            <a:r>
+              <a:rPr lang="en-US" sz="3200" dirty="0">
+                <a:solidFill>
+                  <a:srgbClr val="000000"/>
+                </a:solidFill>
+                <a:ea typeface="Calibri" panose="020F0502020204030204" pitchFamily="34" charset="0"/>
+              </a:rPr>
+              <a:t>Initial results </a:t>
+            </a:r>
+          </a:p>
+          <a:p>
+            <a:pPr>
+              <a:lnSpc>
+                <a:spcPct val="100000"/>
+              </a:lnSpc>
+              <a:spcBef>
+                <a:spcPts val="1200"/>
+              </a:spcBef>
+              <a:spcAft>
+                <a:spcPts val="1200"/>
+              </a:spcAft>
+            </a:pPr>
+            <a:r>
+              <a:rPr lang="en-US" sz="3200" dirty="0">
+                <a:solidFill>
+                  <a:srgbClr val="000000"/>
+                </a:solidFill>
+                <a:ea typeface="Calibri" panose="020F0502020204030204" pitchFamily="34" charset="0"/>
+              </a:rPr>
+              <a:t>H</a:t>
+            </a:r>
+            <a:r>
+              <a:rPr lang="en-US" sz="3200" dirty="0">
+                <a:solidFill>
+                  <a:srgbClr val="000000"/>
+                </a:solidFill>
+                <a:effectLst/>
+                <a:ea typeface="Calibri" panose="020F0502020204030204" pitchFamily="34" charset="0"/>
+              </a:rPr>
+              <a:t>yperparameter tuning  via cross validation</a:t>
+            </a:r>
+          </a:p>
+          <a:p>
+            <a:pPr>
+              <a:lnSpc>
+                <a:spcPct val="100000"/>
+              </a:lnSpc>
+              <a:spcBef>
+                <a:spcPts val="1200"/>
+              </a:spcBef>
+              <a:spcAft>
+                <a:spcPts val="1200"/>
+              </a:spcAft>
+            </a:pPr>
+            <a:r>
+              <a:rPr lang="en-US" sz="3200" dirty="0">
+                <a:solidFill>
+                  <a:srgbClr val="000000"/>
+                </a:solidFill>
+                <a:effectLst/>
+                <a:ea typeface="Calibri" panose="020F0502020204030204" pitchFamily="34" charset="0"/>
+              </a:rPr>
+              <a:t>Create visualization </a:t>
+            </a:r>
+            <a:r>
+              <a:rPr lang="en-US" sz="3200" dirty="0">
+                <a:solidFill>
+                  <a:srgbClr val="000000"/>
+                </a:solidFill>
+                <a:ea typeface="Calibri" panose="020F0502020204030204" pitchFamily="34" charset="0"/>
+              </a:rPr>
+              <a:t>of the results</a:t>
+            </a:r>
+            <a:endParaRPr lang="en-US" sz="3200" dirty="0">
+              <a:solidFill>
+                <a:srgbClr val="000000"/>
+              </a:solidFill>
+              <a:effectLst/>
+              <a:ea typeface="Calibri" panose="020F0502020204030204" pitchFamily="34" charset="0"/>
+            </a:endParaRPr>
+          </a:p>
+          <a:p>
+            <a:pPr marL="0" indent="0">
+              <a:lnSpc>
+                <a:spcPct val="100000"/>
+              </a:lnSpc>
+              <a:spcBef>
+                <a:spcPts val="1200"/>
+              </a:spcBef>
+              <a:spcAft>
+                <a:spcPts val="1200"/>
+              </a:spcAft>
+              <a:buNone/>
+            </a:pPr>
+            <a:endParaRPr lang="en-US" sz="3200" dirty="0"/>
+          </a:p>
+          <a:p>
+            <a:pPr>
+              <a:lnSpc>
+                <a:spcPct val="100000"/>
+              </a:lnSpc>
+            </a:pPr>
+            <a:endParaRPr lang="en-US" sz="3200" dirty="0"/>
+          </a:p>
+          <a:p>
+            <a:pPr>
+              <a:lnSpc>
+                <a:spcPct val="100000"/>
+              </a:lnSpc>
+            </a:pPr>
+            <a:endParaRPr lang="en-US" sz="3200" dirty="0"/>
+          </a:p>
+          <a:p>
+            <a:pPr>
+              <a:lnSpc>
+                <a:spcPct val="100000"/>
+              </a:lnSpc>
+            </a:pPr>
+            <a:endParaRPr lang="en-US" sz="3200" dirty="0"/>
+          </a:p>
+        </p:txBody>
+      </p:sp>
+    </p:spTree>
+    <p:extLst>
+      <p:ext uri="{BB962C8B-B14F-4D97-AF65-F5344CB8AC3E}">
+        <p14:creationId xmlns:p14="http://schemas.microsoft.com/office/powerpoint/2010/main" val="3711738761"/>
+      </p:ext>
+    </p:extLst>
+  </p:cSld>
+  <p:clrMapOvr>
+    <a:masterClrMapping/>
+  </p:clrMapOvr>
+</p:sld>
+</file>
+
+<file path=ppt/slides/slide11.xml><?xml version="1.0" encoding="utf-8"?>
+<p:sld xmlns:a="http://schemas.openxmlformats.org/drawingml/2006/main" xmlns:r="http://schemas.openxmlformats.org/officeDocument/2006/relationships" xmlns:p="http://schemas.openxmlformats.org/presentationml/2006/main">
+  <p:cSld>
+    <p:spTree>
+      <p:nvGrpSpPr>
+        <p:cNvPr id="1" name=""/>
+        <p:cNvGrpSpPr/>
+        <p:nvPr/>
+      </p:nvGrpSpPr>
+      <p:grpSpPr>
+        <a:xfrm>
+          <a:off x="0" y="0"/>
+          <a:ext cx="0" cy="0"/>
+          <a:chOff x="0" y="0"/>
+          <a:chExt cx="0" cy="0"/>
+        </a:xfrm>
+      </p:grpSpPr>
       <p:sp>
         <p:nvSpPr>
           <p:cNvPr id="2" name="Title 1">
@@ -4127,1039 +4486,21 @@
         </p:nvSpPr>
         <p:spPr>
           <a:xfrm>
-            <a:off x="6194716" y="739978"/>
-            <a:ext cx="5334930" cy="3004145"/>
+            <a:off x="3777133" y="2226055"/>
+            <a:ext cx="4637734" cy="2405889"/>
           </a:xfrm>
         </p:spPr>
         <p:txBody>
-          <a:bodyPr vert="horz" lIns="91440" tIns="45720" rIns="91440" bIns="45720" rtlCol="0" anchor="b">
+          <a:bodyPr>
             <a:normAutofit/>
           </a:bodyPr>
           <a:lstStyle/>
           <a:p>
-            <a:pPr algn="ctr"/>
-            <a:r>
-              <a:rPr lang="en-US" sz="6000" b="1" dirty="0"/>
+            <a:r>
+              <a:rPr lang="en-US" sz="6600" b="1" dirty="0"/>
               <a:t>Questions?</a:t>
             </a:r>
-          </a:p>
-        </p:txBody>
-      </p:sp>
-      <p:sp>
-        <p:nvSpPr>
-          <p:cNvPr id="28" name="Freeform: Shape 27">
-            <a:extLst>
-              <a:ext uri="{FF2B5EF4-FFF2-40B4-BE49-F238E27FC236}">
-                <a16:creationId xmlns:a16="http://schemas.microsoft.com/office/drawing/2014/main" id="{658970D8-8D1D-4B5C-894B-E871CC86543D}"/>
-              </a:ext>
-              <a:ext uri="{C183D7F6-B498-43B3-948B-1728B52AA6E4}">
-                <adec:decorative xmlns:adec="http://schemas.microsoft.com/office/drawing/2017/decorative" val="1"/>
-              </a:ext>
-            </a:extLst>
-          </p:cNvPr>
-          <p:cNvSpPr>
-            <a:spLocks noGrp="1" noRot="1" noChangeAspect="1" noMove="1" noResize="1" noEditPoints="1" noAdjustHandles="1" noChangeArrowheads="1" noChangeShapeType="1" noTextEdit="1"/>
-          </p:cNvSpPr>
-          <p:nvPr>
-            <p:extLst>
-              <p:ext uri="{386F3935-93C4-4BCD-93E2-E3B085C9AB24}">
-                <p16:designElem xmlns:p16="http://schemas.microsoft.com/office/powerpoint/2015/main" val="1"/>
-              </p:ext>
-            </p:extLst>
-          </p:nvPr>
-        </p:nvSpPr>
-        <p:spPr>
-          <a:xfrm flipH="1">
-            <a:off x="530529" y="1"/>
-            <a:ext cx="1155142" cy="591009"/>
-          </a:xfrm>
-          <a:custGeom>
-            <a:avLst/>
-            <a:gdLst>
-              <a:gd name="connsiteX0" fmla="*/ 1355 w 1155142"/>
-              <a:gd name="connsiteY0" fmla="*/ 0 h 591009"/>
-              <a:gd name="connsiteX1" fmla="*/ 1153787 w 1155142"/>
-              <a:gd name="connsiteY1" fmla="*/ 0 h 591009"/>
-              <a:gd name="connsiteX2" fmla="*/ 1155142 w 1155142"/>
-              <a:gd name="connsiteY2" fmla="*/ 13438 h 591009"/>
-              <a:gd name="connsiteX3" fmla="*/ 577571 w 1155142"/>
-              <a:gd name="connsiteY3" fmla="*/ 591009 h 591009"/>
-              <a:gd name="connsiteX4" fmla="*/ 0 w 1155142"/>
-              <a:gd name="connsiteY4" fmla="*/ 13438 h 591009"/>
-            </a:gdLst>
-            <a:ahLst/>
-            <a:cxnLst>
-              <a:cxn ang="0">
-                <a:pos x="connsiteX0" y="connsiteY0"/>
-              </a:cxn>
-              <a:cxn ang="0">
-                <a:pos x="connsiteX1" y="connsiteY1"/>
-              </a:cxn>
-              <a:cxn ang="0">
-                <a:pos x="connsiteX2" y="connsiteY2"/>
-              </a:cxn>
-              <a:cxn ang="0">
-                <a:pos x="connsiteX3" y="connsiteY3"/>
-              </a:cxn>
-              <a:cxn ang="0">
-                <a:pos x="connsiteX4" y="connsiteY4"/>
-              </a:cxn>
-            </a:cxnLst>
-            <a:rect l="l" t="t" r="r" b="b"/>
-            <a:pathLst>
-              <a:path w="1155142" h="591009">
-                <a:moveTo>
-                  <a:pt x="1355" y="0"/>
-                </a:moveTo>
-                <a:lnTo>
-                  <a:pt x="1153787" y="0"/>
-                </a:lnTo>
-                <a:lnTo>
-                  <a:pt x="1155142" y="13438"/>
-                </a:lnTo>
-                <a:cubicBezTo>
-                  <a:pt x="1155142" y="332422"/>
-                  <a:pt x="896555" y="591009"/>
-                  <a:pt x="577571" y="591009"/>
-                </a:cubicBezTo>
-                <a:cubicBezTo>
-                  <a:pt x="258587" y="591009"/>
-                  <a:pt x="0" y="332422"/>
-                  <a:pt x="0" y="13438"/>
-                </a:cubicBezTo>
-                <a:close/>
-              </a:path>
-            </a:pathLst>
-          </a:custGeom>
-          <a:solidFill>
-            <a:schemeClr val="accent5"/>
-          </a:solidFill>
-          <a:ln>
-            <a:noFill/>
-          </a:ln>
-        </p:spPr>
-        <p:style>
-          <a:lnRef idx="2">
-            <a:schemeClr val="accent1">
-              <a:shade val="50000"/>
-            </a:schemeClr>
-          </a:lnRef>
-          <a:fillRef idx="1">
-            <a:schemeClr val="accent1"/>
-          </a:fillRef>
-          <a:effectRef idx="0">
-            <a:schemeClr val="accent1"/>
-          </a:effectRef>
-          <a:fontRef idx="minor">
-            <a:schemeClr val="lt1"/>
-          </a:fontRef>
-        </p:style>
-        <p:txBody>
-          <a:bodyPr wrap="square" rtlCol="0" anchor="ctr">
-            <a:noAutofit/>
-          </a:bodyPr>
-          <a:lstStyle/>
-          <a:p>
-            <a:pPr algn="ctr"/>
-            <a:endParaRPr lang="en-US"/>
-          </a:p>
-        </p:txBody>
-      </p:sp>
-      <p:sp>
-        <p:nvSpPr>
-          <p:cNvPr id="30" name="Freeform: Shape 29">
-            <a:extLst>
-              <a:ext uri="{FF2B5EF4-FFF2-40B4-BE49-F238E27FC236}">
-                <a16:creationId xmlns:a16="http://schemas.microsoft.com/office/drawing/2014/main" id="{F227E5B6-9132-43CA-B503-37A18562ADF2}"/>
-              </a:ext>
-              <a:ext uri="{C183D7F6-B498-43B3-948B-1728B52AA6E4}">
-                <adec:decorative xmlns:adec="http://schemas.microsoft.com/office/drawing/2017/decorative" val="1"/>
-              </a:ext>
-            </a:extLst>
-          </p:cNvPr>
-          <p:cNvSpPr>
-            <a:spLocks noGrp="1" noRot="1" noChangeAspect="1" noMove="1" noResize="1" noEditPoints="1" noAdjustHandles="1" noChangeArrowheads="1" noChangeShapeType="1" noTextEdit="1"/>
-          </p:cNvSpPr>
-          <p:nvPr>
-            <p:extLst>
-              <p:ext uri="{386F3935-93C4-4BCD-93E2-E3B085C9AB24}">
-                <p16:designElem xmlns:p16="http://schemas.microsoft.com/office/powerpoint/2015/main" val="1"/>
-              </p:ext>
-            </p:extLst>
-          </p:nvPr>
-        </p:nvSpPr>
-        <p:spPr>
-          <a:xfrm flipH="1">
-            <a:off x="4349052" y="0"/>
-            <a:ext cx="1737401" cy="959536"/>
-          </a:xfrm>
-          <a:custGeom>
-            <a:avLst/>
-            <a:gdLst>
-              <a:gd name="connsiteX0" fmla="*/ 0 w 1737401"/>
-              <a:gd name="connsiteY0" fmla="*/ 0 h 959536"/>
-              <a:gd name="connsiteX1" fmla="*/ 123825 w 1737401"/>
-              <a:gd name="connsiteY1" fmla="*/ 0 h 959536"/>
-              <a:gd name="connsiteX2" fmla="*/ 123825 w 1737401"/>
-              <a:gd name="connsiteY2" fmla="*/ 790277 h 959536"/>
-              <a:gd name="connsiteX3" fmla="*/ 1490095 w 1737401"/>
-              <a:gd name="connsiteY3" fmla="*/ 0 h 959536"/>
-              <a:gd name="connsiteX4" fmla="*/ 1737401 w 1737401"/>
-              <a:gd name="connsiteY4" fmla="*/ 0 h 959536"/>
-              <a:gd name="connsiteX5" fmla="*/ 92869 w 1737401"/>
-              <a:gd name="connsiteY5" fmla="*/ 951249 h 959536"/>
-              <a:gd name="connsiteX6" fmla="*/ 61913 w 1737401"/>
-              <a:gd name="connsiteY6" fmla="*/ 959536 h 959536"/>
-              <a:gd name="connsiteX7" fmla="*/ 0 w 1737401"/>
-              <a:gd name="connsiteY7" fmla="*/ 897624 h 959536"/>
-            </a:gdLst>
-            <a:ahLst/>
-            <a:cxnLst>
-              <a:cxn ang="0">
-                <a:pos x="connsiteX0" y="connsiteY0"/>
-              </a:cxn>
-              <a:cxn ang="0">
-                <a:pos x="connsiteX1" y="connsiteY1"/>
-              </a:cxn>
-              <a:cxn ang="0">
-                <a:pos x="connsiteX2" y="connsiteY2"/>
-              </a:cxn>
-              <a:cxn ang="0">
-                <a:pos x="connsiteX3" y="connsiteY3"/>
-              </a:cxn>
-              <a:cxn ang="0">
-                <a:pos x="connsiteX4" y="connsiteY4"/>
-              </a:cxn>
-              <a:cxn ang="0">
-                <a:pos x="connsiteX5" y="connsiteY5"/>
-              </a:cxn>
-              <a:cxn ang="0">
-                <a:pos x="connsiteX6" y="connsiteY6"/>
-              </a:cxn>
-              <a:cxn ang="0">
-                <a:pos x="connsiteX7" y="connsiteY7"/>
-              </a:cxn>
-            </a:cxnLst>
-            <a:rect l="l" t="t" r="r" b="b"/>
-            <a:pathLst>
-              <a:path w="1737401" h="959536">
-                <a:moveTo>
-                  <a:pt x="0" y="0"/>
-                </a:moveTo>
-                <a:lnTo>
-                  <a:pt x="123825" y="0"/>
-                </a:lnTo>
-                <a:lnTo>
-                  <a:pt x="123825" y="790277"/>
-                </a:lnTo>
-                <a:lnTo>
-                  <a:pt x="1490095" y="0"/>
-                </a:lnTo>
-                <a:lnTo>
-                  <a:pt x="1737401" y="0"/>
-                </a:lnTo>
-                <a:lnTo>
-                  <a:pt x="92869" y="951249"/>
-                </a:lnTo>
-                <a:cubicBezTo>
-                  <a:pt x="83458" y="956688"/>
-                  <a:pt x="72780" y="959546"/>
-                  <a:pt x="61913" y="959536"/>
-                </a:cubicBezTo>
-                <a:cubicBezTo>
-                  <a:pt x="27719" y="959536"/>
-                  <a:pt x="0" y="931818"/>
-                  <a:pt x="0" y="897624"/>
-                </a:cubicBezTo>
-                <a:close/>
-              </a:path>
-            </a:pathLst>
-          </a:custGeom>
-          <a:solidFill>
-            <a:schemeClr val="accent6"/>
-          </a:solidFill>
-          <a:ln w="9525" cap="flat">
-            <a:noFill/>
-            <a:prstDash val="solid"/>
-            <a:miter/>
-          </a:ln>
-        </p:spPr>
-        <p:txBody>
-          <a:bodyPr rtlCol="0" anchor="ctr"/>
-          <a:lstStyle/>
-          <a:p>
-            <a:endParaRPr lang="en-US"/>
-          </a:p>
-        </p:txBody>
-      </p:sp>
-      <p:sp>
-        <p:nvSpPr>
-          <p:cNvPr id="32" name="Freeform: Shape 31">
-            <a:extLst>
-              <a:ext uri="{FF2B5EF4-FFF2-40B4-BE49-F238E27FC236}">
-                <a16:creationId xmlns:a16="http://schemas.microsoft.com/office/drawing/2014/main" id="{03C2051E-A88D-48E5-BACF-AAED17892722}"/>
-              </a:ext>
-              <a:ext uri="{C183D7F6-B498-43B3-948B-1728B52AA6E4}">
-                <adec:decorative xmlns:adec="http://schemas.microsoft.com/office/drawing/2017/decorative" val="1"/>
-              </a:ext>
-            </a:extLst>
-          </p:cNvPr>
-          <p:cNvSpPr>
-            <a:spLocks noGrp="1" noRot="1" noChangeAspect="1" noMove="1" noResize="1" noEditPoints="1" noAdjustHandles="1" noChangeArrowheads="1" noChangeShapeType="1" noTextEdit="1"/>
-          </p:cNvSpPr>
-          <p:nvPr>
-            <p:extLst>
-              <p:ext uri="{386F3935-93C4-4BCD-93E2-E3B085C9AB24}">
-                <p16:designElem xmlns:p16="http://schemas.microsoft.com/office/powerpoint/2015/main" val="1"/>
-              </p:ext>
-            </p:extLst>
-          </p:nvPr>
-        </p:nvSpPr>
-        <p:spPr>
-          <a:xfrm flipH="1">
-            <a:off x="0" y="2916245"/>
-            <a:ext cx="159741" cy="552996"/>
-          </a:xfrm>
-          <a:custGeom>
-            <a:avLst/>
-            <a:gdLst>
-              <a:gd name="connsiteX0" fmla="*/ 159741 w 159741"/>
-              <a:gd name="connsiteY0" fmla="*/ 0 h 552996"/>
-              <a:gd name="connsiteX1" fmla="*/ 159741 w 159741"/>
-              <a:gd name="connsiteY1" fmla="*/ 552996 h 552996"/>
-              <a:gd name="connsiteX2" fmla="*/ 141849 w 159741"/>
-              <a:gd name="connsiteY2" fmla="*/ 543285 h 552996"/>
-              <a:gd name="connsiteX3" fmla="*/ 0 w 159741"/>
-              <a:gd name="connsiteY3" fmla="*/ 276498 h 552996"/>
-              <a:gd name="connsiteX4" fmla="*/ 141849 w 159741"/>
-              <a:gd name="connsiteY4" fmla="*/ 9711 h 552996"/>
-            </a:gdLst>
-            <a:ahLst/>
-            <a:cxnLst>
-              <a:cxn ang="0">
-                <a:pos x="connsiteX0" y="connsiteY0"/>
-              </a:cxn>
-              <a:cxn ang="0">
-                <a:pos x="connsiteX1" y="connsiteY1"/>
-              </a:cxn>
-              <a:cxn ang="0">
-                <a:pos x="connsiteX2" y="connsiteY2"/>
-              </a:cxn>
-              <a:cxn ang="0">
-                <a:pos x="connsiteX3" y="connsiteY3"/>
-              </a:cxn>
-              <a:cxn ang="0">
-                <a:pos x="connsiteX4" y="connsiteY4"/>
-              </a:cxn>
-            </a:cxnLst>
-            <a:rect l="l" t="t" r="r" b="b"/>
-            <a:pathLst>
-              <a:path w="159741" h="552996">
-                <a:moveTo>
-                  <a:pt x="159741" y="0"/>
-                </a:moveTo>
-                <a:lnTo>
-                  <a:pt x="159741" y="552996"/>
-                </a:lnTo>
-                <a:lnTo>
-                  <a:pt x="141849" y="543285"/>
-                </a:lnTo>
-                <a:cubicBezTo>
-                  <a:pt x="56268" y="485467"/>
-                  <a:pt x="0" y="387554"/>
-                  <a:pt x="0" y="276498"/>
-                </a:cubicBezTo>
-                <a:cubicBezTo>
-                  <a:pt x="0" y="165443"/>
-                  <a:pt x="56268" y="67529"/>
-                  <a:pt x="141849" y="9711"/>
-                </a:cubicBezTo>
-                <a:close/>
-              </a:path>
-            </a:pathLst>
-          </a:custGeom>
-          <a:solidFill>
-            <a:schemeClr val="accent2"/>
-          </a:solidFill>
-          <a:ln w="127000">
-            <a:noFill/>
-          </a:ln>
-        </p:spPr>
-        <p:style>
-          <a:lnRef idx="2">
-            <a:schemeClr val="accent1">
-              <a:shade val="50000"/>
-            </a:schemeClr>
-          </a:lnRef>
-          <a:fillRef idx="1">
-            <a:schemeClr val="accent1"/>
-          </a:fillRef>
-          <a:effectRef idx="0">
-            <a:schemeClr val="accent1"/>
-          </a:effectRef>
-          <a:fontRef idx="minor">
-            <a:schemeClr val="lt1"/>
-          </a:fontRef>
-        </p:style>
-        <p:txBody>
-          <a:bodyPr wrap="square" rtlCol="0" anchor="ctr">
-            <a:noAutofit/>
-          </a:bodyPr>
-          <a:lstStyle/>
-          <a:p>
-            <a:pPr algn="ctr"/>
-            <a:endParaRPr lang="en-US"/>
-          </a:p>
-        </p:txBody>
-      </p:sp>
-      <p:sp>
-        <p:nvSpPr>
-          <p:cNvPr id="34" name="Freeform: Shape 33">
-            <a:extLst>
-              <a:ext uri="{FF2B5EF4-FFF2-40B4-BE49-F238E27FC236}">
-                <a16:creationId xmlns:a16="http://schemas.microsoft.com/office/drawing/2014/main" id="{7821A508-2985-4905-874A-527429BAABFA}"/>
-              </a:ext>
-              <a:ext uri="{C183D7F6-B498-43B3-948B-1728B52AA6E4}">
-                <adec:decorative xmlns:adec="http://schemas.microsoft.com/office/drawing/2017/decorative" val="1"/>
-              </a:ext>
-            </a:extLst>
-          </p:cNvPr>
-          <p:cNvSpPr>
-            <a:spLocks noGrp="1" noRot="1" noChangeAspect="1" noMove="1" noResize="1" noEditPoints="1" noAdjustHandles="1" noChangeArrowheads="1" noChangeShapeType="1" noTextEdit="1"/>
-          </p:cNvSpPr>
-          <p:nvPr>
-            <p:extLst>
-              <p:ext uri="{386F3935-93C4-4BCD-93E2-E3B085C9AB24}">
-                <p16:designElem xmlns:p16="http://schemas.microsoft.com/office/powerpoint/2015/main" val="1"/>
-              </p:ext>
-            </p:extLst>
-          </p:nvPr>
-        </p:nvSpPr>
-        <p:spPr>
-          <a:xfrm flipH="1">
-            <a:off x="0" y="5835649"/>
-            <a:ext cx="1548180" cy="1022351"/>
-          </a:xfrm>
-          <a:custGeom>
-            <a:avLst/>
-            <a:gdLst>
-              <a:gd name="connsiteX0" fmla="*/ 61913 w 1548180"/>
-              <a:gd name="connsiteY0" fmla="*/ 0 h 1022351"/>
-              <a:gd name="connsiteX1" fmla="*/ 1548180 w 1548180"/>
-              <a:gd name="connsiteY1" fmla="*/ 0 h 1022351"/>
-              <a:gd name="connsiteX2" fmla="*/ 1548180 w 1548180"/>
-              <a:gd name="connsiteY2" fmla="*/ 123825 h 1022351"/>
-              <a:gd name="connsiteX3" fmla="*/ 123825 w 1548180"/>
-              <a:gd name="connsiteY3" fmla="*/ 123825 h 1022351"/>
-              <a:gd name="connsiteX4" fmla="*/ 123825 w 1548180"/>
-              <a:gd name="connsiteY4" fmla="*/ 1022351 h 1022351"/>
-              <a:gd name="connsiteX5" fmla="*/ 0 w 1548180"/>
-              <a:gd name="connsiteY5" fmla="*/ 1022351 h 1022351"/>
-              <a:gd name="connsiteX6" fmla="*/ 0 w 1548180"/>
-              <a:gd name="connsiteY6" fmla="*/ 61913 h 1022351"/>
-              <a:gd name="connsiteX7" fmla="*/ 61913 w 1548180"/>
-              <a:gd name="connsiteY7" fmla="*/ 0 h 1022351"/>
-            </a:gdLst>
-            <a:ahLst/>
-            <a:cxnLst>
-              <a:cxn ang="0">
-                <a:pos x="connsiteX0" y="connsiteY0"/>
-              </a:cxn>
-              <a:cxn ang="0">
-                <a:pos x="connsiteX1" y="connsiteY1"/>
-              </a:cxn>
-              <a:cxn ang="0">
-                <a:pos x="connsiteX2" y="connsiteY2"/>
-              </a:cxn>
-              <a:cxn ang="0">
-                <a:pos x="connsiteX3" y="connsiteY3"/>
-              </a:cxn>
-              <a:cxn ang="0">
-                <a:pos x="connsiteX4" y="connsiteY4"/>
-              </a:cxn>
-              <a:cxn ang="0">
-                <a:pos x="connsiteX5" y="connsiteY5"/>
-              </a:cxn>
-              <a:cxn ang="0">
-                <a:pos x="connsiteX6" y="connsiteY6"/>
-              </a:cxn>
-              <a:cxn ang="0">
-                <a:pos x="connsiteX7" y="connsiteY7"/>
-              </a:cxn>
-            </a:cxnLst>
-            <a:rect l="l" t="t" r="r" b="b"/>
-            <a:pathLst>
-              <a:path w="1548180" h="1022351">
-                <a:moveTo>
-                  <a:pt x="61913" y="0"/>
-                </a:moveTo>
-                <a:lnTo>
-                  <a:pt x="1548180" y="0"/>
-                </a:lnTo>
-                <a:lnTo>
-                  <a:pt x="1548180" y="123825"/>
-                </a:lnTo>
-                <a:lnTo>
-                  <a:pt x="123825" y="123825"/>
-                </a:lnTo>
-                <a:lnTo>
-                  <a:pt x="123825" y="1022351"/>
-                </a:lnTo>
-                <a:lnTo>
-                  <a:pt x="0" y="1022351"/>
-                </a:lnTo>
-                <a:lnTo>
-                  <a:pt x="0" y="61913"/>
-                </a:lnTo>
-                <a:cubicBezTo>
-                  <a:pt x="0" y="27719"/>
-                  <a:pt x="27719" y="0"/>
-                  <a:pt x="61913" y="0"/>
-                </a:cubicBezTo>
-                <a:close/>
-              </a:path>
-            </a:pathLst>
-          </a:custGeom>
-          <a:solidFill>
-            <a:schemeClr val="accent6"/>
-          </a:solidFill>
-          <a:ln w="9525" cap="flat">
-            <a:noFill/>
-            <a:prstDash val="solid"/>
-            <a:miter/>
-          </a:ln>
-        </p:spPr>
-        <p:txBody>
-          <a:bodyPr rtlCol="0" anchor="ctr"/>
-          <a:lstStyle/>
-          <a:p>
-            <a:endParaRPr lang="en-US"/>
-          </a:p>
-        </p:txBody>
-      </p:sp>
-      <p:sp>
-        <p:nvSpPr>
-          <p:cNvPr id="36" name="Freeform: Shape 35">
-            <a:extLst>
-              <a:ext uri="{FF2B5EF4-FFF2-40B4-BE49-F238E27FC236}">
-                <a16:creationId xmlns:a16="http://schemas.microsoft.com/office/drawing/2014/main" id="{D2929CB1-0E3C-4B2D-ADC5-0154FB33BA44}"/>
-              </a:ext>
-              <a:ext uri="{C183D7F6-B498-43B3-948B-1728B52AA6E4}">
-                <adec:decorative xmlns:adec="http://schemas.microsoft.com/office/drawing/2017/decorative" val="1"/>
-              </a:ext>
-            </a:extLst>
-          </p:cNvPr>
-          <p:cNvSpPr>
-            <a:spLocks noGrp="1" noRot="1" noChangeAspect="1" noMove="1" noResize="1" noEditPoints="1" noAdjustHandles="1" noChangeArrowheads="1" noChangeShapeType="1" noTextEdit="1"/>
-          </p:cNvSpPr>
-          <p:nvPr>
-            <p:extLst>
-              <p:ext uri="{386F3935-93C4-4BCD-93E2-E3B085C9AB24}">
-                <p16:designElem xmlns:p16="http://schemas.microsoft.com/office/powerpoint/2015/main" val="1"/>
-              </p:ext>
-            </p:extLst>
-          </p:nvPr>
-        </p:nvSpPr>
-        <p:spPr>
-          <a:xfrm flipH="1">
-            <a:off x="3697761" y="5717906"/>
-            <a:ext cx="1771609" cy="1140095"/>
-          </a:xfrm>
-          <a:custGeom>
-            <a:avLst/>
-            <a:gdLst>
-              <a:gd name="connsiteX0" fmla="*/ 1561721 w 1771609"/>
-              <a:gd name="connsiteY0" fmla="*/ 763041 h 1140095"/>
-              <a:gd name="connsiteX1" fmla="*/ 1623024 w 1771609"/>
-              <a:gd name="connsiteY1" fmla="*/ 792810 h 1140095"/>
-              <a:gd name="connsiteX2" fmla="*/ 1711735 w 1771609"/>
-              <a:gd name="connsiteY2" fmla="*/ 970132 h 1140095"/>
-              <a:gd name="connsiteX3" fmla="*/ 1771609 w 1771609"/>
-              <a:gd name="connsiteY3" fmla="*/ 1140095 h 1140095"/>
-              <a:gd name="connsiteX4" fmla="*/ 1637225 w 1771609"/>
-              <a:gd name="connsiteY4" fmla="*/ 1140095 h 1140095"/>
-              <a:gd name="connsiteX5" fmla="*/ 1594820 w 1771609"/>
-              <a:gd name="connsiteY5" fmla="*/ 1019711 h 1140095"/>
-              <a:gd name="connsiteX6" fmla="*/ 1513200 w 1771609"/>
-              <a:gd name="connsiteY6" fmla="*/ 856627 h 1140095"/>
-              <a:gd name="connsiteX7" fmla="*/ 1538499 w 1771609"/>
-              <a:gd name="connsiteY7" fmla="*/ 770415 h 1140095"/>
-              <a:gd name="connsiteX8" fmla="*/ 1561721 w 1771609"/>
-              <a:gd name="connsiteY8" fmla="*/ 763041 h 1140095"/>
-              <a:gd name="connsiteX9" fmla="*/ 933455 w 1771609"/>
-              <a:gd name="connsiteY9" fmla="*/ 161309 h 1140095"/>
-              <a:gd name="connsiteX10" fmla="*/ 957797 w 1771609"/>
-              <a:gd name="connsiteY10" fmla="*/ 167970 h 1140095"/>
-              <a:gd name="connsiteX11" fmla="*/ 1286982 w 1771609"/>
-              <a:gd name="connsiteY11" fmla="*/ 387616 h 1140095"/>
-              <a:gd name="connsiteX12" fmla="*/ 1293725 w 1771609"/>
-              <a:gd name="connsiteY12" fmla="*/ 477075 h 1140095"/>
-              <a:gd name="connsiteX13" fmla="*/ 1245453 w 1771609"/>
-              <a:gd name="connsiteY13" fmla="*/ 499154 h 1140095"/>
-              <a:gd name="connsiteX14" fmla="*/ 1245167 w 1771609"/>
-              <a:gd name="connsiteY14" fmla="*/ 499154 h 1140095"/>
-              <a:gd name="connsiteX15" fmla="*/ 1203638 w 1771609"/>
-              <a:gd name="connsiteY15" fmla="*/ 484104 h 1140095"/>
-              <a:gd name="connsiteX16" fmla="*/ 900647 w 1771609"/>
-              <a:gd name="connsiteY16" fmla="*/ 281508 h 1140095"/>
-              <a:gd name="connsiteX17" fmla="*/ 872454 w 1771609"/>
-              <a:gd name="connsiteY17" fmla="*/ 196164 h 1140095"/>
-              <a:gd name="connsiteX18" fmla="*/ 933455 w 1771609"/>
-              <a:gd name="connsiteY18" fmla="*/ 161309 h 1140095"/>
-              <a:gd name="connsiteX19" fmla="*/ 256260 w 1771609"/>
-              <a:gd name="connsiteY19" fmla="*/ 29 h 1140095"/>
-              <a:gd name="connsiteX20" fmla="*/ 454020 w 1771609"/>
-              <a:gd name="connsiteY20" fmla="*/ 13474 h 1140095"/>
-              <a:gd name="connsiteX21" fmla="*/ 509236 w 1771609"/>
-              <a:gd name="connsiteY21" fmla="*/ 84182 h 1140095"/>
-              <a:gd name="connsiteX22" fmla="*/ 445829 w 1771609"/>
-              <a:gd name="connsiteY22" fmla="*/ 139871 h 1140095"/>
-              <a:gd name="connsiteX23" fmla="*/ 437447 w 1771609"/>
-              <a:gd name="connsiteY23" fmla="*/ 139395 h 1140095"/>
-              <a:gd name="connsiteX24" fmla="*/ 73211 w 1771609"/>
-              <a:gd name="connsiteY24" fmla="*/ 137204 h 1140095"/>
-              <a:gd name="connsiteX25" fmla="*/ 749 w 1771609"/>
-              <a:gd name="connsiteY25" fmla="*/ 84082 h 1140095"/>
-              <a:gd name="connsiteX26" fmla="*/ 53871 w 1771609"/>
-              <a:gd name="connsiteY26" fmla="*/ 11621 h 1140095"/>
-              <a:gd name="connsiteX27" fmla="*/ 58352 w 1771609"/>
-              <a:gd name="connsiteY27" fmla="*/ 11093 h 1140095"/>
-              <a:gd name="connsiteX28" fmla="*/ 256260 w 1771609"/>
-              <a:gd name="connsiteY28" fmla="*/ 29 h 1140095"/>
-            </a:gdLst>
-            <a:ahLst/>
-            <a:cxnLst>
-              <a:cxn ang="0">
-                <a:pos x="connsiteX0" y="connsiteY0"/>
-              </a:cxn>
-              <a:cxn ang="0">
-                <a:pos x="connsiteX1" y="connsiteY1"/>
-              </a:cxn>
-              <a:cxn ang="0">
-                <a:pos x="connsiteX2" y="connsiteY2"/>
-              </a:cxn>
-              <a:cxn ang="0">
-                <a:pos x="connsiteX3" y="connsiteY3"/>
-              </a:cxn>
-              <a:cxn ang="0">
-                <a:pos x="connsiteX4" y="connsiteY4"/>
-              </a:cxn>
-              <a:cxn ang="0">
-                <a:pos x="connsiteX5" y="connsiteY5"/>
-              </a:cxn>
-              <a:cxn ang="0">
-                <a:pos x="connsiteX6" y="connsiteY6"/>
-              </a:cxn>
-              <a:cxn ang="0">
-                <a:pos x="connsiteX7" y="connsiteY7"/>
-              </a:cxn>
-              <a:cxn ang="0">
-                <a:pos x="connsiteX8" y="connsiteY8"/>
-              </a:cxn>
-              <a:cxn ang="0">
-                <a:pos x="connsiteX9" y="connsiteY9"/>
-              </a:cxn>
-              <a:cxn ang="0">
-                <a:pos x="connsiteX10" y="connsiteY10"/>
-              </a:cxn>
-              <a:cxn ang="0">
-                <a:pos x="connsiteX11" y="connsiteY11"/>
-              </a:cxn>
-              <a:cxn ang="0">
-                <a:pos x="connsiteX12" y="connsiteY12"/>
-              </a:cxn>
-              <a:cxn ang="0">
-                <a:pos x="connsiteX13" y="connsiteY13"/>
-              </a:cxn>
-              <a:cxn ang="0">
-                <a:pos x="connsiteX14" y="connsiteY14"/>
-              </a:cxn>
-              <a:cxn ang="0">
-                <a:pos x="connsiteX15" y="connsiteY15"/>
-              </a:cxn>
-              <a:cxn ang="0">
-                <a:pos x="connsiteX16" y="connsiteY16"/>
-              </a:cxn>
-              <a:cxn ang="0">
-                <a:pos x="connsiteX17" y="connsiteY17"/>
-              </a:cxn>
-              <a:cxn ang="0">
-                <a:pos x="connsiteX18" y="connsiteY18"/>
-              </a:cxn>
-              <a:cxn ang="0">
-                <a:pos x="connsiteX19" y="connsiteY19"/>
-              </a:cxn>
-              <a:cxn ang="0">
-                <a:pos x="connsiteX20" y="connsiteY20"/>
-              </a:cxn>
-              <a:cxn ang="0">
-                <a:pos x="connsiteX21" y="connsiteY21"/>
-              </a:cxn>
-              <a:cxn ang="0">
-                <a:pos x="connsiteX22" y="connsiteY22"/>
-              </a:cxn>
-              <a:cxn ang="0">
-                <a:pos x="connsiteX23" y="connsiteY23"/>
-              </a:cxn>
-              <a:cxn ang="0">
-                <a:pos x="connsiteX24" y="connsiteY24"/>
-              </a:cxn>
-              <a:cxn ang="0">
-                <a:pos x="connsiteX25" y="connsiteY25"/>
-              </a:cxn>
-              <a:cxn ang="0">
-                <a:pos x="connsiteX26" y="connsiteY26"/>
-              </a:cxn>
-              <a:cxn ang="0">
-                <a:pos x="connsiteX27" y="connsiteY27"/>
-              </a:cxn>
-              <a:cxn ang="0">
-                <a:pos x="connsiteX28" y="connsiteY28"/>
-              </a:cxn>
-            </a:cxnLst>
-            <a:rect l="l" t="t" r="r" b="b"/>
-            <a:pathLst>
-              <a:path w="1771609" h="1140095">
-                <a:moveTo>
-                  <a:pt x="1561721" y="763041"/>
-                </a:moveTo>
-                <a:cubicBezTo>
-                  <a:pt x="1585506" y="760324"/>
-                  <a:pt x="1609722" y="771249"/>
-                  <a:pt x="1623024" y="792810"/>
-                </a:cubicBezTo>
-                <a:cubicBezTo>
-                  <a:pt x="1656300" y="850065"/>
-                  <a:pt x="1685920" y="909291"/>
-                  <a:pt x="1711735" y="970132"/>
-                </a:cubicBezTo>
-                <a:lnTo>
-                  <a:pt x="1771609" y="1140095"/>
-                </a:lnTo>
-                <a:lnTo>
-                  <a:pt x="1637225" y="1140095"/>
-                </a:lnTo>
-                <a:lnTo>
-                  <a:pt x="1594820" y="1019711"/>
-                </a:lnTo>
-                <a:cubicBezTo>
-                  <a:pt x="1571072" y="963753"/>
-                  <a:pt x="1543818" y="909282"/>
-                  <a:pt x="1513200" y="856627"/>
-                </a:cubicBezTo>
-                <a:cubicBezTo>
-                  <a:pt x="1496379" y="825834"/>
-                  <a:pt x="1507704" y="787236"/>
-                  <a:pt x="1538499" y="770415"/>
-                </a:cubicBezTo>
-                <a:cubicBezTo>
-                  <a:pt x="1545912" y="766367"/>
-                  <a:pt x="1553792" y="763946"/>
-                  <a:pt x="1561721" y="763041"/>
-                </a:cubicBezTo>
-                <a:close/>
-                <a:moveTo>
-                  <a:pt x="933455" y="161309"/>
-                </a:moveTo>
-                <a:cubicBezTo>
-                  <a:pt x="941693" y="161855"/>
-                  <a:pt x="949959" y="164025"/>
-                  <a:pt x="957797" y="167970"/>
-                </a:cubicBezTo>
-                <a:cubicBezTo>
-                  <a:pt x="1076184" y="227289"/>
-                  <a:pt x="1186759" y="301068"/>
-                  <a:pt x="1286982" y="387616"/>
-                </a:cubicBezTo>
-                <a:cubicBezTo>
-                  <a:pt x="1313547" y="410457"/>
-                  <a:pt x="1316566" y="450510"/>
-                  <a:pt x="1293725" y="477075"/>
-                </a:cubicBezTo>
-                <a:cubicBezTo>
-                  <a:pt x="1281638" y="491137"/>
-                  <a:pt x="1263998" y="499204"/>
-                  <a:pt x="1245453" y="499154"/>
-                </a:cubicBezTo>
-                <a:lnTo>
-                  <a:pt x="1245167" y="499154"/>
-                </a:lnTo>
-                <a:cubicBezTo>
-                  <a:pt x="1229965" y="499301"/>
-                  <a:pt x="1215220" y="493956"/>
-                  <a:pt x="1203638" y="484104"/>
-                </a:cubicBezTo>
-                <a:cubicBezTo>
-                  <a:pt x="1111407" y="404300"/>
-                  <a:pt x="1009633" y="336248"/>
-                  <a:pt x="900647" y="281508"/>
-                </a:cubicBezTo>
-                <a:cubicBezTo>
-                  <a:pt x="869295" y="265726"/>
-                  <a:pt x="856672" y="227516"/>
-                  <a:pt x="872454" y="196164"/>
-                </a:cubicBezTo>
-                <a:cubicBezTo>
-                  <a:pt x="884290" y="172650"/>
-                  <a:pt x="908742" y="159670"/>
-                  <a:pt x="933455" y="161309"/>
-                </a:cubicBezTo>
-                <a:close/>
-                <a:moveTo>
-                  <a:pt x="256260" y="29"/>
-                </a:moveTo>
-                <a:cubicBezTo>
-                  <a:pt x="322331" y="427"/>
-                  <a:pt x="388378" y="4909"/>
-                  <a:pt x="454020" y="13474"/>
-                </a:cubicBezTo>
-                <a:cubicBezTo>
-                  <a:pt x="488793" y="17752"/>
-                  <a:pt x="513514" y="49409"/>
-                  <a:pt x="509236" y="84182"/>
-                </a:cubicBezTo>
-                <a:cubicBezTo>
-                  <a:pt x="505303" y="116151"/>
-                  <a:pt x="478038" y="140098"/>
-                  <a:pt x="445829" y="139871"/>
-                </a:cubicBezTo>
-                <a:cubicBezTo>
-                  <a:pt x="443027" y="139899"/>
-                  <a:pt x="440227" y="139740"/>
-                  <a:pt x="437447" y="139395"/>
-                </a:cubicBezTo>
-                <a:cubicBezTo>
-                  <a:pt x="316592" y="123615"/>
-                  <a:pt x="194247" y="122878"/>
-                  <a:pt x="73211" y="137204"/>
-                </a:cubicBezTo>
-                <a:cubicBezTo>
-                  <a:pt x="38532" y="142545"/>
-                  <a:pt x="6090" y="118762"/>
-                  <a:pt x="749" y="84082"/>
-                </a:cubicBezTo>
-                <a:cubicBezTo>
-                  <a:pt x="-4591" y="49403"/>
-                  <a:pt x="19192" y="16961"/>
-                  <a:pt x="53871" y="11621"/>
-                </a:cubicBezTo>
-                <a:cubicBezTo>
-                  <a:pt x="55358" y="11392"/>
-                  <a:pt x="56852" y="11216"/>
-                  <a:pt x="58352" y="11093"/>
-                </a:cubicBezTo>
-                <a:cubicBezTo>
-                  <a:pt x="124093" y="3319"/>
-                  <a:pt x="190189" y="-369"/>
-                  <a:pt x="256260" y="29"/>
-                </a:cubicBezTo>
-                <a:close/>
-              </a:path>
-            </a:pathLst>
-          </a:custGeom>
-          <a:solidFill>
-            <a:schemeClr val="accent4"/>
-          </a:solidFill>
-          <a:ln w="9525" cap="flat">
-            <a:noFill/>
-            <a:prstDash val="solid"/>
-            <a:miter/>
-          </a:ln>
-        </p:spPr>
-        <p:txBody>
-          <a:bodyPr rtlCol="0" anchor="ctr"/>
-          <a:lstStyle/>
-          <a:p>
-            <a:endParaRPr lang="en-US"/>
-          </a:p>
-        </p:txBody>
-      </p:sp>
-      <p:pic>
-        <p:nvPicPr>
-          <p:cNvPr id="3" name="תמונה 3" descr="תמונה שמכילה אדם, לובש, משקפיים, משקפי מגן&#10;&#10;התיאור נוצר באופן אוטומטי">
-            <a:extLst>
-              <a:ext uri="{FF2B5EF4-FFF2-40B4-BE49-F238E27FC236}">
-                <a16:creationId xmlns:a16="http://schemas.microsoft.com/office/drawing/2014/main" id="{8D7A1F5F-1B55-E630-2760-4278BBE79714}"/>
-              </a:ext>
-            </a:extLst>
-          </p:cNvPr>
-          <p:cNvPicPr>
-            <a:picLocks noChangeAspect="1"/>
-          </p:cNvPicPr>
-          <p:nvPr/>
-        </p:nvPicPr>
-        <p:blipFill rotWithShape="1">
-          <a:blip r:embed="rId2"/>
-          <a:srcRect t="9429" r="3" b="700"/>
-          <a:stretch/>
-        </p:blipFill>
-        <p:spPr>
-          <a:xfrm>
-            <a:off x="590087" y="661350"/>
-            <a:ext cx="5178249" cy="5178249"/>
-          </a:xfrm>
-          <a:custGeom>
-            <a:avLst/>
-            <a:gdLst/>
-            <a:ahLst/>
-            <a:cxnLst/>
-            <a:rect l="l" t="t" r="r" b="b"/>
-            <a:pathLst>
-              <a:path w="3741748" h="3741748">
-                <a:moveTo>
-                  <a:pt x="1870874" y="0"/>
-                </a:moveTo>
-                <a:cubicBezTo>
-                  <a:pt x="2904129" y="0"/>
-                  <a:pt x="3741748" y="837619"/>
-                  <a:pt x="3741748" y="1870874"/>
-                </a:cubicBezTo>
-                <a:cubicBezTo>
-                  <a:pt x="3741748" y="2904129"/>
-                  <a:pt x="2904129" y="3741748"/>
-                  <a:pt x="1870874" y="3741748"/>
-                </a:cubicBezTo>
-                <a:cubicBezTo>
-                  <a:pt x="837619" y="3741748"/>
-                  <a:pt x="0" y="2904129"/>
-                  <a:pt x="0" y="1870874"/>
-                </a:cubicBezTo>
-                <a:cubicBezTo>
-                  <a:pt x="0" y="837619"/>
-                  <a:pt x="837619" y="0"/>
-                  <a:pt x="1870874" y="0"/>
-                </a:cubicBezTo>
-                <a:close/>
-              </a:path>
-            </a:pathLst>
-          </a:custGeom>
-        </p:spPr>
-      </p:pic>
-      <p:sp>
-        <p:nvSpPr>
-          <p:cNvPr id="38" name="Freeform: Shape 37">
-            <a:extLst>
-              <a:ext uri="{FF2B5EF4-FFF2-40B4-BE49-F238E27FC236}">
-                <a16:creationId xmlns:a16="http://schemas.microsoft.com/office/drawing/2014/main" id="{5F2F0C84-BE8C-4DC2-A6D3-30349A801D5C}"/>
-              </a:ext>
-              <a:ext uri="{C183D7F6-B498-43B3-948B-1728B52AA6E4}">
-                <adec:decorative xmlns:adec="http://schemas.microsoft.com/office/drawing/2017/decorative" val="1"/>
-              </a:ext>
-            </a:extLst>
-          </p:cNvPr>
-          <p:cNvSpPr>
-            <a:spLocks noGrp="1" noRot="1" noChangeAspect="1" noMove="1" noResize="1" noEditPoints="1" noAdjustHandles="1" noChangeArrowheads="1" noChangeShapeType="1" noTextEdit="1"/>
-          </p:cNvSpPr>
-          <p:nvPr>
-            <p:extLst>
-              <p:ext uri="{386F3935-93C4-4BCD-93E2-E3B085C9AB24}">
-                <p16:designElem xmlns:p16="http://schemas.microsoft.com/office/powerpoint/2015/main" val="1"/>
-              </p:ext>
-            </p:extLst>
-          </p:nvPr>
-        </p:nvSpPr>
-        <p:spPr>
-          <a:xfrm flipH="1">
-            <a:off x="4520513" y="6258756"/>
-            <a:ext cx="1565940" cy="599245"/>
-          </a:xfrm>
-          <a:custGeom>
-            <a:avLst/>
-            <a:gdLst>
-              <a:gd name="connsiteX0" fmla="*/ 782970 w 1565940"/>
-              <a:gd name="connsiteY0" fmla="*/ 0 h 599245"/>
-              <a:gd name="connsiteX1" fmla="*/ 1528042 w 1565940"/>
-              <a:gd name="connsiteY1" fmla="*/ 480469 h 599245"/>
-              <a:gd name="connsiteX2" fmla="*/ 1565940 w 1565940"/>
-              <a:gd name="connsiteY2" fmla="*/ 599245 h 599245"/>
-              <a:gd name="connsiteX3" fmla="*/ 0 w 1565940"/>
-              <a:gd name="connsiteY3" fmla="*/ 599245 h 599245"/>
-              <a:gd name="connsiteX4" fmla="*/ 37898 w 1565940"/>
-              <a:gd name="connsiteY4" fmla="*/ 480469 h 599245"/>
-              <a:gd name="connsiteX5" fmla="*/ 782970 w 1565940"/>
-              <a:gd name="connsiteY5" fmla="*/ 0 h 599245"/>
-            </a:gdLst>
-            <a:ahLst/>
-            <a:cxnLst>
-              <a:cxn ang="0">
-                <a:pos x="connsiteX0" y="connsiteY0"/>
-              </a:cxn>
-              <a:cxn ang="0">
-                <a:pos x="connsiteX1" y="connsiteY1"/>
-              </a:cxn>
-              <a:cxn ang="0">
-                <a:pos x="connsiteX2" y="connsiteY2"/>
-              </a:cxn>
-              <a:cxn ang="0">
-                <a:pos x="connsiteX3" y="connsiteY3"/>
-              </a:cxn>
-              <a:cxn ang="0">
-                <a:pos x="connsiteX4" y="connsiteY4"/>
-              </a:cxn>
-              <a:cxn ang="0">
-                <a:pos x="connsiteX5" y="connsiteY5"/>
-              </a:cxn>
-            </a:cxnLst>
-            <a:rect l="l" t="t" r="r" b="b"/>
-            <a:pathLst>
-              <a:path w="1565940" h="599245">
-                <a:moveTo>
-                  <a:pt x="782970" y="0"/>
-                </a:moveTo>
-                <a:cubicBezTo>
-                  <a:pt x="1117910" y="0"/>
-                  <a:pt x="1405287" y="198118"/>
-                  <a:pt x="1528042" y="480469"/>
-                </a:cubicBezTo>
-                <a:lnTo>
-                  <a:pt x="1565940" y="599245"/>
-                </a:lnTo>
-                <a:lnTo>
-                  <a:pt x="0" y="599245"/>
-                </a:lnTo>
-                <a:lnTo>
-                  <a:pt x="37898" y="480469"/>
-                </a:lnTo>
-                <a:cubicBezTo>
-                  <a:pt x="160653" y="198118"/>
-                  <a:pt x="448030" y="0"/>
-                  <a:pt x="782970" y="0"/>
-                </a:cubicBezTo>
-                <a:close/>
-              </a:path>
-            </a:pathLst>
-          </a:custGeom>
-          <a:solidFill>
-            <a:schemeClr val="accent2"/>
-          </a:solidFill>
-          <a:ln>
-            <a:noFill/>
-          </a:ln>
-        </p:spPr>
-        <p:style>
-          <a:lnRef idx="2">
-            <a:schemeClr val="accent1">
-              <a:shade val="50000"/>
-            </a:schemeClr>
-          </a:lnRef>
-          <a:fillRef idx="1">
-            <a:schemeClr val="accent1"/>
-          </a:fillRef>
-          <a:effectRef idx="0">
-            <a:schemeClr val="accent1"/>
-          </a:effectRef>
-          <a:fontRef idx="minor">
-            <a:schemeClr val="lt1"/>
-          </a:fontRef>
-        </p:style>
-        <p:txBody>
-          <a:bodyPr wrap="square" rtlCol="0" anchor="ctr">
-            <a:noAutofit/>
-          </a:bodyPr>
-          <a:lstStyle/>
-          <a:p>
-            <a:pPr algn="ctr"/>
-            <a:endParaRPr lang="en-US"/>
+            <a:endParaRPr lang="en-GB" sz="6600" b="1" dirty="0"/>
           </a:p>
         </p:txBody>
       </p:sp>
@@ -5179,14 +4520,6 @@
 <file path=ppt/slides/slide2.xml><?xml version="1.0" encoding="utf-8"?>
 <p:sld xmlns:a="http://schemas.openxmlformats.org/drawingml/2006/main" xmlns:r="http://schemas.openxmlformats.org/officeDocument/2006/relationships" xmlns:p="http://schemas.openxmlformats.org/presentationml/2006/main">
   <p:cSld>
-    <p:bg>
-      <p:bgPr>
-        <a:solidFill>
-          <a:schemeClr val="bg1"/>
-        </a:solidFill>
-        <a:effectLst/>
-      </p:bgPr>
-    </p:bg>
     <p:spTree>
       <p:nvGrpSpPr>
         <p:cNvPr id="1" name=""/>
@@ -5201,200 +4534,6 @@
           <a:chExt cx="0" cy="0"/>
         </a:xfrm>
       </p:grpSpPr>
-      <p:sp useBgFill="1">
-        <p:nvSpPr>
-          <p:cNvPr id="9" name="Rectangle 8">
-            <a:extLst>
-              <a:ext uri="{FF2B5EF4-FFF2-40B4-BE49-F238E27FC236}">
-                <a16:creationId xmlns:a16="http://schemas.microsoft.com/office/drawing/2014/main" id="{907EF6B7-1338-4443-8C46-6A318D952DFD}"/>
-              </a:ext>
-              <a:ext uri="{C183D7F6-B498-43B3-948B-1728B52AA6E4}">
-                <adec:decorative xmlns:adec="http://schemas.microsoft.com/office/drawing/2017/decorative" val="1"/>
-              </a:ext>
-            </a:extLst>
-          </p:cNvPr>
-          <p:cNvSpPr>
-            <a:spLocks noGrp="1" noRot="1" noChangeAspect="1" noMove="1" noResize="1" noEditPoints="1" noAdjustHandles="1" noChangeArrowheads="1" noChangeShapeType="1" noTextEdit="1"/>
-          </p:cNvSpPr>
-          <p:nvPr>
-            <p:extLst>
-              <p:ext uri="{386F3935-93C4-4BCD-93E2-E3B085C9AB24}">
-                <p16:designElem xmlns:p16="http://schemas.microsoft.com/office/powerpoint/2015/main" val="1"/>
-              </p:ext>
-            </p:extLst>
-          </p:nvPr>
-        </p:nvSpPr>
-        <p:spPr>
-          <a:xfrm>
-            <a:off x="3048" y="0"/>
-            <a:ext cx="12188952" cy="6858000"/>
-          </a:xfrm>
-          <a:prstGeom prst="rect">
-            <a:avLst/>
-          </a:prstGeom>
-          <a:ln>
-            <a:noFill/>
-          </a:ln>
-        </p:spPr>
-        <p:style>
-          <a:lnRef idx="2">
-            <a:schemeClr val="accent1">
-              <a:shade val="50000"/>
-            </a:schemeClr>
-          </a:lnRef>
-          <a:fillRef idx="1">
-            <a:schemeClr val="accent1"/>
-          </a:fillRef>
-          <a:effectRef idx="0">
-            <a:schemeClr val="accent1"/>
-          </a:effectRef>
-          <a:fontRef idx="minor">
-            <a:schemeClr val="lt1"/>
-          </a:fontRef>
-        </p:style>
-        <p:txBody>
-          <a:bodyPr rtlCol="0" anchor="ctr"/>
-          <a:lstStyle/>
-          <a:p>
-            <a:pPr algn="ctr"/>
-            <a:endParaRPr lang="en-US"/>
-          </a:p>
-        </p:txBody>
-      </p:sp>
-      <p:sp>
-        <p:nvSpPr>
-          <p:cNvPr id="11" name="Freeform: Shape 10">
-            <a:extLst>
-              <a:ext uri="{FF2B5EF4-FFF2-40B4-BE49-F238E27FC236}">
-                <a16:creationId xmlns:a16="http://schemas.microsoft.com/office/drawing/2014/main" id="{DAAE4CDD-124C-4DCF-9584-B6033B545DD5}"/>
-              </a:ext>
-              <a:ext uri="{C183D7F6-B498-43B3-948B-1728B52AA6E4}">
-                <adec:decorative xmlns:adec="http://schemas.microsoft.com/office/drawing/2017/decorative" val="1"/>
-              </a:ext>
-            </a:extLst>
-          </p:cNvPr>
-          <p:cNvSpPr>
-            <a:spLocks noGrp="1" noRot="1" noChangeAspect="1" noMove="1" noResize="1" noEditPoints="1" noAdjustHandles="1" noChangeArrowheads="1" noChangeShapeType="1" noTextEdit="1"/>
-          </p:cNvSpPr>
-          <p:nvPr>
-            <p:extLst>
-              <p:ext uri="{386F3935-93C4-4BCD-93E2-E3B085C9AB24}">
-                <p16:designElem xmlns:p16="http://schemas.microsoft.com/office/powerpoint/2015/main" val="1"/>
-              </p:ext>
-            </p:extLst>
-          </p:nvPr>
-        </p:nvSpPr>
-        <p:spPr>
-          <a:xfrm>
-            <a:off x="1" y="0"/>
-            <a:ext cx="4167271" cy="6858000"/>
-          </a:xfrm>
-          <a:custGeom>
-            <a:avLst/>
-            <a:gdLst>
-              <a:gd name="connsiteX0" fmla="*/ 0 w 4167271"/>
-              <a:gd name="connsiteY0" fmla="*/ 0 h 6858000"/>
-              <a:gd name="connsiteX1" fmla="*/ 2259550 w 4167271"/>
-              <a:gd name="connsiteY1" fmla="*/ 0 h 6858000"/>
-              <a:gd name="connsiteX2" fmla="*/ 2387803 w 4167271"/>
-              <a:gd name="connsiteY2" fmla="*/ 82222 h 6858000"/>
-              <a:gd name="connsiteX3" fmla="*/ 4167271 w 4167271"/>
-              <a:gd name="connsiteY3" fmla="*/ 3429000 h 6858000"/>
-              <a:gd name="connsiteX4" fmla="*/ 2387803 w 4167271"/>
-              <a:gd name="connsiteY4" fmla="*/ 6775779 h 6858000"/>
-              <a:gd name="connsiteX5" fmla="*/ 2259550 w 4167271"/>
-              <a:gd name="connsiteY5" fmla="*/ 6858000 h 6858000"/>
-              <a:gd name="connsiteX6" fmla="*/ 0 w 4167271"/>
-              <a:gd name="connsiteY6" fmla="*/ 6858000 h 6858000"/>
-            </a:gdLst>
-            <a:ahLst/>
-            <a:cxnLst>
-              <a:cxn ang="0">
-                <a:pos x="connsiteX0" y="connsiteY0"/>
-              </a:cxn>
-              <a:cxn ang="0">
-                <a:pos x="connsiteX1" y="connsiteY1"/>
-              </a:cxn>
-              <a:cxn ang="0">
-                <a:pos x="connsiteX2" y="connsiteY2"/>
-              </a:cxn>
-              <a:cxn ang="0">
-                <a:pos x="connsiteX3" y="connsiteY3"/>
-              </a:cxn>
-              <a:cxn ang="0">
-                <a:pos x="connsiteX4" y="connsiteY4"/>
-              </a:cxn>
-              <a:cxn ang="0">
-                <a:pos x="connsiteX5" y="connsiteY5"/>
-              </a:cxn>
-              <a:cxn ang="0">
-                <a:pos x="connsiteX6" y="connsiteY6"/>
-              </a:cxn>
-            </a:cxnLst>
-            <a:rect l="l" t="t" r="r" b="b"/>
-            <a:pathLst>
-              <a:path w="4167271" h="6858000">
-                <a:moveTo>
-                  <a:pt x="0" y="0"/>
-                </a:moveTo>
-                <a:lnTo>
-                  <a:pt x="2259550" y="0"/>
-                </a:lnTo>
-                <a:lnTo>
-                  <a:pt x="2387803" y="82222"/>
-                </a:lnTo>
-                <a:cubicBezTo>
-                  <a:pt x="3461407" y="807534"/>
-                  <a:pt x="4167271" y="2035835"/>
-                  <a:pt x="4167271" y="3429000"/>
-                </a:cubicBezTo>
-                <a:cubicBezTo>
-                  <a:pt x="4167271" y="4822165"/>
-                  <a:pt x="3461407" y="6050467"/>
-                  <a:pt x="2387803" y="6775779"/>
-                </a:cubicBezTo>
-                <a:lnTo>
-                  <a:pt x="2259550" y="6858000"/>
-                </a:lnTo>
-                <a:lnTo>
-                  <a:pt x="0" y="6858000"/>
-                </a:lnTo>
-                <a:close/>
-              </a:path>
-            </a:pathLst>
-          </a:custGeom>
-          <a:solidFill>
-            <a:schemeClr val="accent2"/>
-          </a:solidFill>
-          <a:ln>
-            <a:noFill/>
-          </a:ln>
-        </p:spPr>
-        <p:style>
-          <a:lnRef idx="2">
-            <a:schemeClr val="accent1">
-              <a:shade val="50000"/>
-            </a:schemeClr>
-          </a:lnRef>
-          <a:fillRef idx="1">
-            <a:schemeClr val="accent1"/>
-          </a:fillRef>
-          <a:effectRef idx="0">
-            <a:schemeClr val="accent1"/>
-          </a:effectRef>
-          <a:fontRef idx="minor">
-            <a:schemeClr val="lt1"/>
-          </a:fontRef>
-        </p:style>
-        <p:txBody>
-          <a:bodyPr rtlCol="0" anchor="ctr"/>
-          <a:lstStyle/>
-          <a:p>
-            <a:pPr algn="ctr"/>
-            <a:endParaRPr lang="en-US"/>
-          </a:p>
-        </p:txBody>
-      </p:sp>
       <p:sp>
         <p:nvSpPr>
           <p:cNvPr id="2" name="Title 1">
@@ -5411,25 +4550,19 @@
             <p:ph type="title"/>
           </p:nvPr>
         </p:nvSpPr>
-        <p:spPr>
-          <a:xfrm>
-            <a:off x="686834" y="1153572"/>
-            <a:ext cx="3200400" cy="4461163"/>
-          </a:xfrm>
-        </p:spPr>
-        <p:txBody>
-          <a:bodyPr>
-            <a:normAutofit/>
-          </a:bodyPr>
-          <a:lstStyle/>
-          <a:p>
-            <a:r>
-              <a:rPr kumimoji="0" lang="en-US" b="1" i="0" u="none" strike="noStrike" kern="1200" cap="none" spc="0" normalizeH="0" baseline="0" noProof="0">
+        <p:spPr/>
+        <p:txBody>
+          <a:bodyPr/>
+          <a:lstStyle/>
+          <a:p>
+            <a:pPr algn="l"/>
+            <a:r>
+              <a:rPr kumimoji="0" lang="en-US" sz="4400" b="1" i="0" u="none" strike="noStrike" kern="1200" cap="none" spc="0" normalizeH="0" baseline="0" noProof="0" dirty="0">
                 <a:ln>
                   <a:noFill/>
                 </a:ln>
                 <a:solidFill>
-                  <a:srgbClr val="FFFFFF"/>
+                  <a:prstClr val="black"/>
                 </a:solidFill>
                 <a:effectLst/>
                 <a:uLnTx/>
@@ -5444,67 +4577,6 @@
       </p:sp>
       <p:sp>
         <p:nvSpPr>
-          <p:cNvPr id="13" name="Arc 12">
-            <a:extLst>
-              <a:ext uri="{FF2B5EF4-FFF2-40B4-BE49-F238E27FC236}">
-                <a16:creationId xmlns:a16="http://schemas.microsoft.com/office/drawing/2014/main" id="{081E4A58-353D-44AE-B2FC-2A74E2E400F7}"/>
-              </a:ext>
-              <a:ext uri="{C183D7F6-B498-43B3-948B-1728B52AA6E4}">
-                <adec:decorative xmlns:adec="http://schemas.microsoft.com/office/drawing/2017/decorative" val="1"/>
-              </a:ext>
-            </a:extLst>
-          </p:cNvPr>
-          <p:cNvSpPr>
-            <a:spLocks noGrp="1" noRot="1" noChangeAspect="1" noMove="1" noResize="1" noEditPoints="1" noAdjustHandles="1" noChangeArrowheads="1" noChangeShapeType="1" noTextEdit="1"/>
-          </p:cNvSpPr>
-          <p:nvPr>
-            <p:extLst>
-              <p:ext uri="{386F3935-93C4-4BCD-93E2-E3B085C9AB24}">
-                <p16:designElem xmlns:p16="http://schemas.microsoft.com/office/powerpoint/2015/main" val="1"/>
-              </p:ext>
-            </p:extLst>
-          </p:nvPr>
-        </p:nvSpPr>
-        <p:spPr>
-          <a:xfrm flipV="1">
-            <a:off x="7550402" y="2455479"/>
-            <a:ext cx="4083433" cy="4083433"/>
-          </a:xfrm>
-          <a:prstGeom prst="arc">
-            <a:avLst/>
-          </a:prstGeom>
-          <a:ln w="127000" cap="rnd">
-            <a:solidFill>
-              <a:schemeClr val="accent4"/>
-            </a:solidFill>
-            <a:prstDash val="dash"/>
-          </a:ln>
-        </p:spPr>
-        <p:style>
-          <a:lnRef idx="1">
-            <a:schemeClr val="accent1"/>
-          </a:lnRef>
-          <a:fillRef idx="0">
-            <a:schemeClr val="accent1"/>
-          </a:fillRef>
-          <a:effectRef idx="0">
-            <a:schemeClr val="accent1"/>
-          </a:effectRef>
-          <a:fontRef idx="minor">
-            <a:schemeClr val="tx1"/>
-          </a:fontRef>
-        </p:style>
-        <p:txBody>
-          <a:bodyPr rtlCol="0" anchor="ctr"/>
-          <a:lstStyle/>
-          <a:p>
-            <a:pPr algn="ctr"/>
-            <a:endParaRPr lang="en-US"/>
-          </a:p>
-        </p:txBody>
-      </p:sp>
-      <p:sp>
-        <p:nvSpPr>
           <p:cNvPr id="4" name="Content Placeholder 2">
             <a:extLst>
               <a:ext uri="{FF2B5EF4-FFF2-40B4-BE49-F238E27FC236}">
@@ -5521,17 +4593,20 @@
         </p:nvSpPr>
         <p:spPr>
           <a:xfrm>
-            <a:off x="4447308" y="591344"/>
-            <a:ext cx="6906491" cy="5585619"/>
+            <a:off x="838200" y="1825625"/>
+            <a:ext cx="10115550" cy="4664488"/>
           </a:xfrm>
         </p:spPr>
         <p:txBody>
-          <a:bodyPr vert="horz" lIns="91440" tIns="45720" rIns="91440" bIns="45720" rtlCol="0" anchor="ctr">
+          <a:bodyPr vert="horz" lIns="91440" tIns="45720" rIns="91440" bIns="45720" rtlCol="0" anchor="t">
             <a:normAutofit/>
           </a:bodyPr>
           <a:lstStyle/>
           <a:p>
-            <a:pPr marL="228600" marR="0" lvl="0" indent="-228600" defTabSz="914400" rtl="0" eaLnBrk="1" fontAlgn="auto" latinLnBrk="0" hangingPunct="1">
+            <a:pPr marL="228600" marR="0" lvl="0" indent="-228600" algn="l" defTabSz="914400" rtl="0" eaLnBrk="1" fontAlgn="auto" latinLnBrk="0" hangingPunct="1">
+              <a:lnSpc>
+                <a:spcPct val="90000"/>
+              </a:lnSpc>
               <a:spcBef>
                 <a:spcPts val="1000"/>
               </a:spcBef>
@@ -5550,6 +4625,9 @@
                 <a:ln>
                   <a:noFill/>
                 </a:ln>
+                <a:solidFill>
+                  <a:prstClr val="black"/>
+                </a:solidFill>
                 <a:effectLst/>
                 <a:uLnTx/>
                 <a:uFillTx/>
@@ -5560,7 +4638,10 @@
             </a:r>
           </a:p>
           <a:p>
-            <a:pPr marL="228600" marR="0" lvl="0" indent="-228600" defTabSz="914400" rtl="0" eaLnBrk="1" fontAlgn="auto" latinLnBrk="0" hangingPunct="1">
+            <a:pPr marL="228600" marR="0" lvl="0" indent="-228600" algn="l" defTabSz="914400" rtl="0" eaLnBrk="1" fontAlgn="auto" latinLnBrk="0" hangingPunct="1">
+              <a:lnSpc>
+                <a:spcPct val="90000"/>
+              </a:lnSpc>
               <a:spcBef>
                 <a:spcPts val="1000"/>
               </a:spcBef>
@@ -5579,6 +4660,9 @@
                 <a:ln>
                   <a:noFill/>
                 </a:ln>
+                <a:solidFill>
+                  <a:prstClr val="black"/>
+                </a:solidFill>
                 <a:effectLst/>
                 <a:uLnTx/>
                 <a:uFillTx/>
@@ -5589,7 +4673,10 @@
             </a:r>
           </a:p>
           <a:p>
-            <a:pPr marL="228600" marR="0" lvl="0" indent="-228600" defTabSz="914400" rtl="0" eaLnBrk="1" fontAlgn="auto" latinLnBrk="0" hangingPunct="1">
+            <a:pPr marL="228600" marR="0" lvl="0" indent="-228600" algn="l" defTabSz="914400" rtl="0" eaLnBrk="1" fontAlgn="auto" latinLnBrk="0" hangingPunct="1">
+              <a:lnSpc>
+                <a:spcPct val="90000"/>
+              </a:lnSpc>
               <a:spcBef>
                 <a:spcPts val="1000"/>
               </a:spcBef>
@@ -5605,13 +4692,19 @@
             </a:pPr>
             <a:r>
               <a:rPr lang="en-US" sz="3200" dirty="0">
+                <a:solidFill>
+                  <a:prstClr val="black"/>
+                </a:solidFill>
                 <a:cs typeface="Arial" panose="020B0604020202020204" pitchFamily="34" charset="0"/>
               </a:rPr>
               <a:t>Glove</a:t>
             </a:r>
           </a:p>
           <a:p>
-            <a:pPr marL="228600" marR="0" lvl="0" indent="-228600" defTabSz="914400" rtl="0" eaLnBrk="1" fontAlgn="auto" latinLnBrk="0" hangingPunct="1">
+            <a:pPr marL="228600" marR="0" lvl="0" indent="-228600" algn="l" defTabSz="914400" rtl="0" eaLnBrk="1" fontAlgn="auto" latinLnBrk="0" hangingPunct="1">
+              <a:lnSpc>
+                <a:spcPct val="90000"/>
+              </a:lnSpc>
               <a:spcBef>
                 <a:spcPts val="1000"/>
               </a:spcBef>
@@ -5627,13 +4720,19 @@
             </a:pPr>
             <a:r>
               <a:rPr lang="en-US" sz="3200" dirty="0">
+                <a:solidFill>
+                  <a:prstClr val="black"/>
+                </a:solidFill>
                 <a:cs typeface="Arial" panose="020B0604020202020204" pitchFamily="34" charset="0"/>
               </a:rPr>
               <a:t>Past work</a:t>
             </a:r>
           </a:p>
           <a:p>
-            <a:pPr marL="228600" marR="0" lvl="0" indent="-228600" defTabSz="914400" rtl="0" eaLnBrk="1" fontAlgn="auto" latinLnBrk="0" hangingPunct="1">
+            <a:pPr marL="228600" marR="0" lvl="0" indent="-228600" algn="l" defTabSz="914400" rtl="0" eaLnBrk="1" fontAlgn="auto" latinLnBrk="0" hangingPunct="1">
+              <a:lnSpc>
+                <a:spcPct val="90000"/>
+              </a:lnSpc>
               <a:spcBef>
                 <a:spcPts val="1000"/>
               </a:spcBef>
@@ -5652,6 +4751,9 @@
                 <a:ln>
                   <a:noFill/>
                 </a:ln>
+                <a:solidFill>
+                  <a:prstClr val="black"/>
+                </a:solidFill>
                 <a:effectLst/>
                 <a:uLnTx/>
                 <a:uFillTx/>
@@ -5662,7 +4764,10 @@
             </a:r>
           </a:p>
           <a:p>
-            <a:pPr marL="228600" marR="0" lvl="0" indent="-228600" defTabSz="914400" rtl="0" eaLnBrk="1" fontAlgn="auto" latinLnBrk="0" hangingPunct="1">
+            <a:pPr marL="228600" marR="0" lvl="0" indent="-228600" algn="l" defTabSz="914400" rtl="0" eaLnBrk="1" fontAlgn="auto" latinLnBrk="0" hangingPunct="1">
+              <a:lnSpc>
+                <a:spcPct val="90000"/>
+              </a:lnSpc>
               <a:spcBef>
                 <a:spcPts val="1000"/>
               </a:spcBef>
@@ -5678,13 +4783,19 @@
             </a:pPr>
             <a:r>
               <a:rPr lang="en-US" sz="3200" dirty="0">
+                <a:solidFill>
+                  <a:prstClr val="black"/>
+                </a:solidFill>
                 <a:cs typeface="Arial" panose="020B0604020202020204" pitchFamily="34" charset="0"/>
               </a:rPr>
               <a:t>Future work</a:t>
             </a:r>
           </a:p>
           <a:p>
-            <a:pPr marL="228600" marR="0" lvl="0" indent="-228600" defTabSz="914400" rtl="0" eaLnBrk="1" fontAlgn="auto" latinLnBrk="0" hangingPunct="1">
+            <a:pPr marL="228600" marR="0" lvl="0" indent="-228600" algn="l" defTabSz="914400" rtl="0" eaLnBrk="1" fontAlgn="auto" latinLnBrk="0" hangingPunct="1">
+              <a:lnSpc>
+                <a:spcPct val="90000"/>
+              </a:lnSpc>
               <a:spcBef>
                 <a:spcPts val="1000"/>
               </a:spcBef>
@@ -5702,6 +4813,9 @@
               <a:ln>
                 <a:noFill/>
               </a:ln>
+              <a:solidFill>
+                <a:prstClr val="black"/>
+              </a:solidFill>
               <a:effectLst/>
               <a:uLnTx/>
               <a:uFillTx/>
@@ -5727,14 +4841,6 @@
 <file path=ppt/slides/slide3.xml><?xml version="1.0" encoding="utf-8"?>
 <p:sld xmlns:a="http://schemas.openxmlformats.org/drawingml/2006/main" xmlns:r="http://schemas.openxmlformats.org/officeDocument/2006/relationships" xmlns:p="http://schemas.openxmlformats.org/presentationml/2006/main">
   <p:cSld>
-    <p:bg>
-      <p:bgPr>
-        <a:solidFill>
-          <a:schemeClr val="bg1"/>
-        </a:solidFill>
-        <a:effectLst/>
-      </p:bgPr>
-    </p:bg>
     <p:spTree>
       <p:nvGrpSpPr>
         <p:cNvPr id="1" name=""/>
@@ -5749,66 +4855,6 @@
           <a:chExt cx="0" cy="0"/>
         </a:xfrm>
       </p:grpSpPr>
-      <p:sp useBgFill="1">
-        <p:nvSpPr>
-          <p:cNvPr id="29" name="Rectangle 28">
-            <a:extLst>
-              <a:ext uri="{FF2B5EF4-FFF2-40B4-BE49-F238E27FC236}">
-                <a16:creationId xmlns:a16="http://schemas.microsoft.com/office/drawing/2014/main" id="{2B97F24A-32CE-4C1C-A50D-3016B394DCFB}"/>
-              </a:ext>
-              <a:ext uri="{C183D7F6-B498-43B3-948B-1728B52AA6E4}">
-                <adec:decorative xmlns:adec="http://schemas.microsoft.com/office/drawing/2017/decorative" val="1"/>
-              </a:ext>
-            </a:extLst>
-          </p:cNvPr>
-          <p:cNvSpPr>
-            <a:spLocks noGrp="1" noRot="1" noChangeAspect="1" noMove="1" noResize="1" noEditPoints="1" noAdjustHandles="1" noChangeArrowheads="1" noChangeShapeType="1" noTextEdit="1"/>
-          </p:cNvSpPr>
-          <p:nvPr>
-            <p:extLst>
-              <p:ext uri="{386F3935-93C4-4BCD-93E2-E3B085C9AB24}">
-                <p16:designElem xmlns:p16="http://schemas.microsoft.com/office/powerpoint/2015/main" val="1"/>
-              </p:ext>
-            </p:extLst>
-          </p:nvPr>
-        </p:nvSpPr>
-        <p:spPr>
-          <a:xfrm>
-            <a:off x="0" y="0"/>
-            <a:ext cx="12192000" cy="6858000"/>
-          </a:xfrm>
-          <a:prstGeom prst="rect">
-            <a:avLst/>
-          </a:prstGeom>
-          <a:ln>
-            <a:noFill/>
-          </a:ln>
-        </p:spPr>
-        <p:style>
-          <a:lnRef idx="2">
-            <a:schemeClr val="accent1">
-              <a:shade val="50000"/>
-            </a:schemeClr>
-          </a:lnRef>
-          <a:fillRef idx="1">
-            <a:schemeClr val="accent1"/>
-          </a:fillRef>
-          <a:effectRef idx="0">
-            <a:schemeClr val="accent1"/>
-          </a:effectRef>
-          <a:fontRef idx="minor">
-            <a:schemeClr val="lt1"/>
-          </a:fontRef>
-        </p:style>
-        <p:txBody>
-          <a:bodyPr rtlCol="0" anchor="ctr"/>
-          <a:lstStyle/>
-          <a:p>
-            <a:pPr algn="ctr"/>
-            <a:endParaRPr lang="en-US"/>
-          </a:p>
-        </p:txBody>
-      </p:sp>
       <p:sp>
         <p:nvSpPr>
           <p:cNvPr id="2" name="Title 1">
@@ -5825,23 +4871,20 @@
             <p:ph type="title"/>
           </p:nvPr>
         </p:nvSpPr>
-        <p:spPr>
-          <a:xfrm>
-            <a:off x="630936" y="639520"/>
-            <a:ext cx="3429000" cy="1719072"/>
-          </a:xfrm>
-        </p:spPr>
-        <p:txBody>
-          <a:bodyPr anchor="b">
-            <a:normAutofit/>
-          </a:bodyPr>
-          <a:lstStyle/>
-          <a:p>
-            <a:r>
-              <a:rPr kumimoji="0" lang="en-US" sz="5000" b="1" i="0" u="none" strike="noStrike" kern="1200" cap="none" spc="0" normalizeH="0" baseline="0" noProof="0" dirty="0">
+        <p:spPr/>
+        <p:txBody>
+          <a:bodyPr/>
+          <a:lstStyle/>
+          <a:p>
+            <a:pPr algn="l"/>
+            <a:r>
+              <a:rPr kumimoji="0" lang="en-US" sz="4400" b="1" i="0" u="none" strike="noStrike" kern="1200" cap="none" spc="0" normalizeH="0" baseline="0" noProof="0" dirty="0">
                 <a:ln>
                   <a:noFill/>
                 </a:ln>
+                <a:solidFill>
+                  <a:prstClr val="black"/>
+                </a:solidFill>
                 <a:effectLst/>
                 <a:uLnTx/>
                 <a:uFillTx/>
@@ -5855,306 +4898,36 @@
       </p:sp>
       <p:sp>
         <p:nvSpPr>
-          <p:cNvPr id="31" name="sketch line">
-            <a:extLst>
-              <a:ext uri="{FF2B5EF4-FFF2-40B4-BE49-F238E27FC236}">
-                <a16:creationId xmlns:a16="http://schemas.microsoft.com/office/drawing/2014/main" id="{CD8B4F24-440B-49E9-B85D-733523DC064B}"/>
-              </a:ext>
-              <a:ext uri="{C183D7F6-B498-43B3-948B-1728B52AA6E4}">
-                <adec:decorative xmlns:adec="http://schemas.microsoft.com/office/drawing/2017/decorative" val="1"/>
-              </a:ext>
-            </a:extLst>
-          </p:cNvPr>
-          <p:cNvSpPr>
-            <a:spLocks noGrp="1" noRot="1" noChangeAspect="1" noMove="1" noResize="1" noEditPoints="1" noAdjustHandles="1" noChangeArrowheads="1" noChangeShapeType="1" noTextEdit="1"/>
-          </p:cNvSpPr>
-          <p:nvPr>
-            <p:extLst>
-              <p:ext uri="{386F3935-93C4-4BCD-93E2-E3B085C9AB24}">
-                <p16:designElem xmlns:p16="http://schemas.microsoft.com/office/powerpoint/2015/main" val="1"/>
-              </p:ext>
-            </p:extLst>
+          <p:cNvPr id="4" name="Content Placeholder 2">
+            <a:extLst>
+              <a:ext uri="{FF2B5EF4-FFF2-40B4-BE49-F238E27FC236}">
+                <a16:creationId xmlns:a16="http://schemas.microsoft.com/office/drawing/2014/main" id="{511D9F8B-3BF0-CEF2-E14C-36FAE1E77A6B}"/>
+              </a:ext>
+            </a:extLst>
+          </p:cNvPr>
+          <p:cNvSpPr>
+            <a:spLocks noGrp="1"/>
+          </p:cNvSpPr>
+          <p:nvPr>
+            <p:ph idx="1"/>
           </p:nvPr>
         </p:nvSpPr>
         <p:spPr>
           <a:xfrm>
-            <a:off x="643278" y="2573756"/>
-            <a:ext cx="3255095" cy="18288"/>
-          </a:xfrm>
-          <a:custGeom>
-            <a:avLst/>
-            <a:gdLst>
-              <a:gd name="connsiteX0" fmla="*/ 0 w 3255095"/>
-              <a:gd name="connsiteY0" fmla="*/ 0 h 18288"/>
-              <a:gd name="connsiteX1" fmla="*/ 618468 w 3255095"/>
-              <a:gd name="connsiteY1" fmla="*/ 0 h 18288"/>
-              <a:gd name="connsiteX2" fmla="*/ 1269487 w 3255095"/>
-              <a:gd name="connsiteY2" fmla="*/ 0 h 18288"/>
-              <a:gd name="connsiteX3" fmla="*/ 1953057 w 3255095"/>
-              <a:gd name="connsiteY3" fmla="*/ 0 h 18288"/>
-              <a:gd name="connsiteX4" fmla="*/ 2636627 w 3255095"/>
-              <a:gd name="connsiteY4" fmla="*/ 0 h 18288"/>
-              <a:gd name="connsiteX5" fmla="*/ 3255095 w 3255095"/>
-              <a:gd name="connsiteY5" fmla="*/ 0 h 18288"/>
-              <a:gd name="connsiteX6" fmla="*/ 3255095 w 3255095"/>
-              <a:gd name="connsiteY6" fmla="*/ 18288 h 18288"/>
-              <a:gd name="connsiteX7" fmla="*/ 2538974 w 3255095"/>
-              <a:gd name="connsiteY7" fmla="*/ 18288 h 18288"/>
-              <a:gd name="connsiteX8" fmla="*/ 1822853 w 3255095"/>
-              <a:gd name="connsiteY8" fmla="*/ 18288 h 18288"/>
-              <a:gd name="connsiteX9" fmla="*/ 1171834 w 3255095"/>
-              <a:gd name="connsiteY9" fmla="*/ 18288 h 18288"/>
-              <a:gd name="connsiteX10" fmla="*/ 0 w 3255095"/>
-              <a:gd name="connsiteY10" fmla="*/ 18288 h 18288"/>
-              <a:gd name="connsiteX11" fmla="*/ 0 w 3255095"/>
-              <a:gd name="connsiteY11" fmla="*/ 0 h 18288"/>
-            </a:gdLst>
-            <a:ahLst/>
-            <a:cxnLst>
-              <a:cxn ang="0">
-                <a:pos x="connsiteX0" y="connsiteY0"/>
-              </a:cxn>
-              <a:cxn ang="0">
-                <a:pos x="connsiteX1" y="connsiteY1"/>
-              </a:cxn>
-              <a:cxn ang="0">
-                <a:pos x="connsiteX2" y="connsiteY2"/>
-              </a:cxn>
-              <a:cxn ang="0">
-                <a:pos x="connsiteX3" y="connsiteY3"/>
-              </a:cxn>
-              <a:cxn ang="0">
-                <a:pos x="connsiteX4" y="connsiteY4"/>
-              </a:cxn>
-              <a:cxn ang="0">
-                <a:pos x="connsiteX5" y="connsiteY5"/>
-              </a:cxn>
-              <a:cxn ang="0">
-                <a:pos x="connsiteX6" y="connsiteY6"/>
-              </a:cxn>
-              <a:cxn ang="0">
-                <a:pos x="connsiteX7" y="connsiteY7"/>
-              </a:cxn>
-              <a:cxn ang="0">
-                <a:pos x="connsiteX8" y="connsiteY8"/>
-              </a:cxn>
-              <a:cxn ang="0">
-                <a:pos x="connsiteX9" y="connsiteY9"/>
-              </a:cxn>
-              <a:cxn ang="0">
-                <a:pos x="connsiteX10" y="connsiteY10"/>
-              </a:cxn>
-              <a:cxn ang="0">
-                <a:pos x="connsiteX11" y="connsiteY11"/>
-              </a:cxn>
-            </a:cxnLst>
-            <a:rect l="l" t="t" r="r" b="b"/>
-            <a:pathLst>
-              <a:path w="3255095" h="18288" fill="none" extrusionOk="0">
-                <a:moveTo>
-                  <a:pt x="0" y="0"/>
-                </a:moveTo>
-                <a:cubicBezTo>
-                  <a:pt x="240201" y="-22123"/>
-                  <a:pt x="462021" y="-19623"/>
-                  <a:pt x="618468" y="0"/>
-                </a:cubicBezTo>
-                <a:cubicBezTo>
-                  <a:pt x="774915" y="19623"/>
-                  <a:pt x="974734" y="2035"/>
-                  <a:pt x="1269487" y="0"/>
-                </a:cubicBezTo>
-                <a:cubicBezTo>
-                  <a:pt x="1564240" y="-2035"/>
-                  <a:pt x="1733579" y="10639"/>
-                  <a:pt x="1953057" y="0"/>
-                </a:cubicBezTo>
-                <a:cubicBezTo>
-                  <a:pt x="2172535" y="-10639"/>
-                  <a:pt x="2453962" y="14018"/>
-                  <a:pt x="2636627" y="0"/>
-                </a:cubicBezTo>
-                <a:cubicBezTo>
-                  <a:pt x="2819292" y="-14018"/>
-                  <a:pt x="3121375" y="5399"/>
-                  <a:pt x="3255095" y="0"/>
-                </a:cubicBezTo>
-                <a:cubicBezTo>
-                  <a:pt x="3254386" y="8157"/>
-                  <a:pt x="3254682" y="12125"/>
-                  <a:pt x="3255095" y="18288"/>
-                </a:cubicBezTo>
-                <a:cubicBezTo>
-                  <a:pt x="3088545" y="23203"/>
-                  <a:pt x="2687475" y="7419"/>
-                  <a:pt x="2538974" y="18288"/>
-                </a:cubicBezTo>
-                <a:cubicBezTo>
-                  <a:pt x="2390473" y="29157"/>
-                  <a:pt x="2137381" y="-8959"/>
-                  <a:pt x="1822853" y="18288"/>
-                </a:cubicBezTo>
-                <a:cubicBezTo>
-                  <a:pt x="1508325" y="45535"/>
-                  <a:pt x="1466437" y="20385"/>
-                  <a:pt x="1171834" y="18288"/>
-                </a:cubicBezTo>
-                <a:cubicBezTo>
-                  <a:pt x="877231" y="16191"/>
-                  <a:pt x="561097" y="37643"/>
-                  <a:pt x="0" y="18288"/>
-                </a:cubicBezTo>
-                <a:cubicBezTo>
-                  <a:pt x="-46" y="12483"/>
-                  <a:pt x="-203" y="6491"/>
-                  <a:pt x="0" y="0"/>
-                </a:cubicBezTo>
-                <a:close/>
-              </a:path>
-              <a:path w="3255095" h="18288" stroke="0" extrusionOk="0">
-                <a:moveTo>
-                  <a:pt x="0" y="0"/>
-                </a:moveTo>
-                <a:cubicBezTo>
-                  <a:pt x="291965" y="19429"/>
-                  <a:pt x="363155" y="8568"/>
-                  <a:pt x="618468" y="0"/>
-                </a:cubicBezTo>
-                <a:cubicBezTo>
-                  <a:pt x="873781" y="-8568"/>
-                  <a:pt x="904459" y="-19505"/>
-                  <a:pt x="1171834" y="0"/>
-                </a:cubicBezTo>
-                <a:cubicBezTo>
-                  <a:pt x="1439209" y="19505"/>
-                  <a:pt x="1744369" y="9790"/>
-                  <a:pt x="1887955" y="0"/>
-                </a:cubicBezTo>
-                <a:cubicBezTo>
-                  <a:pt x="2031541" y="-9790"/>
-                  <a:pt x="2346378" y="21240"/>
-                  <a:pt x="2506423" y="0"/>
-                </a:cubicBezTo>
-                <a:cubicBezTo>
-                  <a:pt x="2666468" y="-21240"/>
-                  <a:pt x="2990257" y="30414"/>
-                  <a:pt x="3255095" y="0"/>
-                </a:cubicBezTo>
-                <a:cubicBezTo>
-                  <a:pt x="3254831" y="4493"/>
-                  <a:pt x="3255479" y="9472"/>
-                  <a:pt x="3255095" y="18288"/>
-                </a:cubicBezTo>
-                <a:cubicBezTo>
-                  <a:pt x="3120743" y="16690"/>
-                  <a:pt x="2759628" y="42462"/>
-                  <a:pt x="2604076" y="18288"/>
-                </a:cubicBezTo>
-                <a:cubicBezTo>
-                  <a:pt x="2448524" y="-5886"/>
-                  <a:pt x="2184336" y="19599"/>
-                  <a:pt x="1887955" y="18288"/>
-                </a:cubicBezTo>
-                <a:cubicBezTo>
-                  <a:pt x="1591574" y="16977"/>
-                  <a:pt x="1548845" y="6870"/>
-                  <a:pt x="1334589" y="18288"/>
-                </a:cubicBezTo>
-                <a:cubicBezTo>
-                  <a:pt x="1120333" y="29706"/>
-                  <a:pt x="996014" y="9662"/>
-                  <a:pt x="683570" y="18288"/>
-                </a:cubicBezTo>
-                <a:cubicBezTo>
-                  <a:pt x="371126" y="26914"/>
-                  <a:pt x="198687" y="16167"/>
-                  <a:pt x="0" y="18288"/>
-                </a:cubicBezTo>
-                <a:cubicBezTo>
-                  <a:pt x="843" y="9577"/>
-                  <a:pt x="371" y="6900"/>
-                  <a:pt x="0" y="0"/>
-                </a:cubicBezTo>
-                <a:close/>
-              </a:path>
-            </a:pathLst>
-          </a:custGeom>
-          <a:solidFill>
-            <a:schemeClr val="accent2"/>
-          </a:solidFill>
-          <a:ln w="38100" cap="rnd">
-            <a:solidFill>
-              <a:schemeClr val="accent2"/>
-            </a:solidFill>
-            <a:round/>
-            <a:extLst>
-              <a:ext uri="{C807C97D-BFC1-408E-A445-0C87EB9F89A2}">
-                <ask:lineSketchStyleProps xmlns:ask="http://schemas.microsoft.com/office/drawing/2018/sketchyshapes" sd="1219033472">
-                  <a:prstGeom prst="rect">
-                    <a:avLst/>
-                  </a:prstGeom>
-                  <ask:type>
-                    <ask:lineSketchFreehand/>
-                  </ask:type>
-                </ask:lineSketchStyleProps>
-              </a:ext>
-            </a:extLst>
-          </a:ln>
-        </p:spPr>
-        <p:style>
-          <a:lnRef idx="2">
-            <a:schemeClr val="accent1">
-              <a:shade val="50000"/>
-            </a:schemeClr>
-          </a:lnRef>
-          <a:fillRef idx="1">
-            <a:schemeClr val="accent1"/>
-          </a:fillRef>
-          <a:effectRef idx="0">
-            <a:schemeClr val="accent1"/>
-          </a:effectRef>
-          <a:fontRef idx="minor">
-            <a:schemeClr val="lt1"/>
-          </a:fontRef>
-        </p:style>
-        <p:txBody>
-          <a:bodyPr rtlCol="0" anchor="ctr"/>
-          <a:lstStyle/>
-          <a:p>
-            <a:pPr algn="ctr"/>
-            <a:endParaRPr lang="en-US"/>
-          </a:p>
-        </p:txBody>
-      </p:sp>
-      <p:sp>
-        <p:nvSpPr>
-          <p:cNvPr id="4" name="Content Placeholder 2">
-            <a:extLst>
-              <a:ext uri="{FF2B5EF4-FFF2-40B4-BE49-F238E27FC236}">
-                <a16:creationId xmlns:a16="http://schemas.microsoft.com/office/drawing/2014/main" id="{511D9F8B-3BF0-CEF2-E14C-36FAE1E77A6B}"/>
-              </a:ext>
-            </a:extLst>
-          </p:cNvPr>
-          <p:cNvSpPr>
-            <a:spLocks noGrp="1"/>
-          </p:cNvSpPr>
-          <p:nvPr>
-            <p:ph idx="1"/>
-          </p:nvPr>
-        </p:nvSpPr>
-        <p:spPr>
-          <a:xfrm>
-            <a:off x="422169" y="2713263"/>
-            <a:ext cx="3950917" cy="3911752"/>
+            <a:off x="838200" y="1825625"/>
+            <a:ext cx="10115550" cy="4664488"/>
           </a:xfrm>
         </p:spPr>
         <p:txBody>
           <a:bodyPr vert="horz" lIns="91440" tIns="45720" rIns="91440" bIns="45720" rtlCol="0" anchor="t">
-            <a:normAutofit/>
+            <a:noAutofit/>
           </a:bodyPr>
           <a:lstStyle/>
           <a:p>
-            <a:pPr marL="228600" marR="0" lvl="0" indent="-228600" defTabSz="914400" rtl="0" eaLnBrk="1" fontAlgn="auto" latinLnBrk="0" hangingPunct="1">
+            <a:pPr marL="228600" marR="0" lvl="0" indent="-228600" algn="l" defTabSz="914400" rtl="0" eaLnBrk="1" fontAlgn="auto" latinLnBrk="0" hangingPunct="1">
+              <a:lnSpc>
+                <a:spcPct val="100000"/>
+              </a:lnSpc>
               <a:spcBef>
                 <a:spcPts val="1000"/>
               </a:spcBef>
@@ -6169,10 +4942,13 @@
               <a:defRPr/>
             </a:pPr>
             <a:r>
-              <a:rPr kumimoji="0" lang="en-US" sz="2400" b="0" i="0" u="none" strike="noStrike" kern="1200" cap="none" spc="0" normalizeH="0" baseline="0" noProof="0" dirty="0">
+              <a:rPr kumimoji="0" lang="en-US" sz="3200" b="0" i="0" u="none" strike="noStrike" kern="1200" cap="none" spc="0" normalizeH="0" baseline="0" noProof="0" dirty="0">
                 <a:ln>
                   <a:noFill/>
                 </a:ln>
+                <a:solidFill>
+                  <a:prstClr val="black"/>
+                </a:solidFill>
                 <a:effectLst/>
                 <a:uLnTx/>
                 <a:uFillTx/>
@@ -6182,21 +4958,28 @@
               <a:t>The vector representation of </a:t>
             </a:r>
             <a:br>
-              <a:rPr lang="en-US" sz="2400" b="0" i="0" u="none" strike="noStrike" kern="1200" cap="none" spc="0" normalizeH="0" baseline="0" noProof="0" dirty="0">
+              <a:rPr kumimoji="0" lang="en-US" sz="3200" b="0" i="0" u="none" strike="noStrike" kern="1200" cap="none" spc="0" normalizeH="0" baseline="0" noProof="0" dirty="0">
                 <a:ln>
                   <a:noFill/>
                 </a:ln>
+                <a:solidFill>
+                  <a:prstClr val="black"/>
+                </a:solidFill>
                 <a:effectLst/>
                 <a:uLnTx/>
                 <a:uFillTx/>
+                <a:ea typeface="+mn-ea"/>
                 <a:cs typeface="Calibri"/>
               </a:rPr>
             </a:br>
             <a:r>
-              <a:rPr kumimoji="0" lang="en-US" sz="2400" b="0" i="0" u="none" strike="noStrike" kern="1200" cap="none" spc="0" normalizeH="0" baseline="0" noProof="0" dirty="0">
+              <a:rPr kumimoji="0" lang="en-US" sz="3200" b="0" i="0" u="none" strike="noStrike" kern="1200" cap="none" spc="0" normalizeH="0" baseline="0" noProof="0" dirty="0">
                 <a:ln>
                   <a:noFill/>
                 </a:ln>
+                <a:solidFill>
+                  <a:prstClr val="black"/>
+                </a:solidFill>
                 <a:effectLst/>
                 <a:uLnTx/>
                 <a:uFillTx/>
@@ -6205,18 +4988,12 @@
               </a:rPr>
               <a:t>words, of size n.</a:t>
             </a:r>
-            <a:endParaRPr lang="en-US" sz="2400" b="0" i="0" u="none" strike="noStrike" kern="1200" cap="none" spc="0" normalizeH="0" baseline="0" noProof="0" dirty="0">
-              <a:ln>
-                <a:noFill/>
-              </a:ln>
-              <a:effectLst/>
-              <a:uLnTx/>
-              <a:uFillTx/>
-              <a:cs typeface="Calibri"/>
-            </a:endParaRPr>
-          </a:p>
-          <a:p>
-            <a:pPr marL="228600" marR="0" lvl="0" indent="-228600" defTabSz="914400" rtl="0" eaLnBrk="1" fontAlgn="auto" latinLnBrk="0" hangingPunct="1">
+          </a:p>
+          <a:p>
+            <a:pPr marL="228600" marR="0" lvl="0" indent="-228600" algn="l" defTabSz="914400" rtl="0" eaLnBrk="1" fontAlgn="auto" latinLnBrk="0" hangingPunct="1">
+              <a:lnSpc>
+                <a:spcPct val="100000"/>
+              </a:lnSpc>
               <a:spcBef>
                 <a:spcPts val="1000"/>
               </a:spcBef>
@@ -6231,76 +5008,37 @@
               <a:defRPr/>
             </a:pPr>
             <a:r>
-              <a:rPr lang="en-US" sz="2400" dirty="0">
+              <a:rPr lang="en-US" sz="3200" dirty="0">
+                <a:solidFill>
+                  <a:prstClr val="black"/>
+                </a:solidFill>
                 <a:cs typeface="Calibri"/>
               </a:rPr>
               <a:t>Similar words have similar</a:t>
             </a:r>
             <a:br>
-              <a:rPr lang="en-US" sz="2400" dirty="0">
+              <a:rPr lang="en-US" sz="3200" dirty="0">
+                <a:solidFill>
+                  <a:prstClr val="black"/>
+                </a:solidFill>
                 <a:cs typeface="Calibri"/>
               </a:rPr>
             </a:br>
             <a:r>
-              <a:rPr lang="en-US" sz="2400" dirty="0">
+              <a:rPr lang="en-US" sz="3200" dirty="0">
+                <a:solidFill>
+                  <a:prstClr val="black"/>
+                </a:solidFill>
                 <a:cs typeface="Calibri"/>
               </a:rPr>
               <a:t> vector values</a:t>
             </a:r>
           </a:p>
           <a:p>
-            <a:pPr>
-              <a:defRPr/>
-            </a:pPr>
-            <a:r>
-              <a:rPr kumimoji="0" lang="en-US" sz="2400" b="0" i="0" u="none" strike="noStrike" kern="1200" cap="none" spc="0" normalizeH="0" baseline="0" noProof="0" dirty="0">
-                <a:ln>
-                  <a:noFill/>
-                </a:ln>
-                <a:effectLst/>
-                <a:uLnTx/>
-                <a:uFillTx/>
-                <a:ea typeface="+mn-ea"/>
-                <a:cs typeface="Calibri"/>
-              </a:rPr>
-              <a:t>Helps convert NLP problems </a:t>
-            </a:r>
-            <a:br>
-              <a:rPr lang="en-US" sz="2400" b="0" i="0" u="none" strike="noStrike" kern="1200" cap="none" spc="0" normalizeH="0" baseline="0" noProof="0" dirty="0">
-                <a:ln>
-                  <a:noFill/>
-                </a:ln>
-                <a:effectLst/>
-                <a:uLnTx/>
-                <a:uFillTx/>
-                <a:cs typeface="Calibri"/>
-              </a:rPr>
-            </a:br>
-            <a:r>
-              <a:rPr kumimoji="0" lang="en-US" sz="2400" b="0" i="0" u="none" strike="noStrike" kern="1200" cap="none" spc="0" normalizeH="0" baseline="0" noProof="0" dirty="0">
-                <a:ln>
-                  <a:noFill/>
-                </a:ln>
-                <a:effectLst/>
-                <a:uLnTx/>
-                <a:uFillTx/>
-                <a:ea typeface="+mn-ea"/>
-                <a:cs typeface="Calibri"/>
-              </a:rPr>
-              <a:t>to regular</a:t>
-            </a:r>
-            <a:r>
-              <a:rPr lang="en-US" sz="2400" dirty="0">
-                <a:cs typeface="Calibri"/>
-              </a:rPr>
-              <a:t> ML and DL </a:t>
-            </a:r>
-            <a:endParaRPr lang="en-US" sz="2400" i="1" dirty="0">
-              <a:latin typeface="Helvetica Neue"/>
-            </a:endParaRPr>
-          </a:p>
-          <a:p>
-            <a:pPr marL="228600" marR="0" lvl="0" indent="-228600" defTabSz="914400" rtl="0" eaLnBrk="1" fontAlgn="auto" latinLnBrk="0" hangingPunct="1">
+            <a:pPr marL="228600" marR="0" lvl="0" indent="-228600" algn="l" defTabSz="914400" rtl="0" eaLnBrk="1" fontAlgn="auto" latinLnBrk="0" hangingPunct="1">
+              <a:lnSpc>
+                <a:spcPct val="100000"/>
+              </a:lnSpc>
               <a:spcBef>
                 <a:spcPts val="1000"/>
               </a:spcBef>
@@ -6315,15 +5053,97 @@
               <a:defRPr/>
             </a:pPr>
             <a:r>
-              <a:rPr lang="en-US" sz="2400" b="0" i="1" dirty="0">
+              <a:rPr kumimoji="0" lang="en-US" sz="3200" b="0" i="0" u="none" strike="noStrike" kern="1200" cap="none" spc="0" normalizeH="0" baseline="0" noProof="0" dirty="0">
+                <a:ln>
+                  <a:noFill/>
+                </a:ln>
+                <a:solidFill>
+                  <a:prstClr val="black"/>
+                </a:solidFill>
                 <a:effectLst/>
-                <a:latin typeface="Helvetica Neue"/>
+                <a:uLnTx/>
+                <a:uFillTx/>
+                <a:ea typeface="+mn-ea"/>
+                <a:cs typeface="Calibri"/>
+              </a:rPr>
+              <a:t>Helps convert NLP problems </a:t>
+            </a:r>
+            <a:br>
+              <a:rPr kumimoji="0" lang="en-US" sz="3200" b="0" i="0" u="none" strike="noStrike" kern="1200" cap="none" spc="0" normalizeH="0" baseline="0" noProof="0" dirty="0">
+                <a:ln>
+                  <a:noFill/>
+                </a:ln>
+                <a:solidFill>
+                  <a:prstClr val="black"/>
+                </a:solidFill>
+                <a:effectLst/>
+                <a:uLnTx/>
+                <a:uFillTx/>
+                <a:ea typeface="+mn-ea"/>
+                <a:cs typeface="Calibri"/>
+              </a:rPr>
+            </a:br>
+            <a:r>
+              <a:rPr kumimoji="0" lang="en-US" sz="3200" b="0" i="0" u="none" strike="noStrike" kern="1200" cap="none" spc="0" normalizeH="0" baseline="0" noProof="0" dirty="0">
+                <a:ln>
+                  <a:noFill/>
+                </a:ln>
+                <a:solidFill>
+                  <a:prstClr val="black"/>
+                </a:solidFill>
+                <a:effectLst/>
+                <a:uLnTx/>
+                <a:uFillTx/>
+                <a:ea typeface="+mn-ea"/>
+                <a:cs typeface="Calibri"/>
+              </a:rPr>
+              <a:t>to regular</a:t>
+            </a:r>
+            <a:r>
+              <a:rPr lang="en-US" sz="3200" dirty="0">
+                <a:solidFill>
+                  <a:prstClr val="black"/>
+                </a:solidFill>
+                <a:cs typeface="Calibri"/>
+              </a:rPr>
+              <a:t> ML and DL </a:t>
+            </a:r>
+            <a:endParaRPr lang="en-US" sz="3200" i="1" dirty="0">
+              <a:solidFill>
+                <a:srgbClr val="555555"/>
+              </a:solidFill>
+            </a:endParaRPr>
+          </a:p>
+          <a:p>
+            <a:pPr marL="228600" marR="0" lvl="0" indent="-228600" algn="l" defTabSz="914400" rtl="0" eaLnBrk="1" fontAlgn="auto" latinLnBrk="0" hangingPunct="1">
+              <a:lnSpc>
+                <a:spcPct val="90000"/>
+              </a:lnSpc>
+              <a:spcBef>
+                <a:spcPts val="1000"/>
+              </a:spcBef>
+              <a:spcAft>
+                <a:spcPts val="0"/>
+              </a:spcAft>
+              <a:buClrTx/>
+              <a:buSzTx/>
+              <a:buFont typeface="Arial" panose="020B0604020202020204" pitchFamily="34" charset="0"/>
+              <a:buChar char="•"/>
+              <a:tabLst/>
+              <a:defRPr/>
+            </a:pPr>
+            <a:r>
+              <a:rPr lang="en-US" sz="3200" b="0" i="1" dirty="0">
+                <a:effectLst/>
               </a:rPr>
               <a:t>“You shall know a word by the company it keeps!”</a:t>
             </a:r>
           </a:p>
           <a:p>
-            <a:pPr marL="0" marR="0" lvl="0" indent="0" defTabSz="914400" rtl="0" eaLnBrk="1" fontAlgn="auto" latinLnBrk="0" hangingPunct="1">
+            <a:pPr marL="0" marR="0" lvl="0" indent="0" algn="l" defTabSz="914400" rtl="0" eaLnBrk="1" fontAlgn="auto" latinLnBrk="0" hangingPunct="1">
+              <a:lnSpc>
+                <a:spcPct val="90000"/>
+              </a:lnSpc>
               <a:spcBef>
                 <a:spcPts val="1000"/>
               </a:spcBef>
@@ -6337,34 +5157,44 @@
               <a:defRPr/>
             </a:pPr>
             <a:r>
-              <a:rPr lang="en-US" sz="1400" b="0" i="0" dirty="0">
+              <a:rPr lang="en-US" sz="1600" b="0" i="0" dirty="0">
+                <a:solidFill>
+                  <a:srgbClr val="555555"/>
+                </a:solidFill>
                 <a:effectLst/>
-                <a:latin typeface="Helvetica Neue"/>
               </a:rPr>
               <a:t>— Page 11, “</a:t>
             </a:r>
             <a:r>
-              <a:rPr lang="en-US" sz="1400" b="0" i="0" u="none" strike="noStrike" dirty="0">
+              <a:rPr lang="en-US" sz="1600" b="0" i="0" u="none" strike="noStrike" dirty="0">
+                <a:solidFill>
+                  <a:srgbClr val="428BCA"/>
+                </a:solidFill>
                 <a:effectLst/>
-                <a:latin typeface="Helvetica Neue"/>
                 <a:hlinkClick r:id="rId2"/>
               </a:rPr>
               <a:t>A synopsis of linguistic theory 1930-1955</a:t>
             </a:r>
             <a:r>
-              <a:rPr lang="en-US" sz="1400" b="0" i="0" dirty="0">
+              <a:rPr lang="en-US" sz="1600" b="0" i="0" dirty="0">
+                <a:solidFill>
+                  <a:srgbClr val="555555"/>
+                </a:solidFill>
                 <a:effectLst/>
-                <a:latin typeface="Helvetica Neue"/>
               </a:rPr>
               <a:t>“, in Studies in Linguistic Analysis 1930-1955, 1962.</a:t>
             </a:r>
-            <a:endParaRPr lang="en-US" sz="1400" b="0" i="0" u="none" strike="noStrike" kern="1200" cap="none" spc="0" normalizeH="0" baseline="0" noProof="0" dirty="0">
+            <a:endParaRPr kumimoji="0" lang="en-US" sz="1600" b="0" i="0" u="none" strike="noStrike" kern="1200" cap="none" spc="0" normalizeH="0" baseline="0" noProof="0" dirty="0">
               <a:ln>
                 <a:noFill/>
               </a:ln>
+              <a:solidFill>
+                <a:prstClr val="black"/>
+              </a:solidFill>
               <a:effectLst/>
               <a:uLnTx/>
               <a:uFillTx/>
+              <a:ea typeface="+mn-ea"/>
               <a:cs typeface="Calibri"/>
             </a:endParaRPr>
           </a:p>
@@ -6456,8 +5286,8 @@
         </p:blipFill>
         <p:spPr>
           <a:xfrm>
-            <a:off x="4654296" y="843201"/>
-            <a:ext cx="6903720" cy="5171597"/>
+            <a:off x="6024387" y="365125"/>
+            <a:ext cx="5781697" cy="4331110"/>
           </a:xfrm>
           <a:prstGeom prst="rect">
             <a:avLst/>
@@ -6480,14 +5310,6 @@
 <file path=ppt/slides/slide4.xml><?xml version="1.0" encoding="utf-8"?>
 <p:sld xmlns:a="http://schemas.openxmlformats.org/drawingml/2006/main" xmlns:r="http://schemas.openxmlformats.org/officeDocument/2006/relationships" xmlns:p="http://schemas.openxmlformats.org/presentationml/2006/main">
   <p:cSld>
-    <p:bg>
-      <p:bgPr>
-        <a:solidFill>
-          <a:schemeClr val="bg1"/>
-        </a:solidFill>
-        <a:effectLst/>
-      </p:bgPr>
-    </p:bg>
     <p:spTree>
       <p:nvGrpSpPr>
         <p:cNvPr id="1" name=""/>
@@ -6502,200 +5324,6 @@
           <a:chExt cx="0" cy="0"/>
         </a:xfrm>
       </p:grpSpPr>
-      <p:sp useBgFill="1">
-        <p:nvSpPr>
-          <p:cNvPr id="9" name="Rectangle 8">
-            <a:extLst>
-              <a:ext uri="{FF2B5EF4-FFF2-40B4-BE49-F238E27FC236}">
-                <a16:creationId xmlns:a16="http://schemas.microsoft.com/office/drawing/2014/main" id="{907EF6B7-1338-4443-8C46-6A318D952DFD}"/>
-              </a:ext>
-              <a:ext uri="{C183D7F6-B498-43B3-948B-1728B52AA6E4}">
-                <adec:decorative xmlns:adec="http://schemas.microsoft.com/office/drawing/2017/decorative" val="1"/>
-              </a:ext>
-            </a:extLst>
-          </p:cNvPr>
-          <p:cNvSpPr>
-            <a:spLocks noGrp="1" noRot="1" noChangeAspect="1" noMove="1" noResize="1" noEditPoints="1" noAdjustHandles="1" noChangeArrowheads="1" noChangeShapeType="1" noTextEdit="1"/>
-          </p:cNvSpPr>
-          <p:nvPr>
-            <p:extLst>
-              <p:ext uri="{386F3935-93C4-4BCD-93E2-E3B085C9AB24}">
-                <p16:designElem xmlns:p16="http://schemas.microsoft.com/office/powerpoint/2015/main" val="1"/>
-              </p:ext>
-            </p:extLst>
-          </p:nvPr>
-        </p:nvSpPr>
-        <p:spPr>
-          <a:xfrm>
-            <a:off x="3048" y="0"/>
-            <a:ext cx="12188952" cy="6858000"/>
-          </a:xfrm>
-          <a:prstGeom prst="rect">
-            <a:avLst/>
-          </a:prstGeom>
-          <a:ln>
-            <a:noFill/>
-          </a:ln>
-        </p:spPr>
-        <p:style>
-          <a:lnRef idx="2">
-            <a:schemeClr val="accent1">
-              <a:shade val="50000"/>
-            </a:schemeClr>
-          </a:lnRef>
-          <a:fillRef idx="1">
-            <a:schemeClr val="accent1"/>
-          </a:fillRef>
-          <a:effectRef idx="0">
-            <a:schemeClr val="accent1"/>
-          </a:effectRef>
-          <a:fontRef idx="minor">
-            <a:schemeClr val="lt1"/>
-          </a:fontRef>
-        </p:style>
-        <p:txBody>
-          <a:bodyPr rtlCol="0" anchor="ctr"/>
-          <a:lstStyle/>
-          <a:p>
-            <a:pPr algn="ctr"/>
-            <a:endParaRPr lang="en-US"/>
-          </a:p>
-        </p:txBody>
-      </p:sp>
-      <p:sp>
-        <p:nvSpPr>
-          <p:cNvPr id="11" name="Freeform: Shape 10">
-            <a:extLst>
-              <a:ext uri="{FF2B5EF4-FFF2-40B4-BE49-F238E27FC236}">
-                <a16:creationId xmlns:a16="http://schemas.microsoft.com/office/drawing/2014/main" id="{DAAE4CDD-124C-4DCF-9584-B6033B545DD5}"/>
-              </a:ext>
-              <a:ext uri="{C183D7F6-B498-43B3-948B-1728B52AA6E4}">
-                <adec:decorative xmlns:adec="http://schemas.microsoft.com/office/drawing/2017/decorative" val="1"/>
-              </a:ext>
-            </a:extLst>
-          </p:cNvPr>
-          <p:cNvSpPr>
-            <a:spLocks noGrp="1" noRot="1" noChangeAspect="1" noMove="1" noResize="1" noEditPoints="1" noAdjustHandles="1" noChangeArrowheads="1" noChangeShapeType="1" noTextEdit="1"/>
-          </p:cNvSpPr>
-          <p:nvPr>
-            <p:extLst>
-              <p:ext uri="{386F3935-93C4-4BCD-93E2-E3B085C9AB24}">
-                <p16:designElem xmlns:p16="http://schemas.microsoft.com/office/powerpoint/2015/main" val="1"/>
-              </p:ext>
-            </p:extLst>
-          </p:nvPr>
-        </p:nvSpPr>
-        <p:spPr>
-          <a:xfrm>
-            <a:off x="1" y="0"/>
-            <a:ext cx="4167271" cy="6858000"/>
-          </a:xfrm>
-          <a:custGeom>
-            <a:avLst/>
-            <a:gdLst>
-              <a:gd name="connsiteX0" fmla="*/ 0 w 4167271"/>
-              <a:gd name="connsiteY0" fmla="*/ 0 h 6858000"/>
-              <a:gd name="connsiteX1" fmla="*/ 2259550 w 4167271"/>
-              <a:gd name="connsiteY1" fmla="*/ 0 h 6858000"/>
-              <a:gd name="connsiteX2" fmla="*/ 2387803 w 4167271"/>
-              <a:gd name="connsiteY2" fmla="*/ 82222 h 6858000"/>
-              <a:gd name="connsiteX3" fmla="*/ 4167271 w 4167271"/>
-              <a:gd name="connsiteY3" fmla="*/ 3429000 h 6858000"/>
-              <a:gd name="connsiteX4" fmla="*/ 2387803 w 4167271"/>
-              <a:gd name="connsiteY4" fmla="*/ 6775779 h 6858000"/>
-              <a:gd name="connsiteX5" fmla="*/ 2259550 w 4167271"/>
-              <a:gd name="connsiteY5" fmla="*/ 6858000 h 6858000"/>
-              <a:gd name="connsiteX6" fmla="*/ 0 w 4167271"/>
-              <a:gd name="connsiteY6" fmla="*/ 6858000 h 6858000"/>
-            </a:gdLst>
-            <a:ahLst/>
-            <a:cxnLst>
-              <a:cxn ang="0">
-                <a:pos x="connsiteX0" y="connsiteY0"/>
-              </a:cxn>
-              <a:cxn ang="0">
-                <a:pos x="connsiteX1" y="connsiteY1"/>
-              </a:cxn>
-              <a:cxn ang="0">
-                <a:pos x="connsiteX2" y="connsiteY2"/>
-              </a:cxn>
-              <a:cxn ang="0">
-                <a:pos x="connsiteX3" y="connsiteY3"/>
-              </a:cxn>
-              <a:cxn ang="0">
-                <a:pos x="connsiteX4" y="connsiteY4"/>
-              </a:cxn>
-              <a:cxn ang="0">
-                <a:pos x="connsiteX5" y="connsiteY5"/>
-              </a:cxn>
-              <a:cxn ang="0">
-                <a:pos x="connsiteX6" y="connsiteY6"/>
-              </a:cxn>
-            </a:cxnLst>
-            <a:rect l="l" t="t" r="r" b="b"/>
-            <a:pathLst>
-              <a:path w="4167271" h="6858000">
-                <a:moveTo>
-                  <a:pt x="0" y="0"/>
-                </a:moveTo>
-                <a:lnTo>
-                  <a:pt x="2259550" y="0"/>
-                </a:lnTo>
-                <a:lnTo>
-                  <a:pt x="2387803" y="82222"/>
-                </a:lnTo>
-                <a:cubicBezTo>
-                  <a:pt x="3461407" y="807534"/>
-                  <a:pt x="4167271" y="2035835"/>
-                  <a:pt x="4167271" y="3429000"/>
-                </a:cubicBezTo>
-                <a:cubicBezTo>
-                  <a:pt x="4167271" y="4822165"/>
-                  <a:pt x="3461407" y="6050467"/>
-                  <a:pt x="2387803" y="6775779"/>
-                </a:cubicBezTo>
-                <a:lnTo>
-                  <a:pt x="2259550" y="6858000"/>
-                </a:lnTo>
-                <a:lnTo>
-                  <a:pt x="0" y="6858000"/>
-                </a:lnTo>
-                <a:close/>
-              </a:path>
-            </a:pathLst>
-          </a:custGeom>
-          <a:solidFill>
-            <a:schemeClr val="accent2"/>
-          </a:solidFill>
-          <a:ln>
-            <a:noFill/>
-          </a:ln>
-        </p:spPr>
-        <p:style>
-          <a:lnRef idx="2">
-            <a:schemeClr val="accent1">
-              <a:shade val="50000"/>
-            </a:schemeClr>
-          </a:lnRef>
-          <a:fillRef idx="1">
-            <a:schemeClr val="accent1"/>
-          </a:fillRef>
-          <a:effectRef idx="0">
-            <a:schemeClr val="accent1"/>
-          </a:effectRef>
-          <a:fontRef idx="minor">
-            <a:schemeClr val="lt1"/>
-          </a:fontRef>
-        </p:style>
-        <p:txBody>
-          <a:bodyPr rtlCol="0" anchor="ctr"/>
-          <a:lstStyle/>
-          <a:p>
-            <a:pPr algn="ctr"/>
-            <a:endParaRPr lang="en-US"/>
-          </a:p>
-        </p:txBody>
-      </p:sp>
       <p:sp>
         <p:nvSpPr>
           <p:cNvPr id="2" name="Title 1">
@@ -6712,25 +5340,19 @@
             <p:ph type="title"/>
           </p:nvPr>
         </p:nvSpPr>
-        <p:spPr>
-          <a:xfrm>
-            <a:off x="686834" y="1153572"/>
-            <a:ext cx="3200400" cy="4461163"/>
-          </a:xfrm>
-        </p:spPr>
-        <p:txBody>
-          <a:bodyPr>
-            <a:normAutofit/>
-          </a:bodyPr>
-          <a:lstStyle/>
-          <a:p>
-            <a:r>
-              <a:rPr kumimoji="0" lang="en-US" b="1" i="0" u="none" strike="noStrike" kern="1200" cap="none" spc="0" normalizeH="0" baseline="0" noProof="0" dirty="0">
+        <p:spPr/>
+        <p:txBody>
+          <a:bodyPr/>
+          <a:lstStyle/>
+          <a:p>
+            <a:pPr algn="l"/>
+            <a:r>
+              <a:rPr kumimoji="0" lang="en-US" sz="4400" b="1" i="0" u="none" strike="noStrike" kern="1200" cap="none" spc="0" normalizeH="0" baseline="0" noProof="0" dirty="0">
                 <a:ln>
                   <a:noFill/>
                 </a:ln>
                 <a:solidFill>
-                  <a:srgbClr val="FFFFFF"/>
+                  <a:prstClr val="black"/>
                 </a:solidFill>
                 <a:effectLst/>
                 <a:uLnTx/>
@@ -6745,67 +5367,6 @@
       </p:sp>
       <p:sp>
         <p:nvSpPr>
-          <p:cNvPr id="13" name="Arc 12">
-            <a:extLst>
-              <a:ext uri="{FF2B5EF4-FFF2-40B4-BE49-F238E27FC236}">
-                <a16:creationId xmlns:a16="http://schemas.microsoft.com/office/drawing/2014/main" id="{081E4A58-353D-44AE-B2FC-2A74E2E400F7}"/>
-              </a:ext>
-              <a:ext uri="{C183D7F6-B498-43B3-948B-1728B52AA6E4}">
-                <adec:decorative xmlns:adec="http://schemas.microsoft.com/office/drawing/2017/decorative" val="1"/>
-              </a:ext>
-            </a:extLst>
-          </p:cNvPr>
-          <p:cNvSpPr>
-            <a:spLocks noGrp="1" noRot="1" noChangeAspect="1" noMove="1" noResize="1" noEditPoints="1" noAdjustHandles="1" noChangeArrowheads="1" noChangeShapeType="1" noTextEdit="1"/>
-          </p:cNvSpPr>
-          <p:nvPr>
-            <p:extLst>
-              <p:ext uri="{386F3935-93C4-4BCD-93E2-E3B085C9AB24}">
-                <p16:designElem xmlns:p16="http://schemas.microsoft.com/office/powerpoint/2015/main" val="1"/>
-              </p:ext>
-            </p:extLst>
-          </p:nvPr>
-        </p:nvSpPr>
-        <p:spPr>
-          <a:xfrm flipV="1">
-            <a:off x="7550402" y="2455479"/>
-            <a:ext cx="4083433" cy="4083433"/>
-          </a:xfrm>
-          <a:prstGeom prst="arc">
-            <a:avLst/>
-          </a:prstGeom>
-          <a:ln w="127000" cap="rnd">
-            <a:solidFill>
-              <a:schemeClr val="accent4"/>
-            </a:solidFill>
-            <a:prstDash val="dash"/>
-          </a:ln>
-        </p:spPr>
-        <p:style>
-          <a:lnRef idx="1">
-            <a:schemeClr val="accent1"/>
-          </a:lnRef>
-          <a:fillRef idx="0">
-            <a:schemeClr val="accent1"/>
-          </a:fillRef>
-          <a:effectRef idx="0">
-            <a:schemeClr val="accent1"/>
-          </a:effectRef>
-          <a:fontRef idx="minor">
-            <a:schemeClr val="tx1"/>
-          </a:fontRef>
-        </p:style>
-        <p:txBody>
-          <a:bodyPr rtlCol="0" anchor="ctr"/>
-          <a:lstStyle/>
-          <a:p>
-            <a:pPr algn="ctr"/>
-            <a:endParaRPr lang="en-US"/>
-          </a:p>
-        </p:txBody>
-      </p:sp>
-      <p:sp>
-        <p:nvSpPr>
           <p:cNvPr id="4" name="Content Placeholder 2">
             <a:extLst>
               <a:ext uri="{FF2B5EF4-FFF2-40B4-BE49-F238E27FC236}">
@@ -6822,17 +5383,20 @@
         </p:nvSpPr>
         <p:spPr>
           <a:xfrm>
-            <a:off x="4447308" y="591344"/>
-            <a:ext cx="6906491" cy="5585619"/>
+            <a:off x="838200" y="1825625"/>
+            <a:ext cx="10115550" cy="4664488"/>
           </a:xfrm>
         </p:spPr>
         <p:txBody>
-          <a:bodyPr vert="horz" lIns="91440" tIns="45720" rIns="91440" bIns="45720" rtlCol="0" anchor="ctr">
+          <a:bodyPr vert="horz" lIns="91440" tIns="45720" rIns="91440" bIns="45720" rtlCol="0" anchor="t">
             <a:normAutofit/>
           </a:bodyPr>
           <a:lstStyle/>
           <a:p>
             <a:pPr marL="457200" indent="-457200">
+              <a:lnSpc>
+                <a:spcPct val="150000"/>
+              </a:lnSpc>
               <a:spcBef>
                 <a:spcPts val="1000"/>
               </a:spcBef>
@@ -6840,13 +5404,49 @@
               <a:buFont typeface="Arial" panose="020B0604020202020204" pitchFamily="34" charset="0"/>
               <a:buChar char="•"/>
             </a:pPr>
-            <a:endParaRPr lang="en-US" sz="3600" dirty="0">
+            <a:r>
+              <a:rPr lang="en-US" sz="3200" dirty="0">
+                <a:solidFill>
+                  <a:schemeClr val="tx1"/>
+                </a:solidFill>
+                <a:ea typeface="+mn-lt"/>
+                <a:cs typeface="+mn-lt"/>
+              </a:rPr>
+              <a:t>Developed by Tomas </a:t>
+            </a:r>
+            <a:r>
+              <a:rPr lang="en-US" sz="3200" dirty="0" err="1">
+                <a:solidFill>
+                  <a:schemeClr val="tx1"/>
+                </a:solidFill>
+                <a:ea typeface="+mn-lt"/>
+                <a:cs typeface="+mn-lt"/>
+              </a:rPr>
+              <a:t>Mikolov</a:t>
+            </a:r>
+            <a:r>
+              <a:rPr lang="en-US" sz="3200" dirty="0">
+                <a:solidFill>
+                  <a:schemeClr val="tx1"/>
+                </a:solidFill>
+                <a:ea typeface="+mn-lt"/>
+                <a:cs typeface="+mn-lt"/>
+              </a:rPr>
+              <a:t>, et al. at Google in 2013</a:t>
+            </a:r>
+            <a:endParaRPr lang="he-IL" sz="3200" dirty="0">
+              <a:solidFill>
+                <a:schemeClr val="tx1"/>
+              </a:solidFill>
               <a:ea typeface="+mn-lt"/>
               <a:cs typeface="+mn-lt"/>
             </a:endParaRPr>
           </a:p>
           <a:p>
             <a:pPr marL="457200" indent="-457200">
+              <a:lnSpc>
+                <a:spcPct val="150000"/>
+              </a:lnSpc>
               <a:spcBef>
                 <a:spcPts val="1000"/>
               </a:spcBef>
@@ -6854,13 +5454,22 @@
               <a:buFont typeface="Arial" panose="020B0604020202020204" pitchFamily="34" charset="0"/>
               <a:buChar char="•"/>
             </a:pPr>
-            <a:endParaRPr lang="en-US" sz="3600" dirty="0">
-              <a:ea typeface="+mn-lt"/>
-              <a:cs typeface="+mn-lt"/>
-            </a:endParaRPr>
+            <a:r>
+              <a:rPr lang="en-US" sz="3200" dirty="0">
+                <a:solidFill>
+                  <a:schemeClr val="tx1"/>
+                </a:solidFill>
+                <a:ea typeface="+mn-lt"/>
+                <a:cs typeface="+mn-lt"/>
+              </a:rPr>
+              <a:t>Low space and time complexity</a:t>
+            </a:r>
           </a:p>
           <a:p>
             <a:pPr marL="457200" indent="-457200">
+              <a:lnSpc>
+                <a:spcPct val="150000"/>
+              </a:lnSpc>
               <a:spcBef>
                 <a:spcPts val="1000"/>
               </a:spcBef>
@@ -6868,13 +5477,58 @@
               <a:buFont typeface="Arial" panose="020B0604020202020204" pitchFamily="34" charset="0"/>
               <a:buChar char="•"/>
             </a:pPr>
-            <a:endParaRPr lang="en-US" sz="3600" dirty="0">
+            <a:r>
+              <a:rPr lang="en-US" sz="3200" dirty="0">
+                <a:solidFill>
+                  <a:schemeClr val="tx1"/>
+                </a:solidFill>
+                <a:ea typeface="+mn-lt"/>
+                <a:cs typeface="+mn-lt"/>
+              </a:rPr>
+              <a:t>Relies on local usage context</a:t>
+            </a:r>
+          </a:p>
+          <a:p>
+            <a:pPr marL="914400" lvl="1" indent="-457200">
+              <a:lnSpc>
+                <a:spcPct val="150000"/>
+              </a:lnSpc>
+              <a:spcBef>
+                <a:spcPts val="1000"/>
+              </a:spcBef>
+              <a:buSzPct val="100000"/>
+            </a:pPr>
+            <a:r>
+              <a:rPr lang="en-US" sz="2800" dirty="0">
+                <a:solidFill>
+                  <a:schemeClr val="tx1"/>
+                </a:solidFill>
+                <a:ea typeface="+mn-lt"/>
+                <a:cs typeface="+mn-lt"/>
+              </a:rPr>
+              <a:t>This is the hyperparameter of this model</a:t>
+            </a:r>
+          </a:p>
+          <a:p>
+            <a:pPr marL="457200" indent="-457200">
+              <a:lnSpc>
+                <a:spcPct val="150000"/>
+              </a:lnSpc>
+              <a:buSzPct val="100000"/>
+            </a:pPr>
+            <a:endParaRPr lang="he-IL" sz="3200" dirty="0">
+              <a:solidFill>
+                <a:schemeClr val="tx1"/>
+              </a:solidFill>
               <a:ea typeface="+mn-lt"/>
               <a:cs typeface="+mn-lt"/>
             </a:endParaRPr>
           </a:p>
           <a:p>
             <a:pPr marL="457200" indent="-457200">
+              <a:lnSpc>
+                <a:spcPct val="150000"/>
+              </a:lnSpc>
               <a:spcBef>
                 <a:spcPts val="1000"/>
               </a:spcBef>
@@ -6882,13 +5536,16 @@
               <a:buFont typeface="Arial" panose="020B0604020202020204" pitchFamily="34" charset="0"/>
               <a:buChar char="•"/>
             </a:pPr>
-            <a:endParaRPr lang="en-US" sz="3600" dirty="0">
+            <a:endParaRPr lang="he-IL" sz="3200" dirty="0">
               <a:ea typeface="+mn-lt"/>
               <a:cs typeface="+mn-lt"/>
             </a:endParaRPr>
           </a:p>
           <a:p>
             <a:pPr marL="457200" indent="-457200">
+              <a:lnSpc>
+                <a:spcPct val="150000"/>
+              </a:lnSpc>
               <a:spcBef>
                 <a:spcPts val="1000"/>
               </a:spcBef>
@@ -6896,34 +5553,19 @@
               <a:buFont typeface="Arial" panose="020B0604020202020204" pitchFamily="34" charset="0"/>
               <a:buChar char="•"/>
             </a:pPr>
-            <a:r>
-              <a:rPr lang="en-US" sz="3600" dirty="0">
-                <a:ea typeface="+mn-lt"/>
-                <a:cs typeface="+mn-lt"/>
-              </a:rPr>
-              <a:t>Developed by Tomas </a:t>
-            </a:r>
-            <a:r>
-              <a:rPr lang="en-US" sz="3600" dirty="0" err="1">
-                <a:ea typeface="+mn-lt"/>
-                <a:cs typeface="+mn-lt"/>
-              </a:rPr>
-              <a:t>Mikolov</a:t>
-            </a:r>
-            <a:r>
-              <a:rPr lang="en-US" sz="3600" dirty="0">
-                <a:ea typeface="+mn-lt"/>
-                <a:cs typeface="+mn-lt"/>
-              </a:rPr>
-              <a:t>, et al. at Google in 2013</a:t>
-            </a:r>
-            <a:endParaRPr lang="he-IL" sz="3600" dirty="0">
+            <a:endParaRPr lang="he-IL" sz="3200" dirty="0">
+              <a:solidFill>
+                <a:schemeClr val="tx1"/>
+              </a:solidFill>
               <a:ea typeface="+mn-lt"/>
               <a:cs typeface="+mn-lt"/>
             </a:endParaRPr>
           </a:p>
           <a:p>
             <a:pPr marL="457200" indent="-457200">
+              <a:lnSpc>
+                <a:spcPct val="150000"/>
+              </a:lnSpc>
               <a:spcBef>
                 <a:spcPts val="1000"/>
               </a:spcBef>
@@ -6931,16 +5573,16 @@
               <a:buFont typeface="Arial" panose="020B0604020202020204" pitchFamily="34" charset="0"/>
               <a:buChar char="•"/>
             </a:pPr>
-            <a:r>
-              <a:rPr lang="en-US" sz="3600" dirty="0">
-                <a:ea typeface="+mn-lt"/>
-                <a:cs typeface="+mn-lt"/>
-              </a:rPr>
-              <a:t>Low space and time complexity</a:t>
-            </a:r>
+            <a:endParaRPr lang="he-IL" sz="3200" dirty="0">
+              <a:ea typeface="+mn-lt"/>
+              <a:cs typeface="+mn-lt"/>
+            </a:endParaRPr>
           </a:p>
           <a:p>
             <a:pPr marL="457200" indent="-457200">
+              <a:lnSpc>
+                <a:spcPct val="150000"/>
+              </a:lnSpc>
               <a:spcBef>
                 <a:spcPts val="1000"/>
               </a:spcBef>
@@ -6948,76 +5590,10 @@
               <a:buFont typeface="Arial" panose="020B0604020202020204" pitchFamily="34" charset="0"/>
               <a:buChar char="•"/>
             </a:pPr>
-            <a:r>
-              <a:rPr lang="en-US" sz="3600" dirty="0">
-                <a:ea typeface="+mn-lt"/>
-                <a:cs typeface="+mn-lt"/>
-              </a:rPr>
-              <a:t>Relies on local usage context</a:t>
-            </a:r>
-          </a:p>
-          <a:p>
-            <a:pPr marL="0" indent="0">
-              <a:buSzPct val="100000"/>
-              <a:buNone/>
-            </a:pPr>
-            <a:endParaRPr lang="he-IL" sz="3600" dirty="0">
-              <a:ea typeface="+mn-lt"/>
-              <a:cs typeface="+mn-lt"/>
-            </a:endParaRPr>
-          </a:p>
-          <a:p>
-            <a:pPr marL="457200" indent="-457200">
-              <a:spcBef>
-                <a:spcPts val="1000"/>
-              </a:spcBef>
-              <a:buSzPct val="100000"/>
-              <a:buFont typeface="Arial" panose="020B0604020202020204" pitchFamily="34" charset="0"/>
-              <a:buChar char="•"/>
-            </a:pPr>
-            <a:endParaRPr lang="he-IL" sz="3600" dirty="0">
-              <a:ea typeface="+mn-lt"/>
-              <a:cs typeface="+mn-lt"/>
-            </a:endParaRPr>
-          </a:p>
-          <a:p>
-            <a:pPr marL="457200" indent="-457200">
-              <a:spcBef>
-                <a:spcPts val="1000"/>
-              </a:spcBef>
-              <a:buSzPct val="100000"/>
-              <a:buFont typeface="Arial" panose="020B0604020202020204" pitchFamily="34" charset="0"/>
-              <a:buChar char="•"/>
-            </a:pPr>
-            <a:endParaRPr lang="he-IL" sz="3600" dirty="0">
-              <a:ea typeface="+mn-lt"/>
-              <a:cs typeface="+mn-lt"/>
-            </a:endParaRPr>
-          </a:p>
-          <a:p>
-            <a:pPr marL="457200" indent="-457200">
-              <a:spcBef>
-                <a:spcPts val="1000"/>
-              </a:spcBef>
-              <a:buSzPct val="100000"/>
-              <a:buFont typeface="Arial" panose="020B0604020202020204" pitchFamily="34" charset="0"/>
-              <a:buChar char="•"/>
-            </a:pPr>
-            <a:endParaRPr lang="he-IL" sz="3600" dirty="0">
-              <a:ea typeface="+mn-lt"/>
-              <a:cs typeface="+mn-lt"/>
-            </a:endParaRPr>
-          </a:p>
-          <a:p>
-            <a:pPr marL="457200" indent="-457200">
-              <a:spcBef>
-                <a:spcPts val="1000"/>
-              </a:spcBef>
-              <a:buSzPct val="100000"/>
-              <a:buFont typeface="Arial" panose="020B0604020202020204" pitchFamily="34" charset="0"/>
-              <a:buChar char="•"/>
-            </a:pPr>
-            <a:endParaRPr lang="en-US" sz="3600" dirty="0">
+            <a:endParaRPr lang="en-US" sz="3200" dirty="0">
+              <a:solidFill>
+                <a:schemeClr val="tx1"/>
+              </a:solidFill>
               <a:ea typeface="+mn-lt"/>
               <a:cs typeface="+mn-lt"/>
             </a:endParaRPr>
@@ -7040,14 +5616,6 @@
 <file path=ppt/slides/slide5.xml><?xml version="1.0" encoding="utf-8"?>
 <p:sld xmlns:a="http://schemas.openxmlformats.org/drawingml/2006/main" xmlns:r="http://schemas.openxmlformats.org/officeDocument/2006/relationships" xmlns:p="http://schemas.openxmlformats.org/presentationml/2006/main">
   <p:cSld>
-    <p:bg>
-      <p:bgPr>
-        <a:solidFill>
-          <a:schemeClr val="bg1"/>
-        </a:solidFill>
-        <a:effectLst/>
-      </p:bgPr>
-    </p:bg>
     <p:spTree>
       <p:nvGrpSpPr>
         <p:cNvPr id="1" name=""/>
@@ -7062,66 +5630,6 @@
           <a:chExt cx="0" cy="0"/>
         </a:xfrm>
       </p:grpSpPr>
-      <p:sp useBgFill="1">
-        <p:nvSpPr>
-          <p:cNvPr id="1030" name="Rectangle 1032">
-            <a:extLst>
-              <a:ext uri="{FF2B5EF4-FFF2-40B4-BE49-F238E27FC236}">
-                <a16:creationId xmlns:a16="http://schemas.microsoft.com/office/drawing/2014/main" id="{C4879EFC-8E62-4E00-973C-C45EE9EC676D}"/>
-              </a:ext>
-              <a:ext uri="{C183D7F6-B498-43B3-948B-1728B52AA6E4}">
-                <adec:decorative xmlns:adec="http://schemas.microsoft.com/office/drawing/2017/decorative" val="1"/>
-              </a:ext>
-            </a:extLst>
-          </p:cNvPr>
-          <p:cNvSpPr>
-            <a:spLocks noGrp="1" noRot="1" noChangeAspect="1" noMove="1" noResize="1" noEditPoints="1" noAdjustHandles="1" noChangeArrowheads="1" noChangeShapeType="1" noTextEdit="1"/>
-          </p:cNvSpPr>
-          <p:nvPr>
-            <p:extLst>
-              <p:ext uri="{386F3935-93C4-4BCD-93E2-E3B085C9AB24}">
-                <p16:designElem xmlns:p16="http://schemas.microsoft.com/office/powerpoint/2015/main" val="1"/>
-              </p:ext>
-            </p:extLst>
-          </p:nvPr>
-        </p:nvSpPr>
-        <p:spPr>
-          <a:xfrm>
-            <a:off x="0" y="0"/>
-            <a:ext cx="12188952" cy="6858000"/>
-          </a:xfrm>
-          <a:prstGeom prst="rect">
-            <a:avLst/>
-          </a:prstGeom>
-          <a:ln>
-            <a:noFill/>
-          </a:ln>
-        </p:spPr>
-        <p:style>
-          <a:lnRef idx="2">
-            <a:schemeClr val="accent1">
-              <a:shade val="50000"/>
-            </a:schemeClr>
-          </a:lnRef>
-          <a:fillRef idx="1">
-            <a:schemeClr val="accent1"/>
-          </a:fillRef>
-          <a:effectRef idx="0">
-            <a:schemeClr val="accent1"/>
-          </a:effectRef>
-          <a:fontRef idx="minor">
-            <a:schemeClr val="lt1"/>
-          </a:fontRef>
-        </p:style>
-        <p:txBody>
-          <a:bodyPr rtlCol="0" anchor="ctr"/>
-          <a:lstStyle/>
-          <a:p>
-            <a:pPr algn="ctr"/>
-            <a:endParaRPr lang="en-US"/>
-          </a:p>
-        </p:txBody>
-      </p:sp>
       <p:sp>
         <p:nvSpPr>
           <p:cNvPr id="2" name="Title 1">
@@ -7138,315 +5646,25 @@
             <p:ph type="title"/>
           </p:nvPr>
         </p:nvSpPr>
-        <p:spPr>
-          <a:xfrm>
-            <a:off x="638881" y="457200"/>
-            <a:ext cx="10909640" cy="1368614"/>
-          </a:xfrm>
-        </p:spPr>
-        <p:txBody>
-          <a:bodyPr vert="horz" lIns="91440" tIns="45720" rIns="91440" bIns="45720" rtlCol="0" anchor="ctr">
-            <a:normAutofit/>
-          </a:bodyPr>
-          <a:lstStyle/>
-          <a:p>
-            <a:pPr algn="ctr"/>
-            <a:r>
-              <a:rPr lang="en-US" sz="6600" b="1" dirty="0"/>
-              <a:t>Word2Vec </a:t>
-            </a:r>
-          </a:p>
-        </p:txBody>
-      </p:sp>
-      <p:sp>
-        <p:nvSpPr>
-          <p:cNvPr id="1031" name="sketch line">
-            <a:extLst>
-              <a:ext uri="{FF2B5EF4-FFF2-40B4-BE49-F238E27FC236}">
-                <a16:creationId xmlns:a16="http://schemas.microsoft.com/office/drawing/2014/main" id="{D6A9C53F-5F90-40A5-8C85-5412D39C8C68}"/>
-              </a:ext>
-              <a:ext uri="{C183D7F6-B498-43B3-948B-1728B52AA6E4}">
-                <adec:decorative xmlns:adec="http://schemas.microsoft.com/office/drawing/2017/decorative" val="1"/>
-              </a:ext>
-            </a:extLst>
-          </p:cNvPr>
-          <p:cNvSpPr>
-            <a:spLocks noGrp="1" noRot="1" noChangeAspect="1" noMove="1" noResize="1" noEditPoints="1" noAdjustHandles="1" noChangeArrowheads="1" noChangeShapeType="1" noTextEdit="1"/>
-          </p:cNvSpPr>
-          <p:nvPr>
-            <p:extLst>
-              <p:ext uri="{386F3935-93C4-4BCD-93E2-E3B085C9AB24}">
-                <p16:designElem xmlns:p16="http://schemas.microsoft.com/office/powerpoint/2015/main" val="1"/>
-              </p:ext>
-            </p:extLst>
-          </p:nvPr>
-        </p:nvSpPr>
-        <p:spPr>
-          <a:xfrm>
-            <a:off x="4450080" y="1850683"/>
-            <a:ext cx="3291840" cy="18288"/>
-          </a:xfrm>
-          <a:custGeom>
-            <a:avLst/>
-            <a:gdLst>
-              <a:gd name="connsiteX0" fmla="*/ 0 w 3291840"/>
-              <a:gd name="connsiteY0" fmla="*/ 0 h 18288"/>
-              <a:gd name="connsiteX1" fmla="*/ 658368 w 3291840"/>
-              <a:gd name="connsiteY1" fmla="*/ 0 h 18288"/>
-              <a:gd name="connsiteX2" fmla="*/ 1283818 w 3291840"/>
-              <a:gd name="connsiteY2" fmla="*/ 0 h 18288"/>
-              <a:gd name="connsiteX3" fmla="*/ 1909267 w 3291840"/>
-              <a:gd name="connsiteY3" fmla="*/ 0 h 18288"/>
-              <a:gd name="connsiteX4" fmla="*/ 2633472 w 3291840"/>
-              <a:gd name="connsiteY4" fmla="*/ 0 h 18288"/>
-              <a:gd name="connsiteX5" fmla="*/ 3291840 w 3291840"/>
-              <a:gd name="connsiteY5" fmla="*/ 0 h 18288"/>
-              <a:gd name="connsiteX6" fmla="*/ 3291840 w 3291840"/>
-              <a:gd name="connsiteY6" fmla="*/ 18288 h 18288"/>
-              <a:gd name="connsiteX7" fmla="*/ 2633472 w 3291840"/>
-              <a:gd name="connsiteY7" fmla="*/ 18288 h 18288"/>
-              <a:gd name="connsiteX8" fmla="*/ 2073859 w 3291840"/>
-              <a:gd name="connsiteY8" fmla="*/ 18288 h 18288"/>
-              <a:gd name="connsiteX9" fmla="*/ 1448410 w 3291840"/>
-              <a:gd name="connsiteY9" fmla="*/ 18288 h 18288"/>
-              <a:gd name="connsiteX10" fmla="*/ 822960 w 3291840"/>
-              <a:gd name="connsiteY10" fmla="*/ 18288 h 18288"/>
-              <a:gd name="connsiteX11" fmla="*/ 0 w 3291840"/>
-              <a:gd name="connsiteY11" fmla="*/ 18288 h 18288"/>
-              <a:gd name="connsiteX12" fmla="*/ 0 w 3291840"/>
-              <a:gd name="connsiteY12" fmla="*/ 0 h 18288"/>
-            </a:gdLst>
-            <a:ahLst/>
-            <a:cxnLst>
-              <a:cxn ang="0">
-                <a:pos x="connsiteX0" y="connsiteY0"/>
-              </a:cxn>
-              <a:cxn ang="0">
-                <a:pos x="connsiteX1" y="connsiteY1"/>
-              </a:cxn>
-              <a:cxn ang="0">
-                <a:pos x="connsiteX2" y="connsiteY2"/>
-              </a:cxn>
-              <a:cxn ang="0">
-                <a:pos x="connsiteX3" y="connsiteY3"/>
-              </a:cxn>
-              <a:cxn ang="0">
-                <a:pos x="connsiteX4" y="connsiteY4"/>
-              </a:cxn>
-              <a:cxn ang="0">
-                <a:pos x="connsiteX5" y="connsiteY5"/>
-              </a:cxn>
-              <a:cxn ang="0">
-                <a:pos x="connsiteX6" y="connsiteY6"/>
-              </a:cxn>
-              <a:cxn ang="0">
-                <a:pos x="connsiteX7" y="connsiteY7"/>
-              </a:cxn>
-              <a:cxn ang="0">
-                <a:pos x="connsiteX8" y="connsiteY8"/>
-              </a:cxn>
-              <a:cxn ang="0">
-                <a:pos x="connsiteX9" y="connsiteY9"/>
-              </a:cxn>
-              <a:cxn ang="0">
-                <a:pos x="connsiteX10" y="connsiteY10"/>
-              </a:cxn>
-              <a:cxn ang="0">
-                <a:pos x="connsiteX11" y="connsiteY11"/>
-              </a:cxn>
-              <a:cxn ang="0">
-                <a:pos x="connsiteX12" y="connsiteY12"/>
-              </a:cxn>
-            </a:cxnLst>
-            <a:rect l="l" t="t" r="r" b="b"/>
-            <a:pathLst>
-              <a:path w="3291840" h="18288" fill="none" extrusionOk="0">
-                <a:moveTo>
-                  <a:pt x="0" y="0"/>
-                </a:moveTo>
-                <a:cubicBezTo>
-                  <a:pt x="173077" y="-20031"/>
-                  <a:pt x="443104" y="6424"/>
-                  <a:pt x="658368" y="0"/>
-                </a:cubicBezTo>
-                <a:cubicBezTo>
-                  <a:pt x="873632" y="-6424"/>
-                  <a:pt x="1034028" y="11764"/>
-                  <a:pt x="1283818" y="0"/>
-                </a:cubicBezTo>
-                <a:cubicBezTo>
-                  <a:pt x="1533608" y="-11764"/>
-                  <a:pt x="1691227" y="-30112"/>
-                  <a:pt x="1909267" y="0"/>
-                </a:cubicBezTo>
-                <a:cubicBezTo>
-                  <a:pt x="2127307" y="30112"/>
-                  <a:pt x="2272465" y="-18735"/>
-                  <a:pt x="2633472" y="0"/>
-                </a:cubicBezTo>
-                <a:cubicBezTo>
-                  <a:pt x="2994479" y="18735"/>
-                  <a:pt x="3023324" y="-32030"/>
-                  <a:pt x="3291840" y="0"/>
-                </a:cubicBezTo>
-                <a:cubicBezTo>
-                  <a:pt x="3291406" y="7551"/>
-                  <a:pt x="3291373" y="9822"/>
-                  <a:pt x="3291840" y="18288"/>
-                </a:cubicBezTo>
-                <a:cubicBezTo>
-                  <a:pt x="3048445" y="38989"/>
-                  <a:pt x="2846548" y="-14400"/>
-                  <a:pt x="2633472" y="18288"/>
-                </a:cubicBezTo>
-                <a:cubicBezTo>
-                  <a:pt x="2420396" y="50976"/>
-                  <a:pt x="2304099" y="6336"/>
-                  <a:pt x="2073859" y="18288"/>
-                </a:cubicBezTo>
-                <a:cubicBezTo>
-                  <a:pt x="1843619" y="30240"/>
-                  <a:pt x="1706926" y="10778"/>
-                  <a:pt x="1448410" y="18288"/>
-                </a:cubicBezTo>
-                <a:cubicBezTo>
-                  <a:pt x="1189894" y="25798"/>
-                  <a:pt x="1002278" y="8992"/>
-                  <a:pt x="822960" y="18288"/>
-                </a:cubicBezTo>
-                <a:cubicBezTo>
-                  <a:pt x="643642" y="27585"/>
-                  <a:pt x="307039" y="38051"/>
-                  <a:pt x="0" y="18288"/>
-                </a:cubicBezTo>
-                <a:cubicBezTo>
-                  <a:pt x="60" y="11696"/>
-                  <a:pt x="66" y="3758"/>
-                  <a:pt x="0" y="0"/>
-                </a:cubicBezTo>
-                <a:close/>
-              </a:path>
-              <a:path w="3291840" h="18288" stroke="0" extrusionOk="0">
-                <a:moveTo>
-                  <a:pt x="0" y="0"/>
-                </a:moveTo>
-                <a:cubicBezTo>
-                  <a:pt x="195850" y="28018"/>
-                  <a:pt x="434891" y="17390"/>
-                  <a:pt x="592531" y="0"/>
-                </a:cubicBezTo>
-                <a:cubicBezTo>
-                  <a:pt x="750171" y="-17390"/>
-                  <a:pt x="1018709" y="32200"/>
-                  <a:pt x="1316736" y="0"/>
-                </a:cubicBezTo>
-                <a:cubicBezTo>
-                  <a:pt x="1614763" y="-32200"/>
-                  <a:pt x="1696480" y="-11367"/>
-                  <a:pt x="1876349" y="0"/>
-                </a:cubicBezTo>
-                <a:cubicBezTo>
-                  <a:pt x="2056218" y="11367"/>
-                  <a:pt x="2193364" y="13433"/>
-                  <a:pt x="2435962" y="0"/>
-                </a:cubicBezTo>
-                <a:cubicBezTo>
-                  <a:pt x="2678560" y="-13433"/>
-                  <a:pt x="3010901" y="-42367"/>
-                  <a:pt x="3291840" y="0"/>
-                </a:cubicBezTo>
-                <a:cubicBezTo>
-                  <a:pt x="3291758" y="4406"/>
-                  <a:pt x="3291751" y="9982"/>
-                  <a:pt x="3291840" y="18288"/>
-                </a:cubicBezTo>
-                <a:cubicBezTo>
-                  <a:pt x="3108993" y="14228"/>
-                  <a:pt x="2952658" y="46900"/>
-                  <a:pt x="2666390" y="18288"/>
-                </a:cubicBezTo>
-                <a:cubicBezTo>
-                  <a:pt x="2380122" y="-10324"/>
-                  <a:pt x="2263855" y="41055"/>
-                  <a:pt x="2040941" y="18288"/>
-                </a:cubicBezTo>
-                <a:cubicBezTo>
-                  <a:pt x="1818027" y="-4479"/>
-                  <a:pt x="1675097" y="6509"/>
-                  <a:pt x="1415491" y="18288"/>
-                </a:cubicBezTo>
-                <a:cubicBezTo>
-                  <a:pt x="1155885" y="30068"/>
-                  <a:pt x="852976" y="36210"/>
-                  <a:pt x="691286" y="18288"/>
-                </a:cubicBezTo>
-                <a:cubicBezTo>
-                  <a:pt x="529596" y="366"/>
-                  <a:pt x="187183" y="13912"/>
-                  <a:pt x="0" y="18288"/>
-                </a:cubicBezTo>
-                <a:cubicBezTo>
-                  <a:pt x="189" y="14288"/>
-                  <a:pt x="-703" y="3747"/>
-                  <a:pt x="0" y="0"/>
-                </a:cubicBezTo>
-                <a:close/>
-              </a:path>
-            </a:pathLst>
-          </a:custGeom>
-          <a:solidFill>
-            <a:schemeClr val="accent2"/>
-          </a:solidFill>
-          <a:ln w="41275" cap="rnd">
-            <a:solidFill>
-              <a:schemeClr val="accent2"/>
-            </a:solidFill>
-            <a:round/>
-            <a:extLst>
-              <a:ext uri="{C807C97D-BFC1-408E-A445-0C87EB9F89A2}">
-                <ask:lineSketchStyleProps xmlns:ask="http://schemas.microsoft.com/office/drawing/2018/sketchyshapes" sd="2863741219">
-                  <a:prstGeom prst="rect">
-                    <a:avLst/>
-                  </a:prstGeom>
-                  <ask:type>
-                    <ask:lineSketchFreehand/>
-                  </ask:type>
-                </ask:lineSketchStyleProps>
-              </a:ext>
-            </a:extLst>
-          </a:ln>
-        </p:spPr>
-        <p:style>
-          <a:lnRef idx="2">
-            <a:schemeClr val="accent1">
-              <a:shade val="50000"/>
-            </a:schemeClr>
-          </a:lnRef>
-          <a:fillRef idx="1">
-            <a:schemeClr val="accent1"/>
-          </a:fillRef>
-          <a:effectRef idx="0">
-            <a:schemeClr val="accent1"/>
-          </a:effectRef>
-          <a:fontRef idx="minor">
-            <a:schemeClr val="lt1"/>
-          </a:fontRef>
-        </p:style>
-        <p:txBody>
-          <a:bodyPr rtlCol="0" anchor="ctr"/>
-          <a:lstStyle/>
-          <a:p>
-            <a:pPr algn="ctr"/>
-            <a:endParaRPr lang="en-US"/>
+        <p:spPr/>
+        <p:txBody>
+          <a:bodyPr/>
+          <a:lstStyle/>
+          <a:p>
+            <a:r>
+              <a:rPr lang="en-US" b="1" dirty="0"/>
+              <a:t>Continuous Bag-of-Words vs Skip-Gram</a:t>
+            </a:r>
+            <a:endParaRPr lang="en-GB" b="1" dirty="0"/>
           </a:p>
         </p:txBody>
       </p:sp>
       <p:pic>
         <p:nvPicPr>
-          <p:cNvPr id="1028" name="Picture 4" descr="word2vec-architecture">
-            <a:extLst>
-              <a:ext uri="{FF2B5EF4-FFF2-40B4-BE49-F238E27FC236}">
-                <a16:creationId xmlns:a16="http://schemas.microsoft.com/office/drawing/2014/main" id="{DF01BB4F-9A99-1EA4-9B38-D058DDF4A08D}"/>
+          <p:cNvPr id="1026" name="Picture 2" descr="Word2Vec Training Models">
+            <a:extLst>
+              <a:ext uri="{FF2B5EF4-FFF2-40B4-BE49-F238E27FC236}">
+                <a16:creationId xmlns:a16="http://schemas.microsoft.com/office/drawing/2014/main" id="{84325EB4-EAE8-BD1B-086C-E8EE96A2146E}"/>
               </a:ext>
             </a:extLst>
           </p:cNvPr>
@@ -7463,60 +5681,15 @@
               </a:ext>
             </a:extLst>
           </a:blip>
+          <a:srcRect/>
           <a:stretch>
             <a:fillRect/>
           </a:stretch>
         </p:blipFill>
         <p:spPr bwMode="auto">
           <a:xfrm>
-            <a:off x="173903" y="2012510"/>
-            <a:ext cx="6094580" cy="3811722"/>
-          </a:xfrm>
-          <a:prstGeom prst="rect">
-            <a:avLst/>
-          </a:prstGeom>
-          <a:noFill/>
-          <a:extLst>
-            <a:ext uri="{909E8E84-426E-40DD-AFC4-6F175D3DCCD1}">
-              <a14:hiddenFill xmlns:a14="http://schemas.microsoft.com/office/drawing/2010/main">
-                <a:solidFill>
-                  <a:srgbClr val="FFFFFF"/>
-                </a:solidFill>
-              </a14:hiddenFill>
-            </a:ext>
-          </a:extLst>
-        </p:spPr>
-      </p:pic>
-      <p:pic>
-        <p:nvPicPr>
-          <p:cNvPr id="3" name="Picture 2" descr="context-window-skip-grams">
-            <a:extLst>
-              <a:ext uri="{FF2B5EF4-FFF2-40B4-BE49-F238E27FC236}">
-                <a16:creationId xmlns:a16="http://schemas.microsoft.com/office/drawing/2014/main" id="{BFD266F6-1679-B437-502C-3D8035AB3D7B}"/>
-              </a:ext>
-            </a:extLst>
-          </p:cNvPr>
-          <p:cNvPicPr>
-            <a:picLocks noChangeAspect="1" noChangeArrowheads="1"/>
-          </p:cNvPicPr>
-          <p:nvPr/>
-        </p:nvPicPr>
-        <p:blipFill>
-          <a:blip r:embed="rId3">
-            <a:extLst>
-              <a:ext uri="{28A0092B-C50C-407E-A947-70E740481C1C}">
-                <a14:useLocalDpi xmlns:a14="http://schemas.microsoft.com/office/drawing/2010/main" val="0"/>
-              </a:ext>
-            </a:extLst>
-          </a:blip>
-          <a:stretch>
-            <a:fillRect/>
-          </a:stretch>
-        </p:blipFill>
-        <p:spPr bwMode="auto">
-          <a:xfrm>
-            <a:off x="6108360" y="1944791"/>
-            <a:ext cx="6397292" cy="3821900"/>
+            <a:off x="838200" y="1268361"/>
+            <a:ext cx="8746125" cy="5331348"/>
           </a:xfrm>
           <a:prstGeom prst="rect">
             <a:avLst/>
@@ -7591,7 +5764,7 @@
                 </a:solidFill>
                 <a:cs typeface="Arial" panose="020B0604020202020204" pitchFamily="34" charset="0"/>
               </a:rPr>
-              <a:t>Glove</a:t>
+              <a:t>GloVe</a:t>
             </a:r>
             <a:endParaRPr lang="en-GB" b="1" dirty="0"/>
           </a:p>
@@ -7622,7 +5795,7 @@
         </p:spPr>
         <p:txBody>
           <a:bodyPr vert="horz" lIns="91440" tIns="45720" rIns="91440" bIns="45720" rtlCol="0" anchor="t">
-            <a:normAutofit/>
+            <a:normAutofit lnSpcReduction="10000"/>
           </a:bodyPr>
           <a:lstStyle>
             <a:lvl1pPr marL="228600" indent="-228600" algn="l" defTabSz="914400" rtl="0" eaLnBrk="1" latinLnBrk="0" hangingPunct="1">
@@ -7796,29 +5969,37 @@
               <a:buSzPct val="100000"/>
             </a:pPr>
             <a:r>
-              <a:rPr lang="en-US" sz="3200" dirty="0">
-                <a:ea typeface="+mn-lt"/>
-                <a:cs typeface="+mn-lt"/>
+              <a:rPr lang="en-US" sz="3200" b="0" i="0" u="none" strike="noStrike" dirty="0">
+                <a:effectLst/>
               </a:rPr>
-              <a:t>Developed by Tomas </a:t>
-            </a:r>
-            <a:r>
-              <a:rPr lang="en-US" sz="3200" dirty="0" err="1">
-                <a:ea typeface="+mn-lt"/>
-                <a:cs typeface="+mn-lt"/>
+              <a:t>GloVe: </a:t>
+            </a:r>
+            <a:r>
+              <a:rPr lang="en-US" sz="3200" b="0" i="0" dirty="0">
+                <a:effectLst/>
               </a:rPr>
-              <a:t>Mikolov</a:t>
-            </a:r>
-            <a:r>
-              <a:rPr lang="en-US" sz="3200" dirty="0">
-                <a:ea typeface="+mn-lt"/>
-                <a:cs typeface="+mn-lt"/>
+              <a:t>Global Vectors for Word Representation</a:t>
+            </a:r>
+            <a:r>
+              <a:rPr lang="he-IL" sz="3200" b="0" i="0" dirty="0">
+                <a:effectLst/>
               </a:rPr>
-              <a:t>, et al. at Google in 2013</a:t>
-            </a:r>
-            <a:endParaRPr lang="he-IL" sz="3200" dirty="0">
-              <a:ea typeface="+mn-lt"/>
-              <a:cs typeface="+mn-lt"/>
+              <a:t>,</a:t>
+            </a:r>
+            <a:r>
+              <a:rPr lang="en-US" sz="3200" b="0" i="0" dirty="0">
+                <a:effectLst/>
+              </a:rPr>
+              <a:t> </a:t>
+            </a:r>
+            <a:r>
+              <a:rPr lang="en-IL" sz="3200" b="0" i="0" dirty="0">
+                <a:effectLst/>
+              </a:rPr>
+              <a:t> 2014.</a:t>
+            </a:r>
+            <a:endParaRPr lang="he-IL" sz="3200" b="0" i="0" dirty="0">
+              <a:effectLst/>
             </a:endParaRPr>
           </a:p>
           <a:p>
@@ -7829,11 +6010,15 @@
               <a:buSzPct val="100000"/>
             </a:pPr>
             <a:r>
-              <a:rPr lang="en-US" sz="3200" dirty="0">
-                <a:ea typeface="+mn-lt"/>
-                <a:cs typeface="+mn-lt"/>
-              </a:rPr>
-              <a:t>Low space and time complexity</a:t>
+              <a:rPr lang="en-US" sz="3200" dirty="0"/>
+              <a:t>developed by Pennington,</a:t>
+            </a:r>
+            <a:br>
+              <a:rPr lang="en-US" sz="3200" dirty="0"/>
+            </a:br>
+            <a:r>
+              <a:rPr lang="en-US" sz="3200" dirty="0"/>
+              <a:t> et al. at Stanford,2014</a:t>
             </a:r>
           </a:p>
           <a:p>
@@ -7844,29 +6029,22 @@
               <a:buSzPct val="100000"/>
             </a:pPr>
             <a:r>
-              <a:rPr lang="en-US" sz="3200" dirty="0">
-                <a:ea typeface="+mn-lt"/>
-                <a:cs typeface="+mn-lt"/>
-              </a:rPr>
-              <a:t>Relies on local usage context</a:t>
-            </a:r>
-          </a:p>
-          <a:p>
-            <a:pPr marL="914400" lvl="1" indent="-457200">
-              <a:lnSpc>
-                <a:spcPct val="150000"/>
-              </a:lnSpc>
-              <a:spcBef>
-                <a:spcPts val="1000"/>
-              </a:spcBef>
-              <a:buSzPct val="100000"/>
-            </a:pPr>
-            <a:r>
-              <a:rPr lang="en-US" sz="2800" dirty="0">
-                <a:ea typeface="+mn-lt"/>
-                <a:cs typeface="+mn-lt"/>
-              </a:rPr>
-              <a:t>This is the hyperparameter of this model</a:t>
+              <a:rPr lang="en-US" sz="3200" dirty="0"/>
+              <a:t>word co-occurrence matrix</a:t>
+            </a:r>
+            <a:br>
+              <a:rPr lang="en-US" sz="3200" dirty="0"/>
+            </a:br>
+            <a:r>
+              <a:rPr lang="en-US" sz="3200" dirty="0"/>
+              <a:t> using statistics across the</a:t>
+            </a:r>
+            <a:br>
+              <a:rPr lang="en-US" sz="3200" dirty="0"/>
+            </a:br>
+            <a:r>
+              <a:rPr lang="en-US" sz="3200" dirty="0"/>
+              <a:t> whole text corpus</a:t>
             </a:r>
           </a:p>
           <a:p>
@@ -7931,6 +6109,42 @@
           </a:p>
         </p:txBody>
       </p:sp>
+      <p:pic>
+        <p:nvPicPr>
+          <p:cNvPr id="6" name="Picture 5">
+            <a:extLst>
+              <a:ext uri="{FF2B5EF4-FFF2-40B4-BE49-F238E27FC236}">
+                <a16:creationId xmlns:a16="http://schemas.microsoft.com/office/drawing/2014/main" id="{D9D9E355-B5D8-A1CA-6238-4BE93C8A742A}"/>
+              </a:ext>
+            </a:extLst>
+          </p:cNvPr>
+          <p:cNvPicPr>
+            <a:picLocks noChangeAspect="1"/>
+          </p:cNvPicPr>
+          <p:nvPr/>
+        </p:nvPicPr>
+        <p:blipFill>
+          <a:blip r:embed="rId3">
+            <a:extLst>
+              <a:ext uri="{28A0092B-C50C-407E-A947-70E740481C1C}">
+                <a14:useLocalDpi xmlns:a14="http://schemas.microsoft.com/office/drawing/2010/main" val="0"/>
+              </a:ext>
+            </a:extLst>
+          </a:blip>
+          <a:stretch>
+            <a:fillRect/>
+          </a:stretch>
+        </p:blipFill>
+        <p:spPr>
+          <a:xfrm>
+            <a:off x="5990253" y="2743459"/>
+            <a:ext cx="5718113" cy="3881591"/>
+          </a:xfrm>
+          <a:prstGeom prst="rect">
+            <a:avLst/>
+          </a:prstGeom>
+        </p:spPr>
+      </p:pic>
     </p:spTree>
     <p:extLst>
       <p:ext uri="{BB962C8B-B14F-4D97-AF65-F5344CB8AC3E}">
@@ -7961,36 +6175,6 @@
           <a:chExt cx="0" cy="0"/>
         </a:xfrm>
       </p:grpSpPr>
-      <p:pic>
-        <p:nvPicPr>
-          <p:cNvPr id="3" name="תמונה 4">
-            <a:extLst>
-              <a:ext uri="{FF2B5EF4-FFF2-40B4-BE49-F238E27FC236}">
-                <a16:creationId xmlns:a16="http://schemas.microsoft.com/office/drawing/2014/main" id="{C021273C-0A88-240D-3E5C-CF110E214489}"/>
-              </a:ext>
-            </a:extLst>
-          </p:cNvPr>
-          <p:cNvPicPr>
-            <a:picLocks noChangeAspect="1"/>
-          </p:cNvPicPr>
-          <p:nvPr/>
-        </p:nvPicPr>
-        <p:blipFill>
-          <a:blip r:embed="rId2"/>
-          <a:stretch>
-            <a:fillRect/>
-          </a:stretch>
-        </p:blipFill>
-        <p:spPr>
-          <a:xfrm>
-            <a:off x="703847" y="1303900"/>
-            <a:ext cx="10684042" cy="540463"/>
-          </a:xfrm>
-          <a:prstGeom prst="rect">
-            <a:avLst/>
-          </a:prstGeom>
-        </p:spPr>
-      </p:pic>
       <p:sp>
         <p:nvSpPr>
           <p:cNvPr id="2" name="Title 1">
@@ -8007,16 +6191,9 @@
             <p:ph type="title"/>
           </p:nvPr>
         </p:nvSpPr>
-        <p:spPr>
-          <a:xfrm>
-            <a:off x="838200" y="365125"/>
-            <a:ext cx="10901516" cy="1325563"/>
-          </a:xfrm>
-        </p:spPr>
-        <p:txBody>
-          <a:bodyPr>
-            <a:normAutofit fontScale="90000"/>
-          </a:bodyPr>
+        <p:spPr/>
+        <p:txBody>
+          <a:bodyPr/>
           <a:lstStyle/>
           <a:p>
             <a:r>
@@ -8029,22 +6206,13 @@
               <a:t>Past work </a:t>
             </a:r>
             <a:r>
-              <a:rPr lang="he-IL" b="1" dirty="0">
+              <a:rPr lang="en-US" sz="4400" b="1" dirty="0" err="1">
                 <a:solidFill>
                   <a:prstClr val="black"/>
                 </a:solidFill>
                 <a:cs typeface="Arial" panose="020B0604020202020204" pitchFamily="34" charset="0"/>
               </a:rPr>
-              <a:t>–</a:t>
-            </a:r>
-            <a:r>
-              <a:rPr lang="en-US" b="1" dirty="0">
-                <a:solidFill>
-                  <a:prstClr val="black"/>
-                </a:solidFill>
-                <a:cs typeface="Arial" panose="020B0604020202020204" pitchFamily="34" charset="0"/>
-              </a:rPr>
-              <a:t> “Comparing word2vec and GloVe for Automatic Measurement of MWE Compositionality”</a:t>
+              <a:t>comperision</a:t>
             </a:r>
             <a:endParaRPr lang="en-GB" b="1" dirty="0"/>
           </a:p>
@@ -8068,8 +6236,8 @@
         </p:nvSpPr>
         <p:spPr>
           <a:xfrm>
-            <a:off x="838199" y="1825625"/>
-            <a:ext cx="11128513" cy="4351338"/>
+            <a:off x="838200" y="1825625"/>
+            <a:ext cx="8534400" cy="4351338"/>
           </a:xfrm>
         </p:spPr>
         <p:txBody>
@@ -8080,49 +6248,14 @@
           <a:p>
             <a:r>
               <a:rPr lang="en-US" sz="3200" dirty="0"/>
-              <a:t>Hypothesis</a:t>
-            </a:r>
-          </a:p>
-          <a:p>
-            <a:pPr lvl="1"/>
-            <a:r>
-              <a:rPr lang="en-US" sz="2800" dirty="0"/>
-              <a:t>Multiword expressions word vector are like its components word vectors</a:t>
-            </a:r>
-          </a:p>
-          <a:p>
-            <a:r>
-              <a:rPr lang="en-US" sz="3200" dirty="0"/>
-              <a:t>Datasets</a:t>
-            </a:r>
-          </a:p>
-          <a:p>
-            <a:pPr lvl="1"/>
-            <a:r>
-              <a:rPr lang="en-US" sz="2800" dirty="0"/>
-              <a:t>SIMP20=simple Wikipedia dataset of 2020</a:t>
-            </a:r>
-          </a:p>
-          <a:p>
-            <a:pPr lvl="1"/>
-            <a:r>
-              <a:rPr lang="en-US" sz="2800" dirty="0"/>
-              <a:t>EN20_10P= 10% of all Wikipedia dataset from 2020</a:t>
-            </a:r>
-          </a:p>
-          <a:p>
-            <a:r>
-              <a:rPr lang="en-US" sz="3200" dirty="0"/>
-              <a:t>Categories </a:t>
-            </a:r>
-            <a:r>
-              <a:rPr lang="en-US" dirty="0"/>
-              <a:t>(the true labels were created by humans)</a:t>
-            </a:r>
-          </a:p>
-          <a:p>
-            <a:pPr lvl="1"/>
-            <a:endParaRPr lang="en-US" sz="2800" dirty="0"/>
+              <a:t>????</a:t>
+            </a:r>
+          </a:p>
+          <a:p>
+            <a:endParaRPr lang="en-US" sz="3200" dirty="0"/>
+          </a:p>
+          <a:p>
+            <a:endParaRPr lang="en-US" sz="3200" dirty="0"/>
           </a:p>
         </p:txBody>
       </p:sp>
@@ -8140,8 +6273,8 @@
         </p:nvSpPr>
         <p:spPr>
           <a:xfrm>
-            <a:off x="-57150" y="6636992"/>
-            <a:ext cx="12211050" cy="430887"/>
+            <a:off x="-57150" y="6607175"/>
+            <a:ext cx="12211050" cy="276999"/>
           </a:xfrm>
           <a:prstGeom prst="rect">
             <a:avLst/>
@@ -8155,16 +6288,126 @@
           <a:lstStyle/>
           <a:p>
             <a:r>
-              <a:rPr lang="en-US" sz="1100" u="none" strike="noStrike" dirty="0">
+              <a:rPr lang="en-US" sz="1200" u="none" strike="noStrike" dirty="0" err="1">
+                <a:solidFill>
+                  <a:srgbClr val="222222"/>
+                </a:solidFill>
                 <a:effectLst/>
+                <a:highlight>
+                  <a:srgbClr val="FFFFFF"/>
+                </a:highlight>
                 <a:latin typeface="Calibri" panose="020F0502020204030204" pitchFamily="34" charset="0"/>
                 <a:ea typeface="Calibri" panose="020F0502020204030204" pitchFamily="34" charset="0"/>
+                <a:cs typeface="Calibri" panose="020F0502020204030204" pitchFamily="34" charset="0"/>
               </a:rPr>
-              <a:t>Pickard, T. (2020, December). Comparing word2vec and glove for automatic measurement of MWE compositionality. In Proceedings of the Joint Workshop on Multiword Expressions and Electronic Lexicons </a:t>
-            </a:r>
-          </a:p>
-          <a:p>
-            <a:endParaRPr lang="en-IL" sz="1100" u="none" strike="noStrike" dirty="0">
+              <a:t>Ravanelli</a:t>
+            </a:r>
+            <a:r>
+              <a:rPr lang="en-US" sz="1200" u="none" strike="noStrike" dirty="0">
+                <a:solidFill>
+                  <a:srgbClr val="222222"/>
+                </a:solidFill>
+                <a:effectLst/>
+                <a:highlight>
+                  <a:srgbClr val="FFFFFF"/>
+                </a:highlight>
+                <a:latin typeface="Calibri" panose="020F0502020204030204" pitchFamily="34" charset="0"/>
+                <a:ea typeface="Calibri" panose="020F0502020204030204" pitchFamily="34" charset="0"/>
+                <a:cs typeface="Calibri" panose="020F0502020204030204" pitchFamily="34" charset="0"/>
+              </a:rPr>
+              <a:t>, M., &amp; </a:t>
+            </a:r>
+            <a:r>
+              <a:rPr lang="en-US" sz="1200" u="none" strike="noStrike" dirty="0" err="1">
+                <a:solidFill>
+                  <a:srgbClr val="222222"/>
+                </a:solidFill>
+                <a:effectLst/>
+                <a:highlight>
+                  <a:srgbClr val="FFFFFF"/>
+                </a:highlight>
+                <a:latin typeface="Calibri" panose="020F0502020204030204" pitchFamily="34" charset="0"/>
+                <a:ea typeface="Calibri" panose="020F0502020204030204" pitchFamily="34" charset="0"/>
+                <a:cs typeface="Calibri" panose="020F0502020204030204" pitchFamily="34" charset="0"/>
+              </a:rPr>
+              <a:t>Bengio</a:t>
+            </a:r>
+            <a:r>
+              <a:rPr lang="en-US" sz="1200" u="none" strike="noStrike" dirty="0">
+                <a:solidFill>
+                  <a:srgbClr val="222222"/>
+                </a:solidFill>
+                <a:effectLst/>
+                <a:highlight>
+                  <a:srgbClr val="FFFFFF"/>
+                </a:highlight>
+                <a:latin typeface="Calibri" panose="020F0502020204030204" pitchFamily="34" charset="0"/>
+                <a:ea typeface="Calibri" panose="020F0502020204030204" pitchFamily="34" charset="0"/>
+                <a:cs typeface="Calibri" panose="020F0502020204030204" pitchFamily="34" charset="0"/>
+              </a:rPr>
+              <a:t>, Y. (2018, December). Speaker recognition from raw waveform with </a:t>
+            </a:r>
+            <a:r>
+              <a:rPr lang="en-US" sz="1200" u="none" strike="noStrike" dirty="0" err="1">
+                <a:solidFill>
+                  <a:srgbClr val="222222"/>
+                </a:solidFill>
+                <a:effectLst/>
+                <a:highlight>
+                  <a:srgbClr val="FFFFFF"/>
+                </a:highlight>
+                <a:latin typeface="Calibri" panose="020F0502020204030204" pitchFamily="34" charset="0"/>
+                <a:ea typeface="Calibri" panose="020F0502020204030204" pitchFamily="34" charset="0"/>
+                <a:cs typeface="Calibri" panose="020F0502020204030204" pitchFamily="34" charset="0"/>
+              </a:rPr>
+              <a:t>sincnet</a:t>
+            </a:r>
+            <a:r>
+              <a:rPr lang="en-US" sz="1200" u="none" strike="noStrike" dirty="0">
+                <a:solidFill>
+                  <a:srgbClr val="222222"/>
+                </a:solidFill>
+                <a:effectLst/>
+                <a:highlight>
+                  <a:srgbClr val="FFFFFF"/>
+                </a:highlight>
+                <a:latin typeface="Calibri" panose="020F0502020204030204" pitchFamily="34" charset="0"/>
+                <a:ea typeface="Calibri" panose="020F0502020204030204" pitchFamily="34" charset="0"/>
+                <a:cs typeface="Calibri" panose="020F0502020204030204" pitchFamily="34" charset="0"/>
+              </a:rPr>
+              <a:t>. </a:t>
+            </a:r>
+            <a:r>
+              <a:rPr lang="he-IL" sz="1200" u="none" strike="noStrike" dirty="0">
+                <a:solidFill>
+                  <a:srgbClr val="222222"/>
+                </a:solidFill>
+                <a:effectLst/>
+                <a:highlight>
+                  <a:srgbClr val="FFFFFF"/>
+                </a:highlight>
+                <a:latin typeface="Calibri" panose="020F0502020204030204" pitchFamily="34" charset="0"/>
+                <a:ea typeface="Calibri" panose="020F0502020204030204" pitchFamily="34" charset="0"/>
+                <a:cs typeface="Calibri" panose="020F0502020204030204" pitchFamily="34" charset="0"/>
+              </a:rPr>
+              <a:t>In </a:t>
+            </a:r>
+            <a:r>
+              <a:rPr lang="he-IL" sz="1200" i="1" u="none" strike="noStrike" dirty="0">
+                <a:solidFill>
+                  <a:srgbClr val="222222"/>
+                </a:solidFill>
+                <a:effectLst/>
+                <a:highlight>
+                  <a:srgbClr val="FFFFFF"/>
+                </a:highlight>
+                <a:latin typeface="Calibri" panose="020F0502020204030204" pitchFamily="34" charset="0"/>
+                <a:ea typeface="Calibri" panose="020F0502020204030204" pitchFamily="34" charset="0"/>
+                <a:cs typeface="Calibri" panose="020F0502020204030204" pitchFamily="34" charset="0"/>
+              </a:rPr>
+              <a:t>2018 IEEE Spoken Language Technology Workshop (SLT)</a:t>
+            </a:r>
+            <a:endParaRPr lang="en-IL" sz="1200" u="none" strike="noStrike" dirty="0">
               <a:effectLst/>
               <a:latin typeface="Calibri" panose="020F0502020204030204" pitchFamily="34" charset="0"/>
               <a:ea typeface="Calibri" panose="020F0502020204030204" pitchFamily="34" charset="0"/>
@@ -8172,444 +6415,6 @@
           </a:p>
         </p:txBody>
       </p:sp>
-      <p:graphicFrame>
-        <p:nvGraphicFramePr>
-          <p:cNvPr id="7" name="Table 7">
-            <a:extLst>
-              <a:ext uri="{FF2B5EF4-FFF2-40B4-BE49-F238E27FC236}">
-                <a16:creationId xmlns:a16="http://schemas.microsoft.com/office/drawing/2014/main" id="{728015F8-CE9D-9705-D7C9-117715435067}"/>
-              </a:ext>
-            </a:extLst>
-          </p:cNvPr>
-          <p:cNvGraphicFramePr>
-            <a:graphicFrameLocks noGrp="1"/>
-          </p:cNvGraphicFramePr>
-          <p:nvPr>
-            <p:extLst>
-              <p:ext uri="{D42A27DB-BD31-4B8C-83A1-F6EECF244321}">
-                <p14:modId xmlns:p14="http://schemas.microsoft.com/office/powerpoint/2010/main" val="3558923149"/>
-              </p:ext>
-            </p:extLst>
-          </p:nvPr>
-        </p:nvGraphicFramePr>
-        <p:xfrm>
-          <a:off x="1041397" y="5199380"/>
-          <a:ext cx="10312404" cy="1483360"/>
-        </p:xfrm>
-        <a:graphic>
-          <a:graphicData uri="http://schemas.openxmlformats.org/drawingml/2006/table">
-            <a:tbl>
-              <a:tblPr firstRow="1" bandRow="1">
-                <a:tableStyleId>{72833802-FEF1-4C79-8D5D-14CF1EAF98D9}</a:tableStyleId>
-              </a:tblPr>
-              <a:tblGrid>
-                <a:gridCol w="1612350">
-                  <a:extLst>
-                    <a:ext uri="{9D8B030D-6E8A-4147-A177-3AD203B41FA5}">
-                      <a16:colId xmlns:a16="http://schemas.microsoft.com/office/drawing/2014/main" val="198279148"/>
-                    </a:ext>
-                  </a:extLst>
-                </a:gridCol>
-                <a:gridCol w="1825118">
-                  <a:extLst>
-                    <a:ext uri="{9D8B030D-6E8A-4147-A177-3AD203B41FA5}">
-                      <a16:colId xmlns:a16="http://schemas.microsoft.com/office/drawing/2014/main" val="3171802010"/>
-                    </a:ext>
-                  </a:extLst>
-                </a:gridCol>
-                <a:gridCol w="1718734">
-                  <a:extLst>
-                    <a:ext uri="{9D8B030D-6E8A-4147-A177-3AD203B41FA5}">
-                      <a16:colId xmlns:a16="http://schemas.microsoft.com/office/drawing/2014/main" val="1827215711"/>
-                    </a:ext>
-                  </a:extLst>
-                </a:gridCol>
-                <a:gridCol w="1718734">
-                  <a:extLst>
-                    <a:ext uri="{9D8B030D-6E8A-4147-A177-3AD203B41FA5}">
-                      <a16:colId xmlns:a16="http://schemas.microsoft.com/office/drawing/2014/main" val="3089581234"/>
-                    </a:ext>
-                  </a:extLst>
-                </a:gridCol>
-                <a:gridCol w="1718734">
-                  <a:extLst>
-                    <a:ext uri="{9D8B030D-6E8A-4147-A177-3AD203B41FA5}">
-                      <a16:colId xmlns:a16="http://schemas.microsoft.com/office/drawing/2014/main" val="3377657747"/>
-                    </a:ext>
-                  </a:extLst>
-                </a:gridCol>
-                <a:gridCol w="1718734">
-                  <a:extLst>
-                    <a:ext uri="{9D8B030D-6E8A-4147-A177-3AD203B41FA5}">
-                      <a16:colId xmlns:a16="http://schemas.microsoft.com/office/drawing/2014/main" val="1124283984"/>
-                    </a:ext>
-                  </a:extLst>
-                </a:gridCol>
-              </a:tblGrid>
-              <a:tr h="370840">
-                <a:tc>
-                  <a:txBody>
-                    <a:bodyPr/>
-                    <a:lstStyle/>
-                    <a:p>
-                      <a:endParaRPr lang="en-IL" dirty="0"/>
-                    </a:p>
-                  </a:txBody>
-                  <a:tcPr/>
-                </a:tc>
-                <a:tc>
-                  <a:txBody>
-                    <a:bodyPr/>
-                    <a:lstStyle/>
-                    <a:p>
-                      <a:r>
-                        <a:rPr lang="en-US" dirty="0"/>
-                        <a:t>F_ENC</a:t>
-                      </a:r>
-                      <a:endParaRPr lang="en-IL" dirty="0"/>
-                    </a:p>
-                  </a:txBody>
-                  <a:tcPr/>
-                </a:tc>
-                <a:tc>
-                  <a:txBody>
-                    <a:bodyPr/>
-                    <a:lstStyle/>
-                    <a:p>
-                      <a:r>
-                        <a:rPr lang="en-US" dirty="0"/>
-                        <a:t>R_ENC</a:t>
-                      </a:r>
-                      <a:endParaRPr lang="en-IL" dirty="0"/>
-                    </a:p>
-                  </a:txBody>
-                  <a:tcPr/>
-                </a:tc>
-                <a:tc>
-                  <a:txBody>
-                    <a:bodyPr/>
-                    <a:lstStyle/>
-                    <a:p>
-                      <a:r>
-                        <a:rPr lang="en-US" dirty="0"/>
-                        <a:t>MC_VPC</a:t>
-                      </a:r>
-                      <a:endParaRPr lang="en-IL" dirty="0"/>
-                    </a:p>
-                  </a:txBody>
-                  <a:tcPr/>
-                </a:tc>
-                <a:tc>
-                  <a:txBody>
-                    <a:bodyPr/>
-                    <a:lstStyle/>
-                    <a:p>
-                      <a:r>
-                        <a:rPr lang="en-US" dirty="0"/>
-                        <a:t>D_ADJN</a:t>
-                      </a:r>
-                      <a:endParaRPr lang="en-IL" dirty="0"/>
-                    </a:p>
-                  </a:txBody>
-                  <a:tcPr/>
-                </a:tc>
-                <a:tc>
-                  <a:txBody>
-                    <a:bodyPr/>
-                    <a:lstStyle/>
-                    <a:p>
-                      <a:r>
-                        <a:rPr lang="en-US" dirty="0"/>
-                        <a:t>MC_VN</a:t>
-                      </a:r>
-                      <a:endParaRPr lang="en-IL" dirty="0"/>
-                    </a:p>
-                  </a:txBody>
-                  <a:tcPr/>
-                </a:tc>
-                <a:extLst>
-                  <a:ext uri="{0D108BD9-81ED-4DB2-BD59-A6C34878D82A}">
-                    <a16:rowId xmlns:a16="http://schemas.microsoft.com/office/drawing/2014/main" val="1451929024"/>
-                  </a:ext>
-                </a:extLst>
-              </a:tr>
-              <a:tr h="370840">
-                <a:tc>
-                  <a:txBody>
-                    <a:bodyPr/>
-                    <a:lstStyle/>
-                    <a:p>
-                      <a:r>
-                        <a:rPr lang="en-US" b="1" dirty="0"/>
-                        <a:t>meaning</a:t>
-                      </a:r>
-                      <a:endParaRPr lang="en-IL" b="1" dirty="0"/>
-                    </a:p>
-                  </a:txBody>
-                  <a:tcPr/>
-                </a:tc>
-                <a:tc>
-                  <a:txBody>
-                    <a:bodyPr/>
-                    <a:lstStyle/>
-                    <a:p>
-                      <a:r>
-                        <a:rPr lang="en-US" dirty="0"/>
-                        <a:t>nominal</a:t>
-                      </a:r>
-                      <a:endParaRPr lang="en-IL" dirty="0"/>
-                    </a:p>
-                  </a:txBody>
-                  <a:tcPr/>
-                </a:tc>
-                <a:tc>
-                  <a:txBody>
-                    <a:bodyPr/>
-                    <a:lstStyle/>
-                    <a:p>
-                      <a:r>
-                        <a:rPr lang="en-US" dirty="0"/>
-                        <a:t>noun</a:t>
-                      </a:r>
-                      <a:endParaRPr lang="en-IL" dirty="0"/>
-                    </a:p>
-                  </a:txBody>
-                  <a:tcPr/>
-                </a:tc>
-                <a:tc>
-                  <a:txBody>
-                    <a:bodyPr/>
-                    <a:lstStyle/>
-                    <a:p>
-                      <a:r>
-                        <a:rPr lang="en-US" dirty="0"/>
-                        <a:t>Verb-particle</a:t>
-                      </a:r>
-                      <a:endParaRPr lang="en-IL" dirty="0"/>
-                    </a:p>
-                  </a:txBody>
-                  <a:tcPr/>
-                </a:tc>
-                <a:tc>
-                  <a:txBody>
-                    <a:bodyPr/>
-                    <a:lstStyle/>
-                    <a:p>
-                      <a:r>
-                        <a:rPr lang="en-US" dirty="0"/>
-                        <a:t>Adjective-noun</a:t>
-                      </a:r>
-                      <a:endParaRPr lang="en-IL" dirty="0"/>
-                    </a:p>
-                  </a:txBody>
-                  <a:tcPr/>
-                </a:tc>
-                <a:tc>
-                  <a:txBody>
-                    <a:bodyPr/>
-                    <a:lstStyle/>
-                    <a:p>
-                      <a:r>
-                        <a:rPr lang="en-US" dirty="0"/>
-                        <a:t>Verb-object</a:t>
-                      </a:r>
-                      <a:endParaRPr lang="en-IL" dirty="0"/>
-                    </a:p>
-                  </a:txBody>
-                  <a:tcPr/>
-                </a:tc>
-                <a:extLst>
-                  <a:ext uri="{0D108BD9-81ED-4DB2-BD59-A6C34878D82A}">
-                    <a16:rowId xmlns:a16="http://schemas.microsoft.com/office/drawing/2014/main" val="3131580770"/>
-                  </a:ext>
-                </a:extLst>
-              </a:tr>
-              <a:tr h="370840">
-                <a:tc>
-                  <a:txBody>
-                    <a:bodyPr/>
-                    <a:lstStyle/>
-                    <a:p>
-                      <a:r>
-                        <a:rPr lang="en-US" b="1" dirty="0"/>
-                        <a:t>size</a:t>
-                      </a:r>
-                      <a:endParaRPr lang="en-IL" b="1" dirty="0"/>
-                    </a:p>
-                  </a:txBody>
-                  <a:tcPr/>
-                </a:tc>
-                <a:tc>
-                  <a:txBody>
-                    <a:bodyPr/>
-                    <a:lstStyle/>
-                    <a:p>
-                      <a:r>
-                        <a:rPr lang="en-US" dirty="0"/>
-                        <a:t>1042 compounds</a:t>
-                      </a:r>
-                      <a:endParaRPr lang="en-IL" dirty="0"/>
-                    </a:p>
-                  </a:txBody>
-                  <a:tcPr/>
-                </a:tc>
-                <a:tc>
-                  <a:txBody>
-                    <a:bodyPr/>
-                    <a:lstStyle/>
-                    <a:p>
-                      <a:r>
-                        <a:rPr lang="en-US" dirty="0"/>
-                        <a:t>90 compounds</a:t>
-                      </a:r>
-                      <a:endParaRPr lang="en-IL" dirty="0"/>
-                    </a:p>
-                  </a:txBody>
-                  <a:tcPr/>
-                </a:tc>
-                <a:tc>
-                  <a:txBody>
-                    <a:bodyPr/>
-                    <a:lstStyle/>
-                    <a:p>
-                      <a:r>
-                        <a:rPr lang="en-US" dirty="0"/>
-                        <a:t>116 pairs</a:t>
-                      </a:r>
-                      <a:endParaRPr lang="en-IL" dirty="0"/>
-                    </a:p>
-                  </a:txBody>
-                  <a:tcPr/>
-                </a:tc>
-                <a:tc>
-                  <a:txBody>
-                    <a:bodyPr/>
-                    <a:lstStyle/>
-                    <a:p>
-                      <a:r>
-                        <a:rPr lang="en-US" dirty="0"/>
-                        <a:t>135 compounds</a:t>
-                      </a:r>
-                      <a:endParaRPr lang="en-IL" dirty="0"/>
-                    </a:p>
-                  </a:txBody>
-                  <a:tcPr/>
-                </a:tc>
-                <a:tc>
-                  <a:txBody>
-                    <a:bodyPr/>
-                    <a:lstStyle/>
-                    <a:p>
-                      <a:r>
-                        <a:rPr lang="en-US" dirty="0"/>
-                        <a:t>638 pairs</a:t>
-                      </a:r>
-                      <a:endParaRPr lang="en-IL" dirty="0"/>
-                    </a:p>
-                  </a:txBody>
-                  <a:tcPr/>
-                </a:tc>
-                <a:extLst>
-                  <a:ext uri="{0D108BD9-81ED-4DB2-BD59-A6C34878D82A}">
-                    <a16:rowId xmlns:a16="http://schemas.microsoft.com/office/drawing/2014/main" val="2409835667"/>
-                  </a:ext>
-                </a:extLst>
-              </a:tr>
-              <a:tr h="370840">
-                <a:tc>
-                  <a:txBody>
-                    <a:bodyPr/>
-                    <a:lstStyle/>
-                    <a:p>
-                      <a:r>
-                        <a:rPr lang="en-US" b="1" dirty="0"/>
-                        <a:t>Ex.</a:t>
-                      </a:r>
-                      <a:endParaRPr lang="en-IL" b="1" dirty="0"/>
-                    </a:p>
-                  </a:txBody>
-                  <a:tcPr/>
-                </a:tc>
-                <a:tc>
-                  <a:txBody>
-                    <a:bodyPr/>
-                    <a:lstStyle/>
-                    <a:p>
-                      <a:r>
-                        <a:rPr lang="en-US" dirty="0"/>
-                        <a:t>Greenhouse gas</a:t>
-                      </a:r>
-                      <a:endParaRPr lang="en-IL" dirty="0"/>
-                    </a:p>
-                  </a:txBody>
-                  <a:tcPr/>
-                </a:tc>
-                <a:tc>
-                  <a:txBody>
-                    <a:bodyPr/>
-                    <a:lstStyle/>
-                    <a:p>
-                      <a:r>
-                        <a:rPr lang="en-US" dirty="0"/>
-                        <a:t>Ivory tower</a:t>
-                      </a:r>
-                      <a:endParaRPr lang="en-IL" dirty="0"/>
-                    </a:p>
-                  </a:txBody>
-                  <a:tcPr/>
-                </a:tc>
-                <a:tc>
-                  <a:txBody>
-                    <a:bodyPr/>
-                    <a:lstStyle/>
-                    <a:p>
-                      <a:r>
-                        <a:rPr lang="en-US" dirty="0"/>
-                        <a:t>Lie down</a:t>
-                      </a:r>
-                      <a:endParaRPr lang="en-IL" dirty="0"/>
-                    </a:p>
-                  </a:txBody>
-                  <a:tcPr/>
-                </a:tc>
-                <a:tc>
-                  <a:txBody>
-                    <a:bodyPr/>
-                    <a:lstStyle/>
-                    <a:p>
-                      <a:r>
-                        <a:rPr lang="en-US" dirty="0"/>
-                        <a:t>Blue chip</a:t>
-                      </a:r>
-                      <a:endParaRPr lang="en-IL" dirty="0"/>
-                    </a:p>
-                  </a:txBody>
-                  <a:tcPr/>
-                </a:tc>
-                <a:tc>
-                  <a:txBody>
-                    <a:bodyPr/>
-                    <a:lstStyle/>
-                    <a:p>
-                      <a:r>
-                        <a:rPr lang="en-US" dirty="0"/>
-                        <a:t>Take root</a:t>
-                      </a:r>
-                      <a:endParaRPr lang="en-IL" dirty="0"/>
-                    </a:p>
-                  </a:txBody>
-                  <a:tcPr/>
-                </a:tc>
-                <a:extLst>
-                  <a:ext uri="{0D108BD9-81ED-4DB2-BD59-A6C34878D82A}">
-                    <a16:rowId xmlns:a16="http://schemas.microsoft.com/office/drawing/2014/main" val="599988518"/>
-                  </a:ext>
-                </a:extLst>
-              </a:tr>
-            </a:tbl>
-          </a:graphicData>
-        </a:graphic>
-      </p:graphicFrame>
     </p:spTree>
     <p:extLst>
       <p:ext uri="{BB962C8B-B14F-4D97-AF65-F5344CB8AC3E}">
@@ -8656,129 +6461,160 @@
             <p:ph type="title"/>
           </p:nvPr>
         </p:nvSpPr>
+        <p:spPr/>
+        <p:txBody>
+          <a:bodyPr/>
+          <a:lstStyle/>
+          <a:p>
+            <a:r>
+              <a:rPr lang="en-US" b="1" dirty="0"/>
+              <a:t>Method</a:t>
+            </a:r>
+            <a:endParaRPr lang="en-GB" b="1" dirty="0"/>
+          </a:p>
+        </p:txBody>
+      </p:sp>
+      <p:sp>
+        <p:nvSpPr>
+          <p:cNvPr id="6" name="Content Placeholder 2">
+            <a:extLst>
+              <a:ext uri="{FF2B5EF4-FFF2-40B4-BE49-F238E27FC236}">
+                <a16:creationId xmlns:a16="http://schemas.microsoft.com/office/drawing/2014/main" id="{511D9F8B-3BF0-CEF2-E14C-36FAE1E77A6B}"/>
+              </a:ext>
+            </a:extLst>
+          </p:cNvPr>
+          <p:cNvSpPr>
+            <a:spLocks noGrp="1"/>
+          </p:cNvSpPr>
+          <p:nvPr>
+            <p:ph idx="1"/>
+          </p:nvPr>
+        </p:nvSpPr>
         <p:spPr>
           <a:xfrm>
-            <a:off x="838200" y="365125"/>
-            <a:ext cx="10901516" cy="1325563"/>
+            <a:off x="838200" y="1825625"/>
+            <a:ext cx="10515600" cy="4351338"/>
           </a:xfrm>
         </p:spPr>
         <p:txBody>
           <a:bodyPr>
-            <a:normAutofit fontScale="90000"/>
+            <a:noAutofit/>
           </a:bodyPr>
           <a:lstStyle/>
           <a:p>
-            <a:r>
-              <a:rPr lang="en-US" sz="4400" b="1">
-                <a:solidFill>
-                  <a:prstClr val="black"/>
-                </a:solidFill>
-                <a:cs typeface="Arial" panose="020B0604020202020204" pitchFamily="34" charset="0"/>
-              </a:rPr>
-              <a:t>Past work </a:t>
-            </a:r>
-            <a:r>
-              <a:rPr lang="he-IL" b="1">
-                <a:solidFill>
-                  <a:prstClr val="black"/>
-                </a:solidFill>
-                <a:cs typeface="Arial" panose="020B0604020202020204" pitchFamily="34" charset="0"/>
-              </a:rPr>
-              <a:t>–</a:t>
-            </a:r>
-            <a:r>
-              <a:rPr lang="en-US" b="1">
-                <a:solidFill>
-                  <a:prstClr val="black"/>
-                </a:solidFill>
-                <a:cs typeface="Arial" panose="020B0604020202020204" pitchFamily="34" charset="0"/>
-              </a:rPr>
-              <a:t> “Comparing word2vec and GloVe for Automatic Measurement of MWE Compositionality”</a:t>
-            </a:r>
-            <a:endParaRPr lang="en-GB" b="1"/>
-          </a:p>
-        </p:txBody>
-      </p:sp>
-      <p:pic>
-        <p:nvPicPr>
-          <p:cNvPr id="9" name="Picture 8">
-            <a:extLst>
-              <a:ext uri="{FF2B5EF4-FFF2-40B4-BE49-F238E27FC236}">
-                <a16:creationId xmlns:a16="http://schemas.microsoft.com/office/drawing/2014/main" id="{5C65B8B2-C2FD-4E75-CB6D-F6B53D09CE63}"/>
-              </a:ext>
-            </a:extLst>
-          </p:cNvPr>
-          <p:cNvPicPr>
-            <a:picLocks noChangeAspect="1"/>
-          </p:cNvPicPr>
-          <p:nvPr/>
-        </p:nvPicPr>
-        <p:blipFill>
-          <a:blip r:embed="rId2"/>
-          <a:stretch>
-            <a:fillRect/>
-          </a:stretch>
-        </p:blipFill>
-        <p:spPr>
-          <a:xfrm>
-            <a:off x="1115253" y="1471134"/>
-            <a:ext cx="9866243" cy="5021741"/>
-          </a:xfrm>
-          <a:prstGeom prst="rect">
-            <a:avLst/>
-          </a:prstGeom>
-        </p:spPr>
-      </p:pic>
-      <p:sp>
-        <p:nvSpPr>
-          <p:cNvPr id="10" name="TextBox 9">
-            <a:extLst>
-              <a:ext uri="{FF2B5EF4-FFF2-40B4-BE49-F238E27FC236}">
-                <a16:creationId xmlns:a16="http://schemas.microsoft.com/office/drawing/2014/main" id="{E0E521BA-FABF-7C08-AE2D-8EF6FE3E25B7}"/>
-              </a:ext>
-            </a:extLst>
-          </p:cNvPr>
-          <p:cNvSpPr txBox="1"/>
-          <p:nvPr/>
-        </p:nvSpPr>
-        <p:spPr>
-          <a:xfrm>
-            <a:off x="-57150" y="6636992"/>
-            <a:ext cx="12211050" cy="430887"/>
-          </a:xfrm>
-          <a:prstGeom prst="rect">
-            <a:avLst/>
-          </a:prstGeom>
-          <a:noFill/>
-        </p:spPr>
-        <p:txBody>
-          <a:bodyPr wrap="square" rtlCol="0">
-            <a:spAutoFit/>
-          </a:bodyPr>
-          <a:lstStyle/>
-          <a:p>
-            <a:r>
-              <a:rPr lang="en-US" sz="1100" u="none" strike="noStrike">
-                <a:effectLst/>
-                <a:latin typeface="Calibri" panose="020F0502020204030204" pitchFamily="34" charset="0"/>
-                <a:ea typeface="Calibri" panose="020F0502020204030204" pitchFamily="34" charset="0"/>
-              </a:rPr>
-              <a:t>Pickard, T. (2020, December). Comparing word2vec and glove for automatic measurement of MWE compositionality. In Proceedings of the Joint Workshop on Multiword Expressions and Electronic Lexicons </a:t>
-            </a:r>
-          </a:p>
-          <a:p>
-            <a:endParaRPr lang="en-IL" sz="1100" u="none" strike="noStrike">
-              <a:effectLst/>
-              <a:latin typeface="Calibri" panose="020F0502020204030204" pitchFamily="34" charset="0"/>
-              <a:ea typeface="Calibri" panose="020F0502020204030204" pitchFamily="34" charset="0"/>
-            </a:endParaRPr>
+            <a:pPr>
+              <a:lnSpc>
+                <a:spcPct val="100000"/>
+              </a:lnSpc>
+              <a:spcBef>
+                <a:spcPts val="1200"/>
+              </a:spcBef>
+              <a:spcAft>
+                <a:spcPts val="1200"/>
+              </a:spcAft>
+            </a:pPr>
+            <a:r>
+              <a:rPr lang="en-US" sz="3200" dirty="0"/>
+              <a:t>Using these 2 databases , train models of Word2Vec and GloVe</a:t>
+            </a:r>
+          </a:p>
+          <a:p>
+            <a:pPr lvl="1">
+              <a:lnSpc>
+                <a:spcPct val="100000"/>
+              </a:lnSpc>
+              <a:spcBef>
+                <a:spcPts val="1200"/>
+              </a:spcBef>
+              <a:spcAft>
+                <a:spcPts val="1200"/>
+              </a:spcAft>
+            </a:pPr>
+            <a:r>
+              <a:rPr lang="en-US" sz="2800" dirty="0"/>
+              <a:t>Harvard USPTO Patent Dataset</a:t>
+            </a:r>
+          </a:p>
+          <a:p>
+            <a:pPr lvl="1">
+              <a:lnSpc>
+                <a:spcPct val="100000"/>
+              </a:lnSpc>
+              <a:spcBef>
+                <a:spcPts val="1200"/>
+              </a:spcBef>
+              <a:spcAft>
+                <a:spcPts val="1200"/>
+              </a:spcAft>
+            </a:pPr>
+            <a:r>
+              <a:rPr lang="en-US" sz="2800" dirty="0"/>
+              <a:t>???</a:t>
+            </a:r>
+          </a:p>
+          <a:p>
+            <a:pPr>
+              <a:lnSpc>
+                <a:spcPct val="100000"/>
+              </a:lnSpc>
+            </a:pPr>
+            <a:r>
+              <a:rPr lang="en-US" sz="3200" dirty="0"/>
+              <a:t>The models will have some checkpoints for fair </a:t>
+            </a:r>
+            <a:r>
+              <a:rPr lang="en-US" sz="3200" dirty="0" err="1"/>
+              <a:t>compersion</a:t>
+            </a:r>
+            <a:r>
+              <a:rPr lang="en-US" sz="3200" dirty="0"/>
+              <a:t>:</a:t>
+            </a:r>
+          </a:p>
+          <a:p>
+            <a:pPr lvl="1">
+              <a:lnSpc>
+                <a:spcPct val="100000"/>
+              </a:lnSpc>
+            </a:pPr>
+            <a:r>
+              <a:rPr lang="en-US" sz="2800" dirty="0"/>
+              <a:t>Same epoch trained</a:t>
+            </a:r>
+          </a:p>
+          <a:p>
+            <a:pPr lvl="1">
+              <a:lnSpc>
+                <a:spcPct val="100000"/>
+              </a:lnSpc>
+            </a:pPr>
+            <a:r>
+              <a:rPr lang="en-US" sz="2800" dirty="0"/>
+              <a:t>Same Time trained</a:t>
+            </a:r>
+          </a:p>
+          <a:p>
+            <a:pPr>
+              <a:lnSpc>
+                <a:spcPct val="100000"/>
+              </a:lnSpc>
+            </a:pPr>
+            <a:endParaRPr lang="en-US" sz="3200" dirty="0"/>
+          </a:p>
+          <a:p>
+            <a:pPr>
+              <a:lnSpc>
+                <a:spcPct val="100000"/>
+              </a:lnSpc>
+            </a:pPr>
+            <a:endParaRPr lang="en-US" sz="3200" dirty="0"/>
           </a:p>
         </p:txBody>
       </p:sp>
     </p:spTree>
     <p:extLst>
       <p:ext uri="{BB962C8B-B14F-4D97-AF65-F5344CB8AC3E}">
-        <p14:creationId xmlns:p14="http://schemas.microsoft.com/office/powerpoint/2010/main" val="2979589427"/>
+        <p14:creationId xmlns:p14="http://schemas.microsoft.com/office/powerpoint/2010/main" val="1752164245"/>
       </p:ext>
     </p:extLst>
   </p:cSld>
@@ -8791,14 +6627,6 @@
 <file path=ppt/slides/slide9.xml><?xml version="1.0" encoding="utf-8"?>
 <p:sld xmlns:a="http://schemas.openxmlformats.org/drawingml/2006/main" xmlns:r="http://schemas.openxmlformats.org/officeDocument/2006/relationships" xmlns:p="http://schemas.openxmlformats.org/presentationml/2006/main">
   <p:cSld>
-    <p:bg>
-      <p:bgPr>
-        <a:solidFill>
-          <a:schemeClr val="bg1"/>
-        </a:solidFill>
-        <a:effectLst/>
-      </p:bgPr>
-    </p:bg>
     <p:spTree>
       <p:nvGrpSpPr>
         <p:cNvPr id="1" name=""/>
@@ -8813,367 +6641,67 @@
           <a:chExt cx="0" cy="0"/>
         </a:xfrm>
       </p:grpSpPr>
-      <p:sp useBgFill="1">
-        <p:nvSpPr>
-          <p:cNvPr id="11" name="Rectangle 10">
-            <a:extLst>
-              <a:ext uri="{FF2B5EF4-FFF2-40B4-BE49-F238E27FC236}">
-                <a16:creationId xmlns:a16="http://schemas.microsoft.com/office/drawing/2014/main" id="{907EF6B7-1338-4443-8C46-6A318D952DFD}"/>
-              </a:ext>
-              <a:ext uri="{C183D7F6-B498-43B3-948B-1728B52AA6E4}">
-                <adec:decorative xmlns:adec="http://schemas.microsoft.com/office/drawing/2017/decorative" val="1"/>
-              </a:ext>
-            </a:extLst>
-          </p:cNvPr>
-          <p:cNvSpPr>
-            <a:spLocks noGrp="1" noRot="1" noChangeAspect="1" noMove="1" noResize="1" noEditPoints="1" noAdjustHandles="1" noChangeArrowheads="1" noChangeShapeType="1" noTextEdit="1"/>
-          </p:cNvSpPr>
-          <p:nvPr>
-            <p:extLst>
-              <p:ext uri="{386F3935-93C4-4BCD-93E2-E3B085C9AB24}">
-                <p16:designElem xmlns:p16="http://schemas.microsoft.com/office/powerpoint/2015/main" val="1"/>
-              </p:ext>
-            </p:extLst>
+      <p:sp>
+        <p:nvSpPr>
+          <p:cNvPr id="2" name="Title 1">
+            <a:extLst>
+              <a:ext uri="{FF2B5EF4-FFF2-40B4-BE49-F238E27FC236}">
+                <a16:creationId xmlns:a16="http://schemas.microsoft.com/office/drawing/2014/main" id="{B1B2157A-6E97-71AC-96AF-6A651C07C07F}"/>
+              </a:ext>
+            </a:extLst>
+          </p:cNvPr>
+          <p:cNvSpPr>
+            <a:spLocks noGrp="1"/>
+          </p:cNvSpPr>
+          <p:nvPr>
+            <p:ph type="title"/>
+          </p:nvPr>
+        </p:nvSpPr>
+        <p:spPr/>
+        <p:txBody>
+          <a:bodyPr/>
+          <a:lstStyle/>
+          <a:p>
+            <a:r>
+              <a:rPr lang="en-US" b="1" dirty="0"/>
+              <a:t>Method</a:t>
+            </a:r>
+            <a:endParaRPr lang="en-GB" b="1" dirty="0"/>
+          </a:p>
+        </p:txBody>
+      </p:sp>
+      <p:sp>
+        <p:nvSpPr>
+          <p:cNvPr id="6" name="Content Placeholder 2">
+            <a:extLst>
+              <a:ext uri="{FF2B5EF4-FFF2-40B4-BE49-F238E27FC236}">
+                <a16:creationId xmlns:a16="http://schemas.microsoft.com/office/drawing/2014/main" id="{511D9F8B-3BF0-CEF2-E14C-36FAE1E77A6B}"/>
+              </a:ext>
+            </a:extLst>
+          </p:cNvPr>
+          <p:cNvSpPr>
+            <a:spLocks noGrp="1"/>
+          </p:cNvSpPr>
+          <p:nvPr>
+            <p:ph idx="1"/>
           </p:nvPr>
         </p:nvSpPr>
         <p:spPr>
           <a:xfrm>
-            <a:off x="3048" y="0"/>
-            <a:ext cx="12188952" cy="6858000"/>
-          </a:xfrm>
-          <a:prstGeom prst="rect">
-            <a:avLst/>
-          </a:prstGeom>
-          <a:ln>
-            <a:noFill/>
-          </a:ln>
-        </p:spPr>
-        <p:style>
-          <a:lnRef idx="2">
-            <a:schemeClr val="accent1">
-              <a:shade val="50000"/>
-            </a:schemeClr>
-          </a:lnRef>
-          <a:fillRef idx="1">
-            <a:schemeClr val="accent1"/>
-          </a:fillRef>
-          <a:effectRef idx="0">
-            <a:schemeClr val="accent1"/>
-          </a:effectRef>
-          <a:fontRef idx="minor">
-            <a:schemeClr val="lt1"/>
-          </a:fontRef>
-        </p:style>
-        <p:txBody>
-          <a:bodyPr rtlCol="0" anchor="ctr"/>
-          <a:lstStyle/>
-          <a:p>
-            <a:pPr algn="ctr"/>
-            <a:endParaRPr lang="en-US"/>
-          </a:p>
-        </p:txBody>
-      </p:sp>
-      <p:sp>
-        <p:nvSpPr>
-          <p:cNvPr id="13" name="Freeform: Shape 12">
-            <a:extLst>
-              <a:ext uri="{FF2B5EF4-FFF2-40B4-BE49-F238E27FC236}">
-                <a16:creationId xmlns:a16="http://schemas.microsoft.com/office/drawing/2014/main" id="{DAAE4CDD-124C-4DCF-9584-B6033B545DD5}"/>
-              </a:ext>
-              <a:ext uri="{C183D7F6-B498-43B3-948B-1728B52AA6E4}">
-                <adec:decorative xmlns:adec="http://schemas.microsoft.com/office/drawing/2017/decorative" val="1"/>
-              </a:ext>
-            </a:extLst>
-          </p:cNvPr>
-          <p:cNvSpPr>
-            <a:spLocks noGrp="1" noRot="1" noChangeAspect="1" noMove="1" noResize="1" noEditPoints="1" noAdjustHandles="1" noChangeArrowheads="1" noChangeShapeType="1" noTextEdit="1"/>
-          </p:cNvSpPr>
-          <p:nvPr>
-            <p:extLst>
-              <p:ext uri="{386F3935-93C4-4BCD-93E2-E3B085C9AB24}">
-                <p16:designElem xmlns:p16="http://schemas.microsoft.com/office/powerpoint/2015/main" val="1"/>
-              </p:ext>
-            </p:extLst>
-          </p:nvPr>
-        </p:nvSpPr>
-        <p:spPr>
-          <a:xfrm>
-            <a:off x="1" y="0"/>
-            <a:ext cx="4167271" cy="6858000"/>
-          </a:xfrm>
-          <a:custGeom>
-            <a:avLst/>
-            <a:gdLst>
-              <a:gd name="connsiteX0" fmla="*/ 0 w 4167271"/>
-              <a:gd name="connsiteY0" fmla="*/ 0 h 6858000"/>
-              <a:gd name="connsiteX1" fmla="*/ 2259550 w 4167271"/>
-              <a:gd name="connsiteY1" fmla="*/ 0 h 6858000"/>
-              <a:gd name="connsiteX2" fmla="*/ 2387803 w 4167271"/>
-              <a:gd name="connsiteY2" fmla="*/ 82222 h 6858000"/>
-              <a:gd name="connsiteX3" fmla="*/ 4167271 w 4167271"/>
-              <a:gd name="connsiteY3" fmla="*/ 3429000 h 6858000"/>
-              <a:gd name="connsiteX4" fmla="*/ 2387803 w 4167271"/>
-              <a:gd name="connsiteY4" fmla="*/ 6775779 h 6858000"/>
-              <a:gd name="connsiteX5" fmla="*/ 2259550 w 4167271"/>
-              <a:gd name="connsiteY5" fmla="*/ 6858000 h 6858000"/>
-              <a:gd name="connsiteX6" fmla="*/ 0 w 4167271"/>
-              <a:gd name="connsiteY6" fmla="*/ 6858000 h 6858000"/>
-            </a:gdLst>
-            <a:ahLst/>
-            <a:cxnLst>
-              <a:cxn ang="0">
-                <a:pos x="connsiteX0" y="connsiteY0"/>
-              </a:cxn>
-              <a:cxn ang="0">
-                <a:pos x="connsiteX1" y="connsiteY1"/>
-              </a:cxn>
-              <a:cxn ang="0">
-                <a:pos x="connsiteX2" y="connsiteY2"/>
-              </a:cxn>
-              <a:cxn ang="0">
-                <a:pos x="connsiteX3" y="connsiteY3"/>
-              </a:cxn>
-              <a:cxn ang="0">
-                <a:pos x="connsiteX4" y="connsiteY4"/>
-              </a:cxn>
-              <a:cxn ang="0">
-                <a:pos x="connsiteX5" y="connsiteY5"/>
-              </a:cxn>
-              <a:cxn ang="0">
-                <a:pos x="connsiteX6" y="connsiteY6"/>
-              </a:cxn>
-            </a:cxnLst>
-            <a:rect l="l" t="t" r="r" b="b"/>
-            <a:pathLst>
-              <a:path w="4167271" h="6858000">
-                <a:moveTo>
-                  <a:pt x="0" y="0"/>
-                </a:moveTo>
-                <a:lnTo>
-                  <a:pt x="2259550" y="0"/>
-                </a:lnTo>
-                <a:lnTo>
-                  <a:pt x="2387803" y="82222"/>
-                </a:lnTo>
-                <a:cubicBezTo>
-                  <a:pt x="3461407" y="807534"/>
-                  <a:pt x="4167271" y="2035835"/>
-                  <a:pt x="4167271" y="3429000"/>
-                </a:cubicBezTo>
-                <a:cubicBezTo>
-                  <a:pt x="4167271" y="4822165"/>
-                  <a:pt x="3461407" y="6050467"/>
-                  <a:pt x="2387803" y="6775779"/>
-                </a:cubicBezTo>
-                <a:lnTo>
-                  <a:pt x="2259550" y="6858000"/>
-                </a:lnTo>
-                <a:lnTo>
-                  <a:pt x="0" y="6858000"/>
-                </a:lnTo>
-                <a:close/>
-              </a:path>
-            </a:pathLst>
-          </a:custGeom>
-          <a:solidFill>
-            <a:schemeClr val="accent2"/>
-          </a:solidFill>
-          <a:ln>
-            <a:noFill/>
-          </a:ln>
-        </p:spPr>
-        <p:style>
-          <a:lnRef idx="2">
-            <a:schemeClr val="accent1">
-              <a:shade val="50000"/>
-            </a:schemeClr>
-          </a:lnRef>
-          <a:fillRef idx="1">
-            <a:schemeClr val="accent1"/>
-          </a:fillRef>
-          <a:effectRef idx="0">
-            <a:schemeClr val="accent1"/>
-          </a:effectRef>
-          <a:fontRef idx="minor">
-            <a:schemeClr val="lt1"/>
-          </a:fontRef>
-        </p:style>
-        <p:txBody>
-          <a:bodyPr rtlCol="0" anchor="ctr"/>
-          <a:lstStyle/>
-          <a:p>
-            <a:pPr algn="ctr"/>
-            <a:endParaRPr lang="en-US"/>
-          </a:p>
-        </p:txBody>
-      </p:sp>
-      <p:sp>
-        <p:nvSpPr>
-          <p:cNvPr id="2" name="Title 1">
-            <a:extLst>
-              <a:ext uri="{FF2B5EF4-FFF2-40B4-BE49-F238E27FC236}">
-                <a16:creationId xmlns:a16="http://schemas.microsoft.com/office/drawing/2014/main" id="{B1B2157A-6E97-71AC-96AF-6A651C07C07F}"/>
-              </a:ext>
-            </a:extLst>
-          </p:cNvPr>
-          <p:cNvSpPr>
-            <a:spLocks noGrp="1"/>
-          </p:cNvSpPr>
-          <p:nvPr>
-            <p:ph type="title"/>
-          </p:nvPr>
-        </p:nvSpPr>
-        <p:spPr>
-          <a:xfrm>
-            <a:off x="686834" y="1153572"/>
-            <a:ext cx="3200400" cy="4461163"/>
+            <a:off x="838200" y="1825625"/>
+            <a:ext cx="10515600" cy="4351338"/>
           </a:xfrm>
         </p:spPr>
         <p:txBody>
           <a:bodyPr>
-            <a:normAutofit/>
+            <a:noAutofit/>
           </a:bodyPr>
           <a:lstStyle/>
           <a:p>
-            <a:r>
-              <a:rPr lang="en-US" b="1" dirty="0">
-                <a:solidFill>
-                  <a:srgbClr val="FFFFFF"/>
-                </a:solidFill>
-              </a:rPr>
-              <a:t>Future work </a:t>
-            </a:r>
-            <a:endParaRPr lang="en-GB" b="1" dirty="0">
-              <a:solidFill>
-                <a:srgbClr val="FFFFFF"/>
-              </a:solidFill>
-            </a:endParaRPr>
-          </a:p>
-        </p:txBody>
-      </p:sp>
-      <p:sp>
-        <p:nvSpPr>
-          <p:cNvPr id="15" name="Arc 14">
-            <a:extLst>
-              <a:ext uri="{FF2B5EF4-FFF2-40B4-BE49-F238E27FC236}">
-                <a16:creationId xmlns:a16="http://schemas.microsoft.com/office/drawing/2014/main" id="{081E4A58-353D-44AE-B2FC-2A74E2E400F7}"/>
-              </a:ext>
-              <a:ext uri="{C183D7F6-B498-43B3-948B-1728B52AA6E4}">
-                <adec:decorative xmlns:adec="http://schemas.microsoft.com/office/drawing/2017/decorative" val="1"/>
-              </a:ext>
-            </a:extLst>
-          </p:cNvPr>
-          <p:cNvSpPr>
-            <a:spLocks noGrp="1" noRot="1" noChangeAspect="1" noMove="1" noResize="1" noEditPoints="1" noAdjustHandles="1" noChangeArrowheads="1" noChangeShapeType="1" noTextEdit="1"/>
-          </p:cNvSpPr>
-          <p:nvPr>
-            <p:extLst>
-              <p:ext uri="{386F3935-93C4-4BCD-93E2-E3B085C9AB24}">
-                <p16:designElem xmlns:p16="http://schemas.microsoft.com/office/powerpoint/2015/main" val="1"/>
-              </p:ext>
-            </p:extLst>
-          </p:nvPr>
-        </p:nvSpPr>
-        <p:spPr>
-          <a:xfrm flipV="1">
-            <a:off x="7550402" y="2455479"/>
-            <a:ext cx="4083433" cy="4083433"/>
-          </a:xfrm>
-          <a:prstGeom prst="arc">
-            <a:avLst/>
-          </a:prstGeom>
-          <a:ln w="127000" cap="rnd">
-            <a:solidFill>
-              <a:schemeClr val="accent4"/>
-            </a:solidFill>
-            <a:prstDash val="dash"/>
-          </a:ln>
-        </p:spPr>
-        <p:style>
-          <a:lnRef idx="1">
-            <a:schemeClr val="accent1"/>
-          </a:lnRef>
-          <a:fillRef idx="0">
-            <a:schemeClr val="accent1"/>
-          </a:fillRef>
-          <a:effectRef idx="0">
-            <a:schemeClr val="accent1"/>
-          </a:effectRef>
-          <a:fontRef idx="minor">
-            <a:schemeClr val="tx1"/>
-          </a:fontRef>
-        </p:style>
-        <p:txBody>
-          <a:bodyPr rtlCol="0" anchor="ctr"/>
-          <a:lstStyle/>
-          <a:p>
-            <a:pPr algn="ctr"/>
-            <a:endParaRPr lang="en-US"/>
-          </a:p>
-        </p:txBody>
-      </p:sp>
-      <p:sp>
-        <p:nvSpPr>
-          <p:cNvPr id="6" name="Content Placeholder 2">
-            <a:extLst>
-              <a:ext uri="{FF2B5EF4-FFF2-40B4-BE49-F238E27FC236}">
-                <a16:creationId xmlns:a16="http://schemas.microsoft.com/office/drawing/2014/main" id="{511D9F8B-3BF0-CEF2-E14C-36FAE1E77A6B}"/>
-              </a:ext>
-            </a:extLst>
-          </p:cNvPr>
-          <p:cNvSpPr>
-            <a:spLocks noGrp="1"/>
-          </p:cNvSpPr>
-          <p:nvPr>
-            <p:ph idx="1"/>
-          </p:nvPr>
-        </p:nvSpPr>
-        <p:spPr>
-          <a:xfrm>
-            <a:off x="4447308" y="591344"/>
-            <a:ext cx="6906491" cy="5585619"/>
-          </a:xfrm>
-        </p:spPr>
-        <p:txBody>
-          <a:bodyPr anchor="ctr">
-            <a:normAutofit lnSpcReduction="10000"/>
-          </a:bodyPr>
-          <a:lstStyle/>
-          <a:p>
-            <a:endParaRPr lang="en-US" sz="3200" dirty="0"/>
-          </a:p>
-          <a:p>
-            <a:endParaRPr lang="en-US" sz="3200" dirty="0"/>
-          </a:p>
-          <a:p>
-            <a:endParaRPr lang="en-US" sz="3200" dirty="0"/>
-          </a:p>
-          <a:p>
-            <a:pPr marL="0" indent="0">
-              <a:buNone/>
-            </a:pPr>
-            <a:endParaRPr lang="en-US" sz="3200" dirty="0"/>
-          </a:p>
-          <a:p>
-            <a:r>
-              <a:rPr lang="en-US" sz="3200" dirty="0"/>
-              <a:t>Training Word2Vec and GloVe on Datasets</a:t>
-            </a:r>
-          </a:p>
-          <a:p>
-            <a:r>
-              <a:rPr lang="en-US" sz="3200" dirty="0"/>
-              <a:t>Saving various models at specific epoch number and time trained</a:t>
-            </a:r>
-          </a:p>
-          <a:p>
-            <a:r>
-              <a:rPr lang="en-US" sz="3200" dirty="0"/>
-              <a:t>Compering similar models' accuracy on matching test datasets</a:t>
-            </a:r>
-          </a:p>
-          <a:p>
             <a:pPr>
+              <a:lnSpc>
+                <a:spcPct val="100000"/>
+              </a:lnSpc>
               <a:spcBef>
                 <a:spcPts val="1200"/>
               </a:spcBef>
@@ -9182,35 +6710,66 @@
               </a:spcAft>
             </a:pPr>
             <a:r>
-              <a:rPr lang="en-US" sz="3200" dirty="0">
-                <a:ea typeface="Calibri" panose="020F0502020204030204" pitchFamily="34" charset="0"/>
-              </a:rPr>
-              <a:t>Visualization of results</a:t>
-            </a:r>
-            <a:endParaRPr lang="en-US" sz="3200" dirty="0">
-              <a:effectLst/>
-              <a:ea typeface="Calibri" panose="020F0502020204030204" pitchFamily="34" charset="0"/>
-            </a:endParaRPr>
-          </a:p>
-          <a:p>
-            <a:pPr marL="0" indent="0">
+              <a:rPr lang="en-US" dirty="0"/>
+              <a:t>Compering the models based on same epoch/time trained on these test respectively:</a:t>
+            </a:r>
+          </a:p>
+          <a:p>
+            <a:pPr lvl="1">
+              <a:lnSpc>
+                <a:spcPct val="100000"/>
+              </a:lnSpc>
               <a:spcBef>
                 <a:spcPts val="1200"/>
               </a:spcBef>
               <a:spcAft>
                 <a:spcPts val="1200"/>
               </a:spcAft>
-              <a:buNone/>
+            </a:pPr>
+            <a:r>
+              <a:rPr lang="en-US" dirty="0"/>
+              <a:t>U.S. Patent Phrase to Phrase Matching</a:t>
+            </a:r>
+          </a:p>
+          <a:p>
+            <a:pPr lvl="1">
+              <a:lnSpc>
+                <a:spcPct val="100000"/>
+              </a:lnSpc>
+              <a:spcBef>
+                <a:spcPts val="1200"/>
+              </a:spcBef>
+              <a:spcAft>
+                <a:spcPts val="1200"/>
+              </a:spcAft>
+            </a:pPr>
+            <a:r>
+              <a:rPr lang="en-US" dirty="0"/>
+              <a:t>????</a:t>
+            </a:r>
+          </a:p>
+          <a:p>
+            <a:pPr>
+              <a:lnSpc>
+                <a:spcPct val="100000"/>
+              </a:lnSpc>
             </a:pPr>
             <a:endParaRPr lang="en-US" sz="3200" dirty="0"/>
           </a:p>
           <a:p>
+            <a:pPr>
+              <a:lnSpc>
+                <a:spcPct val="100000"/>
+              </a:lnSpc>
+            </a:pPr>
             <a:endParaRPr lang="en-US" sz="3200" dirty="0"/>
           </a:p>
           <a:p>
-            <a:endParaRPr lang="en-US" sz="3200" dirty="0"/>
-          </a:p>
-          <a:p>
+            <a:pPr>
+              <a:lnSpc>
+                <a:spcPct val="100000"/>
+              </a:lnSpc>
+            </a:pPr>
             <a:endParaRPr lang="en-US" sz="3200" dirty="0"/>
           </a:p>
         </p:txBody>
@@ -9218,7 +6777,7 @@
     </p:spTree>
     <p:extLst>
       <p:ext uri="{BB962C8B-B14F-4D97-AF65-F5344CB8AC3E}">
-        <p14:creationId xmlns:p14="http://schemas.microsoft.com/office/powerpoint/2010/main" val="3711738761"/>
+        <p14:creationId xmlns:p14="http://schemas.microsoft.com/office/powerpoint/2010/main" val="1146221579"/>
       </p:ext>
     </p:extLst>
   </p:cSld>
@@ -9523,270 +7082,297 @@
 </a:theme>
 </file>
 
-<file path=customXml/item1.xml><?xml version="1.0" encoding="utf-8"?>
-<?mso-contentType ?>
-<FormTemplates xmlns="http://schemas.microsoft.com/sharepoint/v3/contenttype/forms">
-  <Display>DocumentLibraryForm</Display>
-  <Edit>DocumentLibraryForm</Edit>
-  <New>DocumentLibraryForm</New>
-</FormTemplates>
-</file>
-
-<file path=customXml/item2.xml><?xml version="1.0" encoding="utf-8"?>
-<ct:contentTypeSchema xmlns:ct="http://schemas.microsoft.com/office/2006/metadata/contentType" xmlns:ma="http://schemas.microsoft.com/office/2006/metadata/properties/metaAttributes" ct:_="" ma:_="" ma:contentTypeName="Document" ma:contentTypeID="0x01010074138EDDC87026499C0508CF3F01DE5B" ma:contentTypeVersion="11" ma:contentTypeDescription="Create a new document." ma:contentTypeScope="" ma:versionID="f9ed57a46e7e9f360655942ff1da1b93">
-  <xsd:schema xmlns:xsd="http://www.w3.org/2001/XMLSchema" xmlns:xs="http://www.w3.org/2001/XMLSchema" xmlns:p="http://schemas.microsoft.com/office/2006/metadata/properties" xmlns:ns3="a7bf42cb-5e57-474b-bf80-7dc3a02029c8" xmlns:ns4="cc066106-5c9a-40d1-89fd-ed422cd1a907" targetNamespace="http://schemas.microsoft.com/office/2006/metadata/properties" ma:root="true" ma:fieldsID="2861f2ff153f8b799a4d00e904c70b5b" ns3:_="" ns4:_="">
-    <xsd:import namespace="a7bf42cb-5e57-474b-bf80-7dc3a02029c8"/>
-    <xsd:import namespace="cc066106-5c9a-40d1-89fd-ed422cd1a907"/>
-    <xsd:element name="properties">
-      <xsd:complexType>
-        <xsd:sequence>
-          <xsd:element name="documentManagement">
-            <xsd:complexType>
-              <xsd:all>
-                <xsd:element ref="ns3:MediaServiceMetadata" minOccurs="0"/>
-                <xsd:element ref="ns3:MediaServiceFastMetadata" minOccurs="0"/>
-                <xsd:element ref="ns3:MediaServiceAutoKeyPoints" minOccurs="0"/>
-                <xsd:element ref="ns3:MediaServiceKeyPoints" minOccurs="0"/>
-                <xsd:element ref="ns4:SharedWithUsers" minOccurs="0"/>
-                <xsd:element ref="ns4:SharedWithDetails" minOccurs="0"/>
-                <xsd:element ref="ns4:SharingHintHash" minOccurs="0"/>
-                <xsd:element ref="ns3:MediaServiceAutoTags" minOccurs="0"/>
-                <xsd:element ref="ns3:MediaServiceGenerationTime" minOccurs="0"/>
-                <xsd:element ref="ns3:MediaServiceEventHashCode" minOccurs="0"/>
-                <xsd:element ref="ns3:MediaServiceDateTaken" minOccurs="0"/>
-              </xsd:all>
-            </xsd:complexType>
-          </xsd:element>
-        </xsd:sequence>
-      </xsd:complexType>
-    </xsd:element>
-  </xsd:schema>
-  <xsd:schema xmlns:xsd="http://www.w3.org/2001/XMLSchema" xmlns:xs="http://www.w3.org/2001/XMLSchema" xmlns:dms="http://schemas.microsoft.com/office/2006/documentManagement/types" xmlns:pc="http://schemas.microsoft.com/office/infopath/2007/PartnerControls" targetNamespace="a7bf42cb-5e57-474b-bf80-7dc3a02029c8" elementFormDefault="qualified">
-    <xsd:import namespace="http://schemas.microsoft.com/office/2006/documentManagement/types"/>
-    <xsd:import namespace="http://schemas.microsoft.com/office/infopath/2007/PartnerControls"/>
-    <xsd:element name="MediaServiceMetadata" ma:index="8" nillable="true" ma:displayName="MediaServiceMetadata" ma:hidden="true" ma:internalName="MediaServiceMetadata" ma:readOnly="true">
-      <xsd:simpleType>
-        <xsd:restriction base="dms:Note"/>
-      </xsd:simpleType>
-    </xsd:element>
-    <xsd:element name="MediaServiceFastMetadata" ma:index="9" nillable="true" ma:displayName="MediaServiceFastMetadata" ma:hidden="true" ma:internalName="MediaServiceFastMetadata" ma:readOnly="true">
-      <xsd:simpleType>
-        <xsd:restriction base="dms:Note"/>
-      </xsd:simpleType>
-    </xsd:element>
-    <xsd:element name="MediaServiceAutoKeyPoints" ma:index="10" nillable="true" ma:displayName="MediaServiceAutoKeyPoints" ma:hidden="true" ma:internalName="MediaServiceAutoKeyPoints" ma:readOnly="true">
-      <xsd:simpleType>
-        <xsd:restriction base="dms:Note"/>
-      </xsd:simpleType>
-    </xsd:element>
-    <xsd:element name="MediaServiceKeyPoints" ma:index="11" nillable="true" ma:displayName="KeyPoints" ma:internalName="MediaServiceKeyPoints" ma:readOnly="true">
-      <xsd:simpleType>
-        <xsd:restriction base="dms:Note">
-          <xsd:maxLength value="255"/>
-        </xsd:restriction>
-      </xsd:simpleType>
-    </xsd:element>
-    <xsd:element name="MediaServiceAutoTags" ma:index="15" nillable="true" ma:displayName="Tags" ma:internalName="MediaServiceAutoTags" ma:readOnly="true">
-      <xsd:simpleType>
-        <xsd:restriction base="dms:Text"/>
-      </xsd:simpleType>
-    </xsd:element>
-    <xsd:element name="MediaServiceGenerationTime" ma:index="16" nillable="true" ma:displayName="MediaServiceGenerationTime" ma:hidden="true" ma:internalName="MediaServiceGenerationTime" ma:readOnly="true">
-      <xsd:simpleType>
-        <xsd:restriction base="dms:Text"/>
-      </xsd:simpleType>
-    </xsd:element>
-    <xsd:element name="MediaServiceEventHashCode" ma:index="17" nillable="true" ma:displayName="MediaServiceEventHashCode" ma:hidden="true" ma:internalName="MediaServiceEventHashCode" ma:readOnly="true">
-      <xsd:simpleType>
-        <xsd:restriction base="dms:Text"/>
-      </xsd:simpleType>
-    </xsd:element>
-    <xsd:element name="MediaServiceDateTaken" ma:index="18" nillable="true" ma:displayName="MediaServiceDateTaken" ma:hidden="true" ma:internalName="MediaServiceDateTaken" ma:readOnly="true">
-      <xsd:simpleType>
-        <xsd:restriction base="dms:Text"/>
-      </xsd:simpleType>
-    </xsd:element>
-  </xsd:schema>
-  <xsd:schema xmlns:xsd="http://www.w3.org/2001/XMLSchema" xmlns:xs="http://www.w3.org/2001/XMLSchema" xmlns:dms="http://schemas.microsoft.com/office/2006/documentManagement/types" xmlns:pc="http://schemas.microsoft.com/office/infopath/2007/PartnerControls" targetNamespace="cc066106-5c9a-40d1-89fd-ed422cd1a907" elementFormDefault="qualified">
-    <xsd:import namespace="http://schemas.microsoft.com/office/2006/documentManagement/types"/>
-    <xsd:import namespace="http://schemas.microsoft.com/office/infopath/2007/PartnerControls"/>
-    <xsd:element name="SharedWithUsers" ma:index="12" nillable="true" ma:displayName="Shared With" ma:internalName="SharedWithUsers" ma:readOnly="true">
-      <xsd:complexType>
-        <xsd:complexContent>
-          <xsd:extension base="dms:UserMulti">
-            <xsd:sequence>
-              <xsd:element name="UserInfo" minOccurs="0" maxOccurs="unbounded">
-                <xsd:complexType>
-                  <xsd:sequence>
-                    <xsd:element name="DisplayName" type="xsd:string" minOccurs="0"/>
-                    <xsd:element name="AccountId" type="dms:UserId" minOccurs="0" nillable="true"/>
-                    <xsd:element name="AccountType" type="xsd:string" minOccurs="0"/>
-                  </xsd:sequence>
-                </xsd:complexType>
-              </xsd:element>
-            </xsd:sequence>
-          </xsd:extension>
-        </xsd:complexContent>
-      </xsd:complexType>
-    </xsd:element>
-    <xsd:element name="SharedWithDetails" ma:index="13" nillable="true" ma:displayName="Shared With Details" ma:internalName="SharedWithDetails" ma:readOnly="true">
-      <xsd:simpleType>
-        <xsd:restriction base="dms:Note">
-          <xsd:maxLength value="255"/>
-        </xsd:restriction>
-      </xsd:simpleType>
-    </xsd:element>
-    <xsd:element name="SharingHintHash" ma:index="14" nillable="true" ma:displayName="Sharing Hint Hash" ma:hidden="true" ma:internalName="SharingHintHash" ma:readOnly="true">
-      <xsd:simpleType>
-        <xsd:restriction base="dms:Text"/>
-      </xsd:simpleType>
-    </xsd:element>
-  </xsd:schema>
-  <xsd:schema xmlns="http://schemas.openxmlformats.org/package/2006/metadata/core-properties" xmlns:xsd="http://www.w3.org/2001/XMLSchema" xmlns:xsi="http://www.w3.org/2001/XMLSchema-instance" xmlns:dc="http://purl.org/dc/elements/1.1/" xmlns:dcterms="http://purl.org/dc/terms/" xmlns:odoc="http://schemas.microsoft.com/internal/obd" targetNamespace="http://schemas.openxmlformats.org/package/2006/metadata/core-properties" elementFormDefault="qualified" attributeFormDefault="unqualified" blockDefault="#all">
-    <xsd:import namespace="http://purl.org/dc/elements/1.1/" schemaLocation="http://dublincore.org/schemas/xmls/qdc/2003/04/02/dc.xsd"/>
-    <xsd:import namespace="http://purl.org/dc/terms/" schemaLocation="http://dublincore.org/schemas/xmls/qdc/2003/04/02/dcterms.xsd"/>
-    <xsd:element name="coreProperties" type="CT_coreProperties"/>
-    <xsd:complexType name="CT_coreProperties">
-      <xsd:all>
-        <xsd:element ref="dc:creator" minOccurs="0" maxOccurs="1"/>
-        <xsd:element ref="dcterms:created" minOccurs="0" maxOccurs="1"/>
-        <xsd:element ref="dc:identifier" minOccurs="0" maxOccurs="1"/>
-        <xsd:element name="contentType" minOccurs="0" maxOccurs="1" type="xsd:string" ma:index="0" ma:displayName="Content Type"/>
-        <xsd:element ref="dc:title" minOccurs="0" maxOccurs="1" ma:index="4" ma:displayName="Title"/>
-        <xsd:element ref="dc:subject" minOccurs="0" maxOccurs="1"/>
-        <xsd:element ref="dc:description" minOccurs="0" maxOccurs="1"/>
-        <xsd:element name="keywords" minOccurs="0" maxOccurs="1" type="xsd:string"/>
-        <xsd:element ref="dc:language" minOccurs="0" maxOccurs="1"/>
-        <xsd:element name="category" minOccurs="0" maxOccurs="1" type="xsd:string"/>
-        <xsd:element name="version" minOccurs="0" maxOccurs="1" type="xsd:string"/>
-        <xsd:element name="revision" minOccurs="0" maxOccurs="1" type="xsd:string">
-          <xsd:annotation>
-            <xsd:documentation>
-                        This value indicates the number of saves or revisions. The application is responsible for updating this value after each revision.
-                    </xsd:documentation>
-          </xsd:annotation>
-        </xsd:element>
-        <xsd:element name="lastModifiedBy" minOccurs="0" maxOccurs="1" type="xsd:string"/>
-        <xsd:element ref="dcterms:modified" minOccurs="0" maxOccurs="1"/>
-        <xsd:element name="contentStatus" minOccurs="0" maxOccurs="1" type="xsd:string"/>
-      </xsd:all>
-    </xsd:complexType>
-  </xsd:schema>
-  <xs:schema xmlns:pc="http://schemas.microsoft.com/office/infopath/2007/PartnerControls" xmlns:xs="http://www.w3.org/2001/XMLSchema" targetNamespace="http://schemas.microsoft.com/office/infopath/2007/PartnerControls" elementFormDefault="qualified" attributeFormDefault="unqualified">
-    <xs:element name="Person">
-      <xs:complexType>
-        <xs:sequence>
-          <xs:element ref="pc:DisplayName" minOccurs="0"/>
-          <xs:element ref="pc:AccountId" minOccurs="0"/>
-          <xs:element ref="pc:AccountType" minOccurs="0"/>
-        </xs:sequence>
-      </xs:complexType>
-    </xs:element>
-    <xs:element name="DisplayName" type="xs:string"/>
-    <xs:element name="AccountId" type="xs:string"/>
-    <xs:element name="AccountType" type="xs:string"/>
-    <xs:element name="BDCAssociatedEntity">
-      <xs:complexType>
-        <xs:sequence>
-          <xs:element ref="pc:BDCEntity" minOccurs="0" maxOccurs="unbounded"/>
-        </xs:sequence>
-        <xs:attribute ref="pc:EntityNamespace"/>
-        <xs:attribute ref="pc:EntityName"/>
-        <xs:attribute ref="pc:SystemInstanceName"/>
-        <xs:attribute ref="pc:AssociationName"/>
-      </xs:complexType>
-    </xs:element>
-    <xs:attribute name="EntityNamespace" type="xs:string"/>
-    <xs:attribute name="EntityName" type="xs:string"/>
-    <xs:attribute name="SystemInstanceName" type="xs:string"/>
-    <xs:attribute name="AssociationName" type="xs:string"/>
-    <xs:element name="BDCEntity">
-      <xs:complexType>
-        <xs:sequence>
-          <xs:element ref="pc:EntityDisplayName" minOccurs="0"/>
-          <xs:element ref="pc:EntityInstanceReference" minOccurs="0"/>
-          <xs:element ref="pc:EntityId1" minOccurs="0"/>
-          <xs:element ref="pc:EntityId2" minOccurs="0"/>
-          <xs:element ref="pc:EntityId3" minOccurs="0"/>
-          <xs:element ref="pc:EntityId4" minOccurs="0"/>
-          <xs:element ref="pc:EntityId5" minOccurs="0"/>
-        </xs:sequence>
-      </xs:complexType>
-    </xs:element>
-    <xs:element name="EntityDisplayName" type="xs:string"/>
-    <xs:element name="EntityInstanceReference" type="xs:string"/>
-    <xs:element name="EntityId1" type="xs:string"/>
-    <xs:element name="EntityId2" type="xs:string"/>
-    <xs:element name="EntityId3" type="xs:string"/>
-    <xs:element name="EntityId4" type="xs:string"/>
-    <xs:element name="EntityId5" type="xs:string"/>
-    <xs:element name="Terms">
-      <xs:complexType>
-        <xs:sequence>
-          <xs:element ref="pc:TermInfo" minOccurs="0" maxOccurs="unbounded"/>
-        </xs:sequence>
-      </xs:complexType>
-    </xs:element>
-    <xs:element name="TermInfo">
-      <xs:complexType>
-        <xs:sequence>
-          <xs:element ref="pc:TermName" minOccurs="0"/>
-          <xs:element ref="pc:TermId" minOccurs="0"/>
-        </xs:sequence>
-      </xs:complexType>
-    </xs:element>
-    <xs:element name="TermName" type="xs:string"/>
-    <xs:element name="TermId" type="xs:string"/>
-  </xs:schema>
-</ct:contentTypeSchema>
-</file>
-
-<file path=customXml/item3.xml><?xml version="1.0" encoding="utf-8"?>
-<p:properties xmlns:p="http://schemas.microsoft.com/office/2006/metadata/properties" xmlns:xsi="http://www.w3.org/2001/XMLSchema-instance" xmlns:pc="http://schemas.microsoft.com/office/infopath/2007/PartnerControls">
-  <documentManagement/>
-</p:properties>
-</file>
-
-<file path=customXml/itemProps1.xml><?xml version="1.0" encoding="utf-8"?>
-<ds:datastoreItem xmlns:ds="http://schemas.openxmlformats.org/officeDocument/2006/customXml" ds:itemID="{391D4464-4553-483F-8EEB-B4673AD40EBA}">
-  <ds:schemaRefs>
-    <ds:schemaRef ds:uri="http://schemas.microsoft.com/sharepoint/v3/contenttype/forms"/>
-  </ds:schemaRefs>
-</ds:datastoreItem>
-</file>
-
-<file path=customXml/itemProps2.xml><?xml version="1.0" encoding="utf-8"?>
-<ds:datastoreItem xmlns:ds="http://schemas.openxmlformats.org/officeDocument/2006/customXml" ds:itemID="{0047E0DB-9439-4A76-9A8E-53A56B7C7075}">
-  <ds:schemaRefs>
-    <ds:schemaRef ds:uri="a7bf42cb-5e57-474b-bf80-7dc3a02029c8"/>
-    <ds:schemaRef ds:uri="cc066106-5c9a-40d1-89fd-ed422cd1a907"/>
-    <ds:schemaRef ds:uri="http://purl.org/dc/elements/1.1/"/>
-    <ds:schemaRef ds:uri="http://purl.org/dc/terms/"/>
-    <ds:schemaRef ds:uri="http://schemas.microsoft.com/internal/obd"/>
-    <ds:schemaRef ds:uri="http://schemas.microsoft.com/office/2006/documentManagement/types"/>
-    <ds:schemaRef ds:uri="http://schemas.microsoft.com/office/2006/metadata/contentType"/>
-    <ds:schemaRef ds:uri="http://schemas.microsoft.com/office/2006/metadata/properties"/>
-    <ds:schemaRef ds:uri="http://schemas.microsoft.com/office/2006/metadata/properties/metaAttributes"/>
-    <ds:schemaRef ds:uri="http://schemas.microsoft.com/office/infopath/2007/PartnerControls"/>
-    <ds:schemaRef ds:uri="http://schemas.openxmlformats.org/package/2006/metadata/core-properties"/>
-    <ds:schemaRef ds:uri="http://www.w3.org/2001/XMLSchema"/>
-  </ds:schemaRefs>
-</ds:datastoreItem>
-</file>
-
-<file path=customXml/itemProps3.xml><?xml version="1.0" encoding="utf-8"?>
-<ds:datastoreItem xmlns:ds="http://schemas.openxmlformats.org/officeDocument/2006/customXml" ds:itemID="{C51A5C83-F58D-453B-ADE1-432966BD3193}">
-  <ds:schemaRefs>
-    <ds:schemaRef ds:uri="http://www.w3.org/XML/1998/namespace"/>
-    <ds:schemaRef ds:uri="http://schemas.openxmlformats.org/package/2006/metadata/core-properties"/>
-    <ds:schemaRef ds:uri="http://purl.org/dc/terms/"/>
-    <ds:schemaRef ds:uri="http://schemas.microsoft.com/office/2006/documentManagement/types"/>
-    <ds:schemaRef ds:uri="http://schemas.microsoft.com/office/infopath/2007/PartnerControls"/>
-    <ds:schemaRef ds:uri="http://purl.org/dc/dcmitype/"/>
-    <ds:schemaRef ds:uri="http://purl.org/dc/elements/1.1/"/>
-    <ds:schemaRef ds:uri="cc066106-5c9a-40d1-89fd-ed422cd1a907"/>
-    <ds:schemaRef ds:uri="a7bf42cb-5e57-474b-bf80-7dc3a02029c8"/>
-    <ds:schemaRef ds:uri="http://schemas.microsoft.com/office/2006/metadata/properties"/>
-  </ds:schemaRefs>
-</ds:datastoreItem>
+<file path=ppt/theme/theme2.xml><?xml version="1.0" encoding="utf-8"?>
+<a:theme xmlns:a="http://schemas.openxmlformats.org/drawingml/2006/main" name="Office Theme">
+  <a:themeElements>
+    <a:clrScheme name="Office">
+      <a:dk1>
+        <a:sysClr val="windowText" lastClr="000000"/>
+      </a:dk1>
+      <a:lt1>
+        <a:sysClr val="window" lastClr="FFFFFF"/>
+      </a:lt1>
+      <a:dk2>
+        <a:srgbClr val="44546A"/>
+      </a:dk2>
+      <a:lt2>
+        <a:srgbClr val="E7E6E6"/>
+      </a:lt2>
+      <a:accent1>
+        <a:srgbClr val="4472C4"/>
+      </a:accent1>
+      <a:accent2>
+        <a:srgbClr val="ED7D31"/>
+      </a:accent2>
+      <a:accent3>
+        <a:srgbClr val="A5A5A5"/>
+      </a:accent3>
+      <a:accent4>
+        <a:srgbClr val="FFC000"/>
+      </a:accent4>
+      <a:accent5>
+        <a:srgbClr val="5B9BD5"/>
+      </a:accent5>
+      <a:accent6>
+        <a:srgbClr val="70AD47"/>
+      </a:accent6>
+      <a:hlink>
+        <a:srgbClr val="0563C1"/>
+      </a:hlink>
+      <a:folHlink>
+        <a:srgbClr val="954F72"/>
+      </a:folHlink>
+    </a:clrScheme>
+    <a:fontScheme name="Office">
+      <a:majorFont>
+        <a:latin typeface="Calibri Light" panose="020F0302020204030204"/>
+        <a:ea typeface=""/>
+        <a:cs typeface=""/>
+        <a:font script="Jpan" typeface="游ゴシック Light"/>
+        <a:font script="Hang" typeface="맑은 고딕"/>
+        <a:font script="Hans" typeface="等线 Light"/>
+        <a:font script="Hant" typeface="新細明體"/>
+        <a:font script="Arab" typeface="Times New Roman"/>
+        <a:font script="Hebr" typeface="Times New Roman"/>
+        <a:font script="Thai" typeface="Angsana New"/>
+        <a:font script="Ethi" typeface="Nyala"/>
+        <a:font script="Beng" typeface="Vrinda"/>
+        <a:font script="Gujr" typeface="Shruti"/>
+        <a:font script="Khmr" typeface="MoolBoran"/>
+        <a:font script="Knda" typeface="Tunga"/>
+        <a:font script="Guru" typeface="Raavi"/>
+        <a:font script="Cans" typeface="Euphemia"/>
+        <a:font script="Cher" typeface="Plantagenet Cherokee"/>
+        <a:font script="Yiii" typeface="Microsoft Yi Baiti"/>
+        <a:font script="Tibt" typeface="Microsoft Himalaya"/>
+        <a:font script="Thaa" typeface="MV Boli"/>
+        <a:font script="Deva" typeface="Mangal"/>
+        <a:font script="Telu" typeface="Gautami"/>
+        <a:font script="Taml" typeface="Latha"/>
+        <a:font script="Syrc" typeface="Estrangelo Edessa"/>
+        <a:font script="Orya" typeface="Kalinga"/>
+        <a:font script="Mlym" typeface="Kartika"/>
+        <a:font script="Laoo" typeface="DokChampa"/>
+        <a:font script="Sinh" typeface="Iskoola Pota"/>
+        <a:font script="Mong" typeface="Mongolian Baiti"/>
+        <a:font script="Viet" typeface="Times New Roman"/>
+        <a:font script="Uigh" typeface="Microsoft Uighur"/>
+        <a:font script="Geor" typeface="Sylfaen"/>
+        <a:font script="Armn" typeface="Arial"/>
+        <a:font script="Bugi" typeface="Leelawadee UI"/>
+        <a:font script="Bopo" typeface="Microsoft JhengHei"/>
+        <a:font script="Java" typeface="Javanese Text"/>
+        <a:font script="Lisu" typeface="Segoe UI"/>
+        <a:font script="Mymr" typeface="Myanmar Text"/>
+        <a:font script="Nkoo" typeface="Ebrima"/>
+        <a:font script="Olck" typeface="Nirmala UI"/>
+        <a:font script="Osma" typeface="Ebrima"/>
+        <a:font script="Phag" typeface="Phagspa"/>
+        <a:font script="Syrn" typeface="Estrangelo Edessa"/>
+        <a:font script="Syrj" typeface="Estrangelo Edessa"/>
+        <a:font script="Syre" typeface="Estrangelo Edessa"/>
+        <a:font script="Sora" typeface="Nirmala UI"/>
+        <a:font script="Tale" typeface="Microsoft Tai Le"/>
+        <a:font script="Talu" typeface="Microsoft New Tai Lue"/>
+        <a:font script="Tfng" typeface="Ebrima"/>
+      </a:majorFont>
+      <a:minorFont>
+        <a:latin typeface="Calibri" panose="020F0502020204030204"/>
+        <a:ea typeface=""/>
+        <a:cs typeface=""/>
+        <a:font script="Jpan" typeface="游ゴシック"/>
+        <a:font script="Hang" typeface="맑은 고딕"/>
+        <a:font script="Hans" typeface="等线"/>
+        <a:font script="Hant" typeface="新細明體"/>
+        <a:font script="Arab" typeface="Arial"/>
+        <a:font script="Hebr" typeface="Arial"/>
+        <a:font script="Thai" typeface="Cordia New"/>
+        <a:font script="Ethi" typeface="Nyala"/>
+        <a:font script="Beng" typeface="Vrinda"/>
+        <a:font script="Gujr" typeface="Shruti"/>
+        <a:font script="Khmr" typeface="DaunPenh"/>
+        <a:font script="Knda" typeface="Tunga"/>
+        <a:font script="Guru" typeface="Raavi"/>
+        <a:font script="Cans" typeface="Euphemia"/>
+        <a:font script="Cher" typeface="Plantagenet Cherokee"/>
+        <a:font script="Yiii" typeface="Microsoft Yi Baiti"/>
+        <a:font script="Tibt" typeface="Microsoft Himalaya"/>
+        <a:font script="Thaa" typeface="MV Boli"/>
+        <a:font script="Deva" typeface="Mangal"/>
+        <a:font script="Telu" typeface="Gautami"/>
+        <a:font script="Taml" typeface="Latha"/>
+        <a:font script="Syrc" typeface="Estrangelo Edessa"/>
+        <a:font script="Orya" typeface="Kalinga"/>
+        <a:font script="Mlym" typeface="Kartika"/>
+        <a:font script="Laoo" typeface="DokChampa"/>
+        <a:font script="Sinh" typeface="Iskoola Pota"/>
+        <a:font script="Mong" typeface="Mongolian Baiti"/>
+        <a:font script="Viet" typeface="Arial"/>
+        <a:font script="Uigh" typeface="Microsoft Uighur"/>
+        <a:font script="Geor" typeface="Sylfaen"/>
+        <a:font script="Armn" typeface="Arial"/>
+        <a:font script="Bugi" typeface="Leelawadee UI"/>
+        <a:font script="Bopo" typeface="Microsoft JhengHei"/>
+        <a:font script="Java" typeface="Javanese Text"/>
+        <a:font script="Lisu" typeface="Segoe UI"/>
+        <a:font script="Mymr" typeface="Myanmar Text"/>
+        <a:font script="Nkoo" typeface="Ebrima"/>
+        <a:font script="Olck" typeface="Nirmala UI"/>
+        <a:font script="Osma" typeface="Ebrima"/>
+        <a:font script="Phag" typeface="Phagspa"/>
+        <a:font script="Syrn" typeface="Estrangelo Edessa"/>
+        <a:font script="Syrj" typeface="Estrangelo Edessa"/>
+        <a:font script="Syre" typeface="Estrangelo Edessa"/>
+        <a:font script="Sora" typeface="Nirmala UI"/>
+        <a:font script="Tale" typeface="Microsoft Tai Le"/>
+        <a:font script="Talu" typeface="Microsoft New Tai Lue"/>
+        <a:font script="Tfng" typeface="Ebrima"/>
+      </a:minorFont>
+    </a:fontScheme>
+    <a:fmtScheme name="Office">
+      <a:fillStyleLst>
+        <a:solidFill>
+          <a:schemeClr val="phClr"/>
+        </a:solidFill>
+        <a:gradFill rotWithShape="1">
+          <a:gsLst>
+            <a:gs pos="0">
+              <a:schemeClr val="phClr">
+                <a:lumMod val="110000"/>
+                <a:satMod val="105000"/>
+                <a:tint val="67000"/>
+              </a:schemeClr>
+            </a:gs>
+            <a:gs pos="50000">
+              <a:schemeClr val="phClr">
+                <a:lumMod val="105000"/>
+                <a:satMod val="103000"/>
+                <a:tint val="73000"/>
+              </a:schemeClr>
+            </a:gs>
+            <a:gs pos="100000">
+              <a:schemeClr val="phClr">
+                <a:lumMod val="105000"/>
+                <a:satMod val="109000"/>
+                <a:tint val="81000"/>
+              </a:schemeClr>
+            </a:gs>
+          </a:gsLst>
+          <a:lin ang="5400000" scaled="0"/>
+        </a:gradFill>
+        <a:gradFill rotWithShape="1">
+          <a:gsLst>
+            <a:gs pos="0">
+              <a:schemeClr val="phClr">
+                <a:satMod val="103000"/>
+                <a:lumMod val="102000"/>
+                <a:tint val="94000"/>
+              </a:schemeClr>
+            </a:gs>
+            <a:gs pos="50000">
+              <a:schemeClr val="phClr">
+                <a:satMod val="110000"/>
+                <a:lumMod val="100000"/>
+                <a:shade val="100000"/>
+              </a:schemeClr>
+            </a:gs>
+            <a:gs pos="100000">
+              <a:schemeClr val="phClr">
+                <a:lumMod val="99000"/>
+                <a:satMod val="120000"/>
+                <a:shade val="78000"/>
+              </a:schemeClr>
+            </a:gs>
+          </a:gsLst>
+          <a:lin ang="5400000" scaled="0"/>
+        </a:gradFill>
+      </a:fillStyleLst>
+      <a:lnStyleLst>
+        <a:ln w="6350" cap="flat" cmpd="sng" algn="ctr">
+          <a:solidFill>
+            <a:schemeClr val="phClr"/>
+          </a:solidFill>
+          <a:prstDash val="solid"/>
+          <a:miter lim="800000"/>
+        </a:ln>
+        <a:ln w="12700" cap="flat" cmpd="sng" algn="ctr">
+          <a:solidFill>
+            <a:schemeClr val="phClr"/>
+          </a:solidFill>
+          <a:prstDash val="solid"/>
+          <a:miter lim="800000"/>
+        </a:ln>
+        <a:ln w="19050" cap="flat" cmpd="sng" algn="ctr">
+          <a:solidFill>
+            <a:schemeClr val="phClr"/>
+          </a:solidFill>
+          <a:prstDash val="solid"/>
+          <a:miter lim="800000"/>
+        </a:ln>
+      </a:lnStyleLst>
+      <a:effectStyleLst>
+        <a:effectStyle>
+          <a:effectLst/>
+        </a:effectStyle>
+        <a:effectStyle>
+          <a:effectLst/>
+        </a:effectStyle>
+        <a:effectStyle>
+          <a:effectLst>
+            <a:outerShdw blurRad="57150" dist="19050" dir="5400000" algn="ctr" rotWithShape="0">
+              <a:srgbClr val="000000">
+                <a:alpha val="63000"/>
+              </a:srgbClr>
+            </a:outerShdw>
+          </a:effectLst>
+        </a:effectStyle>
+      </a:effectStyleLst>
+      <a:bgFillStyleLst>
+        <a:solidFill>
+          <a:schemeClr val="phClr"/>
+        </a:solidFill>
+        <a:solidFill>
+          <a:schemeClr val="phClr">
+            <a:tint val="95000"/>
+            <a:satMod val="170000"/>
+          </a:schemeClr>
+        </a:solidFill>
+        <a:gradFill rotWithShape="1">
+          <a:gsLst>
+            <a:gs pos="0">
+              <a:schemeClr val="phClr">
+                <a:tint val="93000"/>
+                <a:satMod val="150000"/>
+                <a:shade val="98000"/>
+                <a:lumMod val="102000"/>
+              </a:schemeClr>
+            </a:gs>
+            <a:gs pos="50000">
+              <a:schemeClr val="phClr">
+                <a:tint val="98000"/>
+                <a:satMod val="130000"/>
+                <a:shade val="90000"/>
+                <a:lumMod val="103000"/>
+              </a:schemeClr>
+            </a:gs>
+            <a:gs pos="100000">
+              <a:schemeClr val="phClr">
+                <a:shade val="63000"/>
+                <a:satMod val="120000"/>
+              </a:schemeClr>
+            </a:gs>
+          </a:gsLst>
+          <a:lin ang="5400000" scaled="0"/>
+        </a:gradFill>
+      </a:bgFillStyleLst>
+    </a:fmtScheme>
+  </a:themeElements>
+  <a:objectDefaults/>
+  <a:extraClrSchemeLst/>
+  <a:extLst>
+    <a:ext uri="{05A4C25C-085E-4340-85A3-A5531E510DB2}">
+      <thm15:themeFamily xmlns:thm15="http://schemas.microsoft.com/office/thememl/2012/main" name="Office Theme" id="{62F939B6-93AF-4DB8-9C6B-D6C7DFDC589F}" vid="{4A3C46E8-61CC-4603-A589-7422A47A8E4A}"/>
+    </a:ext>
+  </a:extLst>
+</a:theme>
 </file>